--- a/drools-business-rules-engine.pptx
+++ b/drools-business-rules-engine.pptx
@@ -5,12 +5,16 @@
     <p:sldMasterId id="2147483658" r:id="rId2"/>
   </p:sldMasterIdLst>
   <p:notesMasterIdLst>
-    <p:notesMasterId r:id="rId6"/>
+    <p:notesMasterId r:id="rId10"/>
   </p:notesMasterIdLst>
   <p:sldIdLst>
     <p:sldId id="256" r:id="rId3"/>
-    <p:sldId id="257" r:id="rId4"/>
-    <p:sldId id="258" r:id="rId5"/>
+    <p:sldId id="258" r:id="rId4"/>
+    <p:sldId id="262" r:id="rId5"/>
+    <p:sldId id="259" r:id="rId6"/>
+    <p:sldId id="260" r:id="rId7"/>
+    <p:sldId id="261" r:id="rId8"/>
+    <p:sldId id="263" r:id="rId9"/>
   </p:sldIdLst>
   <p:sldSz cx="9144000" cy="6858000" type="screen4x3"/>
   <p:notesSz cx="6858000" cy="9144000"/>
@@ -211,7 +215,7 @@
             <a:fld id="{3842907C-D0AA-4C58-9F94-58B40AD65B29}" type="datetimeFigureOut">
               <a:rPr lang="en-US" smtClean="0"/>
               <a:pPr/>
-              <a:t>10/12/2013</a:t>
+              <a:t>10/28/2013</a:t>
             </a:fld>
             <a:endParaRPr lang="en-US"/>
           </a:p>
@@ -561,93 +565,6 @@
     <p:extLst>
       <p:ext uri="{BB962C8B-B14F-4D97-AF65-F5344CB8AC3E}">
         <p14:creationId xmlns:p14="http://schemas.microsoft.com/office/powerpoint/2010/main" val="3543263521"/>
-      </p:ext>
-    </p:extLst>
-  </p:cSld>
-  <p:clrMapOvr>
-    <a:masterClrMapping/>
-  </p:clrMapOvr>
-</p:notes>
-</file>
-
-<file path=ppt/notesSlides/notesSlide2.xml><?xml version="1.0" encoding="utf-8"?>
-<p:notes xmlns:a="http://schemas.openxmlformats.org/drawingml/2006/main" xmlns:r="http://schemas.openxmlformats.org/officeDocument/2006/relationships" xmlns:p="http://schemas.openxmlformats.org/presentationml/2006/main">
-  <p:cSld>
-    <p:spTree>
-      <p:nvGrpSpPr>
-        <p:cNvPr id="1" name=""/>
-        <p:cNvGrpSpPr/>
-        <p:nvPr/>
-      </p:nvGrpSpPr>
-      <p:grpSpPr>
-        <a:xfrm>
-          <a:off x="0" y="0"/>
-          <a:ext cx="0" cy="0"/>
-          <a:chOff x="0" y="0"/>
-          <a:chExt cx="0" cy="0"/>
-        </a:xfrm>
-      </p:grpSpPr>
-      <p:sp>
-        <p:nvSpPr>
-          <p:cNvPr id="2" name="Slide Image Placeholder 1"/>
-          <p:cNvSpPr>
-            <a:spLocks noGrp="1" noRot="1" noChangeAspect="1"/>
-          </p:cNvSpPr>
-          <p:nvPr>
-            <p:ph type="sldImg"/>
-          </p:nvPr>
-        </p:nvSpPr>
-        <p:spPr/>
-      </p:sp>
-      <p:sp>
-        <p:nvSpPr>
-          <p:cNvPr id="3" name="Notes Placeholder 2"/>
-          <p:cNvSpPr>
-            <a:spLocks noGrp="1"/>
-          </p:cNvSpPr>
-          <p:nvPr>
-            <p:ph type="body" idx="1"/>
-          </p:nvPr>
-        </p:nvSpPr>
-        <p:spPr/>
-        <p:txBody>
-          <a:bodyPr>
-            <a:normAutofit/>
-          </a:bodyPr>
-          <a:lstStyle/>
-          <a:p>
-            <a:endParaRPr lang="en-US"/>
-          </a:p>
-        </p:txBody>
-      </p:sp>
-      <p:sp>
-        <p:nvSpPr>
-          <p:cNvPr id="4" name="Slide Number Placeholder 3"/>
-          <p:cNvSpPr>
-            <a:spLocks noGrp="1"/>
-          </p:cNvSpPr>
-          <p:nvPr>
-            <p:ph type="sldNum" sz="quarter" idx="10"/>
-          </p:nvPr>
-        </p:nvSpPr>
-        <p:spPr/>
-        <p:txBody>
-          <a:bodyPr/>
-          <a:lstStyle/>
-          <a:p>
-            <a:fld id="{1D76769E-C829-4283-B80E-CB90D995C291}" type="slidenum">
-              <a:rPr lang="en-US" smtClean="0"/>
-              <a:pPr/>
-              <a:t>2</a:t>
-            </a:fld>
-            <a:endParaRPr lang="en-US"/>
-          </a:p>
-        </p:txBody>
-      </p:sp>
-    </p:spTree>
-    <p:extLst>
-      <p:ext uri="{BB962C8B-B14F-4D97-AF65-F5344CB8AC3E}">
-        <p14:creationId xmlns:p14="http://schemas.microsoft.com/office/powerpoint/2010/main" val="3757801699"/>
       </p:ext>
     </p:extLst>
   </p:cSld>
@@ -1283,7 +1200,7 @@
             <a:fld id="{E6E13C79-1C97-4B32-B2AE-1A69C169643E}" type="datetime2">
               <a:rPr lang="en-US" smtClean="0"/>
               <a:pPr/>
-              <a:t>Saturday, October 12, 2013</a:t>
+              <a:t>Monday, October 28, 2013</a:t>
             </a:fld>
             <a:endParaRPr lang="en-US" dirty="0">
               <a:solidFill>
@@ -1495,7 +1412,7 @@
             <a:fld id="{D10E14BF-C004-4398-9186-5EE680724D95}" type="datetime2">
               <a:rPr lang="en-US" smtClean="0"/>
               <a:pPr/>
-              <a:t>Saturday, October 12, 2013</a:t>
+              <a:t>Monday, October 28, 2013</a:t>
             </a:fld>
             <a:endParaRPr lang="en-US"/>
           </a:p>
@@ -1688,7 +1605,7 @@
             <a:fld id="{D10E14BF-C004-4398-9186-5EE680724D95}" type="datetime2">
               <a:rPr lang="en-US" smtClean="0"/>
               <a:pPr/>
-              <a:t>Saturday, October 12, 2013</a:t>
+              <a:t>Monday, October 28, 2013</a:t>
             </a:fld>
             <a:endParaRPr lang="en-US"/>
           </a:p>
@@ -1846,7 +1763,7 @@
             <a:fld id="{227FEF5B-F2CC-4EC5-8F1F-29A8BF9EFFA9}" type="datetime2">
               <a:rPr lang="en-US" smtClean="0"/>
               <a:pPr/>
-              <a:t>Saturday, October 12, 2013</a:t>
+              <a:t>Monday, October 28, 2013</a:t>
             </a:fld>
             <a:endParaRPr lang="en-US"/>
           </a:p>
@@ -2103,7 +2020,7 @@
             <a:fld id="{5F4709C1-563D-4D9C-B702-B64C84A5A174}" type="datetime2">
               <a:rPr lang="en-US" smtClean="0"/>
               <a:pPr/>
-              <a:t>Saturday, October 12, 2013</a:t>
+              <a:t>Monday, October 28, 2013</a:t>
             </a:fld>
             <a:endParaRPr lang="en-US"/>
           </a:p>
@@ -2514,7 +2431,7 @@
             <a:fld id="{2E8303D9-A6EB-41FB-BF22-3F49E470997E}" type="datetime2">
               <a:rPr lang="en-US" smtClean="0"/>
               <a:pPr/>
-              <a:t>Saturday, October 12, 2013</a:t>
+              <a:t>Monday, October 28, 2013</a:t>
             </a:fld>
             <a:endParaRPr lang="en-US"/>
           </a:p>
@@ -2962,7 +2879,7 @@
             <a:fld id="{89BB0534-5698-4F62-9CFE-5DE61A073E78}" type="datetime2">
               <a:rPr lang="en-US" smtClean="0"/>
               <a:pPr/>
-              <a:t>Saturday, October 12, 2013</a:t>
+              <a:t>Monday, October 28, 2013</a:t>
             </a:fld>
             <a:endParaRPr lang="en-US"/>
           </a:p>
@@ -3065,7 +2982,7 @@
             <a:fld id="{084827A3-B249-4F87-AB1A-1E06AC1AA2A4}" type="datetime2">
               <a:rPr lang="en-US" smtClean="0"/>
               <a:pPr/>
-              <a:t>Saturday, October 12, 2013</a:t>
+              <a:t>Monday, October 28, 2013</a:t>
             </a:fld>
             <a:endParaRPr lang="en-US"/>
           </a:p>
@@ -3188,7 +3105,7 @@
             <a:fld id="{B1546142-29B2-49CC-BCC6-A3AD70B4960E}" type="datetime2">
               <a:rPr lang="en-US" smtClean="0"/>
               <a:pPr/>
-              <a:t>Saturday, October 12, 2013</a:t>
+              <a:t>Monday, October 28, 2013</a:t>
             </a:fld>
             <a:endParaRPr lang="en-US"/>
           </a:p>
@@ -3464,7 +3381,7 @@
             <a:fld id="{E86C4691-4882-40A8-AF62-8CF6A18D40B2}" type="datetime2">
               <a:rPr lang="en-US" smtClean="0"/>
               <a:pPr/>
-              <a:t>Saturday, October 12, 2013</a:t>
+              <a:t>Monday, October 28, 2013</a:t>
             </a:fld>
             <a:endParaRPr lang="en-US"/>
           </a:p>
@@ -3671,7 +3588,7 @@
             <a:fld id="{61C6776A-4DEC-47EE-8A49-2C150ECB5465}" type="datetime2">
               <a:rPr lang="en-US" smtClean="0"/>
               <a:pPr/>
-              <a:t>Saturday, October 12, 2013</a:t>
+              <a:t>Monday, October 28, 2013</a:t>
             </a:fld>
             <a:endParaRPr lang="en-US">
               <a:solidFill>
@@ -4794,7 +4711,7 @@
             <a:fld id="{D10E14BF-C004-4398-9186-5EE680724D95}" type="datetime2">
               <a:rPr lang="en-US" smtClean="0"/>
               <a:pPr/>
-              <a:t>Saturday, October 12, 2013</a:t>
+              <a:t>Monday, October 28, 2013</a:t>
             </a:fld>
             <a:endParaRPr lang="en-US" sz="1000" dirty="0">
               <a:solidFill>
@@ -5425,12 +5342,12 @@
       </p:grpSpPr>
       <p:sp>
         <p:nvSpPr>
-          <p:cNvPr id="2" name="Rectangle 1"/>
-          <p:cNvSpPr>
-            <a:spLocks noGrp="1"/>
-          </p:cNvSpPr>
-          <p:nvPr>
-            <p:ph type="title"/>
+          <p:cNvPr id="2" name="Symbol zastępczy zawartości 1"/>
+          <p:cNvSpPr>
+            <a:spLocks noGrp="1"/>
+          </p:cNvSpPr>
+          <p:nvPr>
+            <p:ph idx="1"/>
           </p:nvPr>
         </p:nvSpPr>
         <p:spPr/>
@@ -5439,8 +5356,15 @@
           <a:lstStyle/>
           <a:p>
             <a:r>
-              <a:rPr lang="pl-PL" dirty="0" smtClean="0"/>
-              <a:t>Agenda</a:t>
+              <a:rPr lang="en-US" dirty="0"/>
+              <a:t>KRR is about how we represent our knowledge in symbolic form, i.e. how we describe something. </a:t>
+            </a:r>
+            <a:endParaRPr lang="pl-PL" dirty="0" smtClean="0"/>
+          </a:p>
+          <a:p>
+            <a:r>
+              <a:rPr lang="en-US" dirty="0"/>
+              <a:t>Reasoning is about how we go about the act of thinking using this knowledge.</a:t>
             </a:r>
             <a:endParaRPr lang="pl-PL" dirty="0"/>
           </a:p>
@@ -5448,69 +5372,37 @@
       </p:sp>
       <p:sp>
         <p:nvSpPr>
-          <p:cNvPr id="3" name="Rectangle 2"/>
-          <p:cNvSpPr>
-            <a:spLocks noGrp="1"/>
-          </p:cNvSpPr>
-          <p:nvPr>
-            <p:ph idx="1"/>
+          <p:cNvPr id="3" name="Tytuł 2"/>
+          <p:cNvSpPr>
+            <a:spLocks noGrp="1"/>
+          </p:cNvSpPr>
+          <p:nvPr>
+            <p:ph type="title"/>
           </p:nvPr>
         </p:nvSpPr>
         <p:spPr/>
         <p:txBody>
-          <a:bodyPr/>
+          <a:bodyPr>
+            <a:normAutofit fontScale="90000"/>
+          </a:bodyPr>
           <a:lstStyle/>
           <a:p>
             <a:r>
-              <a:rPr lang="en-US" dirty="0"/>
+              <a:rPr lang="en-US" b="0" dirty="0">
+                <a:effectLst/>
+              </a:rPr>
               <a:t>Knowledge Representation and Reasoning (KRR)</a:t>
             </a:r>
             <a:endParaRPr lang="pl-PL" dirty="0"/>
           </a:p>
         </p:txBody>
       </p:sp>
-      <p:pic>
-        <p:nvPicPr>
-          <p:cNvPr id="2050" name="Picture 2" descr="http://blog.monitis.com/wp-content/uploads/2012/03/jboss_logo.jpg"/>
-          <p:cNvPicPr>
-            <a:picLocks noChangeAspect="1" noChangeArrowheads="1"/>
-          </p:cNvPicPr>
-          <p:nvPr/>
-        </p:nvPicPr>
-        <p:blipFill>
-          <a:blip r:embed="rId3" cstate="print">
-            <a:extLst>
-              <a:ext uri="{28A0092B-C50C-407E-A947-70E740481C1C}">
-                <a14:useLocalDpi xmlns:a14="http://schemas.microsoft.com/office/drawing/2010/main" val="0"/>
-              </a:ext>
-            </a:extLst>
-          </a:blip>
-          <a:srcRect/>
-          <a:stretch>
-            <a:fillRect/>
-          </a:stretch>
-        </p:blipFill>
-        <p:spPr bwMode="auto">
-          <a:xfrm>
-            <a:off x="155575" y="-2163763"/>
-            <a:ext cx="2634445" cy="1632323"/>
-          </a:xfrm>
-          <a:prstGeom prst="rect">
-            <a:avLst/>
-          </a:prstGeom>
-          <a:noFill/>
-          <a:extLst>
-            <a:ext uri="{909E8E84-426E-40DD-AFC4-6F175D3DCCD1}">
-              <a14:hiddenFill xmlns:a14="http://schemas.microsoft.com/office/drawing/2010/main">
-                <a:solidFill>
-                  <a:srgbClr val="FFFFFF"/>
-                </a:solidFill>
-              </a14:hiddenFill>
-            </a:ext>
-          </a:extLst>
-        </p:spPr>
-      </p:pic>
     </p:spTree>
+    <p:extLst>
+      <p:ext uri="{BB962C8B-B14F-4D97-AF65-F5344CB8AC3E}">
+        <p14:creationId xmlns:p14="http://schemas.microsoft.com/office/powerpoint/2010/main" val="4230564183"/>
+      </p:ext>
+    </p:extLst>
   </p:cSld>
   <p:clrMapOvr>
     <a:masterClrMapping/>
@@ -5554,24 +5446,47 @@
         </p:nvSpPr>
         <p:spPr/>
         <p:txBody>
-          <a:bodyPr/>
+          <a:bodyPr>
+            <a:normAutofit/>
+          </a:bodyPr>
           <a:lstStyle/>
           <a:p>
-            <a:r>
-              <a:rPr lang="pl-PL" dirty="0" smtClean="0"/>
-              <a:t>Knowledge </a:t>
-            </a:r>
-            <a:r>
-              <a:rPr lang="pl-PL" dirty="0" err="1" smtClean="0"/>
-              <a:t>representation</a:t>
-            </a:r>
-            <a:r>
-              <a:rPr lang="pl-PL" dirty="0" smtClean="0"/>
-              <a:t> - </a:t>
-            </a:r>
-          </a:p>
-          <a:p>
-            <a:endParaRPr lang="pl-PL" dirty="0"/>
+            <a:pPr marL="109728" indent="0">
+              <a:buNone/>
+            </a:pPr>
+            <a:endParaRPr lang="pl-PL" sz="4400" dirty="0" smtClean="0"/>
+          </a:p>
+          <a:p>
+            <a:pPr marL="109728" indent="0">
+              <a:buNone/>
+            </a:pPr>
+            <a:endParaRPr lang="pl-PL" sz="4400" dirty="0"/>
+          </a:p>
+          <a:p>
+            <a:pPr marL="109728" indent="0" algn="ctr">
+              <a:buNone/>
+            </a:pPr>
+            <a:r>
+              <a:rPr lang="pl-PL" sz="4400" dirty="0" smtClean="0"/>
+              <a:t>insert(</a:t>
+            </a:r>
+            <a:r>
+              <a:rPr lang="pl-PL" sz="4400" dirty="0" err="1" smtClean="0"/>
+              <a:t>new</a:t>
+            </a:r>
+            <a:r>
+              <a:rPr lang="pl-PL" sz="4400" dirty="0" smtClean="0"/>
+              <a:t> </a:t>
+            </a:r>
+            <a:r>
+              <a:rPr lang="pl-PL" sz="4400" dirty="0" err="1" smtClean="0"/>
+              <a:t>Fact</a:t>
+            </a:r>
+            <a:r>
+              <a:rPr lang="pl-PL" sz="4400" dirty="0" smtClean="0"/>
+              <a:t>())</a:t>
+            </a:r>
+            <a:endParaRPr lang="pl-PL" sz="4400" dirty="0"/>
           </a:p>
         </p:txBody>
       </p:sp>
@@ -5593,10 +5508,20 @@
           <a:lstStyle/>
           <a:p>
             <a:r>
-              <a:rPr lang="en-US" b="0" dirty="0">
-                <a:effectLst/>
-              </a:rPr>
-              <a:t>Knowledge Representation and Reasoning (KRR)</a:t>
+              <a:rPr lang="pl-PL" dirty="0" smtClean="0"/>
+              <a:t>Knowledge </a:t>
+            </a:r>
+            <a:r>
+              <a:rPr lang="pl-PL" dirty="0" err="1" smtClean="0"/>
+              <a:t>representation</a:t>
+            </a:r>
+            <a:r>
+              <a:rPr lang="pl-PL" dirty="0" smtClean="0"/>
+              <a:t> in </a:t>
+            </a:r>
+            <a:r>
+              <a:rPr lang="pl-PL" dirty="0" err="1" smtClean="0"/>
+              <a:t>Drools</a:t>
             </a:r>
             <a:endParaRPr lang="pl-PL" dirty="0"/>
           </a:p>
@@ -5605,7 +5530,693 @@
     </p:spTree>
     <p:extLst>
       <p:ext uri="{BB962C8B-B14F-4D97-AF65-F5344CB8AC3E}">
-        <p14:creationId xmlns:p14="http://schemas.microsoft.com/office/powerpoint/2010/main" val="4230564183"/>
+        <p14:creationId xmlns:p14="http://schemas.microsoft.com/office/powerpoint/2010/main" val="1804263101"/>
+      </p:ext>
+    </p:extLst>
+  </p:cSld>
+  <p:clrMapOvr>
+    <a:masterClrMapping/>
+  </p:clrMapOvr>
+  <p:timing>
+    <p:tnLst>
+      <p:par>
+        <p:cTn id="1" dur="indefinite" restart="never" nodeType="tmRoot"/>
+      </p:par>
+    </p:tnLst>
+  </p:timing>
+</p:sld>
+</file>
+
+<file path=ppt/slides/slide4.xml><?xml version="1.0" encoding="utf-8"?>
+<p:sld xmlns:a="http://schemas.openxmlformats.org/drawingml/2006/main" xmlns:r="http://schemas.openxmlformats.org/officeDocument/2006/relationships" xmlns:p="http://schemas.openxmlformats.org/presentationml/2006/main">
+  <p:cSld>
+    <p:spTree>
+      <p:nvGrpSpPr>
+        <p:cNvPr id="1" name=""/>
+        <p:cNvGrpSpPr/>
+        <p:nvPr/>
+      </p:nvGrpSpPr>
+      <p:grpSpPr>
+        <a:xfrm>
+          <a:off x="0" y="0"/>
+          <a:ext cx="0" cy="0"/>
+          <a:chOff x="0" y="0"/>
+          <a:chExt cx="0" cy="0"/>
+        </a:xfrm>
+      </p:grpSpPr>
+      <p:pic>
+        <p:nvPicPr>
+          <p:cNvPr id="4" name="Symbol zastępczy zawartości 3"/>
+          <p:cNvPicPr>
+            <a:picLocks noGrp="1" noChangeAspect="1"/>
+          </p:cNvPicPr>
+          <p:nvPr>
+            <p:ph idx="1"/>
+          </p:nvPr>
+        </p:nvPicPr>
+        <p:blipFill>
+          <a:blip r:embed="rId2">
+            <a:extLst>
+              <a:ext uri="{28A0092B-C50C-407E-A947-70E740481C1C}">
+                <a14:useLocalDpi xmlns:a14="http://schemas.microsoft.com/office/drawing/2010/main" val="0"/>
+              </a:ext>
+            </a:extLst>
+          </a:blip>
+          <a:stretch>
+            <a:fillRect/>
+          </a:stretch>
+        </p:blipFill>
+        <p:spPr>
+          <a:xfrm>
+            <a:off x="1043608" y="1417638"/>
+            <a:ext cx="7192878" cy="9851786"/>
+          </a:xfrm>
+        </p:spPr>
+      </p:pic>
+      <p:sp>
+        <p:nvSpPr>
+          <p:cNvPr id="3" name="Tytuł 2"/>
+          <p:cNvSpPr>
+            <a:spLocks noGrp="1"/>
+          </p:cNvSpPr>
+          <p:nvPr>
+            <p:ph type="title"/>
+          </p:nvPr>
+        </p:nvSpPr>
+        <p:spPr/>
+        <p:txBody>
+          <a:bodyPr>
+            <a:normAutofit fontScale="90000"/>
+          </a:bodyPr>
+          <a:lstStyle/>
+          <a:p>
+            <a:r>
+              <a:rPr lang="pl-PL" dirty="0" smtClean="0"/>
+              <a:t>Postępowanie w przewlekłej stabilnej dławicy piersiowej</a:t>
+            </a:r>
+            <a:endParaRPr lang="pl-PL" dirty="0"/>
+          </a:p>
+        </p:txBody>
+      </p:sp>
+    </p:spTree>
+    <p:extLst>
+      <p:ext uri="{BB962C8B-B14F-4D97-AF65-F5344CB8AC3E}">
+        <p14:creationId xmlns:p14="http://schemas.microsoft.com/office/powerpoint/2010/main" val="1186384759"/>
+      </p:ext>
+    </p:extLst>
+  </p:cSld>
+  <p:clrMapOvr>
+    <a:masterClrMapping/>
+  </p:clrMapOvr>
+  <p:timing>
+    <p:tnLst>
+      <p:par>
+        <p:cTn id="1" dur="indefinite" restart="never" nodeType="tmRoot"/>
+      </p:par>
+    </p:tnLst>
+  </p:timing>
+</p:sld>
+</file>
+
+<file path=ppt/slides/slide5.xml><?xml version="1.0" encoding="utf-8"?>
+<p:sld xmlns:a="http://schemas.openxmlformats.org/drawingml/2006/main" xmlns:r="http://schemas.openxmlformats.org/officeDocument/2006/relationships" xmlns:p="http://schemas.openxmlformats.org/presentationml/2006/main">
+  <p:cSld>
+    <p:spTree>
+      <p:nvGrpSpPr>
+        <p:cNvPr id="1" name=""/>
+        <p:cNvGrpSpPr/>
+        <p:nvPr/>
+      </p:nvGrpSpPr>
+      <p:grpSpPr>
+        <a:xfrm>
+          <a:off x="0" y="0"/>
+          <a:ext cx="0" cy="0"/>
+          <a:chOff x="0" y="0"/>
+          <a:chExt cx="0" cy="0"/>
+        </a:xfrm>
+      </p:grpSpPr>
+      <p:sp>
+        <p:nvSpPr>
+          <p:cNvPr id="2" name="Symbol zastępczy zawartości 1"/>
+          <p:cNvSpPr>
+            <a:spLocks noGrp="1"/>
+          </p:cNvSpPr>
+          <p:nvPr>
+            <p:ph idx="1"/>
+          </p:nvPr>
+        </p:nvSpPr>
+        <p:spPr/>
+        <p:txBody>
+          <a:bodyPr>
+            <a:normAutofit lnSpcReduction="10000"/>
+          </a:bodyPr>
+          <a:lstStyle/>
+          <a:p>
+            <a:pPr marL="109728" indent="0">
+              <a:buNone/>
+            </a:pPr>
+            <a:r>
+              <a:rPr lang="pl-PL" b="1" dirty="0" err="1" smtClean="0"/>
+              <a:t>rule</a:t>
+            </a:r>
+            <a:r>
+              <a:rPr lang="pl-PL" b="1" dirty="0" smtClean="0"/>
+              <a:t> "Hello World"</a:t>
+            </a:r>
+          </a:p>
+          <a:p>
+            <a:pPr marL="109728" indent="0">
+              <a:buNone/>
+            </a:pPr>
+            <a:r>
+              <a:rPr lang="pl-PL" dirty="0" smtClean="0"/>
+              <a:t>    </a:t>
+            </a:r>
+            <a:r>
+              <a:rPr lang="pl-PL" b="1" dirty="0" err="1" smtClean="0"/>
+              <a:t>when</a:t>
+            </a:r>
+            <a:endParaRPr lang="pl-PL" b="1" dirty="0" smtClean="0"/>
+          </a:p>
+          <a:p>
+            <a:pPr marL="109728" indent="0">
+              <a:buNone/>
+            </a:pPr>
+            <a:r>
+              <a:rPr lang="pl-PL" dirty="0" smtClean="0"/>
+              <a:t>        m : Message( status == </a:t>
+            </a:r>
+            <a:r>
+              <a:rPr lang="pl-PL" dirty="0" err="1" smtClean="0"/>
+              <a:t>Message.HELLO</a:t>
+            </a:r>
+            <a:r>
+              <a:rPr lang="pl-PL" dirty="0" smtClean="0"/>
+              <a:t>, </a:t>
+            </a:r>
+            <a:r>
+              <a:rPr lang="pl-PL" dirty="0" err="1" smtClean="0"/>
+              <a:t>myMessage</a:t>
+            </a:r>
+            <a:r>
+              <a:rPr lang="pl-PL" dirty="0" smtClean="0"/>
+              <a:t> : </a:t>
+            </a:r>
+            <a:r>
+              <a:rPr lang="pl-PL" dirty="0" err="1" smtClean="0"/>
+              <a:t>message</a:t>
+            </a:r>
+            <a:r>
+              <a:rPr lang="pl-PL" dirty="0" smtClean="0"/>
+              <a:t> )</a:t>
+            </a:r>
+          </a:p>
+          <a:p>
+            <a:pPr marL="109728" indent="0">
+              <a:buNone/>
+            </a:pPr>
+            <a:r>
+              <a:rPr lang="pl-PL" dirty="0" smtClean="0"/>
+              <a:t>    </a:t>
+            </a:r>
+            <a:r>
+              <a:rPr lang="pl-PL" b="1" dirty="0" err="1" smtClean="0"/>
+              <a:t>then</a:t>
+            </a:r>
+            <a:endParaRPr lang="pl-PL" b="1" dirty="0" smtClean="0"/>
+          </a:p>
+          <a:p>
+            <a:pPr marL="109728" indent="0">
+              <a:buNone/>
+            </a:pPr>
+            <a:r>
+              <a:rPr lang="pl-PL" dirty="0" smtClean="0"/>
+              <a:t>        </a:t>
+            </a:r>
+            <a:r>
+              <a:rPr lang="pl-PL" dirty="0" err="1" smtClean="0"/>
+              <a:t>System.out.println</a:t>
+            </a:r>
+            <a:r>
+              <a:rPr lang="pl-PL" dirty="0" smtClean="0"/>
+              <a:t>( </a:t>
+            </a:r>
+            <a:r>
+              <a:rPr lang="pl-PL" dirty="0" err="1" smtClean="0"/>
+              <a:t>myMessage</a:t>
+            </a:r>
+            <a:r>
+              <a:rPr lang="pl-PL" dirty="0" smtClean="0"/>
+              <a:t> );</a:t>
+            </a:r>
+          </a:p>
+          <a:p>
+            <a:pPr marL="109728" indent="0">
+              <a:buNone/>
+            </a:pPr>
+            <a:r>
+              <a:rPr lang="pl-PL" dirty="0" smtClean="0"/>
+              <a:t>        </a:t>
+            </a:r>
+            <a:r>
+              <a:rPr lang="pl-PL" dirty="0" err="1" smtClean="0"/>
+              <a:t>m.setMessage</a:t>
+            </a:r>
+            <a:r>
+              <a:rPr lang="pl-PL" dirty="0" smtClean="0"/>
+              <a:t>( "</a:t>
+            </a:r>
+            <a:r>
+              <a:rPr lang="pl-PL" dirty="0" err="1" smtClean="0"/>
+              <a:t>Goodbye</a:t>
+            </a:r>
+            <a:r>
+              <a:rPr lang="pl-PL" dirty="0" smtClean="0"/>
+              <a:t> </a:t>
+            </a:r>
+            <a:r>
+              <a:rPr lang="pl-PL" dirty="0" err="1" smtClean="0"/>
+              <a:t>cruel</a:t>
+            </a:r>
+            <a:r>
+              <a:rPr lang="pl-PL" dirty="0" smtClean="0"/>
+              <a:t> </a:t>
+            </a:r>
+            <a:r>
+              <a:rPr lang="pl-PL" dirty="0" err="1" smtClean="0"/>
+              <a:t>world</a:t>
+            </a:r>
+            <a:r>
+              <a:rPr lang="pl-PL" dirty="0" smtClean="0"/>
+              <a:t>" );</a:t>
+            </a:r>
+          </a:p>
+          <a:p>
+            <a:pPr marL="109728" indent="0">
+              <a:buNone/>
+            </a:pPr>
+            <a:r>
+              <a:rPr lang="pl-PL" dirty="0" smtClean="0"/>
+              <a:t>        </a:t>
+            </a:r>
+            <a:r>
+              <a:rPr lang="pl-PL" dirty="0" err="1" smtClean="0"/>
+              <a:t>m.setStatus</a:t>
+            </a:r>
+            <a:r>
+              <a:rPr lang="pl-PL" dirty="0" smtClean="0"/>
+              <a:t>( </a:t>
+            </a:r>
+            <a:r>
+              <a:rPr lang="pl-PL" dirty="0" err="1" smtClean="0"/>
+              <a:t>Message.GOODBYE</a:t>
+            </a:r>
+            <a:r>
+              <a:rPr lang="pl-PL" dirty="0" smtClean="0"/>
+              <a:t> );</a:t>
+            </a:r>
+          </a:p>
+          <a:p>
+            <a:pPr marL="109728" indent="0">
+              <a:buNone/>
+            </a:pPr>
+            <a:r>
+              <a:rPr lang="pl-PL" dirty="0" smtClean="0"/>
+              <a:t>        </a:t>
+            </a:r>
+            <a:r>
+              <a:rPr lang="pl-PL" b="1" dirty="0" err="1" smtClean="0"/>
+              <a:t>update</a:t>
+            </a:r>
+            <a:r>
+              <a:rPr lang="pl-PL" b="1" dirty="0" smtClean="0"/>
+              <a:t>( m );</a:t>
+            </a:r>
+          </a:p>
+          <a:p>
+            <a:pPr marL="109728" indent="0">
+              <a:buNone/>
+            </a:pPr>
+            <a:r>
+              <a:rPr lang="pl-PL" b="1" dirty="0" smtClean="0"/>
+              <a:t>end</a:t>
+            </a:r>
+            <a:endParaRPr lang="pl-PL" dirty="0"/>
+          </a:p>
+        </p:txBody>
+      </p:sp>
+      <p:sp>
+        <p:nvSpPr>
+          <p:cNvPr id="3" name="Tytuł 2"/>
+          <p:cNvSpPr>
+            <a:spLocks noGrp="1"/>
+          </p:cNvSpPr>
+          <p:nvPr>
+            <p:ph type="title"/>
+          </p:nvPr>
+        </p:nvSpPr>
+        <p:spPr/>
+        <p:txBody>
+          <a:bodyPr/>
+          <a:lstStyle/>
+          <a:p>
+            <a:r>
+              <a:rPr lang="pl-PL" dirty="0" err="1" smtClean="0"/>
+              <a:t>Drools</a:t>
+            </a:r>
+            <a:r>
+              <a:rPr lang="pl-PL" dirty="0" smtClean="0"/>
+              <a:t> </a:t>
+            </a:r>
+            <a:r>
+              <a:rPr lang="pl-PL" dirty="0" err="1" smtClean="0"/>
+              <a:t>rule</a:t>
+            </a:r>
+            <a:endParaRPr lang="pl-PL" dirty="0"/>
+          </a:p>
+        </p:txBody>
+      </p:sp>
+    </p:spTree>
+    <p:extLst>
+      <p:ext uri="{BB962C8B-B14F-4D97-AF65-F5344CB8AC3E}">
+        <p14:creationId xmlns:p14="http://schemas.microsoft.com/office/powerpoint/2010/main" val="1530045669"/>
+      </p:ext>
+    </p:extLst>
+  </p:cSld>
+  <p:clrMapOvr>
+    <a:masterClrMapping/>
+  </p:clrMapOvr>
+  <p:timing>
+    <p:tnLst>
+      <p:par>
+        <p:cTn id="1" dur="indefinite" restart="never" nodeType="tmRoot"/>
+      </p:par>
+    </p:tnLst>
+  </p:timing>
+</p:sld>
+</file>
+
+<file path=ppt/slides/slide6.xml><?xml version="1.0" encoding="utf-8"?>
+<p:sld xmlns:a="http://schemas.openxmlformats.org/drawingml/2006/main" xmlns:r="http://schemas.openxmlformats.org/officeDocument/2006/relationships" xmlns:p="http://schemas.openxmlformats.org/presentationml/2006/main">
+  <p:cSld>
+    <p:spTree>
+      <p:nvGrpSpPr>
+        <p:cNvPr id="1" name=""/>
+        <p:cNvGrpSpPr/>
+        <p:nvPr/>
+      </p:nvGrpSpPr>
+      <p:grpSpPr>
+        <a:xfrm>
+          <a:off x="0" y="0"/>
+          <a:ext cx="0" cy="0"/>
+          <a:chOff x="0" y="0"/>
+          <a:chExt cx="0" cy="0"/>
+        </a:xfrm>
+      </p:grpSpPr>
+      <p:sp>
+        <p:nvSpPr>
+          <p:cNvPr id="2" name="Symbol zastępczy zawartości 1"/>
+          <p:cNvSpPr>
+            <a:spLocks noGrp="1"/>
+          </p:cNvSpPr>
+          <p:nvPr>
+            <p:ph idx="1"/>
+          </p:nvPr>
+        </p:nvSpPr>
+        <p:spPr/>
+        <p:txBody>
+          <a:bodyPr/>
+          <a:lstStyle/>
+          <a:p>
+            <a:pPr marL="109728" indent="0">
+              <a:buNone/>
+            </a:pPr>
+            <a:r>
+              <a:rPr lang="pl-PL" dirty="0" err="1" smtClean="0"/>
+              <a:t>when</a:t>
+            </a:r>
+            <a:endParaRPr lang="pl-PL" dirty="0" smtClean="0"/>
+          </a:p>
+          <a:p>
+            <a:pPr marL="109728" indent="0">
+              <a:buNone/>
+            </a:pPr>
+            <a:r>
+              <a:rPr lang="pl-PL" dirty="0"/>
+              <a:t>	</a:t>
+            </a:r>
+            <a:r>
+              <a:rPr lang="pl-PL" i="1" dirty="0" err="1" smtClean="0"/>
+              <a:t>condition</a:t>
+            </a:r>
+            <a:r>
+              <a:rPr lang="pl-PL" i="1" dirty="0" smtClean="0"/>
+              <a:t> 1</a:t>
+            </a:r>
+          </a:p>
+          <a:p>
+            <a:pPr marL="109728" indent="0">
+              <a:buNone/>
+            </a:pPr>
+            <a:r>
+              <a:rPr lang="pl-PL" i="1" dirty="0"/>
+              <a:t>	</a:t>
+            </a:r>
+            <a:r>
+              <a:rPr lang="pl-PL" i="1" dirty="0" err="1" smtClean="0"/>
+              <a:t>condition</a:t>
+            </a:r>
+            <a:r>
+              <a:rPr lang="pl-PL" i="1" dirty="0" smtClean="0"/>
+              <a:t> 2</a:t>
+            </a:r>
+            <a:endParaRPr lang="pl-PL" dirty="0"/>
+          </a:p>
+        </p:txBody>
+      </p:sp>
+      <p:sp>
+        <p:nvSpPr>
+          <p:cNvPr id="3" name="Tytuł 2"/>
+          <p:cNvSpPr>
+            <a:spLocks noGrp="1"/>
+          </p:cNvSpPr>
+          <p:nvPr>
+            <p:ph type="title"/>
+          </p:nvPr>
+        </p:nvSpPr>
+        <p:spPr/>
+        <p:txBody>
+          <a:bodyPr/>
+          <a:lstStyle/>
+          <a:p>
+            <a:r>
+              <a:rPr lang="pl-PL" dirty="0" err="1" smtClean="0"/>
+              <a:t>Left</a:t>
+            </a:r>
+            <a:r>
+              <a:rPr lang="pl-PL" dirty="0" smtClean="0"/>
+              <a:t> </a:t>
+            </a:r>
+            <a:r>
+              <a:rPr lang="pl-PL" dirty="0" err="1" smtClean="0"/>
+              <a:t>Hand</a:t>
+            </a:r>
+            <a:r>
+              <a:rPr lang="pl-PL" dirty="0" smtClean="0"/>
+              <a:t> </a:t>
+            </a:r>
+            <a:r>
+              <a:rPr lang="pl-PL" dirty="0" err="1" smtClean="0"/>
+              <a:t>Side</a:t>
+            </a:r>
+            <a:endParaRPr lang="pl-PL" dirty="0"/>
+          </a:p>
+        </p:txBody>
+      </p:sp>
+    </p:spTree>
+    <p:extLst>
+      <p:ext uri="{BB962C8B-B14F-4D97-AF65-F5344CB8AC3E}">
+        <p14:creationId xmlns:p14="http://schemas.microsoft.com/office/powerpoint/2010/main" val="1829673684"/>
+      </p:ext>
+    </p:extLst>
+  </p:cSld>
+  <p:clrMapOvr>
+    <a:masterClrMapping/>
+  </p:clrMapOvr>
+  <p:timing>
+    <p:tnLst>
+      <p:par>
+        <p:cTn id="1" dur="indefinite" restart="never" nodeType="tmRoot"/>
+      </p:par>
+    </p:tnLst>
+  </p:timing>
+</p:sld>
+</file>
+
+<file path=ppt/slides/slide7.xml><?xml version="1.0" encoding="utf-8"?>
+<p:sld xmlns:a="http://schemas.openxmlformats.org/drawingml/2006/main" xmlns:r="http://schemas.openxmlformats.org/officeDocument/2006/relationships" xmlns:p="http://schemas.openxmlformats.org/presentationml/2006/main">
+  <p:cSld>
+    <p:spTree>
+      <p:nvGrpSpPr>
+        <p:cNvPr id="1" name=""/>
+        <p:cNvGrpSpPr/>
+        <p:nvPr/>
+      </p:nvGrpSpPr>
+      <p:grpSpPr>
+        <a:xfrm>
+          <a:off x="0" y="0"/>
+          <a:ext cx="0" cy="0"/>
+          <a:chOff x="0" y="0"/>
+          <a:chExt cx="0" cy="0"/>
+        </a:xfrm>
+      </p:grpSpPr>
+      <p:sp>
+        <p:nvSpPr>
+          <p:cNvPr id="2" name="Symbol zastępczy zawartości 1"/>
+          <p:cNvSpPr>
+            <a:spLocks noGrp="1"/>
+          </p:cNvSpPr>
+          <p:nvPr>
+            <p:ph idx="1"/>
+          </p:nvPr>
+        </p:nvSpPr>
+        <p:spPr/>
+        <p:txBody>
+          <a:bodyPr/>
+          <a:lstStyle/>
+          <a:p>
+            <a:pPr marL="109728" indent="0">
+              <a:buNone/>
+            </a:pPr>
+            <a:r>
+              <a:rPr lang="pl-PL" dirty="0" err="1" smtClean="0"/>
+              <a:t>when</a:t>
+            </a:r>
+            <a:endParaRPr lang="pl-PL" dirty="0" smtClean="0"/>
+          </a:p>
+          <a:p>
+            <a:pPr marL="109728" indent="0">
+              <a:buNone/>
+            </a:pPr>
+            <a:r>
+              <a:rPr lang="pl-PL" dirty="0" smtClean="0"/>
+              <a:t>	f : </a:t>
+            </a:r>
+            <a:r>
+              <a:rPr lang="pl-PL" dirty="0" err="1" smtClean="0"/>
+              <a:t>Fact</a:t>
+            </a:r>
+            <a:r>
+              <a:rPr lang="pl-PL" dirty="0" smtClean="0"/>
+              <a:t> ( </a:t>
+            </a:r>
+            <a:r>
+              <a:rPr lang="pl-PL" dirty="0" err="1" smtClean="0"/>
+              <a:t>confirmed</a:t>
+            </a:r>
+            <a:r>
+              <a:rPr lang="pl-PL" dirty="0" smtClean="0"/>
+              <a:t> == </a:t>
+            </a:r>
+            <a:r>
+              <a:rPr lang="pl-PL" dirty="0" err="1" smtClean="0"/>
+              <a:t>true</a:t>
+            </a:r>
+            <a:r>
+              <a:rPr lang="pl-PL" dirty="0" smtClean="0"/>
+              <a:t>)</a:t>
+            </a:r>
+          </a:p>
+          <a:p>
+            <a:pPr marL="109728" indent="0">
+              <a:buNone/>
+            </a:pPr>
+            <a:r>
+              <a:rPr lang="pl-PL" dirty="0"/>
+              <a:t>	</a:t>
+            </a:r>
+            <a:r>
+              <a:rPr lang="pl-PL" dirty="0" err="1" smtClean="0"/>
+              <a:t>vehicle</a:t>
+            </a:r>
+            <a:r>
+              <a:rPr lang="pl-PL" dirty="0" smtClean="0"/>
+              <a:t> : </a:t>
+            </a:r>
+            <a:r>
+              <a:rPr lang="pl-PL" dirty="0" err="1" smtClean="0"/>
+              <a:t>Vehicle</a:t>
+            </a:r>
+            <a:r>
+              <a:rPr lang="pl-PL" dirty="0" smtClean="0"/>
+              <a:t> (</a:t>
+            </a:r>
+            <a:r>
+              <a:rPr lang="pl-PL" dirty="0" err="1" smtClean="0"/>
+              <a:t>noOfWheels</a:t>
+            </a:r>
+            <a:r>
+              <a:rPr lang="pl-PL" smtClean="0"/>
+              <a:t> &gt; 2)</a:t>
+            </a:r>
+            <a:endParaRPr lang="pl-PL" dirty="0"/>
+          </a:p>
+        </p:txBody>
+      </p:sp>
+      <p:sp>
+        <p:nvSpPr>
+          <p:cNvPr id="3" name="Tytuł 2"/>
+          <p:cNvSpPr>
+            <a:spLocks noGrp="1"/>
+          </p:cNvSpPr>
+          <p:nvPr>
+            <p:ph type="title"/>
+          </p:nvPr>
+        </p:nvSpPr>
+        <p:spPr/>
+        <p:txBody>
+          <a:bodyPr/>
+          <a:lstStyle/>
+          <a:p>
+            <a:r>
+              <a:rPr lang="pl-PL" dirty="0" err="1" smtClean="0"/>
+              <a:t>Left</a:t>
+            </a:r>
+            <a:r>
+              <a:rPr lang="pl-PL" dirty="0" smtClean="0"/>
+              <a:t> </a:t>
+            </a:r>
+            <a:r>
+              <a:rPr lang="pl-PL" dirty="0" err="1" smtClean="0"/>
+              <a:t>Hand</a:t>
+            </a:r>
+            <a:r>
+              <a:rPr lang="pl-PL" dirty="0" smtClean="0"/>
+              <a:t> </a:t>
+            </a:r>
+            <a:r>
+              <a:rPr lang="pl-PL" dirty="0" err="1" smtClean="0"/>
+              <a:t>Side</a:t>
+            </a:r>
+            <a:r>
+              <a:rPr lang="pl-PL" dirty="0" smtClean="0"/>
+              <a:t> (</a:t>
+            </a:r>
+            <a:r>
+              <a:rPr lang="pl-PL" dirty="0" err="1" smtClean="0"/>
+              <a:t>conditions</a:t>
+            </a:r>
+            <a:r>
+              <a:rPr lang="pl-PL" dirty="0"/>
+              <a:t>)</a:t>
+            </a:r>
+          </a:p>
+        </p:txBody>
+      </p:sp>
+    </p:spTree>
+    <p:extLst>
+      <p:ext uri="{BB962C8B-B14F-4D97-AF65-F5344CB8AC3E}">
+        <p14:creationId xmlns:p14="http://schemas.microsoft.com/office/powerpoint/2010/main" val="932698381"/>
       </p:ext>
     </p:extLst>
   </p:cSld>

--- a/drools-business-rules-engine.pptx
+++ b/drools-business-rules-engine.pptx
@@ -5,16 +5,27 @@
     <p:sldMasterId id="2147483658" r:id="rId2"/>
   </p:sldMasterIdLst>
   <p:notesMasterIdLst>
-    <p:notesMasterId r:id="rId10"/>
+    <p:notesMasterId r:id="rId21"/>
   </p:notesMasterIdLst>
   <p:sldIdLst>
     <p:sldId id="256" r:id="rId3"/>
     <p:sldId id="258" r:id="rId4"/>
     <p:sldId id="262" r:id="rId5"/>
-    <p:sldId id="259" r:id="rId6"/>
-    <p:sldId id="260" r:id="rId7"/>
-    <p:sldId id="261" r:id="rId8"/>
-    <p:sldId id="263" r:id="rId9"/>
+    <p:sldId id="260" r:id="rId6"/>
+    <p:sldId id="261" r:id="rId7"/>
+    <p:sldId id="263" r:id="rId8"/>
+    <p:sldId id="264" r:id="rId9"/>
+    <p:sldId id="265" r:id="rId10"/>
+    <p:sldId id="266" r:id="rId11"/>
+    <p:sldId id="267" r:id="rId12"/>
+    <p:sldId id="259" r:id="rId13"/>
+    <p:sldId id="271" r:id="rId14"/>
+    <p:sldId id="272" r:id="rId15"/>
+    <p:sldId id="275" r:id="rId16"/>
+    <p:sldId id="276" r:id="rId17"/>
+    <p:sldId id="268" r:id="rId18"/>
+    <p:sldId id="270" r:id="rId19"/>
+    <p:sldId id="274" r:id="rId20"/>
   </p:sldIdLst>
   <p:sldSz cx="9144000" cy="6858000" type="screen4x3"/>
   <p:notesSz cx="6858000" cy="9144000"/>
@@ -115,7 +126,7 @@
   </p:defaultTextStyle>
   <p:extLst>
     <p:ext uri="{EFAFB233-063F-42B5-8137-9DF3F51BA10A}">
-      <p15:sldGuideLst xmlns:p15="http://schemas.microsoft.com/office/powerpoint/2012/main">
+      <p15:sldGuideLst xmlns="" xmlns:p15="http://schemas.microsoft.com/office/powerpoint/2012/main">
         <p15:guide id="1" orient="horz" pos="2160">
           <p15:clr>
             <a:srgbClr val="A4A3A4"/>
@@ -215,7 +226,7 @@
             <a:fld id="{3842907C-D0AA-4C58-9F94-58B40AD65B29}" type="datetimeFigureOut">
               <a:rPr lang="en-US" smtClean="0"/>
               <a:pPr/>
-              <a:t>10/28/2013</a:t>
+              <a:t>10/29/2013</a:t>
             </a:fld>
             <a:endParaRPr lang="en-US"/>
           </a:p>
@@ -1200,7 +1211,7 @@
             <a:fld id="{E6E13C79-1C97-4B32-B2AE-1A69C169643E}" type="datetime2">
               <a:rPr lang="en-US" smtClean="0"/>
               <a:pPr/>
-              <a:t>Monday, October 28, 2013</a:t>
+              <a:t>Tuesday, October 29, 2013</a:t>
             </a:fld>
             <a:endParaRPr lang="en-US" dirty="0">
               <a:solidFill>
@@ -1412,7 +1423,7 @@
             <a:fld id="{D10E14BF-C004-4398-9186-5EE680724D95}" type="datetime2">
               <a:rPr lang="en-US" smtClean="0"/>
               <a:pPr/>
-              <a:t>Monday, October 28, 2013</a:t>
+              <a:t>Tuesday, October 29, 2013</a:t>
             </a:fld>
             <a:endParaRPr lang="en-US"/>
           </a:p>
@@ -1605,7 +1616,7 @@
             <a:fld id="{D10E14BF-C004-4398-9186-5EE680724D95}" type="datetime2">
               <a:rPr lang="en-US" smtClean="0"/>
               <a:pPr/>
-              <a:t>Monday, October 28, 2013</a:t>
+              <a:t>Tuesday, October 29, 2013</a:t>
             </a:fld>
             <a:endParaRPr lang="en-US"/>
           </a:p>
@@ -1763,7 +1774,7 @@
             <a:fld id="{227FEF5B-F2CC-4EC5-8F1F-29A8BF9EFFA9}" type="datetime2">
               <a:rPr lang="en-US" smtClean="0"/>
               <a:pPr/>
-              <a:t>Monday, October 28, 2013</a:t>
+              <a:t>Tuesday, October 29, 2013</a:t>
             </a:fld>
             <a:endParaRPr lang="en-US"/>
           </a:p>
@@ -2020,7 +2031,7 @@
             <a:fld id="{5F4709C1-563D-4D9C-B702-B64C84A5A174}" type="datetime2">
               <a:rPr lang="en-US" smtClean="0"/>
               <a:pPr/>
-              <a:t>Monday, October 28, 2013</a:t>
+              <a:t>Tuesday, October 29, 2013</a:t>
             </a:fld>
             <a:endParaRPr lang="en-US"/>
           </a:p>
@@ -2431,7 +2442,7 @@
             <a:fld id="{2E8303D9-A6EB-41FB-BF22-3F49E470997E}" type="datetime2">
               <a:rPr lang="en-US" smtClean="0"/>
               <a:pPr/>
-              <a:t>Monday, October 28, 2013</a:t>
+              <a:t>Tuesday, October 29, 2013</a:t>
             </a:fld>
             <a:endParaRPr lang="en-US"/>
           </a:p>
@@ -2879,7 +2890,7 @@
             <a:fld id="{89BB0534-5698-4F62-9CFE-5DE61A073E78}" type="datetime2">
               <a:rPr lang="en-US" smtClean="0"/>
               <a:pPr/>
-              <a:t>Monday, October 28, 2013</a:t>
+              <a:t>Tuesday, October 29, 2013</a:t>
             </a:fld>
             <a:endParaRPr lang="en-US"/>
           </a:p>
@@ -2982,7 +2993,7 @@
             <a:fld id="{084827A3-B249-4F87-AB1A-1E06AC1AA2A4}" type="datetime2">
               <a:rPr lang="en-US" smtClean="0"/>
               <a:pPr/>
-              <a:t>Monday, October 28, 2013</a:t>
+              <a:t>Tuesday, October 29, 2013</a:t>
             </a:fld>
             <a:endParaRPr lang="en-US"/>
           </a:p>
@@ -3105,7 +3116,7 @@
             <a:fld id="{B1546142-29B2-49CC-BCC6-A3AD70B4960E}" type="datetime2">
               <a:rPr lang="en-US" smtClean="0"/>
               <a:pPr/>
-              <a:t>Monday, October 28, 2013</a:t>
+              <a:t>Tuesday, October 29, 2013</a:t>
             </a:fld>
             <a:endParaRPr lang="en-US"/>
           </a:p>
@@ -3381,7 +3392,7 @@
             <a:fld id="{E86C4691-4882-40A8-AF62-8CF6A18D40B2}" type="datetime2">
               <a:rPr lang="en-US" smtClean="0"/>
               <a:pPr/>
-              <a:t>Monday, October 28, 2013</a:t>
+              <a:t>Tuesday, October 29, 2013</a:t>
             </a:fld>
             <a:endParaRPr lang="en-US"/>
           </a:p>
@@ -3588,7 +3599,7 @@
             <a:fld id="{61C6776A-4DEC-47EE-8A49-2C150ECB5465}" type="datetime2">
               <a:rPr lang="en-US" smtClean="0"/>
               <a:pPr/>
-              <a:t>Monday, October 28, 2013</a:t>
+              <a:t>Tuesday, October 29, 2013</a:t>
             </a:fld>
             <a:endParaRPr lang="en-US">
               <a:solidFill>
@@ -4711,7 +4722,7 @@
             <a:fld id="{D10E14BF-C004-4398-9186-5EE680724D95}" type="datetime2">
               <a:rPr lang="en-US" smtClean="0"/>
               <a:pPr/>
-              <a:t>Monday, October 28, 2013</a:t>
+              <a:t>Tuesday, October 29, 2013</a:t>
             </a:fld>
             <a:endParaRPr lang="en-US" sz="1000" dirty="0">
               <a:solidFill>
@@ -5323,6 +5334,2663 @@
 </p:sld>
 </file>
 
+<file path=ppt/slides/slide10.xml><?xml version="1.0" encoding="utf-8"?>
+<p:sld xmlns:a="http://schemas.openxmlformats.org/drawingml/2006/main" xmlns:r="http://schemas.openxmlformats.org/officeDocument/2006/relationships" xmlns:p="http://schemas.openxmlformats.org/presentationml/2006/main">
+  <p:cSld>
+    <p:spTree>
+      <p:nvGrpSpPr>
+        <p:cNvPr id="1" name=""/>
+        <p:cNvGrpSpPr/>
+        <p:nvPr/>
+      </p:nvGrpSpPr>
+      <p:grpSpPr>
+        <a:xfrm>
+          <a:off x="0" y="0"/>
+          <a:ext cx="0" cy="0"/>
+          <a:chOff x="0" y="0"/>
+          <a:chExt cx="0" cy="0"/>
+        </a:xfrm>
+      </p:grpSpPr>
+      <p:sp>
+        <p:nvSpPr>
+          <p:cNvPr id="2" name="Symbol zastępczy zawartości 1"/>
+          <p:cNvSpPr>
+            <a:spLocks noGrp="1"/>
+          </p:cNvSpPr>
+          <p:nvPr>
+            <p:ph idx="1"/>
+          </p:nvPr>
+        </p:nvSpPr>
+        <p:spPr/>
+        <p:txBody>
+          <a:bodyPr>
+            <a:normAutofit/>
+          </a:bodyPr>
+          <a:lstStyle/>
+          <a:p>
+            <a:pPr marL="109728" indent="0" algn="ctr">
+              <a:buNone/>
+            </a:pPr>
+            <a:endParaRPr lang="pl-PL" sz="3600" dirty="0" smtClean="0"/>
+          </a:p>
+          <a:p>
+            <a:pPr marL="109728" indent="0" algn="ctr">
+              <a:buNone/>
+            </a:pPr>
+            <a:endParaRPr lang="pl-PL" sz="3600" dirty="0"/>
+          </a:p>
+          <a:p>
+            <a:pPr marL="109728" indent="0" algn="ctr">
+              <a:buNone/>
+            </a:pPr>
+            <a:endParaRPr lang="pl-PL" sz="3600" dirty="0" smtClean="0"/>
+          </a:p>
+          <a:p>
+            <a:pPr marL="109728" indent="0" algn="ctr">
+              <a:buNone/>
+            </a:pPr>
+            <a:r>
+              <a:rPr lang="pl-PL" sz="3600" dirty="0" err="1" smtClean="0"/>
+              <a:t>session.fireAllRules</a:t>
+            </a:r>
+            <a:r>
+              <a:rPr lang="pl-PL" sz="3600" dirty="0" smtClean="0"/>
+              <a:t>();</a:t>
+            </a:r>
+            <a:endParaRPr lang="pl-PL" sz="3600" dirty="0"/>
+          </a:p>
+        </p:txBody>
+      </p:sp>
+      <p:sp>
+        <p:nvSpPr>
+          <p:cNvPr id="3" name="Tytuł 2"/>
+          <p:cNvSpPr>
+            <a:spLocks noGrp="1"/>
+          </p:cNvSpPr>
+          <p:nvPr>
+            <p:ph type="title"/>
+          </p:nvPr>
+        </p:nvSpPr>
+        <p:spPr/>
+        <p:txBody>
+          <a:bodyPr/>
+          <a:lstStyle/>
+          <a:p>
+            <a:r>
+              <a:rPr lang="pl-PL" dirty="0" err="1" smtClean="0"/>
+              <a:t>Fire</a:t>
+            </a:r>
+            <a:r>
+              <a:rPr lang="pl-PL" dirty="0" smtClean="0"/>
+              <a:t>!</a:t>
+            </a:r>
+            <a:endParaRPr lang="pl-PL" dirty="0"/>
+          </a:p>
+        </p:txBody>
+      </p:sp>
+    </p:spTree>
+    <p:extLst>
+      <p:ext uri="{BB962C8B-B14F-4D97-AF65-F5344CB8AC3E}">
+        <p14:creationId xmlns:p14="http://schemas.microsoft.com/office/powerpoint/2010/main" val="3589131423"/>
+      </p:ext>
+    </p:extLst>
+  </p:cSld>
+  <p:clrMapOvr>
+    <a:masterClrMapping/>
+  </p:clrMapOvr>
+  <p:timing>
+    <p:tnLst>
+      <p:par>
+        <p:cTn id="1" dur="indefinite" restart="never" nodeType="tmRoot"/>
+      </p:par>
+    </p:tnLst>
+  </p:timing>
+</p:sld>
+</file>
+
+<file path=ppt/slides/slide11.xml><?xml version="1.0" encoding="utf-8"?>
+<p:sld xmlns:a="http://schemas.openxmlformats.org/drawingml/2006/main" xmlns:r="http://schemas.openxmlformats.org/officeDocument/2006/relationships" xmlns:p="http://schemas.openxmlformats.org/presentationml/2006/main">
+  <p:cSld>
+    <p:spTree>
+      <p:nvGrpSpPr>
+        <p:cNvPr id="1" name=""/>
+        <p:cNvGrpSpPr/>
+        <p:nvPr/>
+      </p:nvGrpSpPr>
+      <p:grpSpPr>
+        <a:xfrm>
+          <a:off x="0" y="0"/>
+          <a:ext cx="0" cy="0"/>
+          <a:chOff x="0" y="0"/>
+          <a:chExt cx="0" cy="0"/>
+        </a:xfrm>
+      </p:grpSpPr>
+      <p:pic>
+        <p:nvPicPr>
+          <p:cNvPr id="4" name="Symbol zastępczy zawartości 3"/>
+          <p:cNvPicPr>
+            <a:picLocks noGrp="1" noChangeAspect="1"/>
+          </p:cNvPicPr>
+          <p:nvPr>
+            <p:ph idx="1"/>
+          </p:nvPr>
+        </p:nvPicPr>
+        <p:blipFill>
+          <a:blip r:embed="rId2">
+            <a:extLst>
+              <a:ext uri="{28A0092B-C50C-407E-A947-70E740481C1C}">
+                <a14:useLocalDpi xmlns:a14="http://schemas.microsoft.com/office/drawing/2010/main" val="0"/>
+              </a:ext>
+            </a:extLst>
+          </a:blip>
+          <a:stretch>
+            <a:fillRect/>
+          </a:stretch>
+        </p:blipFill>
+        <p:spPr>
+          <a:xfrm>
+            <a:off x="1043608" y="1417638"/>
+            <a:ext cx="7192878" cy="9851786"/>
+          </a:xfrm>
+        </p:spPr>
+      </p:pic>
+      <p:sp>
+        <p:nvSpPr>
+          <p:cNvPr id="3" name="Tytuł 2"/>
+          <p:cNvSpPr>
+            <a:spLocks noGrp="1"/>
+          </p:cNvSpPr>
+          <p:nvPr>
+            <p:ph type="title"/>
+          </p:nvPr>
+        </p:nvSpPr>
+        <p:spPr/>
+        <p:txBody>
+          <a:bodyPr>
+            <a:normAutofit fontScale="90000"/>
+          </a:bodyPr>
+          <a:lstStyle/>
+          <a:p>
+            <a:r>
+              <a:rPr lang="pl-PL" dirty="0" smtClean="0"/>
+              <a:t>Postępowanie w przewlekłej stabilnej dławicy piersiowej</a:t>
+            </a:r>
+            <a:endParaRPr lang="pl-PL" dirty="0"/>
+          </a:p>
+        </p:txBody>
+      </p:sp>
+    </p:spTree>
+    <p:extLst>
+      <p:ext uri="{BB962C8B-B14F-4D97-AF65-F5344CB8AC3E}">
+        <p14:creationId xmlns:p14="http://schemas.microsoft.com/office/powerpoint/2010/main" val="1186384759"/>
+      </p:ext>
+    </p:extLst>
+  </p:cSld>
+  <p:clrMapOvr>
+    <a:masterClrMapping/>
+  </p:clrMapOvr>
+  <p:timing>
+    <p:tnLst>
+      <p:par>
+        <p:cTn id="1" dur="indefinite" restart="never" nodeType="tmRoot"/>
+      </p:par>
+    </p:tnLst>
+  </p:timing>
+</p:sld>
+</file>
+
+<file path=ppt/slides/slide12.xml><?xml version="1.0" encoding="utf-8"?>
+<p:sld xmlns:a="http://schemas.openxmlformats.org/drawingml/2006/main" xmlns:r="http://schemas.openxmlformats.org/officeDocument/2006/relationships" xmlns:p="http://schemas.openxmlformats.org/presentationml/2006/main">
+  <p:cSld>
+    <p:spTree>
+      <p:nvGrpSpPr>
+        <p:cNvPr id="1" name=""/>
+        <p:cNvGrpSpPr/>
+        <p:nvPr/>
+      </p:nvGrpSpPr>
+      <p:grpSpPr>
+        <a:xfrm>
+          <a:off x="0" y="0"/>
+          <a:ext cx="0" cy="0"/>
+          <a:chOff x="0" y="0"/>
+          <a:chExt cx="0" cy="0"/>
+        </a:xfrm>
+      </p:grpSpPr>
+      <p:sp>
+        <p:nvSpPr>
+          <p:cNvPr id="2" name="Symbol zastępczy zawartości 1"/>
+          <p:cNvSpPr>
+            <a:spLocks noGrp="1"/>
+          </p:cNvSpPr>
+          <p:nvPr>
+            <p:ph idx="1"/>
+          </p:nvPr>
+        </p:nvSpPr>
+        <p:spPr/>
+        <p:txBody>
+          <a:bodyPr>
+            <a:normAutofit/>
+          </a:bodyPr>
+          <a:lstStyle/>
+          <a:p>
+            <a:pPr marL="109728" indent="0">
+              <a:buNone/>
+            </a:pPr>
+            <a:r>
+              <a:rPr lang="pl-PL" sz="1400" dirty="0" smtClean="0"/>
+              <a:t>&lt;</a:t>
+            </a:r>
+            <a:r>
+              <a:rPr lang="pl-PL" sz="1400" dirty="0" err="1" smtClean="0"/>
+              <a:t>change</a:t>
+            </a:r>
+            <a:r>
+              <a:rPr lang="pl-PL" sz="1400" dirty="0" smtClean="0"/>
+              <a:t>-set&gt;</a:t>
+            </a:r>
+            <a:r>
+              <a:rPr lang="pl-PL" sz="1400" dirty="0"/>
+              <a:t/>
+            </a:r>
+            <a:br>
+              <a:rPr lang="pl-PL" sz="1400" dirty="0"/>
+            </a:br>
+            <a:r>
+              <a:rPr lang="pl-PL" sz="1400" dirty="0"/>
+              <a:t>   &lt;</a:t>
+            </a:r>
+            <a:r>
+              <a:rPr lang="pl-PL" sz="1400" dirty="0" err="1"/>
+              <a:t>add</a:t>
+            </a:r>
+            <a:r>
+              <a:rPr lang="pl-PL" sz="1400" dirty="0"/>
+              <a:t>&gt;</a:t>
+            </a:r>
+            <a:r>
+              <a:rPr lang="pl-PL" sz="1400" dirty="0"/>
+              <a:t/>
+            </a:r>
+            <a:br>
+              <a:rPr lang="pl-PL" sz="1400" dirty="0"/>
+            </a:br>
+            <a:r>
+              <a:rPr lang="pl-PL" sz="1400" dirty="0"/>
+              <a:t>       &lt;</a:t>
+            </a:r>
+            <a:r>
+              <a:rPr lang="pl-PL" sz="1400" dirty="0" err="1"/>
+              <a:t>resource</a:t>
+            </a:r>
+            <a:r>
+              <a:rPr lang="pl-PL" sz="1400" dirty="0"/>
+              <a:t> </a:t>
+            </a:r>
+            <a:r>
+              <a:rPr lang="pl-PL" sz="1400" b="1" dirty="0" err="1"/>
+              <a:t>source</a:t>
+            </a:r>
+            <a:r>
+              <a:rPr lang="pl-PL" sz="1400" dirty="0"/>
+              <a:t>=</a:t>
+            </a:r>
+            <a:r>
+              <a:rPr lang="pl-PL" sz="1400" dirty="0" smtClean="0"/>
+              <a:t>'</a:t>
+            </a:r>
+            <a:r>
+              <a:rPr lang="pl-PL" sz="1400" dirty="0" err="1" smtClean="0"/>
+              <a:t>myrules.drl</a:t>
+            </a:r>
+            <a:r>
+              <a:rPr lang="pl-PL" sz="1400" dirty="0"/>
+              <a:t>' </a:t>
+            </a:r>
+            <a:r>
+              <a:rPr lang="pl-PL" sz="1400" b="1" dirty="0" err="1"/>
+              <a:t>type</a:t>
+            </a:r>
+            <a:r>
+              <a:rPr lang="pl-PL" sz="1400" dirty="0"/>
+              <a:t>='DRL' /&gt;</a:t>
+            </a:r>
+            <a:r>
+              <a:rPr lang="pl-PL" sz="1400" dirty="0"/>
+              <a:t/>
+            </a:r>
+            <a:br>
+              <a:rPr lang="pl-PL" sz="1400" dirty="0"/>
+            </a:br>
+            <a:r>
+              <a:rPr lang="pl-PL" sz="1400" dirty="0"/>
+              <a:t>   &lt;/</a:t>
+            </a:r>
+            <a:r>
+              <a:rPr lang="pl-PL" sz="1400" dirty="0" err="1"/>
+              <a:t>add</a:t>
+            </a:r>
+            <a:r>
+              <a:rPr lang="pl-PL" sz="1400" dirty="0"/>
+              <a:t>&gt;</a:t>
+            </a:r>
+            <a:r>
+              <a:rPr lang="pl-PL" sz="1400" dirty="0"/>
+              <a:t/>
+            </a:r>
+            <a:br>
+              <a:rPr lang="pl-PL" sz="1400" dirty="0"/>
+            </a:br>
+            <a:r>
+              <a:rPr lang="pl-PL" sz="1400" dirty="0"/>
+              <a:t> &lt;/</a:t>
+            </a:r>
+            <a:r>
+              <a:rPr lang="pl-PL" sz="1400" dirty="0" err="1"/>
+              <a:t>change</a:t>
+            </a:r>
+            <a:r>
+              <a:rPr lang="pl-PL" sz="1400" dirty="0"/>
+              <a:t>-set</a:t>
+            </a:r>
+            <a:r>
+              <a:rPr lang="pl-PL" sz="1400" dirty="0" smtClean="0"/>
+              <a:t>&gt;</a:t>
+            </a:r>
+          </a:p>
+          <a:p>
+            <a:pPr marL="109728" indent="0">
+              <a:buNone/>
+            </a:pPr>
+            <a:endParaRPr lang="pl-PL" sz="1400" dirty="0"/>
+          </a:p>
+          <a:p>
+            <a:pPr marL="109728" indent="0">
+              <a:buNone/>
+            </a:pPr>
+            <a:r>
+              <a:rPr lang="pl-PL" sz="1400" dirty="0" err="1"/>
+              <a:t>KnowledgeBuilder</a:t>
+            </a:r>
+            <a:r>
+              <a:rPr lang="pl-PL" sz="1400" dirty="0"/>
+              <a:t> </a:t>
+            </a:r>
+            <a:r>
+              <a:rPr lang="pl-PL" sz="1400" dirty="0" err="1"/>
+              <a:t>kbuilder</a:t>
+            </a:r>
+            <a:r>
+              <a:rPr lang="pl-PL" sz="1400" dirty="0"/>
+              <a:t> = </a:t>
+            </a:r>
+            <a:r>
+              <a:rPr lang="pl-PL" sz="1400" dirty="0" err="1"/>
+              <a:t>KnowledgeBuilderFactory.newKnowledgeBuilder</a:t>
+            </a:r>
+            <a:r>
+              <a:rPr lang="pl-PL" sz="1400" dirty="0"/>
+              <a:t>();</a:t>
+            </a:r>
+          </a:p>
+          <a:p>
+            <a:pPr marL="109728" indent="0">
+              <a:buNone/>
+            </a:pPr>
+            <a:r>
+              <a:rPr lang="pl-PL" sz="1400" dirty="0" err="1" smtClean="0"/>
+              <a:t>kbuilder.add</a:t>
+            </a:r>
+            <a:r>
+              <a:rPr lang="pl-PL" sz="1400" dirty="0"/>
+              <a:t>( </a:t>
+            </a:r>
+            <a:endParaRPr lang="pl-PL" sz="1400" dirty="0" smtClean="0"/>
+          </a:p>
+          <a:p>
+            <a:pPr marL="109728" indent="0">
+              <a:buNone/>
+            </a:pPr>
+            <a:r>
+              <a:rPr lang="pl-PL" sz="1400" dirty="0"/>
+              <a:t>	</a:t>
+            </a:r>
+            <a:r>
+              <a:rPr lang="pl-PL" sz="1400" dirty="0" err="1" smtClean="0"/>
+              <a:t>ResourceFactory.newClasspathResource</a:t>
+            </a:r>
+            <a:r>
+              <a:rPr lang="pl-PL" sz="1400" dirty="0"/>
+              <a:t>( "myChangeSet.xml", </a:t>
+            </a:r>
+            <a:r>
+              <a:rPr lang="pl-PL" sz="1400" dirty="0" err="1"/>
+              <a:t>getClass</a:t>
+            </a:r>
+            <a:r>
+              <a:rPr lang="pl-PL" sz="1400" dirty="0"/>
+              <a:t>() ),</a:t>
+            </a:r>
+          </a:p>
+          <a:p>
+            <a:pPr marL="109728" indent="0">
+              <a:buNone/>
+            </a:pPr>
+            <a:r>
+              <a:rPr lang="pl-PL" sz="1400" dirty="0" smtClean="0"/>
+              <a:t>              </a:t>
+            </a:r>
+            <a:r>
+              <a:rPr lang="pl-PL" sz="1400" dirty="0" err="1"/>
+              <a:t>ResourceType.CHANGE_SET</a:t>
+            </a:r>
+            <a:r>
+              <a:rPr lang="pl-PL" sz="1400" dirty="0"/>
+              <a:t> );</a:t>
+            </a:r>
+          </a:p>
+        </p:txBody>
+      </p:sp>
+      <p:sp>
+        <p:nvSpPr>
+          <p:cNvPr id="3" name="Tytuł 2"/>
+          <p:cNvSpPr>
+            <a:spLocks noGrp="1"/>
+          </p:cNvSpPr>
+          <p:nvPr>
+            <p:ph type="title"/>
+          </p:nvPr>
+        </p:nvSpPr>
+        <p:spPr/>
+        <p:txBody>
+          <a:bodyPr/>
+          <a:lstStyle/>
+          <a:p>
+            <a:r>
+              <a:rPr lang="pl-PL" dirty="0" err="1" smtClean="0"/>
+              <a:t>Changesets</a:t>
+            </a:r>
+            <a:endParaRPr lang="pl-PL" dirty="0"/>
+          </a:p>
+        </p:txBody>
+      </p:sp>
+    </p:spTree>
+    <p:extLst>
+      <p:ext uri="{BB962C8B-B14F-4D97-AF65-F5344CB8AC3E}">
+        <p14:creationId xmlns:p14="http://schemas.microsoft.com/office/powerpoint/2010/main" val="2797506274"/>
+      </p:ext>
+    </p:extLst>
+  </p:cSld>
+  <p:clrMapOvr>
+    <a:masterClrMapping/>
+  </p:clrMapOvr>
+  <p:timing>
+    <p:tnLst>
+      <p:par>
+        <p:cTn id="1" dur="indefinite" restart="never" nodeType="tmRoot"/>
+      </p:par>
+    </p:tnLst>
+  </p:timing>
+</p:sld>
+</file>
+
+<file path=ppt/slides/slide13.xml><?xml version="1.0" encoding="utf-8"?>
+<p:sld xmlns:a="http://schemas.openxmlformats.org/drawingml/2006/main" xmlns:r="http://schemas.openxmlformats.org/officeDocument/2006/relationships" xmlns:p="http://schemas.openxmlformats.org/presentationml/2006/main">
+  <p:cSld>
+    <p:spTree>
+      <p:nvGrpSpPr>
+        <p:cNvPr id="1" name=""/>
+        <p:cNvGrpSpPr/>
+        <p:nvPr/>
+      </p:nvGrpSpPr>
+      <p:grpSpPr>
+        <a:xfrm>
+          <a:off x="0" y="0"/>
+          <a:ext cx="0" cy="0"/>
+          <a:chOff x="0" y="0"/>
+          <a:chExt cx="0" cy="0"/>
+        </a:xfrm>
+      </p:grpSpPr>
+      <p:sp>
+        <p:nvSpPr>
+          <p:cNvPr id="2" name="Symbol zastępczy zawartości 1"/>
+          <p:cNvSpPr>
+            <a:spLocks noGrp="1"/>
+          </p:cNvSpPr>
+          <p:nvPr>
+            <p:ph idx="1"/>
+          </p:nvPr>
+        </p:nvSpPr>
+        <p:spPr/>
+        <p:txBody>
+          <a:bodyPr>
+            <a:normAutofit/>
+          </a:bodyPr>
+          <a:lstStyle/>
+          <a:p>
+            <a:pPr marL="109728" indent="0">
+              <a:buNone/>
+            </a:pPr>
+            <a:r>
+              <a:rPr lang="pl-PL" sz="1600" dirty="0" err="1" smtClean="0">
+                <a:latin typeface="Lucida Console" panose="020B0609040504020204" pitchFamily="49" charset="0"/>
+              </a:rPr>
+              <a:t>KnowledgeAgent</a:t>
+            </a:r>
+            <a:r>
+              <a:rPr lang="pl-PL" sz="1600" dirty="0">
+                <a:latin typeface="Lucida Console" panose="020B0609040504020204" pitchFamily="49" charset="0"/>
+              </a:rPr>
+              <a:t> </a:t>
+            </a:r>
+            <a:r>
+              <a:rPr lang="pl-PL" sz="1600" dirty="0" err="1">
+                <a:latin typeface="Lucida Console" panose="020B0609040504020204" pitchFamily="49" charset="0"/>
+              </a:rPr>
+              <a:t>kagent</a:t>
+            </a:r>
+            <a:r>
+              <a:rPr lang="pl-PL" sz="1600" dirty="0">
+                <a:latin typeface="Lucida Console" panose="020B0609040504020204" pitchFamily="49" charset="0"/>
+              </a:rPr>
+              <a:t> = </a:t>
+            </a:r>
+            <a:endParaRPr lang="pl-PL" sz="1600" dirty="0" smtClean="0">
+              <a:latin typeface="Lucida Console" panose="020B0609040504020204" pitchFamily="49" charset="0"/>
+            </a:endParaRPr>
+          </a:p>
+          <a:p>
+            <a:pPr marL="109728" indent="0">
+              <a:buNone/>
+            </a:pPr>
+            <a:r>
+              <a:rPr lang="pl-PL" sz="1600" dirty="0">
+                <a:latin typeface="Lucida Console" panose="020B0609040504020204" pitchFamily="49" charset="0"/>
+              </a:rPr>
+              <a:t>	</a:t>
+            </a:r>
+            <a:r>
+              <a:rPr lang="pl-PL" sz="1600" dirty="0" err="1" smtClean="0">
+                <a:latin typeface="Lucida Console" panose="020B0609040504020204" pitchFamily="49" charset="0"/>
+              </a:rPr>
+              <a:t>KnowledgeAgentFactory.newKnowledgeAgent</a:t>
+            </a:r>
+            <a:r>
+              <a:rPr lang="pl-PL" sz="1600" dirty="0" smtClean="0">
+                <a:latin typeface="Lucida Console" panose="020B0609040504020204" pitchFamily="49" charset="0"/>
+              </a:rPr>
+              <a:t>("</a:t>
+            </a:r>
+            <a:r>
+              <a:rPr lang="pl-PL" sz="1600" dirty="0" err="1">
+                <a:latin typeface="Lucida Console" panose="020B0609040504020204" pitchFamily="49" charset="0"/>
+              </a:rPr>
+              <a:t>MyAgent</a:t>
+            </a:r>
+            <a:r>
+              <a:rPr lang="pl-PL" sz="1600" dirty="0" smtClean="0">
+                <a:latin typeface="Lucida Console" panose="020B0609040504020204" pitchFamily="49" charset="0"/>
+              </a:rPr>
+              <a:t>"); </a:t>
+            </a:r>
+            <a:r>
+              <a:rPr lang="pl-PL" sz="1600" dirty="0">
+                <a:latin typeface="Lucida Console" panose="020B0609040504020204" pitchFamily="49" charset="0"/>
+              </a:rPr>
+              <a:t/>
+            </a:r>
+            <a:br>
+              <a:rPr lang="pl-PL" sz="1600" dirty="0">
+                <a:latin typeface="Lucida Console" panose="020B0609040504020204" pitchFamily="49" charset="0"/>
+              </a:rPr>
+            </a:br>
+            <a:r>
+              <a:rPr lang="pl-PL" sz="1600" dirty="0" err="1" smtClean="0">
+                <a:latin typeface="Lucida Console" panose="020B0609040504020204" pitchFamily="49" charset="0"/>
+              </a:rPr>
+              <a:t>kagent.applyChangeSet</a:t>
+            </a:r>
+            <a:r>
+              <a:rPr lang="pl-PL" sz="1600" dirty="0" smtClean="0">
+                <a:latin typeface="Lucida Console" panose="020B0609040504020204" pitchFamily="49" charset="0"/>
+              </a:rPr>
+              <a:t>(</a:t>
+            </a:r>
+          </a:p>
+          <a:p>
+            <a:pPr marL="109728" indent="0">
+              <a:buNone/>
+            </a:pPr>
+            <a:r>
+              <a:rPr lang="pl-PL" sz="1600" dirty="0">
+                <a:latin typeface="Lucida Console" panose="020B0609040504020204" pitchFamily="49" charset="0"/>
+              </a:rPr>
+              <a:t>	</a:t>
+            </a:r>
+            <a:r>
+              <a:rPr lang="pl-PL" sz="1600" dirty="0" err="1" smtClean="0">
+                <a:latin typeface="Lucida Console" panose="020B0609040504020204" pitchFamily="49" charset="0"/>
+              </a:rPr>
+              <a:t>ResourceFactory.newUrlResource</a:t>
+            </a:r>
+            <a:r>
+              <a:rPr lang="pl-PL" sz="1600" dirty="0">
+                <a:latin typeface="Lucida Console" panose="020B0609040504020204" pitchFamily="49" charset="0"/>
+              </a:rPr>
+              <a:t>( </a:t>
+            </a:r>
+            <a:r>
+              <a:rPr lang="pl-PL" sz="1600" dirty="0" err="1">
+                <a:latin typeface="Lucida Console" panose="020B0609040504020204" pitchFamily="49" charset="0"/>
+              </a:rPr>
+              <a:t>url</a:t>
+            </a:r>
+            <a:r>
+              <a:rPr lang="pl-PL" sz="1600" dirty="0">
+                <a:latin typeface="Lucida Console" panose="020B0609040504020204" pitchFamily="49" charset="0"/>
+              </a:rPr>
+              <a:t> </a:t>
+            </a:r>
+            <a:r>
+              <a:rPr lang="pl-PL" sz="1600" dirty="0" smtClean="0">
+                <a:latin typeface="Lucida Console" panose="020B0609040504020204" pitchFamily="49" charset="0"/>
+              </a:rPr>
+              <a:t>)); </a:t>
+            </a:r>
+            <a:r>
+              <a:rPr lang="pl-PL" sz="1600" dirty="0">
+                <a:latin typeface="Lucida Console" panose="020B0609040504020204" pitchFamily="49" charset="0"/>
+              </a:rPr>
+              <a:t/>
+            </a:r>
+            <a:br>
+              <a:rPr lang="pl-PL" sz="1600" dirty="0">
+                <a:latin typeface="Lucida Console" panose="020B0609040504020204" pitchFamily="49" charset="0"/>
+              </a:rPr>
+            </a:br>
+            <a:r>
+              <a:rPr lang="pl-PL" sz="1600" dirty="0" err="1">
+                <a:latin typeface="Lucida Console" panose="020B0609040504020204" pitchFamily="49" charset="0"/>
+              </a:rPr>
+              <a:t>KnowledgeBase</a:t>
+            </a:r>
+            <a:r>
+              <a:rPr lang="pl-PL" sz="1600" dirty="0">
+                <a:latin typeface="Lucida Console" panose="020B0609040504020204" pitchFamily="49" charset="0"/>
+              </a:rPr>
+              <a:t> </a:t>
+            </a:r>
+            <a:r>
+              <a:rPr lang="pl-PL" sz="1600" dirty="0" err="1">
+                <a:latin typeface="Lucida Console" panose="020B0609040504020204" pitchFamily="49" charset="0"/>
+              </a:rPr>
+              <a:t>kbase</a:t>
+            </a:r>
+            <a:r>
+              <a:rPr lang="pl-PL" sz="1600" dirty="0">
+                <a:latin typeface="Lucida Console" panose="020B0609040504020204" pitchFamily="49" charset="0"/>
+              </a:rPr>
+              <a:t> = </a:t>
+            </a:r>
+            <a:r>
+              <a:rPr lang="pl-PL" sz="1600" dirty="0" err="1">
+                <a:latin typeface="Lucida Console" panose="020B0609040504020204" pitchFamily="49" charset="0"/>
+              </a:rPr>
+              <a:t>kagent.getKnowledgeBase</a:t>
+            </a:r>
+            <a:r>
+              <a:rPr lang="pl-PL" sz="1600" dirty="0" smtClean="0">
+                <a:latin typeface="Lucida Console" panose="020B0609040504020204" pitchFamily="49" charset="0"/>
+              </a:rPr>
+              <a:t>();</a:t>
+            </a:r>
+          </a:p>
+          <a:p>
+            <a:pPr marL="109728" indent="0">
+              <a:buNone/>
+            </a:pPr>
+            <a:r>
+              <a:rPr lang="pl-PL" sz="1600" dirty="0" err="1">
+                <a:latin typeface="Lucida Console" panose="020B0609040504020204" pitchFamily="49" charset="0"/>
+              </a:rPr>
+              <a:t>ResourceFactory.getResourceChangeNotifierService</a:t>
+            </a:r>
+            <a:r>
+              <a:rPr lang="pl-PL" sz="1600" dirty="0">
+                <a:latin typeface="Lucida Console" panose="020B0609040504020204" pitchFamily="49" charset="0"/>
+              </a:rPr>
+              <a:t>().start(); </a:t>
+            </a:r>
+            <a:br>
+              <a:rPr lang="pl-PL" sz="1600" dirty="0">
+                <a:latin typeface="Lucida Console" panose="020B0609040504020204" pitchFamily="49" charset="0"/>
+              </a:rPr>
+            </a:br>
+            <a:r>
+              <a:rPr lang="pl-PL" sz="1600" dirty="0" err="1">
+                <a:latin typeface="Lucida Console" panose="020B0609040504020204" pitchFamily="49" charset="0"/>
+              </a:rPr>
+              <a:t>ResourceFactory.getResourceChangeScannerService</a:t>
+            </a:r>
+            <a:r>
+              <a:rPr lang="pl-PL" sz="1600" dirty="0">
+                <a:latin typeface="Lucida Console" panose="020B0609040504020204" pitchFamily="49" charset="0"/>
+              </a:rPr>
+              <a:t>().start();</a:t>
+            </a:r>
+          </a:p>
+          <a:p>
+            <a:pPr marL="109728" indent="0">
+              <a:buNone/>
+            </a:pPr>
+            <a:endParaRPr lang="pl-PL" sz="1600" dirty="0" smtClean="0">
+              <a:latin typeface="Lucida Console" panose="020B0609040504020204" pitchFamily="49" charset="0"/>
+            </a:endParaRPr>
+          </a:p>
+          <a:p>
+            <a:pPr marL="109728" indent="0">
+              <a:buNone/>
+            </a:pPr>
+            <a:endParaRPr lang="pl-PL" sz="1600" dirty="0">
+              <a:latin typeface="Lucida Console" panose="020B0609040504020204" pitchFamily="49" charset="0"/>
+            </a:endParaRPr>
+          </a:p>
+        </p:txBody>
+      </p:sp>
+      <p:sp>
+        <p:nvSpPr>
+          <p:cNvPr id="3" name="Tytuł 2"/>
+          <p:cNvSpPr>
+            <a:spLocks noGrp="1"/>
+          </p:cNvSpPr>
+          <p:nvPr>
+            <p:ph type="title"/>
+          </p:nvPr>
+        </p:nvSpPr>
+        <p:spPr/>
+        <p:txBody>
+          <a:bodyPr/>
+          <a:lstStyle/>
+          <a:p>
+            <a:r>
+              <a:rPr lang="pl-PL" dirty="0" smtClean="0"/>
+              <a:t>Knowledge </a:t>
+            </a:r>
+            <a:r>
+              <a:rPr lang="pl-PL" dirty="0" err="1" smtClean="0"/>
+              <a:t>Agents</a:t>
+            </a:r>
+            <a:endParaRPr lang="pl-PL" dirty="0"/>
+          </a:p>
+        </p:txBody>
+      </p:sp>
+    </p:spTree>
+    <p:extLst>
+      <p:ext uri="{BB962C8B-B14F-4D97-AF65-F5344CB8AC3E}">
+        <p14:creationId xmlns:p14="http://schemas.microsoft.com/office/powerpoint/2010/main" val="3796715107"/>
+      </p:ext>
+    </p:extLst>
+  </p:cSld>
+  <p:clrMapOvr>
+    <a:masterClrMapping/>
+  </p:clrMapOvr>
+  <p:timing>
+    <p:tnLst>
+      <p:par>
+        <p:cTn id="1" dur="indefinite" restart="never" nodeType="tmRoot"/>
+      </p:par>
+    </p:tnLst>
+  </p:timing>
+</p:sld>
+</file>
+
+<file path=ppt/slides/slide14.xml><?xml version="1.0" encoding="utf-8"?>
+<p:sld xmlns:a="http://schemas.openxmlformats.org/drawingml/2006/main" xmlns:r="http://schemas.openxmlformats.org/officeDocument/2006/relationships" xmlns:p="http://schemas.openxmlformats.org/presentationml/2006/main">
+  <p:cSld>
+    <p:spTree>
+      <p:nvGrpSpPr>
+        <p:cNvPr id="1" name=""/>
+        <p:cNvGrpSpPr/>
+        <p:nvPr/>
+      </p:nvGrpSpPr>
+      <p:grpSpPr>
+        <a:xfrm>
+          <a:off x="0" y="0"/>
+          <a:ext cx="0" cy="0"/>
+          <a:chOff x="0" y="0"/>
+          <a:chExt cx="0" cy="0"/>
+        </a:xfrm>
+      </p:grpSpPr>
+      <p:sp>
+        <p:nvSpPr>
+          <p:cNvPr id="2" name="Symbol zastępczy zawartości 1"/>
+          <p:cNvSpPr>
+            <a:spLocks noGrp="1"/>
+          </p:cNvSpPr>
+          <p:nvPr>
+            <p:ph idx="1"/>
+          </p:nvPr>
+        </p:nvSpPr>
+        <p:spPr/>
+        <p:txBody>
+          <a:bodyPr>
+            <a:normAutofit/>
+          </a:bodyPr>
+          <a:lstStyle/>
+          <a:p>
+            <a:pPr marL="109728" indent="0">
+              <a:buNone/>
+            </a:pPr>
+            <a:r>
+              <a:rPr lang="pl-PL" sz="1800" dirty="0">
+                <a:latin typeface="Lucida Console" panose="020B0609040504020204" pitchFamily="49" charset="0"/>
+              </a:rPr>
+              <a:t>[</a:t>
+            </a:r>
+            <a:r>
+              <a:rPr lang="pl-PL" sz="1800" dirty="0" err="1">
+                <a:latin typeface="Lucida Console" panose="020B0609040504020204" pitchFamily="49" charset="0"/>
+              </a:rPr>
+              <a:t>when</a:t>
+            </a:r>
+            <a:r>
+              <a:rPr lang="pl-PL" sz="1800" dirty="0">
+                <a:latin typeface="Lucida Console" panose="020B0609040504020204" pitchFamily="49" charset="0"/>
+              </a:rPr>
+              <a:t>]</a:t>
+            </a:r>
+            <a:r>
+              <a:rPr lang="pl-PL" sz="1800" dirty="0" err="1">
+                <a:latin typeface="Lucida Console" panose="020B0609040504020204" pitchFamily="49" charset="0"/>
+              </a:rPr>
+              <a:t>There</a:t>
+            </a:r>
+            <a:r>
+              <a:rPr lang="pl-PL" sz="1800" dirty="0">
+                <a:latin typeface="Lucida Console" panose="020B0609040504020204" pitchFamily="49" charset="0"/>
+              </a:rPr>
+              <a:t> </a:t>
+            </a:r>
+            <a:r>
+              <a:rPr lang="pl-PL" sz="1800" dirty="0" err="1">
+                <a:latin typeface="Lucida Console" panose="020B0609040504020204" pitchFamily="49" charset="0"/>
+              </a:rPr>
+              <a:t>is</a:t>
+            </a:r>
+            <a:r>
+              <a:rPr lang="pl-PL" sz="1800" dirty="0">
+                <a:latin typeface="Lucida Console" panose="020B0609040504020204" pitchFamily="49" charset="0"/>
+              </a:rPr>
+              <a:t> a person with </a:t>
+            </a:r>
+            <a:r>
+              <a:rPr lang="pl-PL" sz="1800" dirty="0" err="1">
+                <a:latin typeface="Lucida Console" panose="020B0609040504020204" pitchFamily="49" charset="0"/>
+              </a:rPr>
+              <a:t>name</a:t>
+            </a:r>
+            <a:r>
+              <a:rPr lang="pl-PL" sz="1800" dirty="0">
+                <a:latin typeface="Lucida Console" panose="020B0609040504020204" pitchFamily="49" charset="0"/>
+              </a:rPr>
+              <a:t> of </a:t>
+            </a:r>
+            <a:r>
+              <a:rPr lang="pl-PL" sz="1800" dirty="0" smtClean="0">
+                <a:latin typeface="Lucida Console" panose="020B0609040504020204" pitchFamily="49" charset="0"/>
+              </a:rPr>
+              <a:t>"{</a:t>
+            </a:r>
+            <a:r>
+              <a:rPr lang="pl-PL" sz="1800" dirty="0" err="1">
+                <a:latin typeface="Lucida Console" panose="020B0609040504020204" pitchFamily="49" charset="0"/>
+              </a:rPr>
+              <a:t>name</a:t>
+            </a:r>
+            <a:r>
+              <a:rPr lang="pl-PL" sz="1800" dirty="0" smtClean="0">
+                <a:latin typeface="Lucida Console" panose="020B0609040504020204" pitchFamily="49" charset="0"/>
+              </a:rPr>
+              <a:t>}„ = 	Person(</a:t>
+            </a:r>
+            <a:r>
+              <a:rPr lang="pl-PL" sz="1800" dirty="0" err="1" smtClean="0">
+                <a:latin typeface="Lucida Console" panose="020B0609040504020204" pitchFamily="49" charset="0"/>
+              </a:rPr>
+              <a:t>name</a:t>
+            </a:r>
+            <a:r>
+              <a:rPr lang="pl-PL" sz="1800" dirty="0">
+                <a:latin typeface="Lucida Console" panose="020B0609040504020204" pitchFamily="49" charset="0"/>
+              </a:rPr>
+              <a:t>=="{</a:t>
+            </a:r>
+            <a:r>
+              <a:rPr lang="pl-PL" sz="1800" dirty="0" err="1">
+                <a:latin typeface="Lucida Console" panose="020B0609040504020204" pitchFamily="49" charset="0"/>
+              </a:rPr>
+              <a:t>name</a:t>
+            </a:r>
+            <a:r>
+              <a:rPr lang="pl-PL" sz="1800" dirty="0" smtClean="0">
+                <a:latin typeface="Lucida Console" panose="020B0609040504020204" pitchFamily="49" charset="0"/>
+              </a:rPr>
+              <a:t>}")</a:t>
+            </a:r>
+          </a:p>
+          <a:p>
+            <a:pPr marL="109728" indent="0">
+              <a:buNone/>
+            </a:pPr>
+            <a:r>
+              <a:rPr lang="pl-PL" sz="1800" dirty="0" smtClean="0">
+                <a:latin typeface="Lucida Console" panose="020B0609040504020204" pitchFamily="49" charset="0"/>
+              </a:rPr>
+              <a:t>[</a:t>
+            </a:r>
+            <a:r>
+              <a:rPr lang="pl-PL" sz="1800" dirty="0" err="1">
+                <a:latin typeface="Lucida Console" panose="020B0609040504020204" pitchFamily="49" charset="0"/>
+              </a:rPr>
+              <a:t>when</a:t>
+            </a:r>
+            <a:r>
+              <a:rPr lang="pl-PL" sz="1800" dirty="0">
+                <a:latin typeface="Lucida Console" panose="020B0609040504020204" pitchFamily="49" charset="0"/>
+              </a:rPr>
+              <a:t>]Person </a:t>
+            </a:r>
+            <a:r>
+              <a:rPr lang="pl-PL" sz="1800" dirty="0" err="1">
+                <a:latin typeface="Lucida Console" panose="020B0609040504020204" pitchFamily="49" charset="0"/>
+              </a:rPr>
+              <a:t>is</a:t>
+            </a:r>
+            <a:r>
+              <a:rPr lang="pl-PL" sz="1800" dirty="0">
+                <a:latin typeface="Lucida Console" panose="020B0609040504020204" pitchFamily="49" charset="0"/>
+              </a:rPr>
+              <a:t> </a:t>
+            </a:r>
+            <a:r>
+              <a:rPr lang="pl-PL" sz="1800" dirty="0" err="1">
+                <a:latin typeface="Lucida Console" panose="020B0609040504020204" pitchFamily="49" charset="0"/>
+              </a:rPr>
+              <a:t>at</a:t>
+            </a:r>
+            <a:r>
+              <a:rPr lang="pl-PL" sz="1800" dirty="0">
+                <a:latin typeface="Lucida Console" panose="020B0609040504020204" pitchFamily="49" charset="0"/>
+              </a:rPr>
+              <a:t> </a:t>
+            </a:r>
+            <a:r>
+              <a:rPr lang="pl-PL" sz="1800" dirty="0" err="1">
+                <a:latin typeface="Lucida Console" panose="020B0609040504020204" pitchFamily="49" charset="0"/>
+              </a:rPr>
+              <a:t>least</a:t>
+            </a:r>
+            <a:r>
+              <a:rPr lang="pl-PL" sz="1800" dirty="0">
+                <a:latin typeface="Lucida Console" panose="020B0609040504020204" pitchFamily="49" charset="0"/>
+              </a:rPr>
+              <a:t> {</a:t>
+            </a:r>
+            <a:r>
+              <a:rPr lang="pl-PL" sz="1800" dirty="0" err="1">
+                <a:latin typeface="Lucida Console" panose="020B0609040504020204" pitchFamily="49" charset="0"/>
+              </a:rPr>
+              <a:t>age</a:t>
+            </a:r>
+            <a:r>
+              <a:rPr lang="pl-PL" sz="1800" dirty="0">
+                <a:latin typeface="Lucida Console" panose="020B0609040504020204" pitchFamily="49" charset="0"/>
+              </a:rPr>
+              <a:t>} </a:t>
+            </a:r>
+            <a:r>
+              <a:rPr lang="pl-PL" sz="1800" dirty="0" err="1">
+                <a:latin typeface="Lucida Console" panose="020B0609040504020204" pitchFamily="49" charset="0"/>
+              </a:rPr>
+              <a:t>years</a:t>
+            </a:r>
+            <a:r>
+              <a:rPr lang="pl-PL" sz="1800" dirty="0">
+                <a:latin typeface="Lucida Console" panose="020B0609040504020204" pitchFamily="49" charset="0"/>
+              </a:rPr>
+              <a:t> </a:t>
+            </a:r>
+            <a:r>
+              <a:rPr lang="pl-PL" sz="1800" dirty="0" err="1">
+                <a:latin typeface="Lucida Console" panose="020B0609040504020204" pitchFamily="49" charset="0"/>
+              </a:rPr>
+              <a:t>old</a:t>
+            </a:r>
+            <a:r>
+              <a:rPr lang="pl-PL" sz="1800" dirty="0">
+                <a:latin typeface="Lucida Console" panose="020B0609040504020204" pitchFamily="49" charset="0"/>
+              </a:rPr>
+              <a:t> and </a:t>
+            </a:r>
+            <a:r>
+              <a:rPr lang="pl-PL" sz="1800" dirty="0" err="1">
+                <a:latin typeface="Lucida Console" panose="020B0609040504020204" pitchFamily="49" charset="0"/>
+              </a:rPr>
+              <a:t>lives</a:t>
+            </a:r>
+            <a:r>
+              <a:rPr lang="pl-PL" sz="1800" dirty="0">
+                <a:latin typeface="Lucida Console" panose="020B0609040504020204" pitchFamily="49" charset="0"/>
+              </a:rPr>
+              <a:t> </a:t>
+            </a:r>
+            <a:r>
+              <a:rPr lang="pl-PL" sz="1800" dirty="0" smtClean="0">
+                <a:latin typeface="Lucida Console" panose="020B0609040504020204" pitchFamily="49" charset="0"/>
+              </a:rPr>
+              <a:t>	in </a:t>
+            </a:r>
+            <a:r>
+              <a:rPr lang="pl-PL" sz="1800" dirty="0">
+                <a:latin typeface="Lucida Console" panose="020B0609040504020204" pitchFamily="49" charset="0"/>
+              </a:rPr>
+              <a:t>"{</a:t>
+            </a:r>
+            <a:r>
+              <a:rPr lang="pl-PL" sz="1800" dirty="0" err="1">
+                <a:latin typeface="Lucida Console" panose="020B0609040504020204" pitchFamily="49" charset="0"/>
+              </a:rPr>
+              <a:t>location</a:t>
+            </a:r>
+            <a:r>
+              <a:rPr lang="pl-PL" sz="1800" dirty="0" smtClean="0">
+                <a:latin typeface="Lucida Console" panose="020B0609040504020204" pitchFamily="49" charset="0"/>
+              </a:rPr>
+              <a:t>}” = </a:t>
+            </a:r>
+            <a:r>
+              <a:rPr lang="pl-PL" sz="1800" dirty="0">
+                <a:latin typeface="Lucida Console" panose="020B0609040504020204" pitchFamily="49" charset="0"/>
+              </a:rPr>
+              <a:t>Person(</a:t>
+            </a:r>
+            <a:r>
+              <a:rPr lang="pl-PL" sz="1800" dirty="0" err="1">
+                <a:latin typeface="Lucida Console" panose="020B0609040504020204" pitchFamily="49" charset="0"/>
+              </a:rPr>
+              <a:t>age</a:t>
+            </a:r>
+            <a:r>
+              <a:rPr lang="pl-PL" sz="1800" dirty="0">
+                <a:latin typeface="Lucida Console" panose="020B0609040504020204" pitchFamily="49" charset="0"/>
+              </a:rPr>
+              <a:t> &gt;= {</a:t>
+            </a:r>
+            <a:r>
+              <a:rPr lang="pl-PL" sz="1800" dirty="0" err="1">
+                <a:latin typeface="Lucida Console" panose="020B0609040504020204" pitchFamily="49" charset="0"/>
+              </a:rPr>
+              <a:t>age</a:t>
+            </a:r>
+            <a:r>
+              <a:rPr lang="pl-PL" sz="1800" dirty="0">
+                <a:latin typeface="Lucida Console" panose="020B0609040504020204" pitchFamily="49" charset="0"/>
+              </a:rPr>
+              <a:t>}, </a:t>
+            </a:r>
+            <a:r>
+              <a:rPr lang="pl-PL" sz="1800" dirty="0" smtClean="0">
+                <a:latin typeface="Lucida Console" panose="020B0609040504020204" pitchFamily="49" charset="0"/>
+              </a:rPr>
+              <a:t>	</a:t>
+            </a:r>
+            <a:r>
+              <a:rPr lang="pl-PL" sz="1800" dirty="0" err="1" smtClean="0">
+                <a:latin typeface="Lucida Console" panose="020B0609040504020204" pitchFamily="49" charset="0"/>
+              </a:rPr>
+              <a:t>location</a:t>
+            </a:r>
+            <a:r>
+              <a:rPr lang="pl-PL" sz="1800" dirty="0">
+                <a:latin typeface="Lucida Console" panose="020B0609040504020204" pitchFamily="49" charset="0"/>
+              </a:rPr>
+              <a:t>=="{</a:t>
+            </a:r>
+            <a:r>
+              <a:rPr lang="pl-PL" sz="1800" dirty="0" err="1">
+                <a:latin typeface="Lucida Console" panose="020B0609040504020204" pitchFamily="49" charset="0"/>
+              </a:rPr>
+              <a:t>location</a:t>
+            </a:r>
+            <a:r>
+              <a:rPr lang="pl-PL" sz="1800" dirty="0" smtClean="0">
+                <a:latin typeface="Lucida Console" panose="020B0609040504020204" pitchFamily="49" charset="0"/>
+              </a:rPr>
+              <a:t>}")</a:t>
+            </a:r>
+          </a:p>
+          <a:p>
+            <a:pPr marL="109728" indent="0">
+              <a:buNone/>
+            </a:pPr>
+            <a:r>
+              <a:rPr lang="pl-PL" sz="1800" dirty="0" smtClean="0">
+                <a:latin typeface="Lucida Console" panose="020B0609040504020204" pitchFamily="49" charset="0"/>
+              </a:rPr>
+              <a:t>[</a:t>
+            </a:r>
+            <a:r>
+              <a:rPr lang="pl-PL" sz="1800" dirty="0" err="1">
+                <a:latin typeface="Lucida Console" panose="020B0609040504020204" pitchFamily="49" charset="0"/>
+              </a:rPr>
+              <a:t>then</a:t>
+            </a:r>
+            <a:r>
+              <a:rPr lang="pl-PL" sz="1800" dirty="0">
+                <a:latin typeface="Lucida Console" panose="020B0609040504020204" pitchFamily="49" charset="0"/>
+              </a:rPr>
+              <a:t>]Log </a:t>
+            </a:r>
+            <a:r>
+              <a:rPr lang="pl-PL" sz="1800" dirty="0" smtClean="0">
+                <a:latin typeface="Lucida Console" panose="020B0609040504020204" pitchFamily="49" charset="0"/>
+              </a:rPr>
+              <a:t>"{</a:t>
+            </a:r>
+            <a:r>
+              <a:rPr lang="pl-PL" sz="1800" dirty="0" err="1">
+                <a:latin typeface="Lucida Console" panose="020B0609040504020204" pitchFamily="49" charset="0"/>
+              </a:rPr>
+              <a:t>message</a:t>
+            </a:r>
+            <a:r>
+              <a:rPr lang="pl-PL" sz="1800" dirty="0" smtClean="0">
+                <a:latin typeface="Lucida Console" panose="020B0609040504020204" pitchFamily="49" charset="0"/>
+              </a:rPr>
+              <a:t>}„ = 	</a:t>
+            </a:r>
+            <a:r>
+              <a:rPr lang="pl-PL" sz="1800" dirty="0" err="1" smtClean="0">
+                <a:latin typeface="Lucida Console" panose="020B0609040504020204" pitchFamily="49" charset="0"/>
+              </a:rPr>
+              <a:t>System.out.println</a:t>
+            </a:r>
+            <a:r>
+              <a:rPr lang="pl-PL" sz="1800" dirty="0">
+                <a:latin typeface="Lucida Console" panose="020B0609040504020204" pitchFamily="49" charset="0"/>
+              </a:rPr>
+              <a:t>("{</a:t>
+            </a:r>
+            <a:r>
+              <a:rPr lang="pl-PL" sz="1800" dirty="0" err="1">
+                <a:latin typeface="Lucida Console" panose="020B0609040504020204" pitchFamily="49" charset="0"/>
+              </a:rPr>
+              <a:t>message</a:t>
+            </a:r>
+            <a:r>
+              <a:rPr lang="pl-PL" sz="1800" dirty="0" smtClean="0">
+                <a:latin typeface="Lucida Console" panose="020B0609040504020204" pitchFamily="49" charset="0"/>
+              </a:rPr>
+              <a:t>}");</a:t>
+            </a:r>
+          </a:p>
+          <a:p>
+            <a:pPr marL="109728" indent="0">
+              <a:buNone/>
+            </a:pPr>
+            <a:r>
+              <a:rPr lang="pl-PL" sz="1800" dirty="0" smtClean="0">
+                <a:latin typeface="Lucida Console" panose="020B0609040504020204" pitchFamily="49" charset="0"/>
+              </a:rPr>
+              <a:t>[</a:t>
+            </a:r>
+            <a:r>
+              <a:rPr lang="pl-PL" sz="1800" dirty="0" err="1">
+                <a:latin typeface="Lucida Console" panose="020B0609040504020204" pitchFamily="49" charset="0"/>
+              </a:rPr>
+              <a:t>when</a:t>
+            </a:r>
+            <a:r>
+              <a:rPr lang="pl-PL" sz="1800" dirty="0">
+                <a:latin typeface="Lucida Console" panose="020B0609040504020204" pitchFamily="49" charset="0"/>
+              </a:rPr>
+              <a:t>]And = and</a:t>
+            </a:r>
+          </a:p>
+          <a:p>
+            <a:pPr marL="109728" indent="0">
+              <a:buNone/>
+            </a:pPr>
+            <a:endParaRPr lang="pl-PL" sz="1800" dirty="0">
+              <a:latin typeface="Lucida Console" panose="020B0609040504020204" pitchFamily="49" charset="0"/>
+            </a:endParaRPr>
+          </a:p>
+        </p:txBody>
+      </p:sp>
+      <p:sp>
+        <p:nvSpPr>
+          <p:cNvPr id="3" name="Tytuł 2"/>
+          <p:cNvSpPr>
+            <a:spLocks noGrp="1"/>
+          </p:cNvSpPr>
+          <p:nvPr>
+            <p:ph type="title"/>
+          </p:nvPr>
+        </p:nvSpPr>
+        <p:spPr/>
+        <p:txBody>
+          <a:bodyPr/>
+          <a:lstStyle/>
+          <a:p>
+            <a:r>
+              <a:rPr lang="pl-PL" dirty="0" err="1"/>
+              <a:t>Domain</a:t>
+            </a:r>
+            <a:r>
+              <a:rPr lang="pl-PL" dirty="0"/>
+              <a:t> </a:t>
+            </a:r>
+            <a:r>
+              <a:rPr lang="pl-PL" dirty="0" err="1"/>
+              <a:t>Specific</a:t>
+            </a:r>
+            <a:r>
+              <a:rPr lang="pl-PL" dirty="0"/>
+              <a:t> </a:t>
+            </a:r>
+            <a:r>
+              <a:rPr lang="pl-PL" dirty="0" err="1"/>
+              <a:t>Languages</a:t>
+            </a:r>
+            <a:endParaRPr lang="pl-PL" dirty="0"/>
+          </a:p>
+        </p:txBody>
+      </p:sp>
+    </p:spTree>
+    <p:extLst>
+      <p:ext uri="{BB962C8B-B14F-4D97-AF65-F5344CB8AC3E}">
+        <p14:creationId xmlns:p14="http://schemas.microsoft.com/office/powerpoint/2010/main" val="1952145853"/>
+      </p:ext>
+    </p:extLst>
+  </p:cSld>
+  <p:clrMapOvr>
+    <a:masterClrMapping/>
+  </p:clrMapOvr>
+  <p:timing>
+    <p:tnLst>
+      <p:par>
+        <p:cTn id="1" dur="indefinite" restart="never" nodeType="tmRoot"/>
+      </p:par>
+    </p:tnLst>
+  </p:timing>
+</p:sld>
+</file>
+
+<file path=ppt/slides/slide15.xml><?xml version="1.0" encoding="utf-8"?>
+<p:sld xmlns:a="http://schemas.openxmlformats.org/drawingml/2006/main" xmlns:r="http://schemas.openxmlformats.org/officeDocument/2006/relationships" xmlns:p="http://schemas.openxmlformats.org/presentationml/2006/main">
+  <p:cSld>
+    <p:spTree>
+      <p:nvGrpSpPr>
+        <p:cNvPr id="1" name=""/>
+        <p:cNvGrpSpPr/>
+        <p:nvPr/>
+      </p:nvGrpSpPr>
+      <p:grpSpPr>
+        <a:xfrm>
+          <a:off x="0" y="0"/>
+          <a:ext cx="0" cy="0"/>
+          <a:chOff x="0" y="0"/>
+          <a:chExt cx="0" cy="0"/>
+        </a:xfrm>
+      </p:grpSpPr>
+      <p:sp>
+        <p:nvSpPr>
+          <p:cNvPr id="2" name="Symbol zastępczy zawartości 1"/>
+          <p:cNvSpPr>
+            <a:spLocks noGrp="1"/>
+          </p:cNvSpPr>
+          <p:nvPr>
+            <p:ph idx="1"/>
+          </p:nvPr>
+        </p:nvSpPr>
+        <p:spPr/>
+        <p:txBody>
+          <a:bodyPr>
+            <a:normAutofit fontScale="55000" lnSpcReduction="20000"/>
+          </a:bodyPr>
+          <a:lstStyle/>
+          <a:p>
+            <a:pPr marL="109728" indent="0">
+              <a:buNone/>
+            </a:pPr>
+            <a:r>
+              <a:rPr lang="pl-PL" dirty="0">
+                <a:latin typeface="Lucida Console" panose="020B0609040504020204" pitchFamily="49" charset="0"/>
+              </a:rPr>
+              <a:t>Environment </a:t>
+            </a:r>
+            <a:r>
+              <a:rPr lang="pl-PL" dirty="0" err="1">
+                <a:latin typeface="Lucida Console" panose="020B0609040504020204" pitchFamily="49" charset="0"/>
+              </a:rPr>
+              <a:t>env</a:t>
+            </a:r>
+            <a:r>
+              <a:rPr lang="pl-PL" dirty="0">
+                <a:latin typeface="Lucida Console" panose="020B0609040504020204" pitchFamily="49" charset="0"/>
+              </a:rPr>
+              <a:t> = </a:t>
+            </a:r>
+            <a:r>
+              <a:rPr lang="pl-PL" dirty="0" err="1">
+                <a:latin typeface="Lucida Console" panose="020B0609040504020204" pitchFamily="49" charset="0"/>
+              </a:rPr>
+              <a:t>KnowledgeBaseFactory.newEnvironment</a:t>
+            </a:r>
+            <a:r>
+              <a:rPr lang="pl-PL" dirty="0">
+                <a:latin typeface="Lucida Console" panose="020B0609040504020204" pitchFamily="49" charset="0"/>
+              </a:rPr>
+              <a:t>(); </a:t>
+            </a:r>
+            <a:br>
+              <a:rPr lang="pl-PL" dirty="0">
+                <a:latin typeface="Lucida Console" panose="020B0609040504020204" pitchFamily="49" charset="0"/>
+              </a:rPr>
+            </a:br>
+            <a:r>
+              <a:rPr lang="pl-PL" dirty="0" err="1">
+                <a:latin typeface="Lucida Console" panose="020B0609040504020204" pitchFamily="49" charset="0"/>
+              </a:rPr>
+              <a:t>env.set</a:t>
+            </a:r>
+            <a:r>
+              <a:rPr lang="pl-PL" dirty="0">
+                <a:latin typeface="Lucida Console" panose="020B0609040504020204" pitchFamily="49" charset="0"/>
+              </a:rPr>
+              <a:t>( </a:t>
+            </a:r>
+            <a:r>
+              <a:rPr lang="pl-PL" dirty="0" err="1">
+                <a:latin typeface="Lucida Console" panose="020B0609040504020204" pitchFamily="49" charset="0"/>
+              </a:rPr>
+              <a:t>EnvironmentName.ENTITY_MANAGER_FACTORY</a:t>
+            </a:r>
+            <a:r>
+              <a:rPr lang="pl-PL" dirty="0">
+                <a:latin typeface="Lucida Console" panose="020B0609040504020204" pitchFamily="49" charset="0"/>
+              </a:rPr>
+              <a:t>, </a:t>
+            </a:r>
+            <a:br>
+              <a:rPr lang="pl-PL" dirty="0">
+                <a:latin typeface="Lucida Console" panose="020B0609040504020204" pitchFamily="49" charset="0"/>
+              </a:rPr>
+            </a:br>
+            <a:r>
+              <a:rPr lang="pl-PL" dirty="0">
+                <a:latin typeface="Lucida Console" panose="020B0609040504020204" pitchFamily="49" charset="0"/>
+              </a:rPr>
+              <a:t>         </a:t>
+            </a:r>
+            <a:r>
+              <a:rPr lang="pl-PL" dirty="0" err="1">
+                <a:latin typeface="Lucida Console" panose="020B0609040504020204" pitchFamily="49" charset="0"/>
+              </a:rPr>
+              <a:t>Persistence.createEntityManagerFactory</a:t>
+            </a:r>
+            <a:r>
+              <a:rPr lang="pl-PL" dirty="0">
+                <a:latin typeface="Lucida Console" panose="020B0609040504020204" pitchFamily="49" charset="0"/>
+              </a:rPr>
+              <a:t>( "</a:t>
+            </a:r>
+            <a:r>
+              <a:rPr lang="pl-PL" dirty="0" err="1">
+                <a:latin typeface="Lucida Console" panose="020B0609040504020204" pitchFamily="49" charset="0"/>
+              </a:rPr>
+              <a:t>emf-name</a:t>
+            </a:r>
+            <a:r>
+              <a:rPr lang="pl-PL" dirty="0">
+                <a:latin typeface="Lucida Console" panose="020B0609040504020204" pitchFamily="49" charset="0"/>
+              </a:rPr>
+              <a:t>" ) ); </a:t>
+            </a:r>
+            <a:br>
+              <a:rPr lang="pl-PL" dirty="0">
+                <a:latin typeface="Lucida Console" panose="020B0609040504020204" pitchFamily="49" charset="0"/>
+              </a:rPr>
+            </a:br>
+            <a:r>
+              <a:rPr lang="pl-PL" dirty="0" err="1">
+                <a:latin typeface="Lucida Console" panose="020B0609040504020204" pitchFamily="49" charset="0"/>
+              </a:rPr>
+              <a:t>env.set</a:t>
+            </a:r>
+            <a:r>
+              <a:rPr lang="pl-PL" dirty="0">
+                <a:latin typeface="Lucida Console" panose="020B0609040504020204" pitchFamily="49" charset="0"/>
+              </a:rPr>
+              <a:t>( </a:t>
+            </a:r>
+            <a:r>
+              <a:rPr lang="pl-PL" dirty="0" err="1">
+                <a:latin typeface="Lucida Console" panose="020B0609040504020204" pitchFamily="49" charset="0"/>
+              </a:rPr>
+              <a:t>EnvironmentName.TRANSACTION_MANAGER</a:t>
+            </a:r>
+            <a:r>
+              <a:rPr lang="pl-PL" dirty="0">
+                <a:latin typeface="Lucida Console" panose="020B0609040504020204" pitchFamily="49" charset="0"/>
+              </a:rPr>
+              <a:t>, </a:t>
+            </a:r>
+            <a:br>
+              <a:rPr lang="pl-PL" dirty="0">
+                <a:latin typeface="Lucida Console" panose="020B0609040504020204" pitchFamily="49" charset="0"/>
+              </a:rPr>
+            </a:br>
+            <a:r>
+              <a:rPr lang="pl-PL" dirty="0">
+                <a:latin typeface="Lucida Console" panose="020B0609040504020204" pitchFamily="49" charset="0"/>
+              </a:rPr>
+              <a:t>         </a:t>
+            </a:r>
+            <a:r>
+              <a:rPr lang="pl-PL" dirty="0" err="1">
+                <a:latin typeface="Lucida Console" panose="020B0609040504020204" pitchFamily="49" charset="0"/>
+              </a:rPr>
+              <a:t>TransactionManagerServices.getTransactionManager</a:t>
+            </a:r>
+            <a:r>
+              <a:rPr lang="pl-PL" dirty="0">
+                <a:latin typeface="Lucida Console" panose="020B0609040504020204" pitchFamily="49" charset="0"/>
+              </a:rPr>
+              <a:t>() ); </a:t>
+            </a:r>
+            <a:br>
+              <a:rPr lang="pl-PL" dirty="0">
+                <a:latin typeface="Lucida Console" panose="020B0609040504020204" pitchFamily="49" charset="0"/>
+              </a:rPr>
+            </a:br>
+            <a:r>
+              <a:rPr lang="pl-PL" dirty="0">
+                <a:latin typeface="Lucida Console" panose="020B0609040504020204" pitchFamily="49" charset="0"/>
+              </a:rPr>
+              <a:t>           </a:t>
+            </a:r>
+            <a:r>
+              <a:rPr lang="pl-PL" dirty="0" smtClean="0">
+                <a:latin typeface="Lucida Console" panose="020B0609040504020204" pitchFamily="49" charset="0"/>
+              </a:rPr>
+              <a:t/>
+            </a:r>
+            <a:br>
+              <a:rPr lang="pl-PL" dirty="0" smtClean="0">
+                <a:latin typeface="Lucida Console" panose="020B0609040504020204" pitchFamily="49" charset="0"/>
+              </a:rPr>
+            </a:br>
+            <a:r>
+              <a:rPr lang="pl-PL" dirty="0">
+                <a:latin typeface="Lucida Console" panose="020B0609040504020204" pitchFamily="49" charset="0"/>
+              </a:rPr>
+              <a:t/>
+            </a:r>
+            <a:br>
+              <a:rPr lang="pl-PL" dirty="0">
+                <a:latin typeface="Lucida Console" panose="020B0609040504020204" pitchFamily="49" charset="0"/>
+              </a:rPr>
+            </a:br>
+            <a:r>
+              <a:rPr lang="pl-PL" dirty="0" err="1">
+                <a:latin typeface="Lucida Console" panose="020B0609040504020204" pitchFamily="49" charset="0"/>
+              </a:rPr>
+              <a:t>StatefulKnowledgeSession</a:t>
+            </a:r>
+            <a:r>
+              <a:rPr lang="pl-PL" dirty="0">
+                <a:latin typeface="Lucida Console" panose="020B0609040504020204" pitchFamily="49" charset="0"/>
+              </a:rPr>
+              <a:t> </a:t>
+            </a:r>
+            <a:r>
+              <a:rPr lang="pl-PL" dirty="0" err="1">
+                <a:latin typeface="Lucida Console" panose="020B0609040504020204" pitchFamily="49" charset="0"/>
+              </a:rPr>
+              <a:t>ksession</a:t>
+            </a:r>
+            <a:r>
+              <a:rPr lang="pl-PL" dirty="0">
+                <a:latin typeface="Lucida Console" panose="020B0609040504020204" pitchFamily="49" charset="0"/>
+              </a:rPr>
+              <a:t> = </a:t>
+            </a:r>
+            <a:br>
+              <a:rPr lang="pl-PL" dirty="0">
+                <a:latin typeface="Lucida Console" panose="020B0609040504020204" pitchFamily="49" charset="0"/>
+              </a:rPr>
+            </a:br>
+            <a:r>
+              <a:rPr lang="pl-PL" dirty="0">
+                <a:latin typeface="Lucida Console" panose="020B0609040504020204" pitchFamily="49" charset="0"/>
+              </a:rPr>
+              <a:t> </a:t>
+            </a:r>
+            <a:r>
+              <a:rPr lang="pl-PL" dirty="0" err="1" smtClean="0">
+                <a:latin typeface="Lucida Console" panose="020B0609040504020204" pitchFamily="49" charset="0"/>
+              </a:rPr>
+              <a:t>JPAKnowledgeService.newStatefulKnowledgeSession</a:t>
+            </a:r>
+            <a:r>
+              <a:rPr lang="pl-PL" dirty="0">
+                <a:latin typeface="Lucida Console" panose="020B0609040504020204" pitchFamily="49" charset="0"/>
+              </a:rPr>
+              <a:t>( </a:t>
+            </a:r>
+            <a:r>
+              <a:rPr lang="pl-PL" dirty="0" err="1">
+                <a:latin typeface="Lucida Console" panose="020B0609040504020204" pitchFamily="49" charset="0"/>
+              </a:rPr>
+              <a:t>kbase</a:t>
+            </a:r>
+            <a:r>
+              <a:rPr lang="pl-PL" dirty="0">
+                <a:latin typeface="Lucida Console" panose="020B0609040504020204" pitchFamily="49" charset="0"/>
+              </a:rPr>
+              <a:t>, </a:t>
+            </a:r>
+            <a:r>
+              <a:rPr lang="pl-PL" dirty="0" err="1">
+                <a:latin typeface="Lucida Console" panose="020B0609040504020204" pitchFamily="49" charset="0"/>
+              </a:rPr>
+              <a:t>null</a:t>
+            </a:r>
+            <a:r>
+              <a:rPr lang="pl-PL" dirty="0">
+                <a:latin typeface="Lucida Console" panose="020B0609040504020204" pitchFamily="49" charset="0"/>
+              </a:rPr>
+              <a:t>, </a:t>
+            </a:r>
+            <a:r>
+              <a:rPr lang="pl-PL" dirty="0" err="1">
+                <a:latin typeface="Lucida Console" panose="020B0609040504020204" pitchFamily="49" charset="0"/>
+              </a:rPr>
+              <a:t>env</a:t>
+            </a:r>
+            <a:r>
+              <a:rPr lang="pl-PL" dirty="0">
+                <a:latin typeface="Lucida Console" panose="020B0609040504020204" pitchFamily="49" charset="0"/>
+              </a:rPr>
+              <a:t> ); </a:t>
+            </a:r>
+            <a:br>
+              <a:rPr lang="pl-PL" dirty="0">
+                <a:latin typeface="Lucida Console" panose="020B0609040504020204" pitchFamily="49" charset="0"/>
+              </a:rPr>
+            </a:br>
+            <a:r>
+              <a:rPr lang="pl-PL" dirty="0" err="1">
+                <a:latin typeface="Lucida Console" panose="020B0609040504020204" pitchFamily="49" charset="0"/>
+              </a:rPr>
+              <a:t>int</a:t>
+            </a:r>
+            <a:r>
+              <a:rPr lang="pl-PL" dirty="0">
+                <a:latin typeface="Lucida Console" panose="020B0609040504020204" pitchFamily="49" charset="0"/>
+              </a:rPr>
+              <a:t> </a:t>
+            </a:r>
+            <a:r>
+              <a:rPr lang="pl-PL" dirty="0" err="1">
+                <a:latin typeface="Lucida Console" panose="020B0609040504020204" pitchFamily="49" charset="0"/>
+              </a:rPr>
+              <a:t>sessionId</a:t>
+            </a:r>
+            <a:r>
+              <a:rPr lang="pl-PL" dirty="0">
+                <a:latin typeface="Lucida Console" panose="020B0609040504020204" pitchFamily="49" charset="0"/>
+              </a:rPr>
+              <a:t> = </a:t>
+            </a:r>
+            <a:r>
+              <a:rPr lang="pl-PL" dirty="0" err="1">
+                <a:latin typeface="Lucida Console" panose="020B0609040504020204" pitchFamily="49" charset="0"/>
+              </a:rPr>
+              <a:t>ksession.getId</a:t>
+            </a:r>
+            <a:r>
+              <a:rPr lang="pl-PL" dirty="0">
+                <a:latin typeface="Lucida Console" panose="020B0609040504020204" pitchFamily="49" charset="0"/>
+              </a:rPr>
+              <a:t>(); </a:t>
+            </a:r>
+            <a:br>
+              <a:rPr lang="pl-PL" dirty="0">
+                <a:latin typeface="Lucida Console" panose="020B0609040504020204" pitchFamily="49" charset="0"/>
+              </a:rPr>
+            </a:br>
+            <a:r>
+              <a:rPr lang="pl-PL" dirty="0">
+                <a:latin typeface="Lucida Console" panose="020B0609040504020204" pitchFamily="49" charset="0"/>
+              </a:rPr>
+              <a:t>  </a:t>
+            </a:r>
+            <a:br>
+              <a:rPr lang="pl-PL" dirty="0">
+                <a:latin typeface="Lucida Console" panose="020B0609040504020204" pitchFamily="49" charset="0"/>
+              </a:rPr>
+            </a:br>
+            <a:r>
+              <a:rPr lang="pl-PL" dirty="0" err="1">
+                <a:latin typeface="Lucida Console" panose="020B0609040504020204" pitchFamily="49" charset="0"/>
+              </a:rPr>
+              <a:t>UserTransaction</a:t>
+            </a:r>
+            <a:r>
+              <a:rPr lang="pl-PL" dirty="0">
+                <a:latin typeface="Lucida Console" panose="020B0609040504020204" pitchFamily="49" charset="0"/>
+              </a:rPr>
+              <a:t> </a:t>
+            </a:r>
+            <a:r>
+              <a:rPr lang="pl-PL" dirty="0" err="1">
+                <a:latin typeface="Lucida Console" panose="020B0609040504020204" pitchFamily="49" charset="0"/>
+              </a:rPr>
+              <a:t>ut</a:t>
+            </a:r>
+            <a:r>
+              <a:rPr lang="pl-PL" dirty="0">
+                <a:latin typeface="Lucida Console" panose="020B0609040504020204" pitchFamily="49" charset="0"/>
+              </a:rPr>
+              <a:t> = </a:t>
+            </a:r>
+            <a:br>
+              <a:rPr lang="pl-PL" dirty="0">
+                <a:latin typeface="Lucida Console" panose="020B0609040504020204" pitchFamily="49" charset="0"/>
+              </a:rPr>
+            </a:br>
+            <a:r>
+              <a:rPr lang="pl-PL" dirty="0">
+                <a:latin typeface="Lucida Console" panose="020B0609040504020204" pitchFamily="49" charset="0"/>
+              </a:rPr>
+              <a:t>  (</a:t>
+            </a:r>
+            <a:r>
+              <a:rPr lang="pl-PL" dirty="0" err="1">
+                <a:latin typeface="Lucida Console" panose="020B0609040504020204" pitchFamily="49" charset="0"/>
+              </a:rPr>
+              <a:t>UserTransaction</a:t>
+            </a:r>
+            <a:r>
+              <a:rPr lang="pl-PL" dirty="0">
+                <a:latin typeface="Lucida Console" panose="020B0609040504020204" pitchFamily="49" charset="0"/>
+              </a:rPr>
+              <a:t>) </a:t>
+            </a:r>
+            <a:r>
+              <a:rPr lang="pl-PL" b="1" dirty="0" err="1">
+                <a:latin typeface="Lucida Console" panose="020B0609040504020204" pitchFamily="49" charset="0"/>
+              </a:rPr>
+              <a:t>new</a:t>
+            </a:r>
+            <a:r>
+              <a:rPr lang="pl-PL" dirty="0">
+                <a:latin typeface="Lucida Console" panose="020B0609040504020204" pitchFamily="49" charset="0"/>
+              </a:rPr>
+              <a:t> </a:t>
+            </a:r>
+            <a:r>
+              <a:rPr lang="pl-PL" dirty="0" err="1">
+                <a:latin typeface="Lucida Console" panose="020B0609040504020204" pitchFamily="49" charset="0"/>
+              </a:rPr>
+              <a:t>InitialContext</a:t>
+            </a:r>
+            <a:r>
+              <a:rPr lang="pl-PL" dirty="0">
+                <a:latin typeface="Lucida Console" panose="020B0609040504020204" pitchFamily="49" charset="0"/>
+              </a:rPr>
+              <a:t>().</a:t>
+            </a:r>
+            <a:r>
+              <a:rPr lang="pl-PL" dirty="0" err="1">
+                <a:latin typeface="Lucida Console" panose="020B0609040504020204" pitchFamily="49" charset="0"/>
+              </a:rPr>
+              <a:t>lookup</a:t>
+            </a:r>
+            <a:r>
+              <a:rPr lang="pl-PL" dirty="0">
+                <a:latin typeface="Lucida Console" panose="020B0609040504020204" pitchFamily="49" charset="0"/>
+              </a:rPr>
+              <a:t>( </a:t>
+            </a:r>
+            <a:endParaRPr lang="pl-PL" dirty="0" smtClean="0">
+              <a:latin typeface="Lucida Console" panose="020B0609040504020204" pitchFamily="49" charset="0"/>
+            </a:endParaRPr>
+          </a:p>
+          <a:p>
+            <a:pPr marL="109728" indent="0">
+              <a:buNone/>
+            </a:pPr>
+            <a:r>
+              <a:rPr lang="pl-PL" dirty="0">
+                <a:latin typeface="Lucida Console" panose="020B0609040504020204" pitchFamily="49" charset="0"/>
+              </a:rPr>
+              <a:t>	</a:t>
+            </a:r>
+            <a:r>
+              <a:rPr lang="pl-PL" dirty="0" smtClean="0">
+                <a:latin typeface="Lucida Console" panose="020B0609040504020204" pitchFamily="49" charset="0"/>
+              </a:rPr>
+              <a:t>"</a:t>
+            </a:r>
+            <a:r>
+              <a:rPr lang="pl-PL" dirty="0" err="1">
+                <a:latin typeface="Lucida Console" panose="020B0609040504020204" pitchFamily="49" charset="0"/>
+              </a:rPr>
+              <a:t>java:comp</a:t>
+            </a:r>
+            <a:r>
+              <a:rPr lang="pl-PL" dirty="0">
+                <a:latin typeface="Lucida Console" panose="020B0609040504020204" pitchFamily="49" charset="0"/>
+              </a:rPr>
+              <a:t>/</a:t>
+            </a:r>
+            <a:r>
+              <a:rPr lang="pl-PL" dirty="0" err="1">
+                <a:latin typeface="Lucida Console" panose="020B0609040504020204" pitchFamily="49" charset="0"/>
+              </a:rPr>
+              <a:t>UserTransaction</a:t>
+            </a:r>
+            <a:r>
+              <a:rPr lang="pl-PL" dirty="0">
+                <a:latin typeface="Lucida Console" panose="020B0609040504020204" pitchFamily="49" charset="0"/>
+              </a:rPr>
+              <a:t>" ); </a:t>
+            </a:r>
+            <a:br>
+              <a:rPr lang="pl-PL" dirty="0">
+                <a:latin typeface="Lucida Console" panose="020B0609040504020204" pitchFamily="49" charset="0"/>
+              </a:rPr>
+            </a:br>
+            <a:r>
+              <a:rPr lang="pl-PL" dirty="0" err="1">
+                <a:latin typeface="Lucida Console" panose="020B0609040504020204" pitchFamily="49" charset="0"/>
+              </a:rPr>
+              <a:t>ut.begin</a:t>
+            </a:r>
+            <a:r>
+              <a:rPr lang="pl-PL" dirty="0">
+                <a:latin typeface="Lucida Console" panose="020B0609040504020204" pitchFamily="49" charset="0"/>
+              </a:rPr>
+              <a:t>(); </a:t>
+            </a:r>
+            <a:br>
+              <a:rPr lang="pl-PL" dirty="0">
+                <a:latin typeface="Lucida Console" panose="020B0609040504020204" pitchFamily="49" charset="0"/>
+              </a:rPr>
+            </a:br>
+            <a:r>
+              <a:rPr lang="pl-PL" dirty="0" err="1">
+                <a:latin typeface="Lucida Console" panose="020B0609040504020204" pitchFamily="49" charset="0"/>
+              </a:rPr>
+              <a:t>ksession.insert</a:t>
+            </a:r>
+            <a:r>
+              <a:rPr lang="pl-PL" dirty="0">
+                <a:latin typeface="Lucida Console" panose="020B0609040504020204" pitchFamily="49" charset="0"/>
+              </a:rPr>
+              <a:t>( data1 ); </a:t>
+            </a:r>
+            <a:br>
+              <a:rPr lang="pl-PL" dirty="0">
+                <a:latin typeface="Lucida Console" panose="020B0609040504020204" pitchFamily="49" charset="0"/>
+              </a:rPr>
+            </a:br>
+            <a:r>
+              <a:rPr lang="pl-PL" dirty="0" err="1">
+                <a:latin typeface="Lucida Console" panose="020B0609040504020204" pitchFamily="49" charset="0"/>
+              </a:rPr>
+              <a:t>ksession.insert</a:t>
+            </a:r>
+            <a:r>
+              <a:rPr lang="pl-PL" dirty="0">
+                <a:latin typeface="Lucida Console" panose="020B0609040504020204" pitchFamily="49" charset="0"/>
+              </a:rPr>
+              <a:t>( data2 ); </a:t>
+            </a:r>
+            <a:br>
+              <a:rPr lang="pl-PL" dirty="0">
+                <a:latin typeface="Lucida Console" panose="020B0609040504020204" pitchFamily="49" charset="0"/>
+              </a:rPr>
+            </a:br>
+            <a:r>
+              <a:rPr lang="pl-PL" dirty="0" err="1">
+                <a:latin typeface="Lucida Console" panose="020B0609040504020204" pitchFamily="49" charset="0"/>
+              </a:rPr>
+              <a:t>ksession.startProcess</a:t>
+            </a:r>
+            <a:r>
+              <a:rPr lang="pl-PL" dirty="0">
+                <a:latin typeface="Lucida Console" panose="020B0609040504020204" pitchFamily="49" charset="0"/>
+              </a:rPr>
+              <a:t>( "process1" ); </a:t>
+            </a:r>
+            <a:br>
+              <a:rPr lang="pl-PL" dirty="0">
+                <a:latin typeface="Lucida Console" panose="020B0609040504020204" pitchFamily="49" charset="0"/>
+              </a:rPr>
+            </a:br>
+            <a:r>
+              <a:rPr lang="pl-PL" dirty="0" err="1">
+                <a:latin typeface="Lucida Console" panose="020B0609040504020204" pitchFamily="49" charset="0"/>
+              </a:rPr>
+              <a:t>ut.commit</a:t>
+            </a:r>
+            <a:r>
+              <a:rPr lang="pl-PL" dirty="0">
+                <a:latin typeface="Lucida Console" panose="020B0609040504020204" pitchFamily="49" charset="0"/>
+              </a:rPr>
+              <a:t>();</a:t>
+            </a:r>
+          </a:p>
+          <a:p>
+            <a:pPr marL="109728" indent="0">
+              <a:buNone/>
+            </a:pPr>
+            <a:endParaRPr lang="pl-PL" dirty="0">
+              <a:latin typeface="Lucida Console" panose="020B0609040504020204" pitchFamily="49" charset="0"/>
+            </a:endParaRPr>
+          </a:p>
+        </p:txBody>
+      </p:sp>
+      <p:sp>
+        <p:nvSpPr>
+          <p:cNvPr id="3" name="Tytuł 2"/>
+          <p:cNvSpPr>
+            <a:spLocks noGrp="1"/>
+          </p:cNvSpPr>
+          <p:nvPr>
+            <p:ph type="title"/>
+          </p:nvPr>
+        </p:nvSpPr>
+        <p:spPr/>
+        <p:txBody>
+          <a:bodyPr>
+            <a:normAutofit fontScale="90000"/>
+          </a:bodyPr>
+          <a:lstStyle/>
+          <a:p>
+            <a:r>
+              <a:rPr lang="pl-PL" dirty="0" err="1" smtClean="0"/>
+              <a:t>Persistence</a:t>
+            </a:r>
+            <a:r>
+              <a:rPr lang="pl-PL" dirty="0" smtClean="0"/>
+              <a:t> </a:t>
+            </a:r>
+            <a:r>
+              <a:rPr lang="pl-PL" dirty="0" err="1" smtClean="0"/>
+              <a:t>framework</a:t>
+            </a:r>
+            <a:r>
+              <a:rPr lang="pl-PL" dirty="0" smtClean="0"/>
+              <a:t> </a:t>
+            </a:r>
+            <a:r>
+              <a:rPr lang="pl-PL" dirty="0" err="1" smtClean="0"/>
+              <a:t>integration</a:t>
+            </a:r>
+            <a:endParaRPr lang="pl-PL" dirty="0"/>
+          </a:p>
+        </p:txBody>
+      </p:sp>
+    </p:spTree>
+    <p:extLst>
+      <p:ext uri="{BB962C8B-B14F-4D97-AF65-F5344CB8AC3E}">
+        <p14:creationId xmlns:p14="http://schemas.microsoft.com/office/powerpoint/2010/main" val="1896570916"/>
+      </p:ext>
+    </p:extLst>
+  </p:cSld>
+  <p:clrMapOvr>
+    <a:masterClrMapping/>
+  </p:clrMapOvr>
+  <p:timing>
+    <p:tnLst>
+      <p:par>
+        <p:cTn id="1" dur="indefinite" restart="never" nodeType="tmRoot"/>
+      </p:par>
+    </p:tnLst>
+  </p:timing>
+</p:sld>
+</file>
+
+<file path=ppt/slides/slide16.xml><?xml version="1.0" encoding="utf-8"?>
+<p:sld xmlns:a="http://schemas.openxmlformats.org/drawingml/2006/main" xmlns:r="http://schemas.openxmlformats.org/officeDocument/2006/relationships" xmlns:p="http://schemas.openxmlformats.org/presentationml/2006/main">
+  <p:cSld>
+    <p:spTree>
+      <p:nvGrpSpPr>
+        <p:cNvPr id="1" name=""/>
+        <p:cNvGrpSpPr/>
+        <p:nvPr/>
+      </p:nvGrpSpPr>
+      <p:grpSpPr>
+        <a:xfrm>
+          <a:off x="0" y="0"/>
+          <a:ext cx="0" cy="0"/>
+          <a:chOff x="0" y="0"/>
+          <a:chExt cx="0" cy="0"/>
+        </a:xfrm>
+      </p:grpSpPr>
+      <p:sp>
+        <p:nvSpPr>
+          <p:cNvPr id="2" name="Symbol zastępczy zawartości 1"/>
+          <p:cNvSpPr>
+            <a:spLocks noGrp="1"/>
+          </p:cNvSpPr>
+          <p:nvPr>
+            <p:ph idx="1"/>
+          </p:nvPr>
+        </p:nvSpPr>
+        <p:spPr/>
+        <p:txBody>
+          <a:bodyPr/>
+          <a:lstStyle/>
+          <a:p>
+            <a:r>
+              <a:rPr lang="pl-PL" dirty="0" err="1" smtClean="0"/>
+              <a:t>Declarative</a:t>
+            </a:r>
+            <a:r>
+              <a:rPr lang="pl-PL" dirty="0" smtClean="0"/>
+              <a:t> </a:t>
+            </a:r>
+            <a:r>
+              <a:rPr lang="pl-PL" dirty="0" err="1" smtClean="0"/>
+              <a:t>programming</a:t>
+            </a:r>
+            <a:endParaRPr lang="pl-PL" dirty="0" smtClean="0"/>
+          </a:p>
+          <a:p>
+            <a:r>
+              <a:rPr lang="pl-PL" dirty="0" err="1" smtClean="0"/>
+              <a:t>Logic</a:t>
+            </a:r>
+            <a:r>
+              <a:rPr lang="pl-PL" dirty="0" smtClean="0"/>
+              <a:t> and data </a:t>
+            </a:r>
+            <a:r>
+              <a:rPr lang="pl-PL" dirty="0" err="1" smtClean="0"/>
+              <a:t>separation</a:t>
+            </a:r>
+            <a:endParaRPr lang="pl-PL" dirty="0" smtClean="0"/>
+          </a:p>
+          <a:p>
+            <a:r>
+              <a:rPr lang="pl-PL" dirty="0" err="1" smtClean="0"/>
+              <a:t>Speed</a:t>
+            </a:r>
+            <a:r>
+              <a:rPr lang="pl-PL" dirty="0" smtClean="0"/>
+              <a:t> and </a:t>
+            </a:r>
+            <a:r>
+              <a:rPr lang="pl-PL" dirty="0" err="1" smtClean="0"/>
+              <a:t>Scalability</a:t>
+            </a:r>
+            <a:endParaRPr lang="pl-PL" dirty="0" smtClean="0"/>
+          </a:p>
+          <a:p>
+            <a:r>
+              <a:rPr lang="pl-PL" dirty="0" err="1" smtClean="0"/>
+              <a:t>Centralization</a:t>
+            </a:r>
+            <a:r>
+              <a:rPr lang="pl-PL" dirty="0" smtClean="0"/>
+              <a:t> of Knowledge</a:t>
+            </a:r>
+          </a:p>
+          <a:p>
+            <a:r>
+              <a:rPr lang="pl-PL" dirty="0" err="1" smtClean="0"/>
+              <a:t>Tool</a:t>
+            </a:r>
+            <a:r>
+              <a:rPr lang="pl-PL" dirty="0"/>
+              <a:t> </a:t>
+            </a:r>
+            <a:r>
+              <a:rPr lang="pl-PL" dirty="0" smtClean="0"/>
+              <a:t>Integration</a:t>
+            </a:r>
+          </a:p>
+          <a:p>
+            <a:r>
+              <a:rPr lang="pl-PL" dirty="0" err="1" smtClean="0"/>
+              <a:t>Explanation</a:t>
+            </a:r>
+            <a:r>
+              <a:rPr lang="pl-PL" dirty="0" smtClean="0"/>
+              <a:t> </a:t>
+            </a:r>
+            <a:r>
+              <a:rPr lang="pl-PL" dirty="0" err="1" smtClean="0"/>
+              <a:t>facility</a:t>
+            </a:r>
+            <a:endParaRPr lang="pl-PL" dirty="0" smtClean="0"/>
+          </a:p>
+          <a:p>
+            <a:r>
+              <a:rPr lang="pl-PL" dirty="0" err="1" smtClean="0"/>
+              <a:t>Understandable</a:t>
+            </a:r>
+            <a:r>
+              <a:rPr lang="pl-PL" dirty="0" smtClean="0"/>
+              <a:t> </a:t>
+            </a:r>
+            <a:r>
+              <a:rPr lang="pl-PL" dirty="0" err="1" smtClean="0"/>
+              <a:t>rules</a:t>
+            </a:r>
+            <a:endParaRPr lang="pl-PL" dirty="0"/>
+          </a:p>
+        </p:txBody>
+      </p:sp>
+      <p:sp>
+        <p:nvSpPr>
+          <p:cNvPr id="3" name="Tytuł 2"/>
+          <p:cNvSpPr>
+            <a:spLocks noGrp="1"/>
+          </p:cNvSpPr>
+          <p:nvPr>
+            <p:ph type="title"/>
+          </p:nvPr>
+        </p:nvSpPr>
+        <p:spPr/>
+        <p:txBody>
+          <a:bodyPr/>
+          <a:lstStyle/>
+          <a:p>
+            <a:r>
+              <a:rPr lang="pl-PL" dirty="0" err="1" smtClean="0"/>
+              <a:t>Adventages</a:t>
+            </a:r>
+            <a:r>
+              <a:rPr lang="pl-PL" dirty="0" smtClean="0"/>
+              <a:t> of </a:t>
+            </a:r>
+            <a:r>
+              <a:rPr lang="pl-PL" dirty="0" err="1" smtClean="0"/>
+              <a:t>rule</a:t>
+            </a:r>
+            <a:r>
+              <a:rPr lang="pl-PL" dirty="0" smtClean="0"/>
+              <a:t> </a:t>
+            </a:r>
+            <a:r>
+              <a:rPr lang="pl-PL" dirty="0" err="1" smtClean="0"/>
+              <a:t>engine</a:t>
+            </a:r>
+            <a:endParaRPr lang="pl-PL" dirty="0"/>
+          </a:p>
+        </p:txBody>
+      </p:sp>
+    </p:spTree>
+    <p:extLst>
+      <p:ext uri="{BB962C8B-B14F-4D97-AF65-F5344CB8AC3E}">
+        <p14:creationId xmlns:p14="http://schemas.microsoft.com/office/powerpoint/2010/main" val="3095177641"/>
+      </p:ext>
+    </p:extLst>
+  </p:cSld>
+  <p:clrMapOvr>
+    <a:masterClrMapping/>
+  </p:clrMapOvr>
+  <p:timing>
+    <p:tnLst>
+      <p:par>
+        <p:cTn id="1" dur="indefinite" restart="never" nodeType="tmRoot"/>
+      </p:par>
+    </p:tnLst>
+  </p:timing>
+</p:sld>
+</file>
+
+<file path=ppt/slides/slide17.xml><?xml version="1.0" encoding="utf-8"?>
+<p:sld xmlns:a="http://schemas.openxmlformats.org/drawingml/2006/main" xmlns:r="http://schemas.openxmlformats.org/officeDocument/2006/relationships" xmlns:p="http://schemas.openxmlformats.org/presentationml/2006/main">
+  <p:cSld>
+    <p:spTree>
+      <p:nvGrpSpPr>
+        <p:cNvPr id="1" name=""/>
+        <p:cNvGrpSpPr/>
+        <p:nvPr/>
+      </p:nvGrpSpPr>
+      <p:grpSpPr>
+        <a:xfrm>
+          <a:off x="0" y="0"/>
+          <a:ext cx="0" cy="0"/>
+          <a:chOff x="0" y="0"/>
+          <a:chExt cx="0" cy="0"/>
+        </a:xfrm>
+      </p:grpSpPr>
+      <p:sp>
+        <p:nvSpPr>
+          <p:cNvPr id="2" name="Tytuł 1"/>
+          <p:cNvSpPr>
+            <a:spLocks noGrp="1"/>
+          </p:cNvSpPr>
+          <p:nvPr>
+            <p:ph type="title"/>
+          </p:nvPr>
+        </p:nvSpPr>
+        <p:spPr/>
+        <p:txBody>
+          <a:bodyPr/>
+          <a:lstStyle/>
+          <a:p>
+            <a:r>
+              <a:rPr lang="pl-PL" dirty="0" err="1"/>
+              <a:t>When</a:t>
+            </a:r>
+            <a:r>
+              <a:rPr lang="pl-PL" dirty="0"/>
+              <a:t> to </a:t>
+            </a:r>
+            <a:r>
+              <a:rPr lang="pl-PL" dirty="0" err="1"/>
+              <a:t>use</a:t>
+            </a:r>
+            <a:r>
+              <a:rPr lang="pl-PL" dirty="0"/>
+              <a:t>, </a:t>
+            </a:r>
+            <a:r>
+              <a:rPr lang="pl-PL" dirty="0" err="1"/>
+              <a:t>when</a:t>
+            </a:r>
+            <a:r>
+              <a:rPr lang="pl-PL" dirty="0"/>
+              <a:t> not to</a:t>
+            </a:r>
+          </a:p>
+        </p:txBody>
+      </p:sp>
+      <p:sp>
+        <p:nvSpPr>
+          <p:cNvPr id="3" name="Symbol zastępczy tekstu 2"/>
+          <p:cNvSpPr>
+            <a:spLocks noGrp="1"/>
+          </p:cNvSpPr>
+          <p:nvPr>
+            <p:ph type="body" idx="1"/>
+          </p:nvPr>
+        </p:nvSpPr>
+        <p:spPr/>
+        <p:txBody>
+          <a:bodyPr/>
+          <a:lstStyle/>
+          <a:p>
+            <a:endParaRPr lang="pl-PL"/>
+          </a:p>
+        </p:txBody>
+      </p:sp>
+      <p:sp>
+        <p:nvSpPr>
+          <p:cNvPr id="4" name="Symbol zastępczy tekstu 3"/>
+          <p:cNvSpPr>
+            <a:spLocks noGrp="1"/>
+          </p:cNvSpPr>
+          <p:nvPr>
+            <p:ph type="body" sz="half" idx="3"/>
+          </p:nvPr>
+        </p:nvSpPr>
+        <p:spPr/>
+        <p:txBody>
+          <a:bodyPr/>
+          <a:lstStyle/>
+          <a:p>
+            <a:endParaRPr lang="pl-PL"/>
+          </a:p>
+        </p:txBody>
+      </p:sp>
+      <p:sp>
+        <p:nvSpPr>
+          <p:cNvPr id="5" name="Symbol zastępczy zawartości 4"/>
+          <p:cNvSpPr>
+            <a:spLocks noGrp="1"/>
+          </p:cNvSpPr>
+          <p:nvPr>
+            <p:ph sz="quarter" idx="2"/>
+          </p:nvPr>
+        </p:nvSpPr>
+        <p:spPr/>
+        <p:txBody>
+          <a:bodyPr>
+            <a:normAutofit lnSpcReduction="10000"/>
+          </a:bodyPr>
+          <a:lstStyle/>
+          <a:p>
+            <a:r>
+              <a:rPr lang="pl-PL" dirty="0" smtClean="0"/>
+              <a:t>The problem </a:t>
+            </a:r>
+            <a:r>
+              <a:rPr lang="pl-PL" dirty="0" err="1" smtClean="0"/>
+              <a:t>is</a:t>
+            </a:r>
+            <a:r>
+              <a:rPr lang="pl-PL" dirty="0" smtClean="0"/>
+              <a:t> </a:t>
+            </a:r>
+            <a:r>
+              <a:rPr lang="pl-PL" dirty="0" err="1" smtClean="0"/>
+              <a:t>too</a:t>
+            </a:r>
+            <a:r>
+              <a:rPr lang="pl-PL" dirty="0" smtClean="0"/>
+              <a:t> </a:t>
+            </a:r>
+            <a:r>
+              <a:rPr lang="pl-PL" dirty="0" err="1" smtClean="0"/>
+              <a:t>fiddly</a:t>
+            </a:r>
+            <a:r>
+              <a:rPr lang="pl-PL" dirty="0" smtClean="0"/>
+              <a:t> for </a:t>
+            </a:r>
+            <a:r>
+              <a:rPr lang="pl-PL" dirty="0" err="1" smtClean="0"/>
+              <a:t>traditional</a:t>
+            </a:r>
+            <a:r>
+              <a:rPr lang="pl-PL" dirty="0" smtClean="0"/>
+              <a:t> </a:t>
+            </a:r>
+            <a:r>
+              <a:rPr lang="pl-PL" dirty="0" err="1" smtClean="0"/>
+              <a:t>code</a:t>
+            </a:r>
+            <a:endParaRPr lang="pl-PL" dirty="0" smtClean="0"/>
+          </a:p>
+          <a:p>
+            <a:r>
+              <a:rPr lang="pl-PL" dirty="0" smtClean="0"/>
+              <a:t>The problem </a:t>
+            </a:r>
+            <a:r>
+              <a:rPr lang="pl-PL" dirty="0" err="1" smtClean="0"/>
+              <a:t>is</a:t>
+            </a:r>
+            <a:r>
+              <a:rPr lang="pl-PL" dirty="0" smtClean="0"/>
+              <a:t> </a:t>
+            </a:r>
+            <a:r>
+              <a:rPr lang="pl-PL" dirty="0" err="1" smtClean="0"/>
+              <a:t>beyond</a:t>
+            </a:r>
+            <a:r>
+              <a:rPr lang="pl-PL" dirty="0" smtClean="0"/>
+              <a:t> </a:t>
+            </a:r>
+            <a:r>
+              <a:rPr lang="pl-PL" dirty="0" err="1" smtClean="0"/>
+              <a:t>any</a:t>
+            </a:r>
+            <a:r>
+              <a:rPr lang="pl-PL" dirty="0" smtClean="0"/>
+              <a:t> </a:t>
+            </a:r>
+            <a:r>
+              <a:rPr lang="pl-PL" dirty="0" err="1" smtClean="0"/>
+              <a:t>obvious</a:t>
+            </a:r>
+            <a:r>
+              <a:rPr lang="pl-PL" dirty="0" smtClean="0"/>
+              <a:t> </a:t>
+            </a:r>
+            <a:r>
+              <a:rPr lang="pl-PL" dirty="0" err="1" smtClean="0"/>
+              <a:t>algorithmic</a:t>
+            </a:r>
+            <a:r>
+              <a:rPr lang="pl-PL" dirty="0" smtClean="0"/>
+              <a:t> </a:t>
+            </a:r>
+            <a:r>
+              <a:rPr lang="pl-PL" dirty="0" err="1" smtClean="0"/>
+              <a:t>solution</a:t>
+            </a:r>
+            <a:endParaRPr lang="pl-PL" dirty="0" smtClean="0"/>
+          </a:p>
+          <a:p>
+            <a:r>
+              <a:rPr lang="pl-PL" dirty="0" smtClean="0"/>
+              <a:t>The </a:t>
+            </a:r>
+            <a:r>
+              <a:rPr lang="pl-PL" dirty="0" err="1" smtClean="0"/>
+              <a:t>logic</a:t>
+            </a:r>
+            <a:r>
+              <a:rPr lang="pl-PL" dirty="0" smtClean="0"/>
+              <a:t> </a:t>
+            </a:r>
+            <a:r>
+              <a:rPr lang="pl-PL" dirty="0" err="1" smtClean="0"/>
+              <a:t>changes</a:t>
+            </a:r>
+            <a:r>
+              <a:rPr lang="pl-PL" dirty="0" smtClean="0"/>
+              <a:t> </a:t>
+            </a:r>
+            <a:r>
+              <a:rPr lang="pl-PL" dirty="0" err="1" smtClean="0"/>
+              <a:t>often</a:t>
+            </a:r>
+            <a:endParaRPr lang="pl-PL" dirty="0" smtClean="0"/>
+          </a:p>
+          <a:p>
+            <a:r>
+              <a:rPr lang="pl-PL" dirty="0" err="1" smtClean="0"/>
+              <a:t>Domain</a:t>
+            </a:r>
+            <a:r>
+              <a:rPr lang="pl-PL" dirty="0" smtClean="0"/>
+              <a:t> </a:t>
+            </a:r>
+            <a:r>
+              <a:rPr lang="pl-PL" dirty="0" err="1" smtClean="0"/>
+              <a:t>experts</a:t>
+            </a:r>
+            <a:r>
+              <a:rPr lang="pl-PL" dirty="0" smtClean="0"/>
+              <a:t> </a:t>
+            </a:r>
+            <a:r>
+              <a:rPr lang="pl-PL" dirty="0" err="1" smtClean="0"/>
+              <a:t>are</a:t>
+            </a:r>
+            <a:r>
+              <a:rPr lang="pl-PL" dirty="0" smtClean="0"/>
+              <a:t> </a:t>
+            </a:r>
+            <a:r>
+              <a:rPr lang="pl-PL" dirty="0" err="1" smtClean="0"/>
+              <a:t>readily</a:t>
+            </a:r>
+            <a:r>
+              <a:rPr lang="pl-PL" dirty="0" smtClean="0"/>
+              <a:t> </a:t>
+            </a:r>
+            <a:r>
+              <a:rPr lang="pl-PL" dirty="0" err="1" smtClean="0"/>
+              <a:t>available</a:t>
+            </a:r>
+            <a:r>
+              <a:rPr lang="pl-PL" dirty="0" smtClean="0"/>
+              <a:t> and </a:t>
+            </a:r>
+            <a:r>
+              <a:rPr lang="pl-PL" dirty="0" err="1" smtClean="0"/>
+              <a:t>nontechnical</a:t>
+            </a:r>
+            <a:endParaRPr lang="pl-PL" dirty="0"/>
+          </a:p>
+        </p:txBody>
+      </p:sp>
+      <p:sp>
+        <p:nvSpPr>
+          <p:cNvPr id="6" name="Symbol zastępczy zawartości 5"/>
+          <p:cNvSpPr>
+            <a:spLocks noGrp="1"/>
+          </p:cNvSpPr>
+          <p:nvPr>
+            <p:ph sz="quarter" idx="4"/>
+          </p:nvPr>
+        </p:nvSpPr>
+        <p:spPr/>
+        <p:txBody>
+          <a:bodyPr>
+            <a:normAutofit fontScale="92500" lnSpcReduction="20000"/>
+          </a:bodyPr>
+          <a:lstStyle/>
+          <a:p>
+            <a:r>
+              <a:rPr lang="en-US" dirty="0"/>
+              <a:t>Rules engines are not really intended to handle workflow or process executions nor are workflow engines or process management tools designed to do rules. Use the right tool for the job. Sure, a pair of pliers can be used as a hammering tool in a pinch, but that's not what it's designed for.</a:t>
+            </a:r>
+            <a:endParaRPr lang="pl-PL" dirty="0"/>
+          </a:p>
+        </p:txBody>
+      </p:sp>
+    </p:spTree>
+    <p:extLst>
+      <p:ext uri="{BB962C8B-B14F-4D97-AF65-F5344CB8AC3E}">
+        <p14:creationId xmlns:p14="http://schemas.microsoft.com/office/powerpoint/2010/main" val="3001520462"/>
+      </p:ext>
+    </p:extLst>
+  </p:cSld>
+  <p:clrMapOvr>
+    <a:masterClrMapping/>
+  </p:clrMapOvr>
+  <p:timing>
+    <p:tnLst>
+      <p:par>
+        <p:cTn id="1" dur="indefinite" restart="never" nodeType="tmRoot"/>
+      </p:par>
+    </p:tnLst>
+  </p:timing>
+</p:sld>
+</file>
+
+<file path=ppt/slides/slide18.xml><?xml version="1.0" encoding="utf-8"?>
+<p:sld xmlns:a="http://schemas.openxmlformats.org/drawingml/2006/main" xmlns:r="http://schemas.openxmlformats.org/officeDocument/2006/relationships" xmlns:p="http://schemas.openxmlformats.org/presentationml/2006/main">
+  <p:cSld>
+    <p:spTree>
+      <p:nvGrpSpPr>
+        <p:cNvPr id="1" name=""/>
+        <p:cNvGrpSpPr/>
+        <p:nvPr/>
+      </p:nvGrpSpPr>
+      <p:grpSpPr>
+        <a:xfrm>
+          <a:off x="0" y="0"/>
+          <a:ext cx="0" cy="0"/>
+          <a:chOff x="0" y="0"/>
+          <a:chExt cx="0" cy="0"/>
+        </a:xfrm>
+      </p:grpSpPr>
+      <p:sp>
+        <p:nvSpPr>
+          <p:cNvPr id="2" name="Tytuł 1"/>
+          <p:cNvSpPr>
+            <a:spLocks noGrp="1"/>
+          </p:cNvSpPr>
+          <p:nvPr>
+            <p:ph type="title"/>
+          </p:nvPr>
+        </p:nvSpPr>
+        <p:spPr>
+          <a:xfrm>
+            <a:off x="827584" y="4077072"/>
+            <a:ext cx="7481776" cy="457200"/>
+          </a:xfrm>
+        </p:spPr>
+        <p:txBody>
+          <a:bodyPr/>
+          <a:lstStyle/>
+          <a:p>
+            <a:r>
+              <a:rPr lang="en-GB" sz="3200" dirty="0" err="1"/>
+              <a:t>JBoss</a:t>
+            </a:r>
+            <a:r>
+              <a:rPr lang="en-GB" sz="3200" dirty="0"/>
+              <a:t> Drools</a:t>
+            </a:r>
+            <a:br>
+              <a:rPr lang="en-GB" sz="3200" dirty="0"/>
+            </a:br>
+            <a:r>
+              <a:rPr lang="en-GB" sz="2800" dirty="0"/>
+              <a:t>example of expert system,</a:t>
+            </a:r>
+            <a:br>
+              <a:rPr lang="en-GB" sz="2800" dirty="0"/>
+            </a:br>
+            <a:r>
+              <a:rPr lang="en-GB" sz="2800" dirty="0"/>
+              <a:t>or develop your own </a:t>
+            </a:r>
+            <a:br>
+              <a:rPr lang="en-GB" sz="2800" dirty="0"/>
+            </a:br>
+            <a:r>
+              <a:rPr lang="en-GB" sz="2800" dirty="0"/>
+              <a:t>House, M.D.</a:t>
+            </a:r>
+            <a:endParaRPr lang="pl-PL" dirty="0"/>
+          </a:p>
+        </p:txBody>
+      </p:sp>
+      <p:sp>
+        <p:nvSpPr>
+          <p:cNvPr id="3" name="Symbol zastępczy tekstu 2"/>
+          <p:cNvSpPr>
+            <a:spLocks noGrp="1"/>
+          </p:cNvSpPr>
+          <p:nvPr>
+            <p:ph type="body" idx="2"/>
+          </p:nvPr>
+        </p:nvSpPr>
+        <p:spPr>
+          <a:xfrm>
+            <a:off x="4427984" y="5877272"/>
+            <a:ext cx="3974592" cy="399256"/>
+          </a:xfrm>
+        </p:spPr>
+        <p:txBody>
+          <a:bodyPr>
+            <a:normAutofit/>
+          </a:bodyPr>
+          <a:lstStyle/>
+          <a:p>
+            <a:r>
+              <a:rPr lang="pl-PL" sz="1100" dirty="0" smtClean="0"/>
+              <a:t>by Przemek Różycki</a:t>
+            </a:r>
+            <a:endParaRPr lang="pl-PL" sz="1100" dirty="0"/>
+          </a:p>
+        </p:txBody>
+      </p:sp>
+      <p:sp>
+        <p:nvSpPr>
+          <p:cNvPr id="4" name="Symbol zastępczy zawartości 3"/>
+          <p:cNvSpPr>
+            <a:spLocks noGrp="1"/>
+          </p:cNvSpPr>
+          <p:nvPr>
+            <p:ph sz="half" idx="1"/>
+          </p:nvPr>
+        </p:nvSpPr>
+        <p:spPr/>
+        <p:txBody>
+          <a:bodyPr/>
+          <a:lstStyle/>
+          <a:p>
+            <a:pPr marL="109728" indent="0" algn="ctr">
+              <a:buNone/>
+            </a:pPr>
+            <a:endParaRPr lang="pl-PL" sz="4000" b="1" dirty="0" smtClean="0"/>
+          </a:p>
+          <a:p>
+            <a:pPr marL="109728" indent="0" algn="ctr">
+              <a:buNone/>
+            </a:pPr>
+            <a:r>
+              <a:rPr lang="pl-PL" sz="4000" b="1" dirty="0" err="1" smtClean="0"/>
+              <a:t>Thank</a:t>
+            </a:r>
+            <a:r>
+              <a:rPr lang="pl-PL" sz="4000" b="1" dirty="0" smtClean="0"/>
+              <a:t> </a:t>
+            </a:r>
+            <a:r>
+              <a:rPr lang="pl-PL" sz="4000" b="1" dirty="0" err="1" smtClean="0"/>
+              <a:t>you</a:t>
+            </a:r>
+            <a:r>
+              <a:rPr lang="pl-PL" sz="4000" b="1" dirty="0" smtClean="0"/>
+              <a:t> for </a:t>
+            </a:r>
+            <a:r>
+              <a:rPr lang="pl-PL" sz="4000" b="1" dirty="0" err="1" smtClean="0"/>
+              <a:t>your</a:t>
+            </a:r>
+            <a:r>
+              <a:rPr lang="pl-PL" sz="4000" b="1" dirty="0" smtClean="0"/>
+              <a:t> </a:t>
+            </a:r>
+            <a:r>
+              <a:rPr lang="pl-PL" sz="4000" b="1" dirty="0" err="1" smtClean="0"/>
+              <a:t>attention</a:t>
+            </a:r>
+            <a:r>
+              <a:rPr lang="pl-PL" sz="4000" b="1" dirty="0" smtClean="0"/>
+              <a:t>!</a:t>
+            </a:r>
+          </a:p>
+          <a:p>
+            <a:pPr marL="109728" indent="0" algn="ctr">
+              <a:buNone/>
+            </a:pPr>
+            <a:endParaRPr lang="pl-PL" sz="4000" b="1" dirty="0"/>
+          </a:p>
+          <a:p>
+            <a:pPr marL="109728" indent="0" algn="ctr">
+              <a:buNone/>
+            </a:pPr>
+            <a:r>
+              <a:rPr lang="pl-PL" sz="4000" b="1" dirty="0" err="1" smtClean="0"/>
+              <a:t>Any</a:t>
+            </a:r>
+            <a:r>
+              <a:rPr lang="pl-PL" sz="4000" b="1" dirty="0" smtClean="0"/>
+              <a:t> </a:t>
+            </a:r>
+            <a:r>
+              <a:rPr lang="pl-PL" sz="4000" b="1" dirty="0" err="1" smtClean="0"/>
+              <a:t>questions</a:t>
+            </a:r>
+            <a:r>
+              <a:rPr lang="pl-PL" sz="4000" b="1" dirty="0" smtClean="0"/>
+              <a:t>?</a:t>
+            </a:r>
+            <a:endParaRPr lang="pl-PL" sz="4000" b="1" dirty="0"/>
+          </a:p>
+        </p:txBody>
+      </p:sp>
+    </p:spTree>
+    <p:extLst>
+      <p:ext uri="{BB962C8B-B14F-4D97-AF65-F5344CB8AC3E}">
+        <p14:creationId xmlns:p14="http://schemas.microsoft.com/office/powerpoint/2010/main" val="3732025211"/>
+      </p:ext>
+    </p:extLst>
+  </p:cSld>
+  <p:clrMapOvr>
+    <a:masterClrMapping/>
+  </p:clrMapOvr>
+  <p:timing>
+    <p:tnLst>
+      <p:par>
+        <p:cTn id="1" dur="indefinite" restart="never" nodeType="tmRoot"/>
+      </p:par>
+    </p:tnLst>
+  </p:timing>
+</p:sld>
+</file>
+
 <file path=ppt/slides/slide2.xml><?xml version="1.0" encoding="utf-8"?>
 <p:sld xmlns:a="http://schemas.openxmlformats.org/drawingml/2006/main" xmlns:r="http://schemas.openxmlformats.org/officeDocument/2006/relationships" xmlns:p="http://schemas.openxmlformats.org/presentationml/2006/main">
   <p:cSld>
@@ -5564,55 +8232,242 @@
           <a:chExt cx="0" cy="0"/>
         </a:xfrm>
       </p:grpSpPr>
-      <p:pic>
-        <p:nvPicPr>
-          <p:cNvPr id="4" name="Symbol zastępczy zawartości 3"/>
-          <p:cNvPicPr>
-            <a:picLocks noGrp="1" noChangeAspect="1"/>
-          </p:cNvPicPr>
+      <p:sp>
+        <p:nvSpPr>
+          <p:cNvPr id="2" name="Symbol zastępczy zawartości 1"/>
+          <p:cNvSpPr>
+            <a:spLocks noGrp="1"/>
+          </p:cNvSpPr>
           <p:nvPr>
             <p:ph idx="1"/>
           </p:nvPr>
-        </p:nvPicPr>
-        <p:blipFill>
-          <a:blip r:embed="rId2">
-            <a:extLst>
-              <a:ext uri="{28A0092B-C50C-407E-A947-70E740481C1C}">
-                <a14:useLocalDpi xmlns:a14="http://schemas.microsoft.com/office/drawing/2010/main" val="0"/>
-              </a:ext>
-            </a:extLst>
-          </a:blip>
-          <a:stretch>
-            <a:fillRect/>
-          </a:stretch>
-        </p:blipFill>
-        <p:spPr>
-          <a:xfrm>
-            <a:off x="1043608" y="1417638"/>
-            <a:ext cx="7192878" cy="9851786"/>
-          </a:xfrm>
-        </p:spPr>
-      </p:pic>
-      <p:sp>
-        <p:nvSpPr>
-          <p:cNvPr id="3" name="Tytuł 2"/>
-          <p:cNvSpPr>
-            <a:spLocks noGrp="1"/>
-          </p:cNvSpPr>
-          <p:nvPr>
-            <p:ph type="title"/>
-          </p:nvPr>
         </p:nvSpPr>
         <p:spPr/>
         <p:txBody>
           <a:bodyPr>
-            <a:normAutofit fontScale="90000"/>
+            <a:normAutofit/>
           </a:bodyPr>
           <a:lstStyle/>
           <a:p>
+            <a:pPr marL="109728" indent="0">
+              <a:buNone/>
+            </a:pPr>
+            <a:r>
+              <a:rPr lang="pl-PL" sz="2400" b="1" dirty="0" err="1" smtClean="0"/>
+              <a:t>rule</a:t>
+            </a:r>
+            <a:r>
+              <a:rPr lang="pl-PL" sz="2400" b="1" dirty="0" smtClean="0"/>
+              <a:t> "Hello World"</a:t>
+            </a:r>
+          </a:p>
+          <a:p>
+            <a:pPr marL="109728" indent="0">
+              <a:buNone/>
+            </a:pPr>
+            <a:r>
+              <a:rPr lang="pl-PL" sz="2400" dirty="0" smtClean="0"/>
+              <a:t>    </a:t>
+            </a:r>
+            <a:r>
+              <a:rPr lang="pl-PL" sz="2400" b="1" dirty="0" err="1" smtClean="0"/>
+              <a:t>when</a:t>
+            </a:r>
+            <a:endParaRPr lang="pl-PL" sz="2400" b="1" dirty="0" smtClean="0"/>
+          </a:p>
+          <a:p>
+            <a:pPr marL="109728" indent="0">
+              <a:buNone/>
+            </a:pPr>
+            <a:r>
+              <a:rPr lang="pl-PL" sz="2400" dirty="0" smtClean="0"/>
+              <a:t>        m : Message( status == </a:t>
+            </a:r>
+            <a:r>
+              <a:rPr lang="pl-PL" sz="2400" dirty="0" err="1" smtClean="0"/>
+              <a:t>Message.HELLO</a:t>
+            </a:r>
+            <a:r>
+              <a:rPr lang="pl-PL" sz="2400" dirty="0" smtClean="0"/>
+              <a:t>, </a:t>
+            </a:r>
+            <a:r>
+              <a:rPr lang="pl-PL" sz="2400" dirty="0" err="1" smtClean="0"/>
+              <a:t>myMessage</a:t>
+            </a:r>
+            <a:r>
+              <a:rPr lang="pl-PL" sz="2400" dirty="0" smtClean="0"/>
+              <a:t> : </a:t>
+            </a:r>
+            <a:r>
+              <a:rPr lang="pl-PL" sz="2400" dirty="0" err="1" smtClean="0"/>
+              <a:t>message</a:t>
+            </a:r>
+            <a:r>
+              <a:rPr lang="pl-PL" sz="2400" dirty="0" smtClean="0"/>
+              <a:t> )</a:t>
+            </a:r>
+          </a:p>
+          <a:p>
+            <a:pPr marL="109728" indent="0">
+              <a:buNone/>
+            </a:pPr>
+            <a:r>
+              <a:rPr lang="pl-PL" sz="2400" dirty="0" smtClean="0"/>
+              <a:t>    </a:t>
+            </a:r>
+            <a:r>
+              <a:rPr lang="pl-PL" sz="2400" b="1" dirty="0" err="1" smtClean="0"/>
+              <a:t>then</a:t>
+            </a:r>
+            <a:endParaRPr lang="pl-PL" sz="2400" b="1" dirty="0" smtClean="0"/>
+          </a:p>
+          <a:p>
+            <a:pPr marL="109728" indent="0">
+              <a:buNone/>
+            </a:pPr>
+            <a:r>
+              <a:rPr lang="pl-PL" sz="2400" dirty="0" smtClean="0"/>
+              <a:t>        </a:t>
+            </a:r>
+            <a:r>
+              <a:rPr lang="pl-PL" sz="2400" dirty="0" err="1" smtClean="0"/>
+              <a:t>System.out.println</a:t>
+            </a:r>
+            <a:r>
+              <a:rPr lang="pl-PL" sz="2400" dirty="0" smtClean="0"/>
+              <a:t>( </a:t>
+            </a:r>
+            <a:r>
+              <a:rPr lang="pl-PL" sz="2400" dirty="0" err="1" smtClean="0"/>
+              <a:t>myMessage</a:t>
+            </a:r>
+            <a:r>
+              <a:rPr lang="pl-PL" sz="2400" dirty="0" smtClean="0"/>
+              <a:t> );</a:t>
+            </a:r>
+          </a:p>
+          <a:p>
+            <a:pPr marL="109728" indent="0">
+              <a:buNone/>
+            </a:pPr>
+            <a:r>
+              <a:rPr lang="pl-PL" sz="2400" dirty="0" smtClean="0"/>
+              <a:t>        </a:t>
+            </a:r>
+            <a:r>
+              <a:rPr lang="pl-PL" sz="2400" dirty="0" err="1" smtClean="0"/>
+              <a:t>m.setMessage</a:t>
+            </a:r>
+            <a:r>
+              <a:rPr lang="pl-PL" sz="2400" dirty="0" smtClean="0"/>
+              <a:t>( "</a:t>
+            </a:r>
+            <a:r>
+              <a:rPr lang="pl-PL" sz="2400" dirty="0" err="1" smtClean="0"/>
+              <a:t>Goodbye</a:t>
+            </a:r>
+            <a:r>
+              <a:rPr lang="pl-PL" sz="2400" dirty="0" smtClean="0"/>
+              <a:t> </a:t>
+            </a:r>
+            <a:r>
+              <a:rPr lang="pl-PL" sz="2400" dirty="0" err="1" smtClean="0"/>
+              <a:t>cruel</a:t>
+            </a:r>
+            <a:r>
+              <a:rPr lang="pl-PL" sz="2400" dirty="0" smtClean="0"/>
+              <a:t> </a:t>
+            </a:r>
+            <a:r>
+              <a:rPr lang="pl-PL" sz="2400" dirty="0" err="1" smtClean="0"/>
+              <a:t>world</a:t>
+            </a:r>
+            <a:r>
+              <a:rPr lang="pl-PL" sz="2400" dirty="0" smtClean="0"/>
+              <a:t>" );</a:t>
+            </a:r>
+          </a:p>
+          <a:p>
+            <a:pPr marL="109728" indent="0">
+              <a:buNone/>
+            </a:pPr>
+            <a:r>
+              <a:rPr lang="pl-PL" sz="2400" dirty="0" smtClean="0"/>
+              <a:t>        </a:t>
+            </a:r>
+            <a:r>
+              <a:rPr lang="pl-PL" sz="2400" dirty="0" err="1" smtClean="0"/>
+              <a:t>m.setStatus</a:t>
+            </a:r>
+            <a:r>
+              <a:rPr lang="pl-PL" sz="2400" dirty="0" smtClean="0"/>
+              <a:t>( </a:t>
+            </a:r>
+            <a:r>
+              <a:rPr lang="pl-PL" sz="2400" dirty="0" err="1" smtClean="0"/>
+              <a:t>Message.GOODBYE</a:t>
+            </a:r>
+            <a:r>
+              <a:rPr lang="pl-PL" sz="2400" dirty="0" smtClean="0"/>
+              <a:t> );</a:t>
+            </a:r>
+          </a:p>
+          <a:p>
+            <a:pPr marL="109728" indent="0">
+              <a:buNone/>
+            </a:pPr>
+            <a:r>
+              <a:rPr lang="pl-PL" sz="2400" dirty="0" smtClean="0"/>
+              <a:t>        </a:t>
+            </a:r>
+            <a:r>
+              <a:rPr lang="pl-PL" sz="2400" b="1" dirty="0" err="1" smtClean="0"/>
+              <a:t>update</a:t>
+            </a:r>
+            <a:r>
+              <a:rPr lang="pl-PL" sz="2400" b="1" dirty="0" smtClean="0"/>
+              <a:t>( m );</a:t>
+            </a:r>
+          </a:p>
+          <a:p>
+            <a:pPr marL="109728" indent="0">
+              <a:buNone/>
+            </a:pPr>
+            <a:r>
+              <a:rPr lang="pl-PL" sz="2400" b="1" dirty="0" smtClean="0"/>
+              <a:t>end</a:t>
+            </a:r>
+            <a:endParaRPr lang="pl-PL" sz="2400" dirty="0"/>
+          </a:p>
+        </p:txBody>
+      </p:sp>
+      <p:sp>
+        <p:nvSpPr>
+          <p:cNvPr id="3" name="Tytuł 2"/>
+          <p:cNvSpPr>
+            <a:spLocks noGrp="1"/>
+          </p:cNvSpPr>
+          <p:nvPr>
+            <p:ph type="title"/>
+          </p:nvPr>
+        </p:nvSpPr>
+        <p:spPr/>
+        <p:txBody>
+          <a:bodyPr/>
+          <a:lstStyle/>
+          <a:p>
+            <a:r>
+              <a:rPr lang="pl-PL" dirty="0" err="1" smtClean="0"/>
+              <a:t>Drools</a:t>
+            </a:r>
             <a:r>
               <a:rPr lang="pl-PL" dirty="0" smtClean="0"/>
-              <a:t>Postępowanie w przewlekłej stabilnej dławicy piersiowej</a:t>
+              <a:t> </a:t>
+            </a:r>
+            <a:r>
+              <a:rPr lang="pl-PL" dirty="0" err="1" smtClean="0"/>
+              <a:t>rule</a:t>
             </a:r>
             <a:endParaRPr lang="pl-PL" dirty="0"/>
           </a:p>
@@ -5621,7 +8476,7 @@
     </p:spTree>
     <p:extLst>
       <p:ext uri="{BB962C8B-B14F-4D97-AF65-F5344CB8AC3E}">
-        <p14:creationId xmlns:p14="http://schemas.microsoft.com/office/powerpoint/2010/main" val="1186384759"/>
+        <p14:creationId xmlns:p14="http://schemas.microsoft.com/office/powerpoint/2010/main" val="1530045669"/>
       </p:ext>
     </p:extLst>
   </p:cSld>
@@ -5667,128 +8522,72 @@
         </p:nvSpPr>
         <p:spPr/>
         <p:txBody>
-          <a:bodyPr>
-            <a:normAutofit lnSpcReduction="10000"/>
-          </a:bodyPr>
+          <a:bodyPr/>
           <a:lstStyle/>
           <a:p>
             <a:pPr marL="109728" indent="0">
               <a:buNone/>
             </a:pPr>
             <a:r>
-              <a:rPr lang="pl-PL" b="1" dirty="0" err="1" smtClean="0"/>
-              <a:t>rule</a:t>
-            </a:r>
-            <a:r>
-              <a:rPr lang="pl-PL" b="1" dirty="0" smtClean="0"/>
-              <a:t> "Hello World"</a:t>
-            </a:r>
+              <a:rPr lang="pl-PL" dirty="0" err="1" smtClean="0"/>
+              <a:t>when</a:t>
+            </a:r>
+            <a:endParaRPr lang="pl-PL" dirty="0" smtClean="0"/>
           </a:p>
           <a:p>
             <a:pPr marL="109728" indent="0">
               <a:buNone/>
             </a:pPr>
             <a:r>
-              <a:rPr lang="pl-PL" dirty="0" smtClean="0"/>
-              <a:t>    </a:t>
-            </a:r>
-            <a:r>
-              <a:rPr lang="pl-PL" b="1" dirty="0" err="1" smtClean="0"/>
-              <a:t>when</a:t>
-            </a:r>
-            <a:endParaRPr lang="pl-PL" b="1" dirty="0" smtClean="0"/>
+              <a:rPr lang="pl-PL" dirty="0"/>
+              <a:t>	</a:t>
+            </a:r>
+            <a:r>
+              <a:rPr lang="pl-PL" i="1" dirty="0" err="1" smtClean="0"/>
+              <a:t>condition</a:t>
+            </a:r>
+            <a:r>
+              <a:rPr lang="pl-PL" i="1" dirty="0" smtClean="0"/>
+              <a:t> 1</a:t>
+            </a:r>
           </a:p>
           <a:p>
             <a:pPr marL="109728" indent="0">
               <a:buNone/>
             </a:pPr>
             <a:r>
-              <a:rPr lang="pl-PL" dirty="0" smtClean="0"/>
-              <a:t>        m : Message( status == </a:t>
-            </a:r>
+              <a:rPr lang="pl-PL" i="1" dirty="0"/>
+              <a:t>	</a:t>
+            </a:r>
+            <a:r>
+              <a:rPr lang="pl-PL" i="1" dirty="0" err="1" smtClean="0"/>
+              <a:t>condition</a:t>
+            </a:r>
+            <a:r>
+              <a:rPr lang="pl-PL" i="1" dirty="0" smtClean="0"/>
+              <a:t> 2</a:t>
+            </a:r>
+          </a:p>
+        </p:txBody>
+      </p:sp>
+      <p:sp>
+        <p:nvSpPr>
+          <p:cNvPr id="3" name="Tytuł 2"/>
+          <p:cNvSpPr>
+            <a:spLocks noGrp="1"/>
+          </p:cNvSpPr>
+          <p:nvPr>
+            <p:ph type="title"/>
+          </p:nvPr>
+        </p:nvSpPr>
+        <p:spPr/>
+        <p:txBody>
+          <a:bodyPr/>
+          <a:lstStyle/>
+          <a:p>
             <a:r>
               <a:rPr lang="pl-PL" dirty="0" err="1" smtClean="0"/>
-              <a:t>Message.HELLO</a:t>
-            </a:r>
-            <a:r>
-              <a:rPr lang="pl-PL" dirty="0" smtClean="0"/>
-              <a:t>, </a:t>
-            </a:r>
-            <a:r>
-              <a:rPr lang="pl-PL" dirty="0" err="1" smtClean="0"/>
-              <a:t>myMessage</a:t>
-            </a:r>
-            <a:r>
-              <a:rPr lang="pl-PL" dirty="0" smtClean="0"/>
-              <a:t> : </a:t>
-            </a:r>
-            <a:r>
-              <a:rPr lang="pl-PL" dirty="0" err="1" smtClean="0"/>
-              <a:t>message</a:t>
-            </a:r>
-            <a:r>
-              <a:rPr lang="pl-PL" dirty="0" smtClean="0"/>
-              <a:t> )</a:t>
-            </a:r>
-          </a:p>
-          <a:p>
-            <a:pPr marL="109728" indent="0">
-              <a:buNone/>
-            </a:pPr>
-            <a:r>
-              <a:rPr lang="pl-PL" dirty="0" smtClean="0"/>
-              <a:t>    </a:t>
-            </a:r>
-            <a:r>
-              <a:rPr lang="pl-PL" b="1" dirty="0" err="1" smtClean="0"/>
-              <a:t>then</a:t>
-            </a:r>
-            <a:endParaRPr lang="pl-PL" b="1" dirty="0" smtClean="0"/>
-          </a:p>
-          <a:p>
-            <a:pPr marL="109728" indent="0">
-              <a:buNone/>
-            </a:pPr>
-            <a:r>
-              <a:rPr lang="pl-PL" dirty="0" smtClean="0"/>
-              <a:t>        </a:t>
-            </a:r>
-            <a:r>
-              <a:rPr lang="pl-PL" dirty="0" err="1" smtClean="0"/>
-              <a:t>System.out.println</a:t>
-            </a:r>
-            <a:r>
-              <a:rPr lang="pl-PL" dirty="0" smtClean="0"/>
-              <a:t>( </a:t>
-            </a:r>
-            <a:r>
-              <a:rPr lang="pl-PL" dirty="0" err="1" smtClean="0"/>
-              <a:t>myMessage</a:t>
-            </a:r>
-            <a:r>
-              <a:rPr lang="pl-PL" dirty="0" smtClean="0"/>
-              <a:t> );</a:t>
-            </a:r>
-          </a:p>
-          <a:p>
-            <a:pPr marL="109728" indent="0">
-              <a:buNone/>
-            </a:pPr>
-            <a:r>
-              <a:rPr lang="pl-PL" dirty="0" smtClean="0"/>
-              <a:t>        </a:t>
-            </a:r>
-            <a:r>
-              <a:rPr lang="pl-PL" dirty="0" err="1" smtClean="0"/>
-              <a:t>m.setMessage</a:t>
-            </a:r>
-            <a:r>
-              <a:rPr lang="pl-PL" dirty="0" smtClean="0"/>
-              <a:t>( "</a:t>
-            </a:r>
-            <a:r>
-              <a:rPr lang="pl-PL" dirty="0" err="1" smtClean="0"/>
-              <a:t>Goodbye</a:t>
+              <a:t>Left</a:t>
             </a:r>
             <a:r>
               <a:rPr lang="pl-PL" dirty="0" smtClean="0"/>
@@ -5796,7 +8595,7 @@
             </a:r>
             <a:r>
               <a:rPr lang="pl-PL" dirty="0" err="1" smtClean="0"/>
-              <a:t>cruel</a:t>
+              <a:t>Hand</a:t>
             </a:r>
             <a:r>
               <a:rPr lang="pl-PL" dirty="0" smtClean="0"/>
@@ -5804,93 +8603,11 @@
             </a:r>
             <a:r>
               <a:rPr lang="pl-PL" dirty="0" err="1" smtClean="0"/>
-              <a:t>world</a:t>
+              <a:t>Side</a:t>
             </a:r>
             <a:r>
               <a:rPr lang="pl-PL" dirty="0" smtClean="0"/>
-              <a:t>" );</a:t>
-            </a:r>
-          </a:p>
-          <a:p>
-            <a:pPr marL="109728" indent="0">
-              <a:buNone/>
-            </a:pPr>
-            <a:r>
-              <a:rPr lang="pl-PL" dirty="0" smtClean="0"/>
-              <a:t>        </a:t>
-            </a:r>
-            <a:r>
-              <a:rPr lang="pl-PL" dirty="0" err="1" smtClean="0"/>
-              <a:t>m.setStatus</a:t>
-            </a:r>
-            <a:r>
-              <a:rPr lang="pl-PL" dirty="0" smtClean="0"/>
-              <a:t>( </a:t>
-            </a:r>
-            <a:r>
-              <a:rPr lang="pl-PL" dirty="0" err="1" smtClean="0"/>
-              <a:t>Message.GOODBYE</a:t>
-            </a:r>
-            <a:r>
-              <a:rPr lang="pl-PL" dirty="0" smtClean="0"/>
-              <a:t> );</a:t>
-            </a:r>
-          </a:p>
-          <a:p>
-            <a:pPr marL="109728" indent="0">
-              <a:buNone/>
-            </a:pPr>
-            <a:r>
-              <a:rPr lang="pl-PL" dirty="0" smtClean="0"/>
-              <a:t>        </a:t>
-            </a:r>
-            <a:r>
-              <a:rPr lang="pl-PL" b="1" dirty="0" err="1" smtClean="0"/>
-              <a:t>update</a:t>
-            </a:r>
-            <a:r>
-              <a:rPr lang="pl-PL" b="1" dirty="0" smtClean="0"/>
-              <a:t>( m );</a:t>
-            </a:r>
-          </a:p>
-          <a:p>
-            <a:pPr marL="109728" indent="0">
-              <a:buNone/>
-            </a:pPr>
-            <a:r>
-              <a:rPr lang="pl-PL" b="1" dirty="0" smtClean="0"/>
-              <a:t>end</a:t>
-            </a:r>
-            <a:endParaRPr lang="pl-PL" dirty="0"/>
-          </a:p>
-        </p:txBody>
-      </p:sp>
-      <p:sp>
-        <p:nvSpPr>
-          <p:cNvPr id="3" name="Tytuł 2"/>
-          <p:cNvSpPr>
-            <a:spLocks noGrp="1"/>
-          </p:cNvSpPr>
-          <p:nvPr>
-            <p:ph type="title"/>
-          </p:nvPr>
-        </p:nvSpPr>
-        <p:spPr/>
-        <p:txBody>
-          <a:bodyPr/>
-          <a:lstStyle/>
-          <a:p>
-            <a:r>
-              <a:rPr lang="pl-PL" dirty="0" err="1" smtClean="0"/>
-              <a:t>Drools</a:t>
-            </a:r>
-            <a:r>
-              <a:rPr lang="pl-PL" dirty="0" smtClean="0"/>
-              <a:t> </a:t>
-            </a:r>
-            <a:r>
-              <a:rPr lang="pl-PL" dirty="0" err="1" smtClean="0"/>
-              <a:t>rule</a:t>
+              <a:t> (LHS)</a:t>
             </a:r>
             <a:endParaRPr lang="pl-PL" dirty="0"/>
           </a:p>
@@ -5899,7 +8616,7 @@
     </p:spTree>
     <p:extLst>
       <p:ext uri="{BB962C8B-B14F-4D97-AF65-F5344CB8AC3E}">
-        <p14:creationId xmlns:p14="http://schemas.microsoft.com/office/powerpoint/2010/main" val="1530045669"/>
+        <p14:creationId xmlns:p14="http://schemas.microsoft.com/office/powerpoint/2010/main" val="1829673684"/>
       </p:ext>
     </p:extLst>
   </p:cSld>
@@ -5962,16 +8679,65 @@
               <a:buNone/>
             </a:pPr>
             <a:r>
+              <a:rPr lang="pl-PL" dirty="0" smtClean="0"/>
+              <a:t>	f : </a:t>
+            </a:r>
+            <a:r>
+              <a:rPr lang="pl-PL" dirty="0" err="1" smtClean="0"/>
+              <a:t>Fact</a:t>
+            </a:r>
+            <a:r>
+              <a:rPr lang="pl-PL" dirty="0" smtClean="0"/>
+              <a:t> ( </a:t>
+            </a:r>
+            <a:r>
+              <a:rPr lang="pl-PL" dirty="0" err="1" smtClean="0"/>
+              <a:t>confirmed</a:t>
+            </a:r>
+            <a:r>
+              <a:rPr lang="pl-PL" dirty="0" smtClean="0"/>
+              <a:t> == </a:t>
+            </a:r>
+            <a:r>
+              <a:rPr lang="pl-PL" dirty="0" err="1" smtClean="0"/>
+              <a:t>true</a:t>
+            </a:r>
+            <a:r>
+              <a:rPr lang="pl-PL" dirty="0" smtClean="0"/>
+              <a:t>)</a:t>
+            </a:r>
+          </a:p>
+          <a:p>
+            <a:pPr marL="109728" indent="0">
+              <a:buNone/>
+            </a:pPr>
+            <a:r>
               <a:rPr lang="pl-PL" dirty="0"/>
               <a:t>	</a:t>
             </a:r>
             <a:r>
-              <a:rPr lang="pl-PL" i="1" dirty="0" err="1" smtClean="0"/>
-              <a:t>condition</a:t>
-            </a:r>
-            <a:r>
-              <a:rPr lang="pl-PL" i="1" dirty="0" smtClean="0"/>
-              <a:t> 1</a:t>
+              <a:rPr lang="pl-PL" dirty="0" err="1" smtClean="0"/>
+              <a:t>vehicle</a:t>
+            </a:r>
+            <a:r>
+              <a:rPr lang="pl-PL" dirty="0" smtClean="0"/>
+              <a:t> : </a:t>
+            </a:r>
+            <a:r>
+              <a:rPr lang="pl-PL" dirty="0" err="1" smtClean="0"/>
+              <a:t>Vehicle</a:t>
+            </a:r>
+            <a:r>
+              <a:rPr lang="pl-PL" dirty="0" smtClean="0"/>
+              <a:t> (</a:t>
+            </a:r>
+            <a:r>
+              <a:rPr lang="pl-PL" dirty="0" err="1" smtClean="0"/>
+              <a:t>noOfWheels</a:t>
+            </a:r>
+            <a:r>
+              <a:rPr lang="pl-PL" dirty="0" smtClean="0"/>
+              <a:t> &gt; 2)</a:t>
             </a:r>
           </a:p>
           <a:p>
@@ -5979,16 +8745,16 @@
               <a:buNone/>
             </a:pPr>
             <a:r>
-              <a:rPr lang="pl-PL" i="1" dirty="0"/>
+              <a:rPr lang="pl-PL" dirty="0"/>
               <a:t>	</a:t>
             </a:r>
             <a:r>
-              <a:rPr lang="pl-PL" i="1" dirty="0" err="1" smtClean="0"/>
-              <a:t>condition</a:t>
-            </a:r>
-            <a:r>
-              <a:rPr lang="pl-PL" i="1" dirty="0" smtClean="0"/>
-              <a:t> 2</a:t>
+              <a:rPr lang="pl-PL" dirty="0" err="1" smtClean="0"/>
+              <a:t>eval</a:t>
+            </a:r>
+            <a:r>
+              <a:rPr lang="pl-PL" dirty="0" smtClean="0"/>
+              <a:t> ()</a:t>
             </a:r>
             <a:endParaRPr lang="pl-PL" dirty="0"/>
           </a:p>
@@ -6029,14 +8795,25 @@
               <a:rPr lang="pl-PL" dirty="0" err="1" smtClean="0"/>
               <a:t>Side</a:t>
             </a:r>
-            <a:endParaRPr lang="pl-PL" dirty="0"/>
+            <a:r>
+              <a:rPr lang="pl-PL" dirty="0" smtClean="0"/>
+              <a:t> (</a:t>
+            </a:r>
+            <a:r>
+              <a:rPr lang="pl-PL" dirty="0" err="1" smtClean="0"/>
+              <a:t>conditions</a:t>
+            </a:r>
+            <a:r>
+              <a:rPr lang="pl-PL" dirty="0"/>
+              <a:t>)</a:t>
+            </a:r>
           </a:p>
         </p:txBody>
       </p:sp>
     </p:spTree>
     <p:extLst>
       <p:ext uri="{BB962C8B-B14F-4D97-AF65-F5344CB8AC3E}">
-        <p14:creationId xmlns:p14="http://schemas.microsoft.com/office/powerpoint/2010/main" val="1829673684"/>
+        <p14:creationId xmlns:p14="http://schemas.microsoft.com/office/powerpoint/2010/main" val="932698381"/>
       </p:ext>
     </p:extLst>
   </p:cSld>
@@ -6082,105 +8859,245 @@
         </p:nvSpPr>
         <p:spPr/>
         <p:txBody>
+          <a:bodyPr>
+            <a:normAutofit fontScale="92500" lnSpcReduction="10000"/>
+          </a:bodyPr>
+          <a:lstStyle/>
+          <a:p>
+            <a:pPr marL="109728" indent="0">
+              <a:buNone/>
+            </a:pPr>
+            <a:r>
+              <a:rPr lang="pl-PL" dirty="0" err="1" smtClean="0"/>
+              <a:t>then</a:t>
+            </a:r>
+            <a:endParaRPr lang="pl-PL" dirty="0" smtClean="0"/>
+          </a:p>
+          <a:p>
+            <a:pPr marL="109728" indent="0">
+              <a:buNone/>
+            </a:pPr>
+            <a:r>
+              <a:rPr lang="pl-PL" dirty="0" smtClean="0"/>
+              <a:t>	insert(</a:t>
+            </a:r>
+            <a:r>
+              <a:rPr lang="pl-PL" dirty="0" err="1" smtClean="0"/>
+              <a:t>fact</a:t>
+            </a:r>
+            <a:r>
+              <a:rPr lang="pl-PL" dirty="0" smtClean="0"/>
+              <a:t>)</a:t>
+            </a:r>
+          </a:p>
+          <a:p>
+            <a:pPr marL="109728" indent="0">
+              <a:buNone/>
+            </a:pPr>
+            <a:r>
+              <a:rPr lang="pl-PL" dirty="0"/>
+              <a:t>	</a:t>
+            </a:r>
+            <a:r>
+              <a:rPr lang="pl-PL" dirty="0" err="1" smtClean="0"/>
+              <a:t>insertLogical</a:t>
+            </a:r>
+            <a:r>
+              <a:rPr lang="pl-PL" dirty="0" smtClean="0"/>
+              <a:t>(</a:t>
+            </a:r>
+            <a:r>
+              <a:rPr lang="pl-PL" dirty="0" err="1" smtClean="0"/>
+              <a:t>fact</a:t>
+            </a:r>
+            <a:r>
+              <a:rPr lang="pl-PL" dirty="0" smtClean="0"/>
+              <a:t>)</a:t>
+            </a:r>
+          </a:p>
+          <a:p>
+            <a:pPr marL="109728" indent="0">
+              <a:buNone/>
+            </a:pPr>
+            <a:r>
+              <a:rPr lang="pl-PL" dirty="0" smtClean="0"/>
+              <a:t>	</a:t>
+            </a:r>
+            <a:r>
+              <a:rPr lang="pl-PL" dirty="0" err="1" smtClean="0"/>
+              <a:t>update</a:t>
+            </a:r>
+            <a:r>
+              <a:rPr lang="pl-PL" dirty="0" smtClean="0"/>
+              <a:t>(</a:t>
+            </a:r>
+            <a:r>
+              <a:rPr lang="pl-PL" dirty="0" err="1" smtClean="0"/>
+              <a:t>fact</a:t>
+            </a:r>
+            <a:r>
+              <a:rPr lang="pl-PL" dirty="0" smtClean="0"/>
+              <a:t>)</a:t>
+            </a:r>
+          </a:p>
+          <a:p>
+            <a:pPr marL="109728" indent="0">
+              <a:buNone/>
+            </a:pPr>
+            <a:r>
+              <a:rPr lang="pl-PL" dirty="0"/>
+              <a:t>	</a:t>
+            </a:r>
+            <a:r>
+              <a:rPr lang="pl-PL" dirty="0" err="1" smtClean="0"/>
+              <a:t>retract</a:t>
+            </a:r>
+            <a:r>
+              <a:rPr lang="pl-PL" dirty="0" smtClean="0"/>
+              <a:t>(</a:t>
+            </a:r>
+            <a:r>
+              <a:rPr lang="pl-PL" dirty="0" err="1" smtClean="0"/>
+              <a:t>fact</a:t>
+            </a:r>
+            <a:r>
+              <a:rPr lang="pl-PL" dirty="0" smtClean="0"/>
+              <a:t>)</a:t>
+            </a:r>
+          </a:p>
+          <a:p>
+            <a:pPr marL="109728" indent="0">
+              <a:buNone/>
+            </a:pPr>
+            <a:r>
+              <a:rPr lang="pl-PL" dirty="0"/>
+              <a:t>	</a:t>
+            </a:r>
+            <a:r>
+              <a:rPr lang="pl-PL" dirty="0" err="1"/>
+              <a:t>modify</a:t>
+            </a:r>
+            <a:r>
+              <a:rPr lang="pl-PL" dirty="0"/>
+              <a:t> ( &lt;</a:t>
+            </a:r>
+            <a:r>
+              <a:rPr lang="pl-PL" dirty="0" err="1"/>
+              <a:t>fact-expression</a:t>
+            </a:r>
+            <a:r>
+              <a:rPr lang="pl-PL" dirty="0"/>
+              <a:t>&gt; ) {</a:t>
+            </a:r>
+          </a:p>
+          <a:p>
+            <a:pPr marL="109728" indent="0">
+              <a:buNone/>
+            </a:pPr>
+            <a:r>
+              <a:rPr lang="pl-PL" dirty="0" smtClean="0"/>
+              <a:t>	    	&lt;</a:t>
+            </a:r>
+            <a:r>
+              <a:rPr lang="pl-PL" dirty="0" err="1"/>
+              <a:t>expression</a:t>
+            </a:r>
+            <a:r>
+              <a:rPr lang="pl-PL" dirty="0"/>
+              <a:t>&gt; </a:t>
+            </a:r>
+            <a:endParaRPr lang="pl-PL" dirty="0" smtClean="0"/>
+          </a:p>
+          <a:p>
+            <a:pPr marL="109728" indent="0">
+              <a:buNone/>
+            </a:pPr>
+            <a:r>
+              <a:rPr lang="pl-PL" dirty="0"/>
+              <a:t>	</a:t>
+            </a:r>
+            <a:r>
+              <a:rPr lang="pl-PL" dirty="0" smtClean="0"/>
+              <a:t>	[ </a:t>
+            </a:r>
+            <a:r>
+              <a:rPr lang="pl-PL" dirty="0"/>
+              <a:t>, &lt;</a:t>
+            </a:r>
+            <a:r>
+              <a:rPr lang="pl-PL" dirty="0" err="1"/>
+              <a:t>expression</a:t>
+            </a:r>
+            <a:r>
+              <a:rPr lang="pl-PL" dirty="0"/>
+              <a:t>&gt; </a:t>
+            </a:r>
+            <a:r>
+              <a:rPr lang="pl-PL" dirty="0" smtClean="0"/>
+              <a:t>]</a:t>
+            </a:r>
+            <a:endParaRPr lang="pl-PL" dirty="0"/>
+          </a:p>
+          <a:p>
+            <a:pPr marL="109728" indent="0">
+              <a:buNone/>
+            </a:pPr>
+            <a:r>
+              <a:rPr lang="pl-PL" dirty="0" smtClean="0"/>
+              <a:t>	}</a:t>
+            </a:r>
+          </a:p>
+          <a:p>
+            <a:pPr marL="109728" indent="0">
+              <a:buNone/>
+            </a:pPr>
+            <a:r>
+              <a:rPr lang="pl-PL" dirty="0"/>
+              <a:t>	</a:t>
+            </a:r>
+            <a:r>
+              <a:rPr lang="pl-PL" i="1" dirty="0" err="1" smtClean="0"/>
+              <a:t>some</a:t>
+            </a:r>
+            <a:r>
+              <a:rPr lang="pl-PL" i="1" dirty="0" smtClean="0"/>
+              <a:t> Java</a:t>
+            </a:r>
+            <a:endParaRPr lang="pl-PL" dirty="0" smtClean="0"/>
+          </a:p>
+          <a:p>
+            <a:pPr marL="109728" indent="0">
+              <a:buNone/>
+            </a:pPr>
+            <a:r>
+              <a:rPr lang="pl-PL" dirty="0"/>
+              <a:t>	</a:t>
+            </a:r>
+          </a:p>
+        </p:txBody>
+      </p:sp>
+      <p:sp>
+        <p:nvSpPr>
+          <p:cNvPr id="3" name="Tytuł 2"/>
+          <p:cNvSpPr>
+            <a:spLocks noGrp="1"/>
+          </p:cNvSpPr>
+          <p:nvPr>
+            <p:ph type="title"/>
+          </p:nvPr>
+        </p:nvSpPr>
+        <p:spPr/>
+        <p:txBody>
           <a:bodyPr/>
           <a:lstStyle/>
           <a:p>
-            <a:pPr marL="109728" indent="0">
-              <a:buNone/>
-            </a:pPr>
+            <a:r>
+              <a:rPr lang="pl-PL" dirty="0" smtClean="0"/>
+              <a:t>Right </a:t>
+            </a:r>
             <a:r>
               <a:rPr lang="pl-PL" dirty="0" err="1" smtClean="0"/>
-              <a:t>when</a:t>
-            </a:r>
-            <a:endParaRPr lang="pl-PL" dirty="0" smtClean="0"/>
-          </a:p>
-          <a:p>
-            <a:pPr marL="109728" indent="0">
-              <a:buNone/>
-            </a:pPr>
-            <a:r>
-              <a:rPr lang="pl-PL" dirty="0" smtClean="0"/>
-              <a:t>	f : </a:t>
-            </a:r>
-            <a:r>
-              <a:rPr lang="pl-PL" dirty="0" err="1" smtClean="0"/>
-              <a:t>Fact</a:t>
-            </a:r>
-            <a:r>
-              <a:rPr lang="pl-PL" dirty="0" smtClean="0"/>
-              <a:t> ( </a:t>
-            </a:r>
-            <a:r>
-              <a:rPr lang="pl-PL" dirty="0" err="1" smtClean="0"/>
-              <a:t>confirmed</a:t>
-            </a:r>
-            <a:r>
-              <a:rPr lang="pl-PL" dirty="0" smtClean="0"/>
-              <a:t> == </a:t>
-            </a:r>
-            <a:r>
-              <a:rPr lang="pl-PL" dirty="0" err="1" smtClean="0"/>
-              <a:t>true</a:t>
-            </a:r>
-            <a:r>
-              <a:rPr lang="pl-PL" dirty="0" smtClean="0"/>
-              <a:t>)</a:t>
-            </a:r>
-          </a:p>
-          <a:p>
-            <a:pPr marL="109728" indent="0">
-              <a:buNone/>
-            </a:pPr>
-            <a:r>
-              <a:rPr lang="pl-PL" dirty="0"/>
-              <a:t>	</a:t>
-            </a:r>
-            <a:r>
-              <a:rPr lang="pl-PL" dirty="0" err="1" smtClean="0"/>
-              <a:t>vehicle</a:t>
-            </a:r>
-            <a:r>
-              <a:rPr lang="pl-PL" dirty="0" smtClean="0"/>
-              <a:t> : </a:t>
-            </a:r>
-            <a:r>
-              <a:rPr lang="pl-PL" dirty="0" err="1" smtClean="0"/>
-              <a:t>Vehicle</a:t>
-            </a:r>
-            <a:r>
-              <a:rPr lang="pl-PL" dirty="0" smtClean="0"/>
-              <a:t> (</a:t>
-            </a:r>
-            <a:r>
-              <a:rPr lang="pl-PL" dirty="0" err="1" smtClean="0"/>
-              <a:t>noOfWheels</a:t>
-            </a:r>
-            <a:r>
-              <a:rPr lang="pl-PL" smtClean="0"/>
-              <a:t> &gt; 2)</a:t>
-            </a:r>
-            <a:endParaRPr lang="pl-PL" dirty="0"/>
-          </a:p>
-        </p:txBody>
-      </p:sp>
-      <p:sp>
-        <p:nvSpPr>
-          <p:cNvPr id="3" name="Tytuł 2"/>
-          <p:cNvSpPr>
-            <a:spLocks noGrp="1"/>
-          </p:cNvSpPr>
-          <p:nvPr>
-            <p:ph type="title"/>
-          </p:nvPr>
-        </p:nvSpPr>
-        <p:spPr/>
-        <p:txBody>
-          <a:bodyPr/>
-          <a:lstStyle/>
-          <a:p>
-            <a:r>
-              <a:rPr lang="pl-PL" dirty="0" err="1" smtClean="0"/>
-              <a:t>Left</a:t>
+              <a:t>Hand</a:t>
             </a:r>
             <a:r>
               <a:rPr lang="pl-PL" dirty="0" smtClean="0"/>
@@ -6188,35 +9105,561 @@
             </a:r>
             <a:r>
               <a:rPr lang="pl-PL" dirty="0" err="1" smtClean="0"/>
-              <a:t>Hand</a:t>
+              <a:t>Side</a:t>
             </a:r>
             <a:r>
               <a:rPr lang="pl-PL" dirty="0" smtClean="0"/>
-              <a:t> </a:t>
-            </a:r>
-            <a:r>
-              <a:rPr lang="pl-PL" dirty="0" err="1" smtClean="0"/>
-              <a:t>Side</a:t>
-            </a:r>
-            <a:r>
-              <a:rPr lang="pl-PL" dirty="0" smtClean="0"/>
-              <a:t> (</a:t>
-            </a:r>
-            <a:r>
-              <a:rPr lang="pl-PL" dirty="0" err="1" smtClean="0"/>
-              <a:t>conditions</a:t>
-            </a:r>
-            <a:r>
-              <a:rPr lang="pl-PL" dirty="0"/>
-              <a:t>)</a:t>
-            </a:r>
+              <a:t> (RHS)</a:t>
+            </a:r>
+            <a:endParaRPr lang="pl-PL" dirty="0"/>
           </a:p>
         </p:txBody>
       </p:sp>
     </p:spTree>
     <p:extLst>
       <p:ext uri="{BB962C8B-B14F-4D97-AF65-F5344CB8AC3E}">
-        <p14:creationId xmlns:p14="http://schemas.microsoft.com/office/powerpoint/2010/main" val="932698381"/>
+        <p14:creationId xmlns:p14="http://schemas.microsoft.com/office/powerpoint/2010/main" val="1394199466"/>
+      </p:ext>
+    </p:extLst>
+  </p:cSld>
+  <p:clrMapOvr>
+    <a:masterClrMapping/>
+  </p:clrMapOvr>
+  <p:timing>
+    <p:tnLst>
+      <p:par>
+        <p:cTn id="1" dur="indefinite" restart="never" nodeType="tmRoot"/>
+      </p:par>
+    </p:tnLst>
+  </p:timing>
+</p:sld>
+</file>
+
+<file path=ppt/slides/slide8.xml><?xml version="1.0" encoding="utf-8"?>
+<p:sld xmlns:a="http://schemas.openxmlformats.org/drawingml/2006/main" xmlns:r="http://schemas.openxmlformats.org/officeDocument/2006/relationships" xmlns:p="http://schemas.openxmlformats.org/presentationml/2006/main">
+  <p:cSld>
+    <p:spTree>
+      <p:nvGrpSpPr>
+        <p:cNvPr id="1" name=""/>
+        <p:cNvGrpSpPr/>
+        <p:nvPr/>
+      </p:nvGrpSpPr>
+      <p:grpSpPr>
+        <a:xfrm>
+          <a:off x="0" y="0"/>
+          <a:ext cx="0" cy="0"/>
+          <a:chOff x="0" y="0"/>
+          <a:chExt cx="0" cy="0"/>
+        </a:xfrm>
+      </p:grpSpPr>
+      <p:sp>
+        <p:nvSpPr>
+          <p:cNvPr id="2" name="Symbol zastępczy zawartości 1"/>
+          <p:cNvSpPr>
+            <a:spLocks noGrp="1"/>
+          </p:cNvSpPr>
+          <p:nvPr>
+            <p:ph idx="1"/>
+          </p:nvPr>
+        </p:nvSpPr>
+        <p:spPr/>
+        <p:txBody>
+          <a:bodyPr>
+            <a:normAutofit lnSpcReduction="10000"/>
+          </a:bodyPr>
+          <a:lstStyle/>
+          <a:p>
+            <a:pPr marL="109728" indent="0">
+              <a:buNone/>
+            </a:pPr>
+            <a:r>
+              <a:rPr lang="pl-PL" sz="2000" dirty="0" err="1">
+                <a:latin typeface="Lucida Console" panose="020B0609040504020204" pitchFamily="49" charset="0"/>
+              </a:rPr>
+              <a:t>KnowledgeBuilder</a:t>
+            </a:r>
+            <a:r>
+              <a:rPr lang="pl-PL" sz="2000" dirty="0">
+                <a:latin typeface="Lucida Console" panose="020B0609040504020204" pitchFamily="49" charset="0"/>
+              </a:rPr>
+              <a:t> </a:t>
+            </a:r>
+            <a:r>
+              <a:rPr lang="pl-PL" sz="2000" dirty="0" err="1">
+                <a:latin typeface="Lucida Console" panose="020B0609040504020204" pitchFamily="49" charset="0"/>
+              </a:rPr>
+              <a:t>knowledgeBuilder</a:t>
+            </a:r>
+            <a:r>
+              <a:rPr lang="pl-PL" sz="2000" dirty="0">
+                <a:latin typeface="Lucida Console" panose="020B0609040504020204" pitchFamily="49" charset="0"/>
+              </a:rPr>
+              <a:t> = </a:t>
+            </a:r>
+          </a:p>
+          <a:p>
+            <a:pPr marL="109728" indent="0">
+              <a:buNone/>
+            </a:pPr>
+            <a:r>
+              <a:rPr lang="pl-PL" sz="2000" dirty="0" smtClean="0">
+                <a:latin typeface="Lucida Console" panose="020B0609040504020204" pitchFamily="49" charset="0"/>
+              </a:rPr>
+              <a:t>	</a:t>
+            </a:r>
+            <a:r>
+              <a:rPr lang="pl-PL" sz="2000" dirty="0" err="1" smtClean="0">
+                <a:latin typeface="Lucida Console" panose="020B0609040504020204" pitchFamily="49" charset="0"/>
+              </a:rPr>
+              <a:t>KnowledgeBuilderFactory.</a:t>
+            </a:r>
+            <a:r>
+              <a:rPr lang="pl-PL" sz="2000" i="1" dirty="0" err="1" smtClean="0">
+                <a:latin typeface="Lucida Console" panose="020B0609040504020204" pitchFamily="49" charset="0"/>
+              </a:rPr>
+              <a:t>newKnowledgeBuilder</a:t>
+            </a:r>
+            <a:r>
+              <a:rPr lang="pl-PL" sz="2000" i="1" dirty="0" smtClean="0">
+                <a:latin typeface="Lucida Console" panose="020B0609040504020204" pitchFamily="49" charset="0"/>
+              </a:rPr>
+              <a:t>();</a:t>
+            </a:r>
+          </a:p>
+          <a:p>
+            <a:pPr marL="109728" indent="0">
+              <a:buNone/>
+            </a:pPr>
+            <a:endParaRPr lang="pl-PL" sz="2000" i="1" dirty="0">
+              <a:latin typeface="Lucida Console" panose="020B0609040504020204" pitchFamily="49" charset="0"/>
+            </a:endParaRPr>
+          </a:p>
+          <a:p>
+            <a:pPr marL="109728" indent="0">
+              <a:buNone/>
+            </a:pPr>
+            <a:r>
+              <a:rPr lang="pl-PL" sz="2000" dirty="0">
+                <a:latin typeface="Lucida Console" panose="020B0609040504020204" pitchFamily="49" charset="0"/>
+              </a:rPr>
+              <a:t>Resource </a:t>
+            </a:r>
+            <a:r>
+              <a:rPr lang="pl-PL" sz="2000" dirty="0" err="1">
+                <a:latin typeface="Lucida Console" panose="020B0609040504020204" pitchFamily="49" charset="0"/>
+              </a:rPr>
+              <a:t>diagnosticRuleResource</a:t>
+            </a:r>
+            <a:r>
+              <a:rPr lang="pl-PL" sz="2000" dirty="0">
+                <a:latin typeface="Lucida Console" panose="020B0609040504020204" pitchFamily="49" charset="0"/>
+              </a:rPr>
+              <a:t> = </a:t>
+            </a:r>
+          </a:p>
+          <a:p>
+            <a:pPr marL="109728" indent="0">
+              <a:buNone/>
+            </a:pPr>
+            <a:r>
+              <a:rPr lang="pl-PL" sz="2000" dirty="0" smtClean="0">
+                <a:latin typeface="Lucida Console" panose="020B0609040504020204" pitchFamily="49" charset="0"/>
+              </a:rPr>
+              <a:t>	</a:t>
+            </a:r>
+            <a:r>
+              <a:rPr lang="pl-PL" sz="2000" dirty="0" err="1" smtClean="0">
+                <a:latin typeface="Lucida Console" panose="020B0609040504020204" pitchFamily="49" charset="0"/>
+              </a:rPr>
+              <a:t>ResourceFactory.</a:t>
+            </a:r>
+            <a:r>
+              <a:rPr lang="pl-PL" sz="2000" i="1" dirty="0" err="1" smtClean="0">
+                <a:latin typeface="Lucida Console" panose="020B0609040504020204" pitchFamily="49" charset="0"/>
+              </a:rPr>
+              <a:t>newClassPathResource</a:t>
+            </a:r>
+            <a:r>
+              <a:rPr lang="pl-PL" sz="2000" i="1" dirty="0" smtClean="0">
+                <a:latin typeface="Lucida Console" panose="020B0609040504020204" pitchFamily="49" charset="0"/>
+              </a:rPr>
+              <a:t>(„</a:t>
+            </a:r>
+            <a:r>
+              <a:rPr lang="pl-PL" sz="2000" i="1" dirty="0" err="1" smtClean="0">
+                <a:latin typeface="Lucida Console" panose="020B0609040504020204" pitchFamily="49" charset="0"/>
+              </a:rPr>
+              <a:t>diagnostics.drl</a:t>
+            </a:r>
+            <a:r>
+              <a:rPr lang="pl-PL" sz="2000" i="1" dirty="0" smtClean="0">
+                <a:latin typeface="Lucida Console" panose="020B0609040504020204" pitchFamily="49" charset="0"/>
+              </a:rPr>
+              <a:t>");</a:t>
+            </a:r>
+          </a:p>
+          <a:p>
+            <a:pPr marL="109728" indent="0">
+              <a:buNone/>
+            </a:pPr>
+            <a:endParaRPr lang="pl-PL" sz="2000" i="1" dirty="0">
+              <a:latin typeface="Lucida Console" panose="020B0609040504020204" pitchFamily="49" charset="0"/>
+            </a:endParaRPr>
+          </a:p>
+          <a:p>
+            <a:pPr marL="109728" indent="0">
+              <a:buNone/>
+            </a:pPr>
+            <a:r>
+              <a:rPr lang="pl-PL" sz="2000" dirty="0" err="1">
+                <a:latin typeface="Lucida Console" panose="020B0609040504020204" pitchFamily="49" charset="0"/>
+              </a:rPr>
+              <a:t>knowledgeBuilder.add</a:t>
+            </a:r>
+            <a:r>
+              <a:rPr lang="pl-PL" sz="2000" dirty="0">
+                <a:latin typeface="Lucida Console" panose="020B0609040504020204" pitchFamily="49" charset="0"/>
+              </a:rPr>
+              <a:t>(</a:t>
+            </a:r>
+            <a:r>
+              <a:rPr lang="pl-PL" sz="2000" dirty="0" err="1">
+                <a:latin typeface="Lucida Console" panose="020B0609040504020204" pitchFamily="49" charset="0"/>
+              </a:rPr>
+              <a:t>diagnosticRuleResource</a:t>
+            </a:r>
+            <a:r>
+              <a:rPr lang="pl-PL" sz="2000" dirty="0">
+                <a:latin typeface="Lucida Console" panose="020B0609040504020204" pitchFamily="49" charset="0"/>
+              </a:rPr>
+              <a:t> , </a:t>
+            </a:r>
+            <a:r>
+              <a:rPr lang="pl-PL" sz="2000" dirty="0" smtClean="0">
+                <a:latin typeface="Lucida Console" panose="020B0609040504020204" pitchFamily="49" charset="0"/>
+              </a:rPr>
+              <a:t>	</a:t>
+            </a:r>
+            <a:r>
+              <a:rPr lang="pl-PL" sz="2000" dirty="0" err="1" smtClean="0">
+                <a:latin typeface="Lucida Console" panose="020B0609040504020204" pitchFamily="49" charset="0"/>
+              </a:rPr>
+              <a:t>ResourceType.</a:t>
+            </a:r>
+            <a:r>
+              <a:rPr lang="pl-PL" sz="2000" i="1" dirty="0" err="1" smtClean="0">
+                <a:latin typeface="Lucida Console" panose="020B0609040504020204" pitchFamily="49" charset="0"/>
+              </a:rPr>
+              <a:t>DRL</a:t>
+            </a:r>
+            <a:r>
+              <a:rPr lang="pl-PL" sz="2000" i="1" dirty="0" smtClean="0">
+                <a:latin typeface="Lucida Console" panose="020B0609040504020204" pitchFamily="49" charset="0"/>
+              </a:rPr>
+              <a:t>);</a:t>
+            </a:r>
+            <a:endParaRPr lang="pl-PL" sz="2000" dirty="0">
+              <a:latin typeface="Lucida Console" panose="020B0609040504020204" pitchFamily="49" charset="0"/>
+            </a:endParaRPr>
+          </a:p>
+          <a:p>
+            <a:pPr marL="109728" indent="0">
+              <a:buNone/>
+            </a:pPr>
+            <a:r>
+              <a:rPr lang="pl-PL" sz="2000" dirty="0" err="1">
+                <a:latin typeface="Lucida Console" panose="020B0609040504020204" pitchFamily="49" charset="0"/>
+              </a:rPr>
+              <a:t>if</a:t>
+            </a:r>
+            <a:r>
+              <a:rPr lang="pl-PL" sz="2000" dirty="0">
+                <a:latin typeface="Lucida Console" panose="020B0609040504020204" pitchFamily="49" charset="0"/>
+              </a:rPr>
+              <a:t> (</a:t>
+            </a:r>
+            <a:r>
+              <a:rPr lang="pl-PL" sz="2000" dirty="0" err="1">
+                <a:latin typeface="Lucida Console" panose="020B0609040504020204" pitchFamily="49" charset="0"/>
+              </a:rPr>
+              <a:t>knowledgeBuilder.hasErrors</a:t>
+            </a:r>
+            <a:r>
+              <a:rPr lang="pl-PL" sz="2000" dirty="0">
+                <a:latin typeface="Lucida Console" panose="020B0609040504020204" pitchFamily="49" charset="0"/>
+              </a:rPr>
+              <a:t>()) </a:t>
+            </a:r>
+            <a:r>
+              <a:rPr lang="pl-PL" sz="2000" dirty="0" smtClean="0">
+                <a:latin typeface="Lucida Console" panose="020B0609040504020204" pitchFamily="49" charset="0"/>
+              </a:rPr>
+              <a:t>{</a:t>
+            </a:r>
+          </a:p>
+          <a:p>
+            <a:pPr marL="109728" indent="0">
+              <a:buNone/>
+            </a:pPr>
+            <a:r>
+              <a:rPr lang="pl-PL" sz="2000" dirty="0">
+                <a:latin typeface="Lucida Console" panose="020B0609040504020204" pitchFamily="49" charset="0"/>
+              </a:rPr>
+              <a:t>	</a:t>
+            </a:r>
+            <a:r>
+              <a:rPr lang="pl-PL" sz="2000" dirty="0" smtClean="0">
+                <a:latin typeface="Lucida Console" panose="020B0609040504020204" pitchFamily="49" charset="0"/>
+              </a:rPr>
+              <a:t>//handle </a:t>
+            </a:r>
+            <a:r>
+              <a:rPr lang="pl-PL" sz="2000" dirty="0" err="1" smtClean="0">
+                <a:latin typeface="Lucida Console" panose="020B0609040504020204" pitchFamily="49" charset="0"/>
+              </a:rPr>
+              <a:t>errors</a:t>
+            </a:r>
+            <a:endParaRPr lang="pl-PL" sz="2000" dirty="0">
+              <a:latin typeface="Lucida Console" panose="020B0609040504020204" pitchFamily="49" charset="0"/>
+            </a:endParaRPr>
+          </a:p>
+          <a:p>
+            <a:pPr marL="109728" indent="0">
+              <a:buNone/>
+            </a:pPr>
+            <a:r>
+              <a:rPr lang="pl-PL" sz="2000" dirty="0" smtClean="0">
+                <a:latin typeface="Lucida Console" panose="020B0609040504020204" pitchFamily="49" charset="0"/>
+              </a:rPr>
+              <a:t>}</a:t>
+            </a:r>
+            <a:endParaRPr lang="pl-PL" sz="2000" dirty="0">
+              <a:latin typeface="Lucida Console" panose="020B0609040504020204" pitchFamily="49" charset="0"/>
+            </a:endParaRPr>
+          </a:p>
+          <a:p>
+            <a:pPr marL="109728" indent="0">
+              <a:buNone/>
+            </a:pPr>
+            <a:r>
+              <a:rPr lang="pl-PL" sz="2000" dirty="0" err="1">
+                <a:latin typeface="Lucida Console" panose="020B0609040504020204" pitchFamily="49" charset="0"/>
+              </a:rPr>
+              <a:t>knowledgeBase</a:t>
+            </a:r>
+            <a:r>
+              <a:rPr lang="pl-PL" sz="2000" dirty="0">
+                <a:latin typeface="Lucida Console" panose="020B0609040504020204" pitchFamily="49" charset="0"/>
+              </a:rPr>
+              <a:t> = </a:t>
+            </a:r>
+            <a:r>
+              <a:rPr lang="pl-PL" sz="2000" dirty="0" err="1">
+                <a:latin typeface="Lucida Console" panose="020B0609040504020204" pitchFamily="49" charset="0"/>
+              </a:rPr>
+              <a:t>knowledgeBuilder.newKnowledgeBase</a:t>
+            </a:r>
+            <a:r>
+              <a:rPr lang="pl-PL" sz="2000" dirty="0">
+                <a:latin typeface="Lucida Console" panose="020B0609040504020204" pitchFamily="49" charset="0"/>
+              </a:rPr>
+              <a:t>();</a:t>
+            </a:r>
+          </a:p>
+        </p:txBody>
+      </p:sp>
+      <p:sp>
+        <p:nvSpPr>
+          <p:cNvPr id="3" name="Tytuł 2"/>
+          <p:cNvSpPr>
+            <a:spLocks noGrp="1"/>
+          </p:cNvSpPr>
+          <p:nvPr>
+            <p:ph type="title"/>
+          </p:nvPr>
+        </p:nvSpPr>
+        <p:spPr/>
+        <p:txBody>
+          <a:bodyPr/>
+          <a:lstStyle/>
+          <a:p>
+            <a:r>
+              <a:rPr lang="pl-PL" dirty="0" err="1" smtClean="0"/>
+              <a:t>Knowlegde</a:t>
+            </a:r>
+            <a:r>
+              <a:rPr lang="pl-PL" dirty="0" smtClean="0"/>
+              <a:t> </a:t>
+            </a:r>
+            <a:r>
+              <a:rPr lang="pl-PL" dirty="0" err="1" smtClean="0"/>
+              <a:t>base</a:t>
+            </a:r>
+            <a:endParaRPr lang="pl-PL" dirty="0"/>
+          </a:p>
+        </p:txBody>
+      </p:sp>
+    </p:spTree>
+    <p:extLst>
+      <p:ext uri="{BB962C8B-B14F-4D97-AF65-F5344CB8AC3E}">
+        <p14:creationId xmlns:p14="http://schemas.microsoft.com/office/powerpoint/2010/main" val="3682385720"/>
+      </p:ext>
+    </p:extLst>
+  </p:cSld>
+  <p:clrMapOvr>
+    <a:masterClrMapping/>
+  </p:clrMapOvr>
+  <p:timing>
+    <p:tnLst>
+      <p:par>
+        <p:cTn id="1" dur="indefinite" restart="never" nodeType="tmRoot"/>
+      </p:par>
+    </p:tnLst>
+  </p:timing>
+</p:sld>
+</file>
+
+<file path=ppt/slides/slide9.xml><?xml version="1.0" encoding="utf-8"?>
+<p:sld xmlns:a="http://schemas.openxmlformats.org/drawingml/2006/main" xmlns:r="http://schemas.openxmlformats.org/officeDocument/2006/relationships" xmlns:p="http://schemas.openxmlformats.org/presentationml/2006/main">
+  <p:cSld>
+    <p:spTree>
+      <p:nvGrpSpPr>
+        <p:cNvPr id="1" name=""/>
+        <p:cNvGrpSpPr/>
+        <p:nvPr/>
+      </p:nvGrpSpPr>
+      <p:grpSpPr>
+        <a:xfrm>
+          <a:off x="0" y="0"/>
+          <a:ext cx="0" cy="0"/>
+          <a:chOff x="0" y="0"/>
+          <a:chExt cx="0" cy="0"/>
+        </a:xfrm>
+      </p:grpSpPr>
+      <p:sp>
+        <p:nvSpPr>
+          <p:cNvPr id="2" name="Symbol zastępczy zawartości 1"/>
+          <p:cNvSpPr>
+            <a:spLocks noGrp="1"/>
+          </p:cNvSpPr>
+          <p:nvPr>
+            <p:ph idx="1"/>
+          </p:nvPr>
+        </p:nvSpPr>
+        <p:spPr/>
+        <p:txBody>
+          <a:bodyPr>
+            <a:normAutofit/>
+          </a:bodyPr>
+          <a:lstStyle/>
+          <a:p>
+            <a:pPr marL="109728" indent="0">
+              <a:buNone/>
+            </a:pPr>
+            <a:r>
+              <a:rPr lang="pl-PL" sz="2400" dirty="0" err="1"/>
+              <a:t>StatefulKnowledgeSession</a:t>
+            </a:r>
+            <a:r>
+              <a:rPr lang="pl-PL" sz="2400" dirty="0"/>
+              <a:t> </a:t>
+            </a:r>
+            <a:r>
+              <a:rPr lang="pl-PL" sz="2400" dirty="0" err="1"/>
+              <a:t>session</a:t>
+            </a:r>
+            <a:r>
+              <a:rPr lang="pl-PL" sz="2400" dirty="0"/>
+              <a:t> = </a:t>
+            </a:r>
+            <a:r>
+              <a:rPr lang="pl-PL" sz="2400" dirty="0" smtClean="0"/>
+              <a:t>	</a:t>
+            </a:r>
+            <a:r>
+              <a:rPr lang="pl-PL" sz="2400" dirty="0" err="1" smtClean="0"/>
+              <a:t>knowledgeBase.newStatefulKnowledgeSession</a:t>
+            </a:r>
+            <a:r>
+              <a:rPr lang="pl-PL" sz="2400" dirty="0"/>
+              <a:t>();</a:t>
+            </a:r>
+          </a:p>
+          <a:p>
+            <a:pPr marL="109728" indent="0">
+              <a:buNone/>
+            </a:pPr>
+            <a:r>
+              <a:rPr lang="pl-PL" sz="2400" dirty="0" err="1" smtClean="0"/>
+              <a:t>session.insert</a:t>
+            </a:r>
+            <a:r>
+              <a:rPr lang="pl-PL" sz="2400" dirty="0" smtClean="0"/>
+              <a:t>(</a:t>
+            </a:r>
+            <a:r>
+              <a:rPr lang="pl-PL" sz="2400" dirty="0" err="1" smtClean="0"/>
+              <a:t>new</a:t>
+            </a:r>
+            <a:r>
+              <a:rPr lang="pl-PL" sz="2400" dirty="0" smtClean="0"/>
+              <a:t> </a:t>
+            </a:r>
+            <a:r>
+              <a:rPr lang="pl-PL" sz="2400" dirty="0" err="1"/>
+              <a:t>ChestPain</a:t>
+            </a:r>
+            <a:r>
+              <a:rPr lang="pl-PL" sz="2400" dirty="0"/>
+              <a:t>().</a:t>
+            </a:r>
+            <a:r>
+              <a:rPr lang="pl-PL" sz="2400" dirty="0" err="1"/>
+              <a:t>exists</a:t>
+            </a:r>
+            <a:r>
+              <a:rPr lang="pl-PL" sz="2400" dirty="0" smtClean="0"/>
+              <a:t>());</a:t>
+            </a:r>
+            <a:endParaRPr lang="pl-PL" sz="2400" dirty="0"/>
+          </a:p>
+        </p:txBody>
+      </p:sp>
+      <p:sp>
+        <p:nvSpPr>
+          <p:cNvPr id="3" name="Tytuł 2"/>
+          <p:cNvSpPr>
+            <a:spLocks noGrp="1"/>
+          </p:cNvSpPr>
+          <p:nvPr>
+            <p:ph type="title"/>
+          </p:nvPr>
+        </p:nvSpPr>
+        <p:spPr/>
+        <p:txBody>
+          <a:bodyPr/>
+          <a:lstStyle/>
+          <a:p>
+            <a:r>
+              <a:rPr lang="pl-PL" dirty="0" err="1" smtClean="0"/>
+              <a:t>Stateful</a:t>
+            </a:r>
+            <a:r>
+              <a:rPr lang="pl-PL" dirty="0" smtClean="0"/>
+              <a:t> </a:t>
+            </a:r>
+            <a:r>
+              <a:rPr lang="pl-PL" dirty="0" err="1" smtClean="0"/>
+              <a:t>session</a:t>
+            </a:r>
+            <a:endParaRPr lang="pl-PL" dirty="0"/>
+          </a:p>
+        </p:txBody>
+      </p:sp>
+    </p:spTree>
+    <p:extLst>
+      <p:ext uri="{BB962C8B-B14F-4D97-AF65-F5344CB8AC3E}">
+        <p14:creationId xmlns:p14="http://schemas.microsoft.com/office/powerpoint/2010/main" val="2224023897"/>
       </p:ext>
     </p:extLst>
   </p:cSld>

--- a/drools-business-rules-engine.pptx
+++ b/drools-business-rules-engine.pptx
@@ -5,27 +5,29 @@
     <p:sldMasterId id="2147483658" r:id="rId2"/>
   </p:sldMasterIdLst>
   <p:notesMasterIdLst>
-    <p:notesMasterId r:id="rId21"/>
+    <p:notesMasterId r:id="rId23"/>
   </p:notesMasterIdLst>
   <p:sldIdLst>
     <p:sldId id="256" r:id="rId3"/>
     <p:sldId id="258" r:id="rId4"/>
-    <p:sldId id="262" r:id="rId5"/>
-    <p:sldId id="260" r:id="rId6"/>
-    <p:sldId id="261" r:id="rId7"/>
-    <p:sldId id="263" r:id="rId8"/>
-    <p:sldId id="264" r:id="rId9"/>
-    <p:sldId id="265" r:id="rId10"/>
-    <p:sldId id="266" r:id="rId11"/>
-    <p:sldId id="267" r:id="rId12"/>
-    <p:sldId id="259" r:id="rId13"/>
-    <p:sldId id="271" r:id="rId14"/>
-    <p:sldId id="272" r:id="rId15"/>
-    <p:sldId id="275" r:id="rId16"/>
-    <p:sldId id="276" r:id="rId17"/>
-    <p:sldId id="268" r:id="rId18"/>
-    <p:sldId id="270" r:id="rId19"/>
-    <p:sldId id="274" r:id="rId20"/>
+    <p:sldId id="278" r:id="rId5"/>
+    <p:sldId id="277" r:id="rId6"/>
+    <p:sldId id="262" r:id="rId7"/>
+    <p:sldId id="260" r:id="rId8"/>
+    <p:sldId id="261" r:id="rId9"/>
+    <p:sldId id="263" r:id="rId10"/>
+    <p:sldId id="264" r:id="rId11"/>
+    <p:sldId id="265" r:id="rId12"/>
+    <p:sldId id="266" r:id="rId13"/>
+    <p:sldId id="267" r:id="rId14"/>
+    <p:sldId id="259" r:id="rId15"/>
+    <p:sldId id="271" r:id="rId16"/>
+    <p:sldId id="272" r:id="rId17"/>
+    <p:sldId id="275" r:id="rId18"/>
+    <p:sldId id="276" r:id="rId19"/>
+    <p:sldId id="268" r:id="rId20"/>
+    <p:sldId id="270" r:id="rId21"/>
+    <p:sldId id="274" r:id="rId22"/>
   </p:sldIdLst>
   <p:sldSz cx="9144000" cy="6858000" type="screen4x3"/>
   <p:notesSz cx="6858000" cy="9144000"/>
@@ -126,7 +128,7 @@
   </p:defaultTextStyle>
   <p:extLst>
     <p:ext uri="{EFAFB233-063F-42B5-8137-9DF3F51BA10A}">
-      <p15:sldGuideLst xmlns="" xmlns:p15="http://schemas.microsoft.com/office/powerpoint/2012/main">
+      <p15:sldGuideLst xmlns:p15="http://schemas.microsoft.com/office/powerpoint/2012/main">
         <p15:guide id="1" orient="horz" pos="2160">
           <p15:clr>
             <a:srgbClr val="A4A3A4"/>
@@ -226,7 +228,7 @@
             <a:fld id="{3842907C-D0AA-4C58-9F94-58B40AD65B29}" type="datetimeFigureOut">
               <a:rPr lang="en-US" smtClean="0"/>
               <a:pPr/>
-              <a:t>10/29/2013</a:t>
+              <a:t>2/3/2014</a:t>
             </a:fld>
             <a:endParaRPr lang="en-US"/>
           </a:p>
@@ -1211,7 +1213,7 @@
             <a:fld id="{E6E13C79-1C97-4B32-B2AE-1A69C169643E}" type="datetime2">
               <a:rPr lang="en-US" smtClean="0"/>
               <a:pPr/>
-              <a:t>Tuesday, October 29, 2013</a:t>
+              <a:t>Monday, February 03, 2014</a:t>
             </a:fld>
             <a:endParaRPr lang="en-US" dirty="0">
               <a:solidFill>
@@ -1423,7 +1425,7 @@
             <a:fld id="{D10E14BF-C004-4398-9186-5EE680724D95}" type="datetime2">
               <a:rPr lang="en-US" smtClean="0"/>
               <a:pPr/>
-              <a:t>Tuesday, October 29, 2013</a:t>
+              <a:t>Monday, February 03, 2014</a:t>
             </a:fld>
             <a:endParaRPr lang="en-US"/>
           </a:p>
@@ -1616,7 +1618,7 @@
             <a:fld id="{D10E14BF-C004-4398-9186-5EE680724D95}" type="datetime2">
               <a:rPr lang="en-US" smtClean="0"/>
               <a:pPr/>
-              <a:t>Tuesday, October 29, 2013</a:t>
+              <a:t>Monday, February 03, 2014</a:t>
             </a:fld>
             <a:endParaRPr lang="en-US"/>
           </a:p>
@@ -1774,7 +1776,7 @@
             <a:fld id="{227FEF5B-F2CC-4EC5-8F1F-29A8BF9EFFA9}" type="datetime2">
               <a:rPr lang="en-US" smtClean="0"/>
               <a:pPr/>
-              <a:t>Tuesday, October 29, 2013</a:t>
+              <a:t>Monday, February 03, 2014</a:t>
             </a:fld>
             <a:endParaRPr lang="en-US"/>
           </a:p>
@@ -2031,7 +2033,7 @@
             <a:fld id="{5F4709C1-563D-4D9C-B702-B64C84A5A174}" type="datetime2">
               <a:rPr lang="en-US" smtClean="0"/>
               <a:pPr/>
-              <a:t>Tuesday, October 29, 2013</a:t>
+              <a:t>Monday, February 03, 2014</a:t>
             </a:fld>
             <a:endParaRPr lang="en-US"/>
           </a:p>
@@ -2442,7 +2444,7 @@
             <a:fld id="{2E8303D9-A6EB-41FB-BF22-3F49E470997E}" type="datetime2">
               <a:rPr lang="en-US" smtClean="0"/>
               <a:pPr/>
-              <a:t>Tuesday, October 29, 2013</a:t>
+              <a:t>Monday, February 03, 2014</a:t>
             </a:fld>
             <a:endParaRPr lang="en-US"/>
           </a:p>
@@ -2890,7 +2892,7 @@
             <a:fld id="{89BB0534-5698-4F62-9CFE-5DE61A073E78}" type="datetime2">
               <a:rPr lang="en-US" smtClean="0"/>
               <a:pPr/>
-              <a:t>Tuesday, October 29, 2013</a:t>
+              <a:t>Monday, February 03, 2014</a:t>
             </a:fld>
             <a:endParaRPr lang="en-US"/>
           </a:p>
@@ -2993,7 +2995,7 @@
             <a:fld id="{084827A3-B249-4F87-AB1A-1E06AC1AA2A4}" type="datetime2">
               <a:rPr lang="en-US" smtClean="0"/>
               <a:pPr/>
-              <a:t>Tuesday, October 29, 2013</a:t>
+              <a:t>Monday, February 03, 2014</a:t>
             </a:fld>
             <a:endParaRPr lang="en-US"/>
           </a:p>
@@ -3116,7 +3118,7 @@
             <a:fld id="{B1546142-29B2-49CC-BCC6-A3AD70B4960E}" type="datetime2">
               <a:rPr lang="en-US" smtClean="0"/>
               <a:pPr/>
-              <a:t>Tuesday, October 29, 2013</a:t>
+              <a:t>Monday, February 03, 2014</a:t>
             </a:fld>
             <a:endParaRPr lang="en-US"/>
           </a:p>
@@ -3392,7 +3394,7 @@
             <a:fld id="{E86C4691-4882-40A8-AF62-8CF6A18D40B2}" type="datetime2">
               <a:rPr lang="en-US" smtClean="0"/>
               <a:pPr/>
-              <a:t>Tuesday, October 29, 2013</a:t>
+              <a:t>Monday, February 03, 2014</a:t>
             </a:fld>
             <a:endParaRPr lang="en-US"/>
           </a:p>
@@ -3599,7 +3601,7 @@
             <a:fld id="{61C6776A-4DEC-47EE-8A49-2C150ECB5465}" type="datetime2">
               <a:rPr lang="en-US" smtClean="0"/>
               <a:pPr/>
-              <a:t>Tuesday, October 29, 2013</a:t>
+              <a:t>Monday, February 03, 2014</a:t>
             </a:fld>
             <a:endParaRPr lang="en-US">
               <a:solidFill>
@@ -4722,7 +4724,7 @@
             <a:fld id="{D10E14BF-C004-4398-9186-5EE680724D95}" type="datetime2">
               <a:rPr lang="en-US" smtClean="0"/>
               <a:pPr/>
-              <a:t>Tuesday, October 29, 2013</a:t>
+              <a:t>Monday, February 03, 2014</a:t>
             </a:fld>
             <a:endParaRPr lang="en-US" sz="1000" dirty="0">
               <a:solidFill>
@@ -5364,40 +5366,306 @@
         <p:spPr/>
         <p:txBody>
           <a:bodyPr>
-            <a:normAutofit/>
+            <a:normAutofit lnSpcReduction="10000"/>
           </a:bodyPr>
           <a:lstStyle/>
           <a:p>
-            <a:pPr marL="109728" indent="0" algn="ctr">
+            <a:pPr marL="109728" indent="0">
               <a:buNone/>
             </a:pPr>
-            <a:endParaRPr lang="pl-PL" sz="3600" dirty="0" smtClean="0"/>
-          </a:p>
-          <a:p>
-            <a:pPr marL="109728" indent="0" algn="ctr">
+            <a:r>
+              <a:rPr lang="pl-PL" sz="2000" dirty="0" err="1">
+                <a:latin typeface="Lucida Console" panose="020B0609040504020204" pitchFamily="49" charset="0"/>
+              </a:rPr>
+              <a:t>KnowledgeBuilder</a:t>
+            </a:r>
+            <a:r>
+              <a:rPr lang="pl-PL" sz="2000" dirty="0">
+                <a:latin typeface="Lucida Console" panose="020B0609040504020204" pitchFamily="49" charset="0"/>
+              </a:rPr>
+              <a:t> </a:t>
+            </a:r>
+            <a:r>
+              <a:rPr lang="pl-PL" sz="2000" dirty="0" err="1">
+                <a:latin typeface="Lucida Console" panose="020B0609040504020204" pitchFamily="49" charset="0"/>
+              </a:rPr>
+              <a:t>knowledgeBuilder</a:t>
+            </a:r>
+            <a:r>
+              <a:rPr lang="pl-PL" sz="2000" dirty="0">
+                <a:latin typeface="Lucida Console" panose="020B0609040504020204" pitchFamily="49" charset="0"/>
+              </a:rPr>
+              <a:t> = </a:t>
+            </a:r>
+          </a:p>
+          <a:p>
+            <a:pPr marL="109728" indent="0">
               <a:buNone/>
             </a:pPr>
-            <a:endParaRPr lang="pl-PL" sz="3600" dirty="0"/>
-          </a:p>
-          <a:p>
-            <a:pPr marL="109728" indent="0" algn="ctr">
+            <a:r>
+              <a:rPr lang="pl-PL" sz="2000" dirty="0" smtClean="0">
+                <a:latin typeface="Lucida Console" panose="020B0609040504020204" pitchFamily="49" charset="0"/>
+              </a:rPr>
+              <a:t>	</a:t>
+            </a:r>
+            <a:r>
+              <a:rPr lang="pl-PL" sz="2000" dirty="0" err="1" smtClean="0">
+                <a:latin typeface="Lucida Console" panose="020B0609040504020204" pitchFamily="49" charset="0"/>
+              </a:rPr>
+              <a:t>KnowledgeBuilderFactory.</a:t>
+            </a:r>
+            <a:r>
+              <a:rPr lang="pl-PL" sz="2000" i="1" dirty="0" err="1" smtClean="0">
+                <a:latin typeface="Lucida Console" panose="020B0609040504020204" pitchFamily="49" charset="0"/>
+              </a:rPr>
+              <a:t>newKnowledgeBuilder</a:t>
+            </a:r>
+            <a:r>
+              <a:rPr lang="pl-PL" sz="2000" i="1" dirty="0" smtClean="0">
+                <a:latin typeface="Lucida Console" panose="020B0609040504020204" pitchFamily="49" charset="0"/>
+              </a:rPr>
+              <a:t>();</a:t>
+            </a:r>
+          </a:p>
+          <a:p>
+            <a:pPr marL="109728" indent="0">
               <a:buNone/>
             </a:pPr>
-            <a:endParaRPr lang="pl-PL" sz="3600" dirty="0" smtClean="0"/>
-          </a:p>
-          <a:p>
-            <a:pPr marL="109728" indent="0" algn="ctr">
+            <a:endParaRPr lang="pl-PL" sz="2000" i="1" dirty="0">
+              <a:latin typeface="Lucida Console" panose="020B0609040504020204" pitchFamily="49" charset="0"/>
+            </a:endParaRPr>
+          </a:p>
+          <a:p>
+            <a:pPr marL="109728" indent="0">
               <a:buNone/>
             </a:pPr>
             <a:r>
-              <a:rPr lang="pl-PL" sz="3600" dirty="0" err="1" smtClean="0"/>
-              <a:t>session.fireAllRules</a:t>
-            </a:r>
-            <a:r>
-              <a:rPr lang="pl-PL" sz="3600" dirty="0" smtClean="0"/>
+              <a:rPr lang="pl-PL" sz="2000" dirty="0">
+                <a:latin typeface="Lucida Console" panose="020B0609040504020204" pitchFamily="49" charset="0"/>
+              </a:rPr>
+              <a:t>Resource </a:t>
+            </a:r>
+            <a:r>
+              <a:rPr lang="pl-PL" sz="2000" dirty="0" err="1">
+                <a:latin typeface="Lucida Console" panose="020B0609040504020204" pitchFamily="49" charset="0"/>
+              </a:rPr>
+              <a:t>diagnosticRuleResource</a:t>
+            </a:r>
+            <a:r>
+              <a:rPr lang="pl-PL" sz="2000" dirty="0">
+                <a:latin typeface="Lucida Console" panose="020B0609040504020204" pitchFamily="49" charset="0"/>
+              </a:rPr>
+              <a:t> = </a:t>
+            </a:r>
+          </a:p>
+          <a:p>
+            <a:pPr marL="109728" indent="0">
+              <a:buNone/>
+            </a:pPr>
+            <a:r>
+              <a:rPr lang="pl-PL" sz="2000" dirty="0" smtClean="0">
+                <a:latin typeface="Lucida Console" panose="020B0609040504020204" pitchFamily="49" charset="0"/>
+              </a:rPr>
+              <a:t>	</a:t>
+            </a:r>
+            <a:r>
+              <a:rPr lang="pl-PL" sz="2000" dirty="0" err="1" smtClean="0">
+                <a:latin typeface="Lucida Console" panose="020B0609040504020204" pitchFamily="49" charset="0"/>
+              </a:rPr>
+              <a:t>ResourceFactory.</a:t>
+            </a:r>
+            <a:r>
+              <a:rPr lang="pl-PL" sz="2000" i="1" dirty="0" err="1" smtClean="0">
+                <a:latin typeface="Lucida Console" panose="020B0609040504020204" pitchFamily="49" charset="0"/>
+              </a:rPr>
+              <a:t>newClassPathResource</a:t>
+            </a:r>
+            <a:r>
+              <a:rPr lang="pl-PL" sz="2000" i="1" dirty="0" smtClean="0">
+                <a:latin typeface="Lucida Console" panose="020B0609040504020204" pitchFamily="49" charset="0"/>
+              </a:rPr>
+              <a:t>(„</a:t>
+            </a:r>
+            <a:r>
+              <a:rPr lang="pl-PL" sz="2000" i="1" dirty="0" err="1" smtClean="0">
+                <a:latin typeface="Lucida Console" panose="020B0609040504020204" pitchFamily="49" charset="0"/>
+              </a:rPr>
+              <a:t>diagnostics.drl</a:t>
+            </a:r>
+            <a:r>
+              <a:rPr lang="pl-PL" sz="2000" i="1" dirty="0" smtClean="0">
+                <a:latin typeface="Lucida Console" panose="020B0609040504020204" pitchFamily="49" charset="0"/>
+              </a:rPr>
+              <a:t>");</a:t>
+            </a:r>
+          </a:p>
+          <a:p>
+            <a:pPr marL="109728" indent="0">
+              <a:buNone/>
+            </a:pPr>
+            <a:endParaRPr lang="pl-PL" sz="2000" i="1" dirty="0">
+              <a:latin typeface="Lucida Console" panose="020B0609040504020204" pitchFamily="49" charset="0"/>
+            </a:endParaRPr>
+          </a:p>
+          <a:p>
+            <a:pPr marL="109728" indent="0">
+              <a:buNone/>
+            </a:pPr>
+            <a:r>
+              <a:rPr lang="pl-PL" sz="2000" dirty="0" err="1">
+                <a:latin typeface="Lucida Console" panose="020B0609040504020204" pitchFamily="49" charset="0"/>
+              </a:rPr>
+              <a:t>knowledgeBuilder.add</a:t>
+            </a:r>
+            <a:r>
+              <a:rPr lang="pl-PL" sz="2000" dirty="0">
+                <a:latin typeface="Lucida Console" panose="020B0609040504020204" pitchFamily="49" charset="0"/>
+              </a:rPr>
+              <a:t>(</a:t>
+            </a:r>
+            <a:r>
+              <a:rPr lang="pl-PL" sz="2000" dirty="0" err="1">
+                <a:latin typeface="Lucida Console" panose="020B0609040504020204" pitchFamily="49" charset="0"/>
+              </a:rPr>
+              <a:t>diagnosticRuleResource</a:t>
+            </a:r>
+            <a:r>
+              <a:rPr lang="pl-PL" sz="2000" dirty="0">
+                <a:latin typeface="Lucida Console" panose="020B0609040504020204" pitchFamily="49" charset="0"/>
+              </a:rPr>
+              <a:t> , </a:t>
+            </a:r>
+            <a:r>
+              <a:rPr lang="pl-PL" sz="2000" dirty="0" smtClean="0">
+                <a:latin typeface="Lucida Console" panose="020B0609040504020204" pitchFamily="49" charset="0"/>
+              </a:rPr>
+              <a:t>	</a:t>
+            </a:r>
+            <a:r>
+              <a:rPr lang="pl-PL" sz="2000" dirty="0" err="1" smtClean="0">
+                <a:latin typeface="Lucida Console" panose="020B0609040504020204" pitchFamily="49" charset="0"/>
+              </a:rPr>
+              <a:t>ResourceType.</a:t>
+            </a:r>
+            <a:r>
+              <a:rPr lang="pl-PL" sz="2000" i="1" dirty="0" err="1" smtClean="0">
+                <a:latin typeface="Lucida Console" panose="020B0609040504020204" pitchFamily="49" charset="0"/>
+              </a:rPr>
+              <a:t>DRL</a:t>
+            </a:r>
+            <a:r>
+              <a:rPr lang="pl-PL" sz="2000" i="1" dirty="0" smtClean="0">
+                <a:latin typeface="Lucida Console" panose="020B0609040504020204" pitchFamily="49" charset="0"/>
+              </a:rPr>
+              <a:t>);</a:t>
+            </a:r>
+            <a:endParaRPr lang="pl-PL" sz="2000" dirty="0">
+              <a:latin typeface="Lucida Console" panose="020B0609040504020204" pitchFamily="49" charset="0"/>
+            </a:endParaRPr>
+          </a:p>
+          <a:p>
+            <a:pPr marL="109728" indent="0">
+              <a:buNone/>
+            </a:pPr>
+            <a:r>
+              <a:rPr lang="pl-PL" sz="2000" dirty="0" err="1">
+                <a:latin typeface="Lucida Console" panose="020B0609040504020204" pitchFamily="49" charset="0"/>
+              </a:rPr>
+              <a:t>if</a:t>
+            </a:r>
+            <a:r>
+              <a:rPr lang="pl-PL" sz="2000" dirty="0">
+                <a:latin typeface="Lucida Console" panose="020B0609040504020204" pitchFamily="49" charset="0"/>
+              </a:rPr>
+              <a:t> (</a:t>
+            </a:r>
+            <a:r>
+              <a:rPr lang="pl-PL" sz="2000" dirty="0" err="1">
+                <a:latin typeface="Lucida Console" panose="020B0609040504020204" pitchFamily="49" charset="0"/>
+              </a:rPr>
+              <a:t>knowledgeBuilder.hasErrors</a:t>
+            </a:r>
+            <a:r>
+              <a:rPr lang="pl-PL" sz="2000" dirty="0">
+                <a:latin typeface="Lucida Console" panose="020B0609040504020204" pitchFamily="49" charset="0"/>
+              </a:rPr>
+              <a:t>()) </a:t>
+            </a:r>
+            <a:r>
+              <a:rPr lang="pl-PL" sz="2000" dirty="0" smtClean="0">
+                <a:latin typeface="Lucida Console" panose="020B0609040504020204" pitchFamily="49" charset="0"/>
+              </a:rPr>
+              <a:t>{</a:t>
+            </a:r>
+          </a:p>
+          <a:p>
+            <a:pPr marL="109728" indent="0">
+              <a:buNone/>
+            </a:pPr>
+            <a:r>
+              <a:rPr lang="pl-PL" sz="2000" dirty="0">
+                <a:latin typeface="Lucida Console" panose="020B0609040504020204" pitchFamily="49" charset="0"/>
+              </a:rPr>
+              <a:t>	</a:t>
+            </a:r>
+            <a:r>
+              <a:rPr lang="pl-PL" sz="2000" dirty="0" smtClean="0">
+                <a:latin typeface="Lucida Console" panose="020B0609040504020204" pitchFamily="49" charset="0"/>
+              </a:rPr>
+              <a:t>//handle </a:t>
+            </a:r>
+            <a:r>
+              <a:rPr lang="pl-PL" sz="2000" dirty="0" err="1" smtClean="0">
+                <a:latin typeface="Lucida Console" panose="020B0609040504020204" pitchFamily="49" charset="0"/>
+              </a:rPr>
+              <a:t>errors</a:t>
+            </a:r>
+            <a:endParaRPr lang="pl-PL" sz="2000" dirty="0">
+              <a:latin typeface="Lucida Console" panose="020B0609040504020204" pitchFamily="49" charset="0"/>
+            </a:endParaRPr>
+          </a:p>
+          <a:p>
+            <a:pPr marL="109728" indent="0">
+              <a:buNone/>
+            </a:pPr>
+            <a:r>
+              <a:rPr lang="pl-PL" sz="2000" dirty="0" smtClean="0">
+                <a:latin typeface="Lucida Console" panose="020B0609040504020204" pitchFamily="49" charset="0"/>
+              </a:rPr>
+              <a:t>}</a:t>
+            </a:r>
+            <a:endParaRPr lang="pl-PL" sz="2000" dirty="0">
+              <a:latin typeface="Lucida Console" panose="020B0609040504020204" pitchFamily="49" charset="0"/>
+            </a:endParaRPr>
+          </a:p>
+          <a:p>
+            <a:pPr marL="109728" indent="0">
+              <a:buNone/>
+            </a:pPr>
+            <a:r>
+              <a:rPr lang="pl-PL" sz="2000" dirty="0" err="1">
+                <a:latin typeface="Lucida Console" panose="020B0609040504020204" pitchFamily="49" charset="0"/>
+              </a:rPr>
+              <a:t>knowledgeBase</a:t>
+            </a:r>
+            <a:r>
+              <a:rPr lang="pl-PL" sz="2000" dirty="0">
+                <a:latin typeface="Lucida Console" panose="020B0609040504020204" pitchFamily="49" charset="0"/>
+              </a:rPr>
+              <a:t> = </a:t>
+            </a:r>
+            <a:r>
+              <a:rPr lang="pl-PL" sz="2000" dirty="0" err="1">
+                <a:latin typeface="Lucida Console" panose="020B0609040504020204" pitchFamily="49" charset="0"/>
+              </a:rPr>
+              <a:t>knowledgeBuilder.newKnowledgeBase</a:t>
+            </a:r>
+            <a:r>
+              <a:rPr lang="pl-PL" sz="2000" dirty="0">
+                <a:latin typeface="Lucida Console" panose="020B0609040504020204" pitchFamily="49" charset="0"/>
+              </a:rPr>
               <a:t>();</a:t>
             </a:r>
-            <a:endParaRPr lang="pl-PL" sz="3600" dirty="0"/>
           </a:p>
         </p:txBody>
       </p:sp>
@@ -5418,11 +5686,15 @@
           <a:p>
             <a:r>
               <a:rPr lang="pl-PL" dirty="0" err="1" smtClean="0"/>
-              <a:t>Fire</a:t>
+              <a:t>Knowlegde</a:t>
             </a:r>
             <a:r>
               <a:rPr lang="pl-PL" dirty="0" smtClean="0"/>
-              <a:t>!</a:t>
+              <a:t> </a:t>
+            </a:r>
+            <a:r>
+              <a:rPr lang="pl-PL" dirty="0" err="1" smtClean="0"/>
+              <a:t>base</a:t>
             </a:r>
             <a:endParaRPr lang="pl-PL" dirty="0"/>
           </a:p>
@@ -5431,7 +5703,7 @@
     </p:spTree>
     <p:extLst>
       <p:ext uri="{BB962C8B-B14F-4D97-AF65-F5344CB8AC3E}">
-        <p14:creationId xmlns:p14="http://schemas.microsoft.com/office/powerpoint/2010/main" val="3589131423"/>
+        <p14:creationId xmlns:p14="http://schemas.microsoft.com/office/powerpoint/2010/main" val="3682385720"/>
       </p:ext>
     </p:extLst>
   </p:cSld>
@@ -5465,55 +5737,121 @@
           <a:chExt cx="0" cy="0"/>
         </a:xfrm>
       </p:grpSpPr>
-      <p:pic>
-        <p:nvPicPr>
-          <p:cNvPr id="4" name="Symbol zastępczy zawartości 3"/>
-          <p:cNvPicPr>
-            <a:picLocks noGrp="1" noChangeAspect="1"/>
-          </p:cNvPicPr>
+      <p:sp>
+        <p:nvSpPr>
+          <p:cNvPr id="2" name="Symbol zastępczy zawartości 1"/>
+          <p:cNvSpPr>
+            <a:spLocks noGrp="1"/>
+          </p:cNvSpPr>
           <p:nvPr>
             <p:ph idx="1"/>
           </p:nvPr>
-        </p:nvPicPr>
-        <p:blipFill>
-          <a:blip r:embed="rId2">
-            <a:extLst>
-              <a:ext uri="{28A0092B-C50C-407E-A947-70E740481C1C}">
-                <a14:useLocalDpi xmlns:a14="http://schemas.microsoft.com/office/drawing/2010/main" val="0"/>
-              </a:ext>
-            </a:extLst>
-          </a:blip>
-          <a:stretch>
-            <a:fillRect/>
-          </a:stretch>
-        </p:blipFill>
-        <p:spPr>
-          <a:xfrm>
-            <a:off x="1043608" y="1417638"/>
-            <a:ext cx="7192878" cy="9851786"/>
-          </a:xfrm>
-        </p:spPr>
-      </p:pic>
-      <p:sp>
-        <p:nvSpPr>
-          <p:cNvPr id="3" name="Tytuł 2"/>
-          <p:cNvSpPr>
-            <a:spLocks noGrp="1"/>
-          </p:cNvSpPr>
-          <p:nvPr>
-            <p:ph type="title"/>
-          </p:nvPr>
         </p:nvSpPr>
         <p:spPr/>
         <p:txBody>
           <a:bodyPr>
-            <a:normAutofit fontScale="90000"/>
+            <a:normAutofit/>
           </a:bodyPr>
           <a:lstStyle/>
           <a:p>
+            <a:pPr marL="109728" indent="0">
+              <a:buNone/>
+            </a:pPr>
+            <a:r>
+              <a:rPr lang="pl-PL" sz="2400" dirty="0" err="1"/>
+              <a:t>StatefulKnowledgeSession</a:t>
+            </a:r>
+            <a:r>
+              <a:rPr lang="pl-PL" sz="2400" dirty="0"/>
+              <a:t> </a:t>
+            </a:r>
+            <a:r>
+              <a:rPr lang="pl-PL" sz="2400" dirty="0" err="1"/>
+              <a:t>session</a:t>
+            </a:r>
+            <a:r>
+              <a:rPr lang="pl-PL" sz="2400" dirty="0"/>
+              <a:t> = </a:t>
+            </a:r>
+            <a:r>
+              <a:rPr lang="pl-PL" sz="2400" dirty="0" smtClean="0"/>
+              <a:t>	</a:t>
+            </a:r>
+            <a:r>
+              <a:rPr lang="pl-PL" sz="2400" dirty="0" err="1" smtClean="0"/>
+              <a:t>knowledgeBase.newStatefulKnowledgeSession</a:t>
+            </a:r>
+            <a:r>
+              <a:rPr lang="pl-PL" sz="2400" dirty="0"/>
+              <a:t>();</a:t>
+            </a:r>
+          </a:p>
+          <a:p>
+            <a:pPr marL="109728" indent="0">
+              <a:buNone/>
+            </a:pPr>
+            <a:r>
+              <a:rPr lang="pl-PL" sz="2400" dirty="0" err="1" smtClean="0"/>
+              <a:t>session.insert</a:t>
+            </a:r>
+            <a:r>
+              <a:rPr lang="pl-PL" sz="2400" dirty="0" smtClean="0"/>
+              <a:t>(</a:t>
+            </a:r>
+            <a:r>
+              <a:rPr lang="pl-PL" sz="2400" dirty="0" err="1" smtClean="0"/>
+              <a:t>new</a:t>
+            </a:r>
+            <a:r>
+              <a:rPr lang="pl-PL" sz="2400" dirty="0" smtClean="0"/>
+              <a:t> </a:t>
+            </a:r>
+            <a:r>
+              <a:rPr lang="pl-PL" sz="2400" dirty="0" err="1"/>
+              <a:t>ChestPain</a:t>
+            </a:r>
+            <a:r>
+              <a:rPr lang="pl-PL" sz="2400" dirty="0"/>
+              <a:t>().</a:t>
+            </a:r>
+            <a:r>
+              <a:rPr lang="pl-PL" sz="2400" dirty="0" err="1"/>
+              <a:t>exists</a:t>
+            </a:r>
+            <a:r>
+              <a:rPr lang="pl-PL" sz="2400" dirty="0" smtClean="0"/>
+              <a:t>());</a:t>
+            </a:r>
+            <a:endParaRPr lang="pl-PL" sz="2400" dirty="0"/>
+          </a:p>
+        </p:txBody>
+      </p:sp>
+      <p:sp>
+        <p:nvSpPr>
+          <p:cNvPr id="3" name="Tytuł 2"/>
+          <p:cNvSpPr>
+            <a:spLocks noGrp="1"/>
+          </p:cNvSpPr>
+          <p:nvPr>
+            <p:ph type="title"/>
+          </p:nvPr>
+        </p:nvSpPr>
+        <p:spPr/>
+        <p:txBody>
+          <a:bodyPr/>
+          <a:lstStyle/>
+          <a:p>
+            <a:r>
+              <a:rPr lang="pl-PL" dirty="0" err="1" smtClean="0"/>
+              <a:t>Stateful</a:t>
+            </a:r>
             <a:r>
               <a:rPr lang="pl-PL" dirty="0" smtClean="0"/>
-              <a:t>Postępowanie w przewlekłej stabilnej dławicy piersiowej</a:t>
+              <a:t> </a:t>
+            </a:r>
+            <a:r>
+              <a:rPr lang="pl-PL" dirty="0" err="1" smtClean="0"/>
+              <a:t>session</a:t>
             </a:r>
             <a:endParaRPr lang="pl-PL" dirty="0"/>
           </a:p>
@@ -5522,7 +5860,7 @@
     </p:spTree>
     <p:extLst>
       <p:ext uri="{BB962C8B-B14F-4D97-AF65-F5344CB8AC3E}">
-        <p14:creationId xmlns:p14="http://schemas.microsoft.com/office/powerpoint/2010/main" val="1186384759"/>
+        <p14:creationId xmlns:p14="http://schemas.microsoft.com/office/powerpoint/2010/main" val="2224023897"/>
       </p:ext>
     </p:extLst>
   </p:cSld>
@@ -5573,220 +5911,36 @@
           </a:bodyPr>
           <a:lstStyle/>
           <a:p>
-            <a:pPr marL="109728" indent="0">
+            <a:pPr marL="109728" indent="0" algn="ctr">
               <a:buNone/>
             </a:pPr>
-            <a:r>
-              <a:rPr lang="pl-PL" sz="1400" dirty="0" smtClean="0"/>
-              <a:t>&lt;</a:t>
-            </a:r>
-            <a:r>
-              <a:rPr lang="pl-PL" sz="1400" dirty="0" err="1" smtClean="0"/>
-              <a:t>change</a:t>
-            </a:r>
-            <a:r>
-              <a:rPr lang="pl-PL" sz="1400" dirty="0" smtClean="0"/>
-              <a:t>-set&gt;</a:t>
-            </a:r>
-            <a:r>
-              <a:rPr lang="pl-PL" sz="1400" dirty="0"/>
-              <a:t/>
-            </a:r>
-            <a:br>
-              <a:rPr lang="pl-PL" sz="1400" dirty="0"/>
-            </a:br>
-            <a:r>
-              <a:rPr lang="pl-PL" sz="1400" dirty="0"/>
-              <a:t>   &lt;</a:t>
-            </a:r>
-            <a:r>
-              <a:rPr lang="pl-PL" sz="1400" dirty="0" err="1"/>
-              <a:t>add</a:t>
-            </a:r>
-            <a:r>
-              <a:rPr lang="pl-PL" sz="1400" dirty="0"/>
-              <a:t>&gt;</a:t>
-            </a:r>
-            <a:r>
-              <a:rPr lang="pl-PL" sz="1400" dirty="0"/>
-              <a:t/>
-            </a:r>
-            <a:br>
-              <a:rPr lang="pl-PL" sz="1400" dirty="0"/>
-            </a:br>
-            <a:r>
-              <a:rPr lang="pl-PL" sz="1400" dirty="0"/>
-              <a:t>       &lt;</a:t>
-            </a:r>
-            <a:r>
-              <a:rPr lang="pl-PL" sz="1400" dirty="0" err="1"/>
-              <a:t>resource</a:t>
-            </a:r>
-            <a:r>
-              <a:rPr lang="pl-PL" sz="1400" dirty="0"/>
-              <a:t> </a:t>
-            </a:r>
-            <a:r>
-              <a:rPr lang="pl-PL" sz="1400" b="1" dirty="0" err="1"/>
-              <a:t>source</a:t>
-            </a:r>
-            <a:r>
-              <a:rPr lang="pl-PL" sz="1400" dirty="0"/>
-              <a:t>=</a:t>
-            </a:r>
-            <a:r>
-              <a:rPr lang="pl-PL" sz="1400" dirty="0" smtClean="0"/>
-              <a:t>'</a:t>
-            </a:r>
-            <a:r>
-              <a:rPr lang="pl-PL" sz="1400" dirty="0" err="1" smtClean="0"/>
-              <a:t>myrules.drl</a:t>
-            </a:r>
-            <a:r>
-              <a:rPr lang="pl-PL" sz="1400" dirty="0"/>
-              <a:t>' </a:t>
-            </a:r>
-            <a:r>
-              <a:rPr lang="pl-PL" sz="1400" b="1" dirty="0" err="1"/>
-              <a:t>type</a:t>
-            </a:r>
-            <a:r>
-              <a:rPr lang="pl-PL" sz="1400" dirty="0"/>
-              <a:t>='DRL' /&gt;</a:t>
-            </a:r>
-            <a:r>
-              <a:rPr lang="pl-PL" sz="1400" dirty="0"/>
-              <a:t/>
-            </a:r>
-            <a:br>
-              <a:rPr lang="pl-PL" sz="1400" dirty="0"/>
-            </a:br>
-            <a:r>
-              <a:rPr lang="pl-PL" sz="1400" dirty="0"/>
-              <a:t>   &lt;/</a:t>
-            </a:r>
-            <a:r>
-              <a:rPr lang="pl-PL" sz="1400" dirty="0" err="1"/>
-              <a:t>add</a:t>
-            </a:r>
-            <a:r>
-              <a:rPr lang="pl-PL" sz="1400" dirty="0"/>
-              <a:t>&gt;</a:t>
-            </a:r>
-            <a:r>
-              <a:rPr lang="pl-PL" sz="1400" dirty="0"/>
-              <a:t/>
-            </a:r>
-            <a:br>
-              <a:rPr lang="pl-PL" sz="1400" dirty="0"/>
-            </a:br>
-            <a:r>
-              <a:rPr lang="pl-PL" sz="1400" dirty="0"/>
-              <a:t> &lt;/</a:t>
-            </a:r>
-            <a:r>
-              <a:rPr lang="pl-PL" sz="1400" dirty="0" err="1"/>
-              <a:t>change</a:t>
-            </a:r>
-            <a:r>
-              <a:rPr lang="pl-PL" sz="1400" dirty="0"/>
-              <a:t>-set</a:t>
-            </a:r>
-            <a:r>
-              <a:rPr lang="pl-PL" sz="1400" dirty="0" smtClean="0"/>
-              <a:t>&gt;</a:t>
-            </a:r>
-          </a:p>
-          <a:p>
-            <a:pPr marL="109728" indent="0">
+            <a:endParaRPr lang="pl-PL" sz="3600" dirty="0" smtClean="0"/>
+          </a:p>
+          <a:p>
+            <a:pPr marL="109728" indent="0" algn="ctr">
               <a:buNone/>
             </a:pPr>
-            <a:endParaRPr lang="pl-PL" sz="1400" dirty="0"/>
-          </a:p>
-          <a:p>
-            <a:pPr marL="109728" indent="0">
+            <a:endParaRPr lang="pl-PL" sz="3600" dirty="0"/>
+          </a:p>
+          <a:p>
+            <a:pPr marL="109728" indent="0" algn="ctr">
               <a:buNone/>
             </a:pPr>
-            <a:r>
-              <a:rPr lang="pl-PL" sz="1400" dirty="0" err="1"/>
-              <a:t>KnowledgeBuilder</a:t>
-            </a:r>
-            <a:r>
-              <a:rPr lang="pl-PL" sz="1400" dirty="0"/>
-              <a:t> </a:t>
-            </a:r>
-            <a:r>
-              <a:rPr lang="pl-PL" sz="1400" dirty="0" err="1"/>
-              <a:t>kbuilder</a:t>
-            </a:r>
-            <a:r>
-              <a:rPr lang="pl-PL" sz="1400" dirty="0"/>
-              <a:t> = </a:t>
-            </a:r>
-            <a:r>
-              <a:rPr lang="pl-PL" sz="1400" dirty="0" err="1"/>
-              <a:t>KnowledgeBuilderFactory.newKnowledgeBuilder</a:t>
-            </a:r>
-            <a:r>
-              <a:rPr lang="pl-PL" sz="1400" dirty="0"/>
-              <a:t>();</a:t>
-            </a:r>
-          </a:p>
-          <a:p>
-            <a:pPr marL="109728" indent="0">
+            <a:endParaRPr lang="pl-PL" sz="3600" dirty="0" smtClean="0"/>
+          </a:p>
+          <a:p>
+            <a:pPr marL="109728" indent="0" algn="ctr">
               <a:buNone/>
             </a:pPr>
             <a:r>
-              <a:rPr lang="pl-PL" sz="1400" dirty="0" err="1" smtClean="0"/>
-              <a:t>kbuilder.add</a:t>
-            </a:r>
-            <a:r>
-              <a:rPr lang="pl-PL" sz="1400" dirty="0"/>
-              <a:t>( </a:t>
-            </a:r>
-            <a:endParaRPr lang="pl-PL" sz="1400" dirty="0" smtClean="0"/>
-          </a:p>
-          <a:p>
-            <a:pPr marL="109728" indent="0">
-              <a:buNone/>
-            </a:pPr>
-            <a:r>
-              <a:rPr lang="pl-PL" sz="1400" dirty="0"/>
-              <a:t>	</a:t>
-            </a:r>
-            <a:r>
-              <a:rPr lang="pl-PL" sz="1400" dirty="0" err="1" smtClean="0"/>
-              <a:t>ResourceFactory.newClasspathResource</a:t>
-            </a:r>
-            <a:r>
-              <a:rPr lang="pl-PL" sz="1400" dirty="0"/>
-              <a:t>( "myChangeSet.xml", </a:t>
-            </a:r>
-            <a:r>
-              <a:rPr lang="pl-PL" sz="1400" dirty="0" err="1"/>
-              <a:t>getClass</a:t>
-            </a:r>
-            <a:r>
-              <a:rPr lang="pl-PL" sz="1400" dirty="0"/>
-              <a:t>() ),</a:t>
-            </a:r>
-          </a:p>
-          <a:p>
-            <a:pPr marL="109728" indent="0">
-              <a:buNone/>
-            </a:pPr>
-            <a:r>
-              <a:rPr lang="pl-PL" sz="1400" dirty="0" smtClean="0"/>
-              <a:t>              </a:t>
-            </a:r>
-            <a:r>
-              <a:rPr lang="pl-PL" sz="1400" dirty="0" err="1"/>
-              <a:t>ResourceType.CHANGE_SET</a:t>
-            </a:r>
-            <a:r>
-              <a:rPr lang="pl-PL" sz="1400" dirty="0"/>
-              <a:t> );</a:t>
-            </a:r>
+              <a:rPr lang="pl-PL" sz="3600" dirty="0" err="1" smtClean="0"/>
+              <a:t>session.fireAllRules</a:t>
+            </a:r>
+            <a:r>
+              <a:rPr lang="pl-PL" sz="3600" dirty="0" smtClean="0"/>
+              <a:t>();</a:t>
+            </a:r>
+            <a:endParaRPr lang="pl-PL" sz="3600" dirty="0"/>
           </a:p>
         </p:txBody>
       </p:sp>
@@ -5807,7 +5961,11 @@
           <a:p>
             <a:r>
               <a:rPr lang="pl-PL" dirty="0" err="1" smtClean="0"/>
-              <a:t>Changesets</a:t>
+              <a:t>Fire</a:t>
+            </a:r>
+            <a:r>
+              <a:rPr lang="pl-PL" dirty="0" smtClean="0"/>
+              <a:t>!</a:t>
             </a:r>
             <a:endParaRPr lang="pl-PL" dirty="0"/>
           </a:p>
@@ -5816,7 +5974,7 @@
     </p:spTree>
     <p:extLst>
       <p:ext uri="{BB962C8B-B14F-4D97-AF65-F5344CB8AC3E}">
-        <p14:creationId xmlns:p14="http://schemas.microsoft.com/office/powerpoint/2010/main" val="2797506274"/>
+        <p14:creationId xmlns:p14="http://schemas.microsoft.com/office/powerpoint/2010/main" val="3589131423"/>
       </p:ext>
     </p:extLst>
   </p:cSld>
@@ -5850,274 +6008,55 @@
           <a:chExt cx="0" cy="0"/>
         </a:xfrm>
       </p:grpSpPr>
-      <p:sp>
-        <p:nvSpPr>
-          <p:cNvPr id="2" name="Symbol zastępczy zawartości 1"/>
-          <p:cNvSpPr>
-            <a:spLocks noGrp="1"/>
-          </p:cNvSpPr>
+      <p:pic>
+        <p:nvPicPr>
+          <p:cNvPr id="4" name="Symbol zastępczy zawartości 3"/>
+          <p:cNvPicPr>
+            <a:picLocks noGrp="1" noChangeAspect="1"/>
+          </p:cNvPicPr>
           <p:nvPr>
             <p:ph idx="1"/>
           </p:nvPr>
+        </p:nvPicPr>
+        <p:blipFill>
+          <a:blip r:embed="rId2">
+            <a:extLst>
+              <a:ext uri="{28A0092B-C50C-407E-A947-70E740481C1C}">
+                <a14:useLocalDpi xmlns:a14="http://schemas.microsoft.com/office/drawing/2010/main" val="0"/>
+              </a:ext>
+            </a:extLst>
+          </a:blip>
+          <a:stretch>
+            <a:fillRect/>
+          </a:stretch>
+        </p:blipFill>
+        <p:spPr>
+          <a:xfrm>
+            <a:off x="1043608" y="1417638"/>
+            <a:ext cx="7192878" cy="9851786"/>
+          </a:xfrm>
+        </p:spPr>
+      </p:pic>
+      <p:sp>
+        <p:nvSpPr>
+          <p:cNvPr id="3" name="Tytuł 2"/>
+          <p:cNvSpPr>
+            <a:spLocks noGrp="1"/>
+          </p:cNvSpPr>
+          <p:nvPr>
+            <p:ph type="title"/>
+          </p:nvPr>
         </p:nvSpPr>
         <p:spPr/>
         <p:txBody>
           <a:bodyPr>
-            <a:normAutofit/>
+            <a:normAutofit fontScale="90000"/>
           </a:bodyPr>
           <a:lstStyle/>
           <a:p>
-            <a:pPr marL="109728" indent="0">
-              <a:buNone/>
-            </a:pPr>
-            <a:r>
-              <a:rPr lang="pl-PL" sz="1600" dirty="0" err="1" smtClean="0">
-                <a:latin typeface="Lucida Console" panose="020B0609040504020204" pitchFamily="49" charset="0"/>
-              </a:rPr>
-              <a:t>KnowledgeAgent</a:t>
-            </a:r>
-            <a:r>
-              <a:rPr lang="pl-PL" sz="1600" dirty="0">
-                <a:latin typeface="Lucida Console" panose="020B0609040504020204" pitchFamily="49" charset="0"/>
-              </a:rPr>
-              <a:t> </a:t>
-            </a:r>
-            <a:r>
-              <a:rPr lang="pl-PL" sz="1600" dirty="0" err="1">
-                <a:latin typeface="Lucida Console" panose="020B0609040504020204" pitchFamily="49" charset="0"/>
-              </a:rPr>
-              <a:t>kagent</a:t>
-            </a:r>
-            <a:r>
-              <a:rPr lang="pl-PL" sz="1600" dirty="0">
-                <a:latin typeface="Lucida Console" panose="020B0609040504020204" pitchFamily="49" charset="0"/>
-              </a:rPr>
-              <a:t> = </a:t>
-            </a:r>
-            <a:endParaRPr lang="pl-PL" sz="1600" dirty="0" smtClean="0">
-              <a:latin typeface="Lucida Console" panose="020B0609040504020204" pitchFamily="49" charset="0"/>
-            </a:endParaRPr>
-          </a:p>
-          <a:p>
-            <a:pPr marL="109728" indent="0">
-              <a:buNone/>
-            </a:pPr>
-            <a:r>
-              <a:rPr lang="pl-PL" sz="1600" dirty="0">
-                <a:latin typeface="Lucida Console" panose="020B0609040504020204" pitchFamily="49" charset="0"/>
-              </a:rPr>
-              <a:t>	</a:t>
-            </a:r>
-            <a:r>
-              <a:rPr lang="pl-PL" sz="1600" dirty="0" err="1" smtClean="0">
-                <a:latin typeface="Lucida Console" panose="020B0609040504020204" pitchFamily="49" charset="0"/>
-              </a:rPr>
-              <a:t>KnowledgeAgentFactory.newKnowledgeAgent</a:t>
-            </a:r>
-            <a:r>
-              <a:rPr lang="pl-PL" sz="1600" dirty="0" smtClean="0">
-                <a:latin typeface="Lucida Console" panose="020B0609040504020204" pitchFamily="49" charset="0"/>
-              </a:rPr>
-              <a:t>("</a:t>
-            </a:r>
-            <a:r>
-              <a:rPr lang="pl-PL" sz="1600" dirty="0" err="1">
-                <a:latin typeface="Lucida Console" panose="020B0609040504020204" pitchFamily="49" charset="0"/>
-              </a:rPr>
-              <a:t>MyAgent</a:t>
-            </a:r>
-            <a:r>
-              <a:rPr lang="pl-PL" sz="1600" dirty="0" smtClean="0">
-                <a:latin typeface="Lucida Console" panose="020B0609040504020204" pitchFamily="49" charset="0"/>
-              </a:rPr>
-              <a:t>"); </a:t>
-            </a:r>
-            <a:r>
-              <a:rPr lang="pl-PL" sz="1600" dirty="0">
-                <a:latin typeface="Lucida Console" panose="020B0609040504020204" pitchFamily="49" charset="0"/>
-              </a:rPr>
-              <a:t/>
-            </a:r>
-            <a:br>
-              <a:rPr lang="pl-PL" sz="1600" dirty="0">
-                <a:latin typeface="Lucida Console" panose="020B0609040504020204" pitchFamily="49" charset="0"/>
-              </a:rPr>
-            </a:br>
-            <a:r>
-              <a:rPr lang="pl-PL" sz="1600" dirty="0" err="1" smtClean="0">
-                <a:latin typeface="Lucida Console" panose="020B0609040504020204" pitchFamily="49" charset="0"/>
-              </a:rPr>
-              <a:t>kagent.applyChangeSet</a:t>
-            </a:r>
-            <a:r>
-              <a:rPr lang="pl-PL" sz="1600" dirty="0" smtClean="0">
-                <a:latin typeface="Lucida Console" panose="020B0609040504020204" pitchFamily="49" charset="0"/>
-              </a:rPr>
-              <a:t>(</a:t>
-            </a:r>
-          </a:p>
-          <a:p>
-            <a:pPr marL="109728" indent="0">
-              <a:buNone/>
-            </a:pPr>
-            <a:r>
-              <a:rPr lang="pl-PL" sz="1600" dirty="0">
-                <a:latin typeface="Lucida Console" panose="020B0609040504020204" pitchFamily="49" charset="0"/>
-              </a:rPr>
-              <a:t>	</a:t>
-            </a:r>
-            <a:r>
-              <a:rPr lang="pl-PL" sz="1600" dirty="0" err="1" smtClean="0">
-                <a:latin typeface="Lucida Console" panose="020B0609040504020204" pitchFamily="49" charset="0"/>
-              </a:rPr>
-              <a:t>ResourceFactory.newUrlResource</a:t>
-            </a:r>
-            <a:r>
-              <a:rPr lang="pl-PL" sz="1600" dirty="0">
-                <a:latin typeface="Lucida Console" panose="020B0609040504020204" pitchFamily="49" charset="0"/>
-              </a:rPr>
-              <a:t>( </a:t>
-            </a:r>
-            <a:r>
-              <a:rPr lang="pl-PL" sz="1600" dirty="0" err="1">
-                <a:latin typeface="Lucida Console" panose="020B0609040504020204" pitchFamily="49" charset="0"/>
-              </a:rPr>
-              <a:t>url</a:t>
-            </a:r>
-            <a:r>
-              <a:rPr lang="pl-PL" sz="1600" dirty="0">
-                <a:latin typeface="Lucida Console" panose="020B0609040504020204" pitchFamily="49" charset="0"/>
-              </a:rPr>
-              <a:t> </a:t>
-            </a:r>
-            <a:r>
-              <a:rPr lang="pl-PL" sz="1600" dirty="0" smtClean="0">
-                <a:latin typeface="Lucida Console" panose="020B0609040504020204" pitchFamily="49" charset="0"/>
-              </a:rPr>
-              <a:t>)); </a:t>
-            </a:r>
-            <a:r>
-              <a:rPr lang="pl-PL" sz="1600" dirty="0">
-                <a:latin typeface="Lucida Console" panose="020B0609040504020204" pitchFamily="49" charset="0"/>
-              </a:rPr>
-              <a:t/>
-            </a:r>
-            <a:br>
-              <a:rPr lang="pl-PL" sz="1600" dirty="0">
-                <a:latin typeface="Lucida Console" panose="020B0609040504020204" pitchFamily="49" charset="0"/>
-              </a:rPr>
-            </a:br>
-            <a:r>
-              <a:rPr lang="pl-PL" sz="1600" dirty="0" err="1">
-                <a:latin typeface="Lucida Console" panose="020B0609040504020204" pitchFamily="49" charset="0"/>
-              </a:rPr>
-              <a:t>KnowledgeBase</a:t>
-            </a:r>
-            <a:r>
-              <a:rPr lang="pl-PL" sz="1600" dirty="0">
-                <a:latin typeface="Lucida Console" panose="020B0609040504020204" pitchFamily="49" charset="0"/>
-              </a:rPr>
-              <a:t> </a:t>
-            </a:r>
-            <a:r>
-              <a:rPr lang="pl-PL" sz="1600" dirty="0" err="1">
-                <a:latin typeface="Lucida Console" panose="020B0609040504020204" pitchFamily="49" charset="0"/>
-              </a:rPr>
-              <a:t>kbase</a:t>
-            </a:r>
-            <a:r>
-              <a:rPr lang="pl-PL" sz="1600" dirty="0">
-                <a:latin typeface="Lucida Console" panose="020B0609040504020204" pitchFamily="49" charset="0"/>
-              </a:rPr>
-              <a:t> = </a:t>
-            </a:r>
-            <a:r>
-              <a:rPr lang="pl-PL" sz="1600" dirty="0" err="1">
-                <a:latin typeface="Lucida Console" panose="020B0609040504020204" pitchFamily="49" charset="0"/>
-              </a:rPr>
-              <a:t>kagent.getKnowledgeBase</a:t>
-            </a:r>
-            <a:r>
-              <a:rPr lang="pl-PL" sz="1600" dirty="0" smtClean="0">
-                <a:latin typeface="Lucida Console" panose="020B0609040504020204" pitchFamily="49" charset="0"/>
-              </a:rPr>
-              <a:t>();</a:t>
-            </a:r>
-          </a:p>
-          <a:p>
-            <a:pPr marL="109728" indent="0">
-              <a:buNone/>
-            </a:pPr>
-            <a:r>
-              <a:rPr lang="pl-PL" sz="1600" dirty="0" err="1">
-                <a:latin typeface="Lucida Console" panose="020B0609040504020204" pitchFamily="49" charset="0"/>
-              </a:rPr>
-              <a:t>ResourceFactory.getResourceChangeNotifierService</a:t>
-            </a:r>
-            <a:r>
-              <a:rPr lang="pl-PL" sz="1600" dirty="0">
-                <a:latin typeface="Lucida Console" panose="020B0609040504020204" pitchFamily="49" charset="0"/>
-              </a:rPr>
-              <a:t>().start(); </a:t>
-            </a:r>
-            <a:br>
-              <a:rPr lang="pl-PL" sz="1600" dirty="0">
-                <a:latin typeface="Lucida Console" panose="020B0609040504020204" pitchFamily="49" charset="0"/>
-              </a:rPr>
-            </a:br>
-            <a:r>
-              <a:rPr lang="pl-PL" sz="1600" dirty="0" err="1">
-                <a:latin typeface="Lucida Console" panose="020B0609040504020204" pitchFamily="49" charset="0"/>
-              </a:rPr>
-              <a:t>ResourceFactory.getResourceChangeScannerService</a:t>
-            </a:r>
-            <a:r>
-              <a:rPr lang="pl-PL" sz="1600" dirty="0">
-                <a:latin typeface="Lucida Console" panose="020B0609040504020204" pitchFamily="49" charset="0"/>
-              </a:rPr>
-              <a:t>().start();</a:t>
-            </a:r>
-          </a:p>
-          <a:p>
-            <a:pPr marL="109728" indent="0">
-              <a:buNone/>
-            </a:pPr>
-            <a:endParaRPr lang="pl-PL" sz="1600" dirty="0" smtClean="0">
-              <a:latin typeface="Lucida Console" panose="020B0609040504020204" pitchFamily="49" charset="0"/>
-            </a:endParaRPr>
-          </a:p>
-          <a:p>
-            <a:pPr marL="109728" indent="0">
-              <a:buNone/>
-            </a:pPr>
-            <a:endParaRPr lang="pl-PL" sz="1600" dirty="0">
-              <a:latin typeface="Lucida Console" panose="020B0609040504020204" pitchFamily="49" charset="0"/>
-            </a:endParaRPr>
-          </a:p>
-        </p:txBody>
-      </p:sp>
-      <p:sp>
-        <p:nvSpPr>
-          <p:cNvPr id="3" name="Tytuł 2"/>
-          <p:cNvSpPr>
-            <a:spLocks noGrp="1"/>
-          </p:cNvSpPr>
-          <p:nvPr>
-            <p:ph type="title"/>
-          </p:nvPr>
-        </p:nvSpPr>
-        <p:spPr/>
-        <p:txBody>
-          <a:bodyPr/>
-          <a:lstStyle/>
-          <a:p>
             <a:r>
               <a:rPr lang="pl-PL" dirty="0" smtClean="0"/>
-              <a:t>Knowledge </a:t>
-            </a:r>
-            <a:r>
-              <a:rPr lang="pl-PL" dirty="0" err="1" smtClean="0"/>
-              <a:t>Agents</a:t>
+              <a:t>Postępowanie w przewlekłej stabilnej dławicy piersiowej</a:t>
             </a:r>
             <a:endParaRPr lang="pl-PL" dirty="0"/>
           </a:p>
@@ -6126,7 +6065,7 @@
     </p:spTree>
     <p:extLst>
       <p:ext uri="{BB962C8B-B14F-4D97-AF65-F5344CB8AC3E}">
-        <p14:creationId xmlns:p14="http://schemas.microsoft.com/office/powerpoint/2010/main" val="3796715107"/>
+        <p14:creationId xmlns:p14="http://schemas.microsoft.com/office/powerpoint/2010/main" val="1186384759"/>
       </p:ext>
     </p:extLst>
   </p:cSld>
@@ -6181,356 +6120,147 @@
               <a:buNone/>
             </a:pPr>
             <a:r>
-              <a:rPr lang="pl-PL" sz="1800" dirty="0">
-                <a:latin typeface="Lucida Console" panose="020B0609040504020204" pitchFamily="49" charset="0"/>
-              </a:rPr>
-              <a:t>[</a:t>
-            </a:r>
-            <a:r>
-              <a:rPr lang="pl-PL" sz="1800" dirty="0" err="1">
-                <a:latin typeface="Lucida Console" panose="020B0609040504020204" pitchFamily="49" charset="0"/>
-              </a:rPr>
-              <a:t>when</a:t>
-            </a:r>
-            <a:r>
-              <a:rPr lang="pl-PL" sz="1800" dirty="0">
-                <a:latin typeface="Lucida Console" panose="020B0609040504020204" pitchFamily="49" charset="0"/>
-              </a:rPr>
-              <a:t>]</a:t>
-            </a:r>
-            <a:r>
-              <a:rPr lang="pl-PL" sz="1800" dirty="0" err="1">
-                <a:latin typeface="Lucida Console" panose="020B0609040504020204" pitchFamily="49" charset="0"/>
-              </a:rPr>
-              <a:t>There</a:t>
-            </a:r>
-            <a:r>
-              <a:rPr lang="pl-PL" sz="1800" dirty="0">
-                <a:latin typeface="Lucida Console" panose="020B0609040504020204" pitchFamily="49" charset="0"/>
-              </a:rPr>
-              <a:t> </a:t>
-            </a:r>
-            <a:r>
-              <a:rPr lang="pl-PL" sz="1800" dirty="0" err="1">
-                <a:latin typeface="Lucida Console" panose="020B0609040504020204" pitchFamily="49" charset="0"/>
-              </a:rPr>
-              <a:t>is</a:t>
-            </a:r>
-            <a:r>
-              <a:rPr lang="pl-PL" sz="1800" dirty="0">
-                <a:latin typeface="Lucida Console" panose="020B0609040504020204" pitchFamily="49" charset="0"/>
-              </a:rPr>
-              <a:t> a person with </a:t>
-            </a:r>
-            <a:r>
-              <a:rPr lang="pl-PL" sz="1800" dirty="0" err="1">
-                <a:latin typeface="Lucida Console" panose="020B0609040504020204" pitchFamily="49" charset="0"/>
-              </a:rPr>
-              <a:t>name</a:t>
-            </a:r>
-            <a:r>
-              <a:rPr lang="pl-PL" sz="1800" dirty="0">
-                <a:latin typeface="Lucida Console" panose="020B0609040504020204" pitchFamily="49" charset="0"/>
-              </a:rPr>
-              <a:t> of </a:t>
-            </a:r>
-            <a:r>
-              <a:rPr lang="pl-PL" sz="1800" dirty="0" smtClean="0">
-                <a:latin typeface="Lucida Console" panose="020B0609040504020204" pitchFamily="49" charset="0"/>
-              </a:rPr>
-              <a:t>"{</a:t>
-            </a:r>
-            <a:r>
-              <a:rPr lang="pl-PL" sz="1800" dirty="0" err="1">
-                <a:latin typeface="Lucida Console" panose="020B0609040504020204" pitchFamily="49" charset="0"/>
-              </a:rPr>
-              <a:t>name</a:t>
-            </a:r>
-            <a:r>
-              <a:rPr lang="pl-PL" sz="1800" dirty="0" smtClean="0">
-                <a:latin typeface="Lucida Console" panose="020B0609040504020204" pitchFamily="49" charset="0"/>
-              </a:rPr>
-              <a:t>}„ = 	Person(</a:t>
-            </a:r>
-            <a:r>
-              <a:rPr lang="pl-PL" sz="1800" dirty="0" err="1" smtClean="0">
-                <a:latin typeface="Lucida Console" panose="020B0609040504020204" pitchFamily="49" charset="0"/>
-              </a:rPr>
-              <a:t>name</a:t>
-            </a:r>
-            <a:r>
-              <a:rPr lang="pl-PL" sz="1800" dirty="0">
-                <a:latin typeface="Lucida Console" panose="020B0609040504020204" pitchFamily="49" charset="0"/>
-              </a:rPr>
-              <a:t>=="{</a:t>
-            </a:r>
-            <a:r>
-              <a:rPr lang="pl-PL" sz="1800" dirty="0" err="1">
-                <a:latin typeface="Lucida Console" panose="020B0609040504020204" pitchFamily="49" charset="0"/>
-              </a:rPr>
-              <a:t>name</a:t>
-            </a:r>
-            <a:r>
-              <a:rPr lang="pl-PL" sz="1800" dirty="0" smtClean="0">
-                <a:latin typeface="Lucida Console" panose="020B0609040504020204" pitchFamily="49" charset="0"/>
-              </a:rPr>
-              <a:t>}")</a:t>
+              <a:rPr lang="pl-PL" sz="1400" dirty="0" smtClean="0"/>
+              <a:t>&lt;</a:t>
+            </a:r>
+            <a:r>
+              <a:rPr lang="pl-PL" sz="1400" dirty="0" err="1" smtClean="0"/>
+              <a:t>change</a:t>
+            </a:r>
+            <a:r>
+              <a:rPr lang="pl-PL" sz="1400" dirty="0" smtClean="0"/>
+              <a:t>-set&gt;</a:t>
+            </a:r>
+            <a:r>
+              <a:rPr lang="pl-PL" sz="1400" dirty="0"/>
+              <a:t/>
+            </a:r>
+            <a:br>
+              <a:rPr lang="pl-PL" sz="1400" dirty="0"/>
+            </a:br>
+            <a:r>
+              <a:rPr lang="pl-PL" sz="1400" dirty="0"/>
+              <a:t>   &lt;</a:t>
+            </a:r>
+            <a:r>
+              <a:rPr lang="pl-PL" sz="1400" dirty="0" err="1"/>
+              <a:t>add</a:t>
+            </a:r>
+            <a:r>
+              <a:rPr lang="pl-PL" sz="1400" dirty="0"/>
+              <a:t>&gt;</a:t>
+            </a:r>
+            <a:br>
+              <a:rPr lang="pl-PL" sz="1400" dirty="0"/>
+            </a:br>
+            <a:r>
+              <a:rPr lang="pl-PL" sz="1400" dirty="0"/>
+              <a:t>       &lt;</a:t>
+            </a:r>
+            <a:r>
+              <a:rPr lang="pl-PL" sz="1400" dirty="0" err="1"/>
+              <a:t>resource</a:t>
+            </a:r>
+            <a:r>
+              <a:rPr lang="pl-PL" sz="1400" dirty="0"/>
+              <a:t> </a:t>
+            </a:r>
+            <a:r>
+              <a:rPr lang="pl-PL" sz="1400" b="1" dirty="0" err="1"/>
+              <a:t>source</a:t>
+            </a:r>
+            <a:r>
+              <a:rPr lang="pl-PL" sz="1400" dirty="0"/>
+              <a:t>=</a:t>
+            </a:r>
+            <a:r>
+              <a:rPr lang="pl-PL" sz="1400" dirty="0" smtClean="0"/>
+              <a:t>'</a:t>
+            </a:r>
+            <a:r>
+              <a:rPr lang="pl-PL" sz="1400" dirty="0" err="1" smtClean="0"/>
+              <a:t>myrules.drl</a:t>
+            </a:r>
+            <a:r>
+              <a:rPr lang="pl-PL" sz="1400" dirty="0"/>
+              <a:t>' </a:t>
+            </a:r>
+            <a:r>
+              <a:rPr lang="pl-PL" sz="1400" b="1" dirty="0" err="1"/>
+              <a:t>type</a:t>
+            </a:r>
+            <a:r>
+              <a:rPr lang="pl-PL" sz="1400" dirty="0"/>
+              <a:t>='DRL' /&gt;</a:t>
+            </a:r>
+            <a:br>
+              <a:rPr lang="pl-PL" sz="1400" dirty="0"/>
+            </a:br>
+            <a:r>
+              <a:rPr lang="pl-PL" sz="1400" dirty="0"/>
+              <a:t>   &lt;/</a:t>
+            </a:r>
+            <a:r>
+              <a:rPr lang="pl-PL" sz="1400" dirty="0" err="1"/>
+              <a:t>add</a:t>
+            </a:r>
+            <a:r>
+              <a:rPr lang="pl-PL" sz="1400" dirty="0"/>
+              <a:t>&gt;</a:t>
+            </a:r>
+            <a:br>
+              <a:rPr lang="pl-PL" sz="1400" dirty="0"/>
+            </a:br>
+            <a:r>
+              <a:rPr lang="pl-PL" sz="1400" dirty="0"/>
+              <a:t> &lt;/</a:t>
+            </a:r>
+            <a:r>
+              <a:rPr lang="pl-PL" sz="1400" dirty="0" err="1"/>
+              <a:t>change</a:t>
+            </a:r>
+            <a:r>
+              <a:rPr lang="pl-PL" sz="1400" dirty="0"/>
+              <a:t>-set</a:t>
+            </a:r>
+            <a:r>
+              <a:rPr lang="pl-PL" sz="1400" dirty="0" smtClean="0"/>
+              <a:t>&gt;</a:t>
             </a:r>
           </a:p>
           <a:p>
             <a:pPr marL="109728" indent="0">
               <a:buNone/>
             </a:pPr>
-            <a:r>
-              <a:rPr lang="pl-PL" sz="1800" dirty="0" smtClean="0">
-                <a:latin typeface="Lucida Console" panose="020B0609040504020204" pitchFamily="49" charset="0"/>
-              </a:rPr>
-              <a:t>[</a:t>
-            </a:r>
-            <a:r>
-              <a:rPr lang="pl-PL" sz="1800" dirty="0" err="1">
-                <a:latin typeface="Lucida Console" panose="020B0609040504020204" pitchFamily="49" charset="0"/>
-              </a:rPr>
-              <a:t>when</a:t>
-            </a:r>
-            <a:r>
-              <a:rPr lang="pl-PL" sz="1800" dirty="0">
-                <a:latin typeface="Lucida Console" panose="020B0609040504020204" pitchFamily="49" charset="0"/>
-              </a:rPr>
-              <a:t>]Person </a:t>
-            </a:r>
-            <a:r>
-              <a:rPr lang="pl-PL" sz="1800" dirty="0" err="1">
-                <a:latin typeface="Lucida Console" panose="020B0609040504020204" pitchFamily="49" charset="0"/>
-              </a:rPr>
-              <a:t>is</a:t>
-            </a:r>
-            <a:r>
-              <a:rPr lang="pl-PL" sz="1800" dirty="0">
-                <a:latin typeface="Lucida Console" panose="020B0609040504020204" pitchFamily="49" charset="0"/>
-              </a:rPr>
-              <a:t> </a:t>
-            </a:r>
-            <a:r>
-              <a:rPr lang="pl-PL" sz="1800" dirty="0" err="1">
-                <a:latin typeface="Lucida Console" panose="020B0609040504020204" pitchFamily="49" charset="0"/>
-              </a:rPr>
-              <a:t>at</a:t>
-            </a:r>
-            <a:r>
-              <a:rPr lang="pl-PL" sz="1800" dirty="0">
-                <a:latin typeface="Lucida Console" panose="020B0609040504020204" pitchFamily="49" charset="0"/>
-              </a:rPr>
-              <a:t> </a:t>
-            </a:r>
-            <a:r>
-              <a:rPr lang="pl-PL" sz="1800" dirty="0" err="1">
-                <a:latin typeface="Lucida Console" panose="020B0609040504020204" pitchFamily="49" charset="0"/>
-              </a:rPr>
-              <a:t>least</a:t>
-            </a:r>
-            <a:r>
-              <a:rPr lang="pl-PL" sz="1800" dirty="0">
-                <a:latin typeface="Lucida Console" panose="020B0609040504020204" pitchFamily="49" charset="0"/>
-              </a:rPr>
-              <a:t> {</a:t>
-            </a:r>
-            <a:r>
-              <a:rPr lang="pl-PL" sz="1800" dirty="0" err="1">
-                <a:latin typeface="Lucida Console" panose="020B0609040504020204" pitchFamily="49" charset="0"/>
-              </a:rPr>
-              <a:t>age</a:t>
-            </a:r>
-            <a:r>
-              <a:rPr lang="pl-PL" sz="1800" dirty="0">
-                <a:latin typeface="Lucida Console" panose="020B0609040504020204" pitchFamily="49" charset="0"/>
-              </a:rPr>
-              <a:t>} </a:t>
-            </a:r>
-            <a:r>
-              <a:rPr lang="pl-PL" sz="1800" dirty="0" err="1">
-                <a:latin typeface="Lucida Console" panose="020B0609040504020204" pitchFamily="49" charset="0"/>
-              </a:rPr>
-              <a:t>years</a:t>
-            </a:r>
-            <a:r>
-              <a:rPr lang="pl-PL" sz="1800" dirty="0">
-                <a:latin typeface="Lucida Console" panose="020B0609040504020204" pitchFamily="49" charset="0"/>
-              </a:rPr>
-              <a:t> </a:t>
-            </a:r>
-            <a:r>
-              <a:rPr lang="pl-PL" sz="1800" dirty="0" err="1">
-                <a:latin typeface="Lucida Console" panose="020B0609040504020204" pitchFamily="49" charset="0"/>
-              </a:rPr>
-              <a:t>old</a:t>
-            </a:r>
-            <a:r>
-              <a:rPr lang="pl-PL" sz="1800" dirty="0">
-                <a:latin typeface="Lucida Console" panose="020B0609040504020204" pitchFamily="49" charset="0"/>
-              </a:rPr>
-              <a:t> and </a:t>
-            </a:r>
-            <a:r>
-              <a:rPr lang="pl-PL" sz="1800" dirty="0" err="1">
-                <a:latin typeface="Lucida Console" panose="020B0609040504020204" pitchFamily="49" charset="0"/>
-              </a:rPr>
-              <a:t>lives</a:t>
-            </a:r>
-            <a:r>
-              <a:rPr lang="pl-PL" sz="1800" dirty="0">
-                <a:latin typeface="Lucida Console" panose="020B0609040504020204" pitchFamily="49" charset="0"/>
-              </a:rPr>
-              <a:t> </a:t>
-            </a:r>
-            <a:r>
-              <a:rPr lang="pl-PL" sz="1800" dirty="0" smtClean="0">
-                <a:latin typeface="Lucida Console" panose="020B0609040504020204" pitchFamily="49" charset="0"/>
-              </a:rPr>
-              <a:t>	in </a:t>
-            </a:r>
-            <a:r>
-              <a:rPr lang="pl-PL" sz="1800" dirty="0">
-                <a:latin typeface="Lucida Console" panose="020B0609040504020204" pitchFamily="49" charset="0"/>
-              </a:rPr>
-              <a:t>"{</a:t>
-            </a:r>
-            <a:r>
-              <a:rPr lang="pl-PL" sz="1800" dirty="0" err="1">
-                <a:latin typeface="Lucida Console" panose="020B0609040504020204" pitchFamily="49" charset="0"/>
-              </a:rPr>
-              <a:t>location</a:t>
-            </a:r>
-            <a:r>
-              <a:rPr lang="pl-PL" sz="1800" dirty="0" smtClean="0">
-                <a:latin typeface="Lucida Console" panose="020B0609040504020204" pitchFamily="49" charset="0"/>
-              </a:rPr>
-              <a:t>}” = </a:t>
-            </a:r>
-            <a:r>
-              <a:rPr lang="pl-PL" sz="1800" dirty="0">
-                <a:latin typeface="Lucida Console" panose="020B0609040504020204" pitchFamily="49" charset="0"/>
-              </a:rPr>
-              <a:t>Person(</a:t>
-            </a:r>
-            <a:r>
-              <a:rPr lang="pl-PL" sz="1800" dirty="0" err="1">
-                <a:latin typeface="Lucida Console" panose="020B0609040504020204" pitchFamily="49" charset="0"/>
-              </a:rPr>
-              <a:t>age</a:t>
-            </a:r>
-            <a:r>
-              <a:rPr lang="pl-PL" sz="1800" dirty="0">
-                <a:latin typeface="Lucida Console" panose="020B0609040504020204" pitchFamily="49" charset="0"/>
-              </a:rPr>
-              <a:t> &gt;= {</a:t>
-            </a:r>
-            <a:r>
-              <a:rPr lang="pl-PL" sz="1800" dirty="0" err="1">
-                <a:latin typeface="Lucida Console" panose="020B0609040504020204" pitchFamily="49" charset="0"/>
-              </a:rPr>
-              <a:t>age</a:t>
-            </a:r>
-            <a:r>
-              <a:rPr lang="pl-PL" sz="1800" dirty="0">
-                <a:latin typeface="Lucida Console" panose="020B0609040504020204" pitchFamily="49" charset="0"/>
-              </a:rPr>
-              <a:t>}, </a:t>
-            </a:r>
-            <a:r>
-              <a:rPr lang="pl-PL" sz="1800" dirty="0" smtClean="0">
-                <a:latin typeface="Lucida Console" panose="020B0609040504020204" pitchFamily="49" charset="0"/>
-              </a:rPr>
-              <a:t>	</a:t>
-            </a:r>
-            <a:r>
-              <a:rPr lang="pl-PL" sz="1800" dirty="0" err="1" smtClean="0">
-                <a:latin typeface="Lucida Console" panose="020B0609040504020204" pitchFamily="49" charset="0"/>
-              </a:rPr>
-              <a:t>location</a:t>
-            </a:r>
-            <a:r>
-              <a:rPr lang="pl-PL" sz="1800" dirty="0">
-                <a:latin typeface="Lucida Console" panose="020B0609040504020204" pitchFamily="49" charset="0"/>
-              </a:rPr>
-              <a:t>=="{</a:t>
-            </a:r>
-            <a:r>
-              <a:rPr lang="pl-PL" sz="1800" dirty="0" err="1">
-                <a:latin typeface="Lucida Console" panose="020B0609040504020204" pitchFamily="49" charset="0"/>
-              </a:rPr>
-              <a:t>location</a:t>
-            </a:r>
-            <a:r>
-              <a:rPr lang="pl-PL" sz="1800" dirty="0" smtClean="0">
-                <a:latin typeface="Lucida Console" panose="020B0609040504020204" pitchFamily="49" charset="0"/>
-              </a:rPr>
-              <a:t>}")</a:t>
-            </a:r>
+            <a:endParaRPr lang="pl-PL" sz="1400" dirty="0"/>
           </a:p>
           <a:p>
             <a:pPr marL="109728" indent="0">
               <a:buNone/>
             </a:pPr>
             <a:r>
-              <a:rPr lang="pl-PL" sz="1800" dirty="0" smtClean="0">
-                <a:latin typeface="Lucida Console" panose="020B0609040504020204" pitchFamily="49" charset="0"/>
-              </a:rPr>
-              <a:t>[</a:t>
-            </a:r>
-            <a:r>
-              <a:rPr lang="pl-PL" sz="1800" dirty="0" err="1">
-                <a:latin typeface="Lucida Console" panose="020B0609040504020204" pitchFamily="49" charset="0"/>
-              </a:rPr>
-              <a:t>then</a:t>
-            </a:r>
-            <a:r>
-              <a:rPr lang="pl-PL" sz="1800" dirty="0">
-                <a:latin typeface="Lucida Console" panose="020B0609040504020204" pitchFamily="49" charset="0"/>
-              </a:rPr>
-              <a:t>]Log </a:t>
-            </a:r>
-            <a:r>
-              <a:rPr lang="pl-PL" sz="1800" dirty="0" smtClean="0">
-                <a:latin typeface="Lucida Console" panose="020B0609040504020204" pitchFamily="49" charset="0"/>
-              </a:rPr>
-              <a:t>"{</a:t>
-            </a:r>
-            <a:r>
-              <a:rPr lang="pl-PL" sz="1800" dirty="0" err="1">
-                <a:latin typeface="Lucida Console" panose="020B0609040504020204" pitchFamily="49" charset="0"/>
-              </a:rPr>
-              <a:t>message</a:t>
-            </a:r>
-            <a:r>
-              <a:rPr lang="pl-PL" sz="1800" dirty="0" smtClean="0">
-                <a:latin typeface="Lucida Console" panose="020B0609040504020204" pitchFamily="49" charset="0"/>
-              </a:rPr>
-              <a:t>}„ = 	</a:t>
-            </a:r>
-            <a:r>
-              <a:rPr lang="pl-PL" sz="1800" dirty="0" err="1" smtClean="0">
-                <a:latin typeface="Lucida Console" panose="020B0609040504020204" pitchFamily="49" charset="0"/>
-              </a:rPr>
-              <a:t>System.out.println</a:t>
-            </a:r>
-            <a:r>
-              <a:rPr lang="pl-PL" sz="1800" dirty="0">
-                <a:latin typeface="Lucida Console" panose="020B0609040504020204" pitchFamily="49" charset="0"/>
-              </a:rPr>
-              <a:t>("{</a:t>
-            </a:r>
-            <a:r>
-              <a:rPr lang="pl-PL" sz="1800" dirty="0" err="1">
-                <a:latin typeface="Lucida Console" panose="020B0609040504020204" pitchFamily="49" charset="0"/>
-              </a:rPr>
-              <a:t>message</a:t>
-            </a:r>
-            <a:r>
-              <a:rPr lang="pl-PL" sz="1800" dirty="0" smtClean="0">
-                <a:latin typeface="Lucida Console" panose="020B0609040504020204" pitchFamily="49" charset="0"/>
-              </a:rPr>
-              <a:t>}");</a:t>
+              <a:rPr lang="pl-PL" sz="1400" dirty="0" err="1"/>
+              <a:t>KnowledgeBuilder</a:t>
+            </a:r>
+            <a:r>
+              <a:rPr lang="pl-PL" sz="1400" dirty="0"/>
+              <a:t> </a:t>
+            </a:r>
+            <a:r>
+              <a:rPr lang="pl-PL" sz="1400" dirty="0" err="1"/>
+              <a:t>kbuilder</a:t>
+            </a:r>
+            <a:r>
+              <a:rPr lang="pl-PL" sz="1400" dirty="0"/>
+              <a:t> = </a:t>
+            </a:r>
+            <a:r>
+              <a:rPr lang="pl-PL" sz="1400" dirty="0" err="1"/>
+              <a:t>KnowledgeBuilderFactory.newKnowledgeBuilder</a:t>
+            </a:r>
+            <a:r>
+              <a:rPr lang="pl-PL" sz="1400" dirty="0"/>
+              <a:t>();</a:t>
             </a:r>
           </a:p>
           <a:p>
@@ -6538,31 +6268,56 @@
               <a:buNone/>
             </a:pPr>
             <a:r>
-              <a:rPr lang="pl-PL" sz="1800" dirty="0" smtClean="0">
-                <a:latin typeface="Lucida Console" panose="020B0609040504020204" pitchFamily="49" charset="0"/>
-              </a:rPr>
-              <a:t>[</a:t>
-            </a:r>
-            <a:r>
-              <a:rPr lang="pl-PL" sz="1800" dirty="0" err="1">
-                <a:latin typeface="Lucida Console" panose="020B0609040504020204" pitchFamily="49" charset="0"/>
-              </a:rPr>
-              <a:t>when</a:t>
-            </a:r>
-            <a:r>
-              <a:rPr lang="pl-PL" sz="1800" dirty="0">
-                <a:latin typeface="Lucida Console" panose="020B0609040504020204" pitchFamily="49" charset="0"/>
-              </a:rPr>
-              <a:t>]And = and</a:t>
-            </a:r>
+              <a:rPr lang="pl-PL" sz="1400" dirty="0" err="1" smtClean="0"/>
+              <a:t>kbuilder.add</a:t>
+            </a:r>
+            <a:r>
+              <a:rPr lang="pl-PL" sz="1400" dirty="0"/>
+              <a:t>( </a:t>
+            </a:r>
+            <a:endParaRPr lang="pl-PL" sz="1400" dirty="0" smtClean="0"/>
           </a:p>
           <a:p>
             <a:pPr marL="109728" indent="0">
               <a:buNone/>
             </a:pPr>
-            <a:endParaRPr lang="pl-PL" sz="1800" dirty="0">
-              <a:latin typeface="Lucida Console" panose="020B0609040504020204" pitchFamily="49" charset="0"/>
-            </a:endParaRPr>
+            <a:r>
+              <a:rPr lang="pl-PL" sz="1400" dirty="0"/>
+              <a:t>	</a:t>
+            </a:r>
+            <a:r>
+              <a:rPr lang="pl-PL" sz="1400" dirty="0" err="1" smtClean="0"/>
+              <a:t>ResourceFactory.newClasspathResource</a:t>
+            </a:r>
+            <a:r>
+              <a:rPr lang="pl-PL" sz="1400" dirty="0"/>
+              <a:t>( "myChangeSet.xml", </a:t>
+            </a:r>
+            <a:r>
+              <a:rPr lang="pl-PL" sz="1400" dirty="0" err="1"/>
+              <a:t>getClass</a:t>
+            </a:r>
+            <a:r>
+              <a:rPr lang="pl-PL" sz="1400" dirty="0"/>
+              <a:t>() ),</a:t>
+            </a:r>
+          </a:p>
+          <a:p>
+            <a:pPr marL="109728" indent="0">
+              <a:buNone/>
+            </a:pPr>
+            <a:r>
+              <a:rPr lang="pl-PL" sz="1400" dirty="0" smtClean="0"/>
+              <a:t>              </a:t>
+            </a:r>
+            <a:r>
+              <a:rPr lang="pl-PL" sz="1400" dirty="0" err="1"/>
+              <a:t>ResourceType.CHANGE_SET</a:t>
+            </a:r>
+            <a:r>
+              <a:rPr lang="pl-PL" sz="1400" dirty="0"/>
+              <a:t> );</a:t>
+            </a:r>
           </a:p>
         </p:txBody>
       </p:sp>
@@ -6582,24 +6337,8 @@
           <a:lstStyle/>
           <a:p>
             <a:r>
-              <a:rPr lang="pl-PL" dirty="0" err="1"/>
-              <a:t>Domain</a:t>
-            </a:r>
-            <a:r>
-              <a:rPr lang="pl-PL" dirty="0"/>
-              <a:t> </a:t>
-            </a:r>
-            <a:r>
-              <a:rPr lang="pl-PL" dirty="0" err="1"/>
-              <a:t>Specific</a:t>
-            </a:r>
-            <a:r>
-              <a:rPr lang="pl-PL" dirty="0"/>
-              <a:t> </a:t>
-            </a:r>
-            <a:r>
-              <a:rPr lang="pl-PL" dirty="0" err="1"/>
-              <a:t>Languages</a:t>
+              <a:rPr lang="pl-PL" dirty="0" err="1" smtClean="0"/>
+              <a:t>Changesets</a:t>
             </a:r>
             <a:endParaRPr lang="pl-PL" dirty="0"/>
           </a:p>
@@ -6608,7 +6347,7 @@
     </p:spTree>
     <p:extLst>
       <p:ext uri="{BB962C8B-B14F-4D97-AF65-F5344CB8AC3E}">
-        <p14:creationId xmlns:p14="http://schemas.microsoft.com/office/powerpoint/2010/main" val="1952145853"/>
+        <p14:creationId xmlns:p14="http://schemas.microsoft.com/office/powerpoint/2010/main" val="2797506274"/>
       </p:ext>
     </p:extLst>
   </p:cSld>
@@ -6655,7 +6394,7 @@
         <p:spPr/>
         <p:txBody>
           <a:bodyPr>
-            <a:normAutofit fontScale="55000" lnSpcReduction="20000"/>
+            <a:normAutofit/>
           </a:bodyPr>
           <a:lstStyle/>
           <a:p>
@@ -6663,408 +6402,30 @@
               <a:buNone/>
             </a:pPr>
             <a:r>
-              <a:rPr lang="pl-PL" dirty="0">
-                <a:latin typeface="Lucida Console" panose="020B0609040504020204" pitchFamily="49" charset="0"/>
-              </a:rPr>
-              <a:t>Environment </a:t>
-            </a:r>
-            <a:r>
-              <a:rPr lang="pl-PL" dirty="0" err="1">
-                <a:latin typeface="Lucida Console" panose="020B0609040504020204" pitchFamily="49" charset="0"/>
-              </a:rPr>
-              <a:t>env</a:t>
-            </a:r>
-            <a:r>
-              <a:rPr lang="pl-PL" dirty="0">
+              <a:rPr lang="pl-PL" sz="1600" dirty="0" err="1" smtClean="0">
+                <a:latin typeface="Lucida Console" panose="020B0609040504020204" pitchFamily="49" charset="0"/>
+              </a:rPr>
+              <a:t>KnowledgeAgent</a:t>
+            </a:r>
+            <a:r>
+              <a:rPr lang="pl-PL" sz="1600" dirty="0">
+                <a:latin typeface="Lucida Console" panose="020B0609040504020204" pitchFamily="49" charset="0"/>
+              </a:rPr>
+              <a:t> </a:t>
+            </a:r>
+            <a:r>
+              <a:rPr lang="pl-PL" sz="1600" dirty="0" err="1">
+                <a:latin typeface="Lucida Console" panose="020B0609040504020204" pitchFamily="49" charset="0"/>
+              </a:rPr>
+              <a:t>kagent</a:t>
+            </a:r>
+            <a:r>
+              <a:rPr lang="pl-PL" sz="1600" dirty="0">
                 <a:latin typeface="Lucida Console" panose="020B0609040504020204" pitchFamily="49" charset="0"/>
               </a:rPr>
               <a:t> = </a:t>
             </a:r>
-            <a:r>
-              <a:rPr lang="pl-PL" dirty="0" err="1">
-                <a:latin typeface="Lucida Console" panose="020B0609040504020204" pitchFamily="49" charset="0"/>
-              </a:rPr>
-              <a:t>KnowledgeBaseFactory.newEnvironment</a:t>
-            </a:r>
-            <a:r>
-              <a:rPr lang="pl-PL" dirty="0">
-                <a:latin typeface="Lucida Console" panose="020B0609040504020204" pitchFamily="49" charset="0"/>
-              </a:rPr>
-              <a:t>(); </a:t>
-            </a:r>
-            <a:br>
-              <a:rPr lang="pl-PL" dirty="0">
-                <a:latin typeface="Lucida Console" panose="020B0609040504020204" pitchFamily="49" charset="0"/>
-              </a:rPr>
-            </a:br>
-            <a:r>
-              <a:rPr lang="pl-PL" dirty="0" err="1">
-                <a:latin typeface="Lucida Console" panose="020B0609040504020204" pitchFamily="49" charset="0"/>
-              </a:rPr>
-              <a:t>env.set</a:t>
-            </a:r>
-            <a:r>
-              <a:rPr lang="pl-PL" dirty="0">
-                <a:latin typeface="Lucida Console" panose="020B0609040504020204" pitchFamily="49" charset="0"/>
-              </a:rPr>
-              <a:t>( </a:t>
-            </a:r>
-            <a:r>
-              <a:rPr lang="pl-PL" dirty="0" err="1">
-                <a:latin typeface="Lucida Console" panose="020B0609040504020204" pitchFamily="49" charset="0"/>
-              </a:rPr>
-              <a:t>EnvironmentName.ENTITY_MANAGER_FACTORY</a:t>
-            </a:r>
-            <a:r>
-              <a:rPr lang="pl-PL" dirty="0">
-                <a:latin typeface="Lucida Console" panose="020B0609040504020204" pitchFamily="49" charset="0"/>
-              </a:rPr>
-              <a:t>, </a:t>
-            </a:r>
-            <a:br>
-              <a:rPr lang="pl-PL" dirty="0">
-                <a:latin typeface="Lucida Console" panose="020B0609040504020204" pitchFamily="49" charset="0"/>
-              </a:rPr>
-            </a:br>
-            <a:r>
-              <a:rPr lang="pl-PL" dirty="0">
-                <a:latin typeface="Lucida Console" panose="020B0609040504020204" pitchFamily="49" charset="0"/>
-              </a:rPr>
-              <a:t>         </a:t>
-            </a:r>
-            <a:r>
-              <a:rPr lang="pl-PL" dirty="0" err="1">
-                <a:latin typeface="Lucida Console" panose="020B0609040504020204" pitchFamily="49" charset="0"/>
-              </a:rPr>
-              <a:t>Persistence.createEntityManagerFactory</a:t>
-            </a:r>
-            <a:r>
-              <a:rPr lang="pl-PL" dirty="0">
-                <a:latin typeface="Lucida Console" panose="020B0609040504020204" pitchFamily="49" charset="0"/>
-              </a:rPr>
-              <a:t>( "</a:t>
-            </a:r>
-            <a:r>
-              <a:rPr lang="pl-PL" dirty="0" err="1">
-                <a:latin typeface="Lucida Console" panose="020B0609040504020204" pitchFamily="49" charset="0"/>
-              </a:rPr>
-              <a:t>emf-name</a:t>
-            </a:r>
-            <a:r>
-              <a:rPr lang="pl-PL" dirty="0">
-                <a:latin typeface="Lucida Console" panose="020B0609040504020204" pitchFamily="49" charset="0"/>
-              </a:rPr>
-              <a:t>" ) ); </a:t>
-            </a:r>
-            <a:br>
-              <a:rPr lang="pl-PL" dirty="0">
-                <a:latin typeface="Lucida Console" panose="020B0609040504020204" pitchFamily="49" charset="0"/>
-              </a:rPr>
-            </a:br>
-            <a:r>
-              <a:rPr lang="pl-PL" dirty="0" err="1">
-                <a:latin typeface="Lucida Console" panose="020B0609040504020204" pitchFamily="49" charset="0"/>
-              </a:rPr>
-              <a:t>env.set</a:t>
-            </a:r>
-            <a:r>
-              <a:rPr lang="pl-PL" dirty="0">
-                <a:latin typeface="Lucida Console" panose="020B0609040504020204" pitchFamily="49" charset="0"/>
-              </a:rPr>
-              <a:t>( </a:t>
-            </a:r>
-            <a:r>
-              <a:rPr lang="pl-PL" dirty="0" err="1">
-                <a:latin typeface="Lucida Console" panose="020B0609040504020204" pitchFamily="49" charset="0"/>
-              </a:rPr>
-              <a:t>EnvironmentName.TRANSACTION_MANAGER</a:t>
-            </a:r>
-            <a:r>
-              <a:rPr lang="pl-PL" dirty="0">
-                <a:latin typeface="Lucida Console" panose="020B0609040504020204" pitchFamily="49" charset="0"/>
-              </a:rPr>
-              <a:t>, </a:t>
-            </a:r>
-            <a:br>
-              <a:rPr lang="pl-PL" dirty="0">
-                <a:latin typeface="Lucida Console" panose="020B0609040504020204" pitchFamily="49" charset="0"/>
-              </a:rPr>
-            </a:br>
-            <a:r>
-              <a:rPr lang="pl-PL" dirty="0">
-                <a:latin typeface="Lucida Console" panose="020B0609040504020204" pitchFamily="49" charset="0"/>
-              </a:rPr>
-              <a:t>         </a:t>
-            </a:r>
-            <a:r>
-              <a:rPr lang="pl-PL" dirty="0" err="1">
-                <a:latin typeface="Lucida Console" panose="020B0609040504020204" pitchFamily="49" charset="0"/>
-              </a:rPr>
-              <a:t>TransactionManagerServices.getTransactionManager</a:t>
-            </a:r>
-            <a:r>
-              <a:rPr lang="pl-PL" dirty="0">
-                <a:latin typeface="Lucida Console" panose="020B0609040504020204" pitchFamily="49" charset="0"/>
-              </a:rPr>
-              <a:t>() ); </a:t>
-            </a:r>
-            <a:br>
-              <a:rPr lang="pl-PL" dirty="0">
-                <a:latin typeface="Lucida Console" panose="020B0609040504020204" pitchFamily="49" charset="0"/>
-              </a:rPr>
-            </a:br>
-            <a:r>
-              <a:rPr lang="pl-PL" dirty="0">
-                <a:latin typeface="Lucida Console" panose="020B0609040504020204" pitchFamily="49" charset="0"/>
-              </a:rPr>
-              <a:t>           </a:t>
-            </a:r>
-            <a:r>
-              <a:rPr lang="pl-PL" dirty="0" smtClean="0">
-                <a:latin typeface="Lucida Console" panose="020B0609040504020204" pitchFamily="49" charset="0"/>
-              </a:rPr>
-              <a:t/>
-            </a:r>
-            <a:br>
-              <a:rPr lang="pl-PL" dirty="0" smtClean="0">
-                <a:latin typeface="Lucida Console" panose="020B0609040504020204" pitchFamily="49" charset="0"/>
-              </a:rPr>
-            </a:br>
-            <a:r>
-              <a:rPr lang="pl-PL" dirty="0">
-                <a:latin typeface="Lucida Console" panose="020B0609040504020204" pitchFamily="49" charset="0"/>
-              </a:rPr>
-              <a:t/>
-            </a:r>
-            <a:br>
-              <a:rPr lang="pl-PL" dirty="0">
-                <a:latin typeface="Lucida Console" panose="020B0609040504020204" pitchFamily="49" charset="0"/>
-              </a:rPr>
-            </a:br>
-            <a:r>
-              <a:rPr lang="pl-PL" dirty="0" err="1">
-                <a:latin typeface="Lucida Console" panose="020B0609040504020204" pitchFamily="49" charset="0"/>
-              </a:rPr>
-              <a:t>StatefulKnowledgeSession</a:t>
-            </a:r>
-            <a:r>
-              <a:rPr lang="pl-PL" dirty="0">
-                <a:latin typeface="Lucida Console" panose="020B0609040504020204" pitchFamily="49" charset="0"/>
-              </a:rPr>
-              <a:t> </a:t>
-            </a:r>
-            <a:r>
-              <a:rPr lang="pl-PL" dirty="0" err="1">
-                <a:latin typeface="Lucida Console" panose="020B0609040504020204" pitchFamily="49" charset="0"/>
-              </a:rPr>
-              <a:t>ksession</a:t>
-            </a:r>
-            <a:r>
-              <a:rPr lang="pl-PL" dirty="0">
-                <a:latin typeface="Lucida Console" panose="020B0609040504020204" pitchFamily="49" charset="0"/>
-              </a:rPr>
-              <a:t> = </a:t>
-            </a:r>
-            <a:br>
-              <a:rPr lang="pl-PL" dirty="0">
-                <a:latin typeface="Lucida Console" panose="020B0609040504020204" pitchFamily="49" charset="0"/>
-              </a:rPr>
-            </a:br>
-            <a:r>
-              <a:rPr lang="pl-PL" dirty="0">
-                <a:latin typeface="Lucida Console" panose="020B0609040504020204" pitchFamily="49" charset="0"/>
-              </a:rPr>
-              <a:t> </a:t>
-            </a:r>
-            <a:r>
-              <a:rPr lang="pl-PL" dirty="0" err="1" smtClean="0">
-                <a:latin typeface="Lucida Console" panose="020B0609040504020204" pitchFamily="49" charset="0"/>
-              </a:rPr>
-              <a:t>JPAKnowledgeService.newStatefulKnowledgeSession</a:t>
-            </a:r>
-            <a:r>
-              <a:rPr lang="pl-PL" dirty="0">
-                <a:latin typeface="Lucida Console" panose="020B0609040504020204" pitchFamily="49" charset="0"/>
-              </a:rPr>
-              <a:t>( </a:t>
-            </a:r>
-            <a:r>
-              <a:rPr lang="pl-PL" dirty="0" err="1">
-                <a:latin typeface="Lucida Console" panose="020B0609040504020204" pitchFamily="49" charset="0"/>
-              </a:rPr>
-              <a:t>kbase</a:t>
-            </a:r>
-            <a:r>
-              <a:rPr lang="pl-PL" dirty="0">
-                <a:latin typeface="Lucida Console" panose="020B0609040504020204" pitchFamily="49" charset="0"/>
-              </a:rPr>
-              <a:t>, </a:t>
-            </a:r>
-            <a:r>
-              <a:rPr lang="pl-PL" dirty="0" err="1">
-                <a:latin typeface="Lucida Console" panose="020B0609040504020204" pitchFamily="49" charset="0"/>
-              </a:rPr>
-              <a:t>null</a:t>
-            </a:r>
-            <a:r>
-              <a:rPr lang="pl-PL" dirty="0">
-                <a:latin typeface="Lucida Console" panose="020B0609040504020204" pitchFamily="49" charset="0"/>
-              </a:rPr>
-              <a:t>, </a:t>
-            </a:r>
-            <a:r>
-              <a:rPr lang="pl-PL" dirty="0" err="1">
-                <a:latin typeface="Lucida Console" panose="020B0609040504020204" pitchFamily="49" charset="0"/>
-              </a:rPr>
-              <a:t>env</a:t>
-            </a:r>
-            <a:r>
-              <a:rPr lang="pl-PL" dirty="0">
-                <a:latin typeface="Lucida Console" panose="020B0609040504020204" pitchFamily="49" charset="0"/>
-              </a:rPr>
-              <a:t> ); </a:t>
-            </a:r>
-            <a:br>
-              <a:rPr lang="pl-PL" dirty="0">
-                <a:latin typeface="Lucida Console" panose="020B0609040504020204" pitchFamily="49" charset="0"/>
-              </a:rPr>
-            </a:br>
-            <a:r>
-              <a:rPr lang="pl-PL" dirty="0" err="1">
-                <a:latin typeface="Lucida Console" panose="020B0609040504020204" pitchFamily="49" charset="0"/>
-              </a:rPr>
-              <a:t>int</a:t>
-            </a:r>
-            <a:r>
-              <a:rPr lang="pl-PL" dirty="0">
-                <a:latin typeface="Lucida Console" panose="020B0609040504020204" pitchFamily="49" charset="0"/>
-              </a:rPr>
-              <a:t> </a:t>
-            </a:r>
-            <a:r>
-              <a:rPr lang="pl-PL" dirty="0" err="1">
-                <a:latin typeface="Lucida Console" panose="020B0609040504020204" pitchFamily="49" charset="0"/>
-              </a:rPr>
-              <a:t>sessionId</a:t>
-            </a:r>
-            <a:r>
-              <a:rPr lang="pl-PL" dirty="0">
-                <a:latin typeface="Lucida Console" panose="020B0609040504020204" pitchFamily="49" charset="0"/>
-              </a:rPr>
-              <a:t> = </a:t>
-            </a:r>
-            <a:r>
-              <a:rPr lang="pl-PL" dirty="0" err="1">
-                <a:latin typeface="Lucida Console" panose="020B0609040504020204" pitchFamily="49" charset="0"/>
-              </a:rPr>
-              <a:t>ksession.getId</a:t>
-            </a:r>
-            <a:r>
-              <a:rPr lang="pl-PL" dirty="0">
-                <a:latin typeface="Lucida Console" panose="020B0609040504020204" pitchFamily="49" charset="0"/>
-              </a:rPr>
-              <a:t>(); </a:t>
-            </a:r>
-            <a:br>
-              <a:rPr lang="pl-PL" dirty="0">
-                <a:latin typeface="Lucida Console" panose="020B0609040504020204" pitchFamily="49" charset="0"/>
-              </a:rPr>
-            </a:br>
-            <a:r>
-              <a:rPr lang="pl-PL" dirty="0">
-                <a:latin typeface="Lucida Console" panose="020B0609040504020204" pitchFamily="49" charset="0"/>
-              </a:rPr>
-              <a:t>  </a:t>
-            </a:r>
-            <a:br>
-              <a:rPr lang="pl-PL" dirty="0">
-                <a:latin typeface="Lucida Console" panose="020B0609040504020204" pitchFamily="49" charset="0"/>
-              </a:rPr>
-            </a:br>
-            <a:r>
-              <a:rPr lang="pl-PL" dirty="0" err="1">
-                <a:latin typeface="Lucida Console" panose="020B0609040504020204" pitchFamily="49" charset="0"/>
-              </a:rPr>
-              <a:t>UserTransaction</a:t>
-            </a:r>
-            <a:r>
-              <a:rPr lang="pl-PL" dirty="0">
-                <a:latin typeface="Lucida Console" panose="020B0609040504020204" pitchFamily="49" charset="0"/>
-              </a:rPr>
-              <a:t> </a:t>
-            </a:r>
-            <a:r>
-              <a:rPr lang="pl-PL" dirty="0" err="1">
-                <a:latin typeface="Lucida Console" panose="020B0609040504020204" pitchFamily="49" charset="0"/>
-              </a:rPr>
-              <a:t>ut</a:t>
-            </a:r>
-            <a:r>
-              <a:rPr lang="pl-PL" dirty="0">
-                <a:latin typeface="Lucida Console" panose="020B0609040504020204" pitchFamily="49" charset="0"/>
-              </a:rPr>
-              <a:t> = </a:t>
-            </a:r>
-            <a:br>
-              <a:rPr lang="pl-PL" dirty="0">
-                <a:latin typeface="Lucida Console" panose="020B0609040504020204" pitchFamily="49" charset="0"/>
-              </a:rPr>
-            </a:br>
-            <a:r>
-              <a:rPr lang="pl-PL" dirty="0">
-                <a:latin typeface="Lucida Console" panose="020B0609040504020204" pitchFamily="49" charset="0"/>
-              </a:rPr>
-              <a:t>  (</a:t>
-            </a:r>
-            <a:r>
-              <a:rPr lang="pl-PL" dirty="0" err="1">
-                <a:latin typeface="Lucida Console" panose="020B0609040504020204" pitchFamily="49" charset="0"/>
-              </a:rPr>
-              <a:t>UserTransaction</a:t>
-            </a:r>
-            <a:r>
-              <a:rPr lang="pl-PL" dirty="0">
-                <a:latin typeface="Lucida Console" panose="020B0609040504020204" pitchFamily="49" charset="0"/>
-              </a:rPr>
-              <a:t>) </a:t>
-            </a:r>
-            <a:r>
-              <a:rPr lang="pl-PL" b="1" dirty="0" err="1">
-                <a:latin typeface="Lucida Console" panose="020B0609040504020204" pitchFamily="49" charset="0"/>
-              </a:rPr>
-              <a:t>new</a:t>
-            </a:r>
-            <a:r>
-              <a:rPr lang="pl-PL" dirty="0">
-                <a:latin typeface="Lucida Console" panose="020B0609040504020204" pitchFamily="49" charset="0"/>
-              </a:rPr>
-              <a:t> </a:t>
-            </a:r>
-            <a:r>
-              <a:rPr lang="pl-PL" dirty="0" err="1">
-                <a:latin typeface="Lucida Console" panose="020B0609040504020204" pitchFamily="49" charset="0"/>
-              </a:rPr>
-              <a:t>InitialContext</a:t>
-            </a:r>
-            <a:r>
-              <a:rPr lang="pl-PL" dirty="0">
-                <a:latin typeface="Lucida Console" panose="020B0609040504020204" pitchFamily="49" charset="0"/>
-              </a:rPr>
-              <a:t>().</a:t>
-            </a:r>
-            <a:r>
-              <a:rPr lang="pl-PL" dirty="0" err="1">
-                <a:latin typeface="Lucida Console" panose="020B0609040504020204" pitchFamily="49" charset="0"/>
-              </a:rPr>
-              <a:t>lookup</a:t>
-            </a:r>
-            <a:r>
-              <a:rPr lang="pl-PL" dirty="0">
-                <a:latin typeface="Lucida Console" panose="020B0609040504020204" pitchFamily="49" charset="0"/>
-              </a:rPr>
-              <a:t>( </a:t>
-            </a:r>
-            <a:endParaRPr lang="pl-PL" dirty="0" smtClean="0">
+            <a:endParaRPr lang="pl-PL" sz="1600" dirty="0" smtClean="0">
               <a:latin typeface="Lucida Console" panose="020B0609040504020204" pitchFamily="49" charset="0"/>
             </a:endParaRPr>
           </a:p>
@@ -7073,135 +6434,197 @@
               <a:buNone/>
             </a:pPr>
             <a:r>
-              <a:rPr lang="pl-PL" dirty="0">
+              <a:rPr lang="pl-PL" sz="1600" dirty="0">
                 <a:latin typeface="Lucida Console" panose="020B0609040504020204" pitchFamily="49" charset="0"/>
               </a:rPr>
               <a:t>	</a:t>
             </a:r>
             <a:r>
-              <a:rPr lang="pl-PL" dirty="0" smtClean="0">
-                <a:latin typeface="Lucida Console" panose="020B0609040504020204" pitchFamily="49" charset="0"/>
-              </a:rPr>
-              <a:t>"</a:t>
-            </a:r>
-            <a:r>
-              <a:rPr lang="pl-PL" dirty="0" err="1">
-                <a:latin typeface="Lucida Console" panose="020B0609040504020204" pitchFamily="49" charset="0"/>
-              </a:rPr>
-              <a:t>java:comp</a:t>
-            </a:r>
-            <a:r>
-              <a:rPr lang="pl-PL" dirty="0">
-                <a:latin typeface="Lucida Console" panose="020B0609040504020204" pitchFamily="49" charset="0"/>
-              </a:rPr>
-              <a:t>/</a:t>
-            </a:r>
-            <a:r>
-              <a:rPr lang="pl-PL" dirty="0" err="1">
-                <a:latin typeface="Lucida Console" panose="020B0609040504020204" pitchFamily="49" charset="0"/>
-              </a:rPr>
-              <a:t>UserTransaction</a:t>
-            </a:r>
-            <a:r>
-              <a:rPr lang="pl-PL" dirty="0">
-                <a:latin typeface="Lucida Console" panose="020B0609040504020204" pitchFamily="49" charset="0"/>
-              </a:rPr>
-              <a:t>" ); </a:t>
+              <a:rPr lang="pl-PL" sz="1600" dirty="0" err="1" smtClean="0">
+                <a:latin typeface="Lucida Console" panose="020B0609040504020204" pitchFamily="49" charset="0"/>
+              </a:rPr>
+              <a:t>KnowledgeAgentFactory.newKnowledgeAgent</a:t>
+            </a:r>
+            <a:r>
+              <a:rPr lang="pl-PL" sz="1600" dirty="0" smtClean="0">
+                <a:latin typeface="Lucida Console" panose="020B0609040504020204" pitchFamily="49" charset="0"/>
+              </a:rPr>
+              <a:t>("</a:t>
+            </a:r>
+            <a:r>
+              <a:rPr lang="pl-PL" sz="1600" dirty="0" err="1">
+                <a:latin typeface="Lucida Console" panose="020B0609040504020204" pitchFamily="49" charset="0"/>
+              </a:rPr>
+              <a:t>MyAgent</a:t>
+            </a:r>
+            <a:r>
+              <a:rPr lang="pl-PL" sz="1600" dirty="0" smtClean="0">
+                <a:latin typeface="Lucida Console" panose="020B0609040504020204" pitchFamily="49" charset="0"/>
+              </a:rPr>
+              <a:t>"); </a:t>
+            </a:r>
+            <a:r>
+              <a:rPr lang="pl-PL" sz="1600" dirty="0">
+                <a:latin typeface="Lucida Console" panose="020B0609040504020204" pitchFamily="49" charset="0"/>
+              </a:rPr>
+              <a:t/>
             </a:r>
             <a:br>
-              <a:rPr lang="pl-PL" dirty="0">
+              <a:rPr lang="pl-PL" sz="1600" dirty="0">
                 <a:latin typeface="Lucida Console" panose="020B0609040504020204" pitchFamily="49" charset="0"/>
               </a:rPr>
             </a:br>
             <a:r>
-              <a:rPr lang="pl-PL" dirty="0" err="1">
-                <a:latin typeface="Lucida Console" panose="020B0609040504020204" pitchFamily="49" charset="0"/>
-              </a:rPr>
-              <a:t>ut.begin</a:t>
-            </a:r>
-            <a:r>
-              <a:rPr lang="pl-PL" dirty="0">
-                <a:latin typeface="Lucida Console" panose="020B0609040504020204" pitchFamily="49" charset="0"/>
-              </a:rPr>
-              <a:t>(); </a:t>
-            </a:r>
-            <a:br>
-              <a:rPr lang="pl-PL" dirty="0">
-                <a:latin typeface="Lucida Console" panose="020B0609040504020204" pitchFamily="49" charset="0"/>
-              </a:rPr>
-            </a:br>
-            <a:r>
-              <a:rPr lang="pl-PL" dirty="0" err="1">
-                <a:latin typeface="Lucida Console" panose="020B0609040504020204" pitchFamily="49" charset="0"/>
-              </a:rPr>
-              <a:t>ksession.insert</a:t>
-            </a:r>
-            <a:r>
-              <a:rPr lang="pl-PL" dirty="0">
-                <a:latin typeface="Lucida Console" panose="020B0609040504020204" pitchFamily="49" charset="0"/>
-              </a:rPr>
-              <a:t>( data1 ); </a:t>
-            </a:r>
-            <a:br>
-              <a:rPr lang="pl-PL" dirty="0">
-                <a:latin typeface="Lucida Console" panose="020B0609040504020204" pitchFamily="49" charset="0"/>
-              </a:rPr>
-            </a:br>
-            <a:r>
-              <a:rPr lang="pl-PL" dirty="0" err="1">
-                <a:latin typeface="Lucida Console" panose="020B0609040504020204" pitchFamily="49" charset="0"/>
-              </a:rPr>
-              <a:t>ksession.insert</a:t>
-            </a:r>
-            <a:r>
-              <a:rPr lang="pl-PL" dirty="0">
-                <a:latin typeface="Lucida Console" panose="020B0609040504020204" pitchFamily="49" charset="0"/>
-              </a:rPr>
-              <a:t>( data2 ); </a:t>
-            </a:r>
-            <a:br>
-              <a:rPr lang="pl-PL" dirty="0">
-                <a:latin typeface="Lucida Console" panose="020B0609040504020204" pitchFamily="49" charset="0"/>
-              </a:rPr>
-            </a:br>
-            <a:r>
-              <a:rPr lang="pl-PL" dirty="0" err="1">
-                <a:latin typeface="Lucida Console" panose="020B0609040504020204" pitchFamily="49" charset="0"/>
-              </a:rPr>
-              <a:t>ksession.startProcess</a:t>
-            </a:r>
-            <a:r>
-              <a:rPr lang="pl-PL" dirty="0">
-                <a:latin typeface="Lucida Console" panose="020B0609040504020204" pitchFamily="49" charset="0"/>
-              </a:rPr>
-              <a:t>( "process1" ); </a:t>
-            </a:r>
-            <a:br>
-              <a:rPr lang="pl-PL" dirty="0">
-                <a:latin typeface="Lucida Console" panose="020B0609040504020204" pitchFamily="49" charset="0"/>
-              </a:rPr>
-            </a:br>
-            <a:r>
-              <a:rPr lang="pl-PL" dirty="0" err="1">
-                <a:latin typeface="Lucida Console" panose="020B0609040504020204" pitchFamily="49" charset="0"/>
-              </a:rPr>
-              <a:t>ut.commit</a:t>
-            </a:r>
-            <a:r>
-              <a:rPr lang="pl-PL" dirty="0">
-                <a:latin typeface="Lucida Console" panose="020B0609040504020204" pitchFamily="49" charset="0"/>
-              </a:rPr>
-              <a:t>();</a:t>
+              <a:rPr lang="pl-PL" sz="1600" dirty="0" err="1" smtClean="0">
+                <a:latin typeface="Lucida Console" panose="020B0609040504020204" pitchFamily="49" charset="0"/>
+              </a:rPr>
+              <a:t>kagent.applyChangeSet</a:t>
+            </a:r>
+            <a:r>
+              <a:rPr lang="pl-PL" sz="1600" dirty="0" smtClean="0">
+                <a:latin typeface="Lucida Console" panose="020B0609040504020204" pitchFamily="49" charset="0"/>
+              </a:rPr>
+              <a:t>(</a:t>
             </a:r>
           </a:p>
           <a:p>
             <a:pPr marL="109728" indent="0">
               <a:buNone/>
             </a:pPr>
-            <a:endParaRPr lang="pl-PL" dirty="0">
+            <a:r>
+              <a:rPr lang="pl-PL" sz="1600" dirty="0">
+                <a:latin typeface="Lucida Console" panose="020B0609040504020204" pitchFamily="49" charset="0"/>
+              </a:rPr>
+              <a:t>	</a:t>
+            </a:r>
+            <a:r>
+              <a:rPr lang="pl-PL" sz="1600" dirty="0" err="1" smtClean="0">
+                <a:latin typeface="Lucida Console" panose="020B0609040504020204" pitchFamily="49" charset="0"/>
+              </a:rPr>
+              <a:t>ResourceFactory.newUrlResource</a:t>
+            </a:r>
+            <a:r>
+              <a:rPr lang="pl-PL" sz="1600" dirty="0">
+                <a:latin typeface="Lucida Console" panose="020B0609040504020204" pitchFamily="49" charset="0"/>
+              </a:rPr>
+              <a:t>( </a:t>
+            </a:r>
+            <a:r>
+              <a:rPr lang="pl-PL" sz="1600" dirty="0" err="1">
+                <a:latin typeface="Lucida Console" panose="020B0609040504020204" pitchFamily="49" charset="0"/>
+              </a:rPr>
+              <a:t>url</a:t>
+            </a:r>
+            <a:r>
+              <a:rPr lang="pl-PL" sz="1600" dirty="0">
+                <a:latin typeface="Lucida Console" panose="020B0609040504020204" pitchFamily="49" charset="0"/>
+              </a:rPr>
+              <a:t> </a:t>
+            </a:r>
+            <a:r>
+              <a:rPr lang="pl-PL" sz="1600" dirty="0" smtClean="0">
+                <a:latin typeface="Lucida Console" panose="020B0609040504020204" pitchFamily="49" charset="0"/>
+              </a:rPr>
+              <a:t>)); </a:t>
+            </a:r>
+            <a:r>
+              <a:rPr lang="pl-PL" sz="1600" dirty="0">
+                <a:latin typeface="Lucida Console" panose="020B0609040504020204" pitchFamily="49" charset="0"/>
+              </a:rPr>
+              <a:t/>
+            </a:r>
+            <a:br>
+              <a:rPr lang="pl-PL" sz="1600" dirty="0">
+                <a:latin typeface="Lucida Console" panose="020B0609040504020204" pitchFamily="49" charset="0"/>
+              </a:rPr>
+            </a:br>
+            <a:r>
+              <a:rPr lang="pl-PL" sz="1600" dirty="0" err="1">
+                <a:latin typeface="Lucida Console" panose="020B0609040504020204" pitchFamily="49" charset="0"/>
+              </a:rPr>
+              <a:t>KnowledgeBase</a:t>
+            </a:r>
+            <a:r>
+              <a:rPr lang="pl-PL" sz="1600" dirty="0">
+                <a:latin typeface="Lucida Console" panose="020B0609040504020204" pitchFamily="49" charset="0"/>
+              </a:rPr>
+              <a:t> </a:t>
+            </a:r>
+            <a:r>
+              <a:rPr lang="pl-PL" sz="1600" dirty="0" err="1">
+                <a:latin typeface="Lucida Console" panose="020B0609040504020204" pitchFamily="49" charset="0"/>
+              </a:rPr>
+              <a:t>kbase</a:t>
+            </a:r>
+            <a:r>
+              <a:rPr lang="pl-PL" sz="1600" dirty="0">
+                <a:latin typeface="Lucida Console" panose="020B0609040504020204" pitchFamily="49" charset="0"/>
+              </a:rPr>
+              <a:t> = </a:t>
+            </a:r>
+            <a:r>
+              <a:rPr lang="pl-PL" sz="1600" dirty="0" err="1">
+                <a:latin typeface="Lucida Console" panose="020B0609040504020204" pitchFamily="49" charset="0"/>
+              </a:rPr>
+              <a:t>kagent.getKnowledgeBase</a:t>
+            </a:r>
+            <a:r>
+              <a:rPr lang="pl-PL" sz="1600" dirty="0" smtClean="0">
+                <a:latin typeface="Lucida Console" panose="020B0609040504020204" pitchFamily="49" charset="0"/>
+              </a:rPr>
+              <a:t>();</a:t>
+            </a:r>
+          </a:p>
+          <a:p>
+            <a:pPr marL="109728" indent="0">
+              <a:buNone/>
+            </a:pPr>
+            <a:r>
+              <a:rPr lang="pl-PL" sz="1600" dirty="0" err="1">
+                <a:latin typeface="Lucida Console" panose="020B0609040504020204" pitchFamily="49" charset="0"/>
+              </a:rPr>
+              <a:t>ResourceFactory.getResourceChangeNotifierService</a:t>
+            </a:r>
+            <a:r>
+              <a:rPr lang="pl-PL" sz="1600" dirty="0">
+                <a:latin typeface="Lucida Console" panose="020B0609040504020204" pitchFamily="49" charset="0"/>
+              </a:rPr>
+              <a:t>().start(); </a:t>
+            </a:r>
+            <a:br>
+              <a:rPr lang="pl-PL" sz="1600" dirty="0">
+                <a:latin typeface="Lucida Console" panose="020B0609040504020204" pitchFamily="49" charset="0"/>
+              </a:rPr>
+            </a:br>
+            <a:r>
+              <a:rPr lang="pl-PL" sz="1600" dirty="0" err="1">
+                <a:latin typeface="Lucida Console" panose="020B0609040504020204" pitchFamily="49" charset="0"/>
+              </a:rPr>
+              <a:t>ResourceFactory.getResourceChangeScannerService</a:t>
+            </a:r>
+            <a:r>
+              <a:rPr lang="pl-PL" sz="1600" dirty="0">
+                <a:latin typeface="Lucida Console" panose="020B0609040504020204" pitchFamily="49" charset="0"/>
+              </a:rPr>
+              <a:t>().start();</a:t>
+            </a:r>
+          </a:p>
+          <a:p>
+            <a:pPr marL="109728" indent="0">
+              <a:buNone/>
+            </a:pPr>
+            <a:endParaRPr lang="pl-PL" sz="1600" dirty="0" smtClean="0">
               <a:latin typeface="Lucida Console" panose="020B0609040504020204" pitchFamily="49" charset="0"/>
             </a:endParaRPr>
           </a:p>
+          <a:p>
+            <a:pPr marL="109728" indent="0">
+              <a:buNone/>
+            </a:pPr>
+            <a:endParaRPr lang="pl-PL" sz="1600" dirty="0">
+              <a:latin typeface="Lucida Console" panose="020B0609040504020204" pitchFamily="49" charset="0"/>
+            </a:endParaRPr>
+          </a:p>
         </p:txBody>
       </p:sp>
       <p:sp>
@@ -7216,30 +6639,16 @@
         </p:nvSpPr>
         <p:spPr/>
         <p:txBody>
-          <a:bodyPr>
-            <a:normAutofit fontScale="90000"/>
-          </a:bodyPr>
+          <a:bodyPr/>
           <a:lstStyle/>
           <a:p>
             <a:r>
+              <a:rPr lang="pl-PL" dirty="0" smtClean="0"/>
+              <a:t>Knowledge </a:t>
+            </a:r>
+            <a:r>
               <a:rPr lang="pl-PL" dirty="0" err="1" smtClean="0"/>
-              <a:t>Persistence</a:t>
-            </a:r>
-            <a:r>
-              <a:rPr lang="pl-PL" dirty="0" smtClean="0"/>
-              <a:t> </a:t>
-            </a:r>
-            <a:r>
-              <a:rPr lang="pl-PL" dirty="0" err="1" smtClean="0"/>
-              <a:t>framework</a:t>
-            </a:r>
-            <a:r>
-              <a:rPr lang="pl-PL" dirty="0" smtClean="0"/>
-              <a:t> </a:t>
-            </a:r>
-            <a:r>
-              <a:rPr lang="pl-PL" dirty="0" err="1" smtClean="0"/>
-              <a:t>integration</a:t>
+              <a:t>Agents</a:t>
             </a:r>
             <a:endParaRPr lang="pl-PL" dirty="0"/>
           </a:p>
@@ -7248,7 +6657,7 @@
     </p:spTree>
     <p:extLst>
       <p:ext uri="{BB962C8B-B14F-4D97-AF65-F5344CB8AC3E}">
-        <p14:creationId xmlns:p14="http://schemas.microsoft.com/office/powerpoint/2010/main" val="1896570916"/>
+        <p14:creationId xmlns:p14="http://schemas.microsoft.com/office/powerpoint/2010/main" val="3796715107"/>
       </p:ext>
     </p:extLst>
   </p:cSld>
@@ -7294,143 +6703,434 @@
         </p:nvSpPr>
         <p:spPr/>
         <p:txBody>
+          <a:bodyPr>
+            <a:normAutofit/>
+          </a:bodyPr>
+          <a:lstStyle/>
+          <a:p>
+            <a:pPr marL="109728" indent="0">
+              <a:buNone/>
+            </a:pPr>
+            <a:r>
+              <a:rPr lang="pl-PL" sz="1800" dirty="0">
+                <a:latin typeface="Lucida Console" panose="020B0609040504020204" pitchFamily="49" charset="0"/>
+              </a:rPr>
+              <a:t>[</a:t>
+            </a:r>
+            <a:r>
+              <a:rPr lang="pl-PL" sz="1800" dirty="0" err="1">
+                <a:latin typeface="Lucida Console" panose="020B0609040504020204" pitchFamily="49" charset="0"/>
+              </a:rPr>
+              <a:t>when</a:t>
+            </a:r>
+            <a:r>
+              <a:rPr lang="pl-PL" sz="1800" dirty="0">
+                <a:latin typeface="Lucida Console" panose="020B0609040504020204" pitchFamily="49" charset="0"/>
+              </a:rPr>
+              <a:t>]</a:t>
+            </a:r>
+            <a:r>
+              <a:rPr lang="pl-PL" sz="1800" dirty="0" err="1">
+                <a:latin typeface="Lucida Console" panose="020B0609040504020204" pitchFamily="49" charset="0"/>
+              </a:rPr>
+              <a:t>There</a:t>
+            </a:r>
+            <a:r>
+              <a:rPr lang="pl-PL" sz="1800" dirty="0">
+                <a:latin typeface="Lucida Console" panose="020B0609040504020204" pitchFamily="49" charset="0"/>
+              </a:rPr>
+              <a:t> </a:t>
+            </a:r>
+            <a:r>
+              <a:rPr lang="pl-PL" sz="1800" dirty="0" err="1">
+                <a:latin typeface="Lucida Console" panose="020B0609040504020204" pitchFamily="49" charset="0"/>
+              </a:rPr>
+              <a:t>is</a:t>
+            </a:r>
+            <a:r>
+              <a:rPr lang="pl-PL" sz="1800" dirty="0">
+                <a:latin typeface="Lucida Console" panose="020B0609040504020204" pitchFamily="49" charset="0"/>
+              </a:rPr>
+              <a:t> a person with </a:t>
+            </a:r>
+            <a:r>
+              <a:rPr lang="pl-PL" sz="1800" dirty="0" err="1">
+                <a:latin typeface="Lucida Console" panose="020B0609040504020204" pitchFamily="49" charset="0"/>
+              </a:rPr>
+              <a:t>name</a:t>
+            </a:r>
+            <a:r>
+              <a:rPr lang="pl-PL" sz="1800" dirty="0">
+                <a:latin typeface="Lucida Console" panose="020B0609040504020204" pitchFamily="49" charset="0"/>
+              </a:rPr>
+              <a:t> of </a:t>
+            </a:r>
+            <a:r>
+              <a:rPr lang="pl-PL" sz="1800" dirty="0" smtClean="0">
+                <a:latin typeface="Lucida Console" panose="020B0609040504020204" pitchFamily="49" charset="0"/>
+              </a:rPr>
+              <a:t>"{</a:t>
+            </a:r>
+            <a:r>
+              <a:rPr lang="pl-PL" sz="1800" dirty="0" err="1">
+                <a:latin typeface="Lucida Console" panose="020B0609040504020204" pitchFamily="49" charset="0"/>
+              </a:rPr>
+              <a:t>name</a:t>
+            </a:r>
+            <a:r>
+              <a:rPr lang="pl-PL" sz="1800" dirty="0" smtClean="0">
+                <a:latin typeface="Lucida Console" panose="020B0609040504020204" pitchFamily="49" charset="0"/>
+              </a:rPr>
+              <a:t>}„ = 	Person(</a:t>
+            </a:r>
+            <a:r>
+              <a:rPr lang="pl-PL" sz="1800" dirty="0" err="1" smtClean="0">
+                <a:latin typeface="Lucida Console" panose="020B0609040504020204" pitchFamily="49" charset="0"/>
+              </a:rPr>
+              <a:t>name</a:t>
+            </a:r>
+            <a:r>
+              <a:rPr lang="pl-PL" sz="1800" dirty="0">
+                <a:latin typeface="Lucida Console" panose="020B0609040504020204" pitchFamily="49" charset="0"/>
+              </a:rPr>
+              <a:t>=="{</a:t>
+            </a:r>
+            <a:r>
+              <a:rPr lang="pl-PL" sz="1800" dirty="0" err="1">
+                <a:latin typeface="Lucida Console" panose="020B0609040504020204" pitchFamily="49" charset="0"/>
+              </a:rPr>
+              <a:t>name</a:t>
+            </a:r>
+            <a:r>
+              <a:rPr lang="pl-PL" sz="1800" dirty="0" smtClean="0">
+                <a:latin typeface="Lucida Console" panose="020B0609040504020204" pitchFamily="49" charset="0"/>
+              </a:rPr>
+              <a:t>}")</a:t>
+            </a:r>
+          </a:p>
+          <a:p>
+            <a:pPr marL="109728" indent="0">
+              <a:buNone/>
+            </a:pPr>
+            <a:r>
+              <a:rPr lang="pl-PL" sz="1800" dirty="0" smtClean="0">
+                <a:latin typeface="Lucida Console" panose="020B0609040504020204" pitchFamily="49" charset="0"/>
+              </a:rPr>
+              <a:t>[</a:t>
+            </a:r>
+            <a:r>
+              <a:rPr lang="pl-PL" sz="1800" dirty="0" err="1">
+                <a:latin typeface="Lucida Console" panose="020B0609040504020204" pitchFamily="49" charset="0"/>
+              </a:rPr>
+              <a:t>when</a:t>
+            </a:r>
+            <a:r>
+              <a:rPr lang="pl-PL" sz="1800" dirty="0">
+                <a:latin typeface="Lucida Console" panose="020B0609040504020204" pitchFamily="49" charset="0"/>
+              </a:rPr>
+              <a:t>]Person </a:t>
+            </a:r>
+            <a:r>
+              <a:rPr lang="pl-PL" sz="1800" dirty="0" err="1">
+                <a:latin typeface="Lucida Console" panose="020B0609040504020204" pitchFamily="49" charset="0"/>
+              </a:rPr>
+              <a:t>is</a:t>
+            </a:r>
+            <a:r>
+              <a:rPr lang="pl-PL" sz="1800" dirty="0">
+                <a:latin typeface="Lucida Console" panose="020B0609040504020204" pitchFamily="49" charset="0"/>
+              </a:rPr>
+              <a:t> </a:t>
+            </a:r>
+            <a:r>
+              <a:rPr lang="pl-PL" sz="1800" dirty="0" err="1">
+                <a:latin typeface="Lucida Console" panose="020B0609040504020204" pitchFamily="49" charset="0"/>
+              </a:rPr>
+              <a:t>at</a:t>
+            </a:r>
+            <a:r>
+              <a:rPr lang="pl-PL" sz="1800" dirty="0">
+                <a:latin typeface="Lucida Console" panose="020B0609040504020204" pitchFamily="49" charset="0"/>
+              </a:rPr>
+              <a:t> </a:t>
+            </a:r>
+            <a:r>
+              <a:rPr lang="pl-PL" sz="1800" dirty="0" err="1">
+                <a:latin typeface="Lucida Console" panose="020B0609040504020204" pitchFamily="49" charset="0"/>
+              </a:rPr>
+              <a:t>least</a:t>
+            </a:r>
+            <a:r>
+              <a:rPr lang="pl-PL" sz="1800" dirty="0">
+                <a:latin typeface="Lucida Console" panose="020B0609040504020204" pitchFamily="49" charset="0"/>
+              </a:rPr>
+              <a:t> {</a:t>
+            </a:r>
+            <a:r>
+              <a:rPr lang="pl-PL" sz="1800" dirty="0" err="1">
+                <a:latin typeface="Lucida Console" panose="020B0609040504020204" pitchFamily="49" charset="0"/>
+              </a:rPr>
+              <a:t>age</a:t>
+            </a:r>
+            <a:r>
+              <a:rPr lang="pl-PL" sz="1800" dirty="0">
+                <a:latin typeface="Lucida Console" panose="020B0609040504020204" pitchFamily="49" charset="0"/>
+              </a:rPr>
+              <a:t>} </a:t>
+            </a:r>
+            <a:r>
+              <a:rPr lang="pl-PL" sz="1800" dirty="0" err="1">
+                <a:latin typeface="Lucida Console" panose="020B0609040504020204" pitchFamily="49" charset="0"/>
+              </a:rPr>
+              <a:t>years</a:t>
+            </a:r>
+            <a:r>
+              <a:rPr lang="pl-PL" sz="1800" dirty="0">
+                <a:latin typeface="Lucida Console" panose="020B0609040504020204" pitchFamily="49" charset="0"/>
+              </a:rPr>
+              <a:t> </a:t>
+            </a:r>
+            <a:r>
+              <a:rPr lang="pl-PL" sz="1800" dirty="0" err="1">
+                <a:latin typeface="Lucida Console" panose="020B0609040504020204" pitchFamily="49" charset="0"/>
+              </a:rPr>
+              <a:t>old</a:t>
+            </a:r>
+            <a:r>
+              <a:rPr lang="pl-PL" sz="1800" dirty="0">
+                <a:latin typeface="Lucida Console" panose="020B0609040504020204" pitchFamily="49" charset="0"/>
+              </a:rPr>
+              <a:t> and </a:t>
+            </a:r>
+            <a:r>
+              <a:rPr lang="pl-PL" sz="1800" dirty="0" err="1">
+                <a:latin typeface="Lucida Console" panose="020B0609040504020204" pitchFamily="49" charset="0"/>
+              </a:rPr>
+              <a:t>lives</a:t>
+            </a:r>
+            <a:r>
+              <a:rPr lang="pl-PL" sz="1800" dirty="0">
+                <a:latin typeface="Lucida Console" panose="020B0609040504020204" pitchFamily="49" charset="0"/>
+              </a:rPr>
+              <a:t> </a:t>
+            </a:r>
+            <a:r>
+              <a:rPr lang="pl-PL" sz="1800" dirty="0" smtClean="0">
+                <a:latin typeface="Lucida Console" panose="020B0609040504020204" pitchFamily="49" charset="0"/>
+              </a:rPr>
+              <a:t>	in </a:t>
+            </a:r>
+            <a:r>
+              <a:rPr lang="pl-PL" sz="1800" dirty="0">
+                <a:latin typeface="Lucida Console" panose="020B0609040504020204" pitchFamily="49" charset="0"/>
+              </a:rPr>
+              <a:t>"{</a:t>
+            </a:r>
+            <a:r>
+              <a:rPr lang="pl-PL" sz="1800" dirty="0" err="1">
+                <a:latin typeface="Lucida Console" panose="020B0609040504020204" pitchFamily="49" charset="0"/>
+              </a:rPr>
+              <a:t>location</a:t>
+            </a:r>
+            <a:r>
+              <a:rPr lang="pl-PL" sz="1800" dirty="0" smtClean="0">
+                <a:latin typeface="Lucida Console" panose="020B0609040504020204" pitchFamily="49" charset="0"/>
+              </a:rPr>
+              <a:t>}” = </a:t>
+            </a:r>
+            <a:r>
+              <a:rPr lang="pl-PL" sz="1800" dirty="0">
+                <a:latin typeface="Lucida Console" panose="020B0609040504020204" pitchFamily="49" charset="0"/>
+              </a:rPr>
+              <a:t>Person(</a:t>
+            </a:r>
+            <a:r>
+              <a:rPr lang="pl-PL" sz="1800" dirty="0" err="1">
+                <a:latin typeface="Lucida Console" panose="020B0609040504020204" pitchFamily="49" charset="0"/>
+              </a:rPr>
+              <a:t>age</a:t>
+            </a:r>
+            <a:r>
+              <a:rPr lang="pl-PL" sz="1800" dirty="0">
+                <a:latin typeface="Lucida Console" panose="020B0609040504020204" pitchFamily="49" charset="0"/>
+              </a:rPr>
+              <a:t> &gt;= {</a:t>
+            </a:r>
+            <a:r>
+              <a:rPr lang="pl-PL" sz="1800" dirty="0" err="1">
+                <a:latin typeface="Lucida Console" panose="020B0609040504020204" pitchFamily="49" charset="0"/>
+              </a:rPr>
+              <a:t>age</a:t>
+            </a:r>
+            <a:r>
+              <a:rPr lang="pl-PL" sz="1800" dirty="0">
+                <a:latin typeface="Lucida Console" panose="020B0609040504020204" pitchFamily="49" charset="0"/>
+              </a:rPr>
+              <a:t>}, </a:t>
+            </a:r>
+            <a:r>
+              <a:rPr lang="pl-PL" sz="1800" dirty="0" smtClean="0">
+                <a:latin typeface="Lucida Console" panose="020B0609040504020204" pitchFamily="49" charset="0"/>
+              </a:rPr>
+              <a:t>	</a:t>
+            </a:r>
+            <a:r>
+              <a:rPr lang="pl-PL" sz="1800" dirty="0" err="1" smtClean="0">
+                <a:latin typeface="Lucida Console" panose="020B0609040504020204" pitchFamily="49" charset="0"/>
+              </a:rPr>
+              <a:t>location</a:t>
+            </a:r>
+            <a:r>
+              <a:rPr lang="pl-PL" sz="1800" dirty="0">
+                <a:latin typeface="Lucida Console" panose="020B0609040504020204" pitchFamily="49" charset="0"/>
+              </a:rPr>
+              <a:t>=="{</a:t>
+            </a:r>
+            <a:r>
+              <a:rPr lang="pl-PL" sz="1800" dirty="0" err="1">
+                <a:latin typeface="Lucida Console" panose="020B0609040504020204" pitchFamily="49" charset="0"/>
+              </a:rPr>
+              <a:t>location</a:t>
+            </a:r>
+            <a:r>
+              <a:rPr lang="pl-PL" sz="1800" dirty="0" smtClean="0">
+                <a:latin typeface="Lucida Console" panose="020B0609040504020204" pitchFamily="49" charset="0"/>
+              </a:rPr>
+              <a:t>}")</a:t>
+            </a:r>
+          </a:p>
+          <a:p>
+            <a:pPr marL="109728" indent="0">
+              <a:buNone/>
+            </a:pPr>
+            <a:r>
+              <a:rPr lang="pl-PL" sz="1800" dirty="0" smtClean="0">
+                <a:latin typeface="Lucida Console" panose="020B0609040504020204" pitchFamily="49" charset="0"/>
+              </a:rPr>
+              <a:t>[</a:t>
+            </a:r>
+            <a:r>
+              <a:rPr lang="pl-PL" sz="1800" dirty="0" err="1">
+                <a:latin typeface="Lucida Console" panose="020B0609040504020204" pitchFamily="49" charset="0"/>
+              </a:rPr>
+              <a:t>then</a:t>
+            </a:r>
+            <a:r>
+              <a:rPr lang="pl-PL" sz="1800" dirty="0">
+                <a:latin typeface="Lucida Console" panose="020B0609040504020204" pitchFamily="49" charset="0"/>
+              </a:rPr>
+              <a:t>]Log </a:t>
+            </a:r>
+            <a:r>
+              <a:rPr lang="pl-PL" sz="1800" dirty="0" smtClean="0">
+                <a:latin typeface="Lucida Console" panose="020B0609040504020204" pitchFamily="49" charset="0"/>
+              </a:rPr>
+              <a:t>"{</a:t>
+            </a:r>
+            <a:r>
+              <a:rPr lang="pl-PL" sz="1800" dirty="0" err="1">
+                <a:latin typeface="Lucida Console" panose="020B0609040504020204" pitchFamily="49" charset="0"/>
+              </a:rPr>
+              <a:t>message</a:t>
+            </a:r>
+            <a:r>
+              <a:rPr lang="pl-PL" sz="1800" dirty="0" smtClean="0">
+                <a:latin typeface="Lucida Console" panose="020B0609040504020204" pitchFamily="49" charset="0"/>
+              </a:rPr>
+              <a:t>}„ = 	</a:t>
+            </a:r>
+            <a:r>
+              <a:rPr lang="pl-PL" sz="1800" dirty="0" err="1" smtClean="0">
+                <a:latin typeface="Lucida Console" panose="020B0609040504020204" pitchFamily="49" charset="0"/>
+              </a:rPr>
+              <a:t>System.out.println</a:t>
+            </a:r>
+            <a:r>
+              <a:rPr lang="pl-PL" sz="1800" dirty="0">
+                <a:latin typeface="Lucida Console" panose="020B0609040504020204" pitchFamily="49" charset="0"/>
+              </a:rPr>
+              <a:t>("{</a:t>
+            </a:r>
+            <a:r>
+              <a:rPr lang="pl-PL" sz="1800" dirty="0" err="1">
+                <a:latin typeface="Lucida Console" panose="020B0609040504020204" pitchFamily="49" charset="0"/>
+              </a:rPr>
+              <a:t>message</a:t>
+            </a:r>
+            <a:r>
+              <a:rPr lang="pl-PL" sz="1800" dirty="0" smtClean="0">
+                <a:latin typeface="Lucida Console" panose="020B0609040504020204" pitchFamily="49" charset="0"/>
+              </a:rPr>
+              <a:t>}");</a:t>
+            </a:r>
+          </a:p>
+          <a:p>
+            <a:pPr marL="109728" indent="0">
+              <a:buNone/>
+            </a:pPr>
+            <a:r>
+              <a:rPr lang="pl-PL" sz="1800" dirty="0" smtClean="0">
+                <a:latin typeface="Lucida Console" panose="020B0609040504020204" pitchFamily="49" charset="0"/>
+              </a:rPr>
+              <a:t>[</a:t>
+            </a:r>
+            <a:r>
+              <a:rPr lang="pl-PL" sz="1800" dirty="0" err="1">
+                <a:latin typeface="Lucida Console" panose="020B0609040504020204" pitchFamily="49" charset="0"/>
+              </a:rPr>
+              <a:t>when</a:t>
+            </a:r>
+            <a:r>
+              <a:rPr lang="pl-PL" sz="1800" dirty="0">
+                <a:latin typeface="Lucida Console" panose="020B0609040504020204" pitchFamily="49" charset="0"/>
+              </a:rPr>
+              <a:t>]And = and</a:t>
+            </a:r>
+          </a:p>
+          <a:p>
+            <a:pPr marL="109728" indent="0">
+              <a:buNone/>
+            </a:pPr>
+            <a:endParaRPr lang="pl-PL" sz="1800" dirty="0">
+              <a:latin typeface="Lucida Console" panose="020B0609040504020204" pitchFamily="49" charset="0"/>
+            </a:endParaRPr>
+          </a:p>
+        </p:txBody>
+      </p:sp>
+      <p:sp>
+        <p:nvSpPr>
+          <p:cNvPr id="3" name="Tytuł 2"/>
+          <p:cNvSpPr>
+            <a:spLocks noGrp="1"/>
+          </p:cNvSpPr>
+          <p:nvPr>
+            <p:ph type="title"/>
+          </p:nvPr>
+        </p:nvSpPr>
+        <p:spPr/>
+        <p:txBody>
           <a:bodyPr/>
           <a:lstStyle/>
           <a:p>
             <a:r>
-              <a:rPr lang="pl-PL" dirty="0" err="1" smtClean="0"/>
-              <a:t>Declarative</a:t>
-            </a:r>
-            <a:r>
-              <a:rPr lang="pl-PL" dirty="0" smtClean="0"/>
-              <a:t> </a:t>
-            </a:r>
-            <a:r>
-              <a:rPr lang="pl-PL" dirty="0" err="1" smtClean="0"/>
-              <a:t>programming</a:t>
-            </a:r>
-            <a:endParaRPr lang="pl-PL" dirty="0" smtClean="0"/>
-          </a:p>
-          <a:p>
-            <a:r>
-              <a:rPr lang="pl-PL" dirty="0" err="1" smtClean="0"/>
-              <a:t>Logic</a:t>
-            </a:r>
-            <a:r>
-              <a:rPr lang="pl-PL" dirty="0" smtClean="0"/>
-              <a:t> and data </a:t>
-            </a:r>
-            <a:r>
-              <a:rPr lang="pl-PL" dirty="0" err="1" smtClean="0"/>
-              <a:t>separation</a:t>
-            </a:r>
-            <a:endParaRPr lang="pl-PL" dirty="0" smtClean="0"/>
-          </a:p>
-          <a:p>
-            <a:r>
-              <a:rPr lang="pl-PL" dirty="0" err="1" smtClean="0"/>
-              <a:t>Speed</a:t>
-            </a:r>
-            <a:r>
-              <a:rPr lang="pl-PL" dirty="0" smtClean="0"/>
-              <a:t> and </a:t>
-            </a:r>
-            <a:r>
-              <a:rPr lang="pl-PL" dirty="0" err="1" smtClean="0"/>
-              <a:t>Scalability</a:t>
-            </a:r>
-            <a:endParaRPr lang="pl-PL" dirty="0" smtClean="0"/>
-          </a:p>
-          <a:p>
-            <a:r>
-              <a:rPr lang="pl-PL" dirty="0" err="1" smtClean="0"/>
-              <a:t>Centralization</a:t>
-            </a:r>
-            <a:r>
-              <a:rPr lang="pl-PL" dirty="0" smtClean="0"/>
-              <a:t> of Knowledge</a:t>
-            </a:r>
-          </a:p>
-          <a:p>
-            <a:r>
-              <a:rPr lang="pl-PL" dirty="0" err="1" smtClean="0"/>
-              <a:t>Tool</a:t>
+              <a:rPr lang="pl-PL" dirty="0" err="1"/>
+              <a:t>Domain</a:t>
             </a:r>
             <a:r>
               <a:rPr lang="pl-PL" dirty="0"/>
               <a:t> </a:t>
             </a:r>
             <a:r>
-              <a:rPr lang="pl-PL" dirty="0" smtClean="0"/>
-              <a:t>Integration</a:t>
-            </a:r>
-          </a:p>
-          <a:p>
-            <a:r>
-              <a:rPr lang="pl-PL" dirty="0" err="1" smtClean="0"/>
-              <a:t>Explanation</a:t>
-            </a:r>
-            <a:r>
-              <a:rPr lang="pl-PL" dirty="0" smtClean="0"/>
+              <a:rPr lang="pl-PL" dirty="0" err="1"/>
+              <a:t>Specific</a:t>
+            </a:r>
+            <a:r>
+              <a:rPr lang="pl-PL" dirty="0"/>
               <a:t> </a:t>
             </a:r>
             <a:r>
-              <a:rPr lang="pl-PL" dirty="0" err="1" smtClean="0"/>
-              <a:t>facility</a:t>
-            </a:r>
-            <a:endParaRPr lang="pl-PL" dirty="0" smtClean="0"/>
-          </a:p>
-          <a:p>
-            <a:r>
-              <a:rPr lang="pl-PL" dirty="0" err="1" smtClean="0"/>
-              <a:t>Understandable</a:t>
-            </a:r>
-            <a:r>
-              <a:rPr lang="pl-PL" dirty="0" smtClean="0"/>
-              <a:t> </a:t>
-            </a:r>
-            <a:r>
-              <a:rPr lang="pl-PL" dirty="0" err="1" smtClean="0"/>
-              <a:t>rules</a:t>
-            </a:r>
-            <a:endParaRPr lang="pl-PL" dirty="0"/>
-          </a:p>
-        </p:txBody>
-      </p:sp>
-      <p:sp>
-        <p:nvSpPr>
-          <p:cNvPr id="3" name="Tytuł 2"/>
-          <p:cNvSpPr>
-            <a:spLocks noGrp="1"/>
-          </p:cNvSpPr>
-          <p:nvPr>
-            <p:ph type="title"/>
-          </p:nvPr>
-        </p:nvSpPr>
-        <p:spPr/>
-        <p:txBody>
-          <a:bodyPr/>
-          <a:lstStyle/>
-          <a:p>
-            <a:r>
-              <a:rPr lang="pl-PL" dirty="0" err="1" smtClean="0"/>
-              <a:t>Adventages</a:t>
-            </a:r>
-            <a:r>
-              <a:rPr lang="pl-PL" dirty="0" smtClean="0"/>
-              <a:t> of </a:t>
-            </a:r>
-            <a:r>
-              <a:rPr lang="pl-PL" dirty="0" err="1" smtClean="0"/>
-              <a:t>rule</a:t>
-            </a:r>
-            <a:r>
-              <a:rPr lang="pl-PL" dirty="0" smtClean="0"/>
-              <a:t> </a:t>
-            </a:r>
-            <a:r>
-              <a:rPr lang="pl-PL" dirty="0" err="1" smtClean="0"/>
-              <a:t>engine</a:t>
+              <a:rPr lang="pl-PL" dirty="0" err="1"/>
+              <a:t>Languages</a:t>
             </a:r>
             <a:endParaRPr lang="pl-PL" dirty="0"/>
           </a:p>
@@ -7439,7 +7139,7 @@
     </p:spTree>
     <p:extLst>
       <p:ext uri="{BB962C8B-B14F-4D97-AF65-F5344CB8AC3E}">
-        <p14:creationId xmlns:p14="http://schemas.microsoft.com/office/powerpoint/2010/main" val="3095177641"/>
+        <p14:creationId xmlns:p14="http://schemas.microsoft.com/office/powerpoint/2010/main" val="1952145853"/>
       </p:ext>
     </p:extLst>
   </p:cSld>
@@ -7475,108 +7175,586 @@
       </p:grpSpPr>
       <p:sp>
         <p:nvSpPr>
-          <p:cNvPr id="2" name="Tytuł 1"/>
-          <p:cNvSpPr>
-            <a:spLocks noGrp="1"/>
-          </p:cNvSpPr>
-          <p:nvPr>
-            <p:ph type="title"/>
+          <p:cNvPr id="2" name="Symbol zastępczy zawartości 1"/>
+          <p:cNvSpPr>
+            <a:spLocks noGrp="1"/>
+          </p:cNvSpPr>
+          <p:nvPr>
+            <p:ph idx="1"/>
           </p:nvPr>
         </p:nvSpPr>
         <p:spPr/>
         <p:txBody>
-          <a:bodyPr/>
-          <a:lstStyle/>
-          <a:p>
-            <a:r>
-              <a:rPr lang="pl-PL" dirty="0" err="1"/>
-              <a:t>When</a:t>
-            </a:r>
-            <a:r>
-              <a:rPr lang="pl-PL" dirty="0"/>
-              <a:t> to </a:t>
-            </a:r>
-            <a:r>
-              <a:rPr lang="pl-PL" dirty="0" err="1"/>
-              <a:t>use</a:t>
-            </a:r>
-            <a:r>
-              <a:rPr lang="pl-PL" dirty="0"/>
-              <a:t>, </a:t>
-            </a:r>
-            <a:r>
-              <a:rPr lang="pl-PL" dirty="0" err="1"/>
-              <a:t>when</a:t>
-            </a:r>
-            <a:r>
-              <a:rPr lang="pl-PL" dirty="0"/>
-              <a:t> not to</a:t>
-            </a:r>
-          </a:p>
-        </p:txBody>
-      </p:sp>
-      <p:sp>
-        <p:nvSpPr>
-          <p:cNvPr id="3" name="Symbol zastępczy tekstu 2"/>
-          <p:cNvSpPr>
-            <a:spLocks noGrp="1"/>
-          </p:cNvSpPr>
-          <p:nvPr>
-            <p:ph type="body" idx="1"/>
-          </p:nvPr>
-        </p:nvSpPr>
-        <p:spPr/>
-        <p:txBody>
-          <a:bodyPr/>
-          <a:lstStyle/>
-          <a:p>
-            <a:endParaRPr lang="pl-PL"/>
-          </a:p>
-        </p:txBody>
-      </p:sp>
-      <p:sp>
-        <p:nvSpPr>
-          <p:cNvPr id="4" name="Symbol zastępczy tekstu 3"/>
-          <p:cNvSpPr>
-            <a:spLocks noGrp="1"/>
-          </p:cNvSpPr>
-          <p:nvPr>
-            <p:ph type="body" sz="half" idx="3"/>
-          </p:nvPr>
-        </p:nvSpPr>
-        <p:spPr/>
-        <p:txBody>
-          <a:bodyPr/>
-          <a:lstStyle/>
-          <a:p>
-            <a:endParaRPr lang="pl-PL"/>
-          </a:p>
-        </p:txBody>
-      </p:sp>
-      <p:sp>
-        <p:nvSpPr>
-          <p:cNvPr id="5" name="Symbol zastępczy zawartości 4"/>
-          <p:cNvSpPr>
-            <a:spLocks noGrp="1"/>
-          </p:cNvSpPr>
-          <p:nvPr>
-            <p:ph sz="quarter" idx="2"/>
-          </p:nvPr>
-        </p:nvSpPr>
-        <p:spPr/>
-        <p:txBody>
           <a:bodyPr>
-            <a:normAutofit lnSpcReduction="10000"/>
+            <a:normAutofit fontScale="55000" lnSpcReduction="20000"/>
           </a:bodyPr>
           <a:lstStyle/>
           <a:p>
-            <a:r>
-              <a:rPr lang="pl-PL" dirty="0" smtClean="0"/>
-              <a:t>The problem </a:t>
-            </a:r>
+            <a:pPr marL="109728" indent="0">
+              <a:buNone/>
+            </a:pPr>
+            <a:r>
+              <a:rPr lang="pl-PL" dirty="0">
+                <a:latin typeface="Lucida Console" panose="020B0609040504020204" pitchFamily="49" charset="0"/>
+              </a:rPr>
+              <a:t>Environment </a:t>
+            </a:r>
+            <a:r>
+              <a:rPr lang="pl-PL" dirty="0" err="1">
+                <a:latin typeface="Lucida Console" panose="020B0609040504020204" pitchFamily="49" charset="0"/>
+              </a:rPr>
+              <a:t>env</a:t>
+            </a:r>
+            <a:r>
+              <a:rPr lang="pl-PL" dirty="0">
+                <a:latin typeface="Lucida Console" panose="020B0609040504020204" pitchFamily="49" charset="0"/>
+              </a:rPr>
+              <a:t> = </a:t>
+            </a:r>
+            <a:r>
+              <a:rPr lang="pl-PL" dirty="0" err="1">
+                <a:latin typeface="Lucida Console" panose="020B0609040504020204" pitchFamily="49" charset="0"/>
+              </a:rPr>
+              <a:t>KnowledgeBaseFactory.newEnvironment</a:t>
+            </a:r>
+            <a:r>
+              <a:rPr lang="pl-PL" dirty="0">
+                <a:latin typeface="Lucida Console" panose="020B0609040504020204" pitchFamily="49" charset="0"/>
+              </a:rPr>
+              <a:t>(); </a:t>
+            </a:r>
+            <a:br>
+              <a:rPr lang="pl-PL" dirty="0">
+                <a:latin typeface="Lucida Console" panose="020B0609040504020204" pitchFamily="49" charset="0"/>
+              </a:rPr>
+            </a:br>
+            <a:r>
+              <a:rPr lang="pl-PL" dirty="0" err="1">
+                <a:latin typeface="Lucida Console" panose="020B0609040504020204" pitchFamily="49" charset="0"/>
+              </a:rPr>
+              <a:t>env.set</a:t>
+            </a:r>
+            <a:r>
+              <a:rPr lang="pl-PL" dirty="0">
+                <a:latin typeface="Lucida Console" panose="020B0609040504020204" pitchFamily="49" charset="0"/>
+              </a:rPr>
+              <a:t>( </a:t>
+            </a:r>
+            <a:r>
+              <a:rPr lang="pl-PL" dirty="0" err="1">
+                <a:latin typeface="Lucida Console" panose="020B0609040504020204" pitchFamily="49" charset="0"/>
+              </a:rPr>
+              <a:t>EnvironmentName.ENTITY_MANAGER_FACTORY</a:t>
+            </a:r>
+            <a:r>
+              <a:rPr lang="pl-PL" dirty="0">
+                <a:latin typeface="Lucida Console" panose="020B0609040504020204" pitchFamily="49" charset="0"/>
+              </a:rPr>
+              <a:t>, </a:t>
+            </a:r>
+            <a:br>
+              <a:rPr lang="pl-PL" dirty="0">
+                <a:latin typeface="Lucida Console" panose="020B0609040504020204" pitchFamily="49" charset="0"/>
+              </a:rPr>
+            </a:br>
+            <a:r>
+              <a:rPr lang="pl-PL" dirty="0">
+                <a:latin typeface="Lucida Console" panose="020B0609040504020204" pitchFamily="49" charset="0"/>
+              </a:rPr>
+              <a:t>         </a:t>
+            </a:r>
+            <a:r>
+              <a:rPr lang="pl-PL" dirty="0" err="1">
+                <a:latin typeface="Lucida Console" panose="020B0609040504020204" pitchFamily="49" charset="0"/>
+              </a:rPr>
+              <a:t>Persistence.createEntityManagerFactory</a:t>
+            </a:r>
+            <a:r>
+              <a:rPr lang="pl-PL" dirty="0">
+                <a:latin typeface="Lucida Console" panose="020B0609040504020204" pitchFamily="49" charset="0"/>
+              </a:rPr>
+              <a:t>( "</a:t>
+            </a:r>
+            <a:r>
+              <a:rPr lang="pl-PL" dirty="0" err="1">
+                <a:latin typeface="Lucida Console" panose="020B0609040504020204" pitchFamily="49" charset="0"/>
+              </a:rPr>
+              <a:t>emf-name</a:t>
+            </a:r>
+            <a:r>
+              <a:rPr lang="pl-PL" dirty="0">
+                <a:latin typeface="Lucida Console" panose="020B0609040504020204" pitchFamily="49" charset="0"/>
+              </a:rPr>
+              <a:t>" ) ); </a:t>
+            </a:r>
+            <a:br>
+              <a:rPr lang="pl-PL" dirty="0">
+                <a:latin typeface="Lucida Console" panose="020B0609040504020204" pitchFamily="49" charset="0"/>
+              </a:rPr>
+            </a:br>
+            <a:r>
+              <a:rPr lang="pl-PL" dirty="0" err="1">
+                <a:latin typeface="Lucida Console" panose="020B0609040504020204" pitchFamily="49" charset="0"/>
+              </a:rPr>
+              <a:t>env.set</a:t>
+            </a:r>
+            <a:r>
+              <a:rPr lang="pl-PL" dirty="0">
+                <a:latin typeface="Lucida Console" panose="020B0609040504020204" pitchFamily="49" charset="0"/>
+              </a:rPr>
+              <a:t>( </a:t>
+            </a:r>
+            <a:r>
+              <a:rPr lang="pl-PL" dirty="0" err="1">
+                <a:latin typeface="Lucida Console" panose="020B0609040504020204" pitchFamily="49" charset="0"/>
+              </a:rPr>
+              <a:t>EnvironmentName.TRANSACTION_MANAGER</a:t>
+            </a:r>
+            <a:r>
+              <a:rPr lang="pl-PL" dirty="0">
+                <a:latin typeface="Lucida Console" panose="020B0609040504020204" pitchFamily="49" charset="0"/>
+              </a:rPr>
+              <a:t>, </a:t>
+            </a:r>
+            <a:br>
+              <a:rPr lang="pl-PL" dirty="0">
+                <a:latin typeface="Lucida Console" panose="020B0609040504020204" pitchFamily="49" charset="0"/>
+              </a:rPr>
+            </a:br>
+            <a:r>
+              <a:rPr lang="pl-PL" dirty="0">
+                <a:latin typeface="Lucida Console" panose="020B0609040504020204" pitchFamily="49" charset="0"/>
+              </a:rPr>
+              <a:t>         </a:t>
+            </a:r>
+            <a:r>
+              <a:rPr lang="pl-PL" dirty="0" err="1">
+                <a:latin typeface="Lucida Console" panose="020B0609040504020204" pitchFamily="49" charset="0"/>
+              </a:rPr>
+              <a:t>TransactionManagerServices.getTransactionManager</a:t>
+            </a:r>
+            <a:r>
+              <a:rPr lang="pl-PL" dirty="0">
+                <a:latin typeface="Lucida Console" panose="020B0609040504020204" pitchFamily="49" charset="0"/>
+              </a:rPr>
+              <a:t>() ); </a:t>
+            </a:r>
+            <a:br>
+              <a:rPr lang="pl-PL" dirty="0">
+                <a:latin typeface="Lucida Console" panose="020B0609040504020204" pitchFamily="49" charset="0"/>
+              </a:rPr>
+            </a:br>
+            <a:r>
+              <a:rPr lang="pl-PL" dirty="0">
+                <a:latin typeface="Lucida Console" panose="020B0609040504020204" pitchFamily="49" charset="0"/>
+              </a:rPr>
+              <a:t>           </a:t>
+            </a:r>
+            <a:r>
+              <a:rPr lang="pl-PL" dirty="0" smtClean="0">
+                <a:latin typeface="Lucida Console" panose="020B0609040504020204" pitchFamily="49" charset="0"/>
+              </a:rPr>
+              <a:t/>
+            </a:r>
+            <a:br>
+              <a:rPr lang="pl-PL" dirty="0" smtClean="0">
+                <a:latin typeface="Lucida Console" panose="020B0609040504020204" pitchFamily="49" charset="0"/>
+              </a:rPr>
+            </a:br>
+            <a:r>
+              <a:rPr lang="pl-PL" dirty="0">
+                <a:latin typeface="Lucida Console" panose="020B0609040504020204" pitchFamily="49" charset="0"/>
+              </a:rPr>
+              <a:t/>
+            </a:r>
+            <a:br>
+              <a:rPr lang="pl-PL" dirty="0">
+                <a:latin typeface="Lucida Console" panose="020B0609040504020204" pitchFamily="49" charset="0"/>
+              </a:rPr>
+            </a:br>
+            <a:r>
+              <a:rPr lang="pl-PL" dirty="0" err="1">
+                <a:latin typeface="Lucida Console" panose="020B0609040504020204" pitchFamily="49" charset="0"/>
+              </a:rPr>
+              <a:t>StatefulKnowledgeSession</a:t>
+            </a:r>
+            <a:r>
+              <a:rPr lang="pl-PL" dirty="0">
+                <a:latin typeface="Lucida Console" panose="020B0609040504020204" pitchFamily="49" charset="0"/>
+              </a:rPr>
+              <a:t> </a:t>
+            </a:r>
+            <a:r>
+              <a:rPr lang="pl-PL" dirty="0" err="1">
+                <a:latin typeface="Lucida Console" panose="020B0609040504020204" pitchFamily="49" charset="0"/>
+              </a:rPr>
+              <a:t>ksession</a:t>
+            </a:r>
+            <a:r>
+              <a:rPr lang="pl-PL" dirty="0">
+                <a:latin typeface="Lucida Console" panose="020B0609040504020204" pitchFamily="49" charset="0"/>
+              </a:rPr>
+              <a:t> = </a:t>
+            </a:r>
+            <a:br>
+              <a:rPr lang="pl-PL" dirty="0">
+                <a:latin typeface="Lucida Console" panose="020B0609040504020204" pitchFamily="49" charset="0"/>
+              </a:rPr>
+            </a:br>
+            <a:r>
+              <a:rPr lang="pl-PL" dirty="0">
+                <a:latin typeface="Lucida Console" panose="020B0609040504020204" pitchFamily="49" charset="0"/>
+              </a:rPr>
+              <a:t> </a:t>
+            </a:r>
+            <a:r>
+              <a:rPr lang="pl-PL" dirty="0" err="1" smtClean="0">
+                <a:latin typeface="Lucida Console" panose="020B0609040504020204" pitchFamily="49" charset="0"/>
+              </a:rPr>
+              <a:t>JPAKnowledgeService.newStatefulKnowledgeSession</a:t>
+            </a:r>
+            <a:r>
+              <a:rPr lang="pl-PL" dirty="0">
+                <a:latin typeface="Lucida Console" panose="020B0609040504020204" pitchFamily="49" charset="0"/>
+              </a:rPr>
+              <a:t>( </a:t>
+            </a:r>
+            <a:r>
+              <a:rPr lang="pl-PL" dirty="0" err="1">
+                <a:latin typeface="Lucida Console" panose="020B0609040504020204" pitchFamily="49" charset="0"/>
+              </a:rPr>
+              <a:t>kbase</a:t>
+            </a:r>
+            <a:r>
+              <a:rPr lang="pl-PL" dirty="0">
+                <a:latin typeface="Lucida Console" panose="020B0609040504020204" pitchFamily="49" charset="0"/>
+              </a:rPr>
+              <a:t>, </a:t>
+            </a:r>
+            <a:r>
+              <a:rPr lang="pl-PL" dirty="0" err="1">
+                <a:latin typeface="Lucida Console" panose="020B0609040504020204" pitchFamily="49" charset="0"/>
+              </a:rPr>
+              <a:t>null</a:t>
+            </a:r>
+            <a:r>
+              <a:rPr lang="pl-PL" dirty="0">
+                <a:latin typeface="Lucida Console" panose="020B0609040504020204" pitchFamily="49" charset="0"/>
+              </a:rPr>
+              <a:t>, </a:t>
+            </a:r>
+            <a:r>
+              <a:rPr lang="pl-PL" dirty="0" err="1">
+                <a:latin typeface="Lucida Console" panose="020B0609040504020204" pitchFamily="49" charset="0"/>
+              </a:rPr>
+              <a:t>env</a:t>
+            </a:r>
+            <a:r>
+              <a:rPr lang="pl-PL" dirty="0">
+                <a:latin typeface="Lucida Console" panose="020B0609040504020204" pitchFamily="49" charset="0"/>
+              </a:rPr>
+              <a:t> ); </a:t>
+            </a:r>
+            <a:br>
+              <a:rPr lang="pl-PL" dirty="0">
+                <a:latin typeface="Lucida Console" panose="020B0609040504020204" pitchFamily="49" charset="0"/>
+              </a:rPr>
+            </a:br>
+            <a:r>
+              <a:rPr lang="pl-PL" dirty="0" err="1">
+                <a:latin typeface="Lucida Console" panose="020B0609040504020204" pitchFamily="49" charset="0"/>
+              </a:rPr>
+              <a:t>int</a:t>
+            </a:r>
+            <a:r>
+              <a:rPr lang="pl-PL" dirty="0">
+                <a:latin typeface="Lucida Console" panose="020B0609040504020204" pitchFamily="49" charset="0"/>
+              </a:rPr>
+              <a:t> </a:t>
+            </a:r>
+            <a:r>
+              <a:rPr lang="pl-PL" dirty="0" err="1">
+                <a:latin typeface="Lucida Console" panose="020B0609040504020204" pitchFamily="49" charset="0"/>
+              </a:rPr>
+              <a:t>sessionId</a:t>
+            </a:r>
+            <a:r>
+              <a:rPr lang="pl-PL" dirty="0">
+                <a:latin typeface="Lucida Console" panose="020B0609040504020204" pitchFamily="49" charset="0"/>
+              </a:rPr>
+              <a:t> = </a:t>
+            </a:r>
+            <a:r>
+              <a:rPr lang="pl-PL" dirty="0" err="1">
+                <a:latin typeface="Lucida Console" panose="020B0609040504020204" pitchFamily="49" charset="0"/>
+              </a:rPr>
+              <a:t>ksession.getId</a:t>
+            </a:r>
+            <a:r>
+              <a:rPr lang="pl-PL" dirty="0">
+                <a:latin typeface="Lucida Console" panose="020B0609040504020204" pitchFamily="49" charset="0"/>
+              </a:rPr>
+              <a:t>(); </a:t>
+            </a:r>
+            <a:br>
+              <a:rPr lang="pl-PL" dirty="0">
+                <a:latin typeface="Lucida Console" panose="020B0609040504020204" pitchFamily="49" charset="0"/>
+              </a:rPr>
+            </a:br>
+            <a:r>
+              <a:rPr lang="pl-PL" dirty="0">
+                <a:latin typeface="Lucida Console" panose="020B0609040504020204" pitchFamily="49" charset="0"/>
+              </a:rPr>
+              <a:t>  </a:t>
+            </a:r>
+            <a:br>
+              <a:rPr lang="pl-PL" dirty="0">
+                <a:latin typeface="Lucida Console" panose="020B0609040504020204" pitchFamily="49" charset="0"/>
+              </a:rPr>
+            </a:br>
+            <a:r>
+              <a:rPr lang="pl-PL" dirty="0" err="1">
+                <a:latin typeface="Lucida Console" panose="020B0609040504020204" pitchFamily="49" charset="0"/>
+              </a:rPr>
+              <a:t>UserTransaction</a:t>
+            </a:r>
+            <a:r>
+              <a:rPr lang="pl-PL" dirty="0">
+                <a:latin typeface="Lucida Console" panose="020B0609040504020204" pitchFamily="49" charset="0"/>
+              </a:rPr>
+              <a:t> </a:t>
+            </a:r>
+            <a:r>
+              <a:rPr lang="pl-PL" dirty="0" err="1">
+                <a:latin typeface="Lucida Console" panose="020B0609040504020204" pitchFamily="49" charset="0"/>
+              </a:rPr>
+              <a:t>ut</a:t>
+            </a:r>
+            <a:r>
+              <a:rPr lang="pl-PL" dirty="0">
+                <a:latin typeface="Lucida Console" panose="020B0609040504020204" pitchFamily="49" charset="0"/>
+              </a:rPr>
+              <a:t> = </a:t>
+            </a:r>
+            <a:br>
+              <a:rPr lang="pl-PL" dirty="0">
+                <a:latin typeface="Lucida Console" panose="020B0609040504020204" pitchFamily="49" charset="0"/>
+              </a:rPr>
+            </a:br>
+            <a:r>
+              <a:rPr lang="pl-PL" dirty="0">
+                <a:latin typeface="Lucida Console" panose="020B0609040504020204" pitchFamily="49" charset="0"/>
+              </a:rPr>
+              <a:t>  (</a:t>
+            </a:r>
+            <a:r>
+              <a:rPr lang="pl-PL" dirty="0" err="1">
+                <a:latin typeface="Lucida Console" panose="020B0609040504020204" pitchFamily="49" charset="0"/>
+              </a:rPr>
+              <a:t>UserTransaction</a:t>
+            </a:r>
+            <a:r>
+              <a:rPr lang="pl-PL" dirty="0">
+                <a:latin typeface="Lucida Console" panose="020B0609040504020204" pitchFamily="49" charset="0"/>
+              </a:rPr>
+              <a:t>) </a:t>
+            </a:r>
+            <a:r>
+              <a:rPr lang="pl-PL" b="1" dirty="0" err="1">
+                <a:latin typeface="Lucida Console" panose="020B0609040504020204" pitchFamily="49" charset="0"/>
+              </a:rPr>
+              <a:t>new</a:t>
+            </a:r>
+            <a:r>
+              <a:rPr lang="pl-PL" dirty="0">
+                <a:latin typeface="Lucida Console" panose="020B0609040504020204" pitchFamily="49" charset="0"/>
+              </a:rPr>
+              <a:t> </a:t>
+            </a:r>
+            <a:r>
+              <a:rPr lang="pl-PL" dirty="0" err="1">
+                <a:latin typeface="Lucida Console" panose="020B0609040504020204" pitchFamily="49" charset="0"/>
+              </a:rPr>
+              <a:t>InitialContext</a:t>
+            </a:r>
+            <a:r>
+              <a:rPr lang="pl-PL" dirty="0">
+                <a:latin typeface="Lucida Console" panose="020B0609040504020204" pitchFamily="49" charset="0"/>
+              </a:rPr>
+              <a:t>().</a:t>
+            </a:r>
+            <a:r>
+              <a:rPr lang="pl-PL" dirty="0" err="1">
+                <a:latin typeface="Lucida Console" panose="020B0609040504020204" pitchFamily="49" charset="0"/>
+              </a:rPr>
+              <a:t>lookup</a:t>
+            </a:r>
+            <a:r>
+              <a:rPr lang="pl-PL" dirty="0">
+                <a:latin typeface="Lucida Console" panose="020B0609040504020204" pitchFamily="49" charset="0"/>
+              </a:rPr>
+              <a:t>( </a:t>
+            </a:r>
+            <a:endParaRPr lang="pl-PL" dirty="0" smtClean="0">
+              <a:latin typeface="Lucida Console" panose="020B0609040504020204" pitchFamily="49" charset="0"/>
+            </a:endParaRPr>
+          </a:p>
+          <a:p>
+            <a:pPr marL="109728" indent="0">
+              <a:buNone/>
+            </a:pPr>
+            <a:r>
+              <a:rPr lang="pl-PL" dirty="0">
+                <a:latin typeface="Lucida Console" panose="020B0609040504020204" pitchFamily="49" charset="0"/>
+              </a:rPr>
+              <a:t>	</a:t>
+            </a:r>
+            <a:r>
+              <a:rPr lang="pl-PL" dirty="0" smtClean="0">
+                <a:latin typeface="Lucida Console" panose="020B0609040504020204" pitchFamily="49" charset="0"/>
+              </a:rPr>
+              <a:t>"</a:t>
+            </a:r>
+            <a:r>
+              <a:rPr lang="pl-PL" dirty="0" err="1">
+                <a:latin typeface="Lucida Console" panose="020B0609040504020204" pitchFamily="49" charset="0"/>
+              </a:rPr>
+              <a:t>java:comp</a:t>
+            </a:r>
+            <a:r>
+              <a:rPr lang="pl-PL" dirty="0">
+                <a:latin typeface="Lucida Console" panose="020B0609040504020204" pitchFamily="49" charset="0"/>
+              </a:rPr>
+              <a:t>/</a:t>
+            </a:r>
+            <a:r>
+              <a:rPr lang="pl-PL" dirty="0" err="1">
+                <a:latin typeface="Lucida Console" panose="020B0609040504020204" pitchFamily="49" charset="0"/>
+              </a:rPr>
+              <a:t>UserTransaction</a:t>
+            </a:r>
+            <a:r>
+              <a:rPr lang="pl-PL" dirty="0">
+                <a:latin typeface="Lucida Console" panose="020B0609040504020204" pitchFamily="49" charset="0"/>
+              </a:rPr>
+              <a:t>" ); </a:t>
+            </a:r>
+            <a:br>
+              <a:rPr lang="pl-PL" dirty="0">
+                <a:latin typeface="Lucida Console" panose="020B0609040504020204" pitchFamily="49" charset="0"/>
+              </a:rPr>
+            </a:br>
+            <a:r>
+              <a:rPr lang="pl-PL" dirty="0" err="1">
+                <a:latin typeface="Lucida Console" panose="020B0609040504020204" pitchFamily="49" charset="0"/>
+              </a:rPr>
+              <a:t>ut.begin</a:t>
+            </a:r>
+            <a:r>
+              <a:rPr lang="pl-PL" dirty="0">
+                <a:latin typeface="Lucida Console" panose="020B0609040504020204" pitchFamily="49" charset="0"/>
+              </a:rPr>
+              <a:t>(); </a:t>
+            </a:r>
+            <a:br>
+              <a:rPr lang="pl-PL" dirty="0">
+                <a:latin typeface="Lucida Console" panose="020B0609040504020204" pitchFamily="49" charset="0"/>
+              </a:rPr>
+            </a:br>
+            <a:r>
+              <a:rPr lang="pl-PL" dirty="0" err="1">
+                <a:latin typeface="Lucida Console" panose="020B0609040504020204" pitchFamily="49" charset="0"/>
+              </a:rPr>
+              <a:t>ksession.insert</a:t>
+            </a:r>
+            <a:r>
+              <a:rPr lang="pl-PL" dirty="0">
+                <a:latin typeface="Lucida Console" panose="020B0609040504020204" pitchFamily="49" charset="0"/>
+              </a:rPr>
+              <a:t>( data1 ); </a:t>
+            </a:r>
+            <a:br>
+              <a:rPr lang="pl-PL" dirty="0">
+                <a:latin typeface="Lucida Console" panose="020B0609040504020204" pitchFamily="49" charset="0"/>
+              </a:rPr>
+            </a:br>
+            <a:r>
+              <a:rPr lang="pl-PL" dirty="0" err="1">
+                <a:latin typeface="Lucida Console" panose="020B0609040504020204" pitchFamily="49" charset="0"/>
+              </a:rPr>
+              <a:t>ksession.insert</a:t>
+            </a:r>
+            <a:r>
+              <a:rPr lang="pl-PL" dirty="0">
+                <a:latin typeface="Lucida Console" panose="020B0609040504020204" pitchFamily="49" charset="0"/>
+              </a:rPr>
+              <a:t>( data2 ); </a:t>
+            </a:r>
+            <a:br>
+              <a:rPr lang="pl-PL" dirty="0">
+                <a:latin typeface="Lucida Console" panose="020B0609040504020204" pitchFamily="49" charset="0"/>
+              </a:rPr>
+            </a:br>
+            <a:r>
+              <a:rPr lang="pl-PL" dirty="0" err="1">
+                <a:latin typeface="Lucida Console" panose="020B0609040504020204" pitchFamily="49" charset="0"/>
+              </a:rPr>
+              <a:t>ksession.startProcess</a:t>
+            </a:r>
+            <a:r>
+              <a:rPr lang="pl-PL" dirty="0">
+                <a:latin typeface="Lucida Console" panose="020B0609040504020204" pitchFamily="49" charset="0"/>
+              </a:rPr>
+              <a:t>( "process1" ); </a:t>
+            </a:r>
+            <a:br>
+              <a:rPr lang="pl-PL" dirty="0">
+                <a:latin typeface="Lucida Console" panose="020B0609040504020204" pitchFamily="49" charset="0"/>
+              </a:rPr>
+            </a:br>
+            <a:r>
+              <a:rPr lang="pl-PL" dirty="0" err="1">
+                <a:latin typeface="Lucida Console" panose="020B0609040504020204" pitchFamily="49" charset="0"/>
+              </a:rPr>
+              <a:t>ut.commit</a:t>
+            </a:r>
+            <a:r>
+              <a:rPr lang="pl-PL" dirty="0">
+                <a:latin typeface="Lucida Console" panose="020B0609040504020204" pitchFamily="49" charset="0"/>
+              </a:rPr>
+              <a:t>();</a:t>
+            </a:r>
+          </a:p>
+          <a:p>
+            <a:pPr marL="109728" indent="0">
+              <a:buNone/>
+            </a:pPr>
+            <a:endParaRPr lang="pl-PL" dirty="0">
+              <a:latin typeface="Lucida Console" panose="020B0609040504020204" pitchFamily="49" charset="0"/>
+            </a:endParaRPr>
+          </a:p>
+        </p:txBody>
+      </p:sp>
+      <p:sp>
+        <p:nvSpPr>
+          <p:cNvPr id="3" name="Tytuł 2"/>
+          <p:cNvSpPr>
+            <a:spLocks noGrp="1"/>
+          </p:cNvSpPr>
+          <p:nvPr>
+            <p:ph type="title"/>
+          </p:nvPr>
+        </p:nvSpPr>
+        <p:spPr/>
+        <p:txBody>
+          <a:bodyPr>
+            <a:normAutofit fontScale="90000"/>
+          </a:bodyPr>
+          <a:lstStyle/>
+          <a:p>
             <a:r>
               <a:rPr lang="pl-PL" dirty="0" err="1" smtClean="0"/>
-              <a:t>is</a:t>
+              <a:t>Persistence</a:t>
             </a:r>
             <a:r>
               <a:rPr lang="pl-PL" dirty="0" smtClean="0"/>
@@ -7584,7 +7762,7 @@
             </a:r>
             <a:r>
               <a:rPr lang="pl-PL" dirty="0" err="1" smtClean="0"/>
-              <a:t>too</a:t>
+              <a:t>framework</a:t>
             </a:r>
             <a:r>
               <a:rPr lang="pl-PL" dirty="0" smtClean="0"/>
@@ -7592,173 +7770,7 @@
             </a:r>
             <a:r>
               <a:rPr lang="pl-PL" dirty="0" err="1" smtClean="0"/>
-              <a:t>fiddly</a:t>
-            </a:r>
-            <a:r>
-              <a:rPr lang="pl-PL" dirty="0" smtClean="0"/>
-              <a:t> for </a:t>
-            </a:r>
-            <a:r>
-              <a:rPr lang="pl-PL" dirty="0" err="1" smtClean="0"/>
-              <a:t>traditional</a:t>
-            </a:r>
-            <a:r>
-              <a:rPr lang="pl-PL" dirty="0" smtClean="0"/>
-              <a:t> </a:t>
-            </a:r>
-            <a:r>
-              <a:rPr lang="pl-PL" dirty="0" err="1" smtClean="0"/>
-              <a:t>code</a:t>
-            </a:r>
-            <a:endParaRPr lang="pl-PL" dirty="0" smtClean="0"/>
-          </a:p>
-          <a:p>
-            <a:r>
-              <a:rPr lang="pl-PL" dirty="0" smtClean="0"/>
-              <a:t>The problem </a:t>
-            </a:r>
-            <a:r>
-              <a:rPr lang="pl-PL" dirty="0" err="1" smtClean="0"/>
-              <a:t>is</a:t>
-            </a:r>
-            <a:r>
-              <a:rPr lang="pl-PL" dirty="0" smtClean="0"/>
-              <a:t> </a:t>
-            </a:r>
-            <a:r>
-              <a:rPr lang="pl-PL" dirty="0" err="1" smtClean="0"/>
-              <a:t>beyond</a:t>
-            </a:r>
-            <a:r>
-              <a:rPr lang="pl-PL" dirty="0" smtClean="0"/>
-              <a:t> </a:t>
-            </a:r>
-            <a:r>
-              <a:rPr lang="pl-PL" dirty="0" err="1" smtClean="0"/>
-              <a:t>any</a:t>
-            </a:r>
-            <a:r>
-              <a:rPr lang="pl-PL" dirty="0" smtClean="0"/>
-              <a:t> </a:t>
-            </a:r>
-            <a:r>
-              <a:rPr lang="pl-PL" dirty="0" err="1" smtClean="0"/>
-              <a:t>obvious</a:t>
-            </a:r>
-            <a:r>
-              <a:rPr lang="pl-PL" dirty="0" smtClean="0"/>
-              <a:t> </a:t>
-            </a:r>
-            <a:r>
-              <a:rPr lang="pl-PL" dirty="0" err="1" smtClean="0"/>
-              <a:t>algorithmic</a:t>
-            </a:r>
-            <a:r>
-              <a:rPr lang="pl-PL" dirty="0" smtClean="0"/>
-              <a:t> </a:t>
-            </a:r>
-            <a:r>
-              <a:rPr lang="pl-PL" dirty="0" err="1" smtClean="0"/>
-              <a:t>solution</a:t>
-            </a:r>
-            <a:endParaRPr lang="pl-PL" dirty="0" smtClean="0"/>
-          </a:p>
-          <a:p>
-            <a:r>
-              <a:rPr lang="pl-PL" dirty="0" smtClean="0"/>
-              <a:t>The </a:t>
-            </a:r>
-            <a:r>
-              <a:rPr lang="pl-PL" dirty="0" err="1" smtClean="0"/>
-              <a:t>logic</a:t>
-            </a:r>
-            <a:r>
-              <a:rPr lang="pl-PL" dirty="0" smtClean="0"/>
-              <a:t> </a:t>
-            </a:r>
-            <a:r>
-              <a:rPr lang="pl-PL" dirty="0" err="1" smtClean="0"/>
-              <a:t>changes</a:t>
-            </a:r>
-            <a:r>
-              <a:rPr lang="pl-PL" dirty="0" smtClean="0"/>
-              <a:t> </a:t>
-            </a:r>
-            <a:r>
-              <a:rPr lang="pl-PL" dirty="0" err="1" smtClean="0"/>
-              <a:t>often</a:t>
-            </a:r>
-            <a:endParaRPr lang="pl-PL" dirty="0" smtClean="0"/>
-          </a:p>
-          <a:p>
-            <a:r>
-              <a:rPr lang="pl-PL" dirty="0" err="1" smtClean="0"/>
-              <a:t>Domain</a:t>
-            </a:r>
-            <a:r>
-              <a:rPr lang="pl-PL" dirty="0" smtClean="0"/>
-              <a:t> </a:t>
-            </a:r>
-            <a:r>
-              <a:rPr lang="pl-PL" dirty="0" err="1" smtClean="0"/>
-              <a:t>experts</a:t>
-            </a:r>
-            <a:r>
-              <a:rPr lang="pl-PL" dirty="0" smtClean="0"/>
-              <a:t> </a:t>
-            </a:r>
-            <a:r>
-              <a:rPr lang="pl-PL" dirty="0" err="1" smtClean="0"/>
-              <a:t>are</a:t>
-            </a:r>
-            <a:r>
-              <a:rPr lang="pl-PL" dirty="0" smtClean="0"/>
-              <a:t> </a:t>
-            </a:r>
-            <a:r>
-              <a:rPr lang="pl-PL" dirty="0" err="1" smtClean="0"/>
-              <a:t>readily</a:t>
-            </a:r>
-            <a:r>
-              <a:rPr lang="pl-PL" dirty="0" smtClean="0"/>
-              <a:t> </a:t>
-            </a:r>
-            <a:r>
-              <a:rPr lang="pl-PL" dirty="0" err="1" smtClean="0"/>
-              <a:t>available</a:t>
-            </a:r>
-            <a:r>
-              <a:rPr lang="pl-PL" dirty="0" smtClean="0"/>
-              <a:t> and </a:t>
-            </a:r>
-            <a:r>
-              <a:rPr lang="pl-PL" dirty="0" err="1" smtClean="0"/>
-              <a:t>nontechnical</a:t>
-            </a:r>
-            <a:endParaRPr lang="pl-PL" dirty="0"/>
-          </a:p>
-        </p:txBody>
-      </p:sp>
-      <p:sp>
-        <p:nvSpPr>
-          <p:cNvPr id="6" name="Symbol zastępczy zawartości 5"/>
-          <p:cNvSpPr>
-            <a:spLocks noGrp="1"/>
-          </p:cNvSpPr>
-          <p:nvPr>
-            <p:ph sz="quarter" idx="4"/>
-          </p:nvPr>
-        </p:nvSpPr>
-        <p:spPr/>
-        <p:txBody>
-          <a:bodyPr>
-            <a:normAutofit fontScale="92500" lnSpcReduction="20000"/>
-          </a:bodyPr>
-          <a:lstStyle/>
-          <a:p>
-            <a:r>
-              <a:rPr lang="en-US" dirty="0"/>
-              <a:t>Rules engines are not really intended to handle workflow or process executions nor are workflow engines or process management tools designed to do rules. Use the right tool for the job. Sure, a pair of pliers can be used as a hammering tool in a pinch, but that's not what it's designed for.</a:t>
+              <a:t>integration</a:t>
             </a:r>
             <a:endParaRPr lang="pl-PL" dirty="0"/>
           </a:p>
@@ -7767,7 +7779,7 @@
     </p:spTree>
     <p:extLst>
       <p:ext uri="{BB962C8B-B14F-4D97-AF65-F5344CB8AC3E}">
-        <p14:creationId xmlns:p14="http://schemas.microsoft.com/office/powerpoint/2010/main" val="3001520462"/>
+        <p14:creationId xmlns:p14="http://schemas.microsoft.com/office/powerpoint/2010/main" val="1896570916"/>
       </p:ext>
     </p:extLst>
   </p:cSld>
@@ -7803,52 +7815,114 @@
       </p:grpSpPr>
       <p:sp>
         <p:nvSpPr>
-          <p:cNvPr id="2" name="Tytuł 1"/>
-          <p:cNvSpPr>
-            <a:spLocks noGrp="1"/>
-          </p:cNvSpPr>
-          <p:nvPr>
-            <p:ph type="title"/>
-          </p:nvPr>
-        </p:nvSpPr>
-        <p:spPr>
-          <a:xfrm>
-            <a:off x="827584" y="4077072"/>
-            <a:ext cx="7481776" cy="457200"/>
-          </a:xfrm>
-        </p:spPr>
+          <p:cNvPr id="2" name="Symbol zastępczy zawartości 1"/>
+          <p:cNvSpPr>
+            <a:spLocks noGrp="1"/>
+          </p:cNvSpPr>
+          <p:nvPr>
+            <p:ph idx="1"/>
+          </p:nvPr>
+        </p:nvSpPr>
+        <p:spPr/>
         <p:txBody>
           <a:bodyPr/>
           <a:lstStyle/>
           <a:p>
             <a:r>
-              <a:rPr lang="en-GB" sz="3200" dirty="0" err="1"/>
-              <a:t>JBoss</a:t>
-            </a:r>
-            <a:r>
-              <a:rPr lang="en-GB" sz="3200" dirty="0"/>
-              <a:t> Drools</a:t>
-            </a:r>
-            <a:br>
-              <a:rPr lang="en-GB" sz="3200" dirty="0"/>
-            </a:br>
-            <a:r>
-              <a:rPr lang="en-GB" sz="2800" dirty="0"/>
-              <a:t>example of expert system,</a:t>
-            </a:r>
-            <a:br>
-              <a:rPr lang="en-GB" sz="2800" dirty="0"/>
-            </a:br>
-            <a:r>
-              <a:rPr lang="en-GB" sz="2800" dirty="0"/>
-              <a:t>or develop your own </a:t>
-            </a:r>
-            <a:br>
-              <a:rPr lang="en-GB" sz="2800" dirty="0"/>
-            </a:br>
-            <a:r>
-              <a:rPr lang="en-GB" sz="2800" dirty="0"/>
-              <a:t>House, M.D.</a:t>
+              <a:rPr lang="pl-PL" dirty="0" err="1" smtClean="0"/>
+              <a:t>Declarative</a:t>
+            </a:r>
+            <a:r>
+              <a:rPr lang="pl-PL" dirty="0" smtClean="0"/>
+              <a:t> </a:t>
+            </a:r>
+            <a:r>
+              <a:rPr lang="pl-PL" dirty="0" err="1" smtClean="0"/>
+              <a:t>programming</a:t>
+            </a:r>
+            <a:endParaRPr lang="pl-PL" dirty="0" smtClean="0"/>
+          </a:p>
+          <a:p>
+            <a:r>
+              <a:rPr lang="pl-PL" dirty="0" err="1" smtClean="0"/>
+              <a:t>Logic</a:t>
+            </a:r>
+            <a:r>
+              <a:rPr lang="pl-PL" dirty="0" smtClean="0"/>
+              <a:t> and data </a:t>
+            </a:r>
+            <a:r>
+              <a:rPr lang="pl-PL" dirty="0" err="1" smtClean="0"/>
+              <a:t>separation</a:t>
+            </a:r>
+            <a:endParaRPr lang="pl-PL" dirty="0" smtClean="0"/>
+          </a:p>
+          <a:p>
+            <a:r>
+              <a:rPr lang="pl-PL" dirty="0" err="1" smtClean="0"/>
+              <a:t>Speed</a:t>
+            </a:r>
+            <a:r>
+              <a:rPr lang="pl-PL" dirty="0" smtClean="0"/>
+              <a:t> and </a:t>
+            </a:r>
+            <a:r>
+              <a:rPr lang="pl-PL" dirty="0" err="1" smtClean="0"/>
+              <a:t>Scalability</a:t>
+            </a:r>
+            <a:endParaRPr lang="pl-PL" dirty="0" smtClean="0"/>
+          </a:p>
+          <a:p>
+            <a:r>
+              <a:rPr lang="pl-PL" dirty="0" err="1" smtClean="0"/>
+              <a:t>Centralization</a:t>
+            </a:r>
+            <a:r>
+              <a:rPr lang="pl-PL" dirty="0" smtClean="0"/>
+              <a:t> of Knowledge</a:t>
+            </a:r>
+          </a:p>
+          <a:p>
+            <a:r>
+              <a:rPr lang="pl-PL" dirty="0" err="1" smtClean="0"/>
+              <a:t>Tool</a:t>
+            </a:r>
+            <a:r>
+              <a:rPr lang="pl-PL" dirty="0"/>
+              <a:t> </a:t>
+            </a:r>
+            <a:r>
+              <a:rPr lang="pl-PL" dirty="0" smtClean="0"/>
+              <a:t>Integration</a:t>
+            </a:r>
+          </a:p>
+          <a:p>
+            <a:r>
+              <a:rPr lang="pl-PL" dirty="0" err="1" smtClean="0"/>
+              <a:t>Explanation</a:t>
+            </a:r>
+            <a:r>
+              <a:rPr lang="pl-PL" dirty="0" smtClean="0"/>
+              <a:t> </a:t>
+            </a:r>
+            <a:r>
+              <a:rPr lang="pl-PL" dirty="0" err="1" smtClean="0"/>
+              <a:t>facility</a:t>
+            </a:r>
+            <a:endParaRPr lang="pl-PL" dirty="0" smtClean="0"/>
+          </a:p>
+          <a:p>
+            <a:r>
+              <a:rPr lang="pl-PL" dirty="0" err="1" smtClean="0"/>
+              <a:t>Understandable</a:t>
+            </a:r>
+            <a:r>
+              <a:rPr lang="pl-PL" dirty="0" smtClean="0"/>
+              <a:t> </a:t>
+            </a:r>
+            <a:r>
+              <a:rPr lang="pl-PL" dirty="0" err="1" smtClean="0"/>
+              <a:t>rules</a:t>
             </a:r>
             <a:endParaRPr lang="pl-PL" dirty="0"/>
           </a:p>
@@ -7856,42 +7930,12 @@
       </p:sp>
       <p:sp>
         <p:nvSpPr>
-          <p:cNvPr id="3" name="Symbol zastępczy tekstu 2"/>
-          <p:cNvSpPr>
-            <a:spLocks noGrp="1"/>
-          </p:cNvSpPr>
-          <p:nvPr>
-            <p:ph type="body" idx="2"/>
-          </p:nvPr>
-        </p:nvSpPr>
-        <p:spPr>
-          <a:xfrm>
-            <a:off x="4427984" y="5877272"/>
-            <a:ext cx="3974592" cy="399256"/>
-          </a:xfrm>
-        </p:spPr>
-        <p:txBody>
-          <a:bodyPr>
-            <a:normAutofit/>
-          </a:bodyPr>
-          <a:lstStyle/>
-          <a:p>
-            <a:r>
-              <a:rPr lang="pl-PL" sz="1100" dirty="0" smtClean="0"/>
-              <a:t>by Przemek Różycki</a:t>
-            </a:r>
-            <a:endParaRPr lang="pl-PL" sz="1100" dirty="0"/>
-          </a:p>
-        </p:txBody>
-      </p:sp>
-      <p:sp>
-        <p:nvSpPr>
-          <p:cNvPr id="4" name="Symbol zastępczy zawartości 3"/>
-          <p:cNvSpPr>
-            <a:spLocks noGrp="1"/>
-          </p:cNvSpPr>
-          <p:nvPr>
-            <p:ph sz="half" idx="1"/>
+          <p:cNvPr id="3" name="Tytuł 2"/>
+          <p:cNvSpPr>
+            <a:spLocks noGrp="1"/>
+          </p:cNvSpPr>
+          <p:nvPr>
+            <p:ph type="title"/>
           </p:nvPr>
         </p:nvSpPr>
         <p:spPr/>
@@ -7899,82 +7943,362 @@
           <a:bodyPr/>
           <a:lstStyle/>
           <a:p>
-            <a:pPr marL="109728" indent="0" algn="ctr">
-              <a:buNone/>
-            </a:pPr>
-            <a:endParaRPr lang="pl-PL" sz="4000" b="1" dirty="0" smtClean="0"/>
-          </a:p>
-          <a:p>
-            <a:pPr marL="109728" indent="0" algn="ctr">
-              <a:buNone/>
-            </a:pPr>
-            <a:r>
-              <a:rPr lang="pl-PL" sz="4000" b="1" dirty="0" err="1" smtClean="0"/>
-              <a:t>Thank</a:t>
-            </a:r>
-            <a:r>
-              <a:rPr lang="pl-PL" sz="4000" b="1" dirty="0" smtClean="0"/>
+            <a:r>
+              <a:rPr lang="pl-PL" dirty="0" err="1" smtClean="0"/>
+              <a:t>Adventages</a:t>
+            </a:r>
+            <a:r>
+              <a:rPr lang="pl-PL" dirty="0" smtClean="0"/>
+              <a:t> of </a:t>
+            </a:r>
+            <a:r>
+              <a:rPr lang="pl-PL" dirty="0" err="1" smtClean="0"/>
+              <a:t>rule</a:t>
+            </a:r>
+            <a:r>
+              <a:rPr lang="pl-PL" dirty="0" smtClean="0"/>
               <a:t> </a:t>
             </a:r>
             <a:r>
-              <a:rPr lang="pl-PL" sz="4000" b="1" dirty="0" err="1" smtClean="0"/>
-              <a:t>you</a:t>
-            </a:r>
-            <a:r>
-              <a:rPr lang="pl-PL" sz="4000" b="1" dirty="0" smtClean="0"/>
-              <a:t> for </a:t>
-            </a:r>
-            <a:r>
-              <a:rPr lang="pl-PL" sz="4000" b="1" dirty="0" err="1" smtClean="0"/>
-              <a:t>your</a:t>
-            </a:r>
-            <a:r>
-              <a:rPr lang="pl-PL" sz="4000" b="1" dirty="0" smtClean="0"/>
-              <a:t> </a:t>
-            </a:r>
-            <a:r>
-              <a:rPr lang="pl-PL" sz="4000" b="1" dirty="0" err="1" smtClean="0"/>
-              <a:t>attention</a:t>
-            </a:r>
-            <a:r>
-              <a:rPr lang="pl-PL" sz="4000" b="1" dirty="0" smtClean="0"/>
-              <a:t>!</a:t>
-            </a:r>
-          </a:p>
-          <a:p>
-            <a:pPr marL="109728" indent="0" algn="ctr">
-              <a:buNone/>
-            </a:pPr>
-            <a:endParaRPr lang="pl-PL" sz="4000" b="1" dirty="0"/>
-          </a:p>
-          <a:p>
-            <a:pPr marL="109728" indent="0" algn="ctr">
-              <a:buNone/>
-            </a:pPr>
-            <a:r>
-              <a:rPr lang="pl-PL" sz="4000" b="1" dirty="0" err="1" smtClean="0"/>
-              <a:t>Any</a:t>
-            </a:r>
-            <a:r>
-              <a:rPr lang="pl-PL" sz="4000" b="1" dirty="0" smtClean="0"/>
-              <a:t> </a:t>
-            </a:r>
-            <a:r>
-              <a:rPr lang="pl-PL" sz="4000" b="1" dirty="0" err="1" smtClean="0"/>
-              <a:t>questions</a:t>
-            </a:r>
-            <a:r>
-              <a:rPr lang="pl-PL" sz="4000" b="1" dirty="0" smtClean="0"/>
-              <a:t>?</a:t>
-            </a:r>
-            <a:endParaRPr lang="pl-PL" sz="4000" b="1" dirty="0"/>
+              <a:rPr lang="pl-PL" dirty="0" err="1" smtClean="0"/>
+              <a:t>engine</a:t>
+            </a:r>
+            <a:endParaRPr lang="pl-PL" dirty="0"/>
           </a:p>
         </p:txBody>
       </p:sp>
     </p:spTree>
     <p:extLst>
       <p:ext uri="{BB962C8B-B14F-4D97-AF65-F5344CB8AC3E}">
-        <p14:creationId xmlns:p14="http://schemas.microsoft.com/office/powerpoint/2010/main" val="3732025211"/>
+        <p14:creationId xmlns:p14="http://schemas.microsoft.com/office/powerpoint/2010/main" val="3095177641"/>
+      </p:ext>
+    </p:extLst>
+  </p:cSld>
+  <p:clrMapOvr>
+    <a:masterClrMapping/>
+  </p:clrMapOvr>
+  <p:timing>
+    <p:tnLst>
+      <p:par>
+        <p:cTn id="1" dur="indefinite" restart="never" nodeType="tmRoot"/>
+      </p:par>
+    </p:tnLst>
+  </p:timing>
+</p:sld>
+</file>
+
+<file path=ppt/slides/slide19.xml><?xml version="1.0" encoding="utf-8"?>
+<p:sld xmlns:a="http://schemas.openxmlformats.org/drawingml/2006/main" xmlns:r="http://schemas.openxmlformats.org/officeDocument/2006/relationships" xmlns:p="http://schemas.openxmlformats.org/presentationml/2006/main">
+  <p:cSld>
+    <p:spTree>
+      <p:nvGrpSpPr>
+        <p:cNvPr id="1" name=""/>
+        <p:cNvGrpSpPr/>
+        <p:nvPr/>
+      </p:nvGrpSpPr>
+      <p:grpSpPr>
+        <a:xfrm>
+          <a:off x="0" y="0"/>
+          <a:ext cx="0" cy="0"/>
+          <a:chOff x="0" y="0"/>
+          <a:chExt cx="0" cy="0"/>
+        </a:xfrm>
+      </p:grpSpPr>
+      <p:sp>
+        <p:nvSpPr>
+          <p:cNvPr id="2" name="Tytuł 1"/>
+          <p:cNvSpPr>
+            <a:spLocks noGrp="1"/>
+          </p:cNvSpPr>
+          <p:nvPr>
+            <p:ph type="title"/>
+          </p:nvPr>
+        </p:nvSpPr>
+        <p:spPr/>
+        <p:txBody>
+          <a:bodyPr/>
+          <a:lstStyle/>
+          <a:p>
+            <a:r>
+              <a:rPr lang="pl-PL" dirty="0" err="1"/>
+              <a:t>When</a:t>
+            </a:r>
+            <a:r>
+              <a:rPr lang="pl-PL" dirty="0"/>
+              <a:t> to </a:t>
+            </a:r>
+            <a:r>
+              <a:rPr lang="pl-PL" dirty="0" err="1"/>
+              <a:t>use</a:t>
+            </a:r>
+            <a:r>
+              <a:rPr lang="pl-PL" dirty="0"/>
+              <a:t>, </a:t>
+            </a:r>
+            <a:r>
+              <a:rPr lang="pl-PL" dirty="0" err="1"/>
+              <a:t>when</a:t>
+            </a:r>
+            <a:r>
+              <a:rPr lang="pl-PL" dirty="0"/>
+              <a:t> not to</a:t>
+            </a:r>
+          </a:p>
+        </p:txBody>
+      </p:sp>
+      <p:sp>
+        <p:nvSpPr>
+          <p:cNvPr id="3" name="Symbol zastępczy tekstu 2"/>
+          <p:cNvSpPr>
+            <a:spLocks noGrp="1"/>
+          </p:cNvSpPr>
+          <p:nvPr>
+            <p:ph type="body" idx="1"/>
+          </p:nvPr>
+        </p:nvSpPr>
+        <p:spPr/>
+        <p:txBody>
+          <a:bodyPr/>
+          <a:lstStyle/>
+          <a:p>
+            <a:endParaRPr lang="pl-PL"/>
+          </a:p>
+        </p:txBody>
+      </p:sp>
+      <p:sp>
+        <p:nvSpPr>
+          <p:cNvPr id="4" name="Symbol zastępczy tekstu 3"/>
+          <p:cNvSpPr>
+            <a:spLocks noGrp="1"/>
+          </p:cNvSpPr>
+          <p:nvPr>
+            <p:ph type="body" sz="half" idx="3"/>
+          </p:nvPr>
+        </p:nvSpPr>
+        <p:spPr/>
+        <p:txBody>
+          <a:bodyPr/>
+          <a:lstStyle/>
+          <a:p>
+            <a:endParaRPr lang="pl-PL"/>
+          </a:p>
+        </p:txBody>
+      </p:sp>
+      <p:sp>
+        <p:nvSpPr>
+          <p:cNvPr id="5" name="Symbol zastępczy zawartości 4"/>
+          <p:cNvSpPr>
+            <a:spLocks noGrp="1"/>
+          </p:cNvSpPr>
+          <p:nvPr>
+            <p:ph sz="quarter" idx="2"/>
+          </p:nvPr>
+        </p:nvSpPr>
+        <p:spPr/>
+        <p:txBody>
+          <a:bodyPr>
+            <a:normAutofit lnSpcReduction="10000"/>
+          </a:bodyPr>
+          <a:lstStyle/>
+          <a:p>
+            <a:r>
+              <a:rPr lang="pl-PL" dirty="0" smtClean="0"/>
+              <a:t>The problem </a:t>
+            </a:r>
+            <a:r>
+              <a:rPr lang="pl-PL" dirty="0" err="1" smtClean="0"/>
+              <a:t>is</a:t>
+            </a:r>
+            <a:r>
+              <a:rPr lang="pl-PL" dirty="0" smtClean="0"/>
+              <a:t> </a:t>
+            </a:r>
+            <a:r>
+              <a:rPr lang="pl-PL" dirty="0" err="1" smtClean="0"/>
+              <a:t>too</a:t>
+            </a:r>
+            <a:r>
+              <a:rPr lang="pl-PL" dirty="0" smtClean="0"/>
+              <a:t> </a:t>
+            </a:r>
+            <a:r>
+              <a:rPr lang="pl-PL" dirty="0" err="1" smtClean="0"/>
+              <a:t>fiddly</a:t>
+            </a:r>
+            <a:r>
+              <a:rPr lang="pl-PL" dirty="0" smtClean="0"/>
+              <a:t> for </a:t>
+            </a:r>
+            <a:r>
+              <a:rPr lang="pl-PL" dirty="0" err="1" smtClean="0"/>
+              <a:t>traditional</a:t>
+            </a:r>
+            <a:r>
+              <a:rPr lang="pl-PL" dirty="0" smtClean="0"/>
+              <a:t> </a:t>
+            </a:r>
+            <a:r>
+              <a:rPr lang="pl-PL" dirty="0" err="1" smtClean="0"/>
+              <a:t>code</a:t>
+            </a:r>
+            <a:endParaRPr lang="pl-PL" dirty="0" smtClean="0"/>
+          </a:p>
+          <a:p>
+            <a:r>
+              <a:rPr lang="pl-PL" dirty="0" smtClean="0"/>
+              <a:t>The problem </a:t>
+            </a:r>
+            <a:r>
+              <a:rPr lang="pl-PL" dirty="0" err="1" smtClean="0"/>
+              <a:t>is</a:t>
+            </a:r>
+            <a:r>
+              <a:rPr lang="pl-PL" dirty="0" smtClean="0"/>
+              <a:t> </a:t>
+            </a:r>
+            <a:r>
+              <a:rPr lang="pl-PL" dirty="0" err="1" smtClean="0"/>
+              <a:t>beyond</a:t>
+            </a:r>
+            <a:r>
+              <a:rPr lang="pl-PL" dirty="0" smtClean="0"/>
+              <a:t> </a:t>
+            </a:r>
+            <a:r>
+              <a:rPr lang="pl-PL" dirty="0" err="1" smtClean="0"/>
+              <a:t>any</a:t>
+            </a:r>
+            <a:r>
+              <a:rPr lang="pl-PL" dirty="0" smtClean="0"/>
+              <a:t> </a:t>
+            </a:r>
+            <a:r>
+              <a:rPr lang="pl-PL" dirty="0" err="1" smtClean="0"/>
+              <a:t>obvious</a:t>
+            </a:r>
+            <a:r>
+              <a:rPr lang="pl-PL" dirty="0" smtClean="0"/>
+              <a:t> </a:t>
+            </a:r>
+            <a:r>
+              <a:rPr lang="pl-PL" dirty="0" err="1" smtClean="0"/>
+              <a:t>algorithmic</a:t>
+            </a:r>
+            <a:r>
+              <a:rPr lang="pl-PL" dirty="0" smtClean="0"/>
+              <a:t> </a:t>
+            </a:r>
+            <a:r>
+              <a:rPr lang="pl-PL" dirty="0" err="1" smtClean="0"/>
+              <a:t>solution</a:t>
+            </a:r>
+            <a:endParaRPr lang="pl-PL" dirty="0" smtClean="0"/>
+          </a:p>
+          <a:p>
+            <a:r>
+              <a:rPr lang="pl-PL" dirty="0" smtClean="0"/>
+              <a:t>The </a:t>
+            </a:r>
+            <a:r>
+              <a:rPr lang="pl-PL" dirty="0" err="1" smtClean="0"/>
+              <a:t>logic</a:t>
+            </a:r>
+            <a:r>
+              <a:rPr lang="pl-PL" dirty="0" smtClean="0"/>
+              <a:t> </a:t>
+            </a:r>
+            <a:r>
+              <a:rPr lang="pl-PL" dirty="0" err="1" smtClean="0"/>
+              <a:t>changes</a:t>
+            </a:r>
+            <a:r>
+              <a:rPr lang="pl-PL" dirty="0" smtClean="0"/>
+              <a:t> </a:t>
+            </a:r>
+            <a:r>
+              <a:rPr lang="pl-PL" dirty="0" err="1" smtClean="0"/>
+              <a:t>often</a:t>
+            </a:r>
+            <a:endParaRPr lang="pl-PL" dirty="0" smtClean="0"/>
+          </a:p>
+          <a:p>
+            <a:r>
+              <a:rPr lang="pl-PL" dirty="0" err="1" smtClean="0"/>
+              <a:t>Domain</a:t>
+            </a:r>
+            <a:r>
+              <a:rPr lang="pl-PL" dirty="0" smtClean="0"/>
+              <a:t> </a:t>
+            </a:r>
+            <a:r>
+              <a:rPr lang="pl-PL" dirty="0" err="1" smtClean="0"/>
+              <a:t>experts</a:t>
+            </a:r>
+            <a:r>
+              <a:rPr lang="pl-PL" dirty="0" smtClean="0"/>
+              <a:t> </a:t>
+            </a:r>
+            <a:r>
+              <a:rPr lang="pl-PL" dirty="0" err="1" smtClean="0"/>
+              <a:t>are</a:t>
+            </a:r>
+            <a:r>
+              <a:rPr lang="pl-PL" dirty="0" smtClean="0"/>
+              <a:t> </a:t>
+            </a:r>
+            <a:r>
+              <a:rPr lang="pl-PL" dirty="0" err="1" smtClean="0"/>
+              <a:t>readily</a:t>
+            </a:r>
+            <a:r>
+              <a:rPr lang="pl-PL" dirty="0" smtClean="0"/>
+              <a:t> </a:t>
+            </a:r>
+            <a:r>
+              <a:rPr lang="pl-PL" dirty="0" err="1" smtClean="0"/>
+              <a:t>available</a:t>
+            </a:r>
+            <a:r>
+              <a:rPr lang="pl-PL" dirty="0" smtClean="0"/>
+              <a:t> and </a:t>
+            </a:r>
+            <a:r>
+              <a:rPr lang="pl-PL" dirty="0" err="1" smtClean="0"/>
+              <a:t>nontechnical</a:t>
+            </a:r>
+            <a:endParaRPr lang="pl-PL" dirty="0"/>
+          </a:p>
+        </p:txBody>
+      </p:sp>
+      <p:sp>
+        <p:nvSpPr>
+          <p:cNvPr id="6" name="Symbol zastępczy zawartości 5"/>
+          <p:cNvSpPr>
+            <a:spLocks noGrp="1"/>
+          </p:cNvSpPr>
+          <p:nvPr>
+            <p:ph sz="quarter" idx="4"/>
+          </p:nvPr>
+        </p:nvSpPr>
+        <p:spPr/>
+        <p:txBody>
+          <a:bodyPr>
+            <a:normAutofit fontScale="92500" lnSpcReduction="20000"/>
+          </a:bodyPr>
+          <a:lstStyle/>
+          <a:p>
+            <a:r>
+              <a:rPr lang="en-US" dirty="0"/>
+              <a:t>Rules engines are not really intended to handle workflow or process executions nor are workflow engines or process management tools designed to do rules. Use the right tool for the job. Sure, a pair of pliers can be used as a hammering tool in a pinch, but that's not what it's designed for.</a:t>
+            </a:r>
+            <a:endParaRPr lang="pl-PL" dirty="0"/>
+          </a:p>
+        </p:txBody>
+      </p:sp>
+    </p:spTree>
+    <p:extLst>
+      <p:ext uri="{BB962C8B-B14F-4D97-AF65-F5344CB8AC3E}">
+        <p14:creationId xmlns:p14="http://schemas.microsoft.com/office/powerpoint/2010/main" val="3001520462"/>
       </p:ext>
     </p:extLst>
   </p:cSld>
@@ -8032,7 +8356,78 @@
           <a:p>
             <a:r>
               <a:rPr lang="en-US" dirty="0"/>
-              <a:t>Reasoning is about how we go about the act of thinking using this knowledge.</a:t>
+              <a:t>Reasoning is about how we go about the act of thinking using this knowledge</a:t>
+            </a:r>
+            <a:r>
+              <a:rPr lang="en-US" dirty="0" smtClean="0"/>
+              <a:t>.</a:t>
+            </a:r>
+            <a:endParaRPr lang="pl-PL" dirty="0" smtClean="0"/>
+          </a:p>
+          <a:p>
+            <a:r>
+              <a:rPr lang="pl-PL" dirty="0"/>
+              <a:t>The </a:t>
+            </a:r>
+            <a:r>
+              <a:rPr lang="pl-PL" dirty="0" err="1"/>
+              <a:t>whole</a:t>
+            </a:r>
+            <a:r>
+              <a:rPr lang="pl-PL" dirty="0"/>
+              <a:t> </a:t>
+            </a:r>
+            <a:r>
+              <a:rPr lang="pl-PL" dirty="0" err="1" smtClean="0"/>
+              <a:t>concept</a:t>
+            </a:r>
+            <a:r>
+              <a:rPr lang="pl-PL" dirty="0" smtClean="0"/>
+              <a:t> of </a:t>
+            </a:r>
+            <a:r>
+              <a:rPr lang="pl-PL" dirty="0" err="1" smtClean="0"/>
+              <a:t>Drools</a:t>
+            </a:r>
+            <a:r>
+              <a:rPr lang="pl-PL" dirty="0" smtClean="0"/>
+              <a:t> </a:t>
+            </a:r>
+            <a:r>
+              <a:rPr lang="pl-PL" dirty="0" err="1"/>
+              <a:t>is</a:t>
+            </a:r>
+            <a:r>
+              <a:rPr lang="pl-PL" dirty="0"/>
+              <a:t> </a:t>
+            </a:r>
+            <a:r>
+              <a:rPr lang="pl-PL" dirty="0" err="1"/>
+              <a:t>based</a:t>
+            </a:r>
+            <a:r>
+              <a:rPr lang="pl-PL" dirty="0"/>
+              <a:t> </a:t>
+            </a:r>
+            <a:r>
+              <a:rPr lang="pl-PL" dirty="0" err="1"/>
+              <a:t>around</a:t>
+            </a:r>
+            <a:r>
+              <a:rPr lang="pl-PL" dirty="0"/>
+              <a:t> Knowledge </a:t>
+            </a:r>
+            <a:r>
+              <a:rPr lang="pl-PL" dirty="0" err="1"/>
+              <a:t>Representation</a:t>
+            </a:r>
+            <a:r>
+              <a:rPr lang="pl-PL" dirty="0"/>
+              <a:t> and </a:t>
+            </a:r>
+            <a:r>
+              <a:rPr lang="pl-PL" dirty="0" err="1" smtClean="0"/>
+              <a:t>Reasoning</a:t>
             </a:r>
             <a:endParaRPr lang="pl-PL" dirty="0"/>
           </a:p>
@@ -8069,6 +8464,213 @@
     <p:extLst>
       <p:ext uri="{BB962C8B-B14F-4D97-AF65-F5344CB8AC3E}">
         <p14:creationId xmlns:p14="http://schemas.microsoft.com/office/powerpoint/2010/main" val="4230564183"/>
+      </p:ext>
+    </p:extLst>
+  </p:cSld>
+  <p:clrMapOvr>
+    <a:masterClrMapping/>
+  </p:clrMapOvr>
+  <p:timing>
+    <p:tnLst>
+      <p:par>
+        <p:cTn id="1" dur="indefinite" restart="never" nodeType="tmRoot"/>
+      </p:par>
+    </p:tnLst>
+  </p:timing>
+</p:sld>
+</file>
+
+<file path=ppt/slides/slide20.xml><?xml version="1.0" encoding="utf-8"?>
+<p:sld xmlns:a="http://schemas.openxmlformats.org/drawingml/2006/main" xmlns:r="http://schemas.openxmlformats.org/officeDocument/2006/relationships" xmlns:p="http://schemas.openxmlformats.org/presentationml/2006/main">
+  <p:cSld>
+    <p:spTree>
+      <p:nvGrpSpPr>
+        <p:cNvPr id="1" name=""/>
+        <p:cNvGrpSpPr/>
+        <p:nvPr/>
+      </p:nvGrpSpPr>
+      <p:grpSpPr>
+        <a:xfrm>
+          <a:off x="0" y="0"/>
+          <a:ext cx="0" cy="0"/>
+          <a:chOff x="0" y="0"/>
+          <a:chExt cx="0" cy="0"/>
+        </a:xfrm>
+      </p:grpSpPr>
+      <p:sp>
+        <p:nvSpPr>
+          <p:cNvPr id="2" name="Tytuł 1"/>
+          <p:cNvSpPr>
+            <a:spLocks noGrp="1"/>
+          </p:cNvSpPr>
+          <p:nvPr>
+            <p:ph type="title"/>
+          </p:nvPr>
+        </p:nvSpPr>
+        <p:spPr>
+          <a:xfrm>
+            <a:off x="827584" y="4077072"/>
+            <a:ext cx="7481776" cy="457200"/>
+          </a:xfrm>
+        </p:spPr>
+        <p:txBody>
+          <a:bodyPr/>
+          <a:lstStyle/>
+          <a:p>
+            <a:r>
+              <a:rPr lang="en-GB" sz="3200" dirty="0" err="1"/>
+              <a:t>JBoss</a:t>
+            </a:r>
+            <a:r>
+              <a:rPr lang="en-GB" sz="3200" dirty="0"/>
+              <a:t> Drools</a:t>
+            </a:r>
+            <a:br>
+              <a:rPr lang="en-GB" sz="3200" dirty="0"/>
+            </a:br>
+            <a:r>
+              <a:rPr lang="en-GB" sz="2800" dirty="0"/>
+              <a:t>example of expert system,</a:t>
+            </a:r>
+            <a:br>
+              <a:rPr lang="en-GB" sz="2800" dirty="0"/>
+            </a:br>
+            <a:r>
+              <a:rPr lang="en-GB" sz="2800" dirty="0"/>
+              <a:t>or develop your own </a:t>
+            </a:r>
+            <a:br>
+              <a:rPr lang="en-GB" sz="2800" dirty="0"/>
+            </a:br>
+            <a:r>
+              <a:rPr lang="en-GB" sz="2800" dirty="0"/>
+              <a:t>House, M.D.</a:t>
+            </a:r>
+            <a:endParaRPr lang="pl-PL" dirty="0"/>
+          </a:p>
+        </p:txBody>
+      </p:sp>
+      <p:sp>
+        <p:nvSpPr>
+          <p:cNvPr id="3" name="Symbol zastępczy tekstu 2"/>
+          <p:cNvSpPr>
+            <a:spLocks noGrp="1"/>
+          </p:cNvSpPr>
+          <p:nvPr>
+            <p:ph type="body" idx="2"/>
+          </p:nvPr>
+        </p:nvSpPr>
+        <p:spPr>
+          <a:xfrm>
+            <a:off x="4427984" y="5877272"/>
+            <a:ext cx="3974592" cy="399256"/>
+          </a:xfrm>
+        </p:spPr>
+        <p:txBody>
+          <a:bodyPr>
+            <a:normAutofit/>
+          </a:bodyPr>
+          <a:lstStyle/>
+          <a:p>
+            <a:r>
+              <a:rPr lang="pl-PL" sz="1100" dirty="0" smtClean="0"/>
+              <a:t>by Przemek Różycki</a:t>
+            </a:r>
+            <a:endParaRPr lang="pl-PL" sz="1100" dirty="0"/>
+          </a:p>
+        </p:txBody>
+      </p:sp>
+      <p:sp>
+        <p:nvSpPr>
+          <p:cNvPr id="4" name="Symbol zastępczy zawartości 3"/>
+          <p:cNvSpPr>
+            <a:spLocks noGrp="1"/>
+          </p:cNvSpPr>
+          <p:nvPr>
+            <p:ph sz="half" idx="1"/>
+          </p:nvPr>
+        </p:nvSpPr>
+        <p:spPr/>
+        <p:txBody>
+          <a:bodyPr/>
+          <a:lstStyle/>
+          <a:p>
+            <a:pPr marL="109728" indent="0" algn="ctr">
+              <a:buNone/>
+            </a:pPr>
+            <a:endParaRPr lang="pl-PL" sz="4000" b="1" dirty="0" smtClean="0"/>
+          </a:p>
+          <a:p>
+            <a:pPr marL="109728" indent="0" algn="ctr">
+              <a:buNone/>
+            </a:pPr>
+            <a:r>
+              <a:rPr lang="pl-PL" sz="4000" b="1" dirty="0" err="1" smtClean="0"/>
+              <a:t>Thank</a:t>
+            </a:r>
+            <a:r>
+              <a:rPr lang="pl-PL" sz="4000" b="1" dirty="0" smtClean="0"/>
+              <a:t> </a:t>
+            </a:r>
+            <a:r>
+              <a:rPr lang="pl-PL" sz="4000" b="1" dirty="0" err="1" smtClean="0"/>
+              <a:t>you</a:t>
+            </a:r>
+            <a:r>
+              <a:rPr lang="pl-PL" sz="4000" b="1" dirty="0" smtClean="0"/>
+              <a:t> for </a:t>
+            </a:r>
+            <a:r>
+              <a:rPr lang="pl-PL" sz="4000" b="1" dirty="0" err="1" smtClean="0"/>
+              <a:t>your</a:t>
+            </a:r>
+            <a:r>
+              <a:rPr lang="pl-PL" sz="4000" b="1" dirty="0" smtClean="0"/>
+              <a:t> </a:t>
+            </a:r>
+            <a:r>
+              <a:rPr lang="pl-PL" sz="4000" b="1" dirty="0" err="1" smtClean="0"/>
+              <a:t>attention</a:t>
+            </a:r>
+            <a:r>
+              <a:rPr lang="pl-PL" sz="4000" b="1" dirty="0" smtClean="0"/>
+              <a:t>!</a:t>
+            </a:r>
+          </a:p>
+          <a:p>
+            <a:pPr marL="109728" indent="0" algn="ctr">
+              <a:buNone/>
+            </a:pPr>
+            <a:endParaRPr lang="pl-PL" sz="4000" b="1" dirty="0"/>
+          </a:p>
+          <a:p>
+            <a:pPr marL="109728" indent="0" algn="ctr">
+              <a:buNone/>
+            </a:pPr>
+            <a:r>
+              <a:rPr lang="pl-PL" sz="4000" b="1" dirty="0" err="1" smtClean="0"/>
+              <a:t>Any</a:t>
+            </a:r>
+            <a:r>
+              <a:rPr lang="pl-PL" sz="4000" b="1" dirty="0" smtClean="0"/>
+              <a:t> </a:t>
+            </a:r>
+            <a:r>
+              <a:rPr lang="pl-PL" sz="4000" b="1" dirty="0" err="1" smtClean="0"/>
+              <a:t>questions</a:t>
+            </a:r>
+            <a:r>
+              <a:rPr lang="pl-PL" sz="4000" b="1" dirty="0" smtClean="0"/>
+              <a:t>?</a:t>
+            </a:r>
+            <a:endParaRPr lang="pl-PL" sz="4000" b="1" dirty="0"/>
+          </a:p>
+        </p:txBody>
+      </p:sp>
+    </p:spTree>
+    <p:extLst>
+      <p:ext uri="{BB962C8B-B14F-4D97-AF65-F5344CB8AC3E}">
+        <p14:creationId xmlns:p14="http://schemas.microsoft.com/office/powerpoint/2010/main" val="3732025211"/>
       </p:ext>
     </p:extLst>
   </p:cSld>
@@ -8114,74 +8716,88 @@
         </p:nvSpPr>
         <p:spPr/>
         <p:txBody>
-          <a:bodyPr>
-            <a:normAutofit/>
-          </a:bodyPr>
+          <a:bodyPr/>
           <a:lstStyle/>
           <a:p>
-            <a:pPr marL="109728" indent="0">
-              <a:buNone/>
-            </a:pPr>
-            <a:endParaRPr lang="pl-PL" sz="4400" dirty="0" smtClean="0"/>
-          </a:p>
-          <a:p>
-            <a:pPr marL="109728" indent="0">
-              <a:buNone/>
-            </a:pPr>
-            <a:endParaRPr lang="pl-PL" sz="4400" dirty="0"/>
-          </a:p>
-          <a:p>
-            <a:pPr marL="109728" indent="0" algn="ctr">
-              <a:buNone/>
-            </a:pPr>
-            <a:r>
-              <a:rPr lang="pl-PL" sz="4400" dirty="0" smtClean="0"/>
-              <a:t>insert(</a:t>
-            </a:r>
-            <a:r>
-              <a:rPr lang="pl-PL" sz="4400" dirty="0" err="1" smtClean="0"/>
-              <a:t>new</a:t>
-            </a:r>
-            <a:r>
-              <a:rPr lang="pl-PL" sz="4400" dirty="0" smtClean="0"/>
+            <a:r>
+              <a:rPr lang="en-GB" dirty="0" smtClean="0"/>
+              <a:t>The </a:t>
+            </a:r>
+            <a:r>
+              <a:rPr lang="en-GB" dirty="0"/>
+              <a:t>rule engine is the computer program that delivers KRR functionality to the developer. At a high level it has three components:</a:t>
+            </a:r>
+          </a:p>
+          <a:p>
+            <a:pPr lvl="1"/>
+            <a:r>
+              <a:rPr lang="en-GB" dirty="0"/>
+              <a:t>Ontology</a:t>
+            </a:r>
+          </a:p>
+          <a:p>
+            <a:pPr lvl="1"/>
+            <a:r>
+              <a:rPr lang="en-GB" dirty="0"/>
+              <a:t>Rules</a:t>
+            </a:r>
+          </a:p>
+          <a:p>
+            <a:pPr lvl="1"/>
+            <a:r>
+              <a:rPr lang="en-GB" dirty="0" smtClean="0"/>
+              <a:t>Data</a:t>
+            </a:r>
+            <a:endParaRPr lang="pl-PL" dirty="0"/>
+          </a:p>
+          <a:p>
+            <a:r>
+              <a:rPr lang="pl-PL" dirty="0" smtClean="0"/>
+              <a:t>In </a:t>
+            </a:r>
+            <a:r>
+              <a:rPr lang="pl-PL" dirty="0" err="1" smtClean="0"/>
+              <a:t>practice</a:t>
+            </a:r>
+            <a:r>
+              <a:rPr lang="pl-PL" dirty="0" smtClean="0"/>
+              <a:t>, </a:t>
+            </a:r>
+            <a:r>
+              <a:rPr lang="pl-PL" dirty="0" err="1" smtClean="0"/>
+              <a:t>it’s</a:t>
+            </a:r>
+            <a:r>
+              <a:rPr lang="pl-PL" dirty="0" smtClean="0"/>
               <a:t> </a:t>
             </a:r>
             <a:r>
-              <a:rPr lang="pl-PL" sz="4400" dirty="0" err="1" smtClean="0"/>
-              <a:t>Fact</a:t>
-            </a:r>
-            <a:r>
-              <a:rPr lang="pl-PL" sz="4400" dirty="0" smtClean="0"/>
-              <a:t>())</a:t>
-            </a:r>
-            <a:endParaRPr lang="pl-PL" sz="4400" dirty="0"/>
-          </a:p>
-        </p:txBody>
-      </p:sp>
-      <p:sp>
-        <p:nvSpPr>
-          <p:cNvPr id="3" name="Tytuł 2"/>
-          <p:cNvSpPr>
-            <a:spLocks noGrp="1"/>
-          </p:cNvSpPr>
-          <p:nvPr>
-            <p:ph type="title"/>
-          </p:nvPr>
-        </p:nvSpPr>
-        <p:spPr/>
-        <p:txBody>
-          <a:bodyPr>
-            <a:normAutofit fontScale="90000"/>
-          </a:bodyPr>
-          <a:lstStyle/>
-          <a:p>
+              <a:rPr lang="pl-PL" dirty="0" err="1" smtClean="0"/>
+              <a:t>any</a:t>
+            </a:r>
             <a:r>
               <a:rPr lang="pl-PL" dirty="0" smtClean="0"/>
-              <a:t>Knowledge </a:t>
+              <a:t> system </a:t>
             </a:r>
             <a:r>
               <a:rPr lang="pl-PL" dirty="0" err="1" smtClean="0"/>
-              <a:t>representation</a:t>
+              <a:t>that</a:t>
+            </a:r>
+            <a:r>
+              <a:rPr lang="pl-PL" dirty="0" smtClean="0"/>
+              <a:t> </a:t>
+            </a:r>
+            <a:r>
+              <a:rPr lang="pl-PL" dirty="0" err="1" smtClean="0"/>
+              <a:t>use</a:t>
+            </a:r>
+            <a:r>
+              <a:rPr lang="pl-PL" dirty="0" smtClean="0"/>
+              <a:t> </a:t>
+            </a:r>
+            <a:r>
+              <a:rPr lang="pl-PL" b="1" dirty="0" err="1" smtClean="0"/>
+              <a:t>rules</a:t>
             </a:r>
             <a:r>
               <a:rPr lang="pl-PL" dirty="0" smtClean="0"/>
@@ -8189,16 +8805,106 @@
             </a:r>
             <a:r>
               <a:rPr lang="pl-PL" dirty="0" err="1" smtClean="0"/>
-              <a:t>Drools</a:t>
-            </a:r>
-            <a:endParaRPr lang="pl-PL" dirty="0"/>
+              <a:t>any</a:t>
+            </a:r>
+            <a:r>
+              <a:rPr lang="pl-PL" dirty="0" smtClean="0"/>
+              <a:t> form, </a:t>
+            </a:r>
+            <a:r>
+              <a:rPr lang="pl-PL" dirty="0" err="1" smtClean="0"/>
+              <a:t>that</a:t>
+            </a:r>
+            <a:r>
+              <a:rPr lang="pl-PL" dirty="0" smtClean="0"/>
+              <a:t> </a:t>
+            </a:r>
+            <a:r>
+              <a:rPr lang="pl-PL" dirty="0" err="1" smtClean="0"/>
+              <a:t>can</a:t>
+            </a:r>
+            <a:r>
+              <a:rPr lang="pl-PL" dirty="0" smtClean="0"/>
+              <a:t> be applied to data to </a:t>
+            </a:r>
+            <a:r>
+              <a:rPr lang="pl-PL" dirty="0" err="1" smtClean="0"/>
+              <a:t>produce</a:t>
+            </a:r>
+            <a:r>
+              <a:rPr lang="pl-PL" dirty="0" smtClean="0"/>
+              <a:t> </a:t>
+            </a:r>
+            <a:r>
+              <a:rPr lang="pl-PL" dirty="0" err="1" smtClean="0"/>
+              <a:t>outcome</a:t>
+            </a:r>
+            <a:r>
+              <a:rPr lang="pl-PL" dirty="0" smtClean="0"/>
+              <a:t>.</a:t>
+            </a:r>
+            <a:endParaRPr lang="en-GB" dirty="0"/>
+          </a:p>
+          <a:p>
+            <a:endParaRPr lang="en-GB" dirty="0"/>
+          </a:p>
+        </p:txBody>
+      </p:sp>
+      <p:sp>
+        <p:nvSpPr>
+          <p:cNvPr id="3" name="Tytuł 2"/>
+          <p:cNvSpPr>
+            <a:spLocks noGrp="1"/>
+          </p:cNvSpPr>
+          <p:nvPr>
+            <p:ph type="title"/>
+          </p:nvPr>
+        </p:nvSpPr>
+        <p:spPr/>
+        <p:txBody>
+          <a:bodyPr/>
+          <a:lstStyle/>
+          <a:p>
+            <a:r>
+              <a:rPr lang="pl-PL" dirty="0" err="1" smtClean="0"/>
+              <a:t>What</a:t>
+            </a:r>
+            <a:r>
+              <a:rPr lang="pl-PL" dirty="0" smtClean="0"/>
+              <a:t> </a:t>
+            </a:r>
+            <a:r>
+              <a:rPr lang="pl-PL" dirty="0" err="1" smtClean="0"/>
+              <a:t>is</a:t>
+            </a:r>
+            <a:r>
+              <a:rPr lang="pl-PL" dirty="0" smtClean="0"/>
+              <a:t> </a:t>
+            </a:r>
+            <a:r>
+              <a:rPr lang="pl-PL" dirty="0" err="1" smtClean="0"/>
+              <a:t>rule</a:t>
+            </a:r>
+            <a:r>
+              <a:rPr lang="pl-PL" dirty="0" smtClean="0"/>
+              <a:t> </a:t>
+            </a:r>
+            <a:r>
+              <a:rPr lang="pl-PL" dirty="0" err="1" smtClean="0"/>
+              <a:t>engine</a:t>
+            </a:r>
+            <a:r>
+              <a:rPr lang="pl-PL" dirty="0" smtClean="0"/>
+              <a:t>?</a:t>
+            </a:r>
+            <a:endParaRPr lang="en-GB" dirty="0"/>
           </a:p>
         </p:txBody>
       </p:sp>
     </p:spTree>
     <p:extLst>
       <p:ext uri="{BB962C8B-B14F-4D97-AF65-F5344CB8AC3E}">
-        <p14:creationId xmlns:p14="http://schemas.microsoft.com/office/powerpoint/2010/main" val="1804263101"/>
+        <p14:creationId xmlns:p14="http://schemas.microsoft.com/office/powerpoint/2010/main" val="1817296935"/>
       </p:ext>
     </p:extLst>
   </p:cSld>
@@ -8234,216 +8940,6 @@
       </p:grpSpPr>
       <p:sp>
         <p:nvSpPr>
-          <p:cNvPr id="2" name="Symbol zastępczy zawartości 1"/>
-          <p:cNvSpPr>
-            <a:spLocks noGrp="1"/>
-          </p:cNvSpPr>
-          <p:nvPr>
-            <p:ph idx="1"/>
-          </p:nvPr>
-        </p:nvSpPr>
-        <p:spPr/>
-        <p:txBody>
-          <a:bodyPr>
-            <a:normAutofit/>
-          </a:bodyPr>
-          <a:lstStyle/>
-          <a:p>
-            <a:pPr marL="109728" indent="0">
-              <a:buNone/>
-            </a:pPr>
-            <a:r>
-              <a:rPr lang="pl-PL" sz="2400" b="1" dirty="0" err="1" smtClean="0"/>
-              <a:t>rule</a:t>
-            </a:r>
-            <a:r>
-              <a:rPr lang="pl-PL" sz="2400" b="1" dirty="0" smtClean="0"/>
-              <a:t> "Hello World"</a:t>
-            </a:r>
-          </a:p>
-          <a:p>
-            <a:pPr marL="109728" indent="0">
-              <a:buNone/>
-            </a:pPr>
-            <a:r>
-              <a:rPr lang="pl-PL" sz="2400" dirty="0" smtClean="0"/>
-              <a:t>    </a:t>
-            </a:r>
-            <a:r>
-              <a:rPr lang="pl-PL" sz="2400" b="1" dirty="0" err="1" smtClean="0"/>
-              <a:t>when</a:t>
-            </a:r>
-            <a:endParaRPr lang="pl-PL" sz="2400" b="1" dirty="0" smtClean="0"/>
-          </a:p>
-          <a:p>
-            <a:pPr marL="109728" indent="0">
-              <a:buNone/>
-            </a:pPr>
-            <a:r>
-              <a:rPr lang="pl-PL" sz="2400" dirty="0" smtClean="0"/>
-              <a:t>        m : Message( status == </a:t>
-            </a:r>
-            <a:r>
-              <a:rPr lang="pl-PL" sz="2400" dirty="0" err="1" smtClean="0"/>
-              <a:t>Message.HELLO</a:t>
-            </a:r>
-            <a:r>
-              <a:rPr lang="pl-PL" sz="2400" dirty="0" smtClean="0"/>
-              <a:t>, </a:t>
-            </a:r>
-            <a:r>
-              <a:rPr lang="pl-PL" sz="2400" dirty="0" err="1" smtClean="0"/>
-              <a:t>myMessage</a:t>
-            </a:r>
-            <a:r>
-              <a:rPr lang="pl-PL" sz="2400" dirty="0" smtClean="0"/>
-              <a:t> : </a:t>
-            </a:r>
-            <a:r>
-              <a:rPr lang="pl-PL" sz="2400" dirty="0" err="1" smtClean="0"/>
-              <a:t>message</a:t>
-            </a:r>
-            <a:r>
-              <a:rPr lang="pl-PL" sz="2400" dirty="0" smtClean="0"/>
-              <a:t> )</a:t>
-            </a:r>
-          </a:p>
-          <a:p>
-            <a:pPr marL="109728" indent="0">
-              <a:buNone/>
-            </a:pPr>
-            <a:r>
-              <a:rPr lang="pl-PL" sz="2400" dirty="0" smtClean="0"/>
-              <a:t>    </a:t>
-            </a:r>
-            <a:r>
-              <a:rPr lang="pl-PL" sz="2400" b="1" dirty="0" err="1" smtClean="0"/>
-              <a:t>then</a:t>
-            </a:r>
-            <a:endParaRPr lang="pl-PL" sz="2400" b="1" dirty="0" smtClean="0"/>
-          </a:p>
-          <a:p>
-            <a:pPr marL="109728" indent="0">
-              <a:buNone/>
-            </a:pPr>
-            <a:r>
-              <a:rPr lang="pl-PL" sz="2400" dirty="0" smtClean="0"/>
-              <a:t>        </a:t>
-            </a:r>
-            <a:r>
-              <a:rPr lang="pl-PL" sz="2400" dirty="0" err="1" smtClean="0"/>
-              <a:t>System.out.println</a:t>
-            </a:r>
-            <a:r>
-              <a:rPr lang="pl-PL" sz="2400" dirty="0" smtClean="0"/>
-              <a:t>( </a:t>
-            </a:r>
-            <a:r>
-              <a:rPr lang="pl-PL" sz="2400" dirty="0" err="1" smtClean="0"/>
-              <a:t>myMessage</a:t>
-            </a:r>
-            <a:r>
-              <a:rPr lang="pl-PL" sz="2400" dirty="0" smtClean="0"/>
-              <a:t> );</a:t>
-            </a:r>
-          </a:p>
-          <a:p>
-            <a:pPr marL="109728" indent="0">
-              <a:buNone/>
-            </a:pPr>
-            <a:r>
-              <a:rPr lang="pl-PL" sz="2400" dirty="0" smtClean="0"/>
-              <a:t>        </a:t>
-            </a:r>
-            <a:r>
-              <a:rPr lang="pl-PL" sz="2400" dirty="0" err="1" smtClean="0"/>
-              <a:t>m.setMessage</a:t>
-            </a:r>
-            <a:r>
-              <a:rPr lang="pl-PL" sz="2400" dirty="0" smtClean="0"/>
-              <a:t>( "</a:t>
-            </a:r>
-            <a:r>
-              <a:rPr lang="pl-PL" sz="2400" dirty="0" err="1" smtClean="0"/>
-              <a:t>Goodbye</a:t>
-            </a:r>
-            <a:r>
-              <a:rPr lang="pl-PL" sz="2400" dirty="0" smtClean="0"/>
-              <a:t> </a:t>
-            </a:r>
-            <a:r>
-              <a:rPr lang="pl-PL" sz="2400" dirty="0" err="1" smtClean="0"/>
-              <a:t>cruel</a:t>
-            </a:r>
-            <a:r>
-              <a:rPr lang="pl-PL" sz="2400" dirty="0" smtClean="0"/>
-              <a:t> </a:t>
-            </a:r>
-            <a:r>
-              <a:rPr lang="pl-PL" sz="2400" dirty="0" err="1" smtClean="0"/>
-              <a:t>world</a:t>
-            </a:r>
-            <a:r>
-              <a:rPr lang="pl-PL" sz="2400" dirty="0" smtClean="0"/>
-              <a:t>" );</a:t>
-            </a:r>
-          </a:p>
-          <a:p>
-            <a:pPr marL="109728" indent="0">
-              <a:buNone/>
-            </a:pPr>
-            <a:r>
-              <a:rPr lang="pl-PL" sz="2400" dirty="0" smtClean="0"/>
-              <a:t>        </a:t>
-            </a:r>
-            <a:r>
-              <a:rPr lang="pl-PL" sz="2400" dirty="0" err="1" smtClean="0"/>
-              <a:t>m.setStatus</a:t>
-            </a:r>
-            <a:r>
-              <a:rPr lang="pl-PL" sz="2400" dirty="0" smtClean="0"/>
-              <a:t>( </a:t>
-            </a:r>
-            <a:r>
-              <a:rPr lang="pl-PL" sz="2400" dirty="0" err="1" smtClean="0"/>
-              <a:t>Message.GOODBYE</a:t>
-            </a:r>
-            <a:r>
-              <a:rPr lang="pl-PL" sz="2400" dirty="0" smtClean="0"/>
-              <a:t> );</a:t>
-            </a:r>
-          </a:p>
-          <a:p>
-            <a:pPr marL="109728" indent="0">
-              <a:buNone/>
-            </a:pPr>
-            <a:r>
-              <a:rPr lang="pl-PL" sz="2400" dirty="0" smtClean="0"/>
-              <a:t>        </a:t>
-            </a:r>
-            <a:r>
-              <a:rPr lang="pl-PL" sz="2400" b="1" dirty="0" err="1" smtClean="0"/>
-              <a:t>update</a:t>
-            </a:r>
-            <a:r>
-              <a:rPr lang="pl-PL" sz="2400" b="1" dirty="0" smtClean="0"/>
-              <a:t>( m );</a:t>
-            </a:r>
-          </a:p>
-          <a:p>
-            <a:pPr marL="109728" indent="0">
-              <a:buNone/>
-            </a:pPr>
-            <a:r>
-              <a:rPr lang="pl-PL" sz="2400" b="1" dirty="0" smtClean="0"/>
-              <a:t>end</a:t>
-            </a:r>
-            <a:endParaRPr lang="pl-PL" sz="2400" dirty="0"/>
-          </a:p>
-        </p:txBody>
-      </p:sp>
-      <p:sp>
-        <p:nvSpPr>
           <p:cNvPr id="3" name="Tytuł 2"/>
           <p:cNvSpPr>
             <a:spLocks noGrp="1"/>
@@ -8458,8 +8954,12 @@
           <a:lstStyle/>
           <a:p>
             <a:r>
+              <a:rPr lang="pl-PL" dirty="0" smtClean="0"/>
+              <a:t>KIE – Knowledge </a:t>
+            </a:r>
+            <a:r>
               <a:rPr lang="pl-PL" dirty="0" err="1" smtClean="0"/>
-              <a:t>Drools</a:t>
+              <a:t>Is</a:t>
             </a:r>
             <a:r>
               <a:rPr lang="pl-PL" dirty="0" smtClean="0"/>
@@ -8467,16 +8967,59 @@
             </a:r>
             <a:r>
               <a:rPr lang="pl-PL" dirty="0" err="1" smtClean="0"/>
-              <a:t>rule</a:t>
-            </a:r>
-            <a:endParaRPr lang="pl-PL" dirty="0"/>
-          </a:p>
-        </p:txBody>
-      </p:sp>
+              <a:t>Everything</a:t>
+            </a:r>
+            <a:endParaRPr lang="en-GB" dirty="0"/>
+          </a:p>
+        </p:txBody>
+      </p:sp>
+      <p:pic>
+        <p:nvPicPr>
+          <p:cNvPr id="1026" name="Picture 2" descr="KIE Anatomy"/>
+          <p:cNvPicPr>
+            <a:picLocks noGrp="1" noChangeAspect="1" noChangeArrowheads="1"/>
+          </p:cNvPicPr>
+          <p:nvPr>
+            <p:ph idx="1"/>
+          </p:nvPr>
+        </p:nvPicPr>
+        <p:blipFill>
+          <a:blip r:embed="rId2">
+            <a:extLst>
+              <a:ext uri="{28A0092B-C50C-407E-A947-70E740481C1C}">
+                <a14:useLocalDpi xmlns:a14="http://schemas.microsoft.com/office/drawing/2010/main" val="0"/>
+              </a:ext>
+            </a:extLst>
+          </a:blip>
+          <a:srcRect/>
+          <a:stretch>
+            <a:fillRect/>
+          </a:stretch>
+        </p:blipFill>
+        <p:spPr bwMode="auto">
+          <a:xfrm>
+            <a:off x="1359891" y="1484593"/>
+            <a:ext cx="6424217" cy="4519052"/>
+          </a:xfrm>
+          <a:prstGeom prst="rect">
+            <a:avLst/>
+          </a:prstGeom>
+          <a:noFill/>
+          <a:extLst>
+            <a:ext uri="{909E8E84-426E-40DD-AFC4-6F175D3DCCD1}">
+              <a14:hiddenFill xmlns:a14="http://schemas.microsoft.com/office/drawing/2010/main">
+                <a:solidFill>
+                  <a:srgbClr val="FFFFFF"/>
+                </a:solidFill>
+              </a14:hiddenFill>
+            </a:ext>
+          </a:extLst>
+        </p:spPr>
+      </p:pic>
     </p:spTree>
     <p:extLst>
       <p:ext uri="{BB962C8B-B14F-4D97-AF65-F5344CB8AC3E}">
-        <p14:creationId xmlns:p14="http://schemas.microsoft.com/office/powerpoint/2010/main" val="1530045669"/>
+        <p14:creationId xmlns:p14="http://schemas.microsoft.com/office/powerpoint/2010/main" val="232004923"/>
       </p:ext>
     </p:extLst>
   </p:cSld>
@@ -8522,51 +9065,47 @@
         </p:nvSpPr>
         <p:spPr/>
         <p:txBody>
-          <a:bodyPr/>
+          <a:bodyPr>
+            <a:normAutofit/>
+          </a:bodyPr>
           <a:lstStyle/>
           <a:p>
             <a:pPr marL="109728" indent="0">
               <a:buNone/>
             </a:pPr>
-            <a:r>
-              <a:rPr lang="pl-PL" dirty="0" err="1" smtClean="0"/>
-              <a:t>when</a:t>
-            </a:r>
-            <a:endParaRPr lang="pl-PL" dirty="0" smtClean="0"/>
+            <a:endParaRPr lang="pl-PL" sz="4400" dirty="0" smtClean="0"/>
           </a:p>
           <a:p>
             <a:pPr marL="109728" indent="0">
               <a:buNone/>
             </a:pPr>
-            <a:r>
-              <a:rPr lang="pl-PL" dirty="0"/>
-              <a:t>	</a:t>
-            </a:r>
-            <a:r>
-              <a:rPr lang="pl-PL" i="1" dirty="0" err="1" smtClean="0"/>
-              <a:t>condition</a:t>
-            </a:r>
-            <a:r>
-              <a:rPr lang="pl-PL" i="1" dirty="0" smtClean="0"/>
-              <a:t> 1</a:t>
-            </a:r>
-          </a:p>
-          <a:p>
-            <a:pPr marL="109728" indent="0">
+            <a:endParaRPr lang="pl-PL" sz="4400" dirty="0"/>
+          </a:p>
+          <a:p>
+            <a:pPr marL="109728" indent="0" algn="ctr">
               <a:buNone/>
             </a:pPr>
             <a:r>
-              <a:rPr lang="pl-PL" i="1" dirty="0"/>
-              <a:t>	</a:t>
-            </a:r>
-            <a:r>
-              <a:rPr lang="pl-PL" i="1" dirty="0" err="1" smtClean="0"/>
-              <a:t>condition</a:t>
-            </a:r>
-            <a:r>
-              <a:rPr lang="pl-PL" i="1" dirty="0" smtClean="0"/>
-              <a:t> 2</a:t>
-            </a:r>
+              <a:rPr lang="pl-PL" sz="4400" dirty="0" smtClean="0"/>
+              <a:t>insert(</a:t>
+            </a:r>
+            <a:r>
+              <a:rPr lang="pl-PL" sz="4400" dirty="0" err="1" smtClean="0"/>
+              <a:t>new</a:t>
+            </a:r>
+            <a:r>
+              <a:rPr lang="pl-PL" sz="4400" dirty="0" smtClean="0"/>
+              <a:t> </a:t>
+            </a:r>
+            <a:r>
+              <a:rPr lang="pl-PL" sz="4400" dirty="0" err="1" smtClean="0"/>
+              <a:t>Fact</a:t>
+            </a:r>
+            <a:r>
+              <a:rPr lang="pl-PL" sz="4400" dirty="0" smtClean="0"/>
+              <a:t>())</a:t>
+            </a:r>
+            <a:endParaRPr lang="pl-PL" sz="4400" dirty="0"/>
           </a:p>
         </p:txBody>
       </p:sp>
@@ -8582,32 +9121,26 @@
         </p:nvSpPr>
         <p:spPr/>
         <p:txBody>
-          <a:bodyPr/>
+          <a:bodyPr>
+            <a:normAutofit fontScale="90000"/>
+          </a:bodyPr>
           <a:lstStyle/>
           <a:p>
             <a:r>
+              <a:rPr lang="pl-PL" dirty="0" smtClean="0"/>
+              <a:t>Knowledge </a:t>
+            </a:r>
+            <a:r>
               <a:rPr lang="pl-PL" dirty="0" err="1" smtClean="0"/>
-              <a:t>Left</a:t>
+              <a:t>representation</a:t>
             </a:r>
             <a:r>
               <a:rPr lang="pl-PL" dirty="0" smtClean="0"/>
-              <a:t> </a:t>
+              <a:t> in </a:t>
             </a:r>
             <a:r>
               <a:rPr lang="pl-PL" dirty="0" err="1" smtClean="0"/>
-              <a:t>Hand</a:t>
-            </a:r>
-            <a:r>
-              <a:rPr lang="pl-PL" dirty="0" smtClean="0"/>
-              <a:t> </a:t>
-            </a:r>
-            <a:r>
-              <a:rPr lang="pl-PL" dirty="0" err="1" smtClean="0"/>
-              <a:t>Side</a:t>
-            </a:r>
-            <a:r>
-              <a:rPr lang="pl-PL" dirty="0" smtClean="0"/>
-              <a:t> (LHS)</a:t>
+              <a:t>Drools</a:t>
             </a:r>
             <a:endParaRPr lang="pl-PL" dirty="0"/>
           </a:p>
@@ -8616,7 +9149,7 @@
     </p:spTree>
     <p:extLst>
       <p:ext uri="{BB962C8B-B14F-4D97-AF65-F5344CB8AC3E}">
-        <p14:creationId xmlns:p14="http://schemas.microsoft.com/office/powerpoint/2010/main" val="1829673684"/>
+        <p14:creationId xmlns:p14="http://schemas.microsoft.com/office/powerpoint/2010/main" val="1804263101"/>
       </p:ext>
     </p:extLst>
   </p:cSld>
@@ -8662,82 +9195,68 @@
         </p:nvSpPr>
         <p:spPr/>
         <p:txBody>
-          <a:bodyPr/>
+          <a:bodyPr>
+            <a:normAutofit/>
+          </a:bodyPr>
           <a:lstStyle/>
           <a:p>
             <a:pPr marL="109728" indent="0">
               <a:buNone/>
             </a:pPr>
             <a:r>
-              <a:rPr lang="pl-PL" dirty="0" err="1" smtClean="0"/>
-              <a:t>when</a:t>
-            </a:r>
-            <a:endParaRPr lang="pl-PL" dirty="0" smtClean="0"/>
+              <a:rPr lang="pl-PL" sz="2400" b="1" dirty="0" err="1" smtClean="0"/>
+              <a:t>rule</a:t>
+            </a:r>
+            <a:r>
+              <a:rPr lang="pl-PL" sz="2400" b="1" dirty="0" smtClean="0"/>
+              <a:t> "Hello World"</a:t>
+            </a:r>
           </a:p>
           <a:p>
             <a:pPr marL="109728" indent="0">
               <a:buNone/>
             </a:pPr>
             <a:r>
-              <a:rPr lang="pl-PL" dirty="0" smtClean="0"/>
-              <a:t>	f : </a:t>
-            </a:r>
-            <a:r>
-              <a:rPr lang="pl-PL" dirty="0" err="1" smtClean="0"/>
-              <a:t>Fact</a:t>
-            </a:r>
-            <a:r>
-              <a:rPr lang="pl-PL" dirty="0" smtClean="0"/>
-              <a:t> ( </a:t>
-            </a:r>
-            <a:r>
-              <a:rPr lang="pl-PL" dirty="0" err="1" smtClean="0"/>
-              <a:t>confirmed</a:t>
-            </a:r>
-            <a:r>
-              <a:rPr lang="pl-PL" dirty="0" smtClean="0"/>
-              <a:t> == </a:t>
-            </a:r>
-            <a:r>
-              <a:rPr lang="pl-PL" dirty="0" err="1" smtClean="0"/>
-              <a:t>true</a:t>
-            </a:r>
-            <a:r>
-              <a:rPr lang="pl-PL" dirty="0" smtClean="0"/>
-              <a:t>)</a:t>
-            </a:r>
+              <a:rPr lang="pl-PL" sz="2400" dirty="0" smtClean="0"/>
+              <a:t>    </a:t>
+            </a:r>
+            <a:r>
+              <a:rPr lang="pl-PL" sz="2400" b="1" dirty="0" err="1" smtClean="0"/>
+              <a:t>when</a:t>
+            </a:r>
+            <a:endParaRPr lang="pl-PL" sz="2400" b="1" dirty="0" smtClean="0"/>
           </a:p>
           <a:p>
             <a:pPr marL="109728" indent="0">
               <a:buNone/>
             </a:pPr>
             <a:r>
-              <a:rPr lang="pl-PL" dirty="0"/>
-              <a:t>	</a:t>
-            </a:r>
-            <a:r>
-              <a:rPr lang="pl-PL" dirty="0" err="1" smtClean="0"/>
-              <a:t>vehicle</a:t>
-            </a:r>
-            <a:r>
-              <a:rPr lang="pl-PL" dirty="0" smtClean="0"/>
+              <a:rPr lang="pl-PL" sz="2400" dirty="0" smtClean="0"/>
+              <a:t>        m : Message( status == </a:t>
+            </a:r>
+            <a:r>
+              <a:rPr lang="pl-PL" sz="2400" dirty="0" err="1" smtClean="0"/>
+              <a:t>Message.HELLO</a:t>
+            </a:r>
+            <a:r>
+              <a:rPr lang="pl-PL" sz="2400" dirty="0" smtClean="0"/>
+              <a:t>, </a:t>
+            </a:r>
+            <a:r>
+              <a:rPr lang="pl-PL" sz="2400" dirty="0" err="1" smtClean="0"/>
+              <a:t>myMessage</a:t>
+            </a:r>
+            <a:r>
+              <a:rPr lang="pl-PL" sz="2400" dirty="0" smtClean="0"/>
               <a:t> : </a:t>
             </a:r>
             <a:r>
-              <a:rPr lang="pl-PL" dirty="0" err="1" smtClean="0"/>
-              <a:t>Vehicle</a:t>
-            </a:r>
-            <a:r>
-              <a:rPr lang="pl-PL" dirty="0" smtClean="0"/>
-              <a:t> (</a:t>
-            </a:r>
-            <a:r>
-              <a:rPr lang="pl-PL" dirty="0" err="1" smtClean="0"/>
-              <a:t>noOfWheels</a:t>
-            </a:r>
-            <a:r>
-              <a:rPr lang="pl-PL" dirty="0" smtClean="0"/>
-              <a:t> &gt; 2)</a:t>
+              <a:rPr lang="pl-PL" sz="2400" dirty="0" err="1" smtClean="0"/>
+              <a:t>message</a:t>
+            </a:r>
+            <a:r>
+              <a:rPr lang="pl-PL" sz="2400" dirty="0" smtClean="0"/>
+              <a:t> )</a:t>
             </a:r>
           </a:p>
           <a:p>
@@ -8745,18 +9264,132 @@
               <a:buNone/>
             </a:pPr>
             <a:r>
-              <a:rPr lang="pl-PL" dirty="0"/>
-              <a:t>	</a:t>
-            </a:r>
-            <a:r>
-              <a:rPr lang="pl-PL" dirty="0" err="1" smtClean="0"/>
-              <a:t>eval</a:t>
-            </a:r>
-            <a:r>
-              <a:rPr lang="pl-PL" dirty="0" smtClean="0"/>
-              <a:t> ()</a:t>
-            </a:r>
-            <a:endParaRPr lang="pl-PL" dirty="0"/>
+              <a:rPr lang="pl-PL" sz="2400" dirty="0" smtClean="0"/>
+              <a:t>    </a:t>
+            </a:r>
+            <a:r>
+              <a:rPr lang="pl-PL" sz="2400" b="1" dirty="0" err="1" smtClean="0"/>
+              <a:t>then</a:t>
+            </a:r>
+            <a:endParaRPr lang="pl-PL" sz="2400" b="1" dirty="0" smtClean="0"/>
+          </a:p>
+          <a:p>
+            <a:pPr marL="109728" indent="0">
+              <a:buNone/>
+            </a:pPr>
+            <a:r>
+              <a:rPr lang="pl-PL" sz="2400" dirty="0" smtClean="0"/>
+              <a:t>        </a:t>
+            </a:r>
+            <a:r>
+              <a:rPr lang="pl-PL" sz="2400" dirty="0" err="1" smtClean="0"/>
+              <a:t>System.out.println</a:t>
+            </a:r>
+            <a:r>
+              <a:rPr lang="pl-PL" sz="2400" dirty="0" smtClean="0"/>
+              <a:t>( </a:t>
+            </a:r>
+            <a:r>
+              <a:rPr lang="pl-PL" sz="2400" dirty="0" err="1" smtClean="0"/>
+              <a:t>myMessage</a:t>
+            </a:r>
+            <a:r>
+              <a:rPr lang="pl-PL" sz="2400" dirty="0" smtClean="0"/>
+              <a:t> );</a:t>
+            </a:r>
+          </a:p>
+          <a:p>
+            <a:pPr marL="109728" indent="0">
+              <a:buNone/>
+            </a:pPr>
+            <a:r>
+              <a:rPr lang="pl-PL" sz="2400" dirty="0" smtClean="0"/>
+              <a:t>        </a:t>
+            </a:r>
+            <a:r>
+              <a:rPr lang="pl-PL" sz="2400" dirty="0" err="1" smtClean="0"/>
+              <a:t>m.setMessage</a:t>
+            </a:r>
+            <a:r>
+              <a:rPr lang="pl-PL" sz="2400" dirty="0" smtClean="0"/>
+              <a:t>( "</a:t>
+            </a:r>
+            <a:r>
+              <a:rPr lang="pl-PL" sz="2400" dirty="0" err="1" smtClean="0"/>
+              <a:t>Goodbye</a:t>
+            </a:r>
+            <a:r>
+              <a:rPr lang="pl-PL" sz="2400" dirty="0" smtClean="0"/>
+              <a:t> </a:t>
+            </a:r>
+            <a:r>
+              <a:rPr lang="pl-PL" sz="2400" dirty="0" err="1" smtClean="0"/>
+              <a:t>cruel</a:t>
+            </a:r>
+            <a:r>
+              <a:rPr lang="pl-PL" sz="2400" dirty="0" smtClean="0"/>
+              <a:t> </a:t>
+            </a:r>
+            <a:r>
+              <a:rPr lang="pl-PL" sz="2400" dirty="0" err="1" smtClean="0"/>
+              <a:t>world</a:t>
+            </a:r>
+            <a:r>
+              <a:rPr lang="pl-PL" sz="2400" dirty="0" smtClean="0"/>
+              <a:t>" );</a:t>
+            </a:r>
+          </a:p>
+          <a:p>
+            <a:pPr marL="109728" indent="0">
+              <a:buNone/>
+            </a:pPr>
+            <a:r>
+              <a:rPr lang="pl-PL" sz="2400" dirty="0" smtClean="0"/>
+              <a:t>        </a:t>
+            </a:r>
+            <a:r>
+              <a:rPr lang="pl-PL" sz="2400" dirty="0" err="1" smtClean="0"/>
+              <a:t>m.setStatus</a:t>
+            </a:r>
+            <a:r>
+              <a:rPr lang="pl-PL" sz="2400" dirty="0" smtClean="0"/>
+              <a:t>( </a:t>
+            </a:r>
+            <a:r>
+              <a:rPr lang="pl-PL" sz="2400" dirty="0" err="1" smtClean="0"/>
+              <a:t>Message.GOODBYE</a:t>
+            </a:r>
+            <a:r>
+              <a:rPr lang="pl-PL" sz="2400" dirty="0" smtClean="0"/>
+              <a:t> );</a:t>
+            </a:r>
+          </a:p>
+          <a:p>
+            <a:pPr marL="109728" indent="0">
+              <a:buNone/>
+            </a:pPr>
+            <a:r>
+              <a:rPr lang="pl-PL" sz="2400" dirty="0" smtClean="0"/>
+              <a:t>        </a:t>
+            </a:r>
+            <a:r>
+              <a:rPr lang="pl-PL" sz="2400" b="1" dirty="0" err="1" smtClean="0"/>
+              <a:t>update</a:t>
+            </a:r>
+            <a:r>
+              <a:rPr lang="pl-PL" sz="2400" b="1" dirty="0" smtClean="0"/>
+              <a:t>( m );</a:t>
+            </a:r>
+          </a:p>
+          <a:p>
+            <a:pPr marL="109728" indent="0">
+              <a:buNone/>
+            </a:pPr>
+            <a:r>
+              <a:rPr lang="pl-PL" sz="2400" b="1" dirty="0" smtClean="0"/>
+              <a:t>end</a:t>
+            </a:r>
+            <a:endParaRPr lang="pl-PL" sz="2400" dirty="0"/>
           </a:p>
         </p:txBody>
       </p:sp>
@@ -8777,7 +9410,7 @@
           <a:p>
             <a:r>
               <a:rPr lang="pl-PL" dirty="0" err="1" smtClean="0"/>
-              <a:t>Left</a:t>
+              <a:t>Drools</a:t>
             </a:r>
             <a:r>
               <a:rPr lang="pl-PL" dirty="0" smtClean="0"/>
@@ -8785,35 +9418,16 @@
             </a:r>
             <a:r>
               <a:rPr lang="pl-PL" dirty="0" err="1" smtClean="0"/>
-              <a:t>Hand</a:t>
-            </a:r>
-            <a:r>
-              <a:rPr lang="pl-PL" dirty="0" smtClean="0"/>
-              <a:t> </a:t>
-            </a:r>
-            <a:r>
-              <a:rPr lang="pl-PL" dirty="0" err="1" smtClean="0"/>
-              <a:t>Side</a:t>
-            </a:r>
-            <a:r>
-              <a:rPr lang="pl-PL" dirty="0" smtClean="0"/>
-              <a:t> (</a:t>
-            </a:r>
-            <a:r>
-              <a:rPr lang="pl-PL" dirty="0" err="1" smtClean="0"/>
-              <a:t>conditions</a:t>
-            </a:r>
-            <a:r>
-              <a:rPr lang="pl-PL" dirty="0"/>
-              <a:t>)</a:t>
-            </a:r>
+              <a:t>rule</a:t>
+            </a:r>
+            <a:endParaRPr lang="pl-PL" dirty="0"/>
           </a:p>
         </p:txBody>
       </p:sp>
     </p:spTree>
     <p:extLst>
       <p:ext uri="{BB962C8B-B14F-4D97-AF65-F5344CB8AC3E}">
-        <p14:creationId xmlns:p14="http://schemas.microsoft.com/office/powerpoint/2010/main" val="932698381"/>
+        <p14:creationId xmlns:p14="http://schemas.microsoft.com/office/powerpoint/2010/main" val="1530045669"/>
       </p:ext>
     </p:extLst>
   </p:cSld>
@@ -8859,9 +9473,7 @@
         </p:nvSpPr>
         <p:spPr/>
         <p:txBody>
-          <a:bodyPr>
-            <a:normAutofit fontScale="92500" lnSpcReduction="10000"/>
-          </a:bodyPr>
+          <a:bodyPr/>
           <a:lstStyle/>
           <a:p>
             <a:pPr marL="109728" indent="0">
@@ -8869,7 +9481,7 @@
             </a:pPr>
             <a:r>
               <a:rPr lang="pl-PL" dirty="0" err="1" smtClean="0"/>
-              <a:t>then</a:t>
+              <a:t>when</a:t>
             </a:r>
             <a:endParaRPr lang="pl-PL" dirty="0" smtClean="0"/>
           </a:p>
@@ -8878,16 +9490,16 @@
               <a:buNone/>
             </a:pPr>
             <a:r>
-              <a:rPr lang="pl-PL" dirty="0" smtClean="0"/>
-              <a:t>	insert(</a:t>
-            </a:r>
-            <a:r>
-              <a:rPr lang="pl-PL" dirty="0" err="1" smtClean="0"/>
-              <a:t>fact</a:t>
-            </a:r>
-            <a:r>
-              <a:rPr lang="pl-PL" dirty="0" smtClean="0"/>
-              <a:t>)</a:t>
+              <a:rPr lang="pl-PL" dirty="0"/>
+              <a:t>	</a:t>
+            </a:r>
+            <a:r>
+              <a:rPr lang="pl-PL" i="1" dirty="0" err="1" smtClean="0"/>
+              <a:t>condition</a:t>
+            </a:r>
+            <a:r>
+              <a:rPr lang="pl-PL" i="1" dirty="0" smtClean="0"/>
+              <a:t> 1</a:t>
             </a:r>
           </a:p>
           <a:p>
@@ -8895,183 +9507,16 @@
               <a:buNone/>
             </a:pPr>
             <a:r>
-              <a:rPr lang="pl-PL" dirty="0"/>
+              <a:rPr lang="pl-PL" i="1" dirty="0"/>
               <a:t>	</a:t>
             </a:r>
             <a:r>
-              <a:rPr lang="pl-PL" dirty="0" err="1" smtClean="0"/>
-              <a:t>insertLogical</a:t>
-            </a:r>
-            <a:r>
-              <a:rPr lang="pl-PL" dirty="0" smtClean="0"/>
-              <a:t>(</a:t>
-            </a:r>
-            <a:r>
-              <a:rPr lang="pl-PL" dirty="0" err="1" smtClean="0"/>
-              <a:t>fact</a:t>
-            </a:r>
-            <a:r>
-              <a:rPr lang="pl-PL" dirty="0" smtClean="0"/>
-              <a:t>)</a:t>
-            </a:r>
-          </a:p>
-          <a:p>
-            <a:pPr marL="109728" indent="0">
-              <a:buNone/>
-            </a:pPr>
-            <a:r>
-              <a:rPr lang="pl-PL" dirty="0" smtClean="0"/>
-              <a:t>	</a:t>
-            </a:r>
-            <a:r>
-              <a:rPr lang="pl-PL" dirty="0" err="1" smtClean="0"/>
-              <a:t>update</a:t>
-            </a:r>
-            <a:r>
-              <a:rPr lang="pl-PL" dirty="0" smtClean="0"/>
-              <a:t>(</a:t>
-            </a:r>
-            <a:r>
-              <a:rPr lang="pl-PL" dirty="0" err="1" smtClean="0"/>
-              <a:t>fact</a:t>
-            </a:r>
-            <a:r>
-              <a:rPr lang="pl-PL" dirty="0" smtClean="0"/>
-              <a:t>)</a:t>
-            </a:r>
-          </a:p>
-          <a:p>
-            <a:pPr marL="109728" indent="0">
-              <a:buNone/>
-            </a:pPr>
-            <a:r>
-              <a:rPr lang="pl-PL" dirty="0"/>
-              <a:t>	</a:t>
-            </a:r>
-            <a:r>
-              <a:rPr lang="pl-PL" dirty="0" err="1" smtClean="0"/>
-              <a:t>retract</a:t>
-            </a:r>
-            <a:r>
-              <a:rPr lang="pl-PL" dirty="0" smtClean="0"/>
-              <a:t>(</a:t>
-            </a:r>
-            <a:r>
-              <a:rPr lang="pl-PL" dirty="0" err="1" smtClean="0"/>
-              <a:t>fact</a:t>
-            </a:r>
-            <a:r>
-              <a:rPr lang="pl-PL" dirty="0" smtClean="0"/>
-              <a:t>)</a:t>
-            </a:r>
-          </a:p>
-          <a:p>
-            <a:pPr marL="109728" indent="0">
-              <a:buNone/>
-            </a:pPr>
-            <a:r>
-              <a:rPr lang="pl-PL" dirty="0"/>
-              <a:t>	</a:t>
-            </a:r>
-            <a:r>
-              <a:rPr lang="pl-PL" dirty="0" err="1"/>
-              <a:t>modify</a:t>
-            </a:r>
-            <a:r>
-              <a:rPr lang="pl-PL" dirty="0"/>
-              <a:t> ( &lt;</a:t>
-            </a:r>
-            <a:r>
-              <a:rPr lang="pl-PL" dirty="0" err="1"/>
-              <a:t>fact-expression</a:t>
-            </a:r>
-            <a:r>
-              <a:rPr lang="pl-PL" dirty="0"/>
-              <a:t>&gt; ) {</a:t>
-            </a:r>
-          </a:p>
-          <a:p>
-            <a:pPr marL="109728" indent="0">
-              <a:buNone/>
-            </a:pPr>
-            <a:r>
-              <a:rPr lang="pl-PL" dirty="0" smtClean="0"/>
-              <a:t>	    	&lt;</a:t>
-            </a:r>
-            <a:r>
-              <a:rPr lang="pl-PL" dirty="0" err="1"/>
-              <a:t>expression</a:t>
-            </a:r>
-            <a:r>
-              <a:rPr lang="pl-PL" dirty="0"/>
-              <a:t>&gt; </a:t>
-            </a:r>
-            <a:endParaRPr lang="pl-PL" dirty="0" smtClean="0"/>
-          </a:p>
-          <a:p>
-            <a:pPr marL="109728" indent="0">
-              <a:buNone/>
-            </a:pPr>
-            <a:r>
-              <a:rPr lang="pl-PL" dirty="0"/>
-              <a:t>	</a:t>
-            </a:r>
-            <a:r>
-              <a:rPr lang="pl-PL" dirty="0" smtClean="0"/>
-              <a:t>	[ </a:t>
-            </a:r>
-            <a:r>
-              <a:rPr lang="pl-PL" dirty="0"/>
-              <a:t>, &lt;</a:t>
-            </a:r>
-            <a:r>
-              <a:rPr lang="pl-PL" dirty="0" err="1"/>
-              <a:t>expression</a:t>
-            </a:r>
-            <a:r>
-              <a:rPr lang="pl-PL" dirty="0"/>
-              <a:t>&gt; </a:t>
-            </a:r>
-            <a:r>
-              <a:rPr lang="pl-PL" dirty="0" smtClean="0"/>
-              <a:t>]</a:t>
-            </a:r>
-            <a:endParaRPr lang="pl-PL" dirty="0"/>
-          </a:p>
-          <a:p>
-            <a:pPr marL="109728" indent="0">
-              <a:buNone/>
-            </a:pPr>
-            <a:r>
-              <a:rPr lang="pl-PL" dirty="0" smtClean="0"/>
-              <a:t>	}</a:t>
-            </a:r>
-          </a:p>
-          <a:p>
-            <a:pPr marL="109728" indent="0">
-              <a:buNone/>
-            </a:pPr>
-            <a:r>
-              <a:rPr lang="pl-PL" dirty="0"/>
-              <a:t>	</a:t>
-            </a:r>
-            <a:r>
               <a:rPr lang="pl-PL" i="1" dirty="0" err="1" smtClean="0"/>
-              <a:t>some</a:t>
+              <a:t>condition</a:t>
             </a:r>
             <a:r>
               <a:rPr lang="pl-PL" i="1" dirty="0" smtClean="0"/>
-              <a:t> Java</a:t>
-            </a:r>
-            <a:endParaRPr lang="pl-PL" dirty="0" smtClean="0"/>
-          </a:p>
-          <a:p>
-            <a:pPr marL="109728" indent="0">
-              <a:buNone/>
-            </a:pPr>
-            <a:r>
-              <a:rPr lang="pl-PL" dirty="0"/>
-              <a:t>	</a:t>
+              <a:t> 2</a:t>
             </a:r>
           </a:p>
         </p:txBody>
@@ -9092,8 +9537,12 @@
           <a:lstStyle/>
           <a:p>
             <a:r>
+              <a:rPr lang="pl-PL" dirty="0" err="1" smtClean="0"/>
+              <a:t>Left</a:t>
+            </a:r>
+            <a:r>
               <a:rPr lang="pl-PL" dirty="0" smtClean="0"/>
-              <a:t>Right </a:t>
+              <a:t> </a:t>
             </a:r>
             <a:r>
               <a:rPr lang="pl-PL" dirty="0" err="1" smtClean="0"/>
@@ -9109,7 +9558,7 @@
             </a:r>
             <a:r>
               <a:rPr lang="pl-PL" dirty="0" smtClean="0"/>
-              <a:t> (RHS)</a:t>
+              <a:t> (LHS)</a:t>
             </a:r>
             <a:endParaRPr lang="pl-PL" dirty="0"/>
           </a:p>
@@ -9118,7 +9567,7 @@
     </p:spTree>
     <p:extLst>
       <p:ext uri="{BB962C8B-B14F-4D97-AF65-F5344CB8AC3E}">
-        <p14:creationId xmlns:p14="http://schemas.microsoft.com/office/powerpoint/2010/main" val="1394199466"/>
+        <p14:creationId xmlns:p14="http://schemas.microsoft.com/office/powerpoint/2010/main" val="1829673684"/>
       </p:ext>
     </p:extLst>
   </p:cSld>
@@ -9164,307 +9613,101 @@
         </p:nvSpPr>
         <p:spPr/>
         <p:txBody>
-          <a:bodyPr>
-            <a:normAutofit lnSpcReduction="10000"/>
-          </a:bodyPr>
+          <a:bodyPr/>
           <a:lstStyle/>
           <a:p>
             <a:pPr marL="109728" indent="0">
               <a:buNone/>
             </a:pPr>
             <a:r>
-              <a:rPr lang="pl-PL" sz="2000" dirty="0" err="1">
-                <a:latin typeface="Lucida Console" panose="020B0609040504020204" pitchFamily="49" charset="0"/>
-              </a:rPr>
-              <a:t>KnowledgeBuilder</a:t>
-            </a:r>
-            <a:r>
-              <a:rPr lang="pl-PL" sz="2000" dirty="0">
-                <a:latin typeface="Lucida Console" panose="020B0609040504020204" pitchFamily="49" charset="0"/>
-              </a:rPr>
-              <a:t> </a:t>
-            </a:r>
-            <a:r>
-              <a:rPr lang="pl-PL" sz="2000" dirty="0" err="1">
-                <a:latin typeface="Lucida Console" panose="020B0609040504020204" pitchFamily="49" charset="0"/>
-              </a:rPr>
-              <a:t>knowledgeBuilder</a:t>
-            </a:r>
-            <a:r>
-              <a:rPr lang="pl-PL" sz="2000" dirty="0">
-                <a:latin typeface="Lucida Console" panose="020B0609040504020204" pitchFamily="49" charset="0"/>
-              </a:rPr>
-              <a:t> = </a:t>
-            </a:r>
+              <a:rPr lang="pl-PL" dirty="0" err="1" smtClean="0"/>
+              <a:t>when</a:t>
+            </a:r>
+            <a:endParaRPr lang="pl-PL" dirty="0" smtClean="0"/>
           </a:p>
           <a:p>
             <a:pPr marL="109728" indent="0">
               <a:buNone/>
             </a:pPr>
             <a:r>
-              <a:rPr lang="pl-PL" sz="2000" dirty="0" smtClean="0">
-                <a:latin typeface="Lucida Console" panose="020B0609040504020204" pitchFamily="49" charset="0"/>
-              </a:rPr>
-              <a:t>	</a:t>
-            </a:r>
-            <a:r>
-              <a:rPr lang="pl-PL" sz="2000" dirty="0" err="1" smtClean="0">
-                <a:latin typeface="Lucida Console" panose="020B0609040504020204" pitchFamily="49" charset="0"/>
-              </a:rPr>
-              <a:t>KnowledgeBuilderFactory.</a:t>
-            </a:r>
-            <a:r>
-              <a:rPr lang="pl-PL" sz="2000" i="1" dirty="0" err="1" smtClean="0">
-                <a:latin typeface="Lucida Console" panose="020B0609040504020204" pitchFamily="49" charset="0"/>
-              </a:rPr>
-              <a:t>newKnowledgeBuilder</a:t>
-            </a:r>
-            <a:r>
-              <a:rPr lang="pl-PL" sz="2000" i="1" dirty="0" smtClean="0">
-                <a:latin typeface="Lucida Console" panose="020B0609040504020204" pitchFamily="49" charset="0"/>
-              </a:rPr>
-              <a:t>();</a:t>
+              <a:rPr lang="pl-PL" dirty="0" smtClean="0"/>
+              <a:t>	f : </a:t>
+            </a:r>
+            <a:r>
+              <a:rPr lang="pl-PL" dirty="0" err="1" smtClean="0"/>
+              <a:t>Fact</a:t>
+            </a:r>
+            <a:r>
+              <a:rPr lang="pl-PL" dirty="0" smtClean="0"/>
+              <a:t> ( </a:t>
+            </a:r>
+            <a:r>
+              <a:rPr lang="pl-PL" dirty="0" err="1" smtClean="0"/>
+              <a:t>confirmed</a:t>
+            </a:r>
+            <a:r>
+              <a:rPr lang="pl-PL" dirty="0" smtClean="0"/>
+              <a:t> == </a:t>
+            </a:r>
+            <a:r>
+              <a:rPr lang="pl-PL" dirty="0" err="1" smtClean="0"/>
+              <a:t>true</a:t>
+            </a:r>
+            <a:r>
+              <a:rPr lang="pl-PL" dirty="0" smtClean="0"/>
+              <a:t>)</a:t>
             </a:r>
           </a:p>
           <a:p>
             <a:pPr marL="109728" indent="0">
               <a:buNone/>
             </a:pPr>
-            <a:endParaRPr lang="pl-PL" sz="2000" i="1" dirty="0">
-              <a:latin typeface="Lucida Console" panose="020B0609040504020204" pitchFamily="49" charset="0"/>
-            </a:endParaRPr>
+            <a:r>
+              <a:rPr lang="pl-PL" dirty="0"/>
+              <a:t>	</a:t>
+            </a:r>
+            <a:r>
+              <a:rPr lang="pl-PL" dirty="0" err="1" smtClean="0"/>
+              <a:t>vehicle</a:t>
+            </a:r>
+            <a:r>
+              <a:rPr lang="pl-PL" dirty="0" smtClean="0"/>
+              <a:t> : </a:t>
+            </a:r>
+            <a:r>
+              <a:rPr lang="pl-PL" dirty="0" err="1" smtClean="0"/>
+              <a:t>Vehicle</a:t>
+            </a:r>
+            <a:r>
+              <a:rPr lang="pl-PL" dirty="0" smtClean="0"/>
+              <a:t> (</a:t>
+            </a:r>
+            <a:r>
+              <a:rPr lang="pl-PL" dirty="0" err="1" smtClean="0"/>
+              <a:t>noOfWheels</a:t>
+            </a:r>
+            <a:r>
+              <a:rPr lang="pl-PL" dirty="0" smtClean="0"/>
+              <a:t> &gt; 2)</a:t>
+            </a:r>
           </a:p>
           <a:p>
             <a:pPr marL="109728" indent="0">
               <a:buNone/>
             </a:pPr>
             <a:r>
-              <a:rPr lang="pl-PL" sz="2000" dirty="0">
-                <a:latin typeface="Lucida Console" panose="020B0609040504020204" pitchFamily="49" charset="0"/>
-              </a:rPr>
-              <a:t>Resource </a:t>
-            </a:r>
-            <a:r>
-              <a:rPr lang="pl-PL" sz="2000" dirty="0" err="1">
-                <a:latin typeface="Lucida Console" panose="020B0609040504020204" pitchFamily="49" charset="0"/>
-              </a:rPr>
-              <a:t>diagnosticRuleResource</a:t>
-            </a:r>
-            <a:r>
-              <a:rPr lang="pl-PL" sz="2000" dirty="0">
-                <a:latin typeface="Lucida Console" panose="020B0609040504020204" pitchFamily="49" charset="0"/>
-              </a:rPr>
-              <a:t> = </a:t>
-            </a:r>
-          </a:p>
-          <a:p>
-            <a:pPr marL="109728" indent="0">
-              <a:buNone/>
-            </a:pPr>
-            <a:r>
-              <a:rPr lang="pl-PL" sz="2000" dirty="0" smtClean="0">
-                <a:latin typeface="Lucida Console" panose="020B0609040504020204" pitchFamily="49" charset="0"/>
-              </a:rPr>
+              <a:rPr lang="pl-PL" dirty="0"/>
               <a:t>	</a:t>
             </a:r>
             <a:r>
-              <a:rPr lang="pl-PL" sz="2000" dirty="0" err="1" smtClean="0">
-                <a:latin typeface="Lucida Console" panose="020B0609040504020204" pitchFamily="49" charset="0"/>
-              </a:rPr>
-              <a:t>ResourceFactory.</a:t>
-            </a:r>
-            <a:r>
-              <a:rPr lang="pl-PL" sz="2000" i="1" dirty="0" err="1" smtClean="0">
-                <a:latin typeface="Lucida Console" panose="020B0609040504020204" pitchFamily="49" charset="0"/>
-              </a:rPr>
-              <a:t>newClassPathResource</a:t>
-            </a:r>
-            <a:r>
-              <a:rPr lang="pl-PL" sz="2000" i="1" dirty="0" smtClean="0">
-                <a:latin typeface="Lucida Console" panose="020B0609040504020204" pitchFamily="49" charset="0"/>
-              </a:rPr>
-              <a:t>(„</a:t>
-            </a:r>
-            <a:r>
-              <a:rPr lang="pl-PL" sz="2000" i="1" dirty="0" err="1" smtClean="0">
-                <a:latin typeface="Lucida Console" panose="020B0609040504020204" pitchFamily="49" charset="0"/>
-              </a:rPr>
-              <a:t>diagnostics.drl</a:t>
-            </a:r>
-            <a:r>
-              <a:rPr lang="pl-PL" sz="2000" i="1" dirty="0" smtClean="0">
-                <a:latin typeface="Lucida Console" panose="020B0609040504020204" pitchFamily="49" charset="0"/>
-              </a:rPr>
-              <a:t>");</a:t>
-            </a:r>
-          </a:p>
-          <a:p>
-            <a:pPr marL="109728" indent="0">
-              <a:buNone/>
-            </a:pPr>
-            <a:endParaRPr lang="pl-PL" sz="2000" i="1" dirty="0">
-              <a:latin typeface="Lucida Console" panose="020B0609040504020204" pitchFamily="49" charset="0"/>
-            </a:endParaRPr>
-          </a:p>
-          <a:p>
-            <a:pPr marL="109728" indent="0">
-              <a:buNone/>
-            </a:pPr>
-            <a:r>
-              <a:rPr lang="pl-PL" sz="2000" dirty="0" err="1">
-                <a:latin typeface="Lucida Console" panose="020B0609040504020204" pitchFamily="49" charset="0"/>
-              </a:rPr>
-              <a:t>knowledgeBuilder.add</a:t>
-            </a:r>
-            <a:r>
-              <a:rPr lang="pl-PL" sz="2000" dirty="0">
-                <a:latin typeface="Lucida Console" panose="020B0609040504020204" pitchFamily="49" charset="0"/>
-              </a:rPr>
-              <a:t>(</a:t>
-            </a:r>
-            <a:r>
-              <a:rPr lang="pl-PL" sz="2000" dirty="0" err="1">
-                <a:latin typeface="Lucida Console" panose="020B0609040504020204" pitchFamily="49" charset="0"/>
-              </a:rPr>
-              <a:t>diagnosticRuleResource</a:t>
-            </a:r>
-            <a:r>
-              <a:rPr lang="pl-PL" sz="2000" dirty="0">
-                <a:latin typeface="Lucida Console" panose="020B0609040504020204" pitchFamily="49" charset="0"/>
-              </a:rPr>
-              <a:t> , </a:t>
-            </a:r>
-            <a:r>
-              <a:rPr lang="pl-PL" sz="2000" dirty="0" smtClean="0">
-                <a:latin typeface="Lucida Console" panose="020B0609040504020204" pitchFamily="49" charset="0"/>
-              </a:rPr>
-              <a:t>	</a:t>
-            </a:r>
-            <a:r>
-              <a:rPr lang="pl-PL" sz="2000" dirty="0" err="1" smtClean="0">
-                <a:latin typeface="Lucida Console" panose="020B0609040504020204" pitchFamily="49" charset="0"/>
-              </a:rPr>
-              <a:t>ResourceType.</a:t>
-            </a:r>
-            <a:r>
-              <a:rPr lang="pl-PL" sz="2000" i="1" dirty="0" err="1" smtClean="0">
-                <a:latin typeface="Lucida Console" panose="020B0609040504020204" pitchFamily="49" charset="0"/>
-              </a:rPr>
-              <a:t>DRL</a:t>
-            </a:r>
-            <a:r>
-              <a:rPr lang="pl-PL" sz="2000" i="1" dirty="0" smtClean="0">
-                <a:latin typeface="Lucida Console" panose="020B0609040504020204" pitchFamily="49" charset="0"/>
-              </a:rPr>
-              <a:t>);</a:t>
-            </a:r>
-            <a:endParaRPr lang="pl-PL" sz="2000" dirty="0">
-              <a:latin typeface="Lucida Console" panose="020B0609040504020204" pitchFamily="49" charset="0"/>
-            </a:endParaRPr>
-          </a:p>
-          <a:p>
-            <a:pPr marL="109728" indent="0">
-              <a:buNone/>
-            </a:pPr>
-            <a:r>
-              <a:rPr lang="pl-PL" sz="2000" dirty="0" err="1">
-                <a:latin typeface="Lucida Console" panose="020B0609040504020204" pitchFamily="49" charset="0"/>
-              </a:rPr>
-              <a:t>if</a:t>
-            </a:r>
-            <a:r>
-              <a:rPr lang="pl-PL" sz="2000" dirty="0">
-                <a:latin typeface="Lucida Console" panose="020B0609040504020204" pitchFamily="49" charset="0"/>
-              </a:rPr>
-              <a:t> (</a:t>
-            </a:r>
-            <a:r>
-              <a:rPr lang="pl-PL" sz="2000" dirty="0" err="1">
-                <a:latin typeface="Lucida Console" panose="020B0609040504020204" pitchFamily="49" charset="0"/>
-              </a:rPr>
-              <a:t>knowledgeBuilder.hasErrors</a:t>
-            </a:r>
-            <a:r>
-              <a:rPr lang="pl-PL" sz="2000" dirty="0">
-                <a:latin typeface="Lucida Console" panose="020B0609040504020204" pitchFamily="49" charset="0"/>
-              </a:rPr>
-              <a:t>()) </a:t>
-            </a:r>
-            <a:r>
-              <a:rPr lang="pl-PL" sz="2000" dirty="0" smtClean="0">
-                <a:latin typeface="Lucida Console" panose="020B0609040504020204" pitchFamily="49" charset="0"/>
-              </a:rPr>
-              <a:t>{</a:t>
-            </a:r>
-          </a:p>
-          <a:p>
-            <a:pPr marL="109728" indent="0">
-              <a:buNone/>
-            </a:pPr>
-            <a:r>
-              <a:rPr lang="pl-PL" sz="2000" dirty="0">
-                <a:latin typeface="Lucida Console" panose="020B0609040504020204" pitchFamily="49" charset="0"/>
-              </a:rPr>
-              <a:t>	</a:t>
-            </a:r>
-            <a:r>
-              <a:rPr lang="pl-PL" sz="2000" dirty="0" smtClean="0">
-                <a:latin typeface="Lucida Console" panose="020B0609040504020204" pitchFamily="49" charset="0"/>
-              </a:rPr>
-              <a:t>//handle </a:t>
-            </a:r>
-            <a:r>
-              <a:rPr lang="pl-PL" sz="2000" dirty="0" err="1" smtClean="0">
-                <a:latin typeface="Lucida Console" panose="020B0609040504020204" pitchFamily="49" charset="0"/>
-              </a:rPr>
-              <a:t>errors</a:t>
-            </a:r>
-            <a:endParaRPr lang="pl-PL" sz="2000" dirty="0">
-              <a:latin typeface="Lucida Console" panose="020B0609040504020204" pitchFamily="49" charset="0"/>
-            </a:endParaRPr>
-          </a:p>
-          <a:p>
-            <a:pPr marL="109728" indent="0">
-              <a:buNone/>
-            </a:pPr>
-            <a:r>
-              <a:rPr lang="pl-PL" sz="2000" dirty="0" smtClean="0">
-                <a:latin typeface="Lucida Console" panose="020B0609040504020204" pitchFamily="49" charset="0"/>
-              </a:rPr>
-              <a:t>}</a:t>
-            </a:r>
-            <a:endParaRPr lang="pl-PL" sz="2000" dirty="0">
-              <a:latin typeface="Lucida Console" panose="020B0609040504020204" pitchFamily="49" charset="0"/>
-            </a:endParaRPr>
-          </a:p>
-          <a:p>
-            <a:pPr marL="109728" indent="0">
-              <a:buNone/>
-            </a:pPr>
-            <a:r>
-              <a:rPr lang="pl-PL" sz="2000" dirty="0" err="1">
-                <a:latin typeface="Lucida Console" panose="020B0609040504020204" pitchFamily="49" charset="0"/>
-              </a:rPr>
-              <a:t>knowledgeBase</a:t>
-            </a:r>
-            <a:r>
-              <a:rPr lang="pl-PL" sz="2000" dirty="0">
-                <a:latin typeface="Lucida Console" panose="020B0609040504020204" pitchFamily="49" charset="0"/>
-              </a:rPr>
-              <a:t> = </a:t>
-            </a:r>
-            <a:r>
-              <a:rPr lang="pl-PL" sz="2000" dirty="0" err="1">
-                <a:latin typeface="Lucida Console" panose="020B0609040504020204" pitchFamily="49" charset="0"/>
-              </a:rPr>
-              <a:t>knowledgeBuilder.newKnowledgeBase</a:t>
-            </a:r>
-            <a:r>
-              <a:rPr lang="pl-PL" sz="2000" dirty="0">
-                <a:latin typeface="Lucida Console" panose="020B0609040504020204" pitchFamily="49" charset="0"/>
-              </a:rPr>
-              <a:t>();</a:t>
-            </a:r>
+              <a:rPr lang="pl-PL" dirty="0" err="1" smtClean="0"/>
+              <a:t>eval</a:t>
+            </a:r>
+            <a:r>
+              <a:rPr lang="pl-PL" dirty="0" smtClean="0"/>
+              <a:t> ()</a:t>
+            </a:r>
+            <a:endParaRPr lang="pl-PL" dirty="0"/>
           </a:p>
         </p:txBody>
       </p:sp>
@@ -9485,7 +9728,7 @@
           <a:p>
             <a:r>
               <a:rPr lang="pl-PL" dirty="0" err="1" smtClean="0"/>
-              <a:t>Knowlegde</a:t>
+              <a:t>Left</a:t>
             </a:r>
             <a:r>
               <a:rPr lang="pl-PL" dirty="0" smtClean="0"/>
@@ -9493,16 +9736,35 @@
             </a:r>
             <a:r>
               <a:rPr lang="pl-PL" dirty="0" err="1" smtClean="0"/>
-              <a:t>base</a:t>
-            </a:r>
-            <a:endParaRPr lang="pl-PL" dirty="0"/>
+              <a:t>Hand</a:t>
+            </a:r>
+            <a:r>
+              <a:rPr lang="pl-PL" dirty="0" smtClean="0"/>
+              <a:t> </a:t>
+            </a:r>
+            <a:r>
+              <a:rPr lang="pl-PL" dirty="0" err="1" smtClean="0"/>
+              <a:t>Side</a:t>
+            </a:r>
+            <a:r>
+              <a:rPr lang="pl-PL" dirty="0" smtClean="0"/>
+              <a:t> (</a:t>
+            </a:r>
+            <a:r>
+              <a:rPr lang="pl-PL" dirty="0" err="1" smtClean="0"/>
+              <a:t>conditions</a:t>
+            </a:r>
+            <a:r>
+              <a:rPr lang="pl-PL" dirty="0"/>
+              <a:t>)</a:t>
+            </a:r>
           </a:p>
         </p:txBody>
       </p:sp>
     </p:spTree>
     <p:extLst>
       <p:ext uri="{BB962C8B-B14F-4D97-AF65-F5344CB8AC3E}">
-        <p14:creationId xmlns:p14="http://schemas.microsoft.com/office/powerpoint/2010/main" val="3682385720"/>
+        <p14:creationId xmlns:p14="http://schemas.microsoft.com/office/powerpoint/2010/main" val="932698381"/>
       </p:ext>
     </p:extLst>
   </p:cSld>
@@ -9549,7 +9811,7 @@
         <p:spPr/>
         <p:txBody>
           <a:bodyPr>
-            <a:normAutofit/>
+            <a:normAutofit fontScale="92500" lnSpcReduction="10000"/>
           </a:bodyPr>
           <a:lstStyle/>
           <a:p>
@@ -9557,71 +9819,211 @@
               <a:buNone/>
             </a:pPr>
             <a:r>
-              <a:rPr lang="pl-PL" sz="2400" dirty="0" err="1"/>
-              <a:t>StatefulKnowledgeSession</a:t>
-            </a:r>
-            <a:r>
-              <a:rPr lang="pl-PL" sz="2400" dirty="0"/>
-              <a:t> </a:t>
-            </a:r>
-            <a:r>
-              <a:rPr lang="pl-PL" sz="2400" dirty="0" err="1"/>
-              <a:t>session</a:t>
-            </a:r>
-            <a:r>
-              <a:rPr lang="pl-PL" sz="2400" dirty="0"/>
-              <a:t> = </a:t>
-            </a:r>
-            <a:r>
-              <a:rPr lang="pl-PL" sz="2400" dirty="0" smtClean="0"/>
-              <a:t>	</a:t>
-            </a:r>
-            <a:r>
-              <a:rPr lang="pl-PL" sz="2400" dirty="0" err="1" smtClean="0"/>
-              <a:t>knowledgeBase.newStatefulKnowledgeSession</a:t>
-            </a:r>
-            <a:r>
-              <a:rPr lang="pl-PL" sz="2400" dirty="0"/>
-              <a:t>();</a:t>
-            </a:r>
+              <a:rPr lang="pl-PL" dirty="0" err="1" smtClean="0"/>
+              <a:t>then</a:t>
+            </a:r>
+            <a:endParaRPr lang="pl-PL" dirty="0" smtClean="0"/>
           </a:p>
           <a:p>
             <a:pPr marL="109728" indent="0">
               <a:buNone/>
             </a:pPr>
             <a:r>
-              <a:rPr lang="pl-PL" sz="2400" dirty="0" err="1" smtClean="0"/>
-              <a:t>session.insert</a:t>
-            </a:r>
-            <a:r>
-              <a:rPr lang="pl-PL" sz="2400" dirty="0" smtClean="0"/>
+              <a:rPr lang="pl-PL" dirty="0" smtClean="0"/>
+              <a:t>	insert(</a:t>
+            </a:r>
+            <a:r>
+              <a:rPr lang="pl-PL" dirty="0" err="1" smtClean="0"/>
+              <a:t>fact</a:t>
+            </a:r>
+            <a:r>
+              <a:rPr lang="pl-PL" dirty="0" smtClean="0"/>
+              <a:t>)</a:t>
+            </a:r>
+          </a:p>
+          <a:p>
+            <a:pPr marL="109728" indent="0">
+              <a:buNone/>
+            </a:pPr>
+            <a:r>
+              <a:rPr lang="pl-PL" dirty="0"/>
+              <a:t>	</a:t>
+            </a:r>
+            <a:r>
+              <a:rPr lang="pl-PL" dirty="0" err="1" smtClean="0"/>
+              <a:t>insertLogical</a:t>
+            </a:r>
+            <a:r>
+              <a:rPr lang="pl-PL" dirty="0" smtClean="0"/>
               <a:t>(</a:t>
             </a:r>
             <a:r>
-              <a:rPr lang="pl-PL" sz="2400" dirty="0" err="1" smtClean="0"/>
-              <a:t>new</a:t>
-            </a:r>
-            <a:r>
-              <a:rPr lang="pl-PL" sz="2400" dirty="0" smtClean="0"/>
-              <a:t> </a:t>
-            </a:r>
-            <a:r>
-              <a:rPr lang="pl-PL" sz="2400" dirty="0" err="1"/>
-              <a:t>ChestPain</a:t>
-            </a:r>
-            <a:r>
-              <a:rPr lang="pl-PL" sz="2400" dirty="0"/>
-              <a:t>().</a:t>
-            </a:r>
-            <a:r>
-              <a:rPr lang="pl-PL" sz="2400" dirty="0" err="1"/>
-              <a:t>exists</a:t>
-            </a:r>
-            <a:r>
-              <a:rPr lang="pl-PL" sz="2400" dirty="0" smtClean="0"/>
-              <a:t>());</a:t>
-            </a:r>
-            <a:endParaRPr lang="pl-PL" sz="2400" dirty="0"/>
+              <a:rPr lang="pl-PL" dirty="0" err="1" smtClean="0"/>
+              <a:t>fact</a:t>
+            </a:r>
+            <a:r>
+              <a:rPr lang="pl-PL" dirty="0" smtClean="0"/>
+              <a:t>)</a:t>
+            </a:r>
+          </a:p>
+          <a:p>
+            <a:pPr marL="109728" indent="0">
+              <a:buNone/>
+            </a:pPr>
+            <a:r>
+              <a:rPr lang="pl-PL" dirty="0" smtClean="0"/>
+              <a:t>	</a:t>
+            </a:r>
+            <a:r>
+              <a:rPr lang="pl-PL" dirty="0" err="1" smtClean="0"/>
+              <a:t>update</a:t>
+            </a:r>
+            <a:r>
+              <a:rPr lang="pl-PL" dirty="0" smtClean="0"/>
+              <a:t>(</a:t>
+            </a:r>
+            <a:r>
+              <a:rPr lang="pl-PL" dirty="0" err="1" smtClean="0"/>
+              <a:t>fact</a:t>
+            </a:r>
+            <a:r>
+              <a:rPr lang="pl-PL" dirty="0" smtClean="0"/>
+              <a:t>)</a:t>
+            </a:r>
+          </a:p>
+          <a:p>
+            <a:pPr marL="109728" indent="0">
+              <a:buNone/>
+            </a:pPr>
+            <a:r>
+              <a:rPr lang="pl-PL" dirty="0"/>
+              <a:t>	</a:t>
+            </a:r>
+            <a:r>
+              <a:rPr lang="pl-PL" dirty="0" err="1" smtClean="0"/>
+              <a:t>retract</a:t>
+            </a:r>
+            <a:r>
+              <a:rPr lang="pl-PL" dirty="0" smtClean="0"/>
+              <a:t>(</a:t>
+            </a:r>
+            <a:r>
+              <a:rPr lang="pl-PL" dirty="0" err="1" smtClean="0"/>
+              <a:t>fact</a:t>
+            </a:r>
+            <a:r>
+              <a:rPr lang="pl-PL" dirty="0" smtClean="0"/>
+              <a:t>)</a:t>
+            </a:r>
+          </a:p>
+          <a:p>
+            <a:pPr marL="109728" indent="0">
+              <a:buNone/>
+            </a:pPr>
+            <a:r>
+              <a:rPr lang="pl-PL" dirty="0"/>
+              <a:t>	</a:t>
+            </a:r>
+            <a:r>
+              <a:rPr lang="pl-PL" dirty="0" err="1"/>
+              <a:t>modify</a:t>
+            </a:r>
+            <a:r>
+              <a:rPr lang="pl-PL" dirty="0"/>
+              <a:t> ( &lt;</a:t>
+            </a:r>
+            <a:r>
+              <a:rPr lang="pl-PL" dirty="0" err="1"/>
+              <a:t>fact-expression</a:t>
+            </a:r>
+            <a:r>
+              <a:rPr lang="pl-PL" dirty="0"/>
+              <a:t>&gt; ) {</a:t>
+            </a:r>
+          </a:p>
+          <a:p>
+            <a:pPr marL="109728" indent="0">
+              <a:buNone/>
+            </a:pPr>
+            <a:r>
+              <a:rPr lang="pl-PL" dirty="0" smtClean="0"/>
+              <a:t>	    	&lt;</a:t>
+            </a:r>
+            <a:r>
+              <a:rPr lang="pl-PL" dirty="0" err="1"/>
+              <a:t>expression</a:t>
+            </a:r>
+            <a:r>
+              <a:rPr lang="pl-PL" dirty="0"/>
+              <a:t>&gt; </a:t>
+            </a:r>
+            <a:endParaRPr lang="pl-PL" dirty="0" smtClean="0"/>
+          </a:p>
+          <a:p>
+            <a:pPr marL="109728" indent="0">
+              <a:buNone/>
+            </a:pPr>
+            <a:r>
+              <a:rPr lang="pl-PL" dirty="0"/>
+              <a:t>	</a:t>
+            </a:r>
+            <a:r>
+              <a:rPr lang="pl-PL" dirty="0" smtClean="0"/>
+              <a:t>	[ </a:t>
+            </a:r>
+            <a:r>
+              <a:rPr lang="pl-PL" dirty="0"/>
+              <a:t>, &lt;</a:t>
+            </a:r>
+            <a:r>
+              <a:rPr lang="pl-PL" dirty="0" err="1"/>
+              <a:t>expression</a:t>
+            </a:r>
+            <a:r>
+              <a:rPr lang="pl-PL" dirty="0"/>
+              <a:t>&gt; </a:t>
+            </a:r>
+            <a:r>
+              <a:rPr lang="pl-PL" dirty="0" smtClean="0"/>
+              <a:t>]</a:t>
+            </a:r>
+            <a:endParaRPr lang="pl-PL" dirty="0"/>
+          </a:p>
+          <a:p>
+            <a:pPr marL="109728" indent="0">
+              <a:buNone/>
+            </a:pPr>
+            <a:r>
+              <a:rPr lang="pl-PL" dirty="0" smtClean="0"/>
+              <a:t>	}</a:t>
+            </a:r>
+          </a:p>
+          <a:p>
+            <a:pPr marL="109728" indent="0">
+              <a:buNone/>
+            </a:pPr>
+            <a:r>
+              <a:rPr lang="pl-PL" dirty="0"/>
+              <a:t>	</a:t>
+            </a:r>
+            <a:r>
+              <a:rPr lang="pl-PL" i="1" dirty="0" err="1" smtClean="0"/>
+              <a:t>some</a:t>
+            </a:r>
+            <a:r>
+              <a:rPr lang="pl-PL" i="1" dirty="0" smtClean="0"/>
+              <a:t> Java</a:t>
+            </a:r>
+            <a:endParaRPr lang="pl-PL" dirty="0" smtClean="0"/>
+          </a:p>
+          <a:p>
+            <a:pPr marL="109728" indent="0">
+              <a:buNone/>
+            </a:pPr>
+            <a:r>
+              <a:rPr lang="pl-PL" dirty="0"/>
+              <a:t>	</a:t>
+            </a:r>
           </a:p>
         </p:txBody>
       </p:sp>
@@ -9641,8 +10043,12 @@
           <a:lstStyle/>
           <a:p>
             <a:r>
+              <a:rPr lang="pl-PL" dirty="0" smtClean="0"/>
+              <a:t>Right </a:t>
+            </a:r>
+            <a:r>
               <a:rPr lang="pl-PL" dirty="0" err="1" smtClean="0"/>
-              <a:t>Stateful</a:t>
+              <a:t>Hand</a:t>
             </a:r>
             <a:r>
               <a:rPr lang="pl-PL" dirty="0" smtClean="0"/>
@@ -9650,7 +10056,11 @@
             </a:r>
             <a:r>
               <a:rPr lang="pl-PL" dirty="0" err="1" smtClean="0"/>
-              <a:t>session</a:t>
+              <a:t>Side</a:t>
+            </a:r>
+            <a:r>
+              <a:rPr lang="pl-PL" dirty="0" smtClean="0"/>
+              <a:t> (RHS)</a:t>
             </a:r>
             <a:endParaRPr lang="pl-PL" dirty="0"/>
           </a:p>
@@ -9659,7 +10069,7 @@
     </p:spTree>
     <p:extLst>
       <p:ext uri="{BB962C8B-B14F-4D97-AF65-F5344CB8AC3E}">
-        <p14:creationId xmlns:p14="http://schemas.microsoft.com/office/powerpoint/2010/main" val="2224023897"/>
+        <p14:creationId xmlns:p14="http://schemas.microsoft.com/office/powerpoint/2010/main" val="1394199466"/>
       </p:ext>
     </p:extLst>
   </p:cSld>

--- a/drools-business-rules-engine.pptx
+++ b/drools-business-rules-engine.pptx
@@ -5,29 +5,38 @@
     <p:sldMasterId id="2147483658" r:id="rId2"/>
   </p:sldMasterIdLst>
   <p:notesMasterIdLst>
-    <p:notesMasterId r:id="rId23"/>
+    <p:notesMasterId r:id="rId32"/>
   </p:notesMasterIdLst>
   <p:sldIdLst>
     <p:sldId id="256" r:id="rId3"/>
-    <p:sldId id="258" r:id="rId4"/>
-    <p:sldId id="278" r:id="rId5"/>
-    <p:sldId id="277" r:id="rId6"/>
-    <p:sldId id="262" r:id="rId7"/>
-    <p:sldId id="260" r:id="rId8"/>
-    <p:sldId id="261" r:id="rId9"/>
-    <p:sldId id="263" r:id="rId10"/>
-    <p:sldId id="264" r:id="rId11"/>
-    <p:sldId id="265" r:id="rId12"/>
-    <p:sldId id="266" r:id="rId13"/>
-    <p:sldId id="267" r:id="rId14"/>
-    <p:sldId id="259" r:id="rId15"/>
-    <p:sldId id="271" r:id="rId16"/>
-    <p:sldId id="272" r:id="rId17"/>
-    <p:sldId id="275" r:id="rId18"/>
-    <p:sldId id="276" r:id="rId19"/>
-    <p:sldId id="268" r:id="rId20"/>
-    <p:sldId id="270" r:id="rId21"/>
-    <p:sldId id="274" r:id="rId22"/>
+    <p:sldId id="280" r:id="rId4"/>
+    <p:sldId id="258" r:id="rId5"/>
+    <p:sldId id="278" r:id="rId6"/>
+    <p:sldId id="281" r:id="rId7"/>
+    <p:sldId id="284" r:id="rId8"/>
+    <p:sldId id="283" r:id="rId9"/>
+    <p:sldId id="279" r:id="rId10"/>
+    <p:sldId id="277" r:id="rId11"/>
+    <p:sldId id="262" r:id="rId12"/>
+    <p:sldId id="260" r:id="rId13"/>
+    <p:sldId id="261" r:id="rId14"/>
+    <p:sldId id="263" r:id="rId15"/>
+    <p:sldId id="264" r:id="rId16"/>
+    <p:sldId id="286" r:id="rId17"/>
+    <p:sldId id="287" r:id="rId18"/>
+    <p:sldId id="285" r:id="rId19"/>
+    <p:sldId id="265" r:id="rId20"/>
+    <p:sldId id="266" r:id="rId21"/>
+    <p:sldId id="267" r:id="rId22"/>
+    <p:sldId id="259" r:id="rId23"/>
+    <p:sldId id="271" r:id="rId24"/>
+    <p:sldId id="288" r:id="rId25"/>
+    <p:sldId id="275" r:id="rId26"/>
+    <p:sldId id="276" r:id="rId27"/>
+    <p:sldId id="268" r:id="rId28"/>
+    <p:sldId id="270" r:id="rId29"/>
+    <p:sldId id="274" r:id="rId30"/>
+    <p:sldId id="282" r:id="rId31"/>
   </p:sldIdLst>
   <p:sldSz cx="9144000" cy="6858000" type="screen4x3"/>
   <p:notesSz cx="6858000" cy="9144000"/>
@@ -228,7 +237,7 @@
             <a:fld id="{3842907C-D0AA-4C58-9F94-58B40AD65B29}" type="datetimeFigureOut">
               <a:rPr lang="en-US" smtClean="0"/>
               <a:pPr/>
-              <a:t>2/3/2014</a:t>
+              <a:t>2/4/2014</a:t>
             </a:fld>
             <a:endParaRPr lang="en-US"/>
           </a:p>
@@ -1213,7 +1222,7 @@
             <a:fld id="{E6E13C79-1C97-4B32-B2AE-1A69C169643E}" type="datetime2">
               <a:rPr lang="en-US" smtClean="0"/>
               <a:pPr/>
-              <a:t>Monday, February 03, 2014</a:t>
+              <a:t>Tuesday, February 04, 2014</a:t>
             </a:fld>
             <a:endParaRPr lang="en-US" dirty="0">
               <a:solidFill>
@@ -1425,7 +1434,7 @@
             <a:fld id="{D10E14BF-C004-4398-9186-5EE680724D95}" type="datetime2">
               <a:rPr lang="en-US" smtClean="0"/>
               <a:pPr/>
-              <a:t>Monday, February 03, 2014</a:t>
+              <a:t>Tuesday, February 04, 2014</a:t>
             </a:fld>
             <a:endParaRPr lang="en-US"/>
           </a:p>
@@ -1618,7 +1627,7 @@
             <a:fld id="{D10E14BF-C004-4398-9186-5EE680724D95}" type="datetime2">
               <a:rPr lang="en-US" smtClean="0"/>
               <a:pPr/>
-              <a:t>Monday, February 03, 2014</a:t>
+              <a:t>Tuesday, February 04, 2014</a:t>
             </a:fld>
             <a:endParaRPr lang="en-US"/>
           </a:p>
@@ -1776,7 +1785,7 @@
             <a:fld id="{227FEF5B-F2CC-4EC5-8F1F-29A8BF9EFFA9}" type="datetime2">
               <a:rPr lang="en-US" smtClean="0"/>
               <a:pPr/>
-              <a:t>Monday, February 03, 2014</a:t>
+              <a:t>Tuesday, February 04, 2014</a:t>
             </a:fld>
             <a:endParaRPr lang="en-US"/>
           </a:p>
@@ -2033,7 +2042,7 @@
             <a:fld id="{5F4709C1-563D-4D9C-B702-B64C84A5A174}" type="datetime2">
               <a:rPr lang="en-US" smtClean="0"/>
               <a:pPr/>
-              <a:t>Monday, February 03, 2014</a:t>
+              <a:t>Tuesday, February 04, 2014</a:t>
             </a:fld>
             <a:endParaRPr lang="en-US"/>
           </a:p>
@@ -2444,7 +2453,7 @@
             <a:fld id="{2E8303D9-A6EB-41FB-BF22-3F49E470997E}" type="datetime2">
               <a:rPr lang="en-US" smtClean="0"/>
               <a:pPr/>
-              <a:t>Monday, February 03, 2014</a:t>
+              <a:t>Tuesday, February 04, 2014</a:t>
             </a:fld>
             <a:endParaRPr lang="en-US"/>
           </a:p>
@@ -2892,7 +2901,7 @@
             <a:fld id="{89BB0534-5698-4F62-9CFE-5DE61A073E78}" type="datetime2">
               <a:rPr lang="en-US" smtClean="0"/>
               <a:pPr/>
-              <a:t>Monday, February 03, 2014</a:t>
+              <a:t>Tuesday, February 04, 2014</a:t>
             </a:fld>
             <a:endParaRPr lang="en-US"/>
           </a:p>
@@ -2995,7 +3004,7 @@
             <a:fld id="{084827A3-B249-4F87-AB1A-1E06AC1AA2A4}" type="datetime2">
               <a:rPr lang="en-US" smtClean="0"/>
               <a:pPr/>
-              <a:t>Monday, February 03, 2014</a:t>
+              <a:t>Tuesday, February 04, 2014</a:t>
             </a:fld>
             <a:endParaRPr lang="en-US"/>
           </a:p>
@@ -3118,7 +3127,7 @@
             <a:fld id="{B1546142-29B2-49CC-BCC6-A3AD70B4960E}" type="datetime2">
               <a:rPr lang="en-US" smtClean="0"/>
               <a:pPr/>
-              <a:t>Monday, February 03, 2014</a:t>
+              <a:t>Tuesday, February 04, 2014</a:t>
             </a:fld>
             <a:endParaRPr lang="en-US"/>
           </a:p>
@@ -3394,7 +3403,7 @@
             <a:fld id="{E86C4691-4882-40A8-AF62-8CF6A18D40B2}" type="datetime2">
               <a:rPr lang="en-US" smtClean="0"/>
               <a:pPr/>
-              <a:t>Monday, February 03, 2014</a:t>
+              <a:t>Tuesday, February 04, 2014</a:t>
             </a:fld>
             <a:endParaRPr lang="en-US"/>
           </a:p>
@@ -3601,7 +3610,7 @@
             <a:fld id="{61C6776A-4DEC-47EE-8A49-2C150ECB5465}" type="datetime2">
               <a:rPr lang="en-US" smtClean="0"/>
               <a:pPr/>
-              <a:t>Monday, February 03, 2014</a:t>
+              <a:t>Tuesday, February 04, 2014</a:t>
             </a:fld>
             <a:endParaRPr lang="en-US">
               <a:solidFill>
@@ -4724,7 +4733,7 @@
             <a:fld id="{D10E14BF-C004-4398-9186-5EE680724D95}" type="datetime2">
               <a:rPr lang="en-US" smtClean="0"/>
               <a:pPr/>
-              <a:t>Monday, February 03, 2014</a:t>
+              <a:t>Tuesday, February 04, 2014</a:t>
             </a:fld>
             <a:endParaRPr lang="en-US" sz="1000" dirty="0">
               <a:solidFill>
@@ -5366,306 +5375,46 @@
         <p:spPr/>
         <p:txBody>
           <a:bodyPr>
-            <a:normAutofit lnSpcReduction="10000"/>
+            <a:normAutofit/>
           </a:bodyPr>
           <a:lstStyle/>
           <a:p>
             <a:pPr marL="109728" indent="0">
               <a:buNone/>
             </a:pPr>
-            <a:r>
-              <a:rPr lang="pl-PL" sz="2000" dirty="0" err="1">
-                <a:latin typeface="Lucida Console" panose="020B0609040504020204" pitchFamily="49" charset="0"/>
-              </a:rPr>
-              <a:t>KnowledgeBuilder</a:t>
-            </a:r>
-            <a:r>
-              <a:rPr lang="pl-PL" sz="2000" dirty="0">
-                <a:latin typeface="Lucida Console" panose="020B0609040504020204" pitchFamily="49" charset="0"/>
-              </a:rPr>
-              <a:t> </a:t>
-            </a:r>
-            <a:r>
-              <a:rPr lang="pl-PL" sz="2000" dirty="0" err="1">
-                <a:latin typeface="Lucida Console" panose="020B0609040504020204" pitchFamily="49" charset="0"/>
-              </a:rPr>
-              <a:t>knowledgeBuilder</a:t>
-            </a:r>
-            <a:r>
-              <a:rPr lang="pl-PL" sz="2000" dirty="0">
-                <a:latin typeface="Lucida Console" panose="020B0609040504020204" pitchFamily="49" charset="0"/>
-              </a:rPr>
-              <a:t> = </a:t>
-            </a:r>
+            <a:endParaRPr lang="pl-PL" sz="4400" dirty="0" smtClean="0"/>
           </a:p>
           <a:p>
             <a:pPr marL="109728" indent="0">
               <a:buNone/>
             </a:pPr>
-            <a:r>
-              <a:rPr lang="pl-PL" sz="2000" dirty="0" smtClean="0">
-                <a:latin typeface="Lucida Console" panose="020B0609040504020204" pitchFamily="49" charset="0"/>
-              </a:rPr>
-              <a:t>	</a:t>
-            </a:r>
-            <a:r>
-              <a:rPr lang="pl-PL" sz="2000" dirty="0" err="1" smtClean="0">
-                <a:latin typeface="Lucida Console" panose="020B0609040504020204" pitchFamily="49" charset="0"/>
-              </a:rPr>
-              <a:t>KnowledgeBuilderFactory.</a:t>
-            </a:r>
-            <a:r>
-              <a:rPr lang="pl-PL" sz="2000" i="1" dirty="0" err="1" smtClean="0">
-                <a:latin typeface="Lucida Console" panose="020B0609040504020204" pitchFamily="49" charset="0"/>
-              </a:rPr>
-              <a:t>newKnowledgeBuilder</a:t>
-            </a:r>
-            <a:r>
-              <a:rPr lang="pl-PL" sz="2000" i="1" dirty="0" smtClean="0">
-                <a:latin typeface="Lucida Console" panose="020B0609040504020204" pitchFamily="49" charset="0"/>
-              </a:rPr>
-              <a:t>();</a:t>
-            </a:r>
-          </a:p>
-          <a:p>
-            <a:pPr marL="109728" indent="0">
+            <a:endParaRPr lang="pl-PL" sz="4400" dirty="0"/>
+          </a:p>
+          <a:p>
+            <a:pPr marL="109728" indent="0" algn="ctr">
               <a:buNone/>
             </a:pPr>
-            <a:endParaRPr lang="pl-PL" sz="2000" i="1" dirty="0">
-              <a:latin typeface="Lucida Console" panose="020B0609040504020204" pitchFamily="49" charset="0"/>
-            </a:endParaRPr>
-          </a:p>
-          <a:p>
-            <a:pPr marL="109728" indent="0">
-              <a:buNone/>
-            </a:pPr>
-            <a:r>
-              <a:rPr lang="pl-PL" sz="2000" dirty="0">
-                <a:latin typeface="Lucida Console" panose="020B0609040504020204" pitchFamily="49" charset="0"/>
-              </a:rPr>
-              <a:t>Resource </a:t>
-            </a:r>
-            <a:r>
-              <a:rPr lang="pl-PL" sz="2000" dirty="0" err="1">
-                <a:latin typeface="Lucida Console" panose="020B0609040504020204" pitchFamily="49" charset="0"/>
-              </a:rPr>
-              <a:t>diagnosticRuleResource</a:t>
-            </a:r>
-            <a:r>
-              <a:rPr lang="pl-PL" sz="2000" dirty="0">
-                <a:latin typeface="Lucida Console" panose="020B0609040504020204" pitchFamily="49" charset="0"/>
-              </a:rPr>
-              <a:t> = </a:t>
-            </a:r>
-          </a:p>
-          <a:p>
-            <a:pPr marL="109728" indent="0">
-              <a:buNone/>
-            </a:pPr>
-            <a:r>
-              <a:rPr lang="pl-PL" sz="2000" dirty="0" smtClean="0">
-                <a:latin typeface="Lucida Console" panose="020B0609040504020204" pitchFamily="49" charset="0"/>
-              </a:rPr>
-              <a:t>	</a:t>
-            </a:r>
-            <a:r>
-              <a:rPr lang="pl-PL" sz="2000" dirty="0" err="1" smtClean="0">
-                <a:latin typeface="Lucida Console" panose="020B0609040504020204" pitchFamily="49" charset="0"/>
-              </a:rPr>
-              <a:t>ResourceFactory.</a:t>
-            </a:r>
-            <a:r>
-              <a:rPr lang="pl-PL" sz="2000" i="1" dirty="0" err="1" smtClean="0">
-                <a:latin typeface="Lucida Console" panose="020B0609040504020204" pitchFamily="49" charset="0"/>
-              </a:rPr>
-              <a:t>newClassPathResource</a:t>
-            </a:r>
-            <a:r>
-              <a:rPr lang="pl-PL" sz="2000" i="1" dirty="0" smtClean="0">
-                <a:latin typeface="Lucida Console" panose="020B0609040504020204" pitchFamily="49" charset="0"/>
-              </a:rPr>
-              <a:t>(„</a:t>
-            </a:r>
-            <a:r>
-              <a:rPr lang="pl-PL" sz="2000" i="1" dirty="0" err="1" smtClean="0">
-                <a:latin typeface="Lucida Console" panose="020B0609040504020204" pitchFamily="49" charset="0"/>
-              </a:rPr>
-              <a:t>diagnostics.drl</a:t>
-            </a:r>
-            <a:r>
-              <a:rPr lang="pl-PL" sz="2000" i="1" dirty="0" smtClean="0">
-                <a:latin typeface="Lucida Console" panose="020B0609040504020204" pitchFamily="49" charset="0"/>
-              </a:rPr>
-              <a:t>");</a:t>
-            </a:r>
-          </a:p>
-          <a:p>
-            <a:pPr marL="109728" indent="0">
-              <a:buNone/>
-            </a:pPr>
-            <a:endParaRPr lang="pl-PL" sz="2000" i="1" dirty="0">
-              <a:latin typeface="Lucida Console" panose="020B0609040504020204" pitchFamily="49" charset="0"/>
-            </a:endParaRPr>
-          </a:p>
-          <a:p>
-            <a:pPr marL="109728" indent="0">
-              <a:buNone/>
-            </a:pPr>
-            <a:r>
-              <a:rPr lang="pl-PL" sz="2000" dirty="0" err="1">
-                <a:latin typeface="Lucida Console" panose="020B0609040504020204" pitchFamily="49" charset="0"/>
-              </a:rPr>
-              <a:t>knowledgeBuilder.add</a:t>
-            </a:r>
-            <a:r>
-              <a:rPr lang="pl-PL" sz="2000" dirty="0">
-                <a:latin typeface="Lucida Console" panose="020B0609040504020204" pitchFamily="49" charset="0"/>
-              </a:rPr>
-              <a:t>(</a:t>
-            </a:r>
-            <a:r>
-              <a:rPr lang="pl-PL" sz="2000" dirty="0" err="1">
-                <a:latin typeface="Lucida Console" panose="020B0609040504020204" pitchFamily="49" charset="0"/>
-              </a:rPr>
-              <a:t>diagnosticRuleResource</a:t>
-            </a:r>
-            <a:r>
-              <a:rPr lang="pl-PL" sz="2000" dirty="0">
-                <a:latin typeface="Lucida Console" panose="020B0609040504020204" pitchFamily="49" charset="0"/>
-              </a:rPr>
-              <a:t> , </a:t>
-            </a:r>
-            <a:r>
-              <a:rPr lang="pl-PL" sz="2000" dirty="0" smtClean="0">
-                <a:latin typeface="Lucida Console" panose="020B0609040504020204" pitchFamily="49" charset="0"/>
-              </a:rPr>
-              <a:t>	</a:t>
-            </a:r>
-            <a:r>
-              <a:rPr lang="pl-PL" sz="2000" dirty="0" err="1" smtClean="0">
-                <a:latin typeface="Lucida Console" panose="020B0609040504020204" pitchFamily="49" charset="0"/>
-              </a:rPr>
-              <a:t>ResourceType.</a:t>
-            </a:r>
-            <a:r>
-              <a:rPr lang="pl-PL" sz="2000" i="1" dirty="0" err="1" smtClean="0">
-                <a:latin typeface="Lucida Console" panose="020B0609040504020204" pitchFamily="49" charset="0"/>
-              </a:rPr>
-              <a:t>DRL</a:t>
-            </a:r>
-            <a:r>
-              <a:rPr lang="pl-PL" sz="2000" i="1" dirty="0" smtClean="0">
-                <a:latin typeface="Lucida Console" panose="020B0609040504020204" pitchFamily="49" charset="0"/>
-              </a:rPr>
-              <a:t>);</a:t>
-            </a:r>
-            <a:endParaRPr lang="pl-PL" sz="2000" dirty="0">
-              <a:latin typeface="Lucida Console" panose="020B0609040504020204" pitchFamily="49" charset="0"/>
-            </a:endParaRPr>
-          </a:p>
-          <a:p>
-            <a:pPr marL="109728" indent="0">
-              <a:buNone/>
-            </a:pPr>
-            <a:r>
-              <a:rPr lang="pl-PL" sz="2000" dirty="0" err="1">
-                <a:latin typeface="Lucida Console" panose="020B0609040504020204" pitchFamily="49" charset="0"/>
-              </a:rPr>
-              <a:t>if</a:t>
-            </a:r>
-            <a:r>
-              <a:rPr lang="pl-PL" sz="2000" dirty="0">
-                <a:latin typeface="Lucida Console" panose="020B0609040504020204" pitchFamily="49" charset="0"/>
-              </a:rPr>
-              <a:t> (</a:t>
-            </a:r>
-            <a:r>
-              <a:rPr lang="pl-PL" sz="2000" dirty="0" err="1">
-                <a:latin typeface="Lucida Console" panose="020B0609040504020204" pitchFamily="49" charset="0"/>
-              </a:rPr>
-              <a:t>knowledgeBuilder.hasErrors</a:t>
-            </a:r>
-            <a:r>
-              <a:rPr lang="pl-PL" sz="2000" dirty="0">
-                <a:latin typeface="Lucida Console" panose="020B0609040504020204" pitchFamily="49" charset="0"/>
-              </a:rPr>
-              <a:t>()) </a:t>
-            </a:r>
-            <a:r>
-              <a:rPr lang="pl-PL" sz="2000" dirty="0" smtClean="0">
-                <a:latin typeface="Lucida Console" panose="020B0609040504020204" pitchFamily="49" charset="0"/>
-              </a:rPr>
-              <a:t>{</a:t>
-            </a:r>
-          </a:p>
-          <a:p>
-            <a:pPr marL="109728" indent="0">
-              <a:buNone/>
-            </a:pPr>
-            <a:r>
-              <a:rPr lang="pl-PL" sz="2000" dirty="0">
-                <a:latin typeface="Lucida Console" panose="020B0609040504020204" pitchFamily="49" charset="0"/>
-              </a:rPr>
-              <a:t>	</a:t>
-            </a:r>
-            <a:r>
-              <a:rPr lang="pl-PL" sz="2000" dirty="0" smtClean="0">
-                <a:latin typeface="Lucida Console" panose="020B0609040504020204" pitchFamily="49" charset="0"/>
-              </a:rPr>
-              <a:t>//handle </a:t>
-            </a:r>
-            <a:r>
-              <a:rPr lang="pl-PL" sz="2000" dirty="0" err="1" smtClean="0">
-                <a:latin typeface="Lucida Console" panose="020B0609040504020204" pitchFamily="49" charset="0"/>
-              </a:rPr>
-              <a:t>errors</a:t>
-            </a:r>
-            <a:endParaRPr lang="pl-PL" sz="2000" dirty="0">
-              <a:latin typeface="Lucida Console" panose="020B0609040504020204" pitchFamily="49" charset="0"/>
-            </a:endParaRPr>
-          </a:p>
-          <a:p>
-            <a:pPr marL="109728" indent="0">
-              <a:buNone/>
-            </a:pPr>
-            <a:r>
-              <a:rPr lang="pl-PL" sz="2000" dirty="0" smtClean="0">
-                <a:latin typeface="Lucida Console" panose="020B0609040504020204" pitchFamily="49" charset="0"/>
-              </a:rPr>
-              <a:t>}</a:t>
-            </a:r>
-            <a:endParaRPr lang="pl-PL" sz="2000" dirty="0">
-              <a:latin typeface="Lucida Console" panose="020B0609040504020204" pitchFamily="49" charset="0"/>
-            </a:endParaRPr>
-          </a:p>
-          <a:p>
-            <a:pPr marL="109728" indent="0">
-              <a:buNone/>
-            </a:pPr>
-            <a:r>
-              <a:rPr lang="pl-PL" sz="2000" dirty="0" err="1">
-                <a:latin typeface="Lucida Console" panose="020B0609040504020204" pitchFamily="49" charset="0"/>
-              </a:rPr>
-              <a:t>knowledgeBase</a:t>
-            </a:r>
-            <a:r>
-              <a:rPr lang="pl-PL" sz="2000" dirty="0">
-                <a:latin typeface="Lucida Console" panose="020B0609040504020204" pitchFamily="49" charset="0"/>
-              </a:rPr>
-              <a:t> = </a:t>
-            </a:r>
-            <a:r>
-              <a:rPr lang="pl-PL" sz="2000" dirty="0" err="1">
-                <a:latin typeface="Lucida Console" panose="020B0609040504020204" pitchFamily="49" charset="0"/>
-              </a:rPr>
-              <a:t>knowledgeBuilder.newKnowledgeBase</a:t>
-            </a:r>
-            <a:r>
-              <a:rPr lang="pl-PL" sz="2000" dirty="0">
-                <a:latin typeface="Lucida Console" panose="020B0609040504020204" pitchFamily="49" charset="0"/>
-              </a:rPr>
-              <a:t>();</a:t>
-            </a:r>
+            <a:r>
+              <a:rPr lang="pl-PL" sz="4400" dirty="0" smtClean="0"/>
+              <a:t>insert(</a:t>
+            </a:r>
+            <a:r>
+              <a:rPr lang="pl-PL" sz="4400" dirty="0" err="1" smtClean="0"/>
+              <a:t>new</a:t>
+            </a:r>
+            <a:r>
+              <a:rPr lang="pl-PL" sz="4400" dirty="0" smtClean="0"/>
+              <a:t> </a:t>
+            </a:r>
+            <a:r>
+              <a:rPr lang="pl-PL" sz="4400" dirty="0" err="1" smtClean="0"/>
+              <a:t>Fact</a:t>
+            </a:r>
+            <a:r>
+              <a:rPr lang="pl-PL" sz="4400" dirty="0" smtClean="0"/>
+              <a:t>())</a:t>
+            </a:r>
+            <a:endParaRPr lang="pl-PL" sz="4400" dirty="0"/>
           </a:p>
         </p:txBody>
       </p:sp>
@@ -5681,20 +5430,26 @@
         </p:nvSpPr>
         <p:spPr/>
         <p:txBody>
-          <a:bodyPr/>
+          <a:bodyPr>
+            <a:normAutofit fontScale="90000"/>
+          </a:bodyPr>
           <a:lstStyle/>
           <a:p>
             <a:r>
-              <a:rPr lang="pl-PL" dirty="0" err="1" smtClean="0"/>
-              <a:t>Knowlegde</a:t>
-            </a:r>
-            <a:r>
-              <a:rPr lang="pl-PL" dirty="0" smtClean="0"/>
-              <a:t> </a:t>
-            </a:r>
-            <a:r>
-              <a:rPr lang="pl-PL" dirty="0" err="1" smtClean="0"/>
-              <a:t>base</a:t>
+              <a:rPr lang="pl-PL" dirty="0" smtClean="0"/>
+              <a:t>Knowledge </a:t>
+            </a:r>
+            <a:r>
+              <a:rPr lang="pl-PL" dirty="0" err="1" smtClean="0"/>
+              <a:t>representation</a:t>
+            </a:r>
+            <a:r>
+              <a:rPr lang="pl-PL" dirty="0" smtClean="0"/>
+              <a:t> in </a:t>
+            </a:r>
+            <a:r>
+              <a:rPr lang="pl-PL" dirty="0" err="1" smtClean="0"/>
+              <a:t>Drools</a:t>
             </a:r>
             <a:endParaRPr lang="pl-PL" dirty="0"/>
           </a:p>
@@ -5703,7 +5458,7 @@
     </p:spTree>
     <p:extLst>
       <p:ext uri="{BB962C8B-B14F-4D97-AF65-F5344CB8AC3E}">
-        <p14:creationId xmlns:p14="http://schemas.microsoft.com/office/powerpoint/2010/main" val="3682385720"/>
+        <p14:creationId xmlns:p14="http://schemas.microsoft.com/office/powerpoint/2010/main" val="1804263101"/>
       </p:ext>
     </p:extLst>
   </p:cSld>
@@ -5758,32 +5513,12 @@
               <a:buNone/>
             </a:pPr>
             <a:r>
-              <a:rPr lang="pl-PL" sz="2400" dirty="0" err="1"/>
-              <a:t>StatefulKnowledgeSession</a:t>
-            </a:r>
-            <a:r>
-              <a:rPr lang="pl-PL" sz="2400" dirty="0"/>
-              <a:t> </a:t>
-            </a:r>
-            <a:r>
-              <a:rPr lang="pl-PL" sz="2400" dirty="0" err="1"/>
-              <a:t>session</a:t>
-            </a:r>
-            <a:r>
-              <a:rPr lang="pl-PL" sz="2400" dirty="0"/>
-              <a:t> = </a:t>
-            </a:r>
-            <a:r>
-              <a:rPr lang="pl-PL" sz="2400" dirty="0" smtClean="0"/>
-              <a:t>	</a:t>
-            </a:r>
-            <a:r>
-              <a:rPr lang="pl-PL" sz="2400" dirty="0" err="1" smtClean="0"/>
-              <a:t>knowledgeBase.newStatefulKnowledgeSession</a:t>
-            </a:r>
-            <a:r>
-              <a:rPr lang="pl-PL" sz="2400" dirty="0"/>
-              <a:t>();</a:t>
+              <a:rPr lang="pl-PL" sz="2400" b="1" dirty="0" err="1" smtClean="0"/>
+              <a:t>rule</a:t>
+            </a:r>
+            <a:r>
+              <a:rPr lang="pl-PL" sz="2400" b="1" dirty="0" smtClean="0"/>
+              <a:t> "Hello World"</a:t>
             </a:r>
           </a:p>
           <a:p>
@@ -5791,36 +5526,177 @@
               <a:buNone/>
             </a:pPr>
             <a:r>
+              <a:rPr lang="pl-PL" sz="2400" dirty="0" smtClean="0"/>
+              <a:t>    </a:t>
+            </a:r>
+            <a:r>
+              <a:rPr lang="pl-PL" sz="2400" b="1" dirty="0" err="1" smtClean="0"/>
+              <a:t>when</a:t>
+            </a:r>
+            <a:endParaRPr lang="pl-PL" sz="2400" b="1" dirty="0" smtClean="0"/>
+          </a:p>
+          <a:p>
+            <a:pPr marL="109728" indent="0">
+              <a:buNone/>
+            </a:pPr>
+            <a:r>
+              <a:rPr lang="pl-PL" sz="2400" dirty="0" smtClean="0"/>
+              <a:t>        m : Message( status == </a:t>
+            </a:r>
+            <a:r>
               <a:rPr lang="pl-PL" sz="2400" dirty="0" err="1" smtClean="0"/>
-              <a:t>session.insert</a:t>
+              <a:t>Message.HELLO</a:t>
             </a:r>
             <a:r>
               <a:rPr lang="pl-PL" sz="2400" dirty="0" smtClean="0"/>
-              <a:t>(</a:t>
+              <a:t>, </a:t>
             </a:r>
             <a:r>
               <a:rPr lang="pl-PL" sz="2400" dirty="0" err="1" smtClean="0"/>
-              <a:t>new</a:t>
+              <a:t>myMessage</a:t>
+            </a:r>
+            <a:r>
+              <a:rPr lang="pl-PL" sz="2400" dirty="0" smtClean="0"/>
+              <a:t> : </a:t>
+            </a:r>
+            <a:r>
+              <a:rPr lang="pl-PL" sz="2400" dirty="0" err="1" smtClean="0"/>
+              <a:t>message</a:t>
+            </a:r>
+            <a:r>
+              <a:rPr lang="pl-PL" sz="2400" dirty="0" smtClean="0"/>
+              <a:t> )</a:t>
+            </a:r>
+          </a:p>
+          <a:p>
+            <a:pPr marL="109728" indent="0">
+              <a:buNone/>
+            </a:pPr>
+            <a:r>
+              <a:rPr lang="pl-PL" sz="2400" dirty="0" smtClean="0"/>
+              <a:t>    </a:t>
+            </a:r>
+            <a:r>
+              <a:rPr lang="pl-PL" sz="2400" b="1" dirty="0" err="1" smtClean="0"/>
+              <a:t>then</a:t>
+            </a:r>
+            <a:endParaRPr lang="pl-PL" sz="2400" b="1" dirty="0" smtClean="0"/>
+          </a:p>
+          <a:p>
+            <a:pPr marL="109728" indent="0">
+              <a:buNone/>
+            </a:pPr>
+            <a:r>
+              <a:rPr lang="pl-PL" sz="2400" dirty="0" smtClean="0"/>
+              <a:t>        </a:t>
+            </a:r>
+            <a:r>
+              <a:rPr lang="pl-PL" sz="2400" dirty="0" err="1" smtClean="0"/>
+              <a:t>System.out.println</a:t>
+            </a:r>
+            <a:r>
+              <a:rPr lang="pl-PL" sz="2400" dirty="0" smtClean="0"/>
+              <a:t>( </a:t>
+            </a:r>
+            <a:r>
+              <a:rPr lang="pl-PL" sz="2400" dirty="0" err="1" smtClean="0"/>
+              <a:t>myMessage</a:t>
+            </a:r>
+            <a:r>
+              <a:rPr lang="pl-PL" sz="2400" dirty="0" smtClean="0"/>
+              <a:t> );</a:t>
+            </a:r>
+          </a:p>
+          <a:p>
+            <a:pPr marL="109728" indent="0">
+              <a:buNone/>
+            </a:pPr>
+            <a:r>
+              <a:rPr lang="pl-PL" sz="2400" dirty="0" smtClean="0"/>
+              <a:t>        </a:t>
+            </a:r>
+            <a:r>
+              <a:rPr lang="pl-PL" sz="2400" dirty="0" err="1" smtClean="0"/>
+              <a:t>m.setMessage</a:t>
+            </a:r>
+            <a:r>
+              <a:rPr lang="pl-PL" sz="2400" dirty="0" smtClean="0"/>
+              <a:t>( "</a:t>
+            </a:r>
+            <a:r>
+              <a:rPr lang="pl-PL" sz="2400" dirty="0" err="1" smtClean="0"/>
+              <a:t>Goodbye</a:t>
             </a:r>
             <a:r>
               <a:rPr lang="pl-PL" sz="2400" dirty="0" smtClean="0"/>
               <a:t> </a:t>
             </a:r>
             <a:r>
-              <a:rPr lang="pl-PL" sz="2400" dirty="0" err="1"/>
-              <a:t>ChestPain</a:t>
-            </a:r>
-            <a:r>
-              <a:rPr lang="pl-PL" sz="2400" dirty="0"/>
-              <a:t>().</a:t>
-            </a:r>
-            <a:r>
-              <a:rPr lang="pl-PL" sz="2400" dirty="0" err="1"/>
-              <a:t>exists</a:t>
+              <a:rPr lang="pl-PL" sz="2400" dirty="0" err="1" smtClean="0"/>
+              <a:t>cruel</a:t>
             </a:r>
             <a:r>
               <a:rPr lang="pl-PL" sz="2400" dirty="0" smtClean="0"/>
-              <a:t>());</a:t>
+              <a:t> </a:t>
+            </a:r>
+            <a:r>
+              <a:rPr lang="pl-PL" sz="2400" dirty="0" err="1" smtClean="0"/>
+              <a:t>world</a:t>
+            </a:r>
+            <a:r>
+              <a:rPr lang="pl-PL" sz="2400" dirty="0" smtClean="0"/>
+              <a:t>" );</a:t>
+            </a:r>
+          </a:p>
+          <a:p>
+            <a:pPr marL="109728" indent="0">
+              <a:buNone/>
+            </a:pPr>
+            <a:r>
+              <a:rPr lang="pl-PL" sz="2400" dirty="0" smtClean="0"/>
+              <a:t>        </a:t>
+            </a:r>
+            <a:r>
+              <a:rPr lang="pl-PL" sz="2400" dirty="0" err="1" smtClean="0"/>
+              <a:t>m.setStatus</a:t>
+            </a:r>
+            <a:r>
+              <a:rPr lang="pl-PL" sz="2400" dirty="0" smtClean="0"/>
+              <a:t>( </a:t>
+            </a:r>
+            <a:r>
+              <a:rPr lang="pl-PL" sz="2400" dirty="0" err="1" smtClean="0"/>
+              <a:t>Message.GOODBYE</a:t>
+            </a:r>
+            <a:r>
+              <a:rPr lang="pl-PL" sz="2400" dirty="0" smtClean="0"/>
+              <a:t> );</a:t>
+            </a:r>
+          </a:p>
+          <a:p>
+            <a:pPr marL="109728" indent="0">
+              <a:buNone/>
+            </a:pPr>
+            <a:r>
+              <a:rPr lang="pl-PL" sz="2400" dirty="0" smtClean="0"/>
+              <a:t>        </a:t>
+            </a:r>
+            <a:r>
+              <a:rPr lang="pl-PL" sz="2400" b="1" dirty="0" err="1" smtClean="0"/>
+              <a:t>update</a:t>
+            </a:r>
+            <a:r>
+              <a:rPr lang="pl-PL" sz="2400" b="1" dirty="0" smtClean="0"/>
+              <a:t>( m );</a:t>
+            </a:r>
+          </a:p>
+          <a:p>
+            <a:pPr marL="109728" indent="0">
+              <a:buNone/>
+            </a:pPr>
+            <a:r>
+              <a:rPr lang="pl-PL" sz="2400" b="1" dirty="0" smtClean="0"/>
+              <a:t>end</a:t>
             </a:r>
             <a:endParaRPr lang="pl-PL" sz="2400" dirty="0"/>
           </a:p>
@@ -5843,7 +5719,7 @@
           <a:p>
             <a:r>
               <a:rPr lang="pl-PL" dirty="0" err="1" smtClean="0"/>
-              <a:t>Stateful</a:t>
+              <a:t>Drools</a:t>
             </a:r>
             <a:r>
               <a:rPr lang="pl-PL" dirty="0" smtClean="0"/>
@@ -5851,7 +5727,7 @@
             </a:r>
             <a:r>
               <a:rPr lang="pl-PL" dirty="0" err="1" smtClean="0"/>
-              <a:t>session</a:t>
+              <a:t>rule</a:t>
             </a:r>
             <a:endParaRPr lang="pl-PL" dirty="0"/>
           </a:p>
@@ -5860,7 +5736,7 @@
     </p:spTree>
     <p:extLst>
       <p:ext uri="{BB962C8B-B14F-4D97-AF65-F5344CB8AC3E}">
-        <p14:creationId xmlns:p14="http://schemas.microsoft.com/office/powerpoint/2010/main" val="2224023897"/>
+        <p14:creationId xmlns:p14="http://schemas.microsoft.com/office/powerpoint/2010/main" val="1530045669"/>
       </p:ext>
     </p:extLst>
   </p:cSld>
@@ -5906,41 +5782,51 @@
         </p:nvSpPr>
         <p:spPr/>
         <p:txBody>
-          <a:bodyPr>
-            <a:normAutofit/>
-          </a:bodyPr>
+          <a:bodyPr/>
           <a:lstStyle/>
           <a:p>
-            <a:pPr marL="109728" indent="0" algn="ctr">
+            <a:pPr marL="109728" indent="0">
               <a:buNone/>
             </a:pPr>
-            <a:endParaRPr lang="pl-PL" sz="3600" dirty="0" smtClean="0"/>
-          </a:p>
-          <a:p>
-            <a:pPr marL="109728" indent="0" algn="ctr">
+            <a:r>
+              <a:rPr lang="pl-PL" dirty="0" err="1" smtClean="0"/>
+              <a:t>when</a:t>
+            </a:r>
+            <a:endParaRPr lang="pl-PL" dirty="0" smtClean="0"/>
+          </a:p>
+          <a:p>
+            <a:pPr marL="109728" indent="0">
               <a:buNone/>
             </a:pPr>
-            <a:endParaRPr lang="pl-PL" sz="3600" dirty="0"/>
-          </a:p>
-          <a:p>
-            <a:pPr marL="109728" indent="0" algn="ctr">
+            <a:r>
+              <a:rPr lang="pl-PL" dirty="0"/>
+              <a:t>	</a:t>
+            </a:r>
+            <a:r>
+              <a:rPr lang="pl-PL" i="1" dirty="0" err="1" smtClean="0"/>
+              <a:t>condition</a:t>
+            </a:r>
+            <a:r>
+              <a:rPr lang="pl-PL" i="1" dirty="0" smtClean="0"/>
+              <a:t> 1</a:t>
+            </a:r>
+          </a:p>
+          <a:p>
+            <a:pPr marL="109728" indent="0">
               <a:buNone/>
             </a:pPr>
-            <a:endParaRPr lang="pl-PL" sz="3600" dirty="0" smtClean="0"/>
-          </a:p>
-          <a:p>
-            <a:pPr marL="109728" indent="0" algn="ctr">
-              <a:buNone/>
-            </a:pPr>
-            <a:r>
-              <a:rPr lang="pl-PL" sz="3600" dirty="0" err="1" smtClean="0"/>
-              <a:t>session.fireAllRules</a:t>
-            </a:r>
-            <a:r>
-              <a:rPr lang="pl-PL" sz="3600" dirty="0" smtClean="0"/>
-              <a:t>();</a:t>
-            </a:r>
-            <a:endParaRPr lang="pl-PL" sz="3600" dirty="0"/>
+            <a:r>
+              <a:rPr lang="pl-PL" i="1" dirty="0"/>
+              <a:t>	</a:t>
+            </a:r>
+            <a:r>
+              <a:rPr lang="pl-PL" i="1" dirty="0" err="1" smtClean="0"/>
+              <a:t>condition</a:t>
+            </a:r>
+            <a:r>
+              <a:rPr lang="pl-PL" i="1" dirty="0" smtClean="0"/>
+              <a:t> 2</a:t>
+            </a:r>
           </a:p>
         </p:txBody>
       </p:sp>
@@ -5961,11 +5847,27 @@
           <a:p>
             <a:r>
               <a:rPr lang="pl-PL" dirty="0" err="1" smtClean="0"/>
-              <a:t>Fire</a:t>
-            </a:r>
-            <a:r>
-              <a:rPr lang="pl-PL" dirty="0" smtClean="0"/>
-              <a:t>!</a:t>
+              <a:t>Left</a:t>
+            </a:r>
+            <a:r>
+              <a:rPr lang="pl-PL" dirty="0" smtClean="0"/>
+              <a:t> </a:t>
+            </a:r>
+            <a:r>
+              <a:rPr lang="pl-PL" dirty="0" err="1" smtClean="0"/>
+              <a:t>Hand</a:t>
+            </a:r>
+            <a:r>
+              <a:rPr lang="pl-PL" dirty="0" smtClean="0"/>
+              <a:t> </a:t>
+            </a:r>
+            <a:r>
+              <a:rPr lang="pl-PL" dirty="0" err="1" smtClean="0"/>
+              <a:t>Side</a:t>
+            </a:r>
+            <a:r>
+              <a:rPr lang="pl-PL" dirty="0" smtClean="0"/>
+              <a:t> (LHS)</a:t>
             </a:r>
             <a:endParaRPr lang="pl-PL" dirty="0"/>
           </a:p>
@@ -5974,7 +5876,7 @@
     </p:spTree>
     <p:extLst>
       <p:ext uri="{BB962C8B-B14F-4D97-AF65-F5344CB8AC3E}">
-        <p14:creationId xmlns:p14="http://schemas.microsoft.com/office/powerpoint/2010/main" val="3589131423"/>
+        <p14:creationId xmlns:p14="http://schemas.microsoft.com/office/powerpoint/2010/main" val="1829673684"/>
       </p:ext>
     </p:extLst>
   </p:cSld>
@@ -6008,35 +5910,116 @@
           <a:chExt cx="0" cy="0"/>
         </a:xfrm>
       </p:grpSpPr>
-      <p:pic>
-        <p:nvPicPr>
-          <p:cNvPr id="4" name="Symbol zastępczy zawartości 3"/>
-          <p:cNvPicPr>
-            <a:picLocks noGrp="1" noChangeAspect="1"/>
-          </p:cNvPicPr>
+      <p:sp>
+        <p:nvSpPr>
+          <p:cNvPr id="2" name="Symbol zastępczy zawartości 1"/>
+          <p:cNvSpPr>
+            <a:spLocks noGrp="1"/>
+          </p:cNvSpPr>
           <p:nvPr>
             <p:ph idx="1"/>
           </p:nvPr>
-        </p:nvPicPr>
-        <p:blipFill>
-          <a:blip r:embed="rId2">
-            <a:extLst>
-              <a:ext uri="{28A0092B-C50C-407E-A947-70E740481C1C}">
-                <a14:useLocalDpi xmlns:a14="http://schemas.microsoft.com/office/drawing/2010/main" val="0"/>
-              </a:ext>
-            </a:extLst>
-          </a:blip>
-          <a:stretch>
-            <a:fillRect/>
-          </a:stretch>
-        </p:blipFill>
-        <p:spPr>
-          <a:xfrm>
-            <a:off x="1043608" y="1417638"/>
-            <a:ext cx="7192878" cy="9851786"/>
-          </a:xfrm>
-        </p:spPr>
-      </p:pic>
+        </p:nvSpPr>
+        <p:spPr/>
+        <p:txBody>
+          <a:bodyPr/>
+          <a:lstStyle/>
+          <a:p>
+            <a:pPr marL="109728" indent="0">
+              <a:buNone/>
+            </a:pPr>
+            <a:r>
+              <a:rPr lang="pl-PL" dirty="0" err="1" smtClean="0"/>
+              <a:t>when</a:t>
+            </a:r>
+            <a:endParaRPr lang="pl-PL" dirty="0" smtClean="0"/>
+          </a:p>
+          <a:p>
+            <a:pPr marL="109728" indent="0">
+              <a:buNone/>
+            </a:pPr>
+            <a:r>
+              <a:rPr lang="pl-PL" dirty="0" smtClean="0"/>
+              <a:t>	f : </a:t>
+            </a:r>
+            <a:r>
+              <a:rPr lang="pl-PL" dirty="0" err="1" smtClean="0"/>
+              <a:t>Fact</a:t>
+            </a:r>
+            <a:r>
+              <a:rPr lang="pl-PL" dirty="0" smtClean="0"/>
+              <a:t> ( </a:t>
+            </a:r>
+            <a:r>
+              <a:rPr lang="pl-PL" dirty="0" err="1" smtClean="0"/>
+              <a:t>confirmed</a:t>
+            </a:r>
+            <a:r>
+              <a:rPr lang="pl-PL" dirty="0" smtClean="0"/>
+              <a:t> == </a:t>
+            </a:r>
+            <a:r>
+              <a:rPr lang="pl-PL" dirty="0" err="1" smtClean="0"/>
+              <a:t>true</a:t>
+            </a:r>
+            <a:r>
+              <a:rPr lang="pl-PL" dirty="0" smtClean="0"/>
+              <a:t>)</a:t>
+            </a:r>
+          </a:p>
+          <a:p>
+            <a:pPr marL="109728" indent="0">
+              <a:buNone/>
+            </a:pPr>
+            <a:r>
+              <a:rPr lang="pl-PL" dirty="0"/>
+              <a:t>	</a:t>
+            </a:r>
+            <a:r>
+              <a:rPr lang="pl-PL" dirty="0" err="1" smtClean="0"/>
+              <a:t>vehicle</a:t>
+            </a:r>
+            <a:r>
+              <a:rPr lang="pl-PL" dirty="0" smtClean="0"/>
+              <a:t> : </a:t>
+            </a:r>
+            <a:r>
+              <a:rPr lang="pl-PL" dirty="0" err="1" smtClean="0"/>
+              <a:t>Vehicle</a:t>
+            </a:r>
+            <a:r>
+              <a:rPr lang="pl-PL" dirty="0" smtClean="0"/>
+              <a:t> (</a:t>
+            </a:r>
+            <a:r>
+              <a:rPr lang="pl-PL" dirty="0" err="1" smtClean="0"/>
+              <a:t>noOfWheels</a:t>
+            </a:r>
+            <a:r>
+              <a:rPr lang="pl-PL" dirty="0" smtClean="0"/>
+              <a:t> &gt; 2)</a:t>
+            </a:r>
+          </a:p>
+          <a:p>
+            <a:pPr marL="109728" indent="0">
+              <a:buNone/>
+            </a:pPr>
+            <a:r>
+              <a:rPr lang="pl-PL" dirty="0"/>
+              <a:t>	</a:t>
+            </a:r>
+            <a:r>
+              <a:rPr lang="pl-PL" dirty="0" err="1" smtClean="0"/>
+              <a:t>eval</a:t>
+            </a:r>
+            <a:r>
+              <a:rPr lang="pl-PL" dirty="0" smtClean="0"/>
+              <a:t> ()</a:t>
+            </a:r>
+            <a:endParaRPr lang="pl-PL" dirty="0"/>
+          </a:p>
+        </p:txBody>
+      </p:sp>
       <p:sp>
         <p:nvSpPr>
           <p:cNvPr id="3" name="Tytuł 2"/>
@@ -6049,23 +6032,48 @@
         </p:nvSpPr>
         <p:spPr/>
         <p:txBody>
-          <a:bodyPr>
-            <a:normAutofit fontScale="90000"/>
-          </a:bodyPr>
+          <a:bodyPr/>
           <a:lstStyle/>
           <a:p>
             <a:r>
-              <a:rPr lang="pl-PL" dirty="0" smtClean="0"/>
-              <a:t>Postępowanie w przewlekłej stabilnej dławicy piersiowej</a:t>
-            </a:r>
-            <a:endParaRPr lang="pl-PL" dirty="0"/>
+              <a:rPr lang="pl-PL" dirty="0" err="1" smtClean="0"/>
+              <a:t>Left</a:t>
+            </a:r>
+            <a:r>
+              <a:rPr lang="pl-PL" dirty="0" smtClean="0"/>
+              <a:t> </a:t>
+            </a:r>
+            <a:r>
+              <a:rPr lang="pl-PL" dirty="0" err="1" smtClean="0"/>
+              <a:t>Hand</a:t>
+            </a:r>
+            <a:r>
+              <a:rPr lang="pl-PL" dirty="0" smtClean="0"/>
+              <a:t> </a:t>
+            </a:r>
+            <a:r>
+              <a:rPr lang="pl-PL" dirty="0" err="1" smtClean="0"/>
+              <a:t>Side</a:t>
+            </a:r>
+            <a:r>
+              <a:rPr lang="pl-PL" dirty="0" smtClean="0"/>
+              <a:t> (</a:t>
+            </a:r>
+            <a:r>
+              <a:rPr lang="pl-PL" dirty="0" err="1" smtClean="0"/>
+              <a:t>conditions</a:t>
+            </a:r>
+            <a:r>
+              <a:rPr lang="pl-PL" dirty="0"/>
+              <a:t>)</a:t>
+            </a:r>
           </a:p>
         </p:txBody>
       </p:sp>
     </p:spTree>
     <p:extLst>
       <p:ext uri="{BB962C8B-B14F-4D97-AF65-F5344CB8AC3E}">
-        <p14:creationId xmlns:p14="http://schemas.microsoft.com/office/powerpoint/2010/main" val="1186384759"/>
+        <p14:creationId xmlns:p14="http://schemas.microsoft.com/office/powerpoint/2010/main" val="932698381"/>
       </p:ext>
     </p:extLst>
   </p:cSld>
@@ -6112,7 +6120,7 @@
         <p:spPr/>
         <p:txBody>
           <a:bodyPr>
-            <a:normAutofit/>
+            <a:normAutofit fontScale="92500" lnSpcReduction="10000"/>
           </a:bodyPr>
           <a:lstStyle/>
           <a:p>
@@ -6120,147 +6128,51 @@
               <a:buNone/>
             </a:pPr>
             <a:r>
-              <a:rPr lang="pl-PL" sz="1400" dirty="0" smtClean="0"/>
-              <a:t>&lt;</a:t>
-            </a:r>
-            <a:r>
-              <a:rPr lang="pl-PL" sz="1400" dirty="0" err="1" smtClean="0"/>
-              <a:t>change</a:t>
-            </a:r>
-            <a:r>
-              <a:rPr lang="pl-PL" sz="1400" dirty="0" smtClean="0"/>
-              <a:t>-set&gt;</a:t>
-            </a:r>
-            <a:r>
-              <a:rPr lang="pl-PL" sz="1400" dirty="0"/>
-              <a:t/>
-            </a:r>
-            <a:br>
-              <a:rPr lang="pl-PL" sz="1400" dirty="0"/>
-            </a:br>
-            <a:r>
-              <a:rPr lang="pl-PL" sz="1400" dirty="0"/>
-              <a:t>   &lt;</a:t>
-            </a:r>
-            <a:r>
-              <a:rPr lang="pl-PL" sz="1400" dirty="0" err="1"/>
-              <a:t>add</a:t>
-            </a:r>
-            <a:r>
-              <a:rPr lang="pl-PL" sz="1400" dirty="0"/>
-              <a:t>&gt;</a:t>
-            </a:r>
-            <a:br>
-              <a:rPr lang="pl-PL" sz="1400" dirty="0"/>
-            </a:br>
-            <a:r>
-              <a:rPr lang="pl-PL" sz="1400" dirty="0"/>
-              <a:t>       &lt;</a:t>
-            </a:r>
-            <a:r>
-              <a:rPr lang="pl-PL" sz="1400" dirty="0" err="1"/>
-              <a:t>resource</a:t>
-            </a:r>
-            <a:r>
-              <a:rPr lang="pl-PL" sz="1400" dirty="0"/>
-              <a:t> </a:t>
-            </a:r>
-            <a:r>
-              <a:rPr lang="pl-PL" sz="1400" b="1" dirty="0" err="1"/>
-              <a:t>source</a:t>
-            </a:r>
-            <a:r>
-              <a:rPr lang="pl-PL" sz="1400" dirty="0"/>
-              <a:t>=</a:t>
-            </a:r>
-            <a:r>
-              <a:rPr lang="pl-PL" sz="1400" dirty="0" smtClean="0"/>
-              <a:t>'</a:t>
-            </a:r>
-            <a:r>
-              <a:rPr lang="pl-PL" sz="1400" dirty="0" err="1" smtClean="0"/>
-              <a:t>myrules.drl</a:t>
-            </a:r>
-            <a:r>
-              <a:rPr lang="pl-PL" sz="1400" dirty="0"/>
-              <a:t>' </a:t>
-            </a:r>
-            <a:r>
-              <a:rPr lang="pl-PL" sz="1400" b="1" dirty="0" err="1"/>
-              <a:t>type</a:t>
-            </a:r>
-            <a:r>
-              <a:rPr lang="pl-PL" sz="1400" dirty="0"/>
-              <a:t>='DRL' /&gt;</a:t>
-            </a:r>
-            <a:br>
-              <a:rPr lang="pl-PL" sz="1400" dirty="0"/>
-            </a:br>
-            <a:r>
-              <a:rPr lang="pl-PL" sz="1400" dirty="0"/>
-              <a:t>   &lt;/</a:t>
-            </a:r>
-            <a:r>
-              <a:rPr lang="pl-PL" sz="1400" dirty="0" err="1"/>
-              <a:t>add</a:t>
-            </a:r>
-            <a:r>
-              <a:rPr lang="pl-PL" sz="1400" dirty="0"/>
-              <a:t>&gt;</a:t>
-            </a:r>
-            <a:br>
-              <a:rPr lang="pl-PL" sz="1400" dirty="0"/>
-            </a:br>
-            <a:r>
-              <a:rPr lang="pl-PL" sz="1400" dirty="0"/>
-              <a:t> &lt;/</a:t>
-            </a:r>
-            <a:r>
-              <a:rPr lang="pl-PL" sz="1400" dirty="0" err="1"/>
-              <a:t>change</a:t>
-            </a:r>
-            <a:r>
-              <a:rPr lang="pl-PL" sz="1400" dirty="0"/>
-              <a:t>-set</a:t>
-            </a:r>
-            <a:r>
-              <a:rPr lang="pl-PL" sz="1400" dirty="0" smtClean="0"/>
-              <a:t>&gt;</a:t>
-            </a:r>
+              <a:rPr lang="pl-PL" dirty="0" err="1" smtClean="0"/>
+              <a:t>then</a:t>
+            </a:r>
+            <a:endParaRPr lang="pl-PL" dirty="0" smtClean="0"/>
           </a:p>
           <a:p>
             <a:pPr marL="109728" indent="0">
               <a:buNone/>
             </a:pPr>
-            <a:endParaRPr lang="pl-PL" sz="1400" dirty="0"/>
+            <a:r>
+              <a:rPr lang="pl-PL" dirty="0" smtClean="0"/>
+              <a:t>	insert(</a:t>
+            </a:r>
+            <a:r>
+              <a:rPr lang="pl-PL" dirty="0" err="1" smtClean="0"/>
+              <a:t>fact</a:t>
+            </a:r>
+            <a:r>
+              <a:rPr lang="pl-PL" dirty="0" smtClean="0"/>
+              <a:t>)</a:t>
+            </a:r>
           </a:p>
           <a:p>
             <a:pPr marL="109728" indent="0">
               <a:buNone/>
             </a:pPr>
             <a:r>
-              <a:rPr lang="pl-PL" sz="1400" dirty="0" err="1"/>
-              <a:t>KnowledgeBuilder</a:t>
-            </a:r>
-            <a:r>
-              <a:rPr lang="pl-PL" sz="1400" dirty="0"/>
-              <a:t> </a:t>
-            </a:r>
-            <a:r>
-              <a:rPr lang="pl-PL" sz="1400" dirty="0" err="1"/>
-              <a:t>kbuilder</a:t>
-            </a:r>
-            <a:r>
-              <a:rPr lang="pl-PL" sz="1400" dirty="0"/>
-              <a:t> = </a:t>
-            </a:r>
-            <a:r>
-              <a:rPr lang="pl-PL" sz="1400" dirty="0" err="1"/>
-              <a:t>KnowledgeBuilderFactory.newKnowledgeBuilder</a:t>
-            </a:r>
-            <a:r>
-              <a:rPr lang="pl-PL" sz="1400" dirty="0"/>
-              <a:t>();</a:t>
+              <a:rPr lang="pl-PL" dirty="0"/>
+              <a:t>	</a:t>
+            </a:r>
+            <a:r>
+              <a:rPr lang="pl-PL" dirty="0" err="1" smtClean="0"/>
+              <a:t>insertLogical</a:t>
+            </a:r>
+            <a:r>
+              <a:rPr lang="pl-PL" dirty="0" smtClean="0"/>
+              <a:t>(</a:t>
+            </a:r>
+            <a:r>
+              <a:rPr lang="pl-PL" dirty="0" err="1" smtClean="0"/>
+              <a:t>fact</a:t>
+            </a:r>
+            <a:r>
+              <a:rPr lang="pl-PL" dirty="0" smtClean="0"/>
+              <a:t>)</a:t>
             </a:r>
           </a:p>
           <a:p>
@@ -6268,38 +6180,49 @@
               <a:buNone/>
             </a:pPr>
             <a:r>
-              <a:rPr lang="pl-PL" sz="1400" dirty="0" err="1" smtClean="0"/>
-              <a:t>kbuilder.add</a:t>
-            </a:r>
-            <a:r>
-              <a:rPr lang="pl-PL" sz="1400" dirty="0"/>
-              <a:t>( </a:t>
-            </a:r>
-            <a:endParaRPr lang="pl-PL" sz="1400" dirty="0" smtClean="0"/>
+              <a:rPr lang="pl-PL" dirty="0" smtClean="0"/>
+              <a:t>	</a:t>
+            </a:r>
+            <a:r>
+              <a:rPr lang="pl-PL" dirty="0" err="1" smtClean="0"/>
+              <a:t>update</a:t>
+            </a:r>
+            <a:r>
+              <a:rPr lang="pl-PL" dirty="0" smtClean="0"/>
+              <a:t>(</a:t>
+            </a:r>
+            <a:r>
+              <a:rPr lang="pl-PL" dirty="0" err="1" smtClean="0"/>
+              <a:t>fact</a:t>
+            </a:r>
+            <a:r>
+              <a:rPr lang="pl-PL" dirty="0" smtClean="0"/>
+              <a:t>)</a:t>
+            </a:r>
           </a:p>
           <a:p>
             <a:pPr marL="109728" indent="0">
               <a:buNone/>
             </a:pPr>
             <a:r>
-              <a:rPr lang="pl-PL" sz="1400" dirty="0"/>
+              <a:rPr lang="pl-PL" dirty="0"/>
               <a:t>	</a:t>
             </a:r>
             <a:r>
-              <a:rPr lang="pl-PL" sz="1400" dirty="0" err="1" smtClean="0"/>
-              <a:t>ResourceFactory.newClasspathResource</a:t>
-            </a:r>
-            <a:r>
-              <a:rPr lang="pl-PL" sz="1400" dirty="0"/>
-              <a:t>( "myChangeSet.xml", </a:t>
-            </a:r>
-            <a:r>
-              <a:rPr lang="pl-PL" sz="1400" dirty="0" err="1"/>
-              <a:t>getClass</a:t>
-            </a:r>
-            <a:r>
-              <a:rPr lang="pl-PL" sz="1400" dirty="0"/>
-              <a:t>() ),</a:t>
+              <a:rPr lang="pl-PL" dirty="0" err="1" smtClean="0"/>
+              <a:t>retract</a:t>
+            </a:r>
+            <a:r>
+              <a:rPr lang="pl-PL" dirty="0" smtClean="0"/>
+              <a:t>(</a:t>
+            </a:r>
+            <a:r>
+              <a:rPr lang="pl-PL" dirty="0" err="1" smtClean="0"/>
+              <a:t>fact</a:t>
+            </a:r>
+            <a:r>
+              <a:rPr lang="pl-PL" dirty="0" smtClean="0"/>
+              <a:t>)</a:t>
             </a:r>
           </a:p>
           <a:p>
@@ -6307,16 +6230,108 @@
               <a:buNone/>
             </a:pPr>
             <a:r>
-              <a:rPr lang="pl-PL" sz="1400" dirty="0" smtClean="0"/>
-              <a:t>              </a:t>
-            </a:r>
-            <a:r>
-              <a:rPr lang="pl-PL" sz="1400" dirty="0" err="1"/>
-              <a:t>ResourceType.CHANGE_SET</a:t>
-            </a:r>
-            <a:r>
-              <a:rPr lang="pl-PL" sz="1400" dirty="0"/>
-              <a:t> );</a:t>
+              <a:rPr lang="pl-PL" dirty="0"/>
+              <a:t>	</a:t>
+            </a:r>
+            <a:r>
+              <a:rPr lang="pl-PL" dirty="0" err="1"/>
+              <a:t>modify</a:t>
+            </a:r>
+            <a:r>
+              <a:rPr lang="pl-PL" dirty="0"/>
+              <a:t> ( &lt;</a:t>
+            </a:r>
+            <a:r>
+              <a:rPr lang="pl-PL" dirty="0" err="1"/>
+              <a:t>fact-expression</a:t>
+            </a:r>
+            <a:r>
+              <a:rPr lang="pl-PL" dirty="0"/>
+              <a:t>&gt; ) {</a:t>
+            </a:r>
+          </a:p>
+          <a:p>
+            <a:pPr marL="109728" indent="0">
+              <a:buNone/>
+            </a:pPr>
+            <a:r>
+              <a:rPr lang="pl-PL" dirty="0" smtClean="0"/>
+              <a:t>	    	&lt;</a:t>
+            </a:r>
+            <a:r>
+              <a:rPr lang="pl-PL" dirty="0" err="1"/>
+              <a:t>expression</a:t>
+            </a:r>
+            <a:r>
+              <a:rPr lang="pl-PL" dirty="0"/>
+              <a:t>&gt; </a:t>
+            </a:r>
+            <a:endParaRPr lang="pl-PL" dirty="0" smtClean="0"/>
+          </a:p>
+          <a:p>
+            <a:pPr marL="109728" indent="0">
+              <a:buNone/>
+            </a:pPr>
+            <a:r>
+              <a:rPr lang="pl-PL" dirty="0"/>
+              <a:t>	</a:t>
+            </a:r>
+            <a:r>
+              <a:rPr lang="pl-PL" dirty="0" smtClean="0"/>
+              <a:t>	[ </a:t>
+            </a:r>
+            <a:r>
+              <a:rPr lang="pl-PL" dirty="0"/>
+              <a:t>, &lt;</a:t>
+            </a:r>
+            <a:r>
+              <a:rPr lang="pl-PL" dirty="0" err="1"/>
+              <a:t>expression</a:t>
+            </a:r>
+            <a:r>
+              <a:rPr lang="pl-PL" dirty="0"/>
+              <a:t>&gt; </a:t>
+            </a:r>
+            <a:r>
+              <a:rPr lang="pl-PL" dirty="0" smtClean="0"/>
+              <a:t>]</a:t>
+            </a:r>
+            <a:endParaRPr lang="pl-PL" dirty="0"/>
+          </a:p>
+          <a:p>
+            <a:pPr marL="109728" indent="0">
+              <a:buNone/>
+            </a:pPr>
+            <a:r>
+              <a:rPr lang="pl-PL" dirty="0" smtClean="0"/>
+              <a:t>	}</a:t>
+            </a:r>
+          </a:p>
+          <a:p>
+            <a:pPr marL="109728" indent="0">
+              <a:buNone/>
+            </a:pPr>
+            <a:r>
+              <a:rPr lang="pl-PL" dirty="0"/>
+              <a:t>	</a:t>
+            </a:r>
+            <a:r>
+              <a:rPr lang="pl-PL" i="1" dirty="0" err="1" smtClean="0"/>
+              <a:t>some</a:t>
+            </a:r>
+            <a:r>
+              <a:rPr lang="pl-PL" i="1" dirty="0" smtClean="0"/>
+              <a:t> Java</a:t>
+            </a:r>
+            <a:endParaRPr lang="pl-PL" dirty="0" smtClean="0"/>
+          </a:p>
+          <a:p>
+            <a:pPr marL="109728" indent="0">
+              <a:buNone/>
+            </a:pPr>
+            <a:r>
+              <a:rPr lang="pl-PL" dirty="0"/>
+              <a:t>	</a:t>
             </a:r>
           </a:p>
         </p:txBody>
@@ -6337,8 +6352,24 @@
           <a:lstStyle/>
           <a:p>
             <a:r>
-              <a:rPr lang="pl-PL" dirty="0" err="1" smtClean="0"/>
-              <a:t>Changesets</a:t>
+              <a:rPr lang="pl-PL" dirty="0" smtClean="0"/>
+              <a:t>Right </a:t>
+            </a:r>
+            <a:r>
+              <a:rPr lang="pl-PL" dirty="0" err="1" smtClean="0"/>
+              <a:t>Hand</a:t>
+            </a:r>
+            <a:r>
+              <a:rPr lang="pl-PL" dirty="0" smtClean="0"/>
+              <a:t> </a:t>
+            </a:r>
+            <a:r>
+              <a:rPr lang="pl-PL" dirty="0" err="1" smtClean="0"/>
+              <a:t>Side</a:t>
+            </a:r>
+            <a:r>
+              <a:rPr lang="pl-PL" dirty="0" smtClean="0"/>
+              <a:t> (RHS)</a:t>
             </a:r>
             <a:endParaRPr lang="pl-PL" dirty="0"/>
           </a:p>
@@ -6347,7 +6378,7 @@
     </p:spTree>
     <p:extLst>
       <p:ext uri="{BB962C8B-B14F-4D97-AF65-F5344CB8AC3E}">
-        <p14:creationId xmlns:p14="http://schemas.microsoft.com/office/powerpoint/2010/main" val="2797506274"/>
+        <p14:creationId xmlns:p14="http://schemas.microsoft.com/office/powerpoint/2010/main" val="1394199466"/>
       </p:ext>
     </p:extLst>
   </p:cSld>
@@ -6402,89 +6433,51 @@
               <a:buNone/>
             </a:pPr>
             <a:r>
-              <a:rPr lang="pl-PL" sz="1600" dirty="0" err="1" smtClean="0">
-                <a:latin typeface="Lucida Console" panose="020B0609040504020204" pitchFamily="49" charset="0"/>
-              </a:rPr>
-              <a:t>KnowledgeAgent</a:t>
-            </a:r>
-            <a:r>
-              <a:rPr lang="pl-PL" sz="1600" dirty="0">
-                <a:latin typeface="Lucida Console" panose="020B0609040504020204" pitchFamily="49" charset="0"/>
-              </a:rPr>
-              <a:t> </a:t>
-            </a:r>
-            <a:r>
-              <a:rPr lang="pl-PL" sz="1600" dirty="0" err="1">
-                <a:latin typeface="Lucida Console" panose="020B0609040504020204" pitchFamily="49" charset="0"/>
-              </a:rPr>
-              <a:t>kagent</a:t>
-            </a:r>
-            <a:r>
-              <a:rPr lang="pl-PL" sz="1600" dirty="0">
-                <a:latin typeface="Lucida Console" panose="020B0609040504020204" pitchFamily="49" charset="0"/>
-              </a:rPr>
-              <a:t> = </a:t>
-            </a:r>
-            <a:endParaRPr lang="pl-PL" sz="1600" dirty="0" smtClean="0">
-              <a:latin typeface="Lucida Console" panose="020B0609040504020204" pitchFamily="49" charset="0"/>
-            </a:endParaRPr>
+              <a:rPr lang="en-GB" sz="2000" dirty="0" smtClean="0">
+                <a:latin typeface="Lucida Console" panose="020B0609040504020204" pitchFamily="49" charset="0"/>
+              </a:rPr>
+              <a:t>&lt;</a:t>
+            </a:r>
+            <a:r>
+              <a:rPr lang="en-GB" sz="2000" dirty="0" err="1">
+                <a:latin typeface="Lucida Console" panose="020B0609040504020204" pitchFamily="49" charset="0"/>
+              </a:rPr>
+              <a:t>dependencyManagement</a:t>
+            </a:r>
+            <a:r>
+              <a:rPr lang="en-GB" sz="2000" dirty="0">
+                <a:latin typeface="Lucida Console" panose="020B0609040504020204" pitchFamily="49" charset="0"/>
+              </a:rPr>
+              <a:t>&gt;</a:t>
+            </a:r>
           </a:p>
           <a:p>
             <a:pPr marL="109728" indent="0">
               <a:buNone/>
             </a:pPr>
             <a:r>
-              <a:rPr lang="pl-PL" sz="1600" dirty="0">
-                <a:latin typeface="Lucida Console" panose="020B0609040504020204" pitchFamily="49" charset="0"/>
-              </a:rPr>
-              <a:t>	</a:t>
-            </a:r>
-            <a:r>
-              <a:rPr lang="pl-PL" sz="1600" dirty="0" err="1" smtClean="0">
-                <a:latin typeface="Lucida Console" panose="020B0609040504020204" pitchFamily="49" charset="0"/>
-              </a:rPr>
-              <a:t>KnowledgeAgentFactory.newKnowledgeAgent</a:t>
-            </a:r>
-            <a:r>
-              <a:rPr lang="pl-PL" sz="1600" dirty="0" smtClean="0">
-                <a:latin typeface="Lucida Console" panose="020B0609040504020204" pitchFamily="49" charset="0"/>
-              </a:rPr>
-              <a:t>("</a:t>
-            </a:r>
-            <a:r>
-              <a:rPr lang="pl-PL" sz="1600" dirty="0" err="1">
-                <a:latin typeface="Lucida Console" panose="020B0609040504020204" pitchFamily="49" charset="0"/>
-              </a:rPr>
-              <a:t>MyAgent</a:t>
-            </a:r>
-            <a:r>
-              <a:rPr lang="pl-PL" sz="1600" dirty="0" smtClean="0">
-                <a:latin typeface="Lucida Console" panose="020B0609040504020204" pitchFamily="49" charset="0"/>
-              </a:rPr>
-              <a:t>"); </a:t>
-            </a:r>
-            <a:r>
-              <a:rPr lang="pl-PL" sz="1600" dirty="0">
-                <a:latin typeface="Lucida Console" panose="020B0609040504020204" pitchFamily="49" charset="0"/>
-              </a:rPr>
-              <a:t/>
-            </a:r>
-            <a:br>
-              <a:rPr lang="pl-PL" sz="1600" dirty="0">
-                <a:latin typeface="Lucida Console" panose="020B0609040504020204" pitchFamily="49" charset="0"/>
-              </a:rPr>
-            </a:br>
-            <a:r>
-              <a:rPr lang="pl-PL" sz="1600" dirty="0" err="1" smtClean="0">
-                <a:latin typeface="Lucida Console" panose="020B0609040504020204" pitchFamily="49" charset="0"/>
-              </a:rPr>
-              <a:t>kagent.applyChangeSet</a:t>
-            </a:r>
-            <a:r>
-              <a:rPr lang="pl-PL" sz="1600" dirty="0" smtClean="0">
-                <a:latin typeface="Lucida Console" panose="020B0609040504020204" pitchFamily="49" charset="0"/>
-              </a:rPr>
-              <a:t>(</a:t>
+              <a:rPr lang="pl-PL" sz="2000" dirty="0">
+                <a:latin typeface="Lucida Console" panose="020B0609040504020204" pitchFamily="49" charset="0"/>
+              </a:rPr>
+              <a:t> </a:t>
+            </a:r>
+            <a:r>
+              <a:rPr lang="pl-PL" sz="2000" dirty="0" smtClean="0">
+                <a:latin typeface="Lucida Console" panose="020B0609040504020204" pitchFamily="49" charset="0"/>
+              </a:rPr>
+              <a:t> </a:t>
+            </a:r>
+            <a:r>
+              <a:rPr lang="en-GB" sz="2000" dirty="0" smtClean="0">
+                <a:latin typeface="Lucida Console" panose="020B0609040504020204" pitchFamily="49" charset="0"/>
+              </a:rPr>
+              <a:t>&lt;</a:t>
+            </a:r>
+            <a:r>
+              <a:rPr lang="en-GB" sz="2000" dirty="0">
+                <a:latin typeface="Lucida Console" panose="020B0609040504020204" pitchFamily="49" charset="0"/>
+              </a:rPr>
+              <a:t>dependencies&gt;</a:t>
             </a:r>
           </a:p>
           <a:p>
@@ -6492,87 +6485,22 @@
               <a:buNone/>
             </a:pPr>
             <a:r>
-              <a:rPr lang="pl-PL" sz="1600" dirty="0">
-                <a:latin typeface="Lucida Console" panose="020B0609040504020204" pitchFamily="49" charset="0"/>
-              </a:rPr>
-              <a:t>	</a:t>
-            </a:r>
-            <a:r>
-              <a:rPr lang="pl-PL" sz="1600" dirty="0" err="1" smtClean="0">
-                <a:latin typeface="Lucida Console" panose="020B0609040504020204" pitchFamily="49" charset="0"/>
-              </a:rPr>
-              <a:t>ResourceFactory.newUrlResource</a:t>
-            </a:r>
-            <a:r>
-              <a:rPr lang="pl-PL" sz="1600" dirty="0">
-                <a:latin typeface="Lucida Console" panose="020B0609040504020204" pitchFamily="49" charset="0"/>
-              </a:rPr>
-              <a:t>( </a:t>
-            </a:r>
-            <a:r>
-              <a:rPr lang="pl-PL" sz="1600" dirty="0" err="1">
-                <a:latin typeface="Lucida Console" panose="020B0609040504020204" pitchFamily="49" charset="0"/>
-              </a:rPr>
-              <a:t>url</a:t>
-            </a:r>
-            <a:r>
-              <a:rPr lang="pl-PL" sz="1600" dirty="0">
-                <a:latin typeface="Lucida Console" panose="020B0609040504020204" pitchFamily="49" charset="0"/>
-              </a:rPr>
-              <a:t> </a:t>
-            </a:r>
-            <a:r>
-              <a:rPr lang="pl-PL" sz="1600" dirty="0" smtClean="0">
-                <a:latin typeface="Lucida Console" panose="020B0609040504020204" pitchFamily="49" charset="0"/>
-              </a:rPr>
-              <a:t>)); </a:t>
-            </a:r>
-            <a:r>
-              <a:rPr lang="pl-PL" sz="1600" dirty="0">
-                <a:latin typeface="Lucida Console" panose="020B0609040504020204" pitchFamily="49" charset="0"/>
-              </a:rPr>
-              <a:t/>
-            </a:r>
-            <a:br>
-              <a:rPr lang="pl-PL" sz="1600" dirty="0">
-                <a:latin typeface="Lucida Console" panose="020B0609040504020204" pitchFamily="49" charset="0"/>
-              </a:rPr>
-            </a:br>
-            <a:r>
-              <a:rPr lang="pl-PL" sz="1600" dirty="0" err="1">
-                <a:latin typeface="Lucida Console" panose="020B0609040504020204" pitchFamily="49" charset="0"/>
-              </a:rPr>
-              <a:t>KnowledgeBase</a:t>
-            </a:r>
-            <a:r>
-              <a:rPr lang="pl-PL" sz="1600" dirty="0">
-                <a:latin typeface="Lucida Console" panose="020B0609040504020204" pitchFamily="49" charset="0"/>
-              </a:rPr>
-              <a:t> </a:t>
-            </a:r>
-            <a:r>
-              <a:rPr lang="pl-PL" sz="1600" dirty="0" err="1">
-                <a:latin typeface="Lucida Console" panose="020B0609040504020204" pitchFamily="49" charset="0"/>
-              </a:rPr>
-              <a:t>kbase</a:t>
-            </a:r>
-            <a:r>
-              <a:rPr lang="pl-PL" sz="1600" dirty="0">
-                <a:latin typeface="Lucida Console" panose="020B0609040504020204" pitchFamily="49" charset="0"/>
-              </a:rPr>
-              <a:t> = </a:t>
-            </a:r>
-            <a:r>
-              <a:rPr lang="pl-PL" sz="1600" dirty="0" err="1">
-                <a:latin typeface="Lucida Console" panose="020B0609040504020204" pitchFamily="49" charset="0"/>
-              </a:rPr>
-              <a:t>kagent.getKnowledgeBase</a:t>
-            </a:r>
-            <a:r>
-              <a:rPr lang="pl-PL" sz="1600" dirty="0" smtClean="0">
-                <a:latin typeface="Lucida Console" panose="020B0609040504020204" pitchFamily="49" charset="0"/>
-              </a:rPr>
-              <a:t>();</a:t>
+              <a:rPr lang="pl-PL" sz="2000" dirty="0" smtClean="0">
+                <a:latin typeface="Lucida Console" panose="020B0609040504020204" pitchFamily="49" charset="0"/>
+              </a:rPr>
+              <a:t>    </a:t>
+            </a:r>
+            <a:r>
+              <a:rPr lang="en-GB" sz="2000" dirty="0" smtClean="0">
+                <a:latin typeface="Lucida Console" panose="020B0609040504020204" pitchFamily="49" charset="0"/>
+              </a:rPr>
+              <a:t>&lt;</a:t>
+            </a:r>
+            <a:r>
+              <a:rPr lang="en-GB" sz="2000" dirty="0">
+                <a:latin typeface="Lucida Console" panose="020B0609040504020204" pitchFamily="49" charset="0"/>
+              </a:rPr>
+              <a:t>dependency&gt;</a:t>
             </a:r>
           </a:p>
           <a:p>
@@ -6580,51 +6508,305 @@
               <a:buNone/>
             </a:pPr>
             <a:r>
-              <a:rPr lang="pl-PL" sz="1600" dirty="0" err="1">
-                <a:latin typeface="Lucida Console" panose="020B0609040504020204" pitchFamily="49" charset="0"/>
-              </a:rPr>
-              <a:t>ResourceFactory.getResourceChangeNotifierService</a:t>
-            </a:r>
-            <a:r>
-              <a:rPr lang="pl-PL" sz="1600" dirty="0">
-                <a:latin typeface="Lucida Console" panose="020B0609040504020204" pitchFamily="49" charset="0"/>
-              </a:rPr>
-              <a:t>().start(); </a:t>
-            </a:r>
-            <a:br>
-              <a:rPr lang="pl-PL" sz="1600" dirty="0">
-                <a:latin typeface="Lucida Console" panose="020B0609040504020204" pitchFamily="49" charset="0"/>
-              </a:rPr>
-            </a:br>
-            <a:r>
-              <a:rPr lang="pl-PL" sz="1600" dirty="0" err="1">
-                <a:latin typeface="Lucida Console" panose="020B0609040504020204" pitchFamily="49" charset="0"/>
-              </a:rPr>
-              <a:t>ResourceFactory.getResourceChangeScannerService</a:t>
-            </a:r>
-            <a:r>
-              <a:rPr lang="pl-PL" sz="1600" dirty="0">
-                <a:latin typeface="Lucida Console" panose="020B0609040504020204" pitchFamily="49" charset="0"/>
-              </a:rPr>
-              <a:t>().start();</a:t>
+              <a:rPr lang="pl-PL" sz="2000" dirty="0" smtClean="0">
+                <a:latin typeface="Lucida Console" panose="020B0609040504020204" pitchFamily="49" charset="0"/>
+              </a:rPr>
+              <a:t>      </a:t>
+            </a:r>
+            <a:r>
+              <a:rPr lang="en-GB" sz="2000" dirty="0" smtClean="0">
+                <a:latin typeface="Lucida Console" panose="020B0609040504020204" pitchFamily="49" charset="0"/>
+              </a:rPr>
+              <a:t>&lt;</a:t>
+            </a:r>
+            <a:r>
+              <a:rPr lang="en-GB" sz="2000" dirty="0" err="1">
+                <a:latin typeface="Lucida Console" panose="020B0609040504020204" pitchFamily="49" charset="0"/>
+              </a:rPr>
+              <a:t>groupId</a:t>
+            </a:r>
+            <a:r>
+              <a:rPr lang="en-GB" sz="2000" dirty="0">
+                <a:latin typeface="Lucida Console" panose="020B0609040504020204" pitchFamily="49" charset="0"/>
+              </a:rPr>
+              <a:t>&gt;</a:t>
+            </a:r>
+            <a:r>
+              <a:rPr lang="en-GB" sz="2000" dirty="0" err="1">
+                <a:latin typeface="Lucida Console" panose="020B0609040504020204" pitchFamily="49" charset="0"/>
+              </a:rPr>
+              <a:t>org.drools</a:t>
+            </a:r>
+            <a:r>
+              <a:rPr lang="en-GB" sz="2000" dirty="0">
+                <a:latin typeface="Lucida Console" panose="020B0609040504020204" pitchFamily="49" charset="0"/>
+              </a:rPr>
+              <a:t>&lt;/</a:t>
+            </a:r>
+            <a:r>
+              <a:rPr lang="en-GB" sz="2000" dirty="0" err="1">
+                <a:latin typeface="Lucida Console" panose="020B0609040504020204" pitchFamily="49" charset="0"/>
+              </a:rPr>
+              <a:t>groupId</a:t>
+            </a:r>
+            <a:r>
+              <a:rPr lang="en-GB" sz="2000" dirty="0">
+                <a:latin typeface="Lucida Console" panose="020B0609040504020204" pitchFamily="49" charset="0"/>
+              </a:rPr>
+              <a:t>&gt;</a:t>
             </a:r>
           </a:p>
           <a:p>
             <a:pPr marL="109728" indent="0">
               <a:buNone/>
             </a:pPr>
-            <a:endParaRPr lang="pl-PL" sz="1600" dirty="0" smtClean="0">
-              <a:latin typeface="Lucida Console" panose="020B0609040504020204" pitchFamily="49" charset="0"/>
-            </a:endParaRPr>
+            <a:r>
+              <a:rPr lang="pl-PL" sz="2000" dirty="0" smtClean="0">
+                <a:latin typeface="Lucida Console" panose="020B0609040504020204" pitchFamily="49" charset="0"/>
+              </a:rPr>
+              <a:t>      </a:t>
+            </a:r>
+            <a:r>
+              <a:rPr lang="en-GB" sz="2000" dirty="0" smtClean="0">
+                <a:latin typeface="Lucida Console" panose="020B0609040504020204" pitchFamily="49" charset="0"/>
+              </a:rPr>
+              <a:t>&lt;</a:t>
+            </a:r>
+            <a:r>
+              <a:rPr lang="en-GB" sz="2000" dirty="0" err="1">
+                <a:latin typeface="Lucida Console" panose="020B0609040504020204" pitchFamily="49" charset="0"/>
+              </a:rPr>
+              <a:t>artifactId</a:t>
+            </a:r>
+            <a:r>
+              <a:rPr lang="en-GB" sz="2000" dirty="0">
+                <a:latin typeface="Lucida Console" panose="020B0609040504020204" pitchFamily="49" charset="0"/>
+              </a:rPr>
+              <a:t>&gt;drools-</a:t>
+            </a:r>
+            <a:r>
+              <a:rPr lang="en-GB" sz="2000" dirty="0" err="1">
+                <a:latin typeface="Lucida Console" panose="020B0609040504020204" pitchFamily="49" charset="0"/>
+              </a:rPr>
+              <a:t>bom</a:t>
+            </a:r>
+            <a:r>
+              <a:rPr lang="en-GB" sz="2000" dirty="0">
+                <a:latin typeface="Lucida Console" panose="020B0609040504020204" pitchFamily="49" charset="0"/>
+              </a:rPr>
+              <a:t>&lt;/</a:t>
+            </a:r>
+            <a:r>
+              <a:rPr lang="en-GB" sz="2000" dirty="0" err="1">
+                <a:latin typeface="Lucida Console" panose="020B0609040504020204" pitchFamily="49" charset="0"/>
+              </a:rPr>
+              <a:t>artifactId</a:t>
+            </a:r>
+            <a:r>
+              <a:rPr lang="en-GB" sz="2000" dirty="0">
+                <a:latin typeface="Lucida Console" panose="020B0609040504020204" pitchFamily="49" charset="0"/>
+              </a:rPr>
+              <a:t>&gt;</a:t>
+            </a:r>
           </a:p>
           <a:p>
             <a:pPr marL="109728" indent="0">
               <a:buNone/>
             </a:pPr>
-            <a:endParaRPr lang="pl-PL" sz="1600" dirty="0">
+            <a:r>
+              <a:rPr lang="pl-PL" sz="2000" dirty="0" smtClean="0">
+                <a:latin typeface="Lucida Console" panose="020B0609040504020204" pitchFamily="49" charset="0"/>
+              </a:rPr>
+              <a:t>      </a:t>
+            </a:r>
+            <a:r>
+              <a:rPr lang="en-GB" sz="2000" dirty="0" smtClean="0">
+                <a:latin typeface="Lucida Console" panose="020B0609040504020204" pitchFamily="49" charset="0"/>
+              </a:rPr>
+              <a:t>&lt;</a:t>
+            </a:r>
+            <a:r>
+              <a:rPr lang="en-GB" sz="2000" dirty="0">
+                <a:latin typeface="Lucida Console" panose="020B0609040504020204" pitchFamily="49" charset="0"/>
+              </a:rPr>
+              <a:t>type&gt;</a:t>
+            </a:r>
+            <a:r>
+              <a:rPr lang="en-GB" sz="2000" dirty="0" err="1">
+                <a:latin typeface="Lucida Console" panose="020B0609040504020204" pitchFamily="49" charset="0"/>
+              </a:rPr>
+              <a:t>pom</a:t>
+            </a:r>
+            <a:r>
+              <a:rPr lang="en-GB" sz="2000" dirty="0">
+                <a:latin typeface="Lucida Console" panose="020B0609040504020204" pitchFamily="49" charset="0"/>
+              </a:rPr>
+              <a:t>&lt;/type&gt;</a:t>
+            </a:r>
+          </a:p>
+          <a:p>
+            <a:pPr marL="109728" indent="0">
+              <a:buNone/>
+            </a:pPr>
+            <a:r>
+              <a:rPr lang="pl-PL" sz="2000" dirty="0" smtClean="0">
+                <a:latin typeface="Lucida Console" panose="020B0609040504020204" pitchFamily="49" charset="0"/>
+              </a:rPr>
+              <a:t>      </a:t>
+            </a:r>
+            <a:r>
+              <a:rPr lang="en-GB" sz="2000" dirty="0" smtClean="0">
+                <a:latin typeface="Lucida Console" panose="020B0609040504020204" pitchFamily="49" charset="0"/>
+              </a:rPr>
+              <a:t>&lt;</a:t>
+            </a:r>
+            <a:r>
+              <a:rPr lang="en-GB" sz="2000" dirty="0">
+                <a:latin typeface="Lucida Console" panose="020B0609040504020204" pitchFamily="49" charset="0"/>
+              </a:rPr>
+              <a:t>version&gt;6.0.1.Final&lt;/version&gt;</a:t>
+            </a:r>
+          </a:p>
+          <a:p>
+            <a:pPr marL="109728" indent="0">
+              <a:buNone/>
+            </a:pPr>
+            <a:r>
+              <a:rPr lang="pl-PL" sz="2000" dirty="0" smtClean="0">
+                <a:latin typeface="Lucida Console" panose="020B0609040504020204" pitchFamily="49" charset="0"/>
+              </a:rPr>
+              <a:t>      </a:t>
+            </a:r>
+            <a:r>
+              <a:rPr lang="en-GB" sz="2000" dirty="0" smtClean="0">
+                <a:latin typeface="Lucida Console" panose="020B0609040504020204" pitchFamily="49" charset="0"/>
+              </a:rPr>
+              <a:t>&lt;</a:t>
+            </a:r>
+            <a:r>
+              <a:rPr lang="en-GB" sz="2000" dirty="0">
+                <a:latin typeface="Lucida Console" panose="020B0609040504020204" pitchFamily="49" charset="0"/>
+              </a:rPr>
+              <a:t>scope&gt;import&lt;/scope</a:t>
+            </a:r>
+            <a:r>
+              <a:rPr lang="en-GB" sz="2000" dirty="0" smtClean="0">
+                <a:latin typeface="Lucida Console" panose="020B0609040504020204" pitchFamily="49" charset="0"/>
+              </a:rPr>
+              <a:t>&gt;</a:t>
+            </a:r>
+            <a:endParaRPr lang="pl-PL" sz="2000" dirty="0" smtClean="0">
               <a:latin typeface="Lucida Console" panose="020B0609040504020204" pitchFamily="49" charset="0"/>
             </a:endParaRPr>
           </a:p>
+          <a:p>
+            <a:pPr marL="109728" indent="0">
+              <a:buNone/>
+            </a:pPr>
+            <a:r>
+              <a:rPr lang="pl-PL" sz="2000" dirty="0">
+                <a:latin typeface="Lucida Console" panose="020B0609040504020204" pitchFamily="49" charset="0"/>
+              </a:rPr>
+              <a:t> </a:t>
+            </a:r>
+            <a:r>
+              <a:rPr lang="pl-PL" sz="2000" dirty="0" smtClean="0">
+                <a:latin typeface="Lucida Console" panose="020B0609040504020204" pitchFamily="49" charset="0"/>
+              </a:rPr>
+              <a:t>   </a:t>
+            </a:r>
+            <a:r>
+              <a:rPr lang="en-GB" sz="2000" dirty="0" smtClean="0">
+                <a:latin typeface="Lucida Console" panose="020B0609040504020204" pitchFamily="49" charset="0"/>
+              </a:rPr>
+              <a:t>&lt;/</a:t>
+            </a:r>
+            <a:r>
+              <a:rPr lang="en-GB" sz="2000" dirty="0">
+                <a:latin typeface="Lucida Console" panose="020B0609040504020204" pitchFamily="49" charset="0"/>
+              </a:rPr>
+              <a:t>dependency</a:t>
+            </a:r>
+            <a:r>
+              <a:rPr lang="en-GB" sz="2000" dirty="0" smtClean="0">
+                <a:latin typeface="Lucida Console" panose="020B0609040504020204" pitchFamily="49" charset="0"/>
+              </a:rPr>
+              <a:t>&gt;</a:t>
+            </a:r>
+            <a:endParaRPr lang="pl-PL" sz="2000" dirty="0" smtClean="0">
+              <a:latin typeface="Lucida Console" panose="020B0609040504020204" pitchFamily="49" charset="0"/>
+            </a:endParaRPr>
+          </a:p>
+          <a:p>
+            <a:pPr marL="109728" indent="0">
+              <a:buNone/>
+            </a:pPr>
+            <a:r>
+              <a:rPr lang="pl-PL" sz="2000" dirty="0" smtClean="0">
+                <a:latin typeface="Lucida Console" panose="020B0609040504020204" pitchFamily="49" charset="0"/>
+              </a:rPr>
+              <a:t>    </a:t>
+            </a:r>
+            <a:r>
+              <a:rPr lang="en-GB" sz="2000" dirty="0" smtClean="0">
+                <a:latin typeface="Lucida Console" panose="020B0609040504020204" pitchFamily="49" charset="0"/>
+              </a:rPr>
+              <a:t>&lt;</a:t>
+            </a:r>
+            <a:r>
+              <a:rPr lang="pl-PL" sz="2000" dirty="0" smtClean="0">
+                <a:latin typeface="Lucida Console" panose="020B0609040504020204" pitchFamily="49" charset="0"/>
+              </a:rPr>
+              <a:t>/</a:t>
+            </a:r>
+            <a:r>
+              <a:rPr lang="en-GB" sz="2000" dirty="0" smtClean="0">
+                <a:latin typeface="Lucida Console" panose="020B0609040504020204" pitchFamily="49" charset="0"/>
+              </a:rPr>
+              <a:t>dependencies</a:t>
+            </a:r>
+            <a:r>
+              <a:rPr lang="en-GB" sz="2000" dirty="0">
+                <a:latin typeface="Lucida Console" panose="020B0609040504020204" pitchFamily="49" charset="0"/>
+              </a:rPr>
+              <a:t>&gt;</a:t>
+            </a:r>
+          </a:p>
+          <a:p>
+            <a:pPr marL="109728" indent="0">
+              <a:buNone/>
+            </a:pPr>
+            <a:r>
+              <a:rPr lang="en-GB" sz="2000" dirty="0" smtClean="0">
+                <a:latin typeface="Lucida Console" panose="020B0609040504020204" pitchFamily="49" charset="0"/>
+              </a:rPr>
+              <a:t>&lt;</a:t>
+            </a:r>
+            <a:r>
+              <a:rPr lang="pl-PL" sz="2000" dirty="0" smtClean="0">
+                <a:latin typeface="Lucida Console" panose="020B0609040504020204" pitchFamily="49" charset="0"/>
+              </a:rPr>
+              <a:t>/</a:t>
+            </a:r>
+            <a:r>
+              <a:rPr lang="en-GB" sz="2000" dirty="0" err="1" smtClean="0">
+                <a:latin typeface="Lucida Console" panose="020B0609040504020204" pitchFamily="49" charset="0"/>
+              </a:rPr>
+              <a:t>dependencyManagement</a:t>
+            </a:r>
+            <a:r>
+              <a:rPr lang="en-GB" sz="2000" dirty="0" smtClean="0">
+                <a:latin typeface="Lucida Console" panose="020B0609040504020204" pitchFamily="49" charset="0"/>
+              </a:rPr>
+              <a:t>&gt;</a:t>
+            </a:r>
+          </a:p>
+          <a:p>
+            <a:pPr marL="109728" indent="0">
+              <a:buNone/>
+            </a:pPr>
+            <a:endParaRPr lang="en-GB" sz="2000" dirty="0"/>
+          </a:p>
         </p:txBody>
       </p:sp>
       <p:sp>
@@ -6644,20 +6826,24 @@
           <a:p>
             <a:r>
               <a:rPr lang="pl-PL" dirty="0" smtClean="0"/>
-              <a:t>Knowledge </a:t>
-            </a:r>
-            <a:r>
-              <a:rPr lang="pl-PL" dirty="0" err="1" smtClean="0"/>
-              <a:t>Agents</a:t>
-            </a:r>
-            <a:endParaRPr lang="pl-PL" dirty="0"/>
+              <a:t>How to start in </a:t>
+            </a:r>
+            <a:r>
+              <a:rPr lang="pl-PL" dirty="0" err="1" smtClean="0"/>
+              <a:t>practice</a:t>
+            </a:r>
+            <a:r>
+              <a:rPr lang="pl-PL" dirty="0" smtClean="0"/>
+              <a:t>? (1)</a:t>
+            </a:r>
+            <a:endParaRPr lang="en-GB" dirty="0"/>
           </a:p>
         </p:txBody>
       </p:sp>
     </p:spTree>
     <p:extLst>
       <p:ext uri="{BB962C8B-B14F-4D97-AF65-F5344CB8AC3E}">
-        <p14:creationId xmlns:p14="http://schemas.microsoft.com/office/powerpoint/2010/main" val="3796715107"/>
+        <p14:creationId xmlns:p14="http://schemas.microsoft.com/office/powerpoint/2010/main" val="867521733"/>
       </p:ext>
     </p:extLst>
   </p:cSld>
@@ -6693,7 +6879,38 @@
       </p:grpSpPr>
       <p:sp>
         <p:nvSpPr>
-          <p:cNvPr id="2" name="Symbol zastępczy zawartości 1"/>
+          <p:cNvPr id="3" name="Tytuł 2"/>
+          <p:cNvSpPr>
+            <a:spLocks noGrp="1"/>
+          </p:cNvSpPr>
+          <p:nvPr>
+            <p:ph type="title"/>
+          </p:nvPr>
+        </p:nvSpPr>
+        <p:spPr/>
+        <p:txBody>
+          <a:bodyPr/>
+          <a:lstStyle/>
+          <a:p>
+            <a:r>
+              <a:rPr lang="pl-PL" dirty="0" smtClean="0"/>
+              <a:t>How to start in </a:t>
+            </a:r>
+            <a:r>
+              <a:rPr lang="pl-PL" dirty="0" err="1" smtClean="0"/>
+              <a:t>practice</a:t>
+            </a:r>
+            <a:r>
+              <a:rPr lang="pl-PL" dirty="0" smtClean="0"/>
+              <a:t>? (2)</a:t>
+            </a:r>
+            <a:endParaRPr lang="en-GB" dirty="0"/>
+          </a:p>
+        </p:txBody>
+      </p:sp>
+      <p:sp>
+        <p:nvSpPr>
+          <p:cNvPr id="4" name="Symbol zastępczy zawartości 5"/>
           <p:cNvSpPr>
             <a:spLocks noGrp="1"/>
           </p:cNvSpPr>
@@ -6704,7 +6921,7 @@
         <p:spPr/>
         <p:txBody>
           <a:bodyPr>
-            <a:normAutofit/>
+            <a:noAutofit/>
           </a:bodyPr>
           <a:lstStyle/>
           <a:p>
@@ -6712,100 +6929,10 @@
               <a:buNone/>
             </a:pPr>
             <a:r>
-              <a:rPr lang="pl-PL" sz="1800" dirty="0">
-                <a:latin typeface="Lucida Console" panose="020B0609040504020204" pitchFamily="49" charset="0"/>
-              </a:rPr>
-              <a:t>[</a:t>
-            </a:r>
-            <a:r>
-              <a:rPr lang="pl-PL" sz="1800" dirty="0" err="1">
-                <a:latin typeface="Lucida Console" panose="020B0609040504020204" pitchFamily="49" charset="0"/>
-              </a:rPr>
-              <a:t>when</a:t>
-            </a:r>
-            <a:r>
-              <a:rPr lang="pl-PL" sz="1800" dirty="0">
-                <a:latin typeface="Lucida Console" panose="020B0609040504020204" pitchFamily="49" charset="0"/>
-              </a:rPr>
-              <a:t>]</a:t>
-            </a:r>
-            <a:r>
-              <a:rPr lang="pl-PL" sz="1800" dirty="0" err="1">
-                <a:latin typeface="Lucida Console" panose="020B0609040504020204" pitchFamily="49" charset="0"/>
-              </a:rPr>
-              <a:t>There</a:t>
-            </a:r>
-            <a:r>
-              <a:rPr lang="pl-PL" sz="1800" dirty="0">
-                <a:latin typeface="Lucida Console" panose="020B0609040504020204" pitchFamily="49" charset="0"/>
-              </a:rPr>
-              <a:t> </a:t>
-            </a:r>
-            <a:r>
-              <a:rPr lang="pl-PL" sz="1800" dirty="0" err="1">
-                <a:latin typeface="Lucida Console" panose="020B0609040504020204" pitchFamily="49" charset="0"/>
-              </a:rPr>
-              <a:t>is</a:t>
-            </a:r>
-            <a:r>
-              <a:rPr lang="pl-PL" sz="1800" dirty="0">
-                <a:latin typeface="Lucida Console" panose="020B0609040504020204" pitchFamily="49" charset="0"/>
-              </a:rPr>
-              <a:t> a person with </a:t>
-            </a:r>
-            <a:r>
-              <a:rPr lang="pl-PL" sz="1800" dirty="0" err="1">
-                <a:latin typeface="Lucida Console" panose="020B0609040504020204" pitchFamily="49" charset="0"/>
-              </a:rPr>
-              <a:t>name</a:t>
-            </a:r>
-            <a:r>
-              <a:rPr lang="pl-PL" sz="1800" dirty="0">
-                <a:latin typeface="Lucida Console" panose="020B0609040504020204" pitchFamily="49" charset="0"/>
-              </a:rPr>
-              <a:t> of </a:t>
-            </a:r>
-            <a:r>
-              <a:rPr lang="pl-PL" sz="1800" dirty="0" smtClean="0">
-                <a:latin typeface="Lucida Console" panose="020B0609040504020204" pitchFamily="49" charset="0"/>
-              </a:rPr>
-              <a:t>"{</a:t>
-            </a:r>
-            <a:r>
-              <a:rPr lang="pl-PL" sz="1800" dirty="0" err="1">
-                <a:latin typeface="Lucida Console" panose="020B0609040504020204" pitchFamily="49" charset="0"/>
-              </a:rPr>
-              <a:t>name</a:t>
-            </a:r>
-            <a:r>
-              <a:rPr lang="pl-PL" sz="1800" dirty="0" smtClean="0">
-                <a:latin typeface="Lucida Console" panose="020B0609040504020204" pitchFamily="49" charset="0"/>
-              </a:rPr>
-              <a:t>}„ = 	Person(</a:t>
-            </a:r>
-            <a:r>
-              <a:rPr lang="pl-PL" sz="1800" dirty="0" err="1" smtClean="0">
-                <a:latin typeface="Lucida Console" panose="020B0609040504020204" pitchFamily="49" charset="0"/>
-              </a:rPr>
-              <a:t>name</a:t>
-            </a:r>
-            <a:r>
-              <a:rPr lang="pl-PL" sz="1800" dirty="0">
-                <a:latin typeface="Lucida Console" panose="020B0609040504020204" pitchFamily="49" charset="0"/>
-              </a:rPr>
-              <a:t>=="{</a:t>
-            </a:r>
-            <a:r>
-              <a:rPr lang="pl-PL" sz="1800" dirty="0" err="1">
-                <a:latin typeface="Lucida Console" panose="020B0609040504020204" pitchFamily="49" charset="0"/>
-              </a:rPr>
-              <a:t>name</a:t>
-            </a:r>
-            <a:r>
-              <a:rPr lang="pl-PL" sz="1800" dirty="0" smtClean="0">
-                <a:latin typeface="Lucida Console" panose="020B0609040504020204" pitchFamily="49" charset="0"/>
-              </a:rPr>
-              <a:t>}")</a:t>
+              <a:rPr lang="en-GB" sz="2000" dirty="0">
+                <a:latin typeface="Lucida Console" panose="020B0609040504020204" pitchFamily="49" charset="0"/>
+              </a:rPr>
+              <a:t>&lt;dependencies&gt;</a:t>
             </a:r>
           </a:p>
           <a:p>
@@ -6813,190 +6940,22 @@
               <a:buNone/>
             </a:pPr>
             <a:r>
-              <a:rPr lang="pl-PL" sz="1800" dirty="0" smtClean="0">
-                <a:latin typeface="Lucida Console" panose="020B0609040504020204" pitchFamily="49" charset="0"/>
-              </a:rPr>
-              <a:t>[</a:t>
-            </a:r>
-            <a:r>
-              <a:rPr lang="pl-PL" sz="1800" dirty="0" err="1">
-                <a:latin typeface="Lucida Console" panose="020B0609040504020204" pitchFamily="49" charset="0"/>
-              </a:rPr>
-              <a:t>when</a:t>
-            </a:r>
-            <a:r>
-              <a:rPr lang="pl-PL" sz="1800" dirty="0">
-                <a:latin typeface="Lucida Console" panose="020B0609040504020204" pitchFamily="49" charset="0"/>
-              </a:rPr>
-              <a:t>]Person </a:t>
-            </a:r>
-            <a:r>
-              <a:rPr lang="pl-PL" sz="1800" dirty="0" err="1">
-                <a:latin typeface="Lucida Console" panose="020B0609040504020204" pitchFamily="49" charset="0"/>
-              </a:rPr>
-              <a:t>is</a:t>
-            </a:r>
-            <a:r>
-              <a:rPr lang="pl-PL" sz="1800" dirty="0">
-                <a:latin typeface="Lucida Console" panose="020B0609040504020204" pitchFamily="49" charset="0"/>
-              </a:rPr>
-              <a:t> </a:t>
-            </a:r>
-            <a:r>
-              <a:rPr lang="pl-PL" sz="1800" dirty="0" err="1">
-                <a:latin typeface="Lucida Console" panose="020B0609040504020204" pitchFamily="49" charset="0"/>
-              </a:rPr>
-              <a:t>at</a:t>
-            </a:r>
-            <a:r>
-              <a:rPr lang="pl-PL" sz="1800" dirty="0">
-                <a:latin typeface="Lucida Console" panose="020B0609040504020204" pitchFamily="49" charset="0"/>
-              </a:rPr>
-              <a:t> </a:t>
-            </a:r>
-            <a:r>
-              <a:rPr lang="pl-PL" sz="1800" dirty="0" err="1">
-                <a:latin typeface="Lucida Console" panose="020B0609040504020204" pitchFamily="49" charset="0"/>
-              </a:rPr>
-              <a:t>least</a:t>
-            </a:r>
-            <a:r>
-              <a:rPr lang="pl-PL" sz="1800" dirty="0">
-                <a:latin typeface="Lucida Console" panose="020B0609040504020204" pitchFamily="49" charset="0"/>
-              </a:rPr>
-              <a:t> {</a:t>
-            </a:r>
-            <a:r>
-              <a:rPr lang="pl-PL" sz="1800" dirty="0" err="1">
-                <a:latin typeface="Lucida Console" panose="020B0609040504020204" pitchFamily="49" charset="0"/>
-              </a:rPr>
-              <a:t>age</a:t>
-            </a:r>
-            <a:r>
-              <a:rPr lang="pl-PL" sz="1800" dirty="0">
-                <a:latin typeface="Lucida Console" panose="020B0609040504020204" pitchFamily="49" charset="0"/>
-              </a:rPr>
-              <a:t>} </a:t>
-            </a:r>
-            <a:r>
-              <a:rPr lang="pl-PL" sz="1800" dirty="0" err="1">
-                <a:latin typeface="Lucida Console" panose="020B0609040504020204" pitchFamily="49" charset="0"/>
-              </a:rPr>
-              <a:t>years</a:t>
-            </a:r>
-            <a:r>
-              <a:rPr lang="pl-PL" sz="1800" dirty="0">
-                <a:latin typeface="Lucida Console" panose="020B0609040504020204" pitchFamily="49" charset="0"/>
-              </a:rPr>
-              <a:t> </a:t>
-            </a:r>
-            <a:r>
-              <a:rPr lang="pl-PL" sz="1800" dirty="0" err="1">
-                <a:latin typeface="Lucida Console" panose="020B0609040504020204" pitchFamily="49" charset="0"/>
-              </a:rPr>
-              <a:t>old</a:t>
-            </a:r>
-            <a:r>
-              <a:rPr lang="pl-PL" sz="1800" dirty="0">
-                <a:latin typeface="Lucida Console" panose="020B0609040504020204" pitchFamily="49" charset="0"/>
-              </a:rPr>
-              <a:t> and </a:t>
-            </a:r>
-            <a:r>
-              <a:rPr lang="pl-PL" sz="1800" dirty="0" err="1">
-                <a:latin typeface="Lucida Console" panose="020B0609040504020204" pitchFamily="49" charset="0"/>
-              </a:rPr>
-              <a:t>lives</a:t>
-            </a:r>
-            <a:r>
-              <a:rPr lang="pl-PL" sz="1800" dirty="0">
-                <a:latin typeface="Lucida Console" panose="020B0609040504020204" pitchFamily="49" charset="0"/>
-              </a:rPr>
-              <a:t> </a:t>
-            </a:r>
-            <a:r>
-              <a:rPr lang="pl-PL" sz="1800" dirty="0" smtClean="0">
-                <a:latin typeface="Lucida Console" panose="020B0609040504020204" pitchFamily="49" charset="0"/>
-              </a:rPr>
-              <a:t>	in </a:t>
-            </a:r>
-            <a:r>
-              <a:rPr lang="pl-PL" sz="1800" dirty="0">
-                <a:latin typeface="Lucida Console" panose="020B0609040504020204" pitchFamily="49" charset="0"/>
-              </a:rPr>
-              <a:t>"{</a:t>
-            </a:r>
-            <a:r>
-              <a:rPr lang="pl-PL" sz="1800" dirty="0" err="1">
-                <a:latin typeface="Lucida Console" panose="020B0609040504020204" pitchFamily="49" charset="0"/>
-              </a:rPr>
-              <a:t>location</a:t>
-            </a:r>
-            <a:r>
-              <a:rPr lang="pl-PL" sz="1800" dirty="0" smtClean="0">
-                <a:latin typeface="Lucida Console" panose="020B0609040504020204" pitchFamily="49" charset="0"/>
-              </a:rPr>
-              <a:t>}” = </a:t>
-            </a:r>
-            <a:r>
-              <a:rPr lang="pl-PL" sz="1800" dirty="0">
-                <a:latin typeface="Lucida Console" panose="020B0609040504020204" pitchFamily="49" charset="0"/>
-              </a:rPr>
-              <a:t>Person(</a:t>
-            </a:r>
-            <a:r>
-              <a:rPr lang="pl-PL" sz="1800" dirty="0" err="1">
-                <a:latin typeface="Lucida Console" panose="020B0609040504020204" pitchFamily="49" charset="0"/>
-              </a:rPr>
-              <a:t>age</a:t>
-            </a:r>
-            <a:r>
-              <a:rPr lang="pl-PL" sz="1800" dirty="0">
-                <a:latin typeface="Lucida Console" panose="020B0609040504020204" pitchFamily="49" charset="0"/>
-              </a:rPr>
-              <a:t> &gt;= {</a:t>
-            </a:r>
-            <a:r>
-              <a:rPr lang="pl-PL" sz="1800" dirty="0" err="1">
-                <a:latin typeface="Lucida Console" panose="020B0609040504020204" pitchFamily="49" charset="0"/>
-              </a:rPr>
-              <a:t>age</a:t>
-            </a:r>
-            <a:r>
-              <a:rPr lang="pl-PL" sz="1800" dirty="0">
-                <a:latin typeface="Lucida Console" panose="020B0609040504020204" pitchFamily="49" charset="0"/>
-              </a:rPr>
-              <a:t>}, </a:t>
-            </a:r>
-            <a:r>
-              <a:rPr lang="pl-PL" sz="1800" dirty="0" smtClean="0">
-                <a:latin typeface="Lucida Console" panose="020B0609040504020204" pitchFamily="49" charset="0"/>
-              </a:rPr>
-              <a:t>	</a:t>
-            </a:r>
-            <a:r>
-              <a:rPr lang="pl-PL" sz="1800" dirty="0" err="1" smtClean="0">
-                <a:latin typeface="Lucida Console" panose="020B0609040504020204" pitchFamily="49" charset="0"/>
-              </a:rPr>
-              <a:t>location</a:t>
-            </a:r>
-            <a:r>
-              <a:rPr lang="pl-PL" sz="1800" dirty="0">
-                <a:latin typeface="Lucida Console" panose="020B0609040504020204" pitchFamily="49" charset="0"/>
-              </a:rPr>
-              <a:t>=="{</a:t>
-            </a:r>
-            <a:r>
-              <a:rPr lang="pl-PL" sz="1800" dirty="0" err="1">
-                <a:latin typeface="Lucida Console" panose="020B0609040504020204" pitchFamily="49" charset="0"/>
-              </a:rPr>
-              <a:t>location</a:t>
-            </a:r>
-            <a:r>
-              <a:rPr lang="pl-PL" sz="1800" dirty="0" smtClean="0">
-                <a:latin typeface="Lucida Console" panose="020B0609040504020204" pitchFamily="49" charset="0"/>
-              </a:rPr>
-              <a:t>}")</a:t>
+              <a:rPr lang="pl-PL" sz="2000" dirty="0" smtClean="0">
+                <a:latin typeface="Lucida Console" panose="020B0609040504020204" pitchFamily="49" charset="0"/>
+              </a:rPr>
+              <a:t>  </a:t>
+            </a:r>
+            <a:r>
+              <a:rPr lang="en-GB" sz="2000" dirty="0" smtClean="0">
+                <a:latin typeface="Lucida Console" panose="020B0609040504020204" pitchFamily="49" charset="0"/>
+              </a:rPr>
+              <a:t>&lt;</a:t>
+            </a:r>
+            <a:r>
+              <a:rPr lang="en-GB" sz="2000" dirty="0">
+                <a:latin typeface="Lucida Console" panose="020B0609040504020204" pitchFamily="49" charset="0"/>
+              </a:rPr>
+              <a:t>dependency&gt;</a:t>
             </a:r>
           </a:p>
           <a:p>
@@ -7004,64 +6963,52 @@
               <a:buNone/>
             </a:pPr>
             <a:r>
-              <a:rPr lang="pl-PL" sz="1800" dirty="0" smtClean="0">
-                <a:latin typeface="Lucida Console" panose="020B0609040504020204" pitchFamily="49" charset="0"/>
-              </a:rPr>
-              <a:t>[</a:t>
-            </a:r>
-            <a:r>
-              <a:rPr lang="pl-PL" sz="1800" dirty="0" err="1">
-                <a:latin typeface="Lucida Console" panose="020B0609040504020204" pitchFamily="49" charset="0"/>
-              </a:rPr>
-              <a:t>then</a:t>
-            </a:r>
-            <a:r>
-              <a:rPr lang="pl-PL" sz="1800" dirty="0">
-                <a:latin typeface="Lucida Console" panose="020B0609040504020204" pitchFamily="49" charset="0"/>
-              </a:rPr>
-              <a:t>]Log </a:t>
-            </a:r>
-            <a:r>
-              <a:rPr lang="pl-PL" sz="1800" dirty="0" smtClean="0">
-                <a:latin typeface="Lucida Console" panose="020B0609040504020204" pitchFamily="49" charset="0"/>
-              </a:rPr>
-              <a:t>"{</a:t>
-            </a:r>
-            <a:r>
-              <a:rPr lang="pl-PL" sz="1800" dirty="0" err="1">
-                <a:latin typeface="Lucida Console" panose="020B0609040504020204" pitchFamily="49" charset="0"/>
-              </a:rPr>
-              <a:t>message</a:t>
-            </a:r>
-            <a:r>
-              <a:rPr lang="pl-PL" sz="1800" dirty="0" smtClean="0">
-                <a:latin typeface="Lucida Console" panose="020B0609040504020204" pitchFamily="49" charset="0"/>
-              </a:rPr>
-              <a:t>}„ = 	</a:t>
-            </a:r>
-            <a:r>
-              <a:rPr lang="pl-PL" sz="1800" dirty="0" err="1" smtClean="0">
-                <a:latin typeface="Lucida Console" panose="020B0609040504020204" pitchFamily="49" charset="0"/>
-              </a:rPr>
-              <a:t>System.out.println</a:t>
-            </a:r>
-            <a:r>
-              <a:rPr lang="pl-PL" sz="1800" dirty="0">
-                <a:latin typeface="Lucida Console" panose="020B0609040504020204" pitchFamily="49" charset="0"/>
-              </a:rPr>
-              <a:t>("{</a:t>
-            </a:r>
-            <a:r>
-              <a:rPr lang="pl-PL" sz="1800" dirty="0" err="1">
-                <a:latin typeface="Lucida Console" panose="020B0609040504020204" pitchFamily="49" charset="0"/>
-              </a:rPr>
-              <a:t>message</a:t>
-            </a:r>
-            <a:r>
-              <a:rPr lang="pl-PL" sz="1800" dirty="0" smtClean="0">
-                <a:latin typeface="Lucida Console" panose="020B0609040504020204" pitchFamily="49" charset="0"/>
-              </a:rPr>
-              <a:t>}");</a:t>
+              <a:rPr lang="pl-PL" sz="2000" dirty="0" smtClean="0">
+                <a:latin typeface="Lucida Console" panose="020B0609040504020204" pitchFamily="49" charset="0"/>
+              </a:rPr>
+              <a:t>    </a:t>
+            </a:r>
+            <a:r>
+              <a:rPr lang="en-GB" sz="2000" dirty="0" smtClean="0">
+                <a:latin typeface="Lucida Console" panose="020B0609040504020204" pitchFamily="49" charset="0"/>
+              </a:rPr>
+              <a:t>&lt;</a:t>
+            </a:r>
+            <a:r>
+              <a:rPr lang="en-GB" sz="2000" dirty="0" err="1">
+                <a:latin typeface="Lucida Console" panose="020B0609040504020204" pitchFamily="49" charset="0"/>
+              </a:rPr>
+              <a:t>groupId</a:t>
+            </a:r>
+            <a:r>
+              <a:rPr lang="en-GB" sz="2000" dirty="0">
+                <a:latin typeface="Lucida Console" panose="020B0609040504020204" pitchFamily="49" charset="0"/>
+              </a:rPr>
+              <a:t>&gt;</a:t>
+            </a:r>
+            <a:r>
+              <a:rPr lang="en-GB" sz="2000" dirty="0" err="1">
+                <a:latin typeface="Lucida Console" panose="020B0609040504020204" pitchFamily="49" charset="0"/>
+              </a:rPr>
+              <a:t>org.kie</a:t>
+            </a:r>
+            <a:r>
+              <a:rPr lang="en-GB" sz="2000" dirty="0">
+                <a:latin typeface="Lucida Console" panose="020B0609040504020204" pitchFamily="49" charset="0"/>
+              </a:rPr>
+              <a:t>&lt;/</a:t>
+            </a:r>
+            <a:r>
+              <a:rPr lang="en-GB" sz="2000" dirty="0" err="1">
+                <a:latin typeface="Lucida Console" panose="020B0609040504020204" pitchFamily="49" charset="0"/>
+              </a:rPr>
+              <a:t>groupId</a:t>
+            </a:r>
+            <a:r>
+              <a:rPr lang="en-GB" sz="2000" dirty="0">
+                <a:latin typeface="Lucida Console" panose="020B0609040504020204" pitchFamily="49" charset="0"/>
+              </a:rPr>
+              <a:t>&gt;</a:t>
             </a:r>
           </a:p>
           <a:p>
@@ -7069,77 +7016,267 @@
               <a:buNone/>
             </a:pPr>
             <a:r>
-              <a:rPr lang="pl-PL" sz="1800" dirty="0" smtClean="0">
-                <a:latin typeface="Lucida Console" panose="020B0609040504020204" pitchFamily="49" charset="0"/>
-              </a:rPr>
-              <a:t>[</a:t>
-            </a:r>
-            <a:r>
-              <a:rPr lang="pl-PL" sz="1800" dirty="0" err="1">
-                <a:latin typeface="Lucida Console" panose="020B0609040504020204" pitchFamily="49" charset="0"/>
-              </a:rPr>
-              <a:t>when</a:t>
-            </a:r>
-            <a:r>
-              <a:rPr lang="pl-PL" sz="1800" dirty="0">
-                <a:latin typeface="Lucida Console" panose="020B0609040504020204" pitchFamily="49" charset="0"/>
-              </a:rPr>
-              <a:t>]And = and</a:t>
+              <a:rPr lang="pl-PL" sz="2000" dirty="0" smtClean="0">
+                <a:latin typeface="Lucida Console" panose="020B0609040504020204" pitchFamily="49" charset="0"/>
+              </a:rPr>
+              <a:t>    </a:t>
+            </a:r>
+            <a:r>
+              <a:rPr lang="en-GB" sz="2000" dirty="0" smtClean="0">
+                <a:latin typeface="Lucida Console" panose="020B0609040504020204" pitchFamily="49" charset="0"/>
+              </a:rPr>
+              <a:t>&lt;</a:t>
+            </a:r>
+            <a:r>
+              <a:rPr lang="en-GB" sz="2000" dirty="0" err="1">
+                <a:latin typeface="Lucida Console" panose="020B0609040504020204" pitchFamily="49" charset="0"/>
+              </a:rPr>
+              <a:t>artifactId</a:t>
+            </a:r>
+            <a:r>
+              <a:rPr lang="en-GB" sz="2000" dirty="0">
+                <a:latin typeface="Lucida Console" panose="020B0609040504020204" pitchFamily="49" charset="0"/>
+              </a:rPr>
+              <a:t>&gt;</a:t>
+            </a:r>
+            <a:r>
+              <a:rPr lang="en-GB" sz="2000" dirty="0" err="1">
+                <a:latin typeface="Lucida Console" panose="020B0609040504020204" pitchFamily="49" charset="0"/>
+              </a:rPr>
+              <a:t>kie-api</a:t>
+            </a:r>
+            <a:r>
+              <a:rPr lang="en-GB" sz="2000" dirty="0">
+                <a:latin typeface="Lucida Console" panose="020B0609040504020204" pitchFamily="49" charset="0"/>
+              </a:rPr>
+              <a:t>&lt;/</a:t>
+            </a:r>
+            <a:r>
+              <a:rPr lang="en-GB" sz="2000" dirty="0" err="1">
+                <a:latin typeface="Lucida Console" panose="020B0609040504020204" pitchFamily="49" charset="0"/>
+              </a:rPr>
+              <a:t>artifactId</a:t>
+            </a:r>
+            <a:r>
+              <a:rPr lang="en-GB" sz="2000" dirty="0">
+                <a:latin typeface="Lucida Console" panose="020B0609040504020204" pitchFamily="49" charset="0"/>
+              </a:rPr>
+              <a:t>&gt;</a:t>
             </a:r>
           </a:p>
           <a:p>
             <a:pPr marL="109728" indent="0">
               <a:buNone/>
             </a:pPr>
-            <a:endParaRPr lang="pl-PL" sz="1800" dirty="0">
+            <a:r>
+              <a:rPr lang="pl-PL" sz="2000" dirty="0" smtClean="0">
+                <a:latin typeface="Lucida Console" panose="020B0609040504020204" pitchFamily="49" charset="0"/>
+              </a:rPr>
+              <a:t>  </a:t>
+            </a:r>
+            <a:r>
+              <a:rPr lang="en-GB" sz="2000" dirty="0" smtClean="0">
+                <a:latin typeface="Lucida Console" panose="020B0609040504020204" pitchFamily="49" charset="0"/>
+              </a:rPr>
+              <a:t>&lt;/</a:t>
+            </a:r>
+            <a:r>
+              <a:rPr lang="en-GB" sz="2000" dirty="0">
+                <a:latin typeface="Lucida Console" panose="020B0609040504020204" pitchFamily="49" charset="0"/>
+              </a:rPr>
+              <a:t>dependency&gt;</a:t>
+            </a:r>
+          </a:p>
+          <a:p>
+            <a:pPr marL="109728" indent="0">
+              <a:buNone/>
+            </a:pPr>
+            <a:r>
+              <a:rPr lang="pl-PL" sz="2000" dirty="0" smtClean="0">
+                <a:latin typeface="Lucida Console" panose="020B0609040504020204" pitchFamily="49" charset="0"/>
+              </a:rPr>
+              <a:t>  </a:t>
+            </a:r>
+            <a:r>
+              <a:rPr lang="en-GB" sz="2000" dirty="0" smtClean="0">
+                <a:latin typeface="Lucida Console" panose="020B0609040504020204" pitchFamily="49" charset="0"/>
+              </a:rPr>
+              <a:t>&lt;</a:t>
+            </a:r>
+            <a:r>
+              <a:rPr lang="en-GB" sz="2000" dirty="0">
+                <a:latin typeface="Lucida Console" panose="020B0609040504020204" pitchFamily="49" charset="0"/>
+              </a:rPr>
+              <a:t>dependency&gt;</a:t>
+            </a:r>
+          </a:p>
+          <a:p>
+            <a:pPr marL="109728" indent="0">
+              <a:buNone/>
+            </a:pPr>
+            <a:r>
+              <a:rPr lang="pl-PL" sz="2000" dirty="0" smtClean="0">
+                <a:latin typeface="Lucida Console" panose="020B0609040504020204" pitchFamily="49" charset="0"/>
+              </a:rPr>
+              <a:t>    </a:t>
+            </a:r>
+            <a:r>
+              <a:rPr lang="en-GB" sz="2000" dirty="0" smtClean="0">
+                <a:latin typeface="Lucida Console" panose="020B0609040504020204" pitchFamily="49" charset="0"/>
+              </a:rPr>
+              <a:t>&lt;</a:t>
+            </a:r>
+            <a:r>
+              <a:rPr lang="en-GB" sz="2000" dirty="0" err="1">
+                <a:latin typeface="Lucida Console" panose="020B0609040504020204" pitchFamily="49" charset="0"/>
+              </a:rPr>
+              <a:t>groupId</a:t>
+            </a:r>
+            <a:r>
+              <a:rPr lang="en-GB" sz="2000" dirty="0">
+                <a:latin typeface="Lucida Console" panose="020B0609040504020204" pitchFamily="49" charset="0"/>
+              </a:rPr>
+              <a:t>&gt;</a:t>
+            </a:r>
+            <a:r>
+              <a:rPr lang="en-GB" sz="2000" dirty="0" err="1">
+                <a:latin typeface="Lucida Console" panose="020B0609040504020204" pitchFamily="49" charset="0"/>
+              </a:rPr>
+              <a:t>org.drools</a:t>
+            </a:r>
+            <a:r>
+              <a:rPr lang="en-GB" sz="2000" dirty="0">
+                <a:latin typeface="Lucida Console" panose="020B0609040504020204" pitchFamily="49" charset="0"/>
+              </a:rPr>
+              <a:t>&lt;/</a:t>
+            </a:r>
+            <a:r>
+              <a:rPr lang="en-GB" sz="2000" dirty="0" err="1">
+                <a:latin typeface="Lucida Console" panose="020B0609040504020204" pitchFamily="49" charset="0"/>
+              </a:rPr>
+              <a:t>groupId</a:t>
+            </a:r>
+            <a:r>
+              <a:rPr lang="en-GB" sz="2000" dirty="0">
+                <a:latin typeface="Lucida Console" panose="020B0609040504020204" pitchFamily="49" charset="0"/>
+              </a:rPr>
+              <a:t>&gt;</a:t>
+            </a:r>
+          </a:p>
+          <a:p>
+            <a:pPr marL="109728" indent="0">
+              <a:buNone/>
+            </a:pPr>
+            <a:r>
+              <a:rPr lang="pl-PL" sz="2000" dirty="0" smtClean="0">
+                <a:latin typeface="Lucida Console" panose="020B0609040504020204" pitchFamily="49" charset="0"/>
+              </a:rPr>
+              <a:t>    </a:t>
+            </a:r>
+            <a:r>
+              <a:rPr lang="en-GB" sz="2000" dirty="0" smtClean="0">
+                <a:latin typeface="Lucida Console" panose="020B0609040504020204" pitchFamily="49" charset="0"/>
+              </a:rPr>
+              <a:t>&lt;</a:t>
+            </a:r>
+            <a:r>
+              <a:rPr lang="en-GB" sz="2000" dirty="0" err="1">
+                <a:latin typeface="Lucida Console" panose="020B0609040504020204" pitchFamily="49" charset="0"/>
+              </a:rPr>
+              <a:t>artifactId</a:t>
+            </a:r>
+            <a:r>
+              <a:rPr lang="en-GB" sz="2000" dirty="0">
+                <a:latin typeface="Lucida Console" panose="020B0609040504020204" pitchFamily="49" charset="0"/>
+              </a:rPr>
+              <a:t>&gt;drools-compiler&lt;/</a:t>
+            </a:r>
+            <a:r>
+              <a:rPr lang="en-GB" sz="2000" dirty="0" err="1">
+                <a:latin typeface="Lucida Console" panose="020B0609040504020204" pitchFamily="49" charset="0"/>
+              </a:rPr>
+              <a:t>artifactId</a:t>
+            </a:r>
+            <a:r>
+              <a:rPr lang="en-GB" sz="2000" dirty="0" smtClean="0">
+                <a:latin typeface="Lucida Console" panose="020B0609040504020204" pitchFamily="49" charset="0"/>
+              </a:rPr>
+              <a:t>&gt;</a:t>
+            </a:r>
+            <a:endParaRPr lang="pl-PL" sz="2000" dirty="0" smtClean="0">
               <a:latin typeface="Lucida Console" panose="020B0609040504020204" pitchFamily="49" charset="0"/>
             </a:endParaRPr>
           </a:p>
-        </p:txBody>
-      </p:sp>
-      <p:sp>
-        <p:nvSpPr>
-          <p:cNvPr id="3" name="Tytuł 2"/>
-          <p:cNvSpPr>
-            <a:spLocks noGrp="1"/>
-          </p:cNvSpPr>
-          <p:nvPr>
-            <p:ph type="title"/>
-          </p:nvPr>
-        </p:nvSpPr>
-        <p:spPr/>
-        <p:txBody>
-          <a:bodyPr/>
-          <a:lstStyle/>
-          <a:p>
-            <a:r>
-              <a:rPr lang="pl-PL" dirty="0" err="1"/>
-              <a:t>Domain</a:t>
-            </a:r>
-            <a:r>
-              <a:rPr lang="pl-PL" dirty="0"/>
+          <a:p>
+            <a:pPr marL="109728" indent="0">
+              <a:buNone/>
+            </a:pPr>
+            <a:r>
+              <a:rPr lang="pl-PL" sz="2000" dirty="0">
+                <a:latin typeface="Lucida Console" panose="020B0609040504020204" pitchFamily="49" charset="0"/>
+              </a:rPr>
               <a:t> </a:t>
             </a:r>
             <a:r>
-              <a:rPr lang="pl-PL" dirty="0" err="1"/>
-              <a:t>Specific</a:t>
-            </a:r>
-            <a:r>
-              <a:rPr lang="pl-PL" dirty="0"/>
+              <a:rPr lang="pl-PL" sz="2000" dirty="0" smtClean="0">
+                <a:latin typeface="Lucida Console" panose="020B0609040504020204" pitchFamily="49" charset="0"/>
+              </a:rPr>
               <a:t> </a:t>
             </a:r>
             <a:r>
-              <a:rPr lang="pl-PL" dirty="0" err="1"/>
-              <a:t>Languages</a:t>
-            </a:r>
-            <a:endParaRPr lang="pl-PL" dirty="0"/>
+              <a:rPr lang="en-GB" sz="2000" dirty="0" smtClean="0">
+                <a:latin typeface="Lucida Console" panose="020B0609040504020204" pitchFamily="49" charset="0"/>
+              </a:rPr>
+              <a:t>&lt;/</a:t>
+            </a:r>
+            <a:r>
+              <a:rPr lang="en-GB" sz="2000" dirty="0">
+                <a:latin typeface="Lucida Console" panose="020B0609040504020204" pitchFamily="49" charset="0"/>
+              </a:rPr>
+              <a:t>dependency</a:t>
+            </a:r>
+            <a:r>
+              <a:rPr lang="en-GB" sz="2000" dirty="0" smtClean="0">
+                <a:latin typeface="Lucida Console" panose="020B0609040504020204" pitchFamily="49" charset="0"/>
+              </a:rPr>
+              <a:t>&gt;</a:t>
+            </a:r>
+            <a:endParaRPr lang="pl-PL" sz="2000" dirty="0" smtClean="0">
+              <a:latin typeface="Lucida Console" panose="020B0609040504020204" pitchFamily="49" charset="0"/>
+            </a:endParaRPr>
+          </a:p>
+          <a:p>
+            <a:pPr marL="109728" indent="0">
+              <a:buNone/>
+            </a:pPr>
+            <a:r>
+              <a:rPr lang="en-GB" sz="2000" dirty="0" smtClean="0">
+                <a:latin typeface="Lucida Console" panose="020B0609040504020204" pitchFamily="49" charset="0"/>
+              </a:rPr>
+              <a:t>&lt;</a:t>
+            </a:r>
+            <a:r>
+              <a:rPr lang="pl-PL" sz="2000" dirty="0" smtClean="0">
+                <a:latin typeface="Lucida Console" panose="020B0609040504020204" pitchFamily="49" charset="0"/>
+              </a:rPr>
+              <a:t>/</a:t>
+            </a:r>
+            <a:r>
+              <a:rPr lang="en-GB" sz="2000" dirty="0" smtClean="0">
+                <a:latin typeface="Lucida Console" panose="020B0609040504020204" pitchFamily="49" charset="0"/>
+              </a:rPr>
+              <a:t>dependencies&gt;</a:t>
+            </a:r>
+            <a:endParaRPr lang="en-GB" sz="2000" dirty="0">
+              <a:latin typeface="Lucida Console" panose="020B0609040504020204" pitchFamily="49" charset="0"/>
+            </a:endParaRPr>
           </a:p>
         </p:txBody>
       </p:sp>
     </p:spTree>
     <p:extLst>
       <p:ext uri="{BB962C8B-B14F-4D97-AF65-F5344CB8AC3E}">
-        <p14:creationId xmlns:p14="http://schemas.microsoft.com/office/powerpoint/2010/main" val="1952145853"/>
+        <p14:creationId xmlns:p14="http://schemas.microsoft.com/office/powerpoint/2010/main" val="4239257147"/>
       </p:ext>
     </p:extLst>
   </p:cSld>
@@ -7186,7 +7323,7 @@
         <p:spPr/>
         <p:txBody>
           <a:bodyPr>
-            <a:normAutofit fontScale="55000" lnSpcReduction="20000"/>
+            <a:normAutofit/>
           </a:bodyPr>
           <a:lstStyle/>
           <a:p>
@@ -7194,544 +7331,64 @@
               <a:buNone/>
             </a:pPr>
             <a:r>
-              <a:rPr lang="pl-PL" dirty="0">
-                <a:latin typeface="Lucida Console" panose="020B0609040504020204" pitchFamily="49" charset="0"/>
-              </a:rPr>
-              <a:t>Environment </a:t>
-            </a:r>
-            <a:r>
-              <a:rPr lang="pl-PL" dirty="0" err="1">
-                <a:latin typeface="Lucida Console" panose="020B0609040504020204" pitchFamily="49" charset="0"/>
-              </a:rPr>
-              <a:t>env</a:t>
-            </a:r>
-            <a:r>
-              <a:rPr lang="pl-PL" dirty="0">
-                <a:latin typeface="Lucida Console" panose="020B0609040504020204" pitchFamily="49" charset="0"/>
-              </a:rPr>
-              <a:t> = </a:t>
-            </a:r>
-            <a:r>
-              <a:rPr lang="pl-PL" dirty="0" err="1">
-                <a:latin typeface="Lucida Console" panose="020B0609040504020204" pitchFamily="49" charset="0"/>
-              </a:rPr>
-              <a:t>KnowledgeBaseFactory.newEnvironment</a:t>
-            </a:r>
-            <a:r>
-              <a:rPr lang="pl-PL" dirty="0">
-                <a:latin typeface="Lucida Console" panose="020B0609040504020204" pitchFamily="49" charset="0"/>
-              </a:rPr>
-              <a:t>(); </a:t>
-            </a:r>
-            <a:br>
-              <a:rPr lang="pl-PL" dirty="0">
-                <a:latin typeface="Lucida Console" panose="020B0609040504020204" pitchFamily="49" charset="0"/>
-              </a:rPr>
-            </a:br>
-            <a:r>
-              <a:rPr lang="pl-PL" dirty="0" err="1">
-                <a:latin typeface="Lucida Console" panose="020B0609040504020204" pitchFamily="49" charset="0"/>
-              </a:rPr>
-              <a:t>env.set</a:t>
-            </a:r>
-            <a:r>
-              <a:rPr lang="pl-PL" dirty="0">
-                <a:latin typeface="Lucida Console" panose="020B0609040504020204" pitchFamily="49" charset="0"/>
-              </a:rPr>
-              <a:t>( </a:t>
-            </a:r>
-            <a:r>
-              <a:rPr lang="pl-PL" dirty="0" err="1">
-                <a:latin typeface="Lucida Console" panose="020B0609040504020204" pitchFamily="49" charset="0"/>
-              </a:rPr>
-              <a:t>EnvironmentName.ENTITY_MANAGER_FACTORY</a:t>
-            </a:r>
-            <a:r>
-              <a:rPr lang="pl-PL" dirty="0">
-                <a:latin typeface="Lucida Console" panose="020B0609040504020204" pitchFamily="49" charset="0"/>
-              </a:rPr>
-              <a:t>, </a:t>
-            </a:r>
-            <a:br>
-              <a:rPr lang="pl-PL" dirty="0">
-                <a:latin typeface="Lucida Console" panose="020B0609040504020204" pitchFamily="49" charset="0"/>
-              </a:rPr>
-            </a:br>
-            <a:r>
-              <a:rPr lang="pl-PL" dirty="0">
-                <a:latin typeface="Lucida Console" panose="020B0609040504020204" pitchFamily="49" charset="0"/>
-              </a:rPr>
-              <a:t>         </a:t>
-            </a:r>
-            <a:r>
-              <a:rPr lang="pl-PL" dirty="0" err="1">
-                <a:latin typeface="Lucida Console" panose="020B0609040504020204" pitchFamily="49" charset="0"/>
-              </a:rPr>
-              <a:t>Persistence.createEntityManagerFactory</a:t>
-            </a:r>
-            <a:r>
-              <a:rPr lang="pl-PL" dirty="0">
-                <a:latin typeface="Lucida Console" panose="020B0609040504020204" pitchFamily="49" charset="0"/>
-              </a:rPr>
-              <a:t>( "</a:t>
-            </a:r>
-            <a:r>
-              <a:rPr lang="pl-PL" dirty="0" err="1">
-                <a:latin typeface="Lucida Console" panose="020B0609040504020204" pitchFamily="49" charset="0"/>
-              </a:rPr>
-              <a:t>emf-name</a:t>
-            </a:r>
-            <a:r>
-              <a:rPr lang="pl-PL" dirty="0">
-                <a:latin typeface="Lucida Console" panose="020B0609040504020204" pitchFamily="49" charset="0"/>
-              </a:rPr>
-              <a:t>" ) ); </a:t>
-            </a:r>
-            <a:br>
-              <a:rPr lang="pl-PL" dirty="0">
-                <a:latin typeface="Lucida Console" panose="020B0609040504020204" pitchFamily="49" charset="0"/>
-              </a:rPr>
-            </a:br>
-            <a:r>
-              <a:rPr lang="pl-PL" dirty="0" err="1">
-                <a:latin typeface="Lucida Console" panose="020B0609040504020204" pitchFamily="49" charset="0"/>
-              </a:rPr>
-              <a:t>env.set</a:t>
-            </a:r>
-            <a:r>
-              <a:rPr lang="pl-PL" dirty="0">
-                <a:latin typeface="Lucida Console" panose="020B0609040504020204" pitchFamily="49" charset="0"/>
-              </a:rPr>
-              <a:t>( </a:t>
-            </a:r>
-            <a:r>
-              <a:rPr lang="pl-PL" dirty="0" err="1">
-                <a:latin typeface="Lucida Console" panose="020B0609040504020204" pitchFamily="49" charset="0"/>
-              </a:rPr>
-              <a:t>EnvironmentName.TRANSACTION_MANAGER</a:t>
-            </a:r>
-            <a:r>
-              <a:rPr lang="pl-PL" dirty="0">
-                <a:latin typeface="Lucida Console" panose="020B0609040504020204" pitchFamily="49" charset="0"/>
-              </a:rPr>
-              <a:t>, </a:t>
-            </a:r>
-            <a:br>
-              <a:rPr lang="pl-PL" dirty="0">
-                <a:latin typeface="Lucida Console" panose="020B0609040504020204" pitchFamily="49" charset="0"/>
-              </a:rPr>
-            </a:br>
-            <a:r>
-              <a:rPr lang="pl-PL" dirty="0">
-                <a:latin typeface="Lucida Console" panose="020B0609040504020204" pitchFamily="49" charset="0"/>
-              </a:rPr>
-              <a:t>         </a:t>
-            </a:r>
-            <a:r>
-              <a:rPr lang="pl-PL" dirty="0" err="1">
-                <a:latin typeface="Lucida Console" panose="020B0609040504020204" pitchFamily="49" charset="0"/>
-              </a:rPr>
-              <a:t>TransactionManagerServices.getTransactionManager</a:t>
-            </a:r>
-            <a:r>
-              <a:rPr lang="pl-PL" dirty="0">
-                <a:latin typeface="Lucida Console" panose="020B0609040504020204" pitchFamily="49" charset="0"/>
-              </a:rPr>
-              <a:t>() ); </a:t>
-            </a:r>
-            <a:br>
-              <a:rPr lang="pl-PL" dirty="0">
-                <a:latin typeface="Lucida Console" panose="020B0609040504020204" pitchFamily="49" charset="0"/>
-              </a:rPr>
-            </a:br>
-            <a:r>
-              <a:rPr lang="pl-PL" dirty="0">
-                <a:latin typeface="Lucida Console" panose="020B0609040504020204" pitchFamily="49" charset="0"/>
-              </a:rPr>
-              <a:t>           </a:t>
-            </a:r>
-            <a:r>
-              <a:rPr lang="pl-PL" dirty="0" smtClean="0">
-                <a:latin typeface="Lucida Console" panose="020B0609040504020204" pitchFamily="49" charset="0"/>
-              </a:rPr>
-              <a:t/>
-            </a:r>
-            <a:br>
-              <a:rPr lang="pl-PL" dirty="0" smtClean="0">
-                <a:latin typeface="Lucida Console" panose="020B0609040504020204" pitchFamily="49" charset="0"/>
-              </a:rPr>
-            </a:br>
-            <a:r>
-              <a:rPr lang="pl-PL" dirty="0">
-                <a:latin typeface="Lucida Console" panose="020B0609040504020204" pitchFamily="49" charset="0"/>
-              </a:rPr>
-              <a:t/>
-            </a:r>
-            <a:br>
-              <a:rPr lang="pl-PL" dirty="0">
-                <a:latin typeface="Lucida Console" panose="020B0609040504020204" pitchFamily="49" charset="0"/>
-              </a:rPr>
-            </a:br>
-            <a:r>
-              <a:rPr lang="pl-PL" dirty="0" err="1">
-                <a:latin typeface="Lucida Console" panose="020B0609040504020204" pitchFamily="49" charset="0"/>
-              </a:rPr>
-              <a:t>StatefulKnowledgeSession</a:t>
-            </a:r>
-            <a:r>
-              <a:rPr lang="pl-PL" dirty="0">
-                <a:latin typeface="Lucida Console" panose="020B0609040504020204" pitchFamily="49" charset="0"/>
-              </a:rPr>
-              <a:t> </a:t>
-            </a:r>
-            <a:r>
-              <a:rPr lang="pl-PL" dirty="0" err="1">
-                <a:latin typeface="Lucida Console" panose="020B0609040504020204" pitchFamily="49" charset="0"/>
-              </a:rPr>
-              <a:t>ksession</a:t>
-            </a:r>
-            <a:r>
-              <a:rPr lang="pl-PL" dirty="0">
-                <a:latin typeface="Lucida Console" panose="020B0609040504020204" pitchFamily="49" charset="0"/>
-              </a:rPr>
-              <a:t> = </a:t>
-            </a:r>
-            <a:br>
-              <a:rPr lang="pl-PL" dirty="0">
-                <a:latin typeface="Lucida Console" panose="020B0609040504020204" pitchFamily="49" charset="0"/>
-              </a:rPr>
-            </a:br>
-            <a:r>
-              <a:rPr lang="pl-PL" dirty="0">
-                <a:latin typeface="Lucida Console" panose="020B0609040504020204" pitchFamily="49" charset="0"/>
-              </a:rPr>
-              <a:t> </a:t>
-            </a:r>
-            <a:r>
-              <a:rPr lang="pl-PL" dirty="0" err="1" smtClean="0">
-                <a:latin typeface="Lucida Console" panose="020B0609040504020204" pitchFamily="49" charset="0"/>
-              </a:rPr>
-              <a:t>JPAKnowledgeService.newStatefulKnowledgeSession</a:t>
-            </a:r>
-            <a:r>
-              <a:rPr lang="pl-PL" dirty="0">
-                <a:latin typeface="Lucida Console" panose="020B0609040504020204" pitchFamily="49" charset="0"/>
-              </a:rPr>
-              <a:t>( </a:t>
-            </a:r>
-            <a:r>
-              <a:rPr lang="pl-PL" dirty="0" err="1">
-                <a:latin typeface="Lucida Console" panose="020B0609040504020204" pitchFamily="49" charset="0"/>
-              </a:rPr>
-              <a:t>kbase</a:t>
-            </a:r>
-            <a:r>
-              <a:rPr lang="pl-PL" dirty="0">
-                <a:latin typeface="Lucida Console" panose="020B0609040504020204" pitchFamily="49" charset="0"/>
-              </a:rPr>
-              <a:t>, </a:t>
-            </a:r>
-            <a:r>
-              <a:rPr lang="pl-PL" dirty="0" err="1">
-                <a:latin typeface="Lucida Console" panose="020B0609040504020204" pitchFamily="49" charset="0"/>
-              </a:rPr>
-              <a:t>null</a:t>
-            </a:r>
-            <a:r>
-              <a:rPr lang="pl-PL" dirty="0">
-                <a:latin typeface="Lucida Console" panose="020B0609040504020204" pitchFamily="49" charset="0"/>
-              </a:rPr>
-              <a:t>, </a:t>
-            </a:r>
-            <a:r>
-              <a:rPr lang="pl-PL" dirty="0" err="1">
-                <a:latin typeface="Lucida Console" panose="020B0609040504020204" pitchFamily="49" charset="0"/>
-              </a:rPr>
-              <a:t>env</a:t>
-            </a:r>
-            <a:r>
-              <a:rPr lang="pl-PL" dirty="0">
-                <a:latin typeface="Lucida Console" panose="020B0609040504020204" pitchFamily="49" charset="0"/>
-              </a:rPr>
-              <a:t> ); </a:t>
-            </a:r>
-            <a:br>
-              <a:rPr lang="pl-PL" dirty="0">
-                <a:latin typeface="Lucida Console" panose="020B0609040504020204" pitchFamily="49" charset="0"/>
-              </a:rPr>
-            </a:br>
-            <a:r>
-              <a:rPr lang="pl-PL" dirty="0" err="1">
-                <a:latin typeface="Lucida Console" panose="020B0609040504020204" pitchFamily="49" charset="0"/>
-              </a:rPr>
-              <a:t>int</a:t>
-            </a:r>
-            <a:r>
-              <a:rPr lang="pl-PL" dirty="0">
-                <a:latin typeface="Lucida Console" panose="020B0609040504020204" pitchFamily="49" charset="0"/>
-              </a:rPr>
-              <a:t> </a:t>
-            </a:r>
-            <a:r>
-              <a:rPr lang="pl-PL" dirty="0" err="1">
-                <a:latin typeface="Lucida Console" panose="020B0609040504020204" pitchFamily="49" charset="0"/>
-              </a:rPr>
-              <a:t>sessionId</a:t>
-            </a:r>
-            <a:r>
-              <a:rPr lang="pl-PL" dirty="0">
-                <a:latin typeface="Lucida Console" panose="020B0609040504020204" pitchFamily="49" charset="0"/>
-              </a:rPr>
-              <a:t> = </a:t>
-            </a:r>
-            <a:r>
-              <a:rPr lang="pl-PL" dirty="0" err="1">
-                <a:latin typeface="Lucida Console" panose="020B0609040504020204" pitchFamily="49" charset="0"/>
-              </a:rPr>
-              <a:t>ksession.getId</a:t>
-            </a:r>
-            <a:r>
-              <a:rPr lang="pl-PL" dirty="0">
-                <a:latin typeface="Lucida Console" panose="020B0609040504020204" pitchFamily="49" charset="0"/>
-              </a:rPr>
-              <a:t>(); </a:t>
-            </a:r>
-            <a:br>
-              <a:rPr lang="pl-PL" dirty="0">
-                <a:latin typeface="Lucida Console" panose="020B0609040504020204" pitchFamily="49" charset="0"/>
-              </a:rPr>
-            </a:br>
-            <a:r>
-              <a:rPr lang="pl-PL" dirty="0">
-                <a:latin typeface="Lucida Console" panose="020B0609040504020204" pitchFamily="49" charset="0"/>
-              </a:rPr>
-              <a:t>  </a:t>
-            </a:r>
-            <a:br>
-              <a:rPr lang="pl-PL" dirty="0">
-                <a:latin typeface="Lucida Console" panose="020B0609040504020204" pitchFamily="49" charset="0"/>
-              </a:rPr>
-            </a:br>
-            <a:r>
-              <a:rPr lang="pl-PL" dirty="0" err="1">
-                <a:latin typeface="Lucida Console" panose="020B0609040504020204" pitchFamily="49" charset="0"/>
-              </a:rPr>
-              <a:t>UserTransaction</a:t>
-            </a:r>
-            <a:r>
-              <a:rPr lang="pl-PL" dirty="0">
-                <a:latin typeface="Lucida Console" panose="020B0609040504020204" pitchFamily="49" charset="0"/>
-              </a:rPr>
-              <a:t> </a:t>
-            </a:r>
-            <a:r>
-              <a:rPr lang="pl-PL" dirty="0" err="1">
-                <a:latin typeface="Lucida Console" panose="020B0609040504020204" pitchFamily="49" charset="0"/>
-              </a:rPr>
-              <a:t>ut</a:t>
-            </a:r>
-            <a:r>
-              <a:rPr lang="pl-PL" dirty="0">
-                <a:latin typeface="Lucida Console" panose="020B0609040504020204" pitchFamily="49" charset="0"/>
-              </a:rPr>
-              <a:t> = </a:t>
-            </a:r>
-            <a:br>
-              <a:rPr lang="pl-PL" dirty="0">
-                <a:latin typeface="Lucida Console" panose="020B0609040504020204" pitchFamily="49" charset="0"/>
-              </a:rPr>
-            </a:br>
-            <a:r>
-              <a:rPr lang="pl-PL" dirty="0">
-                <a:latin typeface="Lucida Console" panose="020B0609040504020204" pitchFamily="49" charset="0"/>
-              </a:rPr>
-              <a:t>  (</a:t>
-            </a:r>
-            <a:r>
-              <a:rPr lang="pl-PL" dirty="0" err="1">
-                <a:latin typeface="Lucida Console" panose="020B0609040504020204" pitchFamily="49" charset="0"/>
-              </a:rPr>
-              <a:t>UserTransaction</a:t>
-            </a:r>
-            <a:r>
-              <a:rPr lang="pl-PL" dirty="0">
-                <a:latin typeface="Lucida Console" panose="020B0609040504020204" pitchFamily="49" charset="0"/>
-              </a:rPr>
-              <a:t>) </a:t>
-            </a:r>
-            <a:r>
-              <a:rPr lang="pl-PL" b="1" dirty="0" err="1">
-                <a:latin typeface="Lucida Console" panose="020B0609040504020204" pitchFamily="49" charset="0"/>
-              </a:rPr>
-              <a:t>new</a:t>
-            </a:r>
-            <a:r>
-              <a:rPr lang="pl-PL" dirty="0">
-                <a:latin typeface="Lucida Console" panose="020B0609040504020204" pitchFamily="49" charset="0"/>
-              </a:rPr>
-              <a:t> </a:t>
-            </a:r>
-            <a:r>
-              <a:rPr lang="pl-PL" dirty="0" err="1">
-                <a:latin typeface="Lucida Console" panose="020B0609040504020204" pitchFamily="49" charset="0"/>
-              </a:rPr>
-              <a:t>InitialContext</a:t>
-            </a:r>
-            <a:r>
-              <a:rPr lang="pl-PL" dirty="0">
-                <a:latin typeface="Lucida Console" panose="020B0609040504020204" pitchFamily="49" charset="0"/>
-              </a:rPr>
-              <a:t>().</a:t>
-            </a:r>
-            <a:r>
-              <a:rPr lang="pl-PL" dirty="0" err="1">
-                <a:latin typeface="Lucida Console" panose="020B0609040504020204" pitchFamily="49" charset="0"/>
-              </a:rPr>
-              <a:t>lookup</a:t>
-            </a:r>
-            <a:r>
-              <a:rPr lang="pl-PL" dirty="0">
-                <a:latin typeface="Lucida Console" panose="020B0609040504020204" pitchFamily="49" charset="0"/>
-              </a:rPr>
-              <a:t>( </a:t>
-            </a:r>
-            <a:endParaRPr lang="pl-PL" dirty="0" smtClean="0">
-              <a:latin typeface="Lucida Console" panose="020B0609040504020204" pitchFamily="49" charset="0"/>
-            </a:endParaRPr>
+              <a:rPr lang="en-GB" sz="1800" dirty="0"/>
+              <a:t>&lt;</a:t>
+            </a:r>
+            <a:r>
+              <a:rPr lang="en-GB" sz="1800" dirty="0" err="1" smtClean="0"/>
+              <a:t>kmodule</a:t>
+            </a:r>
+            <a:endParaRPr lang="pl-PL" sz="1800" dirty="0" smtClean="0"/>
           </a:p>
           <a:p>
             <a:pPr marL="109728" indent="0">
               <a:buNone/>
             </a:pPr>
             <a:r>
-              <a:rPr lang="pl-PL" dirty="0">
-                <a:latin typeface="Lucida Console" panose="020B0609040504020204" pitchFamily="49" charset="0"/>
-              </a:rPr>
+              <a:rPr lang="pl-PL" sz="1800" dirty="0"/>
               <a:t>	</a:t>
             </a:r>
             <a:r>
-              <a:rPr lang="pl-PL" dirty="0" smtClean="0">
-                <a:latin typeface="Lucida Console" panose="020B0609040504020204" pitchFamily="49" charset="0"/>
-              </a:rPr>
-              <a:t>"</a:t>
-            </a:r>
-            <a:r>
-              <a:rPr lang="pl-PL" dirty="0" err="1">
-                <a:latin typeface="Lucida Console" panose="020B0609040504020204" pitchFamily="49" charset="0"/>
-              </a:rPr>
-              <a:t>java:comp</a:t>
-            </a:r>
-            <a:r>
-              <a:rPr lang="pl-PL" dirty="0">
-                <a:latin typeface="Lucida Console" panose="020B0609040504020204" pitchFamily="49" charset="0"/>
-              </a:rPr>
-              <a:t>/</a:t>
-            </a:r>
-            <a:r>
-              <a:rPr lang="pl-PL" dirty="0" err="1">
-                <a:latin typeface="Lucida Console" panose="020B0609040504020204" pitchFamily="49" charset="0"/>
-              </a:rPr>
-              <a:t>UserTransaction</a:t>
-            </a:r>
-            <a:r>
-              <a:rPr lang="pl-PL" dirty="0">
-                <a:latin typeface="Lucida Console" panose="020B0609040504020204" pitchFamily="49" charset="0"/>
-              </a:rPr>
-              <a:t>" ); </a:t>
-            </a:r>
-            <a:br>
-              <a:rPr lang="pl-PL" dirty="0">
-                <a:latin typeface="Lucida Console" panose="020B0609040504020204" pitchFamily="49" charset="0"/>
-              </a:rPr>
-            </a:br>
-            <a:r>
-              <a:rPr lang="pl-PL" dirty="0" err="1">
-                <a:latin typeface="Lucida Console" panose="020B0609040504020204" pitchFamily="49" charset="0"/>
-              </a:rPr>
-              <a:t>ut.begin</a:t>
-            </a:r>
-            <a:r>
-              <a:rPr lang="pl-PL" dirty="0">
-                <a:latin typeface="Lucida Console" panose="020B0609040504020204" pitchFamily="49" charset="0"/>
-              </a:rPr>
-              <a:t>(); </a:t>
-            </a:r>
-            <a:br>
-              <a:rPr lang="pl-PL" dirty="0">
-                <a:latin typeface="Lucida Console" panose="020B0609040504020204" pitchFamily="49" charset="0"/>
-              </a:rPr>
-            </a:br>
-            <a:r>
-              <a:rPr lang="pl-PL" dirty="0" err="1">
-                <a:latin typeface="Lucida Console" panose="020B0609040504020204" pitchFamily="49" charset="0"/>
-              </a:rPr>
-              <a:t>ksession.insert</a:t>
-            </a:r>
-            <a:r>
-              <a:rPr lang="pl-PL" dirty="0">
-                <a:latin typeface="Lucida Console" panose="020B0609040504020204" pitchFamily="49" charset="0"/>
-              </a:rPr>
-              <a:t>( data1 ); </a:t>
-            </a:r>
-            <a:br>
-              <a:rPr lang="pl-PL" dirty="0">
-                <a:latin typeface="Lucida Console" panose="020B0609040504020204" pitchFamily="49" charset="0"/>
-              </a:rPr>
-            </a:br>
-            <a:r>
-              <a:rPr lang="pl-PL" dirty="0" err="1">
-                <a:latin typeface="Lucida Console" panose="020B0609040504020204" pitchFamily="49" charset="0"/>
-              </a:rPr>
-              <a:t>ksession.insert</a:t>
-            </a:r>
-            <a:r>
-              <a:rPr lang="pl-PL" dirty="0">
-                <a:latin typeface="Lucida Console" panose="020B0609040504020204" pitchFamily="49" charset="0"/>
-              </a:rPr>
-              <a:t>( data2 ); </a:t>
-            </a:r>
-            <a:br>
-              <a:rPr lang="pl-PL" dirty="0">
-                <a:latin typeface="Lucida Console" panose="020B0609040504020204" pitchFamily="49" charset="0"/>
-              </a:rPr>
-            </a:br>
-            <a:r>
-              <a:rPr lang="pl-PL" dirty="0" err="1">
-                <a:latin typeface="Lucida Console" panose="020B0609040504020204" pitchFamily="49" charset="0"/>
-              </a:rPr>
-              <a:t>ksession.startProcess</a:t>
-            </a:r>
-            <a:r>
-              <a:rPr lang="pl-PL" dirty="0">
-                <a:latin typeface="Lucida Console" panose="020B0609040504020204" pitchFamily="49" charset="0"/>
-              </a:rPr>
-              <a:t>( "process1" ); </a:t>
-            </a:r>
-            <a:br>
-              <a:rPr lang="pl-PL" dirty="0">
-                <a:latin typeface="Lucida Console" panose="020B0609040504020204" pitchFamily="49" charset="0"/>
-              </a:rPr>
-            </a:br>
-            <a:r>
-              <a:rPr lang="pl-PL" dirty="0" err="1">
-                <a:latin typeface="Lucida Console" panose="020B0609040504020204" pitchFamily="49" charset="0"/>
-              </a:rPr>
-              <a:t>ut.commit</a:t>
-            </a:r>
-            <a:r>
-              <a:rPr lang="pl-PL" dirty="0">
-                <a:latin typeface="Lucida Console" panose="020B0609040504020204" pitchFamily="49" charset="0"/>
-              </a:rPr>
-              <a:t>();</a:t>
+              <a:rPr lang="en-GB" sz="1800" dirty="0" err="1" smtClean="0"/>
+              <a:t>xmlns:xsi</a:t>
+            </a:r>
+            <a:r>
+              <a:rPr lang="en-GB" sz="1800" dirty="0"/>
+              <a:t>="http://www.w3.org/2001/XMLSchema-instance"</a:t>
             </a:r>
           </a:p>
           <a:p>
             <a:pPr marL="109728" indent="0">
               <a:buNone/>
             </a:pPr>
-            <a:endParaRPr lang="pl-PL" dirty="0">
-              <a:latin typeface="Lucida Console" panose="020B0609040504020204" pitchFamily="49" charset="0"/>
-            </a:endParaRPr>
+            <a:r>
+              <a:rPr lang="en-GB" sz="1800" dirty="0"/>
+              <a:t>	</a:t>
+            </a:r>
+            <a:r>
+              <a:rPr lang="en-GB" sz="1800" dirty="0" err="1"/>
+              <a:t>xmlns</a:t>
+            </a:r>
+            <a:r>
+              <a:rPr lang="en-GB" sz="1800" dirty="0"/>
+              <a:t>="http://jboss.org/</a:t>
+            </a:r>
+            <a:r>
+              <a:rPr lang="en-GB" sz="1800" dirty="0" err="1"/>
+              <a:t>kie</a:t>
+            </a:r>
+            <a:r>
+              <a:rPr lang="en-GB" sz="1800" dirty="0"/>
+              <a:t>/6.0.0/</a:t>
+            </a:r>
+            <a:r>
+              <a:rPr lang="en-GB" sz="1800" dirty="0" err="1"/>
+              <a:t>kmodule</a:t>
+            </a:r>
+            <a:r>
+              <a:rPr lang="en-GB" sz="1800" dirty="0"/>
+              <a:t>" /&gt;</a:t>
+            </a:r>
           </a:p>
         </p:txBody>
       </p:sp>
@@ -7747,14 +7404,12 @@
         </p:nvSpPr>
         <p:spPr/>
         <p:txBody>
-          <a:bodyPr>
-            <a:normAutofit fontScale="90000"/>
-          </a:bodyPr>
+          <a:bodyPr/>
           <a:lstStyle/>
           <a:p>
             <a:r>
               <a:rPr lang="pl-PL" dirty="0" err="1" smtClean="0"/>
-              <a:t>Persistence</a:t>
+              <a:t>Simplest</a:t>
             </a:r>
             <a:r>
               <a:rPr lang="pl-PL" dirty="0" smtClean="0"/>
@@ -7762,24 +7417,20 @@
             </a:r>
             <a:r>
               <a:rPr lang="pl-PL" dirty="0" err="1" smtClean="0"/>
-              <a:t>framework</a:t>
-            </a:r>
-            <a:r>
-              <a:rPr lang="pl-PL" dirty="0" smtClean="0"/>
-              <a:t> </a:t>
-            </a:r>
-            <a:r>
-              <a:rPr lang="pl-PL" dirty="0" err="1" smtClean="0"/>
-              <a:t>integration</a:t>
-            </a:r>
-            <a:endParaRPr lang="pl-PL" dirty="0"/>
+              <a:t>possible</a:t>
+            </a:r>
+            <a:r>
+              <a:rPr lang="pl-PL" dirty="0" smtClean="0"/>
+              <a:t> kmodule.xml</a:t>
+            </a:r>
+            <a:endParaRPr lang="en-GB" dirty="0"/>
           </a:p>
         </p:txBody>
       </p:sp>
     </p:spTree>
     <p:extLst>
       <p:ext uri="{BB962C8B-B14F-4D97-AF65-F5344CB8AC3E}">
-        <p14:creationId xmlns:p14="http://schemas.microsoft.com/office/powerpoint/2010/main" val="1896570916"/>
+        <p14:creationId xmlns:p14="http://schemas.microsoft.com/office/powerpoint/2010/main" val="46447795"/>
       </p:ext>
     </p:extLst>
   </p:cSld>
@@ -7825,143 +7476,172 @@
         </p:nvSpPr>
         <p:spPr/>
         <p:txBody>
+          <a:bodyPr>
+            <a:normAutofit/>
+          </a:bodyPr>
+          <a:lstStyle/>
+          <a:p>
+            <a:pPr marL="109728" indent="0">
+              <a:buNone/>
+            </a:pPr>
+            <a:r>
+              <a:rPr lang="en-GB" sz="2000" dirty="0" err="1">
+                <a:latin typeface="Lucida Console" panose="020B0609040504020204" pitchFamily="49" charset="0"/>
+              </a:rPr>
+              <a:t>KieServices</a:t>
+            </a:r>
+            <a:r>
+              <a:rPr lang="en-GB" sz="2000" dirty="0">
+                <a:latin typeface="Lucida Console" panose="020B0609040504020204" pitchFamily="49" charset="0"/>
+              </a:rPr>
+              <a:t> </a:t>
+            </a:r>
+            <a:r>
+              <a:rPr lang="en-GB" sz="2000" dirty="0" err="1">
+                <a:latin typeface="Lucida Console" panose="020B0609040504020204" pitchFamily="49" charset="0"/>
+              </a:rPr>
+              <a:t>kieServices</a:t>
+            </a:r>
+            <a:r>
+              <a:rPr lang="en-GB" sz="2000" dirty="0">
+                <a:latin typeface="Lucida Console" panose="020B0609040504020204" pitchFamily="49" charset="0"/>
+              </a:rPr>
+              <a:t> = </a:t>
+            </a:r>
+            <a:r>
+              <a:rPr lang="en-GB" sz="2000" dirty="0" err="1">
+                <a:latin typeface="Lucida Console" panose="020B0609040504020204" pitchFamily="49" charset="0"/>
+              </a:rPr>
+              <a:t>KieServices.Factory.get</a:t>
+            </a:r>
+            <a:r>
+              <a:rPr lang="en-GB" sz="2000" dirty="0">
+                <a:latin typeface="Lucida Console" panose="020B0609040504020204" pitchFamily="49" charset="0"/>
+              </a:rPr>
+              <a:t>();</a:t>
+            </a:r>
+          </a:p>
+          <a:p>
+            <a:pPr marL="109728" indent="0">
+              <a:buNone/>
+            </a:pPr>
+            <a:r>
+              <a:rPr lang="en-GB" sz="2000" dirty="0" err="1" smtClean="0">
+                <a:latin typeface="Lucida Console" panose="020B0609040504020204" pitchFamily="49" charset="0"/>
+              </a:rPr>
+              <a:t>KieContainer</a:t>
+            </a:r>
+            <a:r>
+              <a:rPr lang="en-GB" sz="2000" dirty="0" smtClean="0">
+                <a:latin typeface="Lucida Console" panose="020B0609040504020204" pitchFamily="49" charset="0"/>
+              </a:rPr>
+              <a:t> </a:t>
+            </a:r>
+            <a:r>
+              <a:rPr lang="en-GB" sz="2000" dirty="0" err="1">
+                <a:latin typeface="Lucida Console" panose="020B0609040504020204" pitchFamily="49" charset="0"/>
+              </a:rPr>
+              <a:t>kieContainer</a:t>
+            </a:r>
+            <a:r>
+              <a:rPr lang="en-GB" sz="2000" dirty="0">
+                <a:latin typeface="Lucida Console" panose="020B0609040504020204" pitchFamily="49" charset="0"/>
+              </a:rPr>
+              <a:t> = </a:t>
+            </a:r>
+            <a:r>
+              <a:rPr lang="pl-PL" sz="2000" dirty="0" smtClean="0">
+                <a:latin typeface="Lucida Console" panose="020B0609040504020204" pitchFamily="49" charset="0"/>
+              </a:rPr>
+              <a:t>	</a:t>
+            </a:r>
+            <a:r>
+              <a:rPr lang="en-GB" sz="2000" dirty="0" err="1" smtClean="0">
+                <a:latin typeface="Lucida Console" panose="020B0609040504020204" pitchFamily="49" charset="0"/>
+              </a:rPr>
+              <a:t>kieServices.getKieClasspathContainer</a:t>
+            </a:r>
+            <a:r>
+              <a:rPr lang="en-GB" sz="2000" dirty="0">
+                <a:latin typeface="Lucida Console" panose="020B0609040504020204" pitchFamily="49" charset="0"/>
+              </a:rPr>
+              <a:t>();</a:t>
+            </a:r>
+          </a:p>
+          <a:p>
+            <a:pPr marL="109728" indent="0">
+              <a:buNone/>
+            </a:pPr>
+            <a:r>
+              <a:rPr lang="en-GB" sz="2000" dirty="0" err="1" smtClean="0">
+                <a:latin typeface="Lucida Console" panose="020B0609040504020204" pitchFamily="49" charset="0"/>
+              </a:rPr>
+              <a:t>KieBase</a:t>
+            </a:r>
+            <a:r>
+              <a:rPr lang="pl-PL" sz="2000" dirty="0" smtClean="0">
+                <a:latin typeface="Lucida Console" panose="020B0609040504020204" pitchFamily="49" charset="0"/>
+              </a:rPr>
+              <a:t> </a:t>
+            </a:r>
+            <a:r>
+              <a:rPr lang="en-GB" sz="2000" dirty="0" err="1" smtClean="0">
+                <a:latin typeface="Lucida Console" panose="020B0609040504020204" pitchFamily="49" charset="0"/>
+              </a:rPr>
+              <a:t>kieBase</a:t>
+            </a:r>
+            <a:r>
+              <a:rPr lang="en-GB" sz="2000" dirty="0" smtClean="0">
+                <a:latin typeface="Lucida Console" panose="020B0609040504020204" pitchFamily="49" charset="0"/>
+              </a:rPr>
+              <a:t> </a:t>
+            </a:r>
+            <a:r>
+              <a:rPr lang="en-GB" sz="2000" dirty="0">
+                <a:latin typeface="Lucida Console" panose="020B0609040504020204" pitchFamily="49" charset="0"/>
+              </a:rPr>
+              <a:t>= </a:t>
+            </a:r>
+            <a:r>
+              <a:rPr lang="en-GB" sz="2000" dirty="0" err="1">
+                <a:latin typeface="Lucida Console" panose="020B0609040504020204" pitchFamily="49" charset="0"/>
+              </a:rPr>
+              <a:t>kieContainer.getKieBase</a:t>
+            </a:r>
+            <a:r>
+              <a:rPr lang="en-GB" sz="2000" dirty="0">
+                <a:latin typeface="Lucida Console" panose="020B0609040504020204" pitchFamily="49" charset="0"/>
+              </a:rPr>
+              <a:t>();</a:t>
+            </a:r>
+            <a:endParaRPr lang="pl-PL" sz="2000" dirty="0">
+              <a:latin typeface="Lucida Console" panose="020B0609040504020204" pitchFamily="49" charset="0"/>
+            </a:endParaRPr>
+          </a:p>
+        </p:txBody>
+      </p:sp>
+      <p:sp>
+        <p:nvSpPr>
+          <p:cNvPr id="3" name="Tytuł 2"/>
+          <p:cNvSpPr>
+            <a:spLocks noGrp="1"/>
+          </p:cNvSpPr>
+          <p:nvPr>
+            <p:ph type="title"/>
+          </p:nvPr>
+        </p:nvSpPr>
+        <p:spPr/>
+        <p:txBody>
           <a:bodyPr/>
           <a:lstStyle/>
           <a:p>
             <a:r>
-              <a:rPr lang="pl-PL" dirty="0" err="1" smtClean="0"/>
-              <a:t>Declarative</a:t>
-            </a:r>
-            <a:r>
-              <a:rPr lang="pl-PL" dirty="0" smtClean="0"/>
-              <a:t> </a:t>
-            </a:r>
-            <a:r>
-              <a:rPr lang="pl-PL" dirty="0" err="1" smtClean="0"/>
-              <a:t>programming</a:t>
-            </a:r>
-            <a:endParaRPr lang="pl-PL" dirty="0" smtClean="0"/>
-          </a:p>
-          <a:p>
-            <a:r>
-              <a:rPr lang="pl-PL" dirty="0" err="1" smtClean="0"/>
-              <a:t>Logic</a:t>
-            </a:r>
-            <a:r>
-              <a:rPr lang="pl-PL" dirty="0" smtClean="0"/>
-              <a:t> and data </a:t>
-            </a:r>
-            <a:r>
-              <a:rPr lang="pl-PL" dirty="0" err="1" smtClean="0"/>
-              <a:t>separation</a:t>
-            </a:r>
-            <a:endParaRPr lang="pl-PL" dirty="0" smtClean="0"/>
-          </a:p>
-          <a:p>
-            <a:r>
-              <a:rPr lang="pl-PL" dirty="0" err="1" smtClean="0"/>
-              <a:t>Speed</a:t>
-            </a:r>
-            <a:r>
-              <a:rPr lang="pl-PL" dirty="0" smtClean="0"/>
-              <a:t> and </a:t>
-            </a:r>
-            <a:r>
-              <a:rPr lang="pl-PL" dirty="0" err="1" smtClean="0"/>
-              <a:t>Scalability</a:t>
-            </a:r>
-            <a:endParaRPr lang="pl-PL" dirty="0" smtClean="0"/>
-          </a:p>
-          <a:p>
-            <a:r>
-              <a:rPr lang="pl-PL" dirty="0" err="1" smtClean="0"/>
-              <a:t>Centralization</a:t>
-            </a:r>
-            <a:r>
-              <a:rPr lang="pl-PL" dirty="0" smtClean="0"/>
-              <a:t> of Knowledge</a:t>
-            </a:r>
-          </a:p>
-          <a:p>
-            <a:r>
-              <a:rPr lang="pl-PL" dirty="0" err="1" smtClean="0"/>
-              <a:t>Tool</a:t>
-            </a:r>
-            <a:r>
-              <a:rPr lang="pl-PL" dirty="0"/>
-              <a:t> </a:t>
-            </a:r>
-            <a:r>
-              <a:rPr lang="pl-PL" dirty="0" smtClean="0"/>
-              <a:t>Integration</a:t>
-            </a:r>
-          </a:p>
-          <a:p>
-            <a:r>
-              <a:rPr lang="pl-PL" dirty="0" err="1" smtClean="0"/>
-              <a:t>Explanation</a:t>
-            </a:r>
-            <a:r>
-              <a:rPr lang="pl-PL" dirty="0" smtClean="0"/>
-              <a:t> </a:t>
-            </a:r>
-            <a:r>
-              <a:rPr lang="pl-PL" dirty="0" err="1" smtClean="0"/>
-              <a:t>facility</a:t>
-            </a:r>
-            <a:endParaRPr lang="pl-PL" dirty="0" smtClean="0"/>
-          </a:p>
-          <a:p>
-            <a:r>
-              <a:rPr lang="pl-PL" dirty="0" err="1" smtClean="0"/>
-              <a:t>Understandable</a:t>
-            </a:r>
-            <a:r>
-              <a:rPr lang="pl-PL" dirty="0" smtClean="0"/>
-              <a:t> </a:t>
-            </a:r>
-            <a:r>
-              <a:rPr lang="pl-PL" dirty="0" err="1" smtClean="0"/>
-              <a:t>rules</a:t>
-            </a:r>
-            <a:endParaRPr lang="pl-PL" dirty="0"/>
-          </a:p>
-        </p:txBody>
-      </p:sp>
-      <p:sp>
-        <p:nvSpPr>
-          <p:cNvPr id="3" name="Tytuł 2"/>
-          <p:cNvSpPr>
-            <a:spLocks noGrp="1"/>
-          </p:cNvSpPr>
-          <p:nvPr>
-            <p:ph type="title"/>
-          </p:nvPr>
-        </p:nvSpPr>
-        <p:spPr/>
-        <p:txBody>
-          <a:bodyPr/>
-          <a:lstStyle/>
-          <a:p>
-            <a:r>
-              <a:rPr lang="pl-PL" dirty="0" err="1" smtClean="0"/>
-              <a:t>Adventages</a:t>
-            </a:r>
-            <a:r>
-              <a:rPr lang="pl-PL" dirty="0" smtClean="0"/>
-              <a:t> of </a:t>
-            </a:r>
-            <a:r>
-              <a:rPr lang="pl-PL" dirty="0" err="1" smtClean="0"/>
-              <a:t>rule</a:t>
-            </a:r>
-            <a:r>
-              <a:rPr lang="pl-PL" dirty="0" smtClean="0"/>
-              <a:t> </a:t>
-            </a:r>
-            <a:r>
-              <a:rPr lang="pl-PL" dirty="0" err="1" smtClean="0"/>
-              <a:t>engine</a:t>
+              <a:rPr lang="pl-PL" dirty="0" smtClean="0"/>
+              <a:t>KIE </a:t>
+            </a:r>
+            <a:r>
+              <a:rPr lang="pl-PL" dirty="0" err="1" smtClean="0"/>
+              <a:t>base</a:t>
             </a:r>
             <a:endParaRPr lang="pl-PL" dirty="0"/>
           </a:p>
@@ -7970,7 +7650,7 @@
     </p:spTree>
     <p:extLst>
       <p:ext uri="{BB962C8B-B14F-4D97-AF65-F5344CB8AC3E}">
-        <p14:creationId xmlns:p14="http://schemas.microsoft.com/office/powerpoint/2010/main" val="3095177641"/>
+        <p14:creationId xmlns:p14="http://schemas.microsoft.com/office/powerpoint/2010/main" val="3682385720"/>
       </p:ext>
     </p:extLst>
   </p:cSld>
@@ -8006,7 +7686,92 @@
       </p:grpSpPr>
       <p:sp>
         <p:nvSpPr>
-          <p:cNvPr id="2" name="Tytuł 1"/>
+          <p:cNvPr id="2" name="Symbol zastępczy zawartości 1"/>
+          <p:cNvSpPr>
+            <a:spLocks noGrp="1"/>
+          </p:cNvSpPr>
+          <p:nvPr>
+            <p:ph idx="1"/>
+          </p:nvPr>
+        </p:nvSpPr>
+        <p:spPr/>
+        <p:txBody>
+          <a:bodyPr>
+            <a:normAutofit/>
+          </a:bodyPr>
+          <a:lstStyle/>
+          <a:p>
+            <a:pPr marL="109728" indent="0">
+              <a:buNone/>
+            </a:pPr>
+            <a:r>
+              <a:rPr lang="pl-PL" sz="2400" dirty="0" err="1"/>
+              <a:t>KieSession</a:t>
+            </a:r>
+            <a:r>
+              <a:rPr lang="pl-PL" sz="2400" dirty="0"/>
+              <a:t> </a:t>
+            </a:r>
+            <a:r>
+              <a:rPr lang="pl-PL" sz="2400" dirty="0" err="1"/>
+              <a:t>session</a:t>
+            </a:r>
+            <a:r>
+              <a:rPr lang="pl-PL" sz="2400" dirty="0"/>
+              <a:t> = </a:t>
+            </a:r>
+            <a:r>
+              <a:rPr lang="pl-PL" sz="2400" dirty="0" err="1"/>
+              <a:t>kieBase.newKieSession</a:t>
+            </a:r>
+            <a:r>
+              <a:rPr lang="pl-PL" sz="2400" dirty="0"/>
+              <a:t>();</a:t>
+            </a:r>
+          </a:p>
+          <a:p>
+            <a:pPr marL="109728" indent="0">
+              <a:buNone/>
+            </a:pPr>
+            <a:r>
+              <a:rPr lang="pl-PL" sz="2400" dirty="0" err="1" smtClean="0"/>
+              <a:t>session.insert</a:t>
+            </a:r>
+            <a:r>
+              <a:rPr lang="pl-PL" sz="2400" dirty="0" smtClean="0"/>
+              <a:t>(</a:t>
+            </a:r>
+            <a:r>
+              <a:rPr lang="pl-PL" sz="2400" dirty="0" err="1" smtClean="0"/>
+              <a:t>new</a:t>
+            </a:r>
+            <a:r>
+              <a:rPr lang="pl-PL" sz="2400" dirty="0" smtClean="0"/>
+              <a:t> </a:t>
+            </a:r>
+            <a:r>
+              <a:rPr lang="pl-PL" sz="2400" dirty="0" err="1"/>
+              <a:t>ChestPain</a:t>
+            </a:r>
+            <a:r>
+              <a:rPr lang="pl-PL" sz="2400" dirty="0"/>
+              <a:t>(</a:t>
+            </a:r>
+            <a:r>
+              <a:rPr lang="pl-PL" sz="2400" dirty="0" err="1"/>
+              <a:t>true</a:t>
+            </a:r>
+            <a:r>
+              <a:rPr lang="pl-PL" sz="2400" dirty="0"/>
+              <a:t>));</a:t>
+            </a:r>
+            <a:endParaRPr lang="pl-PL" sz="2400" dirty="0"/>
+          </a:p>
+        </p:txBody>
+      </p:sp>
+      <p:sp>
+        <p:nvSpPr>
+          <p:cNvPr id="3" name="Tytuł 2"/>
           <p:cNvSpPr>
             <a:spLocks noGrp="1"/>
           </p:cNvSpPr>
@@ -8020,94 +7785,8 @@
           <a:lstStyle/>
           <a:p>
             <a:r>
-              <a:rPr lang="pl-PL" dirty="0" err="1"/>
-              <a:t>When</a:t>
-            </a:r>
-            <a:r>
-              <a:rPr lang="pl-PL" dirty="0"/>
-              <a:t> to </a:t>
-            </a:r>
-            <a:r>
-              <a:rPr lang="pl-PL" dirty="0" err="1"/>
-              <a:t>use</a:t>
-            </a:r>
-            <a:r>
-              <a:rPr lang="pl-PL" dirty="0"/>
-              <a:t>, </a:t>
-            </a:r>
-            <a:r>
-              <a:rPr lang="pl-PL" dirty="0" err="1"/>
-              <a:t>when</a:t>
-            </a:r>
-            <a:r>
-              <a:rPr lang="pl-PL" dirty="0"/>
-              <a:t> not to</a:t>
-            </a:r>
-          </a:p>
-        </p:txBody>
-      </p:sp>
-      <p:sp>
-        <p:nvSpPr>
-          <p:cNvPr id="3" name="Symbol zastępczy tekstu 2"/>
-          <p:cNvSpPr>
-            <a:spLocks noGrp="1"/>
-          </p:cNvSpPr>
-          <p:nvPr>
-            <p:ph type="body" idx="1"/>
-          </p:nvPr>
-        </p:nvSpPr>
-        <p:spPr/>
-        <p:txBody>
-          <a:bodyPr/>
-          <a:lstStyle/>
-          <a:p>
-            <a:endParaRPr lang="pl-PL"/>
-          </a:p>
-        </p:txBody>
-      </p:sp>
-      <p:sp>
-        <p:nvSpPr>
-          <p:cNvPr id="4" name="Symbol zastępczy tekstu 3"/>
-          <p:cNvSpPr>
-            <a:spLocks noGrp="1"/>
-          </p:cNvSpPr>
-          <p:nvPr>
-            <p:ph type="body" sz="half" idx="3"/>
-          </p:nvPr>
-        </p:nvSpPr>
-        <p:spPr/>
-        <p:txBody>
-          <a:bodyPr/>
-          <a:lstStyle/>
-          <a:p>
-            <a:endParaRPr lang="pl-PL"/>
-          </a:p>
-        </p:txBody>
-      </p:sp>
-      <p:sp>
-        <p:nvSpPr>
-          <p:cNvPr id="5" name="Symbol zastępczy zawartości 4"/>
-          <p:cNvSpPr>
-            <a:spLocks noGrp="1"/>
-          </p:cNvSpPr>
-          <p:nvPr>
-            <p:ph sz="quarter" idx="2"/>
-          </p:nvPr>
-        </p:nvSpPr>
-        <p:spPr/>
-        <p:txBody>
-          <a:bodyPr>
-            <a:normAutofit lnSpcReduction="10000"/>
-          </a:bodyPr>
-          <a:lstStyle/>
-          <a:p>
-            <a:r>
-              <a:rPr lang="pl-PL" dirty="0" smtClean="0"/>
-              <a:t>The problem </a:t>
-            </a:r>
-            <a:r>
-              <a:rPr lang="pl-PL" dirty="0" err="1" smtClean="0"/>
-              <a:t>is</a:t>
+              <a:rPr lang="pl-PL" dirty="0" err="1" smtClean="0"/>
+              <a:t>Stateful</a:t>
             </a:r>
             <a:r>
               <a:rPr lang="pl-PL" dirty="0" smtClean="0"/>
@@ -8115,181 +7794,7 @@
             </a:r>
             <a:r>
               <a:rPr lang="pl-PL" dirty="0" err="1" smtClean="0"/>
-              <a:t>too</a:t>
-            </a:r>
-            <a:r>
-              <a:rPr lang="pl-PL" dirty="0" smtClean="0"/>
-              <a:t> </a:t>
-            </a:r>
-            <a:r>
-              <a:rPr lang="pl-PL" dirty="0" err="1" smtClean="0"/>
-              <a:t>fiddly</a:t>
-            </a:r>
-            <a:r>
-              <a:rPr lang="pl-PL" dirty="0" smtClean="0"/>
-              <a:t> for </a:t>
-            </a:r>
-            <a:r>
-              <a:rPr lang="pl-PL" dirty="0" err="1" smtClean="0"/>
-              <a:t>traditional</a:t>
-            </a:r>
-            <a:r>
-              <a:rPr lang="pl-PL" dirty="0" smtClean="0"/>
-              <a:t> </a:t>
-            </a:r>
-            <a:r>
-              <a:rPr lang="pl-PL" dirty="0" err="1" smtClean="0"/>
-              <a:t>code</a:t>
-            </a:r>
-            <a:endParaRPr lang="pl-PL" dirty="0" smtClean="0"/>
-          </a:p>
-          <a:p>
-            <a:r>
-              <a:rPr lang="pl-PL" dirty="0" smtClean="0"/>
-              <a:t>The problem </a:t>
-            </a:r>
-            <a:r>
-              <a:rPr lang="pl-PL" dirty="0" err="1" smtClean="0"/>
-              <a:t>is</a:t>
-            </a:r>
-            <a:r>
-              <a:rPr lang="pl-PL" dirty="0" smtClean="0"/>
-              <a:t> </a:t>
-            </a:r>
-            <a:r>
-              <a:rPr lang="pl-PL" dirty="0" err="1" smtClean="0"/>
-              <a:t>beyond</a:t>
-            </a:r>
-            <a:r>
-              <a:rPr lang="pl-PL" dirty="0" smtClean="0"/>
-              <a:t> </a:t>
-            </a:r>
-            <a:r>
-              <a:rPr lang="pl-PL" dirty="0" err="1" smtClean="0"/>
-              <a:t>any</a:t>
-            </a:r>
-            <a:r>
-              <a:rPr lang="pl-PL" dirty="0" smtClean="0"/>
-              <a:t> </a:t>
-            </a:r>
-            <a:r>
-              <a:rPr lang="pl-PL" dirty="0" err="1" smtClean="0"/>
-              <a:t>obvious</a:t>
-            </a:r>
-            <a:r>
-              <a:rPr lang="pl-PL" dirty="0" smtClean="0"/>
-              <a:t> </a:t>
-            </a:r>
-            <a:r>
-              <a:rPr lang="pl-PL" dirty="0" err="1" smtClean="0"/>
-              <a:t>algorithmic</a:t>
-            </a:r>
-            <a:r>
-              <a:rPr lang="pl-PL" dirty="0" smtClean="0"/>
-              <a:t> </a:t>
-            </a:r>
-            <a:r>
-              <a:rPr lang="pl-PL" dirty="0" err="1" smtClean="0"/>
-              <a:t>solution</a:t>
-            </a:r>
-            <a:endParaRPr lang="pl-PL" dirty="0" smtClean="0"/>
-          </a:p>
-          <a:p>
-            <a:r>
-              <a:rPr lang="pl-PL" dirty="0" smtClean="0"/>
-              <a:t>The </a:t>
-            </a:r>
-            <a:r>
-              <a:rPr lang="pl-PL" dirty="0" err="1" smtClean="0"/>
-              <a:t>logic</a:t>
-            </a:r>
-            <a:r>
-              <a:rPr lang="pl-PL" dirty="0" smtClean="0"/>
-              <a:t> </a:t>
-            </a:r>
-            <a:r>
-              <a:rPr lang="pl-PL" dirty="0" err="1" smtClean="0"/>
-              <a:t>changes</a:t>
-            </a:r>
-            <a:r>
-              <a:rPr lang="pl-PL" dirty="0" smtClean="0"/>
-              <a:t> </a:t>
-            </a:r>
-            <a:r>
-              <a:rPr lang="pl-PL" dirty="0" err="1" smtClean="0"/>
-              <a:t>often</a:t>
-            </a:r>
-            <a:endParaRPr lang="pl-PL" dirty="0" smtClean="0"/>
-          </a:p>
-          <a:p>
-            <a:r>
-              <a:rPr lang="pl-PL" dirty="0" err="1" smtClean="0"/>
-              <a:t>Domain</a:t>
-            </a:r>
-            <a:r>
-              <a:rPr lang="pl-PL" dirty="0" smtClean="0"/>
-              <a:t> </a:t>
-            </a:r>
-            <a:r>
-              <a:rPr lang="pl-PL" dirty="0" err="1" smtClean="0"/>
-              <a:t>experts</a:t>
-            </a:r>
-            <a:r>
-              <a:rPr lang="pl-PL" dirty="0" smtClean="0"/>
-              <a:t> </a:t>
-            </a:r>
-            <a:r>
-              <a:rPr lang="pl-PL" dirty="0" err="1" smtClean="0"/>
-              <a:t>are</a:t>
-            </a:r>
-            <a:r>
-              <a:rPr lang="pl-PL" dirty="0" smtClean="0"/>
-              <a:t> </a:t>
-            </a:r>
-            <a:r>
-              <a:rPr lang="pl-PL" dirty="0" err="1" smtClean="0"/>
-              <a:t>readily</a:t>
-            </a:r>
-            <a:r>
-              <a:rPr lang="pl-PL" dirty="0" smtClean="0"/>
-              <a:t> </a:t>
-            </a:r>
-            <a:r>
-              <a:rPr lang="pl-PL" dirty="0" err="1" smtClean="0"/>
-              <a:t>available</a:t>
-            </a:r>
-            <a:r>
-              <a:rPr lang="pl-PL" dirty="0" smtClean="0"/>
-              <a:t> and </a:t>
-            </a:r>
-            <a:r>
-              <a:rPr lang="pl-PL" dirty="0" err="1" smtClean="0"/>
-              <a:t>nontechnical</a:t>
-            </a:r>
-            <a:endParaRPr lang="pl-PL" dirty="0"/>
-          </a:p>
-        </p:txBody>
-      </p:sp>
-      <p:sp>
-        <p:nvSpPr>
-          <p:cNvPr id="6" name="Symbol zastępczy zawartości 5"/>
-          <p:cNvSpPr>
-            <a:spLocks noGrp="1"/>
-          </p:cNvSpPr>
-          <p:nvPr>
-            <p:ph sz="quarter" idx="4"/>
-          </p:nvPr>
-        </p:nvSpPr>
-        <p:spPr/>
-        <p:txBody>
-          <a:bodyPr>
-            <a:normAutofit fontScale="92500" lnSpcReduction="20000"/>
-          </a:bodyPr>
-          <a:lstStyle/>
-          <a:p>
-            <a:r>
-              <a:rPr lang="en-US" dirty="0"/>
-              <a:t>Rules engines are not really intended to handle workflow or process executions nor are workflow engines or process management tools designed to do rules. Use the right tool for the job. Sure, a pair of pliers can be used as a hammering tool in a pinch, but that's not what it's designed for.</a:t>
+              <a:t>session</a:t>
             </a:r>
             <a:endParaRPr lang="pl-PL" dirty="0"/>
           </a:p>
@@ -8298,7 +7803,7 @@
     </p:spTree>
     <p:extLst>
       <p:ext uri="{BB962C8B-B14F-4D97-AF65-F5344CB8AC3E}">
-        <p14:creationId xmlns:p14="http://schemas.microsoft.com/office/powerpoint/2010/main" val="3001520462"/>
+        <p14:creationId xmlns:p14="http://schemas.microsoft.com/office/powerpoint/2010/main" val="2224023897"/>
       </p:ext>
     </p:extLst>
   </p:cSld>
@@ -8344,126 +7849,124 @@
         </p:nvSpPr>
         <p:spPr/>
         <p:txBody>
+          <a:bodyPr>
+            <a:normAutofit fontScale="85000" lnSpcReduction="10000"/>
+          </a:bodyPr>
+          <a:lstStyle/>
+          <a:p>
+            <a:r>
+              <a:rPr lang="pl-PL" dirty="0" err="1" smtClean="0"/>
+              <a:t>Artificial</a:t>
+            </a:r>
+            <a:r>
+              <a:rPr lang="pl-PL" dirty="0" smtClean="0"/>
+              <a:t> </a:t>
+            </a:r>
+            <a:r>
+              <a:rPr lang="pl-PL" dirty="0" err="1" smtClean="0"/>
+              <a:t>Intelligence</a:t>
+            </a:r>
+            <a:endParaRPr lang="pl-PL" dirty="0" smtClean="0"/>
+          </a:p>
+          <a:p>
+            <a:r>
+              <a:rPr lang="pl-PL" dirty="0" smtClean="0"/>
+              <a:t>Knowledge </a:t>
+            </a:r>
+            <a:r>
+              <a:rPr lang="pl-PL" dirty="0" err="1" smtClean="0"/>
+              <a:t>Representation</a:t>
+            </a:r>
+            <a:r>
+              <a:rPr lang="pl-PL" dirty="0" smtClean="0"/>
+              <a:t> and </a:t>
+            </a:r>
+            <a:r>
+              <a:rPr lang="pl-PL" dirty="0" err="1" smtClean="0"/>
+              <a:t>Reasoning</a:t>
+            </a:r>
+            <a:endParaRPr lang="pl-PL" dirty="0" smtClean="0"/>
+          </a:p>
+          <a:p>
+            <a:r>
+              <a:rPr lang="pl-PL" dirty="0" smtClean="0"/>
+              <a:t>Prolog</a:t>
+            </a:r>
+          </a:p>
+          <a:p>
+            <a:endParaRPr lang="pl-PL" dirty="0"/>
+          </a:p>
+          <a:p>
+            <a:pPr marL="109728" indent="0">
+              <a:buNone/>
+            </a:pPr>
+            <a:r>
+              <a:rPr lang="en-GB" i="1" dirty="0"/>
+              <a:t>Recent years have seen a revolution in both the content and the methodology of work in artificial intelligence. It is now more common to build on existing theories than to propose brand-new ones, to base claims on rigorous theorems or hard experimental evidence rather than on intuition, and to show relevance to real-world applications rather than toy examples.	 </a:t>
+            </a:r>
+          </a:p>
+          <a:p>
+            <a:pPr marL="109728" indent="0">
+              <a:buNone/>
+            </a:pPr>
+            <a:r>
+              <a:rPr lang="en-GB" i="1" dirty="0"/>
+              <a:t> 	--Artificial Intelligence: A Modern </a:t>
+            </a:r>
+            <a:r>
+              <a:rPr lang="en-GB" i="1" dirty="0" smtClean="0"/>
+              <a:t>Approach</a:t>
+            </a:r>
+            <a:r>
+              <a:rPr lang="pl-PL" i="1" dirty="0"/>
+              <a:t>, </a:t>
+            </a:r>
+            <a:r>
+              <a:rPr lang="pl-PL" i="1" dirty="0" smtClean="0"/>
+              <a:t>		Russel </a:t>
+            </a:r>
+            <a:r>
+              <a:rPr lang="pl-PL" i="1" dirty="0"/>
+              <a:t>and </a:t>
+            </a:r>
+            <a:r>
+              <a:rPr lang="pl-PL" i="1" dirty="0" err="1"/>
+              <a:t>Norvig</a:t>
+            </a:r>
+            <a:endParaRPr lang="en-GB" i="1" dirty="0"/>
+          </a:p>
+          <a:p>
+            <a:endParaRPr lang="pl-PL" dirty="0" smtClean="0"/>
+          </a:p>
+        </p:txBody>
+      </p:sp>
+      <p:sp>
+        <p:nvSpPr>
+          <p:cNvPr id="3" name="Tytuł 2"/>
+          <p:cNvSpPr>
+            <a:spLocks noGrp="1"/>
+          </p:cNvSpPr>
+          <p:nvPr>
+            <p:ph type="title"/>
+          </p:nvPr>
+        </p:nvSpPr>
+        <p:spPr/>
+        <p:txBody>
           <a:bodyPr/>
           <a:lstStyle/>
           <a:p>
             <a:r>
-              <a:rPr lang="en-US" dirty="0"/>
-              <a:t>KRR is about how we represent our knowledge in symbolic form, i.e. how we describe something. </a:t>
-            </a:r>
-            <a:endParaRPr lang="pl-PL" dirty="0" smtClean="0"/>
-          </a:p>
-          <a:p>
-            <a:r>
-              <a:rPr lang="en-US" dirty="0"/>
-              <a:t>Reasoning is about how we go about the act of thinking using this knowledge</a:t>
-            </a:r>
-            <a:r>
-              <a:rPr lang="en-US" dirty="0" smtClean="0"/>
-              <a:t>.</a:t>
-            </a:r>
-            <a:endParaRPr lang="pl-PL" dirty="0" smtClean="0"/>
-          </a:p>
-          <a:p>
-            <a:r>
-              <a:rPr lang="pl-PL" dirty="0"/>
-              <a:t>The </a:t>
-            </a:r>
-            <a:r>
-              <a:rPr lang="pl-PL" dirty="0" err="1"/>
-              <a:t>whole</a:t>
-            </a:r>
-            <a:r>
-              <a:rPr lang="pl-PL" dirty="0"/>
-              <a:t> </a:t>
-            </a:r>
-            <a:r>
-              <a:rPr lang="pl-PL" dirty="0" err="1" smtClean="0"/>
-              <a:t>concept</a:t>
-            </a:r>
-            <a:r>
-              <a:rPr lang="pl-PL" dirty="0" smtClean="0"/>
-              <a:t> of </a:t>
-            </a:r>
-            <a:r>
-              <a:rPr lang="pl-PL" dirty="0" err="1" smtClean="0"/>
-              <a:t>Drools</a:t>
-            </a:r>
-            <a:r>
-              <a:rPr lang="pl-PL" dirty="0" smtClean="0"/>
-              <a:t> </a:t>
-            </a:r>
-            <a:r>
-              <a:rPr lang="pl-PL" dirty="0" err="1"/>
-              <a:t>is</a:t>
-            </a:r>
-            <a:r>
-              <a:rPr lang="pl-PL" dirty="0"/>
-              <a:t> </a:t>
-            </a:r>
-            <a:r>
-              <a:rPr lang="pl-PL" dirty="0" err="1"/>
-              <a:t>based</a:t>
-            </a:r>
-            <a:r>
-              <a:rPr lang="pl-PL" dirty="0"/>
-              <a:t> </a:t>
-            </a:r>
-            <a:r>
-              <a:rPr lang="pl-PL" dirty="0" err="1"/>
-              <a:t>around</a:t>
-            </a:r>
-            <a:r>
-              <a:rPr lang="pl-PL" dirty="0"/>
-              <a:t> Knowledge </a:t>
-            </a:r>
-            <a:r>
-              <a:rPr lang="pl-PL" dirty="0" err="1"/>
-              <a:t>Representation</a:t>
-            </a:r>
-            <a:r>
-              <a:rPr lang="pl-PL" dirty="0"/>
-              <a:t> and </a:t>
-            </a:r>
-            <a:r>
-              <a:rPr lang="pl-PL" dirty="0" err="1" smtClean="0"/>
-              <a:t>Reasoning</a:t>
-            </a:r>
-            <a:endParaRPr lang="pl-PL" dirty="0"/>
-          </a:p>
-        </p:txBody>
-      </p:sp>
-      <p:sp>
-        <p:nvSpPr>
-          <p:cNvPr id="3" name="Tytuł 2"/>
-          <p:cNvSpPr>
-            <a:spLocks noGrp="1"/>
-          </p:cNvSpPr>
-          <p:nvPr>
-            <p:ph type="title"/>
-          </p:nvPr>
-        </p:nvSpPr>
-        <p:spPr/>
-        <p:txBody>
-          <a:bodyPr>
-            <a:normAutofit fontScale="90000"/>
-          </a:bodyPr>
-          <a:lstStyle/>
-          <a:p>
-            <a:r>
-              <a:rPr lang="en-US" b="0" dirty="0">
-                <a:effectLst/>
-              </a:rPr>
-              <a:t>Knowledge Representation and Reasoning (KRR)</a:t>
-            </a:r>
-            <a:endParaRPr lang="pl-PL" dirty="0"/>
+              <a:rPr lang="pl-PL" dirty="0" err="1" smtClean="0"/>
+              <a:t>Inspirations</a:t>
+            </a:r>
+            <a:endParaRPr lang="en-GB" dirty="0"/>
           </a:p>
         </p:txBody>
       </p:sp>
     </p:spTree>
     <p:extLst>
       <p:ext uri="{BB962C8B-B14F-4D97-AF65-F5344CB8AC3E}">
-        <p14:creationId xmlns:p14="http://schemas.microsoft.com/office/powerpoint/2010/main" val="4230564183"/>
+        <p14:creationId xmlns:p14="http://schemas.microsoft.com/office/powerpoint/2010/main" val="3236216331"/>
       </p:ext>
     </p:extLst>
   </p:cSld>
@@ -8499,6 +8002,2027 @@
       </p:grpSpPr>
       <p:sp>
         <p:nvSpPr>
+          <p:cNvPr id="2" name="Symbol zastępczy zawartości 1"/>
+          <p:cNvSpPr>
+            <a:spLocks noGrp="1"/>
+          </p:cNvSpPr>
+          <p:nvPr>
+            <p:ph idx="1"/>
+          </p:nvPr>
+        </p:nvSpPr>
+        <p:spPr/>
+        <p:txBody>
+          <a:bodyPr>
+            <a:normAutofit/>
+          </a:bodyPr>
+          <a:lstStyle/>
+          <a:p>
+            <a:pPr marL="109728" indent="0" algn="ctr">
+              <a:buNone/>
+            </a:pPr>
+            <a:endParaRPr lang="pl-PL" sz="3600" dirty="0" smtClean="0"/>
+          </a:p>
+          <a:p>
+            <a:pPr marL="109728" indent="0" algn="ctr">
+              <a:buNone/>
+            </a:pPr>
+            <a:endParaRPr lang="pl-PL" sz="3600" dirty="0"/>
+          </a:p>
+          <a:p>
+            <a:pPr marL="109728" indent="0" algn="ctr">
+              <a:buNone/>
+            </a:pPr>
+            <a:endParaRPr lang="pl-PL" sz="3600" dirty="0" smtClean="0"/>
+          </a:p>
+          <a:p>
+            <a:pPr marL="109728" indent="0" algn="ctr">
+              <a:buNone/>
+            </a:pPr>
+            <a:r>
+              <a:rPr lang="pl-PL" sz="3600" dirty="0" err="1" smtClean="0"/>
+              <a:t>session.fireAllRules</a:t>
+            </a:r>
+            <a:r>
+              <a:rPr lang="pl-PL" sz="3600" dirty="0" smtClean="0"/>
+              <a:t>();</a:t>
+            </a:r>
+            <a:endParaRPr lang="pl-PL" sz="3600" dirty="0"/>
+          </a:p>
+        </p:txBody>
+      </p:sp>
+      <p:sp>
+        <p:nvSpPr>
+          <p:cNvPr id="3" name="Tytuł 2"/>
+          <p:cNvSpPr>
+            <a:spLocks noGrp="1"/>
+          </p:cNvSpPr>
+          <p:nvPr>
+            <p:ph type="title"/>
+          </p:nvPr>
+        </p:nvSpPr>
+        <p:spPr/>
+        <p:txBody>
+          <a:bodyPr/>
+          <a:lstStyle/>
+          <a:p>
+            <a:r>
+              <a:rPr lang="pl-PL" dirty="0" err="1" smtClean="0"/>
+              <a:t>Fire</a:t>
+            </a:r>
+            <a:r>
+              <a:rPr lang="pl-PL" dirty="0" smtClean="0"/>
+              <a:t>!</a:t>
+            </a:r>
+            <a:endParaRPr lang="pl-PL" dirty="0"/>
+          </a:p>
+        </p:txBody>
+      </p:sp>
+    </p:spTree>
+    <p:extLst>
+      <p:ext uri="{BB962C8B-B14F-4D97-AF65-F5344CB8AC3E}">
+        <p14:creationId xmlns:p14="http://schemas.microsoft.com/office/powerpoint/2010/main" val="3589131423"/>
+      </p:ext>
+    </p:extLst>
+  </p:cSld>
+  <p:clrMapOvr>
+    <a:masterClrMapping/>
+  </p:clrMapOvr>
+  <p:timing>
+    <p:tnLst>
+      <p:par>
+        <p:cTn id="1" dur="indefinite" restart="never" nodeType="tmRoot"/>
+      </p:par>
+    </p:tnLst>
+  </p:timing>
+</p:sld>
+</file>
+
+<file path=ppt/slides/slide21.xml><?xml version="1.0" encoding="utf-8"?>
+<p:sld xmlns:a="http://schemas.openxmlformats.org/drawingml/2006/main" xmlns:r="http://schemas.openxmlformats.org/officeDocument/2006/relationships" xmlns:p="http://schemas.openxmlformats.org/presentationml/2006/main">
+  <p:cSld>
+    <p:spTree>
+      <p:nvGrpSpPr>
+        <p:cNvPr id="1" name=""/>
+        <p:cNvGrpSpPr/>
+        <p:nvPr/>
+      </p:nvGrpSpPr>
+      <p:grpSpPr>
+        <a:xfrm>
+          <a:off x="0" y="0"/>
+          <a:ext cx="0" cy="0"/>
+          <a:chOff x="0" y="0"/>
+          <a:chExt cx="0" cy="0"/>
+        </a:xfrm>
+      </p:grpSpPr>
+      <p:pic>
+        <p:nvPicPr>
+          <p:cNvPr id="4" name="Symbol zastępczy zawartości 3"/>
+          <p:cNvPicPr>
+            <a:picLocks noGrp="1" noChangeAspect="1"/>
+          </p:cNvPicPr>
+          <p:nvPr>
+            <p:ph idx="1"/>
+          </p:nvPr>
+        </p:nvPicPr>
+        <p:blipFill>
+          <a:blip r:embed="rId2">
+            <a:extLst>
+              <a:ext uri="{28A0092B-C50C-407E-A947-70E740481C1C}">
+                <a14:useLocalDpi xmlns:a14="http://schemas.microsoft.com/office/drawing/2010/main" val="0"/>
+              </a:ext>
+            </a:extLst>
+          </a:blip>
+          <a:stretch>
+            <a:fillRect/>
+          </a:stretch>
+        </p:blipFill>
+        <p:spPr>
+          <a:xfrm>
+            <a:off x="1043608" y="1417638"/>
+            <a:ext cx="7192878" cy="9851786"/>
+          </a:xfrm>
+        </p:spPr>
+      </p:pic>
+      <p:sp>
+        <p:nvSpPr>
+          <p:cNvPr id="3" name="Tytuł 2"/>
+          <p:cNvSpPr>
+            <a:spLocks noGrp="1"/>
+          </p:cNvSpPr>
+          <p:nvPr>
+            <p:ph type="title"/>
+          </p:nvPr>
+        </p:nvSpPr>
+        <p:spPr/>
+        <p:txBody>
+          <a:bodyPr>
+            <a:normAutofit fontScale="90000"/>
+          </a:bodyPr>
+          <a:lstStyle/>
+          <a:p>
+            <a:r>
+              <a:rPr lang="pl-PL" dirty="0" smtClean="0"/>
+              <a:t>Postępowanie w przewlekłej stabilnej dławicy piersiowej</a:t>
+            </a:r>
+            <a:endParaRPr lang="pl-PL" dirty="0"/>
+          </a:p>
+        </p:txBody>
+      </p:sp>
+    </p:spTree>
+    <p:extLst>
+      <p:ext uri="{BB962C8B-B14F-4D97-AF65-F5344CB8AC3E}">
+        <p14:creationId xmlns:p14="http://schemas.microsoft.com/office/powerpoint/2010/main" val="1186384759"/>
+      </p:ext>
+    </p:extLst>
+  </p:cSld>
+  <p:clrMapOvr>
+    <a:masterClrMapping/>
+  </p:clrMapOvr>
+  <p:timing>
+    <p:tnLst>
+      <p:par>
+        <p:cTn id="1" dur="indefinite" restart="never" nodeType="tmRoot"/>
+      </p:par>
+    </p:tnLst>
+  </p:timing>
+</p:sld>
+</file>
+
+<file path=ppt/slides/slide22.xml><?xml version="1.0" encoding="utf-8"?>
+<p:sld xmlns:a="http://schemas.openxmlformats.org/drawingml/2006/main" xmlns:r="http://schemas.openxmlformats.org/officeDocument/2006/relationships" xmlns:p="http://schemas.openxmlformats.org/presentationml/2006/main">
+  <p:cSld>
+    <p:spTree>
+      <p:nvGrpSpPr>
+        <p:cNvPr id="1" name=""/>
+        <p:cNvGrpSpPr/>
+        <p:nvPr/>
+      </p:nvGrpSpPr>
+      <p:grpSpPr>
+        <a:xfrm>
+          <a:off x="0" y="0"/>
+          <a:ext cx="0" cy="0"/>
+          <a:chOff x="0" y="0"/>
+          <a:chExt cx="0" cy="0"/>
+        </a:xfrm>
+      </p:grpSpPr>
+      <p:sp>
+        <p:nvSpPr>
+          <p:cNvPr id="2" name="Symbol zastępczy zawartości 1"/>
+          <p:cNvSpPr>
+            <a:spLocks noGrp="1"/>
+          </p:cNvSpPr>
+          <p:nvPr>
+            <p:ph idx="1"/>
+          </p:nvPr>
+        </p:nvSpPr>
+        <p:spPr/>
+        <p:txBody>
+          <a:bodyPr>
+            <a:normAutofit/>
+          </a:bodyPr>
+          <a:lstStyle/>
+          <a:p>
+            <a:pPr marL="109728" indent="0">
+              <a:buNone/>
+            </a:pPr>
+            <a:endParaRPr lang="pl-PL" sz="1400" dirty="0"/>
+          </a:p>
+        </p:txBody>
+      </p:sp>
+      <p:sp>
+        <p:nvSpPr>
+          <p:cNvPr id="3" name="Tytuł 2"/>
+          <p:cNvSpPr>
+            <a:spLocks noGrp="1"/>
+          </p:cNvSpPr>
+          <p:nvPr>
+            <p:ph type="title"/>
+          </p:nvPr>
+        </p:nvSpPr>
+        <p:spPr/>
+        <p:txBody>
+          <a:bodyPr/>
+          <a:lstStyle/>
+          <a:p>
+            <a:r>
+              <a:rPr lang="pl-PL" dirty="0" smtClean="0"/>
+              <a:t>kmodule.xml</a:t>
+            </a:r>
+            <a:endParaRPr lang="pl-PL" dirty="0"/>
+          </a:p>
+        </p:txBody>
+      </p:sp>
+    </p:spTree>
+    <p:extLst>
+      <p:ext uri="{BB962C8B-B14F-4D97-AF65-F5344CB8AC3E}">
+        <p14:creationId xmlns:p14="http://schemas.microsoft.com/office/powerpoint/2010/main" val="2797506274"/>
+      </p:ext>
+    </p:extLst>
+  </p:cSld>
+  <p:clrMapOvr>
+    <a:masterClrMapping/>
+  </p:clrMapOvr>
+  <p:timing>
+    <p:tnLst>
+      <p:par>
+        <p:cTn id="1" dur="indefinite" restart="never" nodeType="tmRoot"/>
+      </p:par>
+    </p:tnLst>
+  </p:timing>
+</p:sld>
+</file>
+
+<file path=ppt/slides/slide23.xml><?xml version="1.0" encoding="utf-8"?>
+<p:sld xmlns:a="http://schemas.openxmlformats.org/drawingml/2006/main" xmlns:r="http://schemas.openxmlformats.org/officeDocument/2006/relationships" xmlns:p="http://schemas.openxmlformats.org/presentationml/2006/main">
+  <p:cSld>
+    <p:spTree>
+      <p:nvGrpSpPr>
+        <p:cNvPr id="1" name=""/>
+        <p:cNvGrpSpPr/>
+        <p:nvPr/>
+      </p:nvGrpSpPr>
+      <p:grpSpPr>
+        <a:xfrm>
+          <a:off x="0" y="0"/>
+          <a:ext cx="0" cy="0"/>
+          <a:chOff x="0" y="0"/>
+          <a:chExt cx="0" cy="0"/>
+        </a:xfrm>
+      </p:grpSpPr>
+      <p:sp>
+        <p:nvSpPr>
+          <p:cNvPr id="2" name="Symbol zastępczy zawartości 1"/>
+          <p:cNvSpPr>
+            <a:spLocks noGrp="1"/>
+          </p:cNvSpPr>
+          <p:nvPr>
+            <p:ph idx="1"/>
+          </p:nvPr>
+        </p:nvSpPr>
+        <p:spPr/>
+        <p:txBody>
+          <a:bodyPr/>
+          <a:lstStyle/>
+          <a:p>
+            <a:r>
+              <a:rPr lang="pl-PL" dirty="0" smtClean="0"/>
+              <a:t>Agenda</a:t>
+            </a:r>
+            <a:endParaRPr lang="en-GB" dirty="0"/>
+          </a:p>
+        </p:txBody>
+      </p:sp>
+      <p:sp>
+        <p:nvSpPr>
+          <p:cNvPr id="3" name="Tytuł 2"/>
+          <p:cNvSpPr>
+            <a:spLocks noGrp="1"/>
+          </p:cNvSpPr>
+          <p:nvPr>
+            <p:ph type="title"/>
+          </p:nvPr>
+        </p:nvSpPr>
+        <p:spPr/>
+        <p:txBody>
+          <a:bodyPr/>
+          <a:lstStyle/>
+          <a:p>
+            <a:r>
+              <a:rPr lang="pl-PL" dirty="0" err="1" smtClean="0"/>
+              <a:t>Execution</a:t>
+            </a:r>
+            <a:r>
+              <a:rPr lang="pl-PL" dirty="0" smtClean="0"/>
+              <a:t> </a:t>
+            </a:r>
+            <a:r>
+              <a:rPr lang="pl-PL" dirty="0" err="1" smtClean="0"/>
+              <a:t>control</a:t>
+            </a:r>
+            <a:endParaRPr lang="en-GB" dirty="0"/>
+          </a:p>
+        </p:txBody>
+      </p:sp>
+    </p:spTree>
+    <p:extLst>
+      <p:ext uri="{BB962C8B-B14F-4D97-AF65-F5344CB8AC3E}">
+        <p14:creationId xmlns:p14="http://schemas.microsoft.com/office/powerpoint/2010/main" val="3875026567"/>
+      </p:ext>
+    </p:extLst>
+  </p:cSld>
+  <p:clrMapOvr>
+    <a:masterClrMapping/>
+  </p:clrMapOvr>
+  <p:timing>
+    <p:tnLst>
+      <p:par>
+        <p:cTn id="1" dur="indefinite" restart="never" nodeType="tmRoot"/>
+      </p:par>
+    </p:tnLst>
+  </p:timing>
+</p:sld>
+</file>
+
+<file path=ppt/slides/slide24.xml><?xml version="1.0" encoding="utf-8"?>
+<p:sld xmlns:a="http://schemas.openxmlformats.org/drawingml/2006/main" xmlns:r="http://schemas.openxmlformats.org/officeDocument/2006/relationships" xmlns:p="http://schemas.openxmlformats.org/presentationml/2006/main">
+  <p:cSld>
+    <p:spTree>
+      <p:nvGrpSpPr>
+        <p:cNvPr id="1" name=""/>
+        <p:cNvGrpSpPr/>
+        <p:nvPr/>
+      </p:nvGrpSpPr>
+      <p:grpSpPr>
+        <a:xfrm>
+          <a:off x="0" y="0"/>
+          <a:ext cx="0" cy="0"/>
+          <a:chOff x="0" y="0"/>
+          <a:chExt cx="0" cy="0"/>
+        </a:xfrm>
+      </p:grpSpPr>
+      <p:sp>
+        <p:nvSpPr>
+          <p:cNvPr id="2" name="Symbol zastępczy zawartości 1"/>
+          <p:cNvSpPr>
+            <a:spLocks noGrp="1"/>
+          </p:cNvSpPr>
+          <p:nvPr>
+            <p:ph idx="1"/>
+          </p:nvPr>
+        </p:nvSpPr>
+        <p:spPr/>
+        <p:txBody>
+          <a:bodyPr>
+            <a:normAutofit/>
+          </a:bodyPr>
+          <a:lstStyle/>
+          <a:p>
+            <a:pPr marL="109728" indent="0">
+              <a:buNone/>
+            </a:pPr>
+            <a:r>
+              <a:rPr lang="pl-PL" sz="1800" dirty="0">
+                <a:latin typeface="Lucida Console" panose="020B0609040504020204" pitchFamily="49" charset="0"/>
+              </a:rPr>
+              <a:t>[</a:t>
+            </a:r>
+            <a:r>
+              <a:rPr lang="pl-PL" sz="1800" dirty="0" err="1">
+                <a:latin typeface="Lucida Console" panose="020B0609040504020204" pitchFamily="49" charset="0"/>
+              </a:rPr>
+              <a:t>when</a:t>
+            </a:r>
+            <a:r>
+              <a:rPr lang="pl-PL" sz="1800" dirty="0">
+                <a:latin typeface="Lucida Console" panose="020B0609040504020204" pitchFamily="49" charset="0"/>
+              </a:rPr>
+              <a:t>]</a:t>
+            </a:r>
+            <a:r>
+              <a:rPr lang="pl-PL" sz="1800" dirty="0" err="1">
+                <a:latin typeface="Lucida Console" panose="020B0609040504020204" pitchFamily="49" charset="0"/>
+              </a:rPr>
+              <a:t>There</a:t>
+            </a:r>
+            <a:r>
+              <a:rPr lang="pl-PL" sz="1800" dirty="0">
+                <a:latin typeface="Lucida Console" panose="020B0609040504020204" pitchFamily="49" charset="0"/>
+              </a:rPr>
+              <a:t> </a:t>
+            </a:r>
+            <a:r>
+              <a:rPr lang="pl-PL" sz="1800" dirty="0" err="1">
+                <a:latin typeface="Lucida Console" panose="020B0609040504020204" pitchFamily="49" charset="0"/>
+              </a:rPr>
+              <a:t>is</a:t>
+            </a:r>
+            <a:r>
+              <a:rPr lang="pl-PL" sz="1800" dirty="0">
+                <a:latin typeface="Lucida Console" panose="020B0609040504020204" pitchFamily="49" charset="0"/>
+              </a:rPr>
+              <a:t> a person with </a:t>
+            </a:r>
+            <a:r>
+              <a:rPr lang="pl-PL" sz="1800" dirty="0" err="1">
+                <a:latin typeface="Lucida Console" panose="020B0609040504020204" pitchFamily="49" charset="0"/>
+              </a:rPr>
+              <a:t>name</a:t>
+            </a:r>
+            <a:r>
+              <a:rPr lang="pl-PL" sz="1800" dirty="0">
+                <a:latin typeface="Lucida Console" panose="020B0609040504020204" pitchFamily="49" charset="0"/>
+              </a:rPr>
+              <a:t> of </a:t>
+            </a:r>
+            <a:r>
+              <a:rPr lang="pl-PL" sz="1800" dirty="0" smtClean="0">
+                <a:latin typeface="Lucida Console" panose="020B0609040504020204" pitchFamily="49" charset="0"/>
+              </a:rPr>
+              <a:t>"{</a:t>
+            </a:r>
+            <a:r>
+              <a:rPr lang="pl-PL" sz="1800" dirty="0" err="1">
+                <a:latin typeface="Lucida Console" panose="020B0609040504020204" pitchFamily="49" charset="0"/>
+              </a:rPr>
+              <a:t>name</a:t>
+            </a:r>
+            <a:r>
+              <a:rPr lang="pl-PL" sz="1800" dirty="0" smtClean="0">
+                <a:latin typeface="Lucida Console" panose="020B0609040504020204" pitchFamily="49" charset="0"/>
+              </a:rPr>
+              <a:t>}„ = 	Person(</a:t>
+            </a:r>
+            <a:r>
+              <a:rPr lang="pl-PL" sz="1800" dirty="0" err="1" smtClean="0">
+                <a:latin typeface="Lucida Console" panose="020B0609040504020204" pitchFamily="49" charset="0"/>
+              </a:rPr>
+              <a:t>name</a:t>
+            </a:r>
+            <a:r>
+              <a:rPr lang="pl-PL" sz="1800" dirty="0">
+                <a:latin typeface="Lucida Console" panose="020B0609040504020204" pitchFamily="49" charset="0"/>
+              </a:rPr>
+              <a:t>=="{</a:t>
+            </a:r>
+            <a:r>
+              <a:rPr lang="pl-PL" sz="1800" dirty="0" err="1">
+                <a:latin typeface="Lucida Console" panose="020B0609040504020204" pitchFamily="49" charset="0"/>
+              </a:rPr>
+              <a:t>name</a:t>
+            </a:r>
+            <a:r>
+              <a:rPr lang="pl-PL" sz="1800" dirty="0" smtClean="0">
+                <a:latin typeface="Lucida Console" panose="020B0609040504020204" pitchFamily="49" charset="0"/>
+              </a:rPr>
+              <a:t>}")</a:t>
+            </a:r>
+          </a:p>
+          <a:p>
+            <a:pPr marL="109728" indent="0">
+              <a:buNone/>
+            </a:pPr>
+            <a:r>
+              <a:rPr lang="pl-PL" sz="1800" dirty="0" smtClean="0">
+                <a:latin typeface="Lucida Console" panose="020B0609040504020204" pitchFamily="49" charset="0"/>
+              </a:rPr>
+              <a:t>[</a:t>
+            </a:r>
+            <a:r>
+              <a:rPr lang="pl-PL" sz="1800" dirty="0" err="1">
+                <a:latin typeface="Lucida Console" panose="020B0609040504020204" pitchFamily="49" charset="0"/>
+              </a:rPr>
+              <a:t>when</a:t>
+            </a:r>
+            <a:r>
+              <a:rPr lang="pl-PL" sz="1800" dirty="0">
+                <a:latin typeface="Lucida Console" panose="020B0609040504020204" pitchFamily="49" charset="0"/>
+              </a:rPr>
+              <a:t>]Person </a:t>
+            </a:r>
+            <a:r>
+              <a:rPr lang="pl-PL" sz="1800" dirty="0" err="1">
+                <a:latin typeface="Lucida Console" panose="020B0609040504020204" pitchFamily="49" charset="0"/>
+              </a:rPr>
+              <a:t>is</a:t>
+            </a:r>
+            <a:r>
+              <a:rPr lang="pl-PL" sz="1800" dirty="0">
+                <a:latin typeface="Lucida Console" panose="020B0609040504020204" pitchFamily="49" charset="0"/>
+              </a:rPr>
+              <a:t> </a:t>
+            </a:r>
+            <a:r>
+              <a:rPr lang="pl-PL" sz="1800" dirty="0" err="1">
+                <a:latin typeface="Lucida Console" panose="020B0609040504020204" pitchFamily="49" charset="0"/>
+              </a:rPr>
+              <a:t>at</a:t>
+            </a:r>
+            <a:r>
+              <a:rPr lang="pl-PL" sz="1800" dirty="0">
+                <a:latin typeface="Lucida Console" panose="020B0609040504020204" pitchFamily="49" charset="0"/>
+              </a:rPr>
+              <a:t> </a:t>
+            </a:r>
+            <a:r>
+              <a:rPr lang="pl-PL" sz="1800" dirty="0" err="1">
+                <a:latin typeface="Lucida Console" panose="020B0609040504020204" pitchFamily="49" charset="0"/>
+              </a:rPr>
+              <a:t>least</a:t>
+            </a:r>
+            <a:r>
+              <a:rPr lang="pl-PL" sz="1800" dirty="0">
+                <a:latin typeface="Lucida Console" panose="020B0609040504020204" pitchFamily="49" charset="0"/>
+              </a:rPr>
+              <a:t> {</a:t>
+            </a:r>
+            <a:r>
+              <a:rPr lang="pl-PL" sz="1800" dirty="0" err="1">
+                <a:latin typeface="Lucida Console" panose="020B0609040504020204" pitchFamily="49" charset="0"/>
+              </a:rPr>
+              <a:t>age</a:t>
+            </a:r>
+            <a:r>
+              <a:rPr lang="pl-PL" sz="1800" dirty="0">
+                <a:latin typeface="Lucida Console" panose="020B0609040504020204" pitchFamily="49" charset="0"/>
+              </a:rPr>
+              <a:t>} </a:t>
+            </a:r>
+            <a:r>
+              <a:rPr lang="pl-PL" sz="1800" dirty="0" err="1">
+                <a:latin typeface="Lucida Console" panose="020B0609040504020204" pitchFamily="49" charset="0"/>
+              </a:rPr>
+              <a:t>years</a:t>
+            </a:r>
+            <a:r>
+              <a:rPr lang="pl-PL" sz="1800" dirty="0">
+                <a:latin typeface="Lucida Console" panose="020B0609040504020204" pitchFamily="49" charset="0"/>
+              </a:rPr>
+              <a:t> </a:t>
+            </a:r>
+            <a:r>
+              <a:rPr lang="pl-PL" sz="1800" dirty="0" err="1">
+                <a:latin typeface="Lucida Console" panose="020B0609040504020204" pitchFamily="49" charset="0"/>
+              </a:rPr>
+              <a:t>old</a:t>
+            </a:r>
+            <a:r>
+              <a:rPr lang="pl-PL" sz="1800" dirty="0">
+                <a:latin typeface="Lucida Console" panose="020B0609040504020204" pitchFamily="49" charset="0"/>
+              </a:rPr>
+              <a:t> and </a:t>
+            </a:r>
+            <a:r>
+              <a:rPr lang="pl-PL" sz="1800" dirty="0" err="1">
+                <a:latin typeface="Lucida Console" panose="020B0609040504020204" pitchFamily="49" charset="0"/>
+              </a:rPr>
+              <a:t>lives</a:t>
+            </a:r>
+            <a:r>
+              <a:rPr lang="pl-PL" sz="1800" dirty="0">
+                <a:latin typeface="Lucida Console" panose="020B0609040504020204" pitchFamily="49" charset="0"/>
+              </a:rPr>
+              <a:t> </a:t>
+            </a:r>
+            <a:r>
+              <a:rPr lang="pl-PL" sz="1800" dirty="0" smtClean="0">
+                <a:latin typeface="Lucida Console" panose="020B0609040504020204" pitchFamily="49" charset="0"/>
+              </a:rPr>
+              <a:t>	in </a:t>
+            </a:r>
+            <a:r>
+              <a:rPr lang="pl-PL" sz="1800" dirty="0">
+                <a:latin typeface="Lucida Console" panose="020B0609040504020204" pitchFamily="49" charset="0"/>
+              </a:rPr>
+              <a:t>"{</a:t>
+            </a:r>
+            <a:r>
+              <a:rPr lang="pl-PL" sz="1800" dirty="0" err="1">
+                <a:latin typeface="Lucida Console" panose="020B0609040504020204" pitchFamily="49" charset="0"/>
+              </a:rPr>
+              <a:t>location</a:t>
+            </a:r>
+            <a:r>
+              <a:rPr lang="pl-PL" sz="1800" dirty="0" smtClean="0">
+                <a:latin typeface="Lucida Console" panose="020B0609040504020204" pitchFamily="49" charset="0"/>
+              </a:rPr>
+              <a:t>}” = </a:t>
+            </a:r>
+            <a:r>
+              <a:rPr lang="pl-PL" sz="1800" dirty="0">
+                <a:latin typeface="Lucida Console" panose="020B0609040504020204" pitchFamily="49" charset="0"/>
+              </a:rPr>
+              <a:t>Person(</a:t>
+            </a:r>
+            <a:r>
+              <a:rPr lang="pl-PL" sz="1800" dirty="0" err="1">
+                <a:latin typeface="Lucida Console" panose="020B0609040504020204" pitchFamily="49" charset="0"/>
+              </a:rPr>
+              <a:t>age</a:t>
+            </a:r>
+            <a:r>
+              <a:rPr lang="pl-PL" sz="1800" dirty="0">
+                <a:latin typeface="Lucida Console" panose="020B0609040504020204" pitchFamily="49" charset="0"/>
+              </a:rPr>
+              <a:t> &gt;= {</a:t>
+            </a:r>
+            <a:r>
+              <a:rPr lang="pl-PL" sz="1800" dirty="0" err="1">
+                <a:latin typeface="Lucida Console" panose="020B0609040504020204" pitchFamily="49" charset="0"/>
+              </a:rPr>
+              <a:t>age</a:t>
+            </a:r>
+            <a:r>
+              <a:rPr lang="pl-PL" sz="1800" dirty="0">
+                <a:latin typeface="Lucida Console" panose="020B0609040504020204" pitchFamily="49" charset="0"/>
+              </a:rPr>
+              <a:t>}, </a:t>
+            </a:r>
+            <a:r>
+              <a:rPr lang="pl-PL" sz="1800" dirty="0" smtClean="0">
+                <a:latin typeface="Lucida Console" panose="020B0609040504020204" pitchFamily="49" charset="0"/>
+              </a:rPr>
+              <a:t>	</a:t>
+            </a:r>
+            <a:r>
+              <a:rPr lang="pl-PL" sz="1800" dirty="0" err="1" smtClean="0">
+                <a:latin typeface="Lucida Console" panose="020B0609040504020204" pitchFamily="49" charset="0"/>
+              </a:rPr>
+              <a:t>location</a:t>
+            </a:r>
+            <a:r>
+              <a:rPr lang="pl-PL" sz="1800" dirty="0">
+                <a:latin typeface="Lucida Console" panose="020B0609040504020204" pitchFamily="49" charset="0"/>
+              </a:rPr>
+              <a:t>=="{</a:t>
+            </a:r>
+            <a:r>
+              <a:rPr lang="pl-PL" sz="1800" dirty="0" err="1">
+                <a:latin typeface="Lucida Console" panose="020B0609040504020204" pitchFamily="49" charset="0"/>
+              </a:rPr>
+              <a:t>location</a:t>
+            </a:r>
+            <a:r>
+              <a:rPr lang="pl-PL" sz="1800" dirty="0" smtClean="0">
+                <a:latin typeface="Lucida Console" panose="020B0609040504020204" pitchFamily="49" charset="0"/>
+              </a:rPr>
+              <a:t>}")</a:t>
+            </a:r>
+          </a:p>
+          <a:p>
+            <a:pPr marL="109728" indent="0">
+              <a:buNone/>
+            </a:pPr>
+            <a:r>
+              <a:rPr lang="pl-PL" sz="1800" dirty="0" smtClean="0">
+                <a:latin typeface="Lucida Console" panose="020B0609040504020204" pitchFamily="49" charset="0"/>
+              </a:rPr>
+              <a:t>[</a:t>
+            </a:r>
+            <a:r>
+              <a:rPr lang="pl-PL" sz="1800" dirty="0" err="1">
+                <a:latin typeface="Lucida Console" panose="020B0609040504020204" pitchFamily="49" charset="0"/>
+              </a:rPr>
+              <a:t>then</a:t>
+            </a:r>
+            <a:r>
+              <a:rPr lang="pl-PL" sz="1800" dirty="0">
+                <a:latin typeface="Lucida Console" panose="020B0609040504020204" pitchFamily="49" charset="0"/>
+              </a:rPr>
+              <a:t>]Log </a:t>
+            </a:r>
+            <a:r>
+              <a:rPr lang="pl-PL" sz="1800" dirty="0" smtClean="0">
+                <a:latin typeface="Lucida Console" panose="020B0609040504020204" pitchFamily="49" charset="0"/>
+              </a:rPr>
+              <a:t>"{</a:t>
+            </a:r>
+            <a:r>
+              <a:rPr lang="pl-PL" sz="1800" dirty="0" err="1">
+                <a:latin typeface="Lucida Console" panose="020B0609040504020204" pitchFamily="49" charset="0"/>
+              </a:rPr>
+              <a:t>message</a:t>
+            </a:r>
+            <a:r>
+              <a:rPr lang="pl-PL" sz="1800" dirty="0" smtClean="0">
+                <a:latin typeface="Lucida Console" panose="020B0609040504020204" pitchFamily="49" charset="0"/>
+              </a:rPr>
+              <a:t>}„ = 	</a:t>
+            </a:r>
+            <a:r>
+              <a:rPr lang="pl-PL" sz="1800" dirty="0" err="1" smtClean="0">
+                <a:latin typeface="Lucida Console" panose="020B0609040504020204" pitchFamily="49" charset="0"/>
+              </a:rPr>
+              <a:t>System.out.println</a:t>
+            </a:r>
+            <a:r>
+              <a:rPr lang="pl-PL" sz="1800" dirty="0">
+                <a:latin typeface="Lucida Console" panose="020B0609040504020204" pitchFamily="49" charset="0"/>
+              </a:rPr>
+              <a:t>("{</a:t>
+            </a:r>
+            <a:r>
+              <a:rPr lang="pl-PL" sz="1800" dirty="0" err="1">
+                <a:latin typeface="Lucida Console" panose="020B0609040504020204" pitchFamily="49" charset="0"/>
+              </a:rPr>
+              <a:t>message</a:t>
+            </a:r>
+            <a:r>
+              <a:rPr lang="pl-PL" sz="1800" dirty="0" smtClean="0">
+                <a:latin typeface="Lucida Console" panose="020B0609040504020204" pitchFamily="49" charset="0"/>
+              </a:rPr>
+              <a:t>}");</a:t>
+            </a:r>
+          </a:p>
+          <a:p>
+            <a:pPr marL="109728" indent="0">
+              <a:buNone/>
+            </a:pPr>
+            <a:r>
+              <a:rPr lang="pl-PL" sz="1800" dirty="0" smtClean="0">
+                <a:latin typeface="Lucida Console" panose="020B0609040504020204" pitchFamily="49" charset="0"/>
+              </a:rPr>
+              <a:t>[</a:t>
+            </a:r>
+            <a:r>
+              <a:rPr lang="pl-PL" sz="1800" dirty="0" err="1">
+                <a:latin typeface="Lucida Console" panose="020B0609040504020204" pitchFamily="49" charset="0"/>
+              </a:rPr>
+              <a:t>when</a:t>
+            </a:r>
+            <a:r>
+              <a:rPr lang="pl-PL" sz="1800" dirty="0">
+                <a:latin typeface="Lucida Console" panose="020B0609040504020204" pitchFamily="49" charset="0"/>
+              </a:rPr>
+              <a:t>]And = and</a:t>
+            </a:r>
+          </a:p>
+          <a:p>
+            <a:pPr marL="109728" indent="0">
+              <a:buNone/>
+            </a:pPr>
+            <a:endParaRPr lang="pl-PL" sz="1800" dirty="0">
+              <a:latin typeface="Lucida Console" panose="020B0609040504020204" pitchFamily="49" charset="0"/>
+            </a:endParaRPr>
+          </a:p>
+        </p:txBody>
+      </p:sp>
+      <p:sp>
+        <p:nvSpPr>
+          <p:cNvPr id="3" name="Tytuł 2"/>
+          <p:cNvSpPr>
+            <a:spLocks noGrp="1"/>
+          </p:cNvSpPr>
+          <p:nvPr>
+            <p:ph type="title"/>
+          </p:nvPr>
+        </p:nvSpPr>
+        <p:spPr/>
+        <p:txBody>
+          <a:bodyPr/>
+          <a:lstStyle/>
+          <a:p>
+            <a:r>
+              <a:rPr lang="pl-PL" dirty="0" err="1"/>
+              <a:t>Domain</a:t>
+            </a:r>
+            <a:r>
+              <a:rPr lang="pl-PL" dirty="0"/>
+              <a:t> </a:t>
+            </a:r>
+            <a:r>
+              <a:rPr lang="pl-PL" dirty="0" err="1"/>
+              <a:t>Specific</a:t>
+            </a:r>
+            <a:r>
+              <a:rPr lang="pl-PL" dirty="0"/>
+              <a:t> </a:t>
+            </a:r>
+            <a:r>
+              <a:rPr lang="pl-PL" dirty="0" err="1"/>
+              <a:t>Languages</a:t>
+            </a:r>
+            <a:endParaRPr lang="pl-PL" dirty="0"/>
+          </a:p>
+        </p:txBody>
+      </p:sp>
+    </p:spTree>
+    <p:extLst>
+      <p:ext uri="{BB962C8B-B14F-4D97-AF65-F5344CB8AC3E}">
+        <p14:creationId xmlns:p14="http://schemas.microsoft.com/office/powerpoint/2010/main" val="1952145853"/>
+      </p:ext>
+    </p:extLst>
+  </p:cSld>
+  <p:clrMapOvr>
+    <a:masterClrMapping/>
+  </p:clrMapOvr>
+  <p:timing>
+    <p:tnLst>
+      <p:par>
+        <p:cTn id="1" dur="indefinite" restart="never" nodeType="tmRoot"/>
+      </p:par>
+    </p:tnLst>
+  </p:timing>
+</p:sld>
+</file>
+
+<file path=ppt/slides/slide25.xml><?xml version="1.0" encoding="utf-8"?>
+<p:sld xmlns:a="http://schemas.openxmlformats.org/drawingml/2006/main" xmlns:r="http://schemas.openxmlformats.org/officeDocument/2006/relationships" xmlns:p="http://schemas.openxmlformats.org/presentationml/2006/main">
+  <p:cSld>
+    <p:spTree>
+      <p:nvGrpSpPr>
+        <p:cNvPr id="1" name=""/>
+        <p:cNvGrpSpPr/>
+        <p:nvPr/>
+      </p:nvGrpSpPr>
+      <p:grpSpPr>
+        <a:xfrm>
+          <a:off x="0" y="0"/>
+          <a:ext cx="0" cy="0"/>
+          <a:chOff x="0" y="0"/>
+          <a:chExt cx="0" cy="0"/>
+        </a:xfrm>
+      </p:grpSpPr>
+      <p:sp>
+        <p:nvSpPr>
+          <p:cNvPr id="2" name="Symbol zastępczy zawartości 1"/>
+          <p:cNvSpPr>
+            <a:spLocks noGrp="1"/>
+          </p:cNvSpPr>
+          <p:nvPr>
+            <p:ph idx="1"/>
+          </p:nvPr>
+        </p:nvSpPr>
+        <p:spPr/>
+        <p:txBody>
+          <a:bodyPr>
+            <a:normAutofit fontScale="55000" lnSpcReduction="20000"/>
+          </a:bodyPr>
+          <a:lstStyle/>
+          <a:p>
+            <a:pPr marL="109728" indent="0">
+              <a:buNone/>
+            </a:pPr>
+            <a:r>
+              <a:rPr lang="pl-PL" dirty="0">
+                <a:latin typeface="Lucida Console" panose="020B0609040504020204" pitchFamily="49" charset="0"/>
+              </a:rPr>
+              <a:t>Environment </a:t>
+            </a:r>
+            <a:r>
+              <a:rPr lang="pl-PL" dirty="0" err="1">
+                <a:latin typeface="Lucida Console" panose="020B0609040504020204" pitchFamily="49" charset="0"/>
+              </a:rPr>
+              <a:t>env</a:t>
+            </a:r>
+            <a:r>
+              <a:rPr lang="pl-PL" dirty="0">
+                <a:latin typeface="Lucida Console" panose="020B0609040504020204" pitchFamily="49" charset="0"/>
+              </a:rPr>
+              <a:t> = </a:t>
+            </a:r>
+            <a:r>
+              <a:rPr lang="pl-PL" dirty="0" err="1">
+                <a:latin typeface="Lucida Console" panose="020B0609040504020204" pitchFamily="49" charset="0"/>
+              </a:rPr>
+              <a:t>KnowledgeBaseFactory.newEnvironment</a:t>
+            </a:r>
+            <a:r>
+              <a:rPr lang="pl-PL" dirty="0">
+                <a:latin typeface="Lucida Console" panose="020B0609040504020204" pitchFamily="49" charset="0"/>
+              </a:rPr>
+              <a:t>(); </a:t>
+            </a:r>
+            <a:br>
+              <a:rPr lang="pl-PL" dirty="0">
+                <a:latin typeface="Lucida Console" panose="020B0609040504020204" pitchFamily="49" charset="0"/>
+              </a:rPr>
+            </a:br>
+            <a:r>
+              <a:rPr lang="pl-PL" dirty="0" err="1">
+                <a:latin typeface="Lucida Console" panose="020B0609040504020204" pitchFamily="49" charset="0"/>
+              </a:rPr>
+              <a:t>env.set</a:t>
+            </a:r>
+            <a:r>
+              <a:rPr lang="pl-PL" dirty="0">
+                <a:latin typeface="Lucida Console" panose="020B0609040504020204" pitchFamily="49" charset="0"/>
+              </a:rPr>
+              <a:t>( </a:t>
+            </a:r>
+            <a:r>
+              <a:rPr lang="pl-PL" dirty="0" err="1">
+                <a:latin typeface="Lucida Console" panose="020B0609040504020204" pitchFamily="49" charset="0"/>
+              </a:rPr>
+              <a:t>EnvironmentName.ENTITY_MANAGER_FACTORY</a:t>
+            </a:r>
+            <a:r>
+              <a:rPr lang="pl-PL" dirty="0">
+                <a:latin typeface="Lucida Console" panose="020B0609040504020204" pitchFamily="49" charset="0"/>
+              </a:rPr>
+              <a:t>, </a:t>
+            </a:r>
+            <a:br>
+              <a:rPr lang="pl-PL" dirty="0">
+                <a:latin typeface="Lucida Console" panose="020B0609040504020204" pitchFamily="49" charset="0"/>
+              </a:rPr>
+            </a:br>
+            <a:r>
+              <a:rPr lang="pl-PL" dirty="0">
+                <a:latin typeface="Lucida Console" panose="020B0609040504020204" pitchFamily="49" charset="0"/>
+              </a:rPr>
+              <a:t>         </a:t>
+            </a:r>
+            <a:r>
+              <a:rPr lang="pl-PL" dirty="0" err="1">
+                <a:latin typeface="Lucida Console" panose="020B0609040504020204" pitchFamily="49" charset="0"/>
+              </a:rPr>
+              <a:t>Persistence.createEntityManagerFactory</a:t>
+            </a:r>
+            <a:r>
+              <a:rPr lang="pl-PL" dirty="0">
+                <a:latin typeface="Lucida Console" panose="020B0609040504020204" pitchFamily="49" charset="0"/>
+              </a:rPr>
+              <a:t>( "</a:t>
+            </a:r>
+            <a:r>
+              <a:rPr lang="pl-PL" dirty="0" err="1">
+                <a:latin typeface="Lucida Console" panose="020B0609040504020204" pitchFamily="49" charset="0"/>
+              </a:rPr>
+              <a:t>emf-name</a:t>
+            </a:r>
+            <a:r>
+              <a:rPr lang="pl-PL" dirty="0">
+                <a:latin typeface="Lucida Console" panose="020B0609040504020204" pitchFamily="49" charset="0"/>
+              </a:rPr>
+              <a:t>" ) ); </a:t>
+            </a:r>
+            <a:br>
+              <a:rPr lang="pl-PL" dirty="0">
+                <a:latin typeface="Lucida Console" panose="020B0609040504020204" pitchFamily="49" charset="0"/>
+              </a:rPr>
+            </a:br>
+            <a:r>
+              <a:rPr lang="pl-PL" dirty="0" err="1">
+                <a:latin typeface="Lucida Console" panose="020B0609040504020204" pitchFamily="49" charset="0"/>
+              </a:rPr>
+              <a:t>env.set</a:t>
+            </a:r>
+            <a:r>
+              <a:rPr lang="pl-PL" dirty="0">
+                <a:latin typeface="Lucida Console" panose="020B0609040504020204" pitchFamily="49" charset="0"/>
+              </a:rPr>
+              <a:t>( </a:t>
+            </a:r>
+            <a:r>
+              <a:rPr lang="pl-PL" dirty="0" err="1">
+                <a:latin typeface="Lucida Console" panose="020B0609040504020204" pitchFamily="49" charset="0"/>
+              </a:rPr>
+              <a:t>EnvironmentName.TRANSACTION_MANAGER</a:t>
+            </a:r>
+            <a:r>
+              <a:rPr lang="pl-PL" dirty="0">
+                <a:latin typeface="Lucida Console" panose="020B0609040504020204" pitchFamily="49" charset="0"/>
+              </a:rPr>
+              <a:t>, </a:t>
+            </a:r>
+            <a:br>
+              <a:rPr lang="pl-PL" dirty="0">
+                <a:latin typeface="Lucida Console" panose="020B0609040504020204" pitchFamily="49" charset="0"/>
+              </a:rPr>
+            </a:br>
+            <a:r>
+              <a:rPr lang="pl-PL" dirty="0">
+                <a:latin typeface="Lucida Console" panose="020B0609040504020204" pitchFamily="49" charset="0"/>
+              </a:rPr>
+              <a:t>         </a:t>
+            </a:r>
+            <a:r>
+              <a:rPr lang="pl-PL" dirty="0" err="1">
+                <a:latin typeface="Lucida Console" panose="020B0609040504020204" pitchFamily="49" charset="0"/>
+              </a:rPr>
+              <a:t>TransactionManagerServices.getTransactionManager</a:t>
+            </a:r>
+            <a:r>
+              <a:rPr lang="pl-PL" dirty="0">
+                <a:latin typeface="Lucida Console" panose="020B0609040504020204" pitchFamily="49" charset="0"/>
+              </a:rPr>
+              <a:t>() ); </a:t>
+            </a:r>
+            <a:br>
+              <a:rPr lang="pl-PL" dirty="0">
+                <a:latin typeface="Lucida Console" panose="020B0609040504020204" pitchFamily="49" charset="0"/>
+              </a:rPr>
+            </a:br>
+            <a:r>
+              <a:rPr lang="pl-PL" dirty="0">
+                <a:latin typeface="Lucida Console" panose="020B0609040504020204" pitchFamily="49" charset="0"/>
+              </a:rPr>
+              <a:t>           </a:t>
+            </a:r>
+            <a:r>
+              <a:rPr lang="pl-PL" dirty="0" smtClean="0">
+                <a:latin typeface="Lucida Console" panose="020B0609040504020204" pitchFamily="49" charset="0"/>
+              </a:rPr>
+              <a:t/>
+            </a:r>
+            <a:br>
+              <a:rPr lang="pl-PL" dirty="0" smtClean="0">
+                <a:latin typeface="Lucida Console" panose="020B0609040504020204" pitchFamily="49" charset="0"/>
+              </a:rPr>
+            </a:br>
+            <a:r>
+              <a:rPr lang="pl-PL" dirty="0">
+                <a:latin typeface="Lucida Console" panose="020B0609040504020204" pitchFamily="49" charset="0"/>
+              </a:rPr>
+              <a:t/>
+            </a:r>
+            <a:br>
+              <a:rPr lang="pl-PL" dirty="0">
+                <a:latin typeface="Lucida Console" panose="020B0609040504020204" pitchFamily="49" charset="0"/>
+              </a:rPr>
+            </a:br>
+            <a:r>
+              <a:rPr lang="pl-PL" dirty="0" err="1">
+                <a:latin typeface="Lucida Console" panose="020B0609040504020204" pitchFamily="49" charset="0"/>
+              </a:rPr>
+              <a:t>StatefulKnowledgeSession</a:t>
+            </a:r>
+            <a:r>
+              <a:rPr lang="pl-PL" dirty="0">
+                <a:latin typeface="Lucida Console" panose="020B0609040504020204" pitchFamily="49" charset="0"/>
+              </a:rPr>
+              <a:t> </a:t>
+            </a:r>
+            <a:r>
+              <a:rPr lang="pl-PL" dirty="0" err="1">
+                <a:latin typeface="Lucida Console" panose="020B0609040504020204" pitchFamily="49" charset="0"/>
+              </a:rPr>
+              <a:t>ksession</a:t>
+            </a:r>
+            <a:r>
+              <a:rPr lang="pl-PL" dirty="0">
+                <a:latin typeface="Lucida Console" panose="020B0609040504020204" pitchFamily="49" charset="0"/>
+              </a:rPr>
+              <a:t> = </a:t>
+            </a:r>
+            <a:br>
+              <a:rPr lang="pl-PL" dirty="0">
+                <a:latin typeface="Lucida Console" panose="020B0609040504020204" pitchFamily="49" charset="0"/>
+              </a:rPr>
+            </a:br>
+            <a:r>
+              <a:rPr lang="pl-PL" dirty="0">
+                <a:latin typeface="Lucida Console" panose="020B0609040504020204" pitchFamily="49" charset="0"/>
+              </a:rPr>
+              <a:t> </a:t>
+            </a:r>
+            <a:r>
+              <a:rPr lang="pl-PL" dirty="0" err="1" smtClean="0">
+                <a:latin typeface="Lucida Console" panose="020B0609040504020204" pitchFamily="49" charset="0"/>
+              </a:rPr>
+              <a:t>JPAKnowledgeService.newStatefulKnowledgeSession</a:t>
+            </a:r>
+            <a:r>
+              <a:rPr lang="pl-PL" dirty="0">
+                <a:latin typeface="Lucida Console" panose="020B0609040504020204" pitchFamily="49" charset="0"/>
+              </a:rPr>
+              <a:t>( </a:t>
+            </a:r>
+            <a:r>
+              <a:rPr lang="pl-PL" dirty="0" err="1">
+                <a:latin typeface="Lucida Console" panose="020B0609040504020204" pitchFamily="49" charset="0"/>
+              </a:rPr>
+              <a:t>kbase</a:t>
+            </a:r>
+            <a:r>
+              <a:rPr lang="pl-PL" dirty="0">
+                <a:latin typeface="Lucida Console" panose="020B0609040504020204" pitchFamily="49" charset="0"/>
+              </a:rPr>
+              <a:t>, </a:t>
+            </a:r>
+            <a:r>
+              <a:rPr lang="pl-PL" dirty="0" err="1">
+                <a:latin typeface="Lucida Console" panose="020B0609040504020204" pitchFamily="49" charset="0"/>
+              </a:rPr>
+              <a:t>null</a:t>
+            </a:r>
+            <a:r>
+              <a:rPr lang="pl-PL" dirty="0">
+                <a:latin typeface="Lucida Console" panose="020B0609040504020204" pitchFamily="49" charset="0"/>
+              </a:rPr>
+              <a:t>, </a:t>
+            </a:r>
+            <a:r>
+              <a:rPr lang="pl-PL" dirty="0" err="1">
+                <a:latin typeface="Lucida Console" panose="020B0609040504020204" pitchFamily="49" charset="0"/>
+              </a:rPr>
+              <a:t>env</a:t>
+            </a:r>
+            <a:r>
+              <a:rPr lang="pl-PL" dirty="0">
+                <a:latin typeface="Lucida Console" panose="020B0609040504020204" pitchFamily="49" charset="0"/>
+              </a:rPr>
+              <a:t> ); </a:t>
+            </a:r>
+            <a:br>
+              <a:rPr lang="pl-PL" dirty="0">
+                <a:latin typeface="Lucida Console" panose="020B0609040504020204" pitchFamily="49" charset="0"/>
+              </a:rPr>
+            </a:br>
+            <a:r>
+              <a:rPr lang="pl-PL" dirty="0" err="1">
+                <a:latin typeface="Lucida Console" panose="020B0609040504020204" pitchFamily="49" charset="0"/>
+              </a:rPr>
+              <a:t>int</a:t>
+            </a:r>
+            <a:r>
+              <a:rPr lang="pl-PL" dirty="0">
+                <a:latin typeface="Lucida Console" panose="020B0609040504020204" pitchFamily="49" charset="0"/>
+              </a:rPr>
+              <a:t> </a:t>
+            </a:r>
+            <a:r>
+              <a:rPr lang="pl-PL" dirty="0" err="1">
+                <a:latin typeface="Lucida Console" panose="020B0609040504020204" pitchFamily="49" charset="0"/>
+              </a:rPr>
+              <a:t>sessionId</a:t>
+            </a:r>
+            <a:r>
+              <a:rPr lang="pl-PL" dirty="0">
+                <a:latin typeface="Lucida Console" panose="020B0609040504020204" pitchFamily="49" charset="0"/>
+              </a:rPr>
+              <a:t> = </a:t>
+            </a:r>
+            <a:r>
+              <a:rPr lang="pl-PL" dirty="0" err="1">
+                <a:latin typeface="Lucida Console" panose="020B0609040504020204" pitchFamily="49" charset="0"/>
+              </a:rPr>
+              <a:t>ksession.getId</a:t>
+            </a:r>
+            <a:r>
+              <a:rPr lang="pl-PL" dirty="0">
+                <a:latin typeface="Lucida Console" panose="020B0609040504020204" pitchFamily="49" charset="0"/>
+              </a:rPr>
+              <a:t>(); </a:t>
+            </a:r>
+            <a:br>
+              <a:rPr lang="pl-PL" dirty="0">
+                <a:latin typeface="Lucida Console" panose="020B0609040504020204" pitchFamily="49" charset="0"/>
+              </a:rPr>
+            </a:br>
+            <a:r>
+              <a:rPr lang="pl-PL" dirty="0">
+                <a:latin typeface="Lucida Console" panose="020B0609040504020204" pitchFamily="49" charset="0"/>
+              </a:rPr>
+              <a:t>  </a:t>
+            </a:r>
+            <a:br>
+              <a:rPr lang="pl-PL" dirty="0">
+                <a:latin typeface="Lucida Console" panose="020B0609040504020204" pitchFamily="49" charset="0"/>
+              </a:rPr>
+            </a:br>
+            <a:r>
+              <a:rPr lang="pl-PL" dirty="0" err="1">
+                <a:latin typeface="Lucida Console" panose="020B0609040504020204" pitchFamily="49" charset="0"/>
+              </a:rPr>
+              <a:t>UserTransaction</a:t>
+            </a:r>
+            <a:r>
+              <a:rPr lang="pl-PL" dirty="0">
+                <a:latin typeface="Lucida Console" panose="020B0609040504020204" pitchFamily="49" charset="0"/>
+              </a:rPr>
+              <a:t> </a:t>
+            </a:r>
+            <a:r>
+              <a:rPr lang="pl-PL" dirty="0" err="1">
+                <a:latin typeface="Lucida Console" panose="020B0609040504020204" pitchFamily="49" charset="0"/>
+              </a:rPr>
+              <a:t>ut</a:t>
+            </a:r>
+            <a:r>
+              <a:rPr lang="pl-PL" dirty="0">
+                <a:latin typeface="Lucida Console" panose="020B0609040504020204" pitchFamily="49" charset="0"/>
+              </a:rPr>
+              <a:t> = </a:t>
+            </a:r>
+            <a:br>
+              <a:rPr lang="pl-PL" dirty="0">
+                <a:latin typeface="Lucida Console" panose="020B0609040504020204" pitchFamily="49" charset="0"/>
+              </a:rPr>
+            </a:br>
+            <a:r>
+              <a:rPr lang="pl-PL" dirty="0">
+                <a:latin typeface="Lucida Console" panose="020B0609040504020204" pitchFamily="49" charset="0"/>
+              </a:rPr>
+              <a:t>  (</a:t>
+            </a:r>
+            <a:r>
+              <a:rPr lang="pl-PL" dirty="0" err="1">
+                <a:latin typeface="Lucida Console" panose="020B0609040504020204" pitchFamily="49" charset="0"/>
+              </a:rPr>
+              <a:t>UserTransaction</a:t>
+            </a:r>
+            <a:r>
+              <a:rPr lang="pl-PL" dirty="0">
+                <a:latin typeface="Lucida Console" panose="020B0609040504020204" pitchFamily="49" charset="0"/>
+              </a:rPr>
+              <a:t>) </a:t>
+            </a:r>
+            <a:r>
+              <a:rPr lang="pl-PL" b="1" dirty="0" err="1">
+                <a:latin typeface="Lucida Console" panose="020B0609040504020204" pitchFamily="49" charset="0"/>
+              </a:rPr>
+              <a:t>new</a:t>
+            </a:r>
+            <a:r>
+              <a:rPr lang="pl-PL" dirty="0">
+                <a:latin typeface="Lucida Console" panose="020B0609040504020204" pitchFamily="49" charset="0"/>
+              </a:rPr>
+              <a:t> </a:t>
+            </a:r>
+            <a:r>
+              <a:rPr lang="pl-PL" dirty="0" err="1">
+                <a:latin typeface="Lucida Console" panose="020B0609040504020204" pitchFamily="49" charset="0"/>
+              </a:rPr>
+              <a:t>InitialContext</a:t>
+            </a:r>
+            <a:r>
+              <a:rPr lang="pl-PL" dirty="0">
+                <a:latin typeface="Lucida Console" panose="020B0609040504020204" pitchFamily="49" charset="0"/>
+              </a:rPr>
+              <a:t>().</a:t>
+            </a:r>
+            <a:r>
+              <a:rPr lang="pl-PL" dirty="0" err="1">
+                <a:latin typeface="Lucida Console" panose="020B0609040504020204" pitchFamily="49" charset="0"/>
+              </a:rPr>
+              <a:t>lookup</a:t>
+            </a:r>
+            <a:r>
+              <a:rPr lang="pl-PL" dirty="0">
+                <a:latin typeface="Lucida Console" panose="020B0609040504020204" pitchFamily="49" charset="0"/>
+              </a:rPr>
+              <a:t>( </a:t>
+            </a:r>
+            <a:endParaRPr lang="pl-PL" dirty="0" smtClean="0">
+              <a:latin typeface="Lucida Console" panose="020B0609040504020204" pitchFamily="49" charset="0"/>
+            </a:endParaRPr>
+          </a:p>
+          <a:p>
+            <a:pPr marL="109728" indent="0">
+              <a:buNone/>
+            </a:pPr>
+            <a:r>
+              <a:rPr lang="pl-PL" dirty="0">
+                <a:latin typeface="Lucida Console" panose="020B0609040504020204" pitchFamily="49" charset="0"/>
+              </a:rPr>
+              <a:t>	</a:t>
+            </a:r>
+            <a:r>
+              <a:rPr lang="pl-PL" dirty="0" smtClean="0">
+                <a:latin typeface="Lucida Console" panose="020B0609040504020204" pitchFamily="49" charset="0"/>
+              </a:rPr>
+              <a:t>"</a:t>
+            </a:r>
+            <a:r>
+              <a:rPr lang="pl-PL" dirty="0" err="1">
+                <a:latin typeface="Lucida Console" panose="020B0609040504020204" pitchFamily="49" charset="0"/>
+              </a:rPr>
+              <a:t>java:comp</a:t>
+            </a:r>
+            <a:r>
+              <a:rPr lang="pl-PL" dirty="0">
+                <a:latin typeface="Lucida Console" panose="020B0609040504020204" pitchFamily="49" charset="0"/>
+              </a:rPr>
+              <a:t>/</a:t>
+            </a:r>
+            <a:r>
+              <a:rPr lang="pl-PL" dirty="0" err="1">
+                <a:latin typeface="Lucida Console" panose="020B0609040504020204" pitchFamily="49" charset="0"/>
+              </a:rPr>
+              <a:t>UserTransaction</a:t>
+            </a:r>
+            <a:r>
+              <a:rPr lang="pl-PL" dirty="0">
+                <a:latin typeface="Lucida Console" panose="020B0609040504020204" pitchFamily="49" charset="0"/>
+              </a:rPr>
+              <a:t>" ); </a:t>
+            </a:r>
+            <a:br>
+              <a:rPr lang="pl-PL" dirty="0">
+                <a:latin typeface="Lucida Console" panose="020B0609040504020204" pitchFamily="49" charset="0"/>
+              </a:rPr>
+            </a:br>
+            <a:r>
+              <a:rPr lang="pl-PL" dirty="0" err="1">
+                <a:latin typeface="Lucida Console" panose="020B0609040504020204" pitchFamily="49" charset="0"/>
+              </a:rPr>
+              <a:t>ut.begin</a:t>
+            </a:r>
+            <a:r>
+              <a:rPr lang="pl-PL" dirty="0">
+                <a:latin typeface="Lucida Console" panose="020B0609040504020204" pitchFamily="49" charset="0"/>
+              </a:rPr>
+              <a:t>(); </a:t>
+            </a:r>
+            <a:br>
+              <a:rPr lang="pl-PL" dirty="0">
+                <a:latin typeface="Lucida Console" panose="020B0609040504020204" pitchFamily="49" charset="0"/>
+              </a:rPr>
+            </a:br>
+            <a:r>
+              <a:rPr lang="pl-PL" dirty="0" err="1">
+                <a:latin typeface="Lucida Console" panose="020B0609040504020204" pitchFamily="49" charset="0"/>
+              </a:rPr>
+              <a:t>ksession.insert</a:t>
+            </a:r>
+            <a:r>
+              <a:rPr lang="pl-PL" dirty="0">
+                <a:latin typeface="Lucida Console" panose="020B0609040504020204" pitchFamily="49" charset="0"/>
+              </a:rPr>
+              <a:t>( data1 ); </a:t>
+            </a:r>
+            <a:br>
+              <a:rPr lang="pl-PL" dirty="0">
+                <a:latin typeface="Lucida Console" panose="020B0609040504020204" pitchFamily="49" charset="0"/>
+              </a:rPr>
+            </a:br>
+            <a:r>
+              <a:rPr lang="pl-PL" dirty="0" err="1">
+                <a:latin typeface="Lucida Console" panose="020B0609040504020204" pitchFamily="49" charset="0"/>
+              </a:rPr>
+              <a:t>ksession.insert</a:t>
+            </a:r>
+            <a:r>
+              <a:rPr lang="pl-PL" dirty="0">
+                <a:latin typeface="Lucida Console" panose="020B0609040504020204" pitchFamily="49" charset="0"/>
+              </a:rPr>
+              <a:t>( data2 ); </a:t>
+            </a:r>
+            <a:br>
+              <a:rPr lang="pl-PL" dirty="0">
+                <a:latin typeface="Lucida Console" panose="020B0609040504020204" pitchFamily="49" charset="0"/>
+              </a:rPr>
+            </a:br>
+            <a:r>
+              <a:rPr lang="pl-PL" dirty="0" err="1">
+                <a:latin typeface="Lucida Console" panose="020B0609040504020204" pitchFamily="49" charset="0"/>
+              </a:rPr>
+              <a:t>ksession.startProcess</a:t>
+            </a:r>
+            <a:r>
+              <a:rPr lang="pl-PL" dirty="0">
+                <a:latin typeface="Lucida Console" panose="020B0609040504020204" pitchFamily="49" charset="0"/>
+              </a:rPr>
+              <a:t>( "process1" ); </a:t>
+            </a:r>
+            <a:br>
+              <a:rPr lang="pl-PL" dirty="0">
+                <a:latin typeface="Lucida Console" panose="020B0609040504020204" pitchFamily="49" charset="0"/>
+              </a:rPr>
+            </a:br>
+            <a:r>
+              <a:rPr lang="pl-PL" dirty="0" err="1">
+                <a:latin typeface="Lucida Console" panose="020B0609040504020204" pitchFamily="49" charset="0"/>
+              </a:rPr>
+              <a:t>ut.commit</a:t>
+            </a:r>
+            <a:r>
+              <a:rPr lang="pl-PL" dirty="0">
+                <a:latin typeface="Lucida Console" panose="020B0609040504020204" pitchFamily="49" charset="0"/>
+              </a:rPr>
+              <a:t>();</a:t>
+            </a:r>
+          </a:p>
+          <a:p>
+            <a:pPr marL="109728" indent="0">
+              <a:buNone/>
+            </a:pPr>
+            <a:endParaRPr lang="pl-PL" dirty="0">
+              <a:latin typeface="Lucida Console" panose="020B0609040504020204" pitchFamily="49" charset="0"/>
+            </a:endParaRPr>
+          </a:p>
+        </p:txBody>
+      </p:sp>
+      <p:sp>
+        <p:nvSpPr>
+          <p:cNvPr id="3" name="Tytuł 2"/>
+          <p:cNvSpPr>
+            <a:spLocks noGrp="1"/>
+          </p:cNvSpPr>
+          <p:nvPr>
+            <p:ph type="title"/>
+          </p:nvPr>
+        </p:nvSpPr>
+        <p:spPr/>
+        <p:txBody>
+          <a:bodyPr>
+            <a:normAutofit fontScale="90000"/>
+          </a:bodyPr>
+          <a:lstStyle/>
+          <a:p>
+            <a:r>
+              <a:rPr lang="pl-PL" dirty="0" err="1" smtClean="0"/>
+              <a:t>Persistence</a:t>
+            </a:r>
+            <a:r>
+              <a:rPr lang="pl-PL" dirty="0" smtClean="0"/>
+              <a:t> </a:t>
+            </a:r>
+            <a:r>
+              <a:rPr lang="pl-PL" dirty="0" err="1" smtClean="0"/>
+              <a:t>framework</a:t>
+            </a:r>
+            <a:r>
+              <a:rPr lang="pl-PL" dirty="0" smtClean="0"/>
+              <a:t> </a:t>
+            </a:r>
+            <a:r>
+              <a:rPr lang="pl-PL" dirty="0" err="1" smtClean="0"/>
+              <a:t>integration</a:t>
+            </a:r>
+            <a:endParaRPr lang="pl-PL" dirty="0"/>
+          </a:p>
+        </p:txBody>
+      </p:sp>
+    </p:spTree>
+    <p:extLst>
+      <p:ext uri="{BB962C8B-B14F-4D97-AF65-F5344CB8AC3E}">
+        <p14:creationId xmlns:p14="http://schemas.microsoft.com/office/powerpoint/2010/main" val="1896570916"/>
+      </p:ext>
+    </p:extLst>
+  </p:cSld>
+  <p:clrMapOvr>
+    <a:masterClrMapping/>
+  </p:clrMapOvr>
+  <p:timing>
+    <p:tnLst>
+      <p:par>
+        <p:cTn id="1" dur="indefinite" restart="never" nodeType="tmRoot"/>
+      </p:par>
+    </p:tnLst>
+  </p:timing>
+</p:sld>
+</file>
+
+<file path=ppt/slides/slide26.xml><?xml version="1.0" encoding="utf-8"?>
+<p:sld xmlns:a="http://schemas.openxmlformats.org/drawingml/2006/main" xmlns:r="http://schemas.openxmlformats.org/officeDocument/2006/relationships" xmlns:p="http://schemas.openxmlformats.org/presentationml/2006/main">
+  <p:cSld>
+    <p:spTree>
+      <p:nvGrpSpPr>
+        <p:cNvPr id="1" name=""/>
+        <p:cNvGrpSpPr/>
+        <p:nvPr/>
+      </p:nvGrpSpPr>
+      <p:grpSpPr>
+        <a:xfrm>
+          <a:off x="0" y="0"/>
+          <a:ext cx="0" cy="0"/>
+          <a:chOff x="0" y="0"/>
+          <a:chExt cx="0" cy="0"/>
+        </a:xfrm>
+      </p:grpSpPr>
+      <p:sp>
+        <p:nvSpPr>
+          <p:cNvPr id="2" name="Symbol zastępczy zawartości 1"/>
+          <p:cNvSpPr>
+            <a:spLocks noGrp="1"/>
+          </p:cNvSpPr>
+          <p:nvPr>
+            <p:ph idx="1"/>
+          </p:nvPr>
+        </p:nvSpPr>
+        <p:spPr/>
+        <p:txBody>
+          <a:bodyPr/>
+          <a:lstStyle/>
+          <a:p>
+            <a:r>
+              <a:rPr lang="pl-PL" dirty="0" err="1" smtClean="0"/>
+              <a:t>Declarative</a:t>
+            </a:r>
+            <a:r>
+              <a:rPr lang="pl-PL" dirty="0" smtClean="0"/>
+              <a:t> </a:t>
+            </a:r>
+            <a:r>
+              <a:rPr lang="pl-PL" dirty="0" err="1" smtClean="0"/>
+              <a:t>programming</a:t>
+            </a:r>
+            <a:endParaRPr lang="pl-PL" dirty="0" smtClean="0"/>
+          </a:p>
+          <a:p>
+            <a:r>
+              <a:rPr lang="pl-PL" dirty="0" err="1" smtClean="0"/>
+              <a:t>Logic</a:t>
+            </a:r>
+            <a:r>
+              <a:rPr lang="pl-PL" dirty="0" smtClean="0"/>
+              <a:t> and data </a:t>
+            </a:r>
+            <a:r>
+              <a:rPr lang="pl-PL" dirty="0" err="1" smtClean="0"/>
+              <a:t>separation</a:t>
+            </a:r>
+            <a:endParaRPr lang="pl-PL" dirty="0" smtClean="0"/>
+          </a:p>
+          <a:p>
+            <a:r>
+              <a:rPr lang="pl-PL" dirty="0" err="1" smtClean="0"/>
+              <a:t>Speed</a:t>
+            </a:r>
+            <a:r>
+              <a:rPr lang="pl-PL" dirty="0" smtClean="0"/>
+              <a:t> and </a:t>
+            </a:r>
+            <a:r>
+              <a:rPr lang="pl-PL" dirty="0" err="1" smtClean="0"/>
+              <a:t>Scalability</a:t>
+            </a:r>
+            <a:endParaRPr lang="pl-PL" dirty="0" smtClean="0"/>
+          </a:p>
+          <a:p>
+            <a:r>
+              <a:rPr lang="pl-PL" dirty="0" err="1" smtClean="0"/>
+              <a:t>Centralization</a:t>
+            </a:r>
+            <a:r>
+              <a:rPr lang="pl-PL" dirty="0" smtClean="0"/>
+              <a:t> of Knowledge</a:t>
+            </a:r>
+          </a:p>
+          <a:p>
+            <a:r>
+              <a:rPr lang="pl-PL" dirty="0" err="1" smtClean="0"/>
+              <a:t>Tool</a:t>
+            </a:r>
+            <a:r>
+              <a:rPr lang="pl-PL" dirty="0"/>
+              <a:t> </a:t>
+            </a:r>
+            <a:r>
+              <a:rPr lang="pl-PL" dirty="0" smtClean="0"/>
+              <a:t>Integration</a:t>
+            </a:r>
+          </a:p>
+          <a:p>
+            <a:r>
+              <a:rPr lang="pl-PL" dirty="0" err="1" smtClean="0"/>
+              <a:t>Explanation</a:t>
+            </a:r>
+            <a:r>
+              <a:rPr lang="pl-PL" dirty="0" smtClean="0"/>
+              <a:t> </a:t>
+            </a:r>
+            <a:r>
+              <a:rPr lang="pl-PL" dirty="0" err="1" smtClean="0"/>
+              <a:t>facility</a:t>
+            </a:r>
+            <a:endParaRPr lang="pl-PL" dirty="0" smtClean="0"/>
+          </a:p>
+          <a:p>
+            <a:r>
+              <a:rPr lang="pl-PL" dirty="0" err="1" smtClean="0"/>
+              <a:t>Understandable</a:t>
+            </a:r>
+            <a:r>
+              <a:rPr lang="pl-PL" dirty="0" smtClean="0"/>
+              <a:t> </a:t>
+            </a:r>
+            <a:r>
+              <a:rPr lang="pl-PL" dirty="0" err="1" smtClean="0"/>
+              <a:t>rules</a:t>
+            </a:r>
+            <a:endParaRPr lang="pl-PL" dirty="0"/>
+          </a:p>
+        </p:txBody>
+      </p:sp>
+      <p:sp>
+        <p:nvSpPr>
+          <p:cNvPr id="3" name="Tytuł 2"/>
+          <p:cNvSpPr>
+            <a:spLocks noGrp="1"/>
+          </p:cNvSpPr>
+          <p:nvPr>
+            <p:ph type="title"/>
+          </p:nvPr>
+        </p:nvSpPr>
+        <p:spPr/>
+        <p:txBody>
+          <a:bodyPr/>
+          <a:lstStyle/>
+          <a:p>
+            <a:r>
+              <a:rPr lang="pl-PL" dirty="0" err="1" smtClean="0"/>
+              <a:t>Adventages</a:t>
+            </a:r>
+            <a:r>
+              <a:rPr lang="pl-PL" dirty="0" smtClean="0"/>
+              <a:t> of </a:t>
+            </a:r>
+            <a:r>
+              <a:rPr lang="pl-PL" dirty="0" err="1" smtClean="0"/>
+              <a:t>rule</a:t>
+            </a:r>
+            <a:r>
+              <a:rPr lang="pl-PL" dirty="0" smtClean="0"/>
+              <a:t> </a:t>
+            </a:r>
+            <a:r>
+              <a:rPr lang="pl-PL" dirty="0" err="1" smtClean="0"/>
+              <a:t>engine</a:t>
+            </a:r>
+            <a:endParaRPr lang="pl-PL" dirty="0"/>
+          </a:p>
+        </p:txBody>
+      </p:sp>
+    </p:spTree>
+    <p:extLst>
+      <p:ext uri="{BB962C8B-B14F-4D97-AF65-F5344CB8AC3E}">
+        <p14:creationId xmlns:p14="http://schemas.microsoft.com/office/powerpoint/2010/main" val="3095177641"/>
+      </p:ext>
+    </p:extLst>
+  </p:cSld>
+  <p:clrMapOvr>
+    <a:masterClrMapping/>
+  </p:clrMapOvr>
+  <p:timing>
+    <p:tnLst>
+      <p:par>
+        <p:cTn id="1" dur="indefinite" restart="never" nodeType="tmRoot"/>
+      </p:par>
+    </p:tnLst>
+  </p:timing>
+</p:sld>
+</file>
+
+<file path=ppt/slides/slide27.xml><?xml version="1.0" encoding="utf-8"?>
+<p:sld xmlns:a="http://schemas.openxmlformats.org/drawingml/2006/main" xmlns:r="http://schemas.openxmlformats.org/officeDocument/2006/relationships" xmlns:p="http://schemas.openxmlformats.org/presentationml/2006/main">
+  <p:cSld>
+    <p:spTree>
+      <p:nvGrpSpPr>
+        <p:cNvPr id="1" name=""/>
+        <p:cNvGrpSpPr/>
+        <p:nvPr/>
+      </p:nvGrpSpPr>
+      <p:grpSpPr>
+        <a:xfrm>
+          <a:off x="0" y="0"/>
+          <a:ext cx="0" cy="0"/>
+          <a:chOff x="0" y="0"/>
+          <a:chExt cx="0" cy="0"/>
+        </a:xfrm>
+      </p:grpSpPr>
+      <p:sp>
+        <p:nvSpPr>
+          <p:cNvPr id="2" name="Tytuł 1"/>
+          <p:cNvSpPr>
+            <a:spLocks noGrp="1"/>
+          </p:cNvSpPr>
+          <p:nvPr>
+            <p:ph type="title"/>
+          </p:nvPr>
+        </p:nvSpPr>
+        <p:spPr/>
+        <p:txBody>
+          <a:bodyPr/>
+          <a:lstStyle/>
+          <a:p>
+            <a:r>
+              <a:rPr lang="pl-PL" dirty="0" err="1"/>
+              <a:t>When</a:t>
+            </a:r>
+            <a:r>
+              <a:rPr lang="pl-PL" dirty="0"/>
+              <a:t> to </a:t>
+            </a:r>
+            <a:r>
+              <a:rPr lang="pl-PL" dirty="0" err="1"/>
+              <a:t>use</a:t>
+            </a:r>
+            <a:r>
+              <a:rPr lang="pl-PL" dirty="0"/>
+              <a:t>, </a:t>
+            </a:r>
+            <a:r>
+              <a:rPr lang="pl-PL" dirty="0" err="1"/>
+              <a:t>when</a:t>
+            </a:r>
+            <a:r>
+              <a:rPr lang="pl-PL" dirty="0"/>
+              <a:t> not to</a:t>
+            </a:r>
+          </a:p>
+        </p:txBody>
+      </p:sp>
+      <p:sp>
+        <p:nvSpPr>
+          <p:cNvPr id="3" name="Symbol zastępczy tekstu 2"/>
+          <p:cNvSpPr>
+            <a:spLocks noGrp="1"/>
+          </p:cNvSpPr>
+          <p:nvPr>
+            <p:ph type="body" idx="1"/>
+          </p:nvPr>
+        </p:nvSpPr>
+        <p:spPr/>
+        <p:txBody>
+          <a:bodyPr/>
+          <a:lstStyle/>
+          <a:p>
+            <a:endParaRPr lang="pl-PL" dirty="0"/>
+          </a:p>
+        </p:txBody>
+      </p:sp>
+      <p:sp>
+        <p:nvSpPr>
+          <p:cNvPr id="4" name="Symbol zastępczy tekstu 3"/>
+          <p:cNvSpPr>
+            <a:spLocks noGrp="1"/>
+          </p:cNvSpPr>
+          <p:nvPr>
+            <p:ph type="body" sz="half" idx="3"/>
+          </p:nvPr>
+        </p:nvSpPr>
+        <p:spPr/>
+        <p:txBody>
+          <a:bodyPr/>
+          <a:lstStyle/>
+          <a:p>
+            <a:endParaRPr lang="pl-PL"/>
+          </a:p>
+        </p:txBody>
+      </p:sp>
+      <p:sp>
+        <p:nvSpPr>
+          <p:cNvPr id="5" name="Symbol zastępczy zawartości 4"/>
+          <p:cNvSpPr>
+            <a:spLocks noGrp="1"/>
+          </p:cNvSpPr>
+          <p:nvPr>
+            <p:ph sz="quarter" idx="2"/>
+          </p:nvPr>
+        </p:nvSpPr>
+        <p:spPr/>
+        <p:txBody>
+          <a:bodyPr>
+            <a:normAutofit lnSpcReduction="10000"/>
+          </a:bodyPr>
+          <a:lstStyle/>
+          <a:p>
+            <a:r>
+              <a:rPr lang="pl-PL" dirty="0" smtClean="0"/>
+              <a:t>The problem </a:t>
+            </a:r>
+            <a:r>
+              <a:rPr lang="pl-PL" dirty="0" err="1" smtClean="0"/>
+              <a:t>is</a:t>
+            </a:r>
+            <a:r>
+              <a:rPr lang="pl-PL" dirty="0" smtClean="0"/>
+              <a:t> </a:t>
+            </a:r>
+            <a:r>
+              <a:rPr lang="pl-PL" dirty="0" err="1" smtClean="0"/>
+              <a:t>too</a:t>
+            </a:r>
+            <a:r>
+              <a:rPr lang="pl-PL" dirty="0" smtClean="0"/>
+              <a:t> </a:t>
+            </a:r>
+            <a:r>
+              <a:rPr lang="pl-PL" dirty="0" err="1" smtClean="0"/>
+              <a:t>fiddly</a:t>
+            </a:r>
+            <a:r>
+              <a:rPr lang="pl-PL" dirty="0" smtClean="0"/>
+              <a:t> for </a:t>
+            </a:r>
+            <a:r>
+              <a:rPr lang="pl-PL" dirty="0" err="1" smtClean="0"/>
+              <a:t>traditional</a:t>
+            </a:r>
+            <a:r>
+              <a:rPr lang="pl-PL" dirty="0" smtClean="0"/>
+              <a:t> </a:t>
+            </a:r>
+            <a:r>
+              <a:rPr lang="pl-PL" dirty="0" err="1" smtClean="0"/>
+              <a:t>code</a:t>
+            </a:r>
+            <a:endParaRPr lang="pl-PL" dirty="0" smtClean="0"/>
+          </a:p>
+          <a:p>
+            <a:r>
+              <a:rPr lang="pl-PL" dirty="0" smtClean="0"/>
+              <a:t>The problem </a:t>
+            </a:r>
+            <a:r>
+              <a:rPr lang="pl-PL" dirty="0" err="1" smtClean="0"/>
+              <a:t>is</a:t>
+            </a:r>
+            <a:r>
+              <a:rPr lang="pl-PL" dirty="0" smtClean="0"/>
+              <a:t> </a:t>
+            </a:r>
+            <a:r>
+              <a:rPr lang="pl-PL" dirty="0" err="1" smtClean="0"/>
+              <a:t>beyond</a:t>
+            </a:r>
+            <a:r>
+              <a:rPr lang="pl-PL" dirty="0" smtClean="0"/>
+              <a:t> </a:t>
+            </a:r>
+            <a:r>
+              <a:rPr lang="pl-PL" dirty="0" err="1" smtClean="0"/>
+              <a:t>any</a:t>
+            </a:r>
+            <a:r>
+              <a:rPr lang="pl-PL" dirty="0" smtClean="0"/>
+              <a:t> </a:t>
+            </a:r>
+            <a:r>
+              <a:rPr lang="pl-PL" dirty="0" err="1" smtClean="0"/>
+              <a:t>obvious</a:t>
+            </a:r>
+            <a:r>
+              <a:rPr lang="pl-PL" dirty="0" smtClean="0"/>
+              <a:t> </a:t>
+            </a:r>
+            <a:r>
+              <a:rPr lang="pl-PL" dirty="0" err="1" smtClean="0"/>
+              <a:t>algorithmic</a:t>
+            </a:r>
+            <a:r>
+              <a:rPr lang="pl-PL" dirty="0" smtClean="0"/>
+              <a:t> </a:t>
+            </a:r>
+            <a:r>
+              <a:rPr lang="pl-PL" dirty="0" err="1" smtClean="0"/>
+              <a:t>solution</a:t>
+            </a:r>
+            <a:endParaRPr lang="pl-PL" dirty="0" smtClean="0"/>
+          </a:p>
+          <a:p>
+            <a:r>
+              <a:rPr lang="pl-PL" dirty="0" smtClean="0"/>
+              <a:t>The </a:t>
+            </a:r>
+            <a:r>
+              <a:rPr lang="pl-PL" dirty="0" err="1" smtClean="0"/>
+              <a:t>logic</a:t>
+            </a:r>
+            <a:r>
+              <a:rPr lang="pl-PL" dirty="0" smtClean="0"/>
+              <a:t> </a:t>
+            </a:r>
+            <a:r>
+              <a:rPr lang="pl-PL" dirty="0" err="1" smtClean="0"/>
+              <a:t>changes</a:t>
+            </a:r>
+            <a:r>
+              <a:rPr lang="pl-PL" dirty="0" smtClean="0"/>
+              <a:t> </a:t>
+            </a:r>
+            <a:r>
+              <a:rPr lang="pl-PL" dirty="0" err="1" smtClean="0"/>
+              <a:t>often</a:t>
+            </a:r>
+            <a:endParaRPr lang="pl-PL" dirty="0" smtClean="0"/>
+          </a:p>
+          <a:p>
+            <a:r>
+              <a:rPr lang="pl-PL" dirty="0" err="1" smtClean="0"/>
+              <a:t>Domain</a:t>
+            </a:r>
+            <a:r>
+              <a:rPr lang="pl-PL" dirty="0" smtClean="0"/>
+              <a:t> </a:t>
+            </a:r>
+            <a:r>
+              <a:rPr lang="pl-PL" dirty="0" err="1" smtClean="0"/>
+              <a:t>experts</a:t>
+            </a:r>
+            <a:r>
+              <a:rPr lang="pl-PL" dirty="0" smtClean="0"/>
+              <a:t> </a:t>
+            </a:r>
+            <a:r>
+              <a:rPr lang="pl-PL" dirty="0" err="1" smtClean="0"/>
+              <a:t>are</a:t>
+            </a:r>
+            <a:r>
+              <a:rPr lang="pl-PL" dirty="0" smtClean="0"/>
+              <a:t> </a:t>
+            </a:r>
+            <a:r>
+              <a:rPr lang="pl-PL" dirty="0" err="1" smtClean="0"/>
+              <a:t>readily</a:t>
+            </a:r>
+            <a:r>
+              <a:rPr lang="pl-PL" dirty="0" smtClean="0"/>
+              <a:t> </a:t>
+            </a:r>
+            <a:r>
+              <a:rPr lang="pl-PL" dirty="0" err="1" smtClean="0"/>
+              <a:t>available</a:t>
+            </a:r>
+            <a:r>
+              <a:rPr lang="pl-PL" dirty="0" smtClean="0"/>
+              <a:t> and </a:t>
+            </a:r>
+            <a:r>
+              <a:rPr lang="pl-PL" dirty="0" err="1" smtClean="0"/>
+              <a:t>nontechnical</a:t>
+            </a:r>
+            <a:endParaRPr lang="pl-PL" dirty="0"/>
+          </a:p>
+        </p:txBody>
+      </p:sp>
+      <p:sp>
+        <p:nvSpPr>
+          <p:cNvPr id="6" name="Symbol zastępczy zawartości 5"/>
+          <p:cNvSpPr>
+            <a:spLocks noGrp="1"/>
+          </p:cNvSpPr>
+          <p:nvPr>
+            <p:ph sz="quarter" idx="4"/>
+          </p:nvPr>
+        </p:nvSpPr>
+        <p:spPr/>
+        <p:txBody>
+          <a:bodyPr>
+            <a:normAutofit fontScale="92500" lnSpcReduction="20000"/>
+          </a:bodyPr>
+          <a:lstStyle/>
+          <a:p>
+            <a:r>
+              <a:rPr lang="en-US" dirty="0"/>
+              <a:t>Rules engines are not really intended to handle workflow or process executions nor are workflow engines or process management tools designed to do rules. Use the right tool for the job. Sure, a pair of pliers can be used as a hammering tool in a pinch, but that's not what it's designed for.</a:t>
+            </a:r>
+            <a:endParaRPr lang="pl-PL" dirty="0"/>
+          </a:p>
+        </p:txBody>
+      </p:sp>
+    </p:spTree>
+    <p:extLst>
+      <p:ext uri="{BB962C8B-B14F-4D97-AF65-F5344CB8AC3E}">
+        <p14:creationId xmlns:p14="http://schemas.microsoft.com/office/powerpoint/2010/main" val="3001520462"/>
+      </p:ext>
+    </p:extLst>
+  </p:cSld>
+  <p:clrMapOvr>
+    <a:masterClrMapping/>
+  </p:clrMapOvr>
+  <p:timing>
+    <p:tnLst>
+      <p:par>
+        <p:cTn id="1" dur="indefinite" restart="never" nodeType="tmRoot"/>
+      </p:par>
+    </p:tnLst>
+  </p:timing>
+</p:sld>
+</file>
+
+<file path=ppt/slides/slide28.xml><?xml version="1.0" encoding="utf-8"?>
+<p:sld xmlns:a="http://schemas.openxmlformats.org/drawingml/2006/main" xmlns:r="http://schemas.openxmlformats.org/officeDocument/2006/relationships" xmlns:p="http://schemas.openxmlformats.org/presentationml/2006/main">
+  <p:cSld>
+    <p:spTree>
+      <p:nvGrpSpPr>
+        <p:cNvPr id="1" name=""/>
+        <p:cNvGrpSpPr/>
+        <p:nvPr/>
+      </p:nvGrpSpPr>
+      <p:grpSpPr>
+        <a:xfrm>
+          <a:off x="0" y="0"/>
+          <a:ext cx="0" cy="0"/>
+          <a:chOff x="0" y="0"/>
+          <a:chExt cx="0" cy="0"/>
+        </a:xfrm>
+      </p:grpSpPr>
+      <p:sp>
+        <p:nvSpPr>
           <p:cNvPr id="2" name="Tytuł 1"/>
           <p:cNvSpPr>
             <a:spLocks noGrp="1"/>
@@ -8671,6 +10195,258 @@
     <p:extLst>
       <p:ext uri="{BB962C8B-B14F-4D97-AF65-F5344CB8AC3E}">
         <p14:creationId xmlns:p14="http://schemas.microsoft.com/office/powerpoint/2010/main" val="3732025211"/>
+      </p:ext>
+    </p:extLst>
+  </p:cSld>
+  <p:clrMapOvr>
+    <a:masterClrMapping/>
+  </p:clrMapOvr>
+  <p:timing>
+    <p:tnLst>
+      <p:par>
+        <p:cTn id="1" dur="indefinite" restart="never" nodeType="tmRoot"/>
+      </p:par>
+    </p:tnLst>
+  </p:timing>
+</p:sld>
+</file>
+
+<file path=ppt/slides/slide29.xml><?xml version="1.0" encoding="utf-8"?>
+<p:sld xmlns:a="http://schemas.openxmlformats.org/drawingml/2006/main" xmlns:r="http://schemas.openxmlformats.org/officeDocument/2006/relationships" xmlns:p="http://schemas.openxmlformats.org/presentationml/2006/main">
+  <p:cSld>
+    <p:spTree>
+      <p:nvGrpSpPr>
+        <p:cNvPr id="1" name=""/>
+        <p:cNvGrpSpPr/>
+        <p:nvPr/>
+      </p:nvGrpSpPr>
+      <p:grpSpPr>
+        <a:xfrm>
+          <a:off x="0" y="0"/>
+          <a:ext cx="0" cy="0"/>
+          <a:chOff x="0" y="0"/>
+          <a:chExt cx="0" cy="0"/>
+        </a:xfrm>
+      </p:grpSpPr>
+      <p:sp>
+        <p:nvSpPr>
+          <p:cNvPr id="2" name="Tytuł 1"/>
+          <p:cNvSpPr>
+            <a:spLocks noGrp="1"/>
+          </p:cNvSpPr>
+          <p:nvPr>
+            <p:ph type="title"/>
+          </p:nvPr>
+        </p:nvSpPr>
+        <p:spPr/>
+        <p:txBody>
+          <a:bodyPr/>
+          <a:lstStyle/>
+          <a:p>
+            <a:r>
+              <a:rPr lang="pl-PL" dirty="0" smtClean="0"/>
+              <a:t>Links and </a:t>
+            </a:r>
+            <a:r>
+              <a:rPr lang="pl-PL" dirty="0" err="1" smtClean="0"/>
+              <a:t>references</a:t>
+            </a:r>
+            <a:endParaRPr lang="en-GB" dirty="0"/>
+          </a:p>
+        </p:txBody>
+      </p:sp>
+      <p:sp>
+        <p:nvSpPr>
+          <p:cNvPr id="3" name="Symbol zastępczy tekstu 2"/>
+          <p:cNvSpPr>
+            <a:spLocks noGrp="1"/>
+          </p:cNvSpPr>
+          <p:nvPr>
+            <p:ph type="body" idx="2"/>
+          </p:nvPr>
+        </p:nvSpPr>
+        <p:spPr/>
+        <p:txBody>
+          <a:bodyPr/>
+          <a:lstStyle/>
+          <a:p>
+            <a:r>
+              <a:rPr lang="pl-PL" dirty="0" smtClean="0"/>
+              <a:t>by Przemek Różycki</a:t>
+            </a:r>
+            <a:endParaRPr lang="en-GB" dirty="0"/>
+          </a:p>
+        </p:txBody>
+      </p:sp>
+      <p:sp>
+        <p:nvSpPr>
+          <p:cNvPr id="4" name="Symbol zastępczy zawartości 3"/>
+          <p:cNvSpPr>
+            <a:spLocks noGrp="1"/>
+          </p:cNvSpPr>
+          <p:nvPr>
+            <p:ph sz="half" idx="1"/>
+          </p:nvPr>
+        </p:nvSpPr>
+        <p:spPr/>
+        <p:txBody>
+          <a:bodyPr>
+            <a:normAutofit/>
+          </a:bodyPr>
+          <a:lstStyle/>
+          <a:p>
+            <a:r>
+              <a:rPr lang="pl-PL" sz="2800" dirty="0" err="1" smtClean="0"/>
+              <a:t>This</a:t>
+            </a:r>
+            <a:r>
+              <a:rPr lang="pl-PL" sz="2800" dirty="0" smtClean="0"/>
+              <a:t> </a:t>
+            </a:r>
+            <a:r>
+              <a:rPr lang="pl-PL" sz="2800" dirty="0" err="1" smtClean="0"/>
+              <a:t>presentation</a:t>
+            </a:r>
+            <a:r>
+              <a:rPr lang="pl-PL" sz="2800" dirty="0" smtClean="0"/>
+              <a:t> and </a:t>
+            </a:r>
+            <a:r>
+              <a:rPr lang="pl-PL" sz="2800" dirty="0" err="1" smtClean="0"/>
+              <a:t>examples</a:t>
+            </a:r>
+            <a:endParaRPr lang="pl-PL" sz="2800" dirty="0" smtClean="0"/>
+          </a:p>
+          <a:p>
+            <a:pPr lvl="1"/>
+            <a:r>
+              <a:rPr lang="en-GB" sz="2000" dirty="0" smtClean="0">
+                <a:hlinkClick r:id="rId2"/>
+              </a:rPr>
+              <a:t>https</a:t>
+            </a:r>
+            <a:r>
+              <a:rPr lang="en-GB" sz="2000" dirty="0">
+                <a:hlinkClick r:id="rId2"/>
+              </a:rPr>
+              <a:t>://</a:t>
+            </a:r>
+            <a:r>
+              <a:rPr lang="en-GB" sz="2000" dirty="0" smtClean="0">
+                <a:hlinkClick r:id="rId2"/>
+              </a:rPr>
+              <a:t>github.com/rozz/drools-presentation-and-examples/tree/master-drools-6-jug</a:t>
+            </a:r>
+            <a:endParaRPr lang="pl-PL" sz="2000" dirty="0" smtClean="0"/>
+          </a:p>
+          <a:p>
+            <a:r>
+              <a:rPr lang="pl-PL" sz="2800" dirty="0" err="1" smtClean="0"/>
+              <a:t>Drools</a:t>
+            </a:r>
+            <a:r>
+              <a:rPr lang="pl-PL" sz="2800" dirty="0" smtClean="0"/>
+              <a:t> </a:t>
+            </a:r>
+            <a:r>
+              <a:rPr lang="pl-PL" sz="2800" dirty="0" err="1" smtClean="0"/>
+              <a:t>documentation</a:t>
+            </a:r>
+            <a:endParaRPr lang="pl-PL" sz="2800" dirty="0" smtClean="0"/>
+          </a:p>
+          <a:p>
+            <a:pPr lvl="1"/>
+            <a:r>
+              <a:rPr lang="en-GB" sz="2000" dirty="0" smtClean="0">
+                <a:hlinkClick r:id="rId3"/>
+              </a:rPr>
+              <a:t>http</a:t>
+            </a:r>
+            <a:r>
+              <a:rPr lang="en-GB" sz="2000" dirty="0">
+                <a:hlinkClick r:id="rId3"/>
+              </a:rPr>
+              <a:t>://</a:t>
+            </a:r>
+            <a:r>
+              <a:rPr lang="en-GB" sz="2000" dirty="0" smtClean="0">
+                <a:hlinkClick r:id="rId3"/>
+              </a:rPr>
+              <a:t>www.jboss.org/drools/documentation</a:t>
+            </a:r>
+            <a:endParaRPr lang="pl-PL" sz="2000" dirty="0" smtClean="0"/>
+          </a:p>
+          <a:p>
+            <a:pPr lvl="1"/>
+            <a:r>
+              <a:rPr lang="en-GB" sz="2000" dirty="0" smtClean="0">
+                <a:hlinkClick r:id="rId4"/>
+              </a:rPr>
+              <a:t>https</a:t>
+            </a:r>
+            <a:r>
+              <a:rPr lang="en-GB" sz="2000" dirty="0">
+                <a:hlinkClick r:id="rId4"/>
+              </a:rPr>
+              <a:t>://</a:t>
+            </a:r>
+            <a:r>
+              <a:rPr lang="en-GB" sz="2000" dirty="0" smtClean="0">
+                <a:hlinkClick r:id="rId4"/>
+              </a:rPr>
+              <a:t>community.jboss.org/wiki/JBossRules</a:t>
+            </a:r>
+            <a:endParaRPr lang="pl-PL" sz="2000" dirty="0" smtClean="0"/>
+          </a:p>
+          <a:p>
+            <a:r>
+              <a:rPr lang="pl-PL" sz="2800" dirty="0" smtClean="0"/>
+              <a:t>Komercyjne </a:t>
+            </a:r>
+            <a:r>
+              <a:rPr lang="pl-PL" sz="2800" dirty="0" err="1" smtClean="0"/>
+              <a:t>Droolsy</a:t>
+            </a:r>
+            <a:r>
+              <a:rPr lang="pl-PL" sz="2800" dirty="0" smtClean="0"/>
+              <a:t> </a:t>
+            </a:r>
+            <a:r>
+              <a:rPr lang="pl-PL" sz="2800" dirty="0" err="1" smtClean="0"/>
+              <a:t>RedHata</a:t>
+            </a:r>
+            <a:endParaRPr lang="pl-PL" sz="2800" dirty="0" smtClean="0">
+              <a:hlinkClick r:id="rId5"/>
+            </a:endParaRPr>
+          </a:p>
+          <a:p>
+            <a:pPr lvl="1"/>
+            <a:r>
+              <a:rPr lang="en-GB" sz="2000" dirty="0" smtClean="0">
+                <a:hlinkClick r:id="rId5"/>
+              </a:rPr>
+              <a:t>http</a:t>
+            </a:r>
+            <a:r>
+              <a:rPr lang="en-GB" sz="2000" dirty="0">
+                <a:hlinkClick r:id="rId5"/>
+              </a:rPr>
+              <a:t>://www.redhat.com/products/jbossenterprisemiddleware/business-rules</a:t>
+            </a:r>
+            <a:r>
+              <a:rPr lang="en-GB" sz="2000" dirty="0" smtClean="0">
+                <a:hlinkClick r:id="rId5"/>
+              </a:rPr>
+              <a:t>/</a:t>
+            </a:r>
+            <a:endParaRPr lang="pl-PL" sz="2000" dirty="0" smtClean="0"/>
+          </a:p>
+        </p:txBody>
+      </p:sp>
+    </p:spTree>
+    <p:extLst>
+      <p:ext uri="{BB962C8B-B14F-4D97-AF65-F5344CB8AC3E}">
+        <p14:creationId xmlns:p14="http://schemas.microsoft.com/office/powerpoint/2010/main" val="823432182"/>
       </p:ext>
     </p:extLst>
   </p:cSld>
@@ -8716,6 +10492,301 @@
         </p:nvSpPr>
         <p:spPr/>
         <p:txBody>
+          <a:bodyPr>
+            <a:normAutofit lnSpcReduction="10000"/>
+          </a:bodyPr>
+          <a:lstStyle/>
+          <a:p>
+            <a:r>
+              <a:rPr lang="pl-PL" dirty="0" smtClean="0"/>
+              <a:t>Knowledge </a:t>
+            </a:r>
+            <a:r>
+              <a:rPr lang="pl-PL" dirty="0" err="1" smtClean="0"/>
+              <a:t>Representation</a:t>
+            </a:r>
+            <a:r>
+              <a:rPr lang="en-US" dirty="0" smtClean="0"/>
+              <a:t> </a:t>
+            </a:r>
+            <a:r>
+              <a:rPr lang="en-US" dirty="0"/>
+              <a:t>is about how we represent our knowledge in symbolic form, i.e. how we describe something. </a:t>
+            </a:r>
+            <a:endParaRPr lang="pl-PL" dirty="0" smtClean="0"/>
+          </a:p>
+          <a:p>
+            <a:pPr lvl="1"/>
+            <a:r>
+              <a:rPr lang="pl-PL" dirty="0" smtClean="0"/>
+              <a:t>In </a:t>
+            </a:r>
+            <a:r>
+              <a:rPr lang="pl-PL" dirty="0" err="1" smtClean="0"/>
+              <a:t>object</a:t>
+            </a:r>
+            <a:r>
+              <a:rPr lang="pl-PL" dirty="0" smtClean="0"/>
+              <a:t> </a:t>
+            </a:r>
+            <a:r>
+              <a:rPr lang="pl-PL" dirty="0" err="1" smtClean="0"/>
+              <a:t>oriented</a:t>
+            </a:r>
+            <a:r>
+              <a:rPr lang="pl-PL" dirty="0" smtClean="0"/>
+              <a:t> </a:t>
+            </a:r>
+            <a:r>
+              <a:rPr lang="pl-PL" dirty="0" err="1" smtClean="0"/>
+              <a:t>languages</a:t>
+            </a:r>
+            <a:r>
+              <a:rPr lang="pl-PL" dirty="0" smtClean="0"/>
+              <a:t> – </a:t>
+            </a:r>
+            <a:r>
+              <a:rPr lang="pl-PL" dirty="0" err="1" smtClean="0"/>
+              <a:t>objects</a:t>
+            </a:r>
+            <a:endParaRPr lang="pl-PL" dirty="0" smtClean="0"/>
+          </a:p>
+          <a:p>
+            <a:pPr lvl="1"/>
+            <a:r>
+              <a:rPr lang="pl-PL" dirty="0" err="1" smtClean="0"/>
+              <a:t>Another</a:t>
+            </a:r>
+            <a:r>
+              <a:rPr lang="pl-PL" dirty="0" smtClean="0"/>
+              <a:t> </a:t>
+            </a:r>
+            <a:r>
+              <a:rPr lang="pl-PL" dirty="0" err="1" smtClean="0"/>
+              <a:t>approaches</a:t>
+            </a:r>
+            <a:r>
+              <a:rPr lang="pl-PL" dirty="0" smtClean="0"/>
+              <a:t> - OWL</a:t>
+            </a:r>
+            <a:endParaRPr lang="pl-PL" dirty="0" smtClean="0"/>
+          </a:p>
+          <a:p>
+            <a:r>
+              <a:rPr lang="en-US" dirty="0"/>
+              <a:t>Reasoning is about how we go about the act of thinking using this knowledge</a:t>
+            </a:r>
+            <a:r>
+              <a:rPr lang="en-US" dirty="0" smtClean="0"/>
+              <a:t>.</a:t>
+            </a:r>
+            <a:endParaRPr lang="pl-PL" dirty="0" smtClean="0"/>
+          </a:p>
+          <a:p>
+            <a:r>
+              <a:rPr lang="pl-PL" dirty="0"/>
+              <a:t>The </a:t>
+            </a:r>
+            <a:r>
+              <a:rPr lang="pl-PL" dirty="0" err="1"/>
+              <a:t>whole</a:t>
+            </a:r>
+            <a:r>
+              <a:rPr lang="pl-PL" dirty="0"/>
+              <a:t> </a:t>
+            </a:r>
+            <a:r>
+              <a:rPr lang="pl-PL" dirty="0" err="1" smtClean="0"/>
+              <a:t>concept</a:t>
+            </a:r>
+            <a:r>
+              <a:rPr lang="pl-PL" dirty="0" smtClean="0"/>
+              <a:t> of </a:t>
+            </a:r>
+            <a:r>
+              <a:rPr lang="pl-PL" dirty="0" err="1" smtClean="0"/>
+              <a:t>Drools</a:t>
+            </a:r>
+            <a:r>
+              <a:rPr lang="pl-PL" dirty="0" smtClean="0"/>
+              <a:t> </a:t>
+            </a:r>
+            <a:r>
+              <a:rPr lang="pl-PL" dirty="0" err="1"/>
+              <a:t>is</a:t>
+            </a:r>
+            <a:r>
+              <a:rPr lang="pl-PL" dirty="0"/>
+              <a:t> </a:t>
+            </a:r>
+            <a:r>
+              <a:rPr lang="pl-PL" dirty="0" err="1"/>
+              <a:t>based</a:t>
+            </a:r>
+            <a:r>
+              <a:rPr lang="pl-PL" dirty="0"/>
+              <a:t> </a:t>
+            </a:r>
+            <a:r>
+              <a:rPr lang="pl-PL" dirty="0" err="1"/>
+              <a:t>around</a:t>
+            </a:r>
+            <a:r>
+              <a:rPr lang="pl-PL" dirty="0"/>
+              <a:t> Knowledge </a:t>
+            </a:r>
+            <a:r>
+              <a:rPr lang="pl-PL" dirty="0" err="1"/>
+              <a:t>Representation</a:t>
+            </a:r>
+            <a:r>
+              <a:rPr lang="pl-PL" dirty="0"/>
+              <a:t> and </a:t>
+            </a:r>
+            <a:r>
+              <a:rPr lang="pl-PL" dirty="0" err="1" smtClean="0"/>
+              <a:t>Reasoning</a:t>
+            </a:r>
+            <a:r>
+              <a:rPr lang="pl-PL" dirty="0" smtClean="0"/>
+              <a:t>, </a:t>
+            </a:r>
+            <a:r>
+              <a:rPr lang="pl-PL" dirty="0" err="1" smtClean="0"/>
+              <a:t>however</a:t>
+            </a:r>
+            <a:r>
+              <a:rPr lang="pl-PL" dirty="0" smtClean="0"/>
+              <a:t> </a:t>
+            </a:r>
+            <a:r>
+              <a:rPr lang="pl-PL" dirty="0" err="1" smtClean="0"/>
+              <a:t>it</a:t>
+            </a:r>
+            <a:r>
+              <a:rPr lang="pl-PL" dirty="0" smtClean="0"/>
+              <a:t> </a:t>
+            </a:r>
+            <a:r>
+              <a:rPr lang="pl-PL" dirty="0" err="1" smtClean="0"/>
+              <a:t>does</a:t>
+            </a:r>
+            <a:r>
+              <a:rPr lang="pl-PL" dirty="0" smtClean="0"/>
+              <a:t> not </a:t>
+            </a:r>
+            <a:r>
+              <a:rPr lang="pl-PL" dirty="0" err="1" smtClean="0"/>
+              <a:t>require</a:t>
+            </a:r>
+            <a:r>
+              <a:rPr lang="pl-PL" dirty="0" smtClean="0"/>
+              <a:t> </a:t>
+            </a:r>
+            <a:r>
+              <a:rPr lang="pl-PL" dirty="0" err="1" smtClean="0"/>
+              <a:t>sophisticated</a:t>
+            </a:r>
+            <a:r>
+              <a:rPr lang="pl-PL" dirty="0" smtClean="0"/>
+              <a:t> </a:t>
+            </a:r>
+            <a:r>
+              <a:rPr lang="pl-PL" dirty="0" err="1" smtClean="0"/>
+              <a:t>tools</a:t>
+            </a:r>
+            <a:r>
+              <a:rPr lang="pl-PL" dirty="0" smtClean="0"/>
+              <a:t> </a:t>
+            </a:r>
+            <a:r>
+              <a:rPr lang="pl-PL" dirty="0" err="1" smtClean="0"/>
+              <a:t>like</a:t>
+            </a:r>
+            <a:r>
+              <a:rPr lang="pl-PL" dirty="0" smtClean="0"/>
+              <a:t> OWL</a:t>
+            </a:r>
+            <a:endParaRPr lang="pl-PL" dirty="0"/>
+          </a:p>
+        </p:txBody>
+      </p:sp>
+      <p:sp>
+        <p:nvSpPr>
+          <p:cNvPr id="3" name="Tytuł 2"/>
+          <p:cNvSpPr>
+            <a:spLocks noGrp="1"/>
+          </p:cNvSpPr>
+          <p:nvPr>
+            <p:ph type="title"/>
+          </p:nvPr>
+        </p:nvSpPr>
+        <p:spPr/>
+        <p:txBody>
+          <a:bodyPr>
+            <a:normAutofit fontScale="90000"/>
+          </a:bodyPr>
+          <a:lstStyle/>
+          <a:p>
+            <a:r>
+              <a:rPr lang="en-US" b="0" dirty="0">
+                <a:effectLst/>
+              </a:rPr>
+              <a:t>Knowledge Representation and Reasoning (KRR)</a:t>
+            </a:r>
+            <a:endParaRPr lang="pl-PL" dirty="0"/>
+          </a:p>
+        </p:txBody>
+      </p:sp>
+    </p:spTree>
+    <p:extLst>
+      <p:ext uri="{BB962C8B-B14F-4D97-AF65-F5344CB8AC3E}">
+        <p14:creationId xmlns:p14="http://schemas.microsoft.com/office/powerpoint/2010/main" val="4230564183"/>
+      </p:ext>
+    </p:extLst>
+  </p:cSld>
+  <p:clrMapOvr>
+    <a:masterClrMapping/>
+  </p:clrMapOvr>
+  <p:timing>
+    <p:tnLst>
+      <p:par>
+        <p:cTn id="1" dur="indefinite" restart="never" nodeType="tmRoot"/>
+      </p:par>
+    </p:tnLst>
+  </p:timing>
+</p:sld>
+</file>
+
+<file path=ppt/slides/slide4.xml><?xml version="1.0" encoding="utf-8"?>
+<p:sld xmlns:a="http://schemas.openxmlformats.org/drawingml/2006/main" xmlns:r="http://schemas.openxmlformats.org/officeDocument/2006/relationships" xmlns:p="http://schemas.openxmlformats.org/presentationml/2006/main">
+  <p:cSld>
+    <p:spTree>
+      <p:nvGrpSpPr>
+        <p:cNvPr id="1" name=""/>
+        <p:cNvGrpSpPr/>
+        <p:nvPr/>
+      </p:nvGrpSpPr>
+      <p:grpSpPr>
+        <a:xfrm>
+          <a:off x="0" y="0"/>
+          <a:ext cx="0" cy="0"/>
+          <a:chOff x="0" y="0"/>
+          <a:chExt cx="0" cy="0"/>
+        </a:xfrm>
+      </p:grpSpPr>
+      <p:sp>
+        <p:nvSpPr>
+          <p:cNvPr id="2" name="Symbol zastępczy zawartości 1"/>
+          <p:cNvSpPr>
+            <a:spLocks noGrp="1"/>
+          </p:cNvSpPr>
+          <p:nvPr>
+            <p:ph idx="1"/>
+          </p:nvPr>
+        </p:nvSpPr>
+        <p:spPr/>
+        <p:txBody>
           <a:bodyPr/>
           <a:lstStyle/>
           <a:p>
@@ -8921,7 +10992,804 @@
 </p:sld>
 </file>
 
-<file path=ppt/slides/slide4.xml><?xml version="1.0" encoding="utf-8"?>
+<file path=ppt/slides/slide5.xml><?xml version="1.0" encoding="utf-8"?>
+<p:sld xmlns:a="http://schemas.openxmlformats.org/drawingml/2006/main" xmlns:r="http://schemas.openxmlformats.org/officeDocument/2006/relationships" xmlns:p="http://schemas.openxmlformats.org/presentationml/2006/main">
+  <p:cSld>
+    <p:spTree>
+      <p:nvGrpSpPr>
+        <p:cNvPr id="1" name=""/>
+        <p:cNvGrpSpPr/>
+        <p:nvPr/>
+      </p:nvGrpSpPr>
+      <p:grpSpPr>
+        <a:xfrm>
+          <a:off x="0" y="0"/>
+          <a:ext cx="0" cy="0"/>
+          <a:chOff x="0" y="0"/>
+          <a:chExt cx="0" cy="0"/>
+        </a:xfrm>
+      </p:grpSpPr>
+      <p:sp>
+        <p:nvSpPr>
+          <p:cNvPr id="2" name="Symbol zastępczy zawartości 1"/>
+          <p:cNvSpPr>
+            <a:spLocks noGrp="1"/>
+          </p:cNvSpPr>
+          <p:nvPr>
+            <p:ph idx="1"/>
+          </p:nvPr>
+        </p:nvSpPr>
+        <p:spPr/>
+        <p:txBody>
+          <a:bodyPr>
+            <a:normAutofit/>
+          </a:bodyPr>
+          <a:lstStyle/>
+          <a:p>
+            <a:r>
+              <a:rPr lang="pl-PL" dirty="0" err="1" smtClean="0"/>
+              <a:t>Based</a:t>
+            </a:r>
+            <a:r>
+              <a:rPr lang="pl-PL" dirty="0" smtClean="0"/>
+              <a:t> on </a:t>
+            </a:r>
+            <a:r>
+              <a:rPr lang="pl-PL" dirty="0" err="1" smtClean="0"/>
+              <a:t>Rete</a:t>
+            </a:r>
+            <a:r>
+              <a:rPr lang="pl-PL" dirty="0" smtClean="0"/>
+              <a:t> </a:t>
+            </a:r>
+            <a:r>
+              <a:rPr lang="pl-PL" dirty="0" err="1" smtClean="0"/>
+              <a:t>algorithm</a:t>
+            </a:r>
+            <a:r>
+              <a:rPr lang="pl-PL" dirty="0" smtClean="0"/>
+              <a:t> </a:t>
+            </a:r>
+            <a:r>
+              <a:rPr lang="pl-PL" dirty="0" err="1" smtClean="0"/>
+              <a:t>developed</a:t>
+            </a:r>
+            <a:r>
+              <a:rPr lang="pl-PL" dirty="0" smtClean="0"/>
+              <a:t> by Charles </a:t>
+            </a:r>
+            <a:r>
+              <a:rPr lang="pl-PL" dirty="0" err="1" smtClean="0"/>
+              <a:t>Forgy</a:t>
+            </a:r>
+            <a:r>
+              <a:rPr lang="pl-PL" dirty="0" smtClean="0"/>
+              <a:t> in 1974</a:t>
+            </a:r>
+          </a:p>
+          <a:p>
+            <a:r>
+              <a:rPr lang="pl-PL" dirty="0" err="1" smtClean="0"/>
+              <a:t>Fundamental</a:t>
+            </a:r>
+            <a:r>
+              <a:rPr lang="pl-PL" dirty="0" smtClean="0"/>
+              <a:t> </a:t>
+            </a:r>
+            <a:r>
+              <a:rPr lang="pl-PL" dirty="0" err="1" smtClean="0"/>
+              <a:t>terms</a:t>
+            </a:r>
+            <a:r>
+              <a:rPr lang="pl-PL" dirty="0" smtClean="0"/>
+              <a:t>:</a:t>
+            </a:r>
+          </a:p>
+          <a:p>
+            <a:pPr lvl="1"/>
+            <a:r>
+              <a:rPr lang="pl-PL" dirty="0" err="1" smtClean="0"/>
+              <a:t>Rules</a:t>
+            </a:r>
+            <a:endParaRPr lang="pl-PL" dirty="0" smtClean="0"/>
+          </a:p>
+          <a:p>
+            <a:pPr marL="1250950" lvl="1" indent="0">
+              <a:buNone/>
+            </a:pPr>
+            <a:r>
+              <a:rPr lang="pl-PL" sz="1800" dirty="0" err="1">
+                <a:latin typeface="Consolas" panose="020B0609020204030204" pitchFamily="49" charset="0"/>
+                <a:cs typeface="Consolas" panose="020B0609020204030204" pitchFamily="49" charset="0"/>
+              </a:rPr>
+              <a:t>when</a:t>
+            </a:r>
+            <a:endParaRPr lang="pl-PL" sz="1800" dirty="0">
+              <a:latin typeface="Consolas" panose="020B0609020204030204" pitchFamily="49" charset="0"/>
+              <a:cs typeface="Consolas" panose="020B0609020204030204" pitchFamily="49" charset="0"/>
+            </a:endParaRPr>
+          </a:p>
+          <a:p>
+            <a:pPr marL="1250950" lvl="1" indent="0">
+              <a:buNone/>
+            </a:pPr>
+            <a:r>
+              <a:rPr lang="pl-PL" sz="1800" dirty="0" smtClean="0">
+                <a:latin typeface="Consolas" panose="020B0609020204030204" pitchFamily="49" charset="0"/>
+                <a:cs typeface="Consolas" panose="020B0609020204030204" pitchFamily="49" charset="0"/>
+              </a:rPr>
+              <a:t>    </a:t>
+            </a:r>
+            <a:r>
+              <a:rPr lang="pl-PL" sz="1800" dirty="0">
+                <a:latin typeface="Consolas" panose="020B0609020204030204" pitchFamily="49" charset="0"/>
+                <a:cs typeface="Consolas" panose="020B0609020204030204" pitchFamily="49" charset="0"/>
+              </a:rPr>
+              <a:t>&lt;</a:t>
+            </a:r>
+            <a:r>
+              <a:rPr lang="pl-PL" sz="1800" dirty="0" err="1">
+                <a:latin typeface="Consolas" panose="020B0609020204030204" pitchFamily="49" charset="0"/>
+                <a:cs typeface="Consolas" panose="020B0609020204030204" pitchFamily="49" charset="0"/>
+              </a:rPr>
+              <a:t>conditions</a:t>
+            </a:r>
+            <a:r>
+              <a:rPr lang="pl-PL" sz="1800" dirty="0">
+                <a:latin typeface="Consolas" panose="020B0609020204030204" pitchFamily="49" charset="0"/>
+                <a:cs typeface="Consolas" panose="020B0609020204030204" pitchFamily="49" charset="0"/>
+              </a:rPr>
+              <a:t>&gt;</a:t>
+            </a:r>
+          </a:p>
+          <a:p>
+            <a:pPr marL="1250950" lvl="1" indent="0">
+              <a:buNone/>
+            </a:pPr>
+            <a:r>
+              <a:rPr lang="pl-PL" sz="1800" dirty="0" err="1" smtClean="0">
+                <a:latin typeface="Consolas" panose="020B0609020204030204" pitchFamily="49" charset="0"/>
+                <a:cs typeface="Consolas" panose="020B0609020204030204" pitchFamily="49" charset="0"/>
+              </a:rPr>
+              <a:t>then</a:t>
+            </a:r>
+            <a:endParaRPr lang="pl-PL" sz="1800" dirty="0">
+              <a:latin typeface="Consolas" panose="020B0609020204030204" pitchFamily="49" charset="0"/>
+              <a:cs typeface="Consolas" panose="020B0609020204030204" pitchFamily="49" charset="0"/>
+            </a:endParaRPr>
+          </a:p>
+          <a:p>
+            <a:pPr marL="1250950" lvl="1" indent="0">
+              <a:buNone/>
+            </a:pPr>
+            <a:r>
+              <a:rPr lang="pl-PL" sz="1800" dirty="0" smtClean="0">
+                <a:latin typeface="Consolas" panose="020B0609020204030204" pitchFamily="49" charset="0"/>
+                <a:cs typeface="Consolas" panose="020B0609020204030204" pitchFamily="49" charset="0"/>
+              </a:rPr>
+              <a:t>    </a:t>
+            </a:r>
+            <a:r>
+              <a:rPr lang="pl-PL" sz="1800" dirty="0">
+                <a:latin typeface="Consolas" panose="020B0609020204030204" pitchFamily="49" charset="0"/>
+                <a:cs typeface="Consolas" panose="020B0609020204030204" pitchFamily="49" charset="0"/>
+              </a:rPr>
+              <a:t>&lt;</a:t>
+            </a:r>
+            <a:r>
+              <a:rPr lang="pl-PL" sz="1800" dirty="0" err="1">
+                <a:latin typeface="Consolas" panose="020B0609020204030204" pitchFamily="49" charset="0"/>
+                <a:cs typeface="Consolas" panose="020B0609020204030204" pitchFamily="49" charset="0"/>
+              </a:rPr>
+              <a:t>actions</a:t>
+            </a:r>
+            <a:r>
+              <a:rPr lang="pl-PL" sz="1800" dirty="0">
+                <a:latin typeface="Consolas" panose="020B0609020204030204" pitchFamily="49" charset="0"/>
+                <a:cs typeface="Consolas" panose="020B0609020204030204" pitchFamily="49" charset="0"/>
+              </a:rPr>
+              <a:t>&gt;;</a:t>
+            </a:r>
+            <a:endParaRPr lang="pl-PL" sz="1800" dirty="0" smtClean="0">
+              <a:latin typeface="Consolas" panose="020B0609020204030204" pitchFamily="49" charset="0"/>
+              <a:cs typeface="Consolas" panose="020B0609020204030204" pitchFamily="49" charset="0"/>
+            </a:endParaRPr>
+          </a:p>
+          <a:p>
+            <a:pPr lvl="1"/>
+            <a:r>
+              <a:rPr lang="pl-PL" dirty="0" err="1" smtClean="0"/>
+              <a:t>Facts</a:t>
+            </a:r>
+            <a:r>
+              <a:rPr lang="pl-PL" dirty="0" smtClean="0"/>
+              <a:t> – a piece of </a:t>
+            </a:r>
+            <a:r>
+              <a:rPr lang="pl-PL" dirty="0" err="1" smtClean="0"/>
+              <a:t>empirical</a:t>
+            </a:r>
+            <a:r>
+              <a:rPr lang="pl-PL" dirty="0" smtClean="0"/>
+              <a:t> </a:t>
+            </a:r>
+            <a:r>
+              <a:rPr lang="pl-PL" dirty="0" err="1" smtClean="0"/>
+              <a:t>knowledge</a:t>
+            </a:r>
+            <a:r>
+              <a:rPr lang="pl-PL" dirty="0" smtClean="0"/>
+              <a:t> </a:t>
+            </a:r>
+            <a:r>
+              <a:rPr lang="pl-PL" dirty="0" err="1" smtClean="0"/>
+              <a:t>about</a:t>
+            </a:r>
+            <a:r>
+              <a:rPr lang="pl-PL" dirty="0" smtClean="0"/>
+              <a:t> </a:t>
+            </a:r>
+            <a:r>
+              <a:rPr lang="pl-PL" dirty="0" err="1" smtClean="0"/>
+              <a:t>world</a:t>
+            </a:r>
+            <a:endParaRPr lang="pl-PL" dirty="0" smtClean="0"/>
+          </a:p>
+        </p:txBody>
+      </p:sp>
+      <p:sp>
+        <p:nvSpPr>
+          <p:cNvPr id="3" name="Tytuł 2"/>
+          <p:cNvSpPr>
+            <a:spLocks noGrp="1"/>
+          </p:cNvSpPr>
+          <p:nvPr>
+            <p:ph type="title"/>
+          </p:nvPr>
+        </p:nvSpPr>
+        <p:spPr/>
+        <p:txBody>
+          <a:bodyPr>
+            <a:normAutofit fontScale="90000"/>
+          </a:bodyPr>
+          <a:lstStyle/>
+          <a:p>
+            <a:r>
+              <a:rPr lang="pl-PL" dirty="0" err="1" smtClean="0"/>
+              <a:t>Drools</a:t>
+            </a:r>
+            <a:r>
+              <a:rPr lang="pl-PL" dirty="0" smtClean="0"/>
+              <a:t> as a </a:t>
+            </a:r>
+            <a:r>
+              <a:rPr lang="pl-PL" dirty="0" err="1" smtClean="0"/>
+              <a:t>Production</a:t>
+            </a:r>
+            <a:r>
+              <a:rPr lang="pl-PL" dirty="0" smtClean="0"/>
+              <a:t> </a:t>
+            </a:r>
+            <a:r>
+              <a:rPr lang="pl-PL" dirty="0" err="1" smtClean="0"/>
+              <a:t>Rule</a:t>
+            </a:r>
+            <a:r>
+              <a:rPr lang="pl-PL" dirty="0" smtClean="0"/>
+              <a:t> System (1)</a:t>
+            </a:r>
+            <a:endParaRPr lang="en-GB" dirty="0"/>
+          </a:p>
+        </p:txBody>
+      </p:sp>
+    </p:spTree>
+    <p:extLst>
+      <p:ext uri="{BB962C8B-B14F-4D97-AF65-F5344CB8AC3E}">
+        <p14:creationId xmlns:p14="http://schemas.microsoft.com/office/powerpoint/2010/main" val="1549496593"/>
+      </p:ext>
+    </p:extLst>
+  </p:cSld>
+  <p:clrMapOvr>
+    <a:masterClrMapping/>
+  </p:clrMapOvr>
+  <p:timing>
+    <p:tnLst>
+      <p:par>
+        <p:cTn id="1" dur="indefinite" restart="never" nodeType="tmRoot"/>
+      </p:par>
+    </p:tnLst>
+  </p:timing>
+</p:sld>
+</file>
+
+<file path=ppt/slides/slide6.xml><?xml version="1.0" encoding="utf-8"?>
+<p:sld xmlns:a="http://schemas.openxmlformats.org/drawingml/2006/main" xmlns:r="http://schemas.openxmlformats.org/officeDocument/2006/relationships" xmlns:p="http://schemas.openxmlformats.org/presentationml/2006/main">
+  <p:cSld>
+    <p:spTree>
+      <p:nvGrpSpPr>
+        <p:cNvPr id="1" name=""/>
+        <p:cNvGrpSpPr/>
+        <p:nvPr/>
+      </p:nvGrpSpPr>
+      <p:grpSpPr>
+        <a:xfrm>
+          <a:off x="0" y="0"/>
+          <a:ext cx="0" cy="0"/>
+          <a:chOff x="0" y="0"/>
+          <a:chExt cx="0" cy="0"/>
+        </a:xfrm>
+      </p:grpSpPr>
+      <p:sp>
+        <p:nvSpPr>
+          <p:cNvPr id="2" name="Symbol zastępczy zawartości 1"/>
+          <p:cNvSpPr>
+            <a:spLocks noGrp="1"/>
+          </p:cNvSpPr>
+          <p:nvPr>
+            <p:ph idx="1"/>
+          </p:nvPr>
+        </p:nvSpPr>
+        <p:spPr/>
+        <p:txBody>
+          <a:bodyPr/>
+          <a:lstStyle/>
+          <a:p>
+            <a:r>
+              <a:rPr lang="pl-PL" dirty="0"/>
+              <a:t>The </a:t>
+            </a:r>
+            <a:r>
+              <a:rPr lang="pl-PL" dirty="0" err="1"/>
+              <a:t>rule</a:t>
+            </a:r>
+            <a:r>
+              <a:rPr lang="pl-PL" dirty="0"/>
+              <a:t> </a:t>
+            </a:r>
+            <a:r>
+              <a:rPr lang="pl-PL" dirty="0" err="1" smtClean="0"/>
+              <a:t>enginge</a:t>
+            </a:r>
+            <a:r>
+              <a:rPr lang="pl-PL" dirty="0" smtClean="0"/>
+              <a:t> (</a:t>
+            </a:r>
+            <a:r>
+              <a:rPr lang="pl-PL" dirty="0" err="1" smtClean="0"/>
+              <a:t>inference</a:t>
+            </a:r>
+            <a:r>
+              <a:rPr lang="pl-PL" dirty="0" smtClean="0"/>
+              <a:t> </a:t>
+            </a:r>
+            <a:r>
+              <a:rPr lang="pl-PL" dirty="0" err="1" smtClean="0"/>
+              <a:t>engine</a:t>
+            </a:r>
+            <a:r>
+              <a:rPr lang="pl-PL" dirty="0" smtClean="0"/>
+              <a:t>) </a:t>
+            </a:r>
+            <a:r>
+              <a:rPr lang="pl-PL" dirty="0" err="1"/>
+              <a:t>matches</a:t>
+            </a:r>
+            <a:r>
+              <a:rPr lang="pl-PL" dirty="0"/>
+              <a:t> </a:t>
+            </a:r>
+            <a:r>
+              <a:rPr lang="pl-PL" dirty="0" err="1"/>
+              <a:t>facts</a:t>
+            </a:r>
+            <a:r>
+              <a:rPr lang="pl-PL" dirty="0"/>
+              <a:t> </a:t>
+            </a:r>
+            <a:r>
+              <a:rPr lang="pl-PL" dirty="0" err="1"/>
+              <a:t>against</a:t>
+            </a:r>
+            <a:r>
+              <a:rPr lang="pl-PL" dirty="0"/>
+              <a:t> </a:t>
+            </a:r>
+            <a:r>
+              <a:rPr lang="pl-PL" dirty="0" err="1"/>
+              <a:t>rules</a:t>
+            </a:r>
+            <a:r>
+              <a:rPr lang="pl-PL" dirty="0"/>
+              <a:t> </a:t>
+            </a:r>
+            <a:r>
+              <a:rPr lang="pl-PL" dirty="0" err="1"/>
+              <a:t>which</a:t>
+            </a:r>
+            <a:r>
+              <a:rPr lang="pl-PL" dirty="0"/>
+              <a:t> </a:t>
+            </a:r>
+            <a:r>
+              <a:rPr lang="pl-PL" dirty="0" err="1"/>
+              <a:t>is</a:t>
+            </a:r>
+            <a:r>
+              <a:rPr lang="pl-PL" dirty="0"/>
+              <a:t> </a:t>
+            </a:r>
+            <a:r>
+              <a:rPr lang="pl-PL" dirty="0" err="1"/>
+              <a:t>called</a:t>
+            </a:r>
+            <a:r>
+              <a:rPr lang="pl-PL" dirty="0"/>
+              <a:t> </a:t>
+            </a:r>
+            <a:r>
+              <a:rPr lang="pl-PL" dirty="0" err="1"/>
+              <a:t>pattern</a:t>
+            </a:r>
+            <a:r>
+              <a:rPr lang="pl-PL" dirty="0"/>
+              <a:t> </a:t>
+            </a:r>
+            <a:r>
+              <a:rPr lang="pl-PL" dirty="0" err="1" smtClean="0"/>
+              <a:t>matching</a:t>
+            </a:r>
+            <a:endParaRPr lang="pl-PL" dirty="0" smtClean="0"/>
+          </a:p>
+          <a:p>
+            <a:r>
+              <a:rPr lang="en-GB" dirty="0"/>
+              <a:t>Actions execute in response to changes in data, like a database trigger; we say this is a </a:t>
+            </a:r>
+            <a:r>
+              <a:rPr lang="en-GB" i="1" dirty="0"/>
+              <a:t>data driven </a:t>
+            </a:r>
+            <a:r>
+              <a:rPr lang="en-GB" dirty="0"/>
+              <a:t>approach to </a:t>
+            </a:r>
+            <a:r>
+              <a:rPr lang="en-GB" dirty="0" smtClean="0"/>
+              <a:t>reasoning</a:t>
+            </a:r>
+            <a:endParaRPr lang="pl-PL" dirty="0" smtClean="0"/>
+          </a:p>
+          <a:p>
+            <a:r>
+              <a:rPr lang="en-GB" dirty="0"/>
+              <a:t>The actions themselves can change data, which in turn could match against other rules causing them to fire; this is referred to as </a:t>
+            </a:r>
+            <a:r>
+              <a:rPr lang="en-GB" i="1" dirty="0"/>
+              <a:t>forward chaining</a:t>
+            </a:r>
+          </a:p>
+          <a:p>
+            <a:endParaRPr lang="en-GB" dirty="0"/>
+          </a:p>
+        </p:txBody>
+      </p:sp>
+      <p:sp>
+        <p:nvSpPr>
+          <p:cNvPr id="3" name="Tytuł 2"/>
+          <p:cNvSpPr>
+            <a:spLocks noGrp="1"/>
+          </p:cNvSpPr>
+          <p:nvPr>
+            <p:ph type="title"/>
+          </p:nvPr>
+        </p:nvSpPr>
+        <p:spPr/>
+        <p:txBody>
+          <a:bodyPr>
+            <a:normAutofit fontScale="90000"/>
+          </a:bodyPr>
+          <a:lstStyle/>
+          <a:p>
+            <a:r>
+              <a:rPr lang="pl-PL" dirty="0" err="1"/>
+              <a:t>Drools</a:t>
+            </a:r>
+            <a:r>
+              <a:rPr lang="pl-PL" dirty="0"/>
+              <a:t> as a </a:t>
+            </a:r>
+            <a:r>
+              <a:rPr lang="pl-PL" dirty="0" err="1"/>
+              <a:t>Production</a:t>
+            </a:r>
+            <a:r>
+              <a:rPr lang="pl-PL" dirty="0"/>
+              <a:t> </a:t>
+            </a:r>
+            <a:r>
+              <a:rPr lang="pl-PL" dirty="0" err="1"/>
+              <a:t>Rule</a:t>
+            </a:r>
+            <a:r>
+              <a:rPr lang="pl-PL" dirty="0"/>
+              <a:t> System </a:t>
+            </a:r>
+            <a:r>
+              <a:rPr lang="pl-PL" dirty="0" smtClean="0"/>
+              <a:t>(2)</a:t>
+            </a:r>
+            <a:endParaRPr lang="en-GB" dirty="0"/>
+          </a:p>
+        </p:txBody>
+      </p:sp>
+    </p:spTree>
+    <p:extLst>
+      <p:ext uri="{BB962C8B-B14F-4D97-AF65-F5344CB8AC3E}">
+        <p14:creationId xmlns:p14="http://schemas.microsoft.com/office/powerpoint/2010/main" val="1183435168"/>
+      </p:ext>
+    </p:extLst>
+  </p:cSld>
+  <p:clrMapOvr>
+    <a:masterClrMapping/>
+  </p:clrMapOvr>
+  <p:timing>
+    <p:tnLst>
+      <p:par>
+        <p:cTn id="1" dur="indefinite" restart="never" nodeType="tmRoot"/>
+      </p:par>
+    </p:tnLst>
+  </p:timing>
+</p:sld>
+</file>
+
+<file path=ppt/slides/slide7.xml><?xml version="1.0" encoding="utf-8"?>
+<p:sld xmlns:a="http://schemas.openxmlformats.org/drawingml/2006/main" xmlns:r="http://schemas.openxmlformats.org/officeDocument/2006/relationships" xmlns:p="http://schemas.openxmlformats.org/presentationml/2006/main">
+  <p:cSld>
+    <p:spTree>
+      <p:nvGrpSpPr>
+        <p:cNvPr id="1" name=""/>
+        <p:cNvGrpSpPr/>
+        <p:nvPr/>
+      </p:nvGrpSpPr>
+      <p:grpSpPr>
+        <a:xfrm>
+          <a:off x="0" y="0"/>
+          <a:ext cx="0" cy="0"/>
+          <a:chOff x="0" y="0"/>
+          <a:chExt cx="0" cy="0"/>
+        </a:xfrm>
+      </p:grpSpPr>
+      <p:sp>
+        <p:nvSpPr>
+          <p:cNvPr id="3" name="Tytuł 2"/>
+          <p:cNvSpPr>
+            <a:spLocks noGrp="1"/>
+          </p:cNvSpPr>
+          <p:nvPr>
+            <p:ph type="title"/>
+          </p:nvPr>
+        </p:nvSpPr>
+        <p:spPr/>
+        <p:txBody>
+          <a:bodyPr>
+            <a:normAutofit fontScale="90000"/>
+          </a:bodyPr>
+          <a:lstStyle/>
+          <a:p>
+            <a:r>
+              <a:rPr lang="pl-PL" dirty="0" err="1"/>
+              <a:t>Drools</a:t>
+            </a:r>
+            <a:r>
+              <a:rPr lang="pl-PL" dirty="0"/>
+              <a:t> as a </a:t>
+            </a:r>
+            <a:r>
+              <a:rPr lang="pl-PL" dirty="0" err="1"/>
+              <a:t>Production</a:t>
+            </a:r>
+            <a:r>
+              <a:rPr lang="pl-PL" dirty="0"/>
+              <a:t> </a:t>
+            </a:r>
+            <a:r>
+              <a:rPr lang="pl-PL" dirty="0" err="1"/>
+              <a:t>Rule</a:t>
+            </a:r>
+            <a:r>
+              <a:rPr lang="pl-PL" dirty="0"/>
+              <a:t> </a:t>
+            </a:r>
+            <a:r>
+              <a:rPr lang="pl-PL" dirty="0" smtClean="0"/>
+              <a:t>System (3)</a:t>
+            </a:r>
+            <a:endParaRPr lang="en-GB" dirty="0"/>
+          </a:p>
+        </p:txBody>
+      </p:sp>
+      <p:pic>
+        <p:nvPicPr>
+          <p:cNvPr id="3074" name="Picture 2" descr="High-level View of a Production Rule System"/>
+          <p:cNvPicPr>
+            <a:picLocks noChangeAspect="1" noChangeArrowheads="1"/>
+          </p:cNvPicPr>
+          <p:nvPr/>
+        </p:nvPicPr>
+        <p:blipFill>
+          <a:blip r:embed="rId2">
+            <a:extLst>
+              <a:ext uri="{28A0092B-C50C-407E-A947-70E740481C1C}">
+                <a14:useLocalDpi xmlns:a14="http://schemas.microsoft.com/office/drawing/2010/main" val="0"/>
+              </a:ext>
+            </a:extLst>
+          </a:blip>
+          <a:srcRect/>
+          <a:stretch>
+            <a:fillRect/>
+          </a:stretch>
+        </p:blipFill>
+        <p:spPr bwMode="auto">
+          <a:xfrm>
+            <a:off x="1611407" y="1988840"/>
+            <a:ext cx="5921186" cy="3289548"/>
+          </a:xfrm>
+          <a:prstGeom prst="rect">
+            <a:avLst/>
+          </a:prstGeom>
+          <a:noFill/>
+          <a:extLst>
+            <a:ext uri="{909E8E84-426E-40DD-AFC4-6F175D3DCCD1}">
+              <a14:hiddenFill xmlns:a14="http://schemas.microsoft.com/office/drawing/2010/main">
+                <a:solidFill>
+                  <a:srgbClr val="FFFFFF"/>
+                </a:solidFill>
+              </a14:hiddenFill>
+            </a:ext>
+          </a:extLst>
+        </p:spPr>
+      </p:pic>
+    </p:spTree>
+    <p:extLst>
+      <p:ext uri="{BB962C8B-B14F-4D97-AF65-F5344CB8AC3E}">
+        <p14:creationId xmlns:p14="http://schemas.microsoft.com/office/powerpoint/2010/main" val="3970754901"/>
+      </p:ext>
+    </p:extLst>
+  </p:cSld>
+  <p:clrMapOvr>
+    <a:masterClrMapping/>
+  </p:clrMapOvr>
+  <p:timing>
+    <p:tnLst>
+      <p:par>
+        <p:cTn id="1" dur="indefinite" restart="never" nodeType="tmRoot"/>
+      </p:par>
+    </p:tnLst>
+  </p:timing>
+</p:sld>
+</file>
+
+<file path=ppt/slides/slide8.xml><?xml version="1.0" encoding="utf-8"?>
+<p:sld xmlns:a="http://schemas.openxmlformats.org/drawingml/2006/main" xmlns:r="http://schemas.openxmlformats.org/officeDocument/2006/relationships" xmlns:p="http://schemas.openxmlformats.org/presentationml/2006/main">
+  <p:cSld>
+    <p:spTree>
+      <p:nvGrpSpPr>
+        <p:cNvPr id="1" name=""/>
+        <p:cNvGrpSpPr/>
+        <p:nvPr/>
+      </p:nvGrpSpPr>
+      <p:grpSpPr>
+        <a:xfrm>
+          <a:off x="0" y="0"/>
+          <a:ext cx="0" cy="0"/>
+          <a:chOff x="0" y="0"/>
+          <a:chExt cx="0" cy="0"/>
+        </a:xfrm>
+      </p:grpSpPr>
+      <p:sp>
+        <p:nvSpPr>
+          <p:cNvPr id="2" name="Symbol zastępczy zawartości 1"/>
+          <p:cNvSpPr>
+            <a:spLocks noGrp="1"/>
+          </p:cNvSpPr>
+          <p:nvPr>
+            <p:ph idx="1"/>
+          </p:nvPr>
+        </p:nvSpPr>
+        <p:spPr/>
+        <p:txBody>
+          <a:bodyPr/>
+          <a:lstStyle/>
+          <a:p>
+            <a:r>
+              <a:rPr lang="pl-PL" dirty="0" err="1" smtClean="0"/>
+              <a:t>Rete</a:t>
+            </a:r>
+            <a:endParaRPr lang="pl-PL" dirty="0" smtClean="0"/>
+          </a:p>
+          <a:p>
+            <a:r>
+              <a:rPr lang="pl-PL" dirty="0" err="1" smtClean="0"/>
+              <a:t>ReteOO</a:t>
+            </a:r>
+            <a:endParaRPr lang="pl-PL" dirty="0" smtClean="0"/>
+          </a:p>
+          <a:p>
+            <a:r>
+              <a:rPr lang="pl-PL" dirty="0" smtClean="0"/>
+              <a:t>PHREAK</a:t>
+            </a:r>
+          </a:p>
+          <a:p>
+            <a:r>
+              <a:rPr lang="pl-PL" dirty="0" err="1" smtClean="0"/>
+              <a:t>Leaps</a:t>
+            </a:r>
+            <a:endParaRPr lang="en-GB" dirty="0"/>
+          </a:p>
+        </p:txBody>
+      </p:sp>
+      <p:sp>
+        <p:nvSpPr>
+          <p:cNvPr id="3" name="Tytuł 2"/>
+          <p:cNvSpPr>
+            <a:spLocks noGrp="1"/>
+          </p:cNvSpPr>
+          <p:nvPr>
+            <p:ph type="title"/>
+          </p:nvPr>
+        </p:nvSpPr>
+        <p:spPr/>
+        <p:txBody>
+          <a:bodyPr/>
+          <a:lstStyle/>
+          <a:p>
+            <a:r>
+              <a:rPr lang="pl-PL" dirty="0" err="1" smtClean="0"/>
+              <a:t>Rules</a:t>
+            </a:r>
+            <a:r>
+              <a:rPr lang="pl-PL" dirty="0" smtClean="0"/>
+              <a:t> </a:t>
+            </a:r>
+            <a:r>
+              <a:rPr lang="pl-PL" dirty="0" err="1" smtClean="0"/>
+              <a:t>executions</a:t>
+            </a:r>
+            <a:r>
+              <a:rPr lang="pl-PL" dirty="0" smtClean="0"/>
+              <a:t> </a:t>
+            </a:r>
+            <a:r>
+              <a:rPr lang="pl-PL" dirty="0" err="1" smtClean="0"/>
+              <a:t>algorithms</a:t>
+            </a:r>
+            <a:endParaRPr lang="en-GB" dirty="0"/>
+          </a:p>
+        </p:txBody>
+      </p:sp>
+    </p:spTree>
+    <p:extLst>
+      <p:ext uri="{BB962C8B-B14F-4D97-AF65-F5344CB8AC3E}">
+        <p14:creationId xmlns:p14="http://schemas.microsoft.com/office/powerpoint/2010/main" val="1887781130"/>
+      </p:ext>
+    </p:extLst>
+  </p:cSld>
+  <p:clrMapOvr>
+    <a:masterClrMapping/>
+  </p:clrMapOvr>
+  <p:timing>
+    <p:tnLst>
+      <p:par>
+        <p:cTn id="1" dur="indefinite" restart="never" nodeType="tmRoot"/>
+      </p:par>
+    </p:tnLst>
+  </p:timing>
+</p:sld>
+</file>
+
+<file path=ppt/slides/slide9.xml><?xml version="1.0" encoding="utf-8"?>
 <p:sld xmlns:a="http://schemas.openxmlformats.org/drawingml/2006/main" xmlns:r="http://schemas.openxmlformats.org/officeDocument/2006/relationships" xmlns:p="http://schemas.openxmlformats.org/presentationml/2006/main">
   <p:cSld>
     <p:spTree>
@@ -9020,1056 +11888,6 @@
     <p:extLst>
       <p:ext uri="{BB962C8B-B14F-4D97-AF65-F5344CB8AC3E}">
         <p14:creationId xmlns:p14="http://schemas.microsoft.com/office/powerpoint/2010/main" val="232004923"/>
-      </p:ext>
-    </p:extLst>
-  </p:cSld>
-  <p:clrMapOvr>
-    <a:masterClrMapping/>
-  </p:clrMapOvr>
-  <p:timing>
-    <p:tnLst>
-      <p:par>
-        <p:cTn id="1" dur="indefinite" restart="never" nodeType="tmRoot"/>
-      </p:par>
-    </p:tnLst>
-  </p:timing>
-</p:sld>
-</file>
-
-<file path=ppt/slides/slide5.xml><?xml version="1.0" encoding="utf-8"?>
-<p:sld xmlns:a="http://schemas.openxmlformats.org/drawingml/2006/main" xmlns:r="http://schemas.openxmlformats.org/officeDocument/2006/relationships" xmlns:p="http://schemas.openxmlformats.org/presentationml/2006/main">
-  <p:cSld>
-    <p:spTree>
-      <p:nvGrpSpPr>
-        <p:cNvPr id="1" name=""/>
-        <p:cNvGrpSpPr/>
-        <p:nvPr/>
-      </p:nvGrpSpPr>
-      <p:grpSpPr>
-        <a:xfrm>
-          <a:off x="0" y="0"/>
-          <a:ext cx="0" cy="0"/>
-          <a:chOff x="0" y="0"/>
-          <a:chExt cx="0" cy="0"/>
-        </a:xfrm>
-      </p:grpSpPr>
-      <p:sp>
-        <p:nvSpPr>
-          <p:cNvPr id="2" name="Symbol zastępczy zawartości 1"/>
-          <p:cNvSpPr>
-            <a:spLocks noGrp="1"/>
-          </p:cNvSpPr>
-          <p:nvPr>
-            <p:ph idx="1"/>
-          </p:nvPr>
-        </p:nvSpPr>
-        <p:spPr/>
-        <p:txBody>
-          <a:bodyPr>
-            <a:normAutofit/>
-          </a:bodyPr>
-          <a:lstStyle/>
-          <a:p>
-            <a:pPr marL="109728" indent="0">
-              <a:buNone/>
-            </a:pPr>
-            <a:endParaRPr lang="pl-PL" sz="4400" dirty="0" smtClean="0"/>
-          </a:p>
-          <a:p>
-            <a:pPr marL="109728" indent="0">
-              <a:buNone/>
-            </a:pPr>
-            <a:endParaRPr lang="pl-PL" sz="4400" dirty="0"/>
-          </a:p>
-          <a:p>
-            <a:pPr marL="109728" indent="0" algn="ctr">
-              <a:buNone/>
-            </a:pPr>
-            <a:r>
-              <a:rPr lang="pl-PL" sz="4400" dirty="0" smtClean="0"/>
-              <a:t>insert(</a:t>
-            </a:r>
-            <a:r>
-              <a:rPr lang="pl-PL" sz="4400" dirty="0" err="1" smtClean="0"/>
-              <a:t>new</a:t>
-            </a:r>
-            <a:r>
-              <a:rPr lang="pl-PL" sz="4400" dirty="0" smtClean="0"/>
-              <a:t> </a:t>
-            </a:r>
-            <a:r>
-              <a:rPr lang="pl-PL" sz="4400" dirty="0" err="1" smtClean="0"/>
-              <a:t>Fact</a:t>
-            </a:r>
-            <a:r>
-              <a:rPr lang="pl-PL" sz="4400" dirty="0" smtClean="0"/>
-              <a:t>())</a:t>
-            </a:r>
-            <a:endParaRPr lang="pl-PL" sz="4400" dirty="0"/>
-          </a:p>
-        </p:txBody>
-      </p:sp>
-      <p:sp>
-        <p:nvSpPr>
-          <p:cNvPr id="3" name="Tytuł 2"/>
-          <p:cNvSpPr>
-            <a:spLocks noGrp="1"/>
-          </p:cNvSpPr>
-          <p:nvPr>
-            <p:ph type="title"/>
-          </p:nvPr>
-        </p:nvSpPr>
-        <p:spPr/>
-        <p:txBody>
-          <a:bodyPr>
-            <a:normAutofit fontScale="90000"/>
-          </a:bodyPr>
-          <a:lstStyle/>
-          <a:p>
-            <a:r>
-              <a:rPr lang="pl-PL" dirty="0" smtClean="0"/>
-              <a:t>Knowledge </a:t>
-            </a:r>
-            <a:r>
-              <a:rPr lang="pl-PL" dirty="0" err="1" smtClean="0"/>
-              <a:t>representation</a:t>
-            </a:r>
-            <a:r>
-              <a:rPr lang="pl-PL" dirty="0" smtClean="0"/>
-              <a:t> in </a:t>
-            </a:r>
-            <a:r>
-              <a:rPr lang="pl-PL" dirty="0" err="1" smtClean="0"/>
-              <a:t>Drools</a:t>
-            </a:r>
-            <a:endParaRPr lang="pl-PL" dirty="0"/>
-          </a:p>
-        </p:txBody>
-      </p:sp>
-    </p:spTree>
-    <p:extLst>
-      <p:ext uri="{BB962C8B-B14F-4D97-AF65-F5344CB8AC3E}">
-        <p14:creationId xmlns:p14="http://schemas.microsoft.com/office/powerpoint/2010/main" val="1804263101"/>
-      </p:ext>
-    </p:extLst>
-  </p:cSld>
-  <p:clrMapOvr>
-    <a:masterClrMapping/>
-  </p:clrMapOvr>
-  <p:timing>
-    <p:tnLst>
-      <p:par>
-        <p:cTn id="1" dur="indefinite" restart="never" nodeType="tmRoot"/>
-      </p:par>
-    </p:tnLst>
-  </p:timing>
-</p:sld>
-</file>
-
-<file path=ppt/slides/slide6.xml><?xml version="1.0" encoding="utf-8"?>
-<p:sld xmlns:a="http://schemas.openxmlformats.org/drawingml/2006/main" xmlns:r="http://schemas.openxmlformats.org/officeDocument/2006/relationships" xmlns:p="http://schemas.openxmlformats.org/presentationml/2006/main">
-  <p:cSld>
-    <p:spTree>
-      <p:nvGrpSpPr>
-        <p:cNvPr id="1" name=""/>
-        <p:cNvGrpSpPr/>
-        <p:nvPr/>
-      </p:nvGrpSpPr>
-      <p:grpSpPr>
-        <a:xfrm>
-          <a:off x="0" y="0"/>
-          <a:ext cx="0" cy="0"/>
-          <a:chOff x="0" y="0"/>
-          <a:chExt cx="0" cy="0"/>
-        </a:xfrm>
-      </p:grpSpPr>
-      <p:sp>
-        <p:nvSpPr>
-          <p:cNvPr id="2" name="Symbol zastępczy zawartości 1"/>
-          <p:cNvSpPr>
-            <a:spLocks noGrp="1"/>
-          </p:cNvSpPr>
-          <p:nvPr>
-            <p:ph idx="1"/>
-          </p:nvPr>
-        </p:nvSpPr>
-        <p:spPr/>
-        <p:txBody>
-          <a:bodyPr>
-            <a:normAutofit/>
-          </a:bodyPr>
-          <a:lstStyle/>
-          <a:p>
-            <a:pPr marL="109728" indent="0">
-              <a:buNone/>
-            </a:pPr>
-            <a:r>
-              <a:rPr lang="pl-PL" sz="2400" b="1" dirty="0" err="1" smtClean="0"/>
-              <a:t>rule</a:t>
-            </a:r>
-            <a:r>
-              <a:rPr lang="pl-PL" sz="2400" b="1" dirty="0" smtClean="0"/>
-              <a:t> "Hello World"</a:t>
-            </a:r>
-          </a:p>
-          <a:p>
-            <a:pPr marL="109728" indent="0">
-              <a:buNone/>
-            </a:pPr>
-            <a:r>
-              <a:rPr lang="pl-PL" sz="2400" dirty="0" smtClean="0"/>
-              <a:t>    </a:t>
-            </a:r>
-            <a:r>
-              <a:rPr lang="pl-PL" sz="2400" b="1" dirty="0" err="1" smtClean="0"/>
-              <a:t>when</a:t>
-            </a:r>
-            <a:endParaRPr lang="pl-PL" sz="2400" b="1" dirty="0" smtClean="0"/>
-          </a:p>
-          <a:p>
-            <a:pPr marL="109728" indent="0">
-              <a:buNone/>
-            </a:pPr>
-            <a:r>
-              <a:rPr lang="pl-PL" sz="2400" dirty="0" smtClean="0"/>
-              <a:t>        m : Message( status == </a:t>
-            </a:r>
-            <a:r>
-              <a:rPr lang="pl-PL" sz="2400" dirty="0" err="1" smtClean="0"/>
-              <a:t>Message.HELLO</a:t>
-            </a:r>
-            <a:r>
-              <a:rPr lang="pl-PL" sz="2400" dirty="0" smtClean="0"/>
-              <a:t>, </a:t>
-            </a:r>
-            <a:r>
-              <a:rPr lang="pl-PL" sz="2400" dirty="0" err="1" smtClean="0"/>
-              <a:t>myMessage</a:t>
-            </a:r>
-            <a:r>
-              <a:rPr lang="pl-PL" sz="2400" dirty="0" smtClean="0"/>
-              <a:t> : </a:t>
-            </a:r>
-            <a:r>
-              <a:rPr lang="pl-PL" sz="2400" dirty="0" err="1" smtClean="0"/>
-              <a:t>message</a:t>
-            </a:r>
-            <a:r>
-              <a:rPr lang="pl-PL" sz="2400" dirty="0" smtClean="0"/>
-              <a:t> )</a:t>
-            </a:r>
-          </a:p>
-          <a:p>
-            <a:pPr marL="109728" indent="0">
-              <a:buNone/>
-            </a:pPr>
-            <a:r>
-              <a:rPr lang="pl-PL" sz="2400" dirty="0" smtClean="0"/>
-              <a:t>    </a:t>
-            </a:r>
-            <a:r>
-              <a:rPr lang="pl-PL" sz="2400" b="1" dirty="0" err="1" smtClean="0"/>
-              <a:t>then</a:t>
-            </a:r>
-            <a:endParaRPr lang="pl-PL" sz="2400" b="1" dirty="0" smtClean="0"/>
-          </a:p>
-          <a:p>
-            <a:pPr marL="109728" indent="0">
-              <a:buNone/>
-            </a:pPr>
-            <a:r>
-              <a:rPr lang="pl-PL" sz="2400" dirty="0" smtClean="0"/>
-              <a:t>        </a:t>
-            </a:r>
-            <a:r>
-              <a:rPr lang="pl-PL" sz="2400" dirty="0" err="1" smtClean="0"/>
-              <a:t>System.out.println</a:t>
-            </a:r>
-            <a:r>
-              <a:rPr lang="pl-PL" sz="2400" dirty="0" smtClean="0"/>
-              <a:t>( </a:t>
-            </a:r>
-            <a:r>
-              <a:rPr lang="pl-PL" sz="2400" dirty="0" err="1" smtClean="0"/>
-              <a:t>myMessage</a:t>
-            </a:r>
-            <a:r>
-              <a:rPr lang="pl-PL" sz="2400" dirty="0" smtClean="0"/>
-              <a:t> );</a:t>
-            </a:r>
-          </a:p>
-          <a:p>
-            <a:pPr marL="109728" indent="0">
-              <a:buNone/>
-            </a:pPr>
-            <a:r>
-              <a:rPr lang="pl-PL" sz="2400" dirty="0" smtClean="0"/>
-              <a:t>        </a:t>
-            </a:r>
-            <a:r>
-              <a:rPr lang="pl-PL" sz="2400" dirty="0" err="1" smtClean="0"/>
-              <a:t>m.setMessage</a:t>
-            </a:r>
-            <a:r>
-              <a:rPr lang="pl-PL" sz="2400" dirty="0" smtClean="0"/>
-              <a:t>( "</a:t>
-            </a:r>
-            <a:r>
-              <a:rPr lang="pl-PL" sz="2400" dirty="0" err="1" smtClean="0"/>
-              <a:t>Goodbye</a:t>
-            </a:r>
-            <a:r>
-              <a:rPr lang="pl-PL" sz="2400" dirty="0" smtClean="0"/>
-              <a:t> </a:t>
-            </a:r>
-            <a:r>
-              <a:rPr lang="pl-PL" sz="2400" dirty="0" err="1" smtClean="0"/>
-              <a:t>cruel</a:t>
-            </a:r>
-            <a:r>
-              <a:rPr lang="pl-PL" sz="2400" dirty="0" smtClean="0"/>
-              <a:t> </a:t>
-            </a:r>
-            <a:r>
-              <a:rPr lang="pl-PL" sz="2400" dirty="0" err="1" smtClean="0"/>
-              <a:t>world</a:t>
-            </a:r>
-            <a:r>
-              <a:rPr lang="pl-PL" sz="2400" dirty="0" smtClean="0"/>
-              <a:t>" );</a:t>
-            </a:r>
-          </a:p>
-          <a:p>
-            <a:pPr marL="109728" indent="0">
-              <a:buNone/>
-            </a:pPr>
-            <a:r>
-              <a:rPr lang="pl-PL" sz="2400" dirty="0" smtClean="0"/>
-              <a:t>        </a:t>
-            </a:r>
-            <a:r>
-              <a:rPr lang="pl-PL" sz="2400" dirty="0" err="1" smtClean="0"/>
-              <a:t>m.setStatus</a:t>
-            </a:r>
-            <a:r>
-              <a:rPr lang="pl-PL" sz="2400" dirty="0" smtClean="0"/>
-              <a:t>( </a:t>
-            </a:r>
-            <a:r>
-              <a:rPr lang="pl-PL" sz="2400" dirty="0" err="1" smtClean="0"/>
-              <a:t>Message.GOODBYE</a:t>
-            </a:r>
-            <a:r>
-              <a:rPr lang="pl-PL" sz="2400" dirty="0" smtClean="0"/>
-              <a:t> );</a:t>
-            </a:r>
-          </a:p>
-          <a:p>
-            <a:pPr marL="109728" indent="0">
-              <a:buNone/>
-            </a:pPr>
-            <a:r>
-              <a:rPr lang="pl-PL" sz="2400" dirty="0" smtClean="0"/>
-              <a:t>        </a:t>
-            </a:r>
-            <a:r>
-              <a:rPr lang="pl-PL" sz="2400" b="1" dirty="0" err="1" smtClean="0"/>
-              <a:t>update</a:t>
-            </a:r>
-            <a:r>
-              <a:rPr lang="pl-PL" sz="2400" b="1" dirty="0" smtClean="0"/>
-              <a:t>( m );</a:t>
-            </a:r>
-          </a:p>
-          <a:p>
-            <a:pPr marL="109728" indent="0">
-              <a:buNone/>
-            </a:pPr>
-            <a:r>
-              <a:rPr lang="pl-PL" sz="2400" b="1" dirty="0" smtClean="0"/>
-              <a:t>end</a:t>
-            </a:r>
-            <a:endParaRPr lang="pl-PL" sz="2400" dirty="0"/>
-          </a:p>
-        </p:txBody>
-      </p:sp>
-      <p:sp>
-        <p:nvSpPr>
-          <p:cNvPr id="3" name="Tytuł 2"/>
-          <p:cNvSpPr>
-            <a:spLocks noGrp="1"/>
-          </p:cNvSpPr>
-          <p:nvPr>
-            <p:ph type="title"/>
-          </p:nvPr>
-        </p:nvSpPr>
-        <p:spPr/>
-        <p:txBody>
-          <a:bodyPr/>
-          <a:lstStyle/>
-          <a:p>
-            <a:r>
-              <a:rPr lang="pl-PL" dirty="0" err="1" smtClean="0"/>
-              <a:t>Drools</a:t>
-            </a:r>
-            <a:r>
-              <a:rPr lang="pl-PL" dirty="0" smtClean="0"/>
-              <a:t> </a:t>
-            </a:r>
-            <a:r>
-              <a:rPr lang="pl-PL" dirty="0" err="1" smtClean="0"/>
-              <a:t>rule</a:t>
-            </a:r>
-            <a:endParaRPr lang="pl-PL" dirty="0"/>
-          </a:p>
-        </p:txBody>
-      </p:sp>
-    </p:spTree>
-    <p:extLst>
-      <p:ext uri="{BB962C8B-B14F-4D97-AF65-F5344CB8AC3E}">
-        <p14:creationId xmlns:p14="http://schemas.microsoft.com/office/powerpoint/2010/main" val="1530045669"/>
-      </p:ext>
-    </p:extLst>
-  </p:cSld>
-  <p:clrMapOvr>
-    <a:masterClrMapping/>
-  </p:clrMapOvr>
-  <p:timing>
-    <p:tnLst>
-      <p:par>
-        <p:cTn id="1" dur="indefinite" restart="never" nodeType="tmRoot"/>
-      </p:par>
-    </p:tnLst>
-  </p:timing>
-</p:sld>
-</file>
-
-<file path=ppt/slides/slide7.xml><?xml version="1.0" encoding="utf-8"?>
-<p:sld xmlns:a="http://schemas.openxmlformats.org/drawingml/2006/main" xmlns:r="http://schemas.openxmlformats.org/officeDocument/2006/relationships" xmlns:p="http://schemas.openxmlformats.org/presentationml/2006/main">
-  <p:cSld>
-    <p:spTree>
-      <p:nvGrpSpPr>
-        <p:cNvPr id="1" name=""/>
-        <p:cNvGrpSpPr/>
-        <p:nvPr/>
-      </p:nvGrpSpPr>
-      <p:grpSpPr>
-        <a:xfrm>
-          <a:off x="0" y="0"/>
-          <a:ext cx="0" cy="0"/>
-          <a:chOff x="0" y="0"/>
-          <a:chExt cx="0" cy="0"/>
-        </a:xfrm>
-      </p:grpSpPr>
-      <p:sp>
-        <p:nvSpPr>
-          <p:cNvPr id="2" name="Symbol zastępczy zawartości 1"/>
-          <p:cNvSpPr>
-            <a:spLocks noGrp="1"/>
-          </p:cNvSpPr>
-          <p:nvPr>
-            <p:ph idx="1"/>
-          </p:nvPr>
-        </p:nvSpPr>
-        <p:spPr/>
-        <p:txBody>
-          <a:bodyPr/>
-          <a:lstStyle/>
-          <a:p>
-            <a:pPr marL="109728" indent="0">
-              <a:buNone/>
-            </a:pPr>
-            <a:r>
-              <a:rPr lang="pl-PL" dirty="0" err="1" smtClean="0"/>
-              <a:t>when</a:t>
-            </a:r>
-            <a:endParaRPr lang="pl-PL" dirty="0" smtClean="0"/>
-          </a:p>
-          <a:p>
-            <a:pPr marL="109728" indent="0">
-              <a:buNone/>
-            </a:pPr>
-            <a:r>
-              <a:rPr lang="pl-PL" dirty="0"/>
-              <a:t>	</a:t>
-            </a:r>
-            <a:r>
-              <a:rPr lang="pl-PL" i="1" dirty="0" err="1" smtClean="0"/>
-              <a:t>condition</a:t>
-            </a:r>
-            <a:r>
-              <a:rPr lang="pl-PL" i="1" dirty="0" smtClean="0"/>
-              <a:t> 1</a:t>
-            </a:r>
-          </a:p>
-          <a:p>
-            <a:pPr marL="109728" indent="0">
-              <a:buNone/>
-            </a:pPr>
-            <a:r>
-              <a:rPr lang="pl-PL" i="1" dirty="0"/>
-              <a:t>	</a:t>
-            </a:r>
-            <a:r>
-              <a:rPr lang="pl-PL" i="1" dirty="0" err="1" smtClean="0"/>
-              <a:t>condition</a:t>
-            </a:r>
-            <a:r>
-              <a:rPr lang="pl-PL" i="1" dirty="0" smtClean="0"/>
-              <a:t> 2</a:t>
-            </a:r>
-          </a:p>
-        </p:txBody>
-      </p:sp>
-      <p:sp>
-        <p:nvSpPr>
-          <p:cNvPr id="3" name="Tytuł 2"/>
-          <p:cNvSpPr>
-            <a:spLocks noGrp="1"/>
-          </p:cNvSpPr>
-          <p:nvPr>
-            <p:ph type="title"/>
-          </p:nvPr>
-        </p:nvSpPr>
-        <p:spPr/>
-        <p:txBody>
-          <a:bodyPr/>
-          <a:lstStyle/>
-          <a:p>
-            <a:r>
-              <a:rPr lang="pl-PL" dirty="0" err="1" smtClean="0"/>
-              <a:t>Left</a:t>
-            </a:r>
-            <a:r>
-              <a:rPr lang="pl-PL" dirty="0" smtClean="0"/>
-              <a:t> </a:t>
-            </a:r>
-            <a:r>
-              <a:rPr lang="pl-PL" dirty="0" err="1" smtClean="0"/>
-              <a:t>Hand</a:t>
-            </a:r>
-            <a:r>
-              <a:rPr lang="pl-PL" dirty="0" smtClean="0"/>
-              <a:t> </a:t>
-            </a:r>
-            <a:r>
-              <a:rPr lang="pl-PL" dirty="0" err="1" smtClean="0"/>
-              <a:t>Side</a:t>
-            </a:r>
-            <a:r>
-              <a:rPr lang="pl-PL" dirty="0" smtClean="0"/>
-              <a:t> (LHS)</a:t>
-            </a:r>
-            <a:endParaRPr lang="pl-PL" dirty="0"/>
-          </a:p>
-        </p:txBody>
-      </p:sp>
-    </p:spTree>
-    <p:extLst>
-      <p:ext uri="{BB962C8B-B14F-4D97-AF65-F5344CB8AC3E}">
-        <p14:creationId xmlns:p14="http://schemas.microsoft.com/office/powerpoint/2010/main" val="1829673684"/>
-      </p:ext>
-    </p:extLst>
-  </p:cSld>
-  <p:clrMapOvr>
-    <a:masterClrMapping/>
-  </p:clrMapOvr>
-  <p:timing>
-    <p:tnLst>
-      <p:par>
-        <p:cTn id="1" dur="indefinite" restart="never" nodeType="tmRoot"/>
-      </p:par>
-    </p:tnLst>
-  </p:timing>
-</p:sld>
-</file>
-
-<file path=ppt/slides/slide8.xml><?xml version="1.0" encoding="utf-8"?>
-<p:sld xmlns:a="http://schemas.openxmlformats.org/drawingml/2006/main" xmlns:r="http://schemas.openxmlformats.org/officeDocument/2006/relationships" xmlns:p="http://schemas.openxmlformats.org/presentationml/2006/main">
-  <p:cSld>
-    <p:spTree>
-      <p:nvGrpSpPr>
-        <p:cNvPr id="1" name=""/>
-        <p:cNvGrpSpPr/>
-        <p:nvPr/>
-      </p:nvGrpSpPr>
-      <p:grpSpPr>
-        <a:xfrm>
-          <a:off x="0" y="0"/>
-          <a:ext cx="0" cy="0"/>
-          <a:chOff x="0" y="0"/>
-          <a:chExt cx="0" cy="0"/>
-        </a:xfrm>
-      </p:grpSpPr>
-      <p:sp>
-        <p:nvSpPr>
-          <p:cNvPr id="2" name="Symbol zastępczy zawartości 1"/>
-          <p:cNvSpPr>
-            <a:spLocks noGrp="1"/>
-          </p:cNvSpPr>
-          <p:nvPr>
-            <p:ph idx="1"/>
-          </p:nvPr>
-        </p:nvSpPr>
-        <p:spPr/>
-        <p:txBody>
-          <a:bodyPr/>
-          <a:lstStyle/>
-          <a:p>
-            <a:pPr marL="109728" indent="0">
-              <a:buNone/>
-            </a:pPr>
-            <a:r>
-              <a:rPr lang="pl-PL" dirty="0" err="1" smtClean="0"/>
-              <a:t>when</a:t>
-            </a:r>
-            <a:endParaRPr lang="pl-PL" dirty="0" smtClean="0"/>
-          </a:p>
-          <a:p>
-            <a:pPr marL="109728" indent="0">
-              <a:buNone/>
-            </a:pPr>
-            <a:r>
-              <a:rPr lang="pl-PL" dirty="0" smtClean="0"/>
-              <a:t>	f : </a:t>
-            </a:r>
-            <a:r>
-              <a:rPr lang="pl-PL" dirty="0" err="1" smtClean="0"/>
-              <a:t>Fact</a:t>
-            </a:r>
-            <a:r>
-              <a:rPr lang="pl-PL" dirty="0" smtClean="0"/>
-              <a:t> ( </a:t>
-            </a:r>
-            <a:r>
-              <a:rPr lang="pl-PL" dirty="0" err="1" smtClean="0"/>
-              <a:t>confirmed</a:t>
-            </a:r>
-            <a:r>
-              <a:rPr lang="pl-PL" dirty="0" smtClean="0"/>
-              <a:t> == </a:t>
-            </a:r>
-            <a:r>
-              <a:rPr lang="pl-PL" dirty="0" err="1" smtClean="0"/>
-              <a:t>true</a:t>
-            </a:r>
-            <a:r>
-              <a:rPr lang="pl-PL" dirty="0" smtClean="0"/>
-              <a:t>)</a:t>
-            </a:r>
-          </a:p>
-          <a:p>
-            <a:pPr marL="109728" indent="0">
-              <a:buNone/>
-            </a:pPr>
-            <a:r>
-              <a:rPr lang="pl-PL" dirty="0"/>
-              <a:t>	</a:t>
-            </a:r>
-            <a:r>
-              <a:rPr lang="pl-PL" dirty="0" err="1" smtClean="0"/>
-              <a:t>vehicle</a:t>
-            </a:r>
-            <a:r>
-              <a:rPr lang="pl-PL" dirty="0" smtClean="0"/>
-              <a:t> : </a:t>
-            </a:r>
-            <a:r>
-              <a:rPr lang="pl-PL" dirty="0" err="1" smtClean="0"/>
-              <a:t>Vehicle</a:t>
-            </a:r>
-            <a:r>
-              <a:rPr lang="pl-PL" dirty="0" smtClean="0"/>
-              <a:t> (</a:t>
-            </a:r>
-            <a:r>
-              <a:rPr lang="pl-PL" dirty="0" err="1" smtClean="0"/>
-              <a:t>noOfWheels</a:t>
-            </a:r>
-            <a:r>
-              <a:rPr lang="pl-PL" dirty="0" smtClean="0"/>
-              <a:t> &gt; 2)</a:t>
-            </a:r>
-          </a:p>
-          <a:p>
-            <a:pPr marL="109728" indent="0">
-              <a:buNone/>
-            </a:pPr>
-            <a:r>
-              <a:rPr lang="pl-PL" dirty="0"/>
-              <a:t>	</a:t>
-            </a:r>
-            <a:r>
-              <a:rPr lang="pl-PL" dirty="0" err="1" smtClean="0"/>
-              <a:t>eval</a:t>
-            </a:r>
-            <a:r>
-              <a:rPr lang="pl-PL" dirty="0" smtClean="0"/>
-              <a:t> ()</a:t>
-            </a:r>
-            <a:endParaRPr lang="pl-PL" dirty="0"/>
-          </a:p>
-        </p:txBody>
-      </p:sp>
-      <p:sp>
-        <p:nvSpPr>
-          <p:cNvPr id="3" name="Tytuł 2"/>
-          <p:cNvSpPr>
-            <a:spLocks noGrp="1"/>
-          </p:cNvSpPr>
-          <p:nvPr>
-            <p:ph type="title"/>
-          </p:nvPr>
-        </p:nvSpPr>
-        <p:spPr/>
-        <p:txBody>
-          <a:bodyPr/>
-          <a:lstStyle/>
-          <a:p>
-            <a:r>
-              <a:rPr lang="pl-PL" dirty="0" err="1" smtClean="0"/>
-              <a:t>Left</a:t>
-            </a:r>
-            <a:r>
-              <a:rPr lang="pl-PL" dirty="0" smtClean="0"/>
-              <a:t> </a:t>
-            </a:r>
-            <a:r>
-              <a:rPr lang="pl-PL" dirty="0" err="1" smtClean="0"/>
-              <a:t>Hand</a:t>
-            </a:r>
-            <a:r>
-              <a:rPr lang="pl-PL" dirty="0" smtClean="0"/>
-              <a:t> </a:t>
-            </a:r>
-            <a:r>
-              <a:rPr lang="pl-PL" dirty="0" err="1" smtClean="0"/>
-              <a:t>Side</a:t>
-            </a:r>
-            <a:r>
-              <a:rPr lang="pl-PL" dirty="0" smtClean="0"/>
-              <a:t> (</a:t>
-            </a:r>
-            <a:r>
-              <a:rPr lang="pl-PL" dirty="0" err="1" smtClean="0"/>
-              <a:t>conditions</a:t>
-            </a:r>
-            <a:r>
-              <a:rPr lang="pl-PL" dirty="0"/>
-              <a:t>)</a:t>
-            </a:r>
-          </a:p>
-        </p:txBody>
-      </p:sp>
-    </p:spTree>
-    <p:extLst>
-      <p:ext uri="{BB962C8B-B14F-4D97-AF65-F5344CB8AC3E}">
-        <p14:creationId xmlns:p14="http://schemas.microsoft.com/office/powerpoint/2010/main" val="932698381"/>
-      </p:ext>
-    </p:extLst>
-  </p:cSld>
-  <p:clrMapOvr>
-    <a:masterClrMapping/>
-  </p:clrMapOvr>
-  <p:timing>
-    <p:tnLst>
-      <p:par>
-        <p:cTn id="1" dur="indefinite" restart="never" nodeType="tmRoot"/>
-      </p:par>
-    </p:tnLst>
-  </p:timing>
-</p:sld>
-</file>
-
-<file path=ppt/slides/slide9.xml><?xml version="1.0" encoding="utf-8"?>
-<p:sld xmlns:a="http://schemas.openxmlformats.org/drawingml/2006/main" xmlns:r="http://schemas.openxmlformats.org/officeDocument/2006/relationships" xmlns:p="http://schemas.openxmlformats.org/presentationml/2006/main">
-  <p:cSld>
-    <p:spTree>
-      <p:nvGrpSpPr>
-        <p:cNvPr id="1" name=""/>
-        <p:cNvGrpSpPr/>
-        <p:nvPr/>
-      </p:nvGrpSpPr>
-      <p:grpSpPr>
-        <a:xfrm>
-          <a:off x="0" y="0"/>
-          <a:ext cx="0" cy="0"/>
-          <a:chOff x="0" y="0"/>
-          <a:chExt cx="0" cy="0"/>
-        </a:xfrm>
-      </p:grpSpPr>
-      <p:sp>
-        <p:nvSpPr>
-          <p:cNvPr id="2" name="Symbol zastępczy zawartości 1"/>
-          <p:cNvSpPr>
-            <a:spLocks noGrp="1"/>
-          </p:cNvSpPr>
-          <p:nvPr>
-            <p:ph idx="1"/>
-          </p:nvPr>
-        </p:nvSpPr>
-        <p:spPr/>
-        <p:txBody>
-          <a:bodyPr>
-            <a:normAutofit fontScale="92500" lnSpcReduction="10000"/>
-          </a:bodyPr>
-          <a:lstStyle/>
-          <a:p>
-            <a:pPr marL="109728" indent="0">
-              <a:buNone/>
-            </a:pPr>
-            <a:r>
-              <a:rPr lang="pl-PL" dirty="0" err="1" smtClean="0"/>
-              <a:t>then</a:t>
-            </a:r>
-            <a:endParaRPr lang="pl-PL" dirty="0" smtClean="0"/>
-          </a:p>
-          <a:p>
-            <a:pPr marL="109728" indent="0">
-              <a:buNone/>
-            </a:pPr>
-            <a:r>
-              <a:rPr lang="pl-PL" dirty="0" smtClean="0"/>
-              <a:t>	insert(</a:t>
-            </a:r>
-            <a:r>
-              <a:rPr lang="pl-PL" dirty="0" err="1" smtClean="0"/>
-              <a:t>fact</a:t>
-            </a:r>
-            <a:r>
-              <a:rPr lang="pl-PL" dirty="0" smtClean="0"/>
-              <a:t>)</a:t>
-            </a:r>
-          </a:p>
-          <a:p>
-            <a:pPr marL="109728" indent="0">
-              <a:buNone/>
-            </a:pPr>
-            <a:r>
-              <a:rPr lang="pl-PL" dirty="0"/>
-              <a:t>	</a:t>
-            </a:r>
-            <a:r>
-              <a:rPr lang="pl-PL" dirty="0" err="1" smtClean="0"/>
-              <a:t>insertLogical</a:t>
-            </a:r>
-            <a:r>
-              <a:rPr lang="pl-PL" dirty="0" smtClean="0"/>
-              <a:t>(</a:t>
-            </a:r>
-            <a:r>
-              <a:rPr lang="pl-PL" dirty="0" err="1" smtClean="0"/>
-              <a:t>fact</a:t>
-            </a:r>
-            <a:r>
-              <a:rPr lang="pl-PL" dirty="0" smtClean="0"/>
-              <a:t>)</a:t>
-            </a:r>
-          </a:p>
-          <a:p>
-            <a:pPr marL="109728" indent="0">
-              <a:buNone/>
-            </a:pPr>
-            <a:r>
-              <a:rPr lang="pl-PL" dirty="0" smtClean="0"/>
-              <a:t>	</a:t>
-            </a:r>
-            <a:r>
-              <a:rPr lang="pl-PL" dirty="0" err="1" smtClean="0"/>
-              <a:t>update</a:t>
-            </a:r>
-            <a:r>
-              <a:rPr lang="pl-PL" dirty="0" smtClean="0"/>
-              <a:t>(</a:t>
-            </a:r>
-            <a:r>
-              <a:rPr lang="pl-PL" dirty="0" err="1" smtClean="0"/>
-              <a:t>fact</a:t>
-            </a:r>
-            <a:r>
-              <a:rPr lang="pl-PL" dirty="0" smtClean="0"/>
-              <a:t>)</a:t>
-            </a:r>
-          </a:p>
-          <a:p>
-            <a:pPr marL="109728" indent="0">
-              <a:buNone/>
-            </a:pPr>
-            <a:r>
-              <a:rPr lang="pl-PL" dirty="0"/>
-              <a:t>	</a:t>
-            </a:r>
-            <a:r>
-              <a:rPr lang="pl-PL" dirty="0" err="1" smtClean="0"/>
-              <a:t>retract</a:t>
-            </a:r>
-            <a:r>
-              <a:rPr lang="pl-PL" dirty="0" smtClean="0"/>
-              <a:t>(</a:t>
-            </a:r>
-            <a:r>
-              <a:rPr lang="pl-PL" dirty="0" err="1" smtClean="0"/>
-              <a:t>fact</a:t>
-            </a:r>
-            <a:r>
-              <a:rPr lang="pl-PL" dirty="0" smtClean="0"/>
-              <a:t>)</a:t>
-            </a:r>
-          </a:p>
-          <a:p>
-            <a:pPr marL="109728" indent="0">
-              <a:buNone/>
-            </a:pPr>
-            <a:r>
-              <a:rPr lang="pl-PL" dirty="0"/>
-              <a:t>	</a:t>
-            </a:r>
-            <a:r>
-              <a:rPr lang="pl-PL" dirty="0" err="1"/>
-              <a:t>modify</a:t>
-            </a:r>
-            <a:r>
-              <a:rPr lang="pl-PL" dirty="0"/>
-              <a:t> ( &lt;</a:t>
-            </a:r>
-            <a:r>
-              <a:rPr lang="pl-PL" dirty="0" err="1"/>
-              <a:t>fact-expression</a:t>
-            </a:r>
-            <a:r>
-              <a:rPr lang="pl-PL" dirty="0"/>
-              <a:t>&gt; ) {</a:t>
-            </a:r>
-          </a:p>
-          <a:p>
-            <a:pPr marL="109728" indent="0">
-              <a:buNone/>
-            </a:pPr>
-            <a:r>
-              <a:rPr lang="pl-PL" dirty="0" smtClean="0"/>
-              <a:t>	    	&lt;</a:t>
-            </a:r>
-            <a:r>
-              <a:rPr lang="pl-PL" dirty="0" err="1"/>
-              <a:t>expression</a:t>
-            </a:r>
-            <a:r>
-              <a:rPr lang="pl-PL" dirty="0"/>
-              <a:t>&gt; </a:t>
-            </a:r>
-            <a:endParaRPr lang="pl-PL" dirty="0" smtClean="0"/>
-          </a:p>
-          <a:p>
-            <a:pPr marL="109728" indent="0">
-              <a:buNone/>
-            </a:pPr>
-            <a:r>
-              <a:rPr lang="pl-PL" dirty="0"/>
-              <a:t>	</a:t>
-            </a:r>
-            <a:r>
-              <a:rPr lang="pl-PL" dirty="0" smtClean="0"/>
-              <a:t>	[ </a:t>
-            </a:r>
-            <a:r>
-              <a:rPr lang="pl-PL" dirty="0"/>
-              <a:t>, &lt;</a:t>
-            </a:r>
-            <a:r>
-              <a:rPr lang="pl-PL" dirty="0" err="1"/>
-              <a:t>expression</a:t>
-            </a:r>
-            <a:r>
-              <a:rPr lang="pl-PL" dirty="0"/>
-              <a:t>&gt; </a:t>
-            </a:r>
-            <a:r>
-              <a:rPr lang="pl-PL" dirty="0" smtClean="0"/>
-              <a:t>]</a:t>
-            </a:r>
-            <a:endParaRPr lang="pl-PL" dirty="0"/>
-          </a:p>
-          <a:p>
-            <a:pPr marL="109728" indent="0">
-              <a:buNone/>
-            </a:pPr>
-            <a:r>
-              <a:rPr lang="pl-PL" dirty="0" smtClean="0"/>
-              <a:t>	}</a:t>
-            </a:r>
-          </a:p>
-          <a:p>
-            <a:pPr marL="109728" indent="0">
-              <a:buNone/>
-            </a:pPr>
-            <a:r>
-              <a:rPr lang="pl-PL" dirty="0"/>
-              <a:t>	</a:t>
-            </a:r>
-            <a:r>
-              <a:rPr lang="pl-PL" i="1" dirty="0" err="1" smtClean="0"/>
-              <a:t>some</a:t>
-            </a:r>
-            <a:r>
-              <a:rPr lang="pl-PL" i="1" dirty="0" smtClean="0"/>
-              <a:t> Java</a:t>
-            </a:r>
-            <a:endParaRPr lang="pl-PL" dirty="0" smtClean="0"/>
-          </a:p>
-          <a:p>
-            <a:pPr marL="109728" indent="0">
-              <a:buNone/>
-            </a:pPr>
-            <a:r>
-              <a:rPr lang="pl-PL" dirty="0"/>
-              <a:t>	</a:t>
-            </a:r>
-          </a:p>
-        </p:txBody>
-      </p:sp>
-      <p:sp>
-        <p:nvSpPr>
-          <p:cNvPr id="3" name="Tytuł 2"/>
-          <p:cNvSpPr>
-            <a:spLocks noGrp="1"/>
-          </p:cNvSpPr>
-          <p:nvPr>
-            <p:ph type="title"/>
-          </p:nvPr>
-        </p:nvSpPr>
-        <p:spPr/>
-        <p:txBody>
-          <a:bodyPr/>
-          <a:lstStyle/>
-          <a:p>
-            <a:r>
-              <a:rPr lang="pl-PL" dirty="0" smtClean="0"/>
-              <a:t>Right </a:t>
-            </a:r>
-            <a:r>
-              <a:rPr lang="pl-PL" dirty="0" err="1" smtClean="0"/>
-              <a:t>Hand</a:t>
-            </a:r>
-            <a:r>
-              <a:rPr lang="pl-PL" dirty="0" smtClean="0"/>
-              <a:t> </a:t>
-            </a:r>
-            <a:r>
-              <a:rPr lang="pl-PL" dirty="0" err="1" smtClean="0"/>
-              <a:t>Side</a:t>
-            </a:r>
-            <a:r>
-              <a:rPr lang="pl-PL" dirty="0" smtClean="0"/>
-              <a:t> (RHS)</a:t>
-            </a:r>
-            <a:endParaRPr lang="pl-PL" dirty="0"/>
-          </a:p>
-        </p:txBody>
-      </p:sp>
-    </p:spTree>
-    <p:extLst>
-      <p:ext uri="{BB962C8B-B14F-4D97-AF65-F5344CB8AC3E}">
-        <p14:creationId xmlns:p14="http://schemas.microsoft.com/office/powerpoint/2010/main" val="1394199466"/>
       </p:ext>
     </p:extLst>
   </p:cSld>

--- a/drools-business-rules-engine.pptx
+++ b/drools-business-rules-engine.pptx
@@ -29,8 +29,8 @@
     <p:sldId id="266" r:id="rId21"/>
     <p:sldId id="267" r:id="rId22"/>
     <p:sldId id="259" r:id="rId23"/>
-    <p:sldId id="271" r:id="rId24"/>
-    <p:sldId id="288" r:id="rId25"/>
+    <p:sldId id="288" r:id="rId24"/>
+    <p:sldId id="271" r:id="rId25"/>
     <p:sldId id="275" r:id="rId26"/>
     <p:sldId id="276" r:id="rId27"/>
     <p:sldId id="268" r:id="rId28"/>
@@ -237,7 +237,7 @@
             <a:fld id="{3842907C-D0AA-4C58-9F94-58B40AD65B29}" type="datetimeFigureOut">
               <a:rPr lang="en-US" smtClean="0"/>
               <a:pPr/>
-              <a:t>2/4/2014</a:t>
+              <a:t>2/5/2014</a:t>
             </a:fld>
             <a:endParaRPr lang="en-US"/>
           </a:p>
@@ -1222,7 +1222,7 @@
             <a:fld id="{E6E13C79-1C97-4B32-B2AE-1A69C169643E}" type="datetime2">
               <a:rPr lang="en-US" smtClean="0"/>
               <a:pPr/>
-              <a:t>Tuesday, February 04, 2014</a:t>
+              <a:t>Wednesday, February 05, 2014</a:t>
             </a:fld>
             <a:endParaRPr lang="en-US" dirty="0">
               <a:solidFill>
@@ -1434,7 +1434,7 @@
             <a:fld id="{D10E14BF-C004-4398-9186-5EE680724D95}" type="datetime2">
               <a:rPr lang="en-US" smtClean="0"/>
               <a:pPr/>
-              <a:t>Tuesday, February 04, 2014</a:t>
+              <a:t>Wednesday, February 05, 2014</a:t>
             </a:fld>
             <a:endParaRPr lang="en-US"/>
           </a:p>
@@ -1627,7 +1627,7 @@
             <a:fld id="{D10E14BF-C004-4398-9186-5EE680724D95}" type="datetime2">
               <a:rPr lang="en-US" smtClean="0"/>
               <a:pPr/>
-              <a:t>Tuesday, February 04, 2014</a:t>
+              <a:t>Wednesday, February 05, 2014</a:t>
             </a:fld>
             <a:endParaRPr lang="en-US"/>
           </a:p>
@@ -1785,7 +1785,7 @@
             <a:fld id="{227FEF5B-F2CC-4EC5-8F1F-29A8BF9EFFA9}" type="datetime2">
               <a:rPr lang="en-US" smtClean="0"/>
               <a:pPr/>
-              <a:t>Tuesday, February 04, 2014</a:t>
+              <a:t>Wednesday, February 05, 2014</a:t>
             </a:fld>
             <a:endParaRPr lang="en-US"/>
           </a:p>
@@ -2042,7 +2042,7 @@
             <a:fld id="{5F4709C1-563D-4D9C-B702-B64C84A5A174}" type="datetime2">
               <a:rPr lang="en-US" smtClean="0"/>
               <a:pPr/>
-              <a:t>Tuesday, February 04, 2014</a:t>
+              <a:t>Wednesday, February 05, 2014</a:t>
             </a:fld>
             <a:endParaRPr lang="en-US"/>
           </a:p>
@@ -2453,7 +2453,7 @@
             <a:fld id="{2E8303D9-A6EB-41FB-BF22-3F49E470997E}" type="datetime2">
               <a:rPr lang="en-US" smtClean="0"/>
               <a:pPr/>
-              <a:t>Tuesday, February 04, 2014</a:t>
+              <a:t>Wednesday, February 05, 2014</a:t>
             </a:fld>
             <a:endParaRPr lang="en-US"/>
           </a:p>
@@ -2901,7 +2901,7 @@
             <a:fld id="{89BB0534-5698-4F62-9CFE-5DE61A073E78}" type="datetime2">
               <a:rPr lang="en-US" smtClean="0"/>
               <a:pPr/>
-              <a:t>Tuesday, February 04, 2014</a:t>
+              <a:t>Wednesday, February 05, 2014</a:t>
             </a:fld>
             <a:endParaRPr lang="en-US"/>
           </a:p>
@@ -3004,7 +3004,7 @@
             <a:fld id="{084827A3-B249-4F87-AB1A-1E06AC1AA2A4}" type="datetime2">
               <a:rPr lang="en-US" smtClean="0"/>
               <a:pPr/>
-              <a:t>Tuesday, February 04, 2014</a:t>
+              <a:t>Wednesday, February 05, 2014</a:t>
             </a:fld>
             <a:endParaRPr lang="en-US"/>
           </a:p>
@@ -3127,7 +3127,7 @@
             <a:fld id="{B1546142-29B2-49CC-BCC6-A3AD70B4960E}" type="datetime2">
               <a:rPr lang="en-US" smtClean="0"/>
               <a:pPr/>
-              <a:t>Tuesday, February 04, 2014</a:t>
+              <a:t>Wednesday, February 05, 2014</a:t>
             </a:fld>
             <a:endParaRPr lang="en-US"/>
           </a:p>
@@ -3403,7 +3403,7 @@
             <a:fld id="{E86C4691-4882-40A8-AF62-8CF6A18D40B2}" type="datetime2">
               <a:rPr lang="en-US" smtClean="0"/>
               <a:pPr/>
-              <a:t>Tuesday, February 04, 2014</a:t>
+              <a:t>Wednesday, February 05, 2014</a:t>
             </a:fld>
             <a:endParaRPr lang="en-US"/>
           </a:p>
@@ -3610,7 +3610,7 @@
             <a:fld id="{61C6776A-4DEC-47EE-8A49-2C150ECB5465}" type="datetime2">
               <a:rPr lang="en-US" smtClean="0"/>
               <a:pPr/>
-              <a:t>Tuesday, February 04, 2014</a:t>
+              <a:t>Wednesday, February 05, 2014</a:t>
             </a:fld>
             <a:endParaRPr lang="en-US">
               <a:solidFill>
@@ -4733,7 +4733,7 @@
             <a:fld id="{D10E14BF-C004-4398-9186-5EE680724D95}" type="datetime2">
               <a:rPr lang="en-US" smtClean="0"/>
               <a:pPr/>
-              <a:t>Tuesday, February 04, 2014</a:t>
+              <a:t>Wednesday, February 05, 2014</a:t>
             </a:fld>
             <a:endParaRPr lang="en-US" sz="1000" dirty="0">
               <a:solidFill>
@@ -7765,7 +7765,6 @@
               <a:rPr lang="pl-PL" sz="2400" dirty="0"/>
               <a:t>));</a:t>
             </a:r>
-            <a:endParaRPr lang="pl-PL" sz="2400" dirty="0"/>
           </a:p>
         </p:txBody>
       </p:sp>
@@ -8217,45 +8216,140 @@
         </p:nvSpPr>
         <p:spPr/>
         <p:txBody>
-          <a:bodyPr>
-            <a:normAutofit/>
-          </a:bodyPr>
-          <a:lstStyle/>
-          <a:p>
-            <a:pPr marL="109728" indent="0">
-              <a:buNone/>
-            </a:pPr>
-            <a:endParaRPr lang="pl-PL" sz="1400" dirty="0"/>
-          </a:p>
-        </p:txBody>
-      </p:sp>
-      <p:sp>
-        <p:nvSpPr>
-          <p:cNvPr id="3" name="Tytuł 2"/>
-          <p:cNvSpPr>
-            <a:spLocks noGrp="1"/>
-          </p:cNvSpPr>
-          <p:nvPr>
-            <p:ph type="title"/>
-          </p:nvPr>
-        </p:nvSpPr>
-        <p:spPr/>
-        <p:txBody>
           <a:bodyPr/>
           <a:lstStyle/>
           <a:p>
             <a:r>
               <a:rPr lang="pl-PL" dirty="0" smtClean="0"/>
-              <a:t>kmodule.xml</a:t>
-            </a:r>
-            <a:endParaRPr lang="pl-PL" dirty="0"/>
+              <a:t>Agenda – </a:t>
+            </a:r>
+            <a:r>
+              <a:rPr lang="pl-PL" dirty="0" err="1" smtClean="0"/>
+              <a:t>defines</a:t>
+            </a:r>
+            <a:r>
+              <a:rPr lang="pl-PL" dirty="0" smtClean="0"/>
+              <a:t> </a:t>
+            </a:r>
+            <a:r>
+              <a:rPr lang="pl-PL" dirty="0" err="1" smtClean="0"/>
+              <a:t>an</a:t>
+            </a:r>
+            <a:r>
+              <a:rPr lang="pl-PL" dirty="0" smtClean="0"/>
+              <a:t> order of </a:t>
+            </a:r>
+            <a:r>
+              <a:rPr lang="pl-PL" dirty="0" err="1" smtClean="0"/>
+              <a:t>rules</a:t>
+            </a:r>
+            <a:r>
+              <a:rPr lang="pl-PL" dirty="0" smtClean="0"/>
+              <a:t> </a:t>
+            </a:r>
+            <a:r>
+              <a:rPr lang="pl-PL" dirty="0" err="1" smtClean="0"/>
+              <a:t>execution</a:t>
+            </a:r>
+            <a:endParaRPr lang="pl-PL" dirty="0" smtClean="0"/>
+          </a:p>
+          <a:p>
+            <a:pPr lvl="1"/>
+            <a:r>
+              <a:rPr lang="pl-PL" dirty="0" err="1" smtClean="0"/>
+              <a:t>Salience</a:t>
+            </a:r>
+            <a:endParaRPr lang="pl-PL" dirty="0" smtClean="0"/>
+          </a:p>
+          <a:p>
+            <a:pPr lvl="1"/>
+            <a:r>
+              <a:rPr lang="pl-PL" dirty="0" smtClean="0"/>
+              <a:t>Agenda </a:t>
+            </a:r>
+            <a:r>
+              <a:rPr lang="pl-PL" dirty="0" err="1" smtClean="0"/>
+              <a:t>groups</a:t>
+            </a:r>
+            <a:endParaRPr lang="pl-PL" dirty="0" smtClean="0"/>
+          </a:p>
+          <a:p>
+            <a:pPr lvl="1"/>
+            <a:r>
+              <a:rPr lang="pl-PL" dirty="0" err="1" smtClean="0"/>
+              <a:t>Activation</a:t>
+            </a:r>
+            <a:r>
+              <a:rPr lang="pl-PL" dirty="0" smtClean="0"/>
+              <a:t> </a:t>
+            </a:r>
+            <a:r>
+              <a:rPr lang="pl-PL" dirty="0" err="1" smtClean="0"/>
+              <a:t>groups</a:t>
+            </a:r>
+            <a:endParaRPr lang="pl-PL" dirty="0" smtClean="0"/>
+          </a:p>
+          <a:p>
+            <a:pPr lvl="1"/>
+            <a:r>
+              <a:rPr lang="pl-PL" dirty="0" err="1" smtClean="0"/>
+              <a:t>Rule</a:t>
+            </a:r>
+            <a:r>
+              <a:rPr lang="pl-PL" dirty="0" smtClean="0"/>
+              <a:t> </a:t>
+            </a:r>
+            <a:r>
+              <a:rPr lang="pl-PL" dirty="0" err="1" smtClean="0"/>
+              <a:t>flow</a:t>
+            </a:r>
+            <a:r>
+              <a:rPr lang="pl-PL" dirty="0" smtClean="0"/>
+              <a:t> </a:t>
+            </a:r>
+            <a:r>
+              <a:rPr lang="pl-PL" dirty="0" err="1" smtClean="0"/>
+              <a:t>groups</a:t>
+            </a:r>
+            <a:endParaRPr lang="en-GB" dirty="0"/>
+          </a:p>
+        </p:txBody>
+      </p:sp>
+      <p:sp>
+        <p:nvSpPr>
+          <p:cNvPr id="3" name="Tytuł 2"/>
+          <p:cNvSpPr>
+            <a:spLocks noGrp="1"/>
+          </p:cNvSpPr>
+          <p:nvPr>
+            <p:ph type="title"/>
+          </p:nvPr>
+        </p:nvSpPr>
+        <p:spPr/>
+        <p:txBody>
+          <a:bodyPr/>
+          <a:lstStyle/>
+          <a:p>
+            <a:r>
+              <a:rPr lang="pl-PL" dirty="0" err="1" smtClean="0"/>
+              <a:t>Execution</a:t>
+            </a:r>
+            <a:r>
+              <a:rPr lang="pl-PL" dirty="0" smtClean="0"/>
+              <a:t> </a:t>
+            </a:r>
+            <a:r>
+              <a:rPr lang="pl-PL" dirty="0" err="1" smtClean="0"/>
+              <a:t>control</a:t>
+            </a:r>
+            <a:endParaRPr lang="en-GB" dirty="0"/>
           </a:p>
         </p:txBody>
       </p:sp>
     </p:spTree>
     <p:extLst>
       <p:ext uri="{BB962C8B-B14F-4D97-AF65-F5344CB8AC3E}">
-        <p14:creationId xmlns:p14="http://schemas.microsoft.com/office/powerpoint/2010/main" val="2797506274"/>
+        <p14:creationId xmlns:p14="http://schemas.microsoft.com/office/powerpoint/2010/main" val="3875026567"/>
       </p:ext>
     </p:extLst>
   </p:cSld>
@@ -8301,52 +8395,45 @@
         </p:nvSpPr>
         <p:spPr/>
         <p:txBody>
+          <a:bodyPr>
+            <a:normAutofit/>
+          </a:bodyPr>
+          <a:lstStyle/>
+          <a:p>
+            <a:pPr marL="109728" indent="0">
+              <a:buNone/>
+            </a:pPr>
+            <a:endParaRPr lang="pl-PL" sz="1400" dirty="0"/>
+          </a:p>
+        </p:txBody>
+      </p:sp>
+      <p:sp>
+        <p:nvSpPr>
+          <p:cNvPr id="3" name="Tytuł 2"/>
+          <p:cNvSpPr>
+            <a:spLocks noGrp="1"/>
+          </p:cNvSpPr>
+          <p:nvPr>
+            <p:ph type="title"/>
+          </p:nvPr>
+        </p:nvSpPr>
+        <p:spPr/>
+        <p:txBody>
           <a:bodyPr/>
           <a:lstStyle/>
           <a:p>
             <a:r>
               <a:rPr lang="pl-PL" dirty="0" smtClean="0"/>
-              <a:t>Agenda</a:t>
-            </a:r>
-            <a:endParaRPr lang="en-GB" dirty="0"/>
-          </a:p>
-        </p:txBody>
-      </p:sp>
-      <p:sp>
-        <p:nvSpPr>
-          <p:cNvPr id="3" name="Tytuł 2"/>
-          <p:cNvSpPr>
-            <a:spLocks noGrp="1"/>
-          </p:cNvSpPr>
-          <p:nvPr>
-            <p:ph type="title"/>
-          </p:nvPr>
-        </p:nvSpPr>
-        <p:spPr/>
-        <p:txBody>
-          <a:bodyPr/>
-          <a:lstStyle/>
-          <a:p>
-            <a:r>
-              <a:rPr lang="pl-PL" dirty="0" err="1" smtClean="0"/>
-              <a:t>Execution</a:t>
-            </a:r>
-            <a:r>
-              <a:rPr lang="pl-PL" dirty="0" smtClean="0"/>
-              <a:t> </a:t>
-            </a:r>
-            <a:r>
-              <a:rPr lang="pl-PL" dirty="0" err="1" smtClean="0"/>
-              <a:t>control</a:t>
-            </a:r>
-            <a:endParaRPr lang="en-GB" dirty="0"/>
+              <a:t>kmodule.xml</a:t>
+            </a:r>
+            <a:endParaRPr lang="pl-PL" dirty="0"/>
           </a:p>
         </p:txBody>
       </p:sp>
     </p:spTree>
     <p:extLst>
       <p:ext uri="{BB962C8B-B14F-4D97-AF65-F5344CB8AC3E}">
-        <p14:creationId xmlns:p14="http://schemas.microsoft.com/office/powerpoint/2010/main" val="3875026567"/>
+        <p14:creationId xmlns:p14="http://schemas.microsoft.com/office/powerpoint/2010/main" val="2797506274"/>
       </p:ext>
     </p:extLst>
   </p:cSld>
@@ -10569,7 +10656,6 @@
               <a:rPr lang="pl-PL" dirty="0" smtClean="0"/>
               <a:t> - OWL</a:t>
             </a:r>
-            <a:endParaRPr lang="pl-PL" dirty="0" smtClean="0"/>
           </a:p>
           <a:p>
             <a:r>
@@ -11710,14 +11796,14 @@
           </a:p>
           <a:p>
             <a:r>
-              <a:rPr lang="pl-PL" dirty="0" err="1" smtClean="0"/>
+              <a:rPr lang="pl-PL" b="1" u="sng" dirty="0" err="1" smtClean="0"/>
               <a:t>ReteOO</a:t>
             </a:r>
-            <a:endParaRPr lang="pl-PL" dirty="0" smtClean="0"/>
-          </a:p>
-          <a:p>
-            <a:r>
-              <a:rPr lang="pl-PL" dirty="0" smtClean="0"/>
+            <a:endParaRPr lang="pl-PL" b="1" u="sng" dirty="0" smtClean="0"/>
+          </a:p>
+          <a:p>
+            <a:r>
+              <a:rPr lang="pl-PL" b="1" u="sng" dirty="0" smtClean="0"/>
               <a:t>PHREAK</a:t>
             </a:r>
           </a:p>

--- a/drools-business-rules-engine.pptx
+++ b/drools-business-rules-engine.pptx
@@ -5,7 +5,7 @@
     <p:sldMasterId id="2147483658" r:id="rId2"/>
   </p:sldMasterIdLst>
   <p:notesMasterIdLst>
-    <p:notesMasterId r:id="rId32"/>
+    <p:notesMasterId r:id="rId35"/>
   </p:notesMasterIdLst>
   <p:sldIdLst>
     <p:sldId id="256" r:id="rId3"/>
@@ -30,13 +30,16 @@
     <p:sldId id="267" r:id="rId22"/>
     <p:sldId id="259" r:id="rId23"/>
     <p:sldId id="288" r:id="rId24"/>
-    <p:sldId id="271" r:id="rId25"/>
-    <p:sldId id="275" r:id="rId26"/>
-    <p:sldId id="276" r:id="rId27"/>
-    <p:sldId id="268" r:id="rId28"/>
-    <p:sldId id="270" r:id="rId29"/>
-    <p:sldId id="274" r:id="rId30"/>
-    <p:sldId id="282" r:id="rId31"/>
+    <p:sldId id="289" r:id="rId25"/>
+    <p:sldId id="290" r:id="rId26"/>
+    <p:sldId id="291" r:id="rId27"/>
+    <p:sldId id="292" r:id="rId28"/>
+    <p:sldId id="275" r:id="rId29"/>
+    <p:sldId id="276" r:id="rId30"/>
+    <p:sldId id="268" r:id="rId31"/>
+    <p:sldId id="270" r:id="rId32"/>
+    <p:sldId id="274" r:id="rId33"/>
+    <p:sldId id="282" r:id="rId34"/>
   </p:sldIdLst>
   <p:sldSz cx="9144000" cy="6858000" type="screen4x3"/>
   <p:notesSz cx="6858000" cy="9144000"/>
@@ -137,7 +140,7 @@
   </p:defaultTextStyle>
   <p:extLst>
     <p:ext uri="{EFAFB233-063F-42B5-8137-9DF3F51BA10A}">
-      <p15:sldGuideLst xmlns:p15="http://schemas.microsoft.com/office/powerpoint/2012/main">
+      <p15:sldGuideLst xmlns:p15="http://schemas.microsoft.com/office/powerpoint/2012/main" xmlns="">
         <p15:guide id="1" orient="horz" pos="2160">
           <p15:clr>
             <a:srgbClr val="A4A3A4"/>
@@ -8395,36 +8398,322 @@
         </p:nvSpPr>
         <p:spPr/>
         <p:txBody>
-          <a:bodyPr>
-            <a:normAutofit/>
-          </a:bodyPr>
-          <a:lstStyle/>
-          <a:p>
-            <a:pPr marL="109728" indent="0">
-              <a:buNone/>
-            </a:pPr>
-            <a:endParaRPr lang="pl-PL" sz="1400" dirty="0"/>
-          </a:p>
-        </p:txBody>
-      </p:sp>
-      <p:sp>
-        <p:nvSpPr>
-          <p:cNvPr id="3" name="Tytuł 2"/>
-          <p:cNvSpPr>
-            <a:spLocks noGrp="1"/>
-          </p:cNvSpPr>
-          <p:nvPr>
-            <p:ph type="title"/>
-          </p:nvPr>
-        </p:nvSpPr>
-        <p:spPr/>
-        <p:txBody>
           <a:bodyPr/>
           <a:lstStyle/>
           <a:p>
             <a:r>
-              <a:rPr lang="pl-PL" dirty="0" smtClean="0"/>
-              <a:t>kmodule.xml</a:t>
+              <a:rPr lang="pl-PL" dirty="0" err="1" smtClean="0"/>
+              <a:t>Insertions</a:t>
+            </a:r>
+            <a:r>
+              <a:rPr lang="pl-PL" dirty="0" smtClean="0"/>
+              <a:t> – </a:t>
+            </a:r>
+            <a:r>
+              <a:rPr lang="pl-PL" dirty="0" err="1" smtClean="0"/>
+              <a:t>putting</a:t>
+            </a:r>
+            <a:r>
+              <a:rPr lang="pl-PL" dirty="0" smtClean="0"/>
+              <a:t> </a:t>
+            </a:r>
+            <a:r>
+              <a:rPr lang="pl-PL" dirty="0" err="1" smtClean="0"/>
+              <a:t>fact</a:t>
+            </a:r>
+            <a:r>
+              <a:rPr lang="pl-PL" dirty="0" smtClean="0"/>
+              <a:t> </a:t>
+            </a:r>
+            <a:r>
+              <a:rPr lang="pl-PL" dirty="0" err="1" smtClean="0"/>
+              <a:t>into</a:t>
+            </a:r>
+            <a:r>
+              <a:rPr lang="pl-PL" dirty="0" smtClean="0"/>
+              <a:t> </a:t>
+            </a:r>
+            <a:r>
+              <a:rPr lang="pl-PL" dirty="0" err="1" smtClean="0"/>
+              <a:t>working</a:t>
+            </a:r>
+            <a:r>
+              <a:rPr lang="pl-PL" dirty="0" smtClean="0"/>
+              <a:t> </a:t>
+            </a:r>
+            <a:r>
+              <a:rPr lang="pl-PL" dirty="0" err="1" smtClean="0"/>
+              <a:t>memory</a:t>
+            </a:r>
+            <a:endParaRPr lang="pl-PL" dirty="0" smtClean="0"/>
+          </a:p>
+          <a:p>
+            <a:r>
+              <a:rPr lang="pl-PL" dirty="0" err="1" smtClean="0"/>
+              <a:t>Logical</a:t>
+            </a:r>
+            <a:r>
+              <a:rPr lang="pl-PL" dirty="0" smtClean="0"/>
+              <a:t> </a:t>
+            </a:r>
+            <a:r>
+              <a:rPr lang="pl-PL" dirty="0" err="1" smtClean="0"/>
+              <a:t>insertions</a:t>
+            </a:r>
+            <a:r>
+              <a:rPr lang="pl-PL" dirty="0" smtClean="0"/>
+              <a:t> – </a:t>
+            </a:r>
+            <a:r>
+              <a:rPr lang="pl-PL" dirty="0" err="1" smtClean="0"/>
+              <a:t>just</a:t>
+            </a:r>
+            <a:r>
+              <a:rPr lang="pl-PL" dirty="0" smtClean="0"/>
+              <a:t> </a:t>
+            </a:r>
+            <a:r>
+              <a:rPr lang="pl-PL" dirty="0" err="1" smtClean="0"/>
+              <a:t>firing</a:t>
+            </a:r>
+            <a:r>
+              <a:rPr lang="pl-PL" dirty="0" smtClean="0"/>
+              <a:t> the </a:t>
+            </a:r>
+            <a:r>
+              <a:rPr lang="pl-PL" dirty="0" err="1" smtClean="0"/>
+              <a:t>rules</a:t>
+            </a:r>
+            <a:r>
+              <a:rPr lang="pl-PL" dirty="0" smtClean="0"/>
+              <a:t> </a:t>
+            </a:r>
+            <a:r>
+              <a:rPr lang="pl-PL" dirty="0" err="1" smtClean="0"/>
+              <a:t>that</a:t>
+            </a:r>
+            <a:r>
+              <a:rPr lang="pl-PL" dirty="0" smtClean="0"/>
+              <a:t> </a:t>
+            </a:r>
+            <a:r>
+              <a:rPr lang="pl-PL" dirty="0" err="1" smtClean="0"/>
+              <a:t>are</a:t>
+            </a:r>
+            <a:r>
+              <a:rPr lang="pl-PL" dirty="0" smtClean="0"/>
+              <a:t> </a:t>
+            </a:r>
+            <a:r>
+              <a:rPr lang="pl-PL" dirty="0" err="1" smtClean="0"/>
+              <a:t>activated</a:t>
+            </a:r>
+            <a:r>
+              <a:rPr lang="pl-PL" dirty="0" smtClean="0"/>
+              <a:t> by </a:t>
+            </a:r>
+            <a:r>
+              <a:rPr lang="pl-PL" dirty="0" err="1" smtClean="0"/>
+              <a:t>fact</a:t>
+            </a:r>
+            <a:endParaRPr lang="pl-PL" dirty="0" smtClean="0"/>
+          </a:p>
+          <a:p>
+            <a:r>
+              <a:rPr lang="pl-PL" dirty="0" err="1" smtClean="0"/>
+              <a:t>Retraction</a:t>
+            </a:r>
+            <a:r>
+              <a:rPr lang="pl-PL" dirty="0" smtClean="0"/>
+              <a:t> – </a:t>
+            </a:r>
+            <a:r>
+              <a:rPr lang="pl-PL" dirty="0" err="1" smtClean="0"/>
+              <a:t>removing</a:t>
+            </a:r>
+            <a:r>
+              <a:rPr lang="pl-PL" dirty="0" smtClean="0"/>
+              <a:t> </a:t>
+            </a:r>
+            <a:r>
+              <a:rPr lang="pl-PL" dirty="0" err="1" smtClean="0"/>
+              <a:t>fact</a:t>
+            </a:r>
+            <a:r>
+              <a:rPr lang="pl-PL" dirty="0" smtClean="0"/>
+              <a:t> from </a:t>
+            </a:r>
+            <a:r>
+              <a:rPr lang="pl-PL" dirty="0" err="1" smtClean="0"/>
+              <a:t>memory</a:t>
+            </a:r>
+            <a:r>
+              <a:rPr lang="pl-PL" dirty="0" smtClean="0"/>
+              <a:t>, </a:t>
+            </a:r>
+            <a:r>
+              <a:rPr lang="pl-PL" dirty="0" err="1" smtClean="0"/>
+              <a:t>might</a:t>
+            </a:r>
+            <a:r>
+              <a:rPr lang="pl-PL" dirty="0" smtClean="0"/>
+              <a:t> </a:t>
+            </a:r>
+            <a:r>
+              <a:rPr lang="pl-PL" dirty="0" err="1" smtClean="0"/>
+              <a:t>also</a:t>
+            </a:r>
+            <a:r>
+              <a:rPr lang="pl-PL" dirty="0" smtClean="0"/>
+              <a:t> </a:t>
+            </a:r>
+            <a:r>
+              <a:rPr lang="pl-PL" dirty="0" err="1" smtClean="0"/>
+              <a:t>activate</a:t>
+            </a:r>
+            <a:r>
+              <a:rPr lang="pl-PL" dirty="0" smtClean="0"/>
+              <a:t> </a:t>
+            </a:r>
+            <a:r>
+              <a:rPr lang="pl-PL" dirty="0" err="1" smtClean="0"/>
+              <a:t>some</a:t>
+            </a:r>
+            <a:r>
+              <a:rPr lang="pl-PL" dirty="0" smtClean="0"/>
+              <a:t> </a:t>
+            </a:r>
+            <a:r>
+              <a:rPr lang="pl-PL" dirty="0" err="1" smtClean="0"/>
+              <a:t>rules</a:t>
+            </a:r>
+            <a:endParaRPr lang="pl-PL" dirty="0" smtClean="0"/>
+          </a:p>
+          <a:p>
+            <a:r>
+              <a:rPr lang="pl-PL" dirty="0" err="1" smtClean="0"/>
+              <a:t>Modification</a:t>
+            </a:r>
+            <a:r>
+              <a:rPr lang="pl-PL" dirty="0" smtClean="0"/>
+              <a:t> – to </a:t>
+            </a:r>
+            <a:r>
+              <a:rPr lang="pl-PL" dirty="0" err="1" smtClean="0"/>
+              <a:t>activate</a:t>
+            </a:r>
+            <a:r>
+              <a:rPr lang="pl-PL" dirty="0" smtClean="0"/>
+              <a:t> </a:t>
+            </a:r>
+            <a:r>
+              <a:rPr lang="pl-PL" dirty="0" err="1" smtClean="0"/>
+              <a:t>rules</a:t>
+            </a:r>
+            <a:r>
+              <a:rPr lang="pl-PL" dirty="0" smtClean="0"/>
+              <a:t> </a:t>
+            </a:r>
+            <a:r>
+              <a:rPr lang="pl-PL" dirty="0" err="1" smtClean="0"/>
+              <a:t>it</a:t>
+            </a:r>
+            <a:r>
+              <a:rPr lang="pl-PL" dirty="0" smtClean="0"/>
+              <a:t> </a:t>
+            </a:r>
+            <a:r>
+              <a:rPr lang="pl-PL" dirty="0" err="1" smtClean="0"/>
+              <a:t>must</a:t>
+            </a:r>
+            <a:r>
+              <a:rPr lang="pl-PL" dirty="0" smtClean="0"/>
+              <a:t> be </a:t>
+            </a:r>
+            <a:r>
+              <a:rPr lang="pl-PL" dirty="0" err="1" smtClean="0"/>
+              <a:t>done</a:t>
+            </a:r>
+            <a:r>
+              <a:rPr lang="pl-PL" dirty="0" smtClean="0"/>
+              <a:t> </a:t>
+            </a:r>
+            <a:r>
+              <a:rPr lang="pl-PL" dirty="0" err="1" smtClean="0"/>
+              <a:t>explicitly</a:t>
+            </a:r>
+            <a:r>
+              <a:rPr lang="pl-PL" dirty="0" smtClean="0"/>
+              <a:t> from API </a:t>
+            </a:r>
+            <a:r>
+              <a:rPr lang="pl-PL" dirty="0" err="1" smtClean="0"/>
+              <a:t>or</a:t>
+            </a:r>
+            <a:r>
+              <a:rPr lang="pl-PL" dirty="0" smtClean="0"/>
+              <a:t> in RHS</a:t>
+            </a:r>
+          </a:p>
+          <a:p>
+            <a:r>
+              <a:rPr lang="pl-PL" dirty="0" smtClean="0"/>
+              <a:t>Objects </a:t>
+            </a:r>
+            <a:r>
+              <a:rPr lang="pl-PL" dirty="0" err="1" smtClean="0"/>
+              <a:t>equality</a:t>
+            </a:r>
+            <a:r>
+              <a:rPr lang="pl-PL" dirty="0" smtClean="0"/>
+              <a:t> – </a:t>
+            </a:r>
+            <a:r>
+              <a:rPr lang="pl-PL" dirty="0" err="1" smtClean="0"/>
+              <a:t>equals</a:t>
+            </a:r>
+            <a:r>
+              <a:rPr lang="pl-PL" dirty="0" smtClean="0"/>
+              <a:t>() and </a:t>
+            </a:r>
+            <a:r>
+              <a:rPr lang="pl-PL" dirty="0" err="1" smtClean="0"/>
+              <a:t>hashCode</a:t>
+            </a:r>
+            <a:r>
+              <a:rPr lang="pl-PL" dirty="0" smtClean="0"/>
+              <a:t>()</a:t>
+            </a:r>
+            <a:endParaRPr lang="pl-PL" dirty="0"/>
+          </a:p>
+        </p:txBody>
+      </p:sp>
+      <p:sp>
+        <p:nvSpPr>
+          <p:cNvPr id="3" name="Tytuł 2"/>
+          <p:cNvSpPr>
+            <a:spLocks noGrp="1"/>
+          </p:cNvSpPr>
+          <p:nvPr>
+            <p:ph type="title"/>
+          </p:nvPr>
+        </p:nvSpPr>
+        <p:spPr/>
+        <p:txBody>
+          <a:bodyPr/>
+          <a:lstStyle/>
+          <a:p>
+            <a:r>
+              <a:rPr lang="pl-PL" dirty="0" err="1"/>
+              <a:t>Truth</a:t>
+            </a:r>
+            <a:r>
+              <a:rPr lang="pl-PL" dirty="0"/>
+              <a:t> </a:t>
+            </a:r>
+            <a:r>
+              <a:rPr lang="pl-PL" dirty="0" err="1"/>
+              <a:t>Maintenance</a:t>
             </a:r>
             <a:endParaRPr lang="pl-PL" dirty="0"/>
           </a:p>
@@ -8433,20 +8722,13 @@
     </p:spTree>
     <p:extLst>
       <p:ext uri="{BB962C8B-B14F-4D97-AF65-F5344CB8AC3E}">
-        <p14:creationId xmlns:p14="http://schemas.microsoft.com/office/powerpoint/2010/main" val="2797506274"/>
+        <p14:creationId xmlns:p14="http://schemas.microsoft.com/office/powerpoint/2010/main" val="3093605117"/>
       </p:ext>
     </p:extLst>
   </p:cSld>
   <p:clrMapOvr>
     <a:masterClrMapping/>
   </p:clrMapOvr>
-  <p:timing>
-    <p:tnLst>
-      <p:par>
-        <p:cTn id="1" dur="indefinite" restart="never" nodeType="tmRoot"/>
-      </p:par>
-    </p:tnLst>
-  </p:timing>
 </p:sld>
 </file>
 
@@ -8469,412 +8751,6 @@
       </p:grpSpPr>
       <p:sp>
         <p:nvSpPr>
-          <p:cNvPr id="2" name="Symbol zastępczy zawartości 1"/>
-          <p:cNvSpPr>
-            <a:spLocks noGrp="1"/>
-          </p:cNvSpPr>
-          <p:nvPr>
-            <p:ph idx="1"/>
-          </p:nvPr>
-        </p:nvSpPr>
-        <p:spPr/>
-        <p:txBody>
-          <a:bodyPr>
-            <a:normAutofit/>
-          </a:bodyPr>
-          <a:lstStyle/>
-          <a:p>
-            <a:pPr marL="109728" indent="0">
-              <a:buNone/>
-            </a:pPr>
-            <a:r>
-              <a:rPr lang="pl-PL" sz="1800" dirty="0">
-                <a:latin typeface="Lucida Console" panose="020B0609040504020204" pitchFamily="49" charset="0"/>
-              </a:rPr>
-              <a:t>[</a:t>
-            </a:r>
-            <a:r>
-              <a:rPr lang="pl-PL" sz="1800" dirty="0" err="1">
-                <a:latin typeface="Lucida Console" panose="020B0609040504020204" pitchFamily="49" charset="0"/>
-              </a:rPr>
-              <a:t>when</a:t>
-            </a:r>
-            <a:r>
-              <a:rPr lang="pl-PL" sz="1800" dirty="0">
-                <a:latin typeface="Lucida Console" panose="020B0609040504020204" pitchFamily="49" charset="0"/>
-              </a:rPr>
-              <a:t>]</a:t>
-            </a:r>
-            <a:r>
-              <a:rPr lang="pl-PL" sz="1800" dirty="0" err="1">
-                <a:latin typeface="Lucida Console" panose="020B0609040504020204" pitchFamily="49" charset="0"/>
-              </a:rPr>
-              <a:t>There</a:t>
-            </a:r>
-            <a:r>
-              <a:rPr lang="pl-PL" sz="1800" dirty="0">
-                <a:latin typeface="Lucida Console" panose="020B0609040504020204" pitchFamily="49" charset="0"/>
-              </a:rPr>
-              <a:t> </a:t>
-            </a:r>
-            <a:r>
-              <a:rPr lang="pl-PL" sz="1800" dirty="0" err="1">
-                <a:latin typeface="Lucida Console" panose="020B0609040504020204" pitchFamily="49" charset="0"/>
-              </a:rPr>
-              <a:t>is</a:t>
-            </a:r>
-            <a:r>
-              <a:rPr lang="pl-PL" sz="1800" dirty="0">
-                <a:latin typeface="Lucida Console" panose="020B0609040504020204" pitchFamily="49" charset="0"/>
-              </a:rPr>
-              <a:t> a person with </a:t>
-            </a:r>
-            <a:r>
-              <a:rPr lang="pl-PL" sz="1800" dirty="0" err="1">
-                <a:latin typeface="Lucida Console" panose="020B0609040504020204" pitchFamily="49" charset="0"/>
-              </a:rPr>
-              <a:t>name</a:t>
-            </a:r>
-            <a:r>
-              <a:rPr lang="pl-PL" sz="1800" dirty="0">
-                <a:latin typeface="Lucida Console" panose="020B0609040504020204" pitchFamily="49" charset="0"/>
-              </a:rPr>
-              <a:t> of </a:t>
-            </a:r>
-            <a:r>
-              <a:rPr lang="pl-PL" sz="1800" dirty="0" smtClean="0">
-                <a:latin typeface="Lucida Console" panose="020B0609040504020204" pitchFamily="49" charset="0"/>
-              </a:rPr>
-              <a:t>"{</a:t>
-            </a:r>
-            <a:r>
-              <a:rPr lang="pl-PL" sz="1800" dirty="0" err="1">
-                <a:latin typeface="Lucida Console" panose="020B0609040504020204" pitchFamily="49" charset="0"/>
-              </a:rPr>
-              <a:t>name</a:t>
-            </a:r>
-            <a:r>
-              <a:rPr lang="pl-PL" sz="1800" dirty="0" smtClean="0">
-                <a:latin typeface="Lucida Console" panose="020B0609040504020204" pitchFamily="49" charset="0"/>
-              </a:rPr>
-              <a:t>}„ = 	Person(</a:t>
-            </a:r>
-            <a:r>
-              <a:rPr lang="pl-PL" sz="1800" dirty="0" err="1" smtClean="0">
-                <a:latin typeface="Lucida Console" panose="020B0609040504020204" pitchFamily="49" charset="0"/>
-              </a:rPr>
-              <a:t>name</a:t>
-            </a:r>
-            <a:r>
-              <a:rPr lang="pl-PL" sz="1800" dirty="0">
-                <a:latin typeface="Lucida Console" panose="020B0609040504020204" pitchFamily="49" charset="0"/>
-              </a:rPr>
-              <a:t>=="{</a:t>
-            </a:r>
-            <a:r>
-              <a:rPr lang="pl-PL" sz="1800" dirty="0" err="1">
-                <a:latin typeface="Lucida Console" panose="020B0609040504020204" pitchFamily="49" charset="0"/>
-              </a:rPr>
-              <a:t>name</a:t>
-            </a:r>
-            <a:r>
-              <a:rPr lang="pl-PL" sz="1800" dirty="0" smtClean="0">
-                <a:latin typeface="Lucida Console" panose="020B0609040504020204" pitchFamily="49" charset="0"/>
-              </a:rPr>
-              <a:t>}")</a:t>
-            </a:r>
-          </a:p>
-          <a:p>
-            <a:pPr marL="109728" indent="0">
-              <a:buNone/>
-            </a:pPr>
-            <a:r>
-              <a:rPr lang="pl-PL" sz="1800" dirty="0" smtClean="0">
-                <a:latin typeface="Lucida Console" panose="020B0609040504020204" pitchFamily="49" charset="0"/>
-              </a:rPr>
-              <a:t>[</a:t>
-            </a:r>
-            <a:r>
-              <a:rPr lang="pl-PL" sz="1800" dirty="0" err="1">
-                <a:latin typeface="Lucida Console" panose="020B0609040504020204" pitchFamily="49" charset="0"/>
-              </a:rPr>
-              <a:t>when</a:t>
-            </a:r>
-            <a:r>
-              <a:rPr lang="pl-PL" sz="1800" dirty="0">
-                <a:latin typeface="Lucida Console" panose="020B0609040504020204" pitchFamily="49" charset="0"/>
-              </a:rPr>
-              <a:t>]Person </a:t>
-            </a:r>
-            <a:r>
-              <a:rPr lang="pl-PL" sz="1800" dirty="0" err="1">
-                <a:latin typeface="Lucida Console" panose="020B0609040504020204" pitchFamily="49" charset="0"/>
-              </a:rPr>
-              <a:t>is</a:t>
-            </a:r>
-            <a:r>
-              <a:rPr lang="pl-PL" sz="1800" dirty="0">
-                <a:latin typeface="Lucida Console" panose="020B0609040504020204" pitchFamily="49" charset="0"/>
-              </a:rPr>
-              <a:t> </a:t>
-            </a:r>
-            <a:r>
-              <a:rPr lang="pl-PL" sz="1800" dirty="0" err="1">
-                <a:latin typeface="Lucida Console" panose="020B0609040504020204" pitchFamily="49" charset="0"/>
-              </a:rPr>
-              <a:t>at</a:t>
-            </a:r>
-            <a:r>
-              <a:rPr lang="pl-PL" sz="1800" dirty="0">
-                <a:latin typeface="Lucida Console" panose="020B0609040504020204" pitchFamily="49" charset="0"/>
-              </a:rPr>
-              <a:t> </a:t>
-            </a:r>
-            <a:r>
-              <a:rPr lang="pl-PL" sz="1800" dirty="0" err="1">
-                <a:latin typeface="Lucida Console" panose="020B0609040504020204" pitchFamily="49" charset="0"/>
-              </a:rPr>
-              <a:t>least</a:t>
-            </a:r>
-            <a:r>
-              <a:rPr lang="pl-PL" sz="1800" dirty="0">
-                <a:latin typeface="Lucida Console" panose="020B0609040504020204" pitchFamily="49" charset="0"/>
-              </a:rPr>
-              <a:t> {</a:t>
-            </a:r>
-            <a:r>
-              <a:rPr lang="pl-PL" sz="1800" dirty="0" err="1">
-                <a:latin typeface="Lucida Console" panose="020B0609040504020204" pitchFamily="49" charset="0"/>
-              </a:rPr>
-              <a:t>age</a:t>
-            </a:r>
-            <a:r>
-              <a:rPr lang="pl-PL" sz="1800" dirty="0">
-                <a:latin typeface="Lucida Console" panose="020B0609040504020204" pitchFamily="49" charset="0"/>
-              </a:rPr>
-              <a:t>} </a:t>
-            </a:r>
-            <a:r>
-              <a:rPr lang="pl-PL" sz="1800" dirty="0" err="1">
-                <a:latin typeface="Lucida Console" panose="020B0609040504020204" pitchFamily="49" charset="0"/>
-              </a:rPr>
-              <a:t>years</a:t>
-            </a:r>
-            <a:r>
-              <a:rPr lang="pl-PL" sz="1800" dirty="0">
-                <a:latin typeface="Lucida Console" panose="020B0609040504020204" pitchFamily="49" charset="0"/>
-              </a:rPr>
-              <a:t> </a:t>
-            </a:r>
-            <a:r>
-              <a:rPr lang="pl-PL" sz="1800" dirty="0" err="1">
-                <a:latin typeface="Lucida Console" panose="020B0609040504020204" pitchFamily="49" charset="0"/>
-              </a:rPr>
-              <a:t>old</a:t>
-            </a:r>
-            <a:r>
-              <a:rPr lang="pl-PL" sz="1800" dirty="0">
-                <a:latin typeface="Lucida Console" panose="020B0609040504020204" pitchFamily="49" charset="0"/>
-              </a:rPr>
-              <a:t> and </a:t>
-            </a:r>
-            <a:r>
-              <a:rPr lang="pl-PL" sz="1800" dirty="0" err="1">
-                <a:latin typeface="Lucida Console" panose="020B0609040504020204" pitchFamily="49" charset="0"/>
-              </a:rPr>
-              <a:t>lives</a:t>
-            </a:r>
-            <a:r>
-              <a:rPr lang="pl-PL" sz="1800" dirty="0">
-                <a:latin typeface="Lucida Console" panose="020B0609040504020204" pitchFamily="49" charset="0"/>
-              </a:rPr>
-              <a:t> </a:t>
-            </a:r>
-            <a:r>
-              <a:rPr lang="pl-PL" sz="1800" dirty="0" smtClean="0">
-                <a:latin typeface="Lucida Console" panose="020B0609040504020204" pitchFamily="49" charset="0"/>
-              </a:rPr>
-              <a:t>	in </a:t>
-            </a:r>
-            <a:r>
-              <a:rPr lang="pl-PL" sz="1800" dirty="0">
-                <a:latin typeface="Lucida Console" panose="020B0609040504020204" pitchFamily="49" charset="0"/>
-              </a:rPr>
-              <a:t>"{</a:t>
-            </a:r>
-            <a:r>
-              <a:rPr lang="pl-PL" sz="1800" dirty="0" err="1">
-                <a:latin typeface="Lucida Console" panose="020B0609040504020204" pitchFamily="49" charset="0"/>
-              </a:rPr>
-              <a:t>location</a:t>
-            </a:r>
-            <a:r>
-              <a:rPr lang="pl-PL" sz="1800" dirty="0" smtClean="0">
-                <a:latin typeface="Lucida Console" panose="020B0609040504020204" pitchFamily="49" charset="0"/>
-              </a:rPr>
-              <a:t>}” = </a:t>
-            </a:r>
-            <a:r>
-              <a:rPr lang="pl-PL" sz="1800" dirty="0">
-                <a:latin typeface="Lucida Console" panose="020B0609040504020204" pitchFamily="49" charset="0"/>
-              </a:rPr>
-              <a:t>Person(</a:t>
-            </a:r>
-            <a:r>
-              <a:rPr lang="pl-PL" sz="1800" dirty="0" err="1">
-                <a:latin typeface="Lucida Console" panose="020B0609040504020204" pitchFamily="49" charset="0"/>
-              </a:rPr>
-              <a:t>age</a:t>
-            </a:r>
-            <a:r>
-              <a:rPr lang="pl-PL" sz="1800" dirty="0">
-                <a:latin typeface="Lucida Console" panose="020B0609040504020204" pitchFamily="49" charset="0"/>
-              </a:rPr>
-              <a:t> &gt;= {</a:t>
-            </a:r>
-            <a:r>
-              <a:rPr lang="pl-PL" sz="1800" dirty="0" err="1">
-                <a:latin typeface="Lucida Console" panose="020B0609040504020204" pitchFamily="49" charset="0"/>
-              </a:rPr>
-              <a:t>age</a:t>
-            </a:r>
-            <a:r>
-              <a:rPr lang="pl-PL" sz="1800" dirty="0">
-                <a:latin typeface="Lucida Console" panose="020B0609040504020204" pitchFamily="49" charset="0"/>
-              </a:rPr>
-              <a:t>}, </a:t>
-            </a:r>
-            <a:r>
-              <a:rPr lang="pl-PL" sz="1800" dirty="0" smtClean="0">
-                <a:latin typeface="Lucida Console" panose="020B0609040504020204" pitchFamily="49" charset="0"/>
-              </a:rPr>
-              <a:t>	</a:t>
-            </a:r>
-            <a:r>
-              <a:rPr lang="pl-PL" sz="1800" dirty="0" err="1" smtClean="0">
-                <a:latin typeface="Lucida Console" panose="020B0609040504020204" pitchFamily="49" charset="0"/>
-              </a:rPr>
-              <a:t>location</a:t>
-            </a:r>
-            <a:r>
-              <a:rPr lang="pl-PL" sz="1800" dirty="0">
-                <a:latin typeface="Lucida Console" panose="020B0609040504020204" pitchFamily="49" charset="0"/>
-              </a:rPr>
-              <a:t>=="{</a:t>
-            </a:r>
-            <a:r>
-              <a:rPr lang="pl-PL" sz="1800" dirty="0" err="1">
-                <a:latin typeface="Lucida Console" panose="020B0609040504020204" pitchFamily="49" charset="0"/>
-              </a:rPr>
-              <a:t>location</a:t>
-            </a:r>
-            <a:r>
-              <a:rPr lang="pl-PL" sz="1800" dirty="0" smtClean="0">
-                <a:latin typeface="Lucida Console" panose="020B0609040504020204" pitchFamily="49" charset="0"/>
-              </a:rPr>
-              <a:t>}")</a:t>
-            </a:r>
-          </a:p>
-          <a:p>
-            <a:pPr marL="109728" indent="0">
-              <a:buNone/>
-            </a:pPr>
-            <a:r>
-              <a:rPr lang="pl-PL" sz="1800" dirty="0" smtClean="0">
-                <a:latin typeface="Lucida Console" panose="020B0609040504020204" pitchFamily="49" charset="0"/>
-              </a:rPr>
-              <a:t>[</a:t>
-            </a:r>
-            <a:r>
-              <a:rPr lang="pl-PL" sz="1800" dirty="0" err="1">
-                <a:latin typeface="Lucida Console" panose="020B0609040504020204" pitchFamily="49" charset="0"/>
-              </a:rPr>
-              <a:t>then</a:t>
-            </a:r>
-            <a:r>
-              <a:rPr lang="pl-PL" sz="1800" dirty="0">
-                <a:latin typeface="Lucida Console" panose="020B0609040504020204" pitchFamily="49" charset="0"/>
-              </a:rPr>
-              <a:t>]Log </a:t>
-            </a:r>
-            <a:r>
-              <a:rPr lang="pl-PL" sz="1800" dirty="0" smtClean="0">
-                <a:latin typeface="Lucida Console" panose="020B0609040504020204" pitchFamily="49" charset="0"/>
-              </a:rPr>
-              <a:t>"{</a:t>
-            </a:r>
-            <a:r>
-              <a:rPr lang="pl-PL" sz="1800" dirty="0" err="1">
-                <a:latin typeface="Lucida Console" panose="020B0609040504020204" pitchFamily="49" charset="0"/>
-              </a:rPr>
-              <a:t>message</a:t>
-            </a:r>
-            <a:r>
-              <a:rPr lang="pl-PL" sz="1800" dirty="0" smtClean="0">
-                <a:latin typeface="Lucida Console" panose="020B0609040504020204" pitchFamily="49" charset="0"/>
-              </a:rPr>
-              <a:t>}„ = 	</a:t>
-            </a:r>
-            <a:r>
-              <a:rPr lang="pl-PL" sz="1800" dirty="0" err="1" smtClean="0">
-                <a:latin typeface="Lucida Console" panose="020B0609040504020204" pitchFamily="49" charset="0"/>
-              </a:rPr>
-              <a:t>System.out.println</a:t>
-            </a:r>
-            <a:r>
-              <a:rPr lang="pl-PL" sz="1800" dirty="0">
-                <a:latin typeface="Lucida Console" panose="020B0609040504020204" pitchFamily="49" charset="0"/>
-              </a:rPr>
-              <a:t>("{</a:t>
-            </a:r>
-            <a:r>
-              <a:rPr lang="pl-PL" sz="1800" dirty="0" err="1">
-                <a:latin typeface="Lucida Console" panose="020B0609040504020204" pitchFamily="49" charset="0"/>
-              </a:rPr>
-              <a:t>message</a:t>
-            </a:r>
-            <a:r>
-              <a:rPr lang="pl-PL" sz="1800" dirty="0" smtClean="0">
-                <a:latin typeface="Lucida Console" panose="020B0609040504020204" pitchFamily="49" charset="0"/>
-              </a:rPr>
-              <a:t>}");</a:t>
-            </a:r>
-          </a:p>
-          <a:p>
-            <a:pPr marL="109728" indent="0">
-              <a:buNone/>
-            </a:pPr>
-            <a:r>
-              <a:rPr lang="pl-PL" sz="1800" dirty="0" smtClean="0">
-                <a:latin typeface="Lucida Console" panose="020B0609040504020204" pitchFamily="49" charset="0"/>
-              </a:rPr>
-              <a:t>[</a:t>
-            </a:r>
-            <a:r>
-              <a:rPr lang="pl-PL" sz="1800" dirty="0" err="1">
-                <a:latin typeface="Lucida Console" panose="020B0609040504020204" pitchFamily="49" charset="0"/>
-              </a:rPr>
-              <a:t>when</a:t>
-            </a:r>
-            <a:r>
-              <a:rPr lang="pl-PL" sz="1800" dirty="0">
-                <a:latin typeface="Lucida Console" panose="020B0609040504020204" pitchFamily="49" charset="0"/>
-              </a:rPr>
-              <a:t>]And = and</a:t>
-            </a:r>
-          </a:p>
-          <a:p>
-            <a:pPr marL="109728" indent="0">
-              <a:buNone/>
-            </a:pPr>
-            <a:endParaRPr lang="pl-PL" sz="1800" dirty="0">
-              <a:latin typeface="Lucida Console" panose="020B0609040504020204" pitchFamily="49" charset="0"/>
-            </a:endParaRPr>
-          </a:p>
-        </p:txBody>
-      </p:sp>
-      <p:sp>
-        <p:nvSpPr>
           <p:cNvPr id="3" name="Tytuł 2"/>
           <p:cNvSpPr>
             <a:spLocks noGrp="1"/>
@@ -8889,46 +8765,77 @@
           <a:lstStyle/>
           <a:p>
             <a:r>
-              <a:rPr lang="pl-PL" dirty="0" err="1"/>
-              <a:t>Domain</a:t>
-            </a:r>
-            <a:r>
-              <a:rPr lang="pl-PL" dirty="0"/>
-              <a:t> </a:t>
-            </a:r>
-            <a:r>
-              <a:rPr lang="pl-PL" dirty="0" err="1"/>
-              <a:t>Specific</a:t>
-            </a:r>
-            <a:r>
-              <a:rPr lang="pl-PL" dirty="0"/>
-              <a:t> </a:t>
-            </a:r>
-            <a:r>
-              <a:rPr lang="pl-PL" dirty="0" err="1"/>
-              <a:t>Languages</a:t>
+              <a:rPr lang="pl-PL" dirty="0" smtClean="0"/>
+              <a:t>kmodule.xml</a:t>
             </a:r>
             <a:endParaRPr lang="pl-PL" dirty="0"/>
           </a:p>
         </p:txBody>
       </p:sp>
+      <p:pic>
+        <p:nvPicPr>
+          <p:cNvPr id="1026" name="Picture 2"/>
+          <p:cNvPicPr>
+            <a:picLocks noChangeAspect="1" noChangeArrowheads="1"/>
+          </p:cNvPicPr>
+          <p:nvPr/>
+        </p:nvPicPr>
+        <p:blipFill>
+          <a:blip r:embed="rId2">
+            <a:extLst>
+              <a:ext uri="{28A0092B-C50C-407E-A947-70E740481C1C}">
+                <a14:useLocalDpi xmlns:a14="http://schemas.microsoft.com/office/drawing/2010/main" val="0"/>
+              </a:ext>
+            </a:extLst>
+          </a:blip>
+          <a:srcRect/>
+          <a:stretch>
+            <a:fillRect/>
+          </a:stretch>
+        </p:blipFill>
+        <p:spPr bwMode="auto">
+          <a:xfrm>
+            <a:off x="467544" y="1412775"/>
+            <a:ext cx="8132729" cy="4388891"/>
+          </a:xfrm>
+          <a:prstGeom prst="rect">
+            <a:avLst/>
+          </a:prstGeom>
+          <a:noFill/>
+          <a:ln>
+            <a:noFill/>
+          </a:ln>
+          <a:extLst>
+            <a:ext uri="{909E8E84-426E-40DD-AFC4-6F175D3DCCD1}">
+              <a14:hiddenFill xmlns:a14="http://schemas.microsoft.com/office/drawing/2010/main">
+                <a:solidFill>
+                  <a:schemeClr val="accent1"/>
+                </a:solidFill>
+              </a14:hiddenFill>
+            </a:ext>
+            <a:ext uri="{91240B29-F687-4F45-9708-019B960494DF}">
+              <a14:hiddenLine xmlns:a14="http://schemas.microsoft.com/office/drawing/2010/main" w="9525">
+                <a:solidFill>
+                  <a:schemeClr val="tx1"/>
+                </a:solidFill>
+                <a:miter lim="800000"/>
+                <a:headEnd/>
+                <a:tailEnd/>
+              </a14:hiddenLine>
+            </a:ext>
+          </a:extLst>
+        </p:spPr>
+      </p:pic>
     </p:spTree>
     <p:extLst>
       <p:ext uri="{BB962C8B-B14F-4D97-AF65-F5344CB8AC3E}">
-        <p14:creationId xmlns:p14="http://schemas.microsoft.com/office/powerpoint/2010/main" val="1952145853"/>
+        <p14:creationId xmlns:p14="http://schemas.microsoft.com/office/powerpoint/2010/main" val="3482398841"/>
       </p:ext>
     </p:extLst>
   </p:cSld>
   <p:clrMapOvr>
     <a:masterClrMapping/>
   </p:clrMapOvr>
-  <p:timing>
-    <p:tnLst>
-      <p:par>
-        <p:cTn id="1" dur="indefinite" restart="never" nodeType="tmRoot"/>
-      </p:par>
-    </p:tnLst>
-  </p:timing>
 </p:sld>
 </file>
 
@@ -8951,624 +8858,91 @@
       </p:grpSpPr>
       <p:sp>
         <p:nvSpPr>
-          <p:cNvPr id="2" name="Symbol zastępczy zawartości 1"/>
-          <p:cNvSpPr>
-            <a:spLocks noGrp="1"/>
-          </p:cNvSpPr>
-          <p:nvPr>
-            <p:ph idx="1"/>
+          <p:cNvPr id="3" name="Tytuł 2"/>
+          <p:cNvSpPr>
+            <a:spLocks noGrp="1"/>
+          </p:cNvSpPr>
+          <p:nvPr>
+            <p:ph type="title"/>
           </p:nvPr>
         </p:nvSpPr>
         <p:spPr/>
         <p:txBody>
-          <a:bodyPr>
-            <a:normAutofit fontScale="55000" lnSpcReduction="20000"/>
-          </a:bodyPr>
+          <a:bodyPr/>
           <a:lstStyle/>
           <a:p>
-            <a:pPr marL="109728" indent="0">
-              <a:buNone/>
-            </a:pPr>
-            <a:r>
-              <a:rPr lang="pl-PL" dirty="0">
-                <a:latin typeface="Lucida Console" panose="020B0609040504020204" pitchFamily="49" charset="0"/>
-              </a:rPr>
-              <a:t>Environment </a:t>
-            </a:r>
-            <a:r>
-              <a:rPr lang="pl-PL" dirty="0" err="1">
-                <a:latin typeface="Lucida Console" panose="020B0609040504020204" pitchFamily="49" charset="0"/>
-              </a:rPr>
-              <a:t>env</a:t>
-            </a:r>
-            <a:r>
-              <a:rPr lang="pl-PL" dirty="0">
-                <a:latin typeface="Lucida Console" panose="020B0609040504020204" pitchFamily="49" charset="0"/>
-              </a:rPr>
-              <a:t> = </a:t>
-            </a:r>
-            <a:r>
-              <a:rPr lang="pl-PL" dirty="0" err="1">
-                <a:latin typeface="Lucida Console" panose="020B0609040504020204" pitchFamily="49" charset="0"/>
-              </a:rPr>
-              <a:t>KnowledgeBaseFactory.newEnvironment</a:t>
-            </a:r>
-            <a:r>
-              <a:rPr lang="pl-PL" dirty="0">
-                <a:latin typeface="Lucida Console" panose="020B0609040504020204" pitchFamily="49" charset="0"/>
-              </a:rPr>
-              <a:t>(); </a:t>
-            </a:r>
-            <a:br>
-              <a:rPr lang="pl-PL" dirty="0">
-                <a:latin typeface="Lucida Console" panose="020B0609040504020204" pitchFamily="49" charset="0"/>
-              </a:rPr>
-            </a:br>
-            <a:r>
-              <a:rPr lang="pl-PL" dirty="0" err="1">
-                <a:latin typeface="Lucida Console" panose="020B0609040504020204" pitchFamily="49" charset="0"/>
-              </a:rPr>
-              <a:t>env.set</a:t>
-            </a:r>
-            <a:r>
-              <a:rPr lang="pl-PL" dirty="0">
-                <a:latin typeface="Lucida Console" panose="020B0609040504020204" pitchFamily="49" charset="0"/>
-              </a:rPr>
-              <a:t>( </a:t>
-            </a:r>
-            <a:r>
-              <a:rPr lang="pl-PL" dirty="0" err="1">
-                <a:latin typeface="Lucida Console" panose="020B0609040504020204" pitchFamily="49" charset="0"/>
-              </a:rPr>
-              <a:t>EnvironmentName.ENTITY_MANAGER_FACTORY</a:t>
-            </a:r>
-            <a:r>
-              <a:rPr lang="pl-PL" dirty="0">
-                <a:latin typeface="Lucida Console" panose="020B0609040504020204" pitchFamily="49" charset="0"/>
-              </a:rPr>
-              <a:t>, </a:t>
-            </a:r>
-            <a:br>
-              <a:rPr lang="pl-PL" dirty="0">
-                <a:latin typeface="Lucida Console" panose="020B0609040504020204" pitchFamily="49" charset="0"/>
-              </a:rPr>
-            </a:br>
-            <a:r>
-              <a:rPr lang="pl-PL" dirty="0">
-                <a:latin typeface="Lucida Console" panose="020B0609040504020204" pitchFamily="49" charset="0"/>
-              </a:rPr>
-              <a:t>         </a:t>
-            </a:r>
-            <a:r>
-              <a:rPr lang="pl-PL" dirty="0" err="1">
-                <a:latin typeface="Lucida Console" panose="020B0609040504020204" pitchFamily="49" charset="0"/>
-              </a:rPr>
-              <a:t>Persistence.createEntityManagerFactory</a:t>
-            </a:r>
-            <a:r>
-              <a:rPr lang="pl-PL" dirty="0">
-                <a:latin typeface="Lucida Console" panose="020B0609040504020204" pitchFamily="49" charset="0"/>
-              </a:rPr>
-              <a:t>( "</a:t>
-            </a:r>
-            <a:r>
-              <a:rPr lang="pl-PL" dirty="0" err="1">
-                <a:latin typeface="Lucida Console" panose="020B0609040504020204" pitchFamily="49" charset="0"/>
-              </a:rPr>
-              <a:t>emf-name</a:t>
-            </a:r>
-            <a:r>
-              <a:rPr lang="pl-PL" dirty="0">
-                <a:latin typeface="Lucida Console" panose="020B0609040504020204" pitchFamily="49" charset="0"/>
-              </a:rPr>
-              <a:t>" ) ); </a:t>
-            </a:r>
-            <a:br>
-              <a:rPr lang="pl-PL" dirty="0">
-                <a:latin typeface="Lucida Console" panose="020B0609040504020204" pitchFamily="49" charset="0"/>
-              </a:rPr>
-            </a:br>
-            <a:r>
-              <a:rPr lang="pl-PL" dirty="0" err="1">
-                <a:latin typeface="Lucida Console" panose="020B0609040504020204" pitchFamily="49" charset="0"/>
-              </a:rPr>
-              <a:t>env.set</a:t>
-            </a:r>
-            <a:r>
-              <a:rPr lang="pl-PL" dirty="0">
-                <a:latin typeface="Lucida Console" panose="020B0609040504020204" pitchFamily="49" charset="0"/>
-              </a:rPr>
-              <a:t>( </a:t>
-            </a:r>
-            <a:r>
-              <a:rPr lang="pl-PL" dirty="0" err="1">
-                <a:latin typeface="Lucida Console" panose="020B0609040504020204" pitchFamily="49" charset="0"/>
-              </a:rPr>
-              <a:t>EnvironmentName.TRANSACTION_MANAGER</a:t>
-            </a:r>
-            <a:r>
-              <a:rPr lang="pl-PL" dirty="0">
-                <a:latin typeface="Lucida Console" panose="020B0609040504020204" pitchFamily="49" charset="0"/>
-              </a:rPr>
-              <a:t>, </a:t>
-            </a:r>
-            <a:br>
-              <a:rPr lang="pl-PL" dirty="0">
-                <a:latin typeface="Lucida Console" panose="020B0609040504020204" pitchFamily="49" charset="0"/>
-              </a:rPr>
-            </a:br>
-            <a:r>
-              <a:rPr lang="pl-PL" dirty="0">
-                <a:latin typeface="Lucida Console" panose="020B0609040504020204" pitchFamily="49" charset="0"/>
-              </a:rPr>
-              <a:t>         </a:t>
-            </a:r>
-            <a:r>
-              <a:rPr lang="pl-PL" dirty="0" err="1">
-                <a:latin typeface="Lucida Console" panose="020B0609040504020204" pitchFamily="49" charset="0"/>
-              </a:rPr>
-              <a:t>TransactionManagerServices.getTransactionManager</a:t>
-            </a:r>
-            <a:r>
-              <a:rPr lang="pl-PL" dirty="0">
-                <a:latin typeface="Lucida Console" panose="020B0609040504020204" pitchFamily="49" charset="0"/>
-              </a:rPr>
-              <a:t>() ); </a:t>
-            </a:r>
-            <a:br>
-              <a:rPr lang="pl-PL" dirty="0">
-                <a:latin typeface="Lucida Console" panose="020B0609040504020204" pitchFamily="49" charset="0"/>
-              </a:rPr>
-            </a:br>
-            <a:r>
-              <a:rPr lang="pl-PL" dirty="0">
-                <a:latin typeface="Lucida Console" panose="020B0609040504020204" pitchFamily="49" charset="0"/>
-              </a:rPr>
-              <a:t>           </a:t>
-            </a:r>
-            <a:r>
-              <a:rPr lang="pl-PL" dirty="0" smtClean="0">
-                <a:latin typeface="Lucida Console" panose="020B0609040504020204" pitchFamily="49" charset="0"/>
-              </a:rPr>
-              <a:t/>
-            </a:r>
-            <a:br>
-              <a:rPr lang="pl-PL" dirty="0" smtClean="0">
-                <a:latin typeface="Lucida Console" panose="020B0609040504020204" pitchFamily="49" charset="0"/>
-              </a:rPr>
-            </a:br>
-            <a:r>
-              <a:rPr lang="pl-PL" dirty="0">
-                <a:latin typeface="Lucida Console" panose="020B0609040504020204" pitchFamily="49" charset="0"/>
-              </a:rPr>
-              <a:t/>
-            </a:r>
-            <a:br>
-              <a:rPr lang="pl-PL" dirty="0">
-                <a:latin typeface="Lucida Console" panose="020B0609040504020204" pitchFamily="49" charset="0"/>
-              </a:rPr>
-            </a:br>
-            <a:r>
-              <a:rPr lang="pl-PL" dirty="0" err="1">
-                <a:latin typeface="Lucida Console" panose="020B0609040504020204" pitchFamily="49" charset="0"/>
-              </a:rPr>
-              <a:t>StatefulKnowledgeSession</a:t>
-            </a:r>
-            <a:r>
-              <a:rPr lang="pl-PL" dirty="0">
-                <a:latin typeface="Lucida Console" panose="020B0609040504020204" pitchFamily="49" charset="0"/>
-              </a:rPr>
-              <a:t> </a:t>
-            </a:r>
-            <a:r>
-              <a:rPr lang="pl-PL" dirty="0" err="1">
-                <a:latin typeface="Lucida Console" panose="020B0609040504020204" pitchFamily="49" charset="0"/>
-              </a:rPr>
-              <a:t>ksession</a:t>
-            </a:r>
-            <a:r>
-              <a:rPr lang="pl-PL" dirty="0">
-                <a:latin typeface="Lucida Console" panose="020B0609040504020204" pitchFamily="49" charset="0"/>
-              </a:rPr>
-              <a:t> = </a:t>
-            </a:r>
-            <a:br>
-              <a:rPr lang="pl-PL" dirty="0">
-                <a:latin typeface="Lucida Console" panose="020B0609040504020204" pitchFamily="49" charset="0"/>
-              </a:rPr>
-            </a:br>
-            <a:r>
-              <a:rPr lang="pl-PL" dirty="0">
-                <a:latin typeface="Lucida Console" panose="020B0609040504020204" pitchFamily="49" charset="0"/>
-              </a:rPr>
-              <a:t> </a:t>
-            </a:r>
-            <a:r>
-              <a:rPr lang="pl-PL" dirty="0" err="1" smtClean="0">
-                <a:latin typeface="Lucida Console" panose="020B0609040504020204" pitchFamily="49" charset="0"/>
-              </a:rPr>
-              <a:t>JPAKnowledgeService.newStatefulKnowledgeSession</a:t>
-            </a:r>
-            <a:r>
-              <a:rPr lang="pl-PL" dirty="0">
-                <a:latin typeface="Lucida Console" panose="020B0609040504020204" pitchFamily="49" charset="0"/>
-              </a:rPr>
-              <a:t>( </a:t>
-            </a:r>
-            <a:r>
-              <a:rPr lang="pl-PL" dirty="0" err="1">
-                <a:latin typeface="Lucida Console" panose="020B0609040504020204" pitchFamily="49" charset="0"/>
-              </a:rPr>
-              <a:t>kbase</a:t>
-            </a:r>
-            <a:r>
-              <a:rPr lang="pl-PL" dirty="0">
-                <a:latin typeface="Lucida Console" panose="020B0609040504020204" pitchFamily="49" charset="0"/>
-              </a:rPr>
-              <a:t>, </a:t>
-            </a:r>
-            <a:r>
-              <a:rPr lang="pl-PL" dirty="0" err="1">
-                <a:latin typeface="Lucida Console" panose="020B0609040504020204" pitchFamily="49" charset="0"/>
-              </a:rPr>
-              <a:t>null</a:t>
-            </a:r>
-            <a:r>
-              <a:rPr lang="pl-PL" dirty="0">
-                <a:latin typeface="Lucida Console" panose="020B0609040504020204" pitchFamily="49" charset="0"/>
-              </a:rPr>
-              <a:t>, </a:t>
-            </a:r>
-            <a:r>
-              <a:rPr lang="pl-PL" dirty="0" err="1">
-                <a:latin typeface="Lucida Console" panose="020B0609040504020204" pitchFamily="49" charset="0"/>
-              </a:rPr>
-              <a:t>env</a:t>
-            </a:r>
-            <a:r>
-              <a:rPr lang="pl-PL" dirty="0">
-                <a:latin typeface="Lucida Console" panose="020B0609040504020204" pitchFamily="49" charset="0"/>
-              </a:rPr>
-              <a:t> ); </a:t>
-            </a:r>
-            <a:br>
-              <a:rPr lang="pl-PL" dirty="0">
-                <a:latin typeface="Lucida Console" panose="020B0609040504020204" pitchFamily="49" charset="0"/>
-              </a:rPr>
-            </a:br>
-            <a:r>
-              <a:rPr lang="pl-PL" dirty="0" err="1">
-                <a:latin typeface="Lucida Console" panose="020B0609040504020204" pitchFamily="49" charset="0"/>
-              </a:rPr>
-              <a:t>int</a:t>
-            </a:r>
-            <a:r>
-              <a:rPr lang="pl-PL" dirty="0">
-                <a:latin typeface="Lucida Console" panose="020B0609040504020204" pitchFamily="49" charset="0"/>
-              </a:rPr>
-              <a:t> </a:t>
-            </a:r>
-            <a:r>
-              <a:rPr lang="pl-PL" dirty="0" err="1">
-                <a:latin typeface="Lucida Console" panose="020B0609040504020204" pitchFamily="49" charset="0"/>
-              </a:rPr>
-              <a:t>sessionId</a:t>
-            </a:r>
-            <a:r>
-              <a:rPr lang="pl-PL" dirty="0">
-                <a:latin typeface="Lucida Console" panose="020B0609040504020204" pitchFamily="49" charset="0"/>
-              </a:rPr>
-              <a:t> = </a:t>
-            </a:r>
-            <a:r>
-              <a:rPr lang="pl-PL" dirty="0" err="1">
-                <a:latin typeface="Lucida Console" panose="020B0609040504020204" pitchFamily="49" charset="0"/>
-              </a:rPr>
-              <a:t>ksession.getId</a:t>
-            </a:r>
-            <a:r>
-              <a:rPr lang="pl-PL" dirty="0">
-                <a:latin typeface="Lucida Console" panose="020B0609040504020204" pitchFamily="49" charset="0"/>
-              </a:rPr>
-              <a:t>(); </a:t>
-            </a:r>
-            <a:br>
-              <a:rPr lang="pl-PL" dirty="0">
-                <a:latin typeface="Lucida Console" panose="020B0609040504020204" pitchFamily="49" charset="0"/>
-              </a:rPr>
-            </a:br>
-            <a:r>
-              <a:rPr lang="pl-PL" dirty="0">
-                <a:latin typeface="Lucida Console" panose="020B0609040504020204" pitchFamily="49" charset="0"/>
-              </a:rPr>
-              <a:t>  </a:t>
-            </a:r>
-            <a:br>
-              <a:rPr lang="pl-PL" dirty="0">
-                <a:latin typeface="Lucida Console" panose="020B0609040504020204" pitchFamily="49" charset="0"/>
-              </a:rPr>
-            </a:br>
-            <a:r>
-              <a:rPr lang="pl-PL" dirty="0" err="1">
-                <a:latin typeface="Lucida Console" panose="020B0609040504020204" pitchFamily="49" charset="0"/>
-              </a:rPr>
-              <a:t>UserTransaction</a:t>
-            </a:r>
-            <a:r>
-              <a:rPr lang="pl-PL" dirty="0">
-                <a:latin typeface="Lucida Console" panose="020B0609040504020204" pitchFamily="49" charset="0"/>
-              </a:rPr>
-              <a:t> </a:t>
-            </a:r>
-            <a:r>
-              <a:rPr lang="pl-PL" dirty="0" err="1">
-                <a:latin typeface="Lucida Console" panose="020B0609040504020204" pitchFamily="49" charset="0"/>
-              </a:rPr>
-              <a:t>ut</a:t>
-            </a:r>
-            <a:r>
-              <a:rPr lang="pl-PL" dirty="0">
-                <a:latin typeface="Lucida Console" panose="020B0609040504020204" pitchFamily="49" charset="0"/>
-              </a:rPr>
-              <a:t> = </a:t>
-            </a:r>
-            <a:br>
-              <a:rPr lang="pl-PL" dirty="0">
-                <a:latin typeface="Lucida Console" panose="020B0609040504020204" pitchFamily="49" charset="0"/>
-              </a:rPr>
-            </a:br>
-            <a:r>
-              <a:rPr lang="pl-PL" dirty="0">
-                <a:latin typeface="Lucida Console" panose="020B0609040504020204" pitchFamily="49" charset="0"/>
-              </a:rPr>
-              <a:t>  (</a:t>
-            </a:r>
-            <a:r>
-              <a:rPr lang="pl-PL" dirty="0" err="1">
-                <a:latin typeface="Lucida Console" panose="020B0609040504020204" pitchFamily="49" charset="0"/>
-              </a:rPr>
-              <a:t>UserTransaction</a:t>
-            </a:r>
-            <a:r>
-              <a:rPr lang="pl-PL" dirty="0">
-                <a:latin typeface="Lucida Console" panose="020B0609040504020204" pitchFamily="49" charset="0"/>
-              </a:rPr>
-              <a:t>) </a:t>
-            </a:r>
-            <a:r>
-              <a:rPr lang="pl-PL" b="1" dirty="0" err="1">
-                <a:latin typeface="Lucida Console" panose="020B0609040504020204" pitchFamily="49" charset="0"/>
-              </a:rPr>
-              <a:t>new</a:t>
-            </a:r>
-            <a:r>
-              <a:rPr lang="pl-PL" dirty="0">
-                <a:latin typeface="Lucida Console" panose="020B0609040504020204" pitchFamily="49" charset="0"/>
-              </a:rPr>
-              <a:t> </a:t>
-            </a:r>
-            <a:r>
-              <a:rPr lang="pl-PL" dirty="0" err="1">
-                <a:latin typeface="Lucida Console" panose="020B0609040504020204" pitchFamily="49" charset="0"/>
-              </a:rPr>
-              <a:t>InitialContext</a:t>
-            </a:r>
-            <a:r>
-              <a:rPr lang="pl-PL" dirty="0">
-                <a:latin typeface="Lucida Console" panose="020B0609040504020204" pitchFamily="49" charset="0"/>
-              </a:rPr>
-              <a:t>().</a:t>
-            </a:r>
-            <a:r>
-              <a:rPr lang="pl-PL" dirty="0" err="1">
-                <a:latin typeface="Lucida Console" panose="020B0609040504020204" pitchFamily="49" charset="0"/>
-              </a:rPr>
-              <a:t>lookup</a:t>
-            </a:r>
-            <a:r>
-              <a:rPr lang="pl-PL" dirty="0">
-                <a:latin typeface="Lucida Console" panose="020B0609040504020204" pitchFamily="49" charset="0"/>
-              </a:rPr>
-              <a:t>( </a:t>
-            </a:r>
-            <a:endParaRPr lang="pl-PL" dirty="0" smtClean="0">
-              <a:latin typeface="Lucida Console" panose="020B0609040504020204" pitchFamily="49" charset="0"/>
-            </a:endParaRPr>
-          </a:p>
-          <a:p>
-            <a:pPr marL="109728" indent="0">
-              <a:buNone/>
-            </a:pPr>
-            <a:r>
-              <a:rPr lang="pl-PL" dirty="0">
-                <a:latin typeface="Lucida Console" panose="020B0609040504020204" pitchFamily="49" charset="0"/>
-              </a:rPr>
-              <a:t>	</a:t>
-            </a:r>
-            <a:r>
-              <a:rPr lang="pl-PL" dirty="0" smtClean="0">
-                <a:latin typeface="Lucida Console" panose="020B0609040504020204" pitchFamily="49" charset="0"/>
-              </a:rPr>
-              <a:t>"</a:t>
-            </a:r>
-            <a:r>
-              <a:rPr lang="pl-PL" dirty="0" err="1">
-                <a:latin typeface="Lucida Console" panose="020B0609040504020204" pitchFamily="49" charset="0"/>
-              </a:rPr>
-              <a:t>java:comp</a:t>
-            </a:r>
-            <a:r>
-              <a:rPr lang="pl-PL" dirty="0">
-                <a:latin typeface="Lucida Console" panose="020B0609040504020204" pitchFamily="49" charset="0"/>
-              </a:rPr>
-              <a:t>/</a:t>
-            </a:r>
-            <a:r>
-              <a:rPr lang="pl-PL" dirty="0" err="1">
-                <a:latin typeface="Lucida Console" panose="020B0609040504020204" pitchFamily="49" charset="0"/>
-              </a:rPr>
-              <a:t>UserTransaction</a:t>
-            </a:r>
-            <a:r>
-              <a:rPr lang="pl-PL" dirty="0">
-                <a:latin typeface="Lucida Console" panose="020B0609040504020204" pitchFamily="49" charset="0"/>
-              </a:rPr>
-              <a:t>" ); </a:t>
-            </a:r>
-            <a:br>
-              <a:rPr lang="pl-PL" dirty="0">
-                <a:latin typeface="Lucida Console" panose="020B0609040504020204" pitchFamily="49" charset="0"/>
-              </a:rPr>
-            </a:br>
-            <a:r>
-              <a:rPr lang="pl-PL" dirty="0" err="1">
-                <a:latin typeface="Lucida Console" panose="020B0609040504020204" pitchFamily="49" charset="0"/>
-              </a:rPr>
-              <a:t>ut.begin</a:t>
-            </a:r>
-            <a:r>
-              <a:rPr lang="pl-PL" dirty="0">
-                <a:latin typeface="Lucida Console" panose="020B0609040504020204" pitchFamily="49" charset="0"/>
-              </a:rPr>
-              <a:t>(); </a:t>
-            </a:r>
-            <a:br>
-              <a:rPr lang="pl-PL" dirty="0">
-                <a:latin typeface="Lucida Console" panose="020B0609040504020204" pitchFamily="49" charset="0"/>
-              </a:rPr>
-            </a:br>
-            <a:r>
-              <a:rPr lang="pl-PL" dirty="0" err="1">
-                <a:latin typeface="Lucida Console" panose="020B0609040504020204" pitchFamily="49" charset="0"/>
-              </a:rPr>
-              <a:t>ksession.insert</a:t>
-            </a:r>
-            <a:r>
-              <a:rPr lang="pl-PL" dirty="0">
-                <a:latin typeface="Lucida Console" panose="020B0609040504020204" pitchFamily="49" charset="0"/>
-              </a:rPr>
-              <a:t>( data1 ); </a:t>
-            </a:r>
-            <a:br>
-              <a:rPr lang="pl-PL" dirty="0">
-                <a:latin typeface="Lucida Console" panose="020B0609040504020204" pitchFamily="49" charset="0"/>
-              </a:rPr>
-            </a:br>
-            <a:r>
-              <a:rPr lang="pl-PL" dirty="0" err="1">
-                <a:latin typeface="Lucida Console" panose="020B0609040504020204" pitchFamily="49" charset="0"/>
-              </a:rPr>
-              <a:t>ksession.insert</a:t>
-            </a:r>
-            <a:r>
-              <a:rPr lang="pl-PL" dirty="0">
-                <a:latin typeface="Lucida Console" panose="020B0609040504020204" pitchFamily="49" charset="0"/>
-              </a:rPr>
-              <a:t>( data2 ); </a:t>
-            </a:r>
-            <a:br>
-              <a:rPr lang="pl-PL" dirty="0">
-                <a:latin typeface="Lucida Console" panose="020B0609040504020204" pitchFamily="49" charset="0"/>
-              </a:rPr>
-            </a:br>
-            <a:r>
-              <a:rPr lang="pl-PL" dirty="0" err="1">
-                <a:latin typeface="Lucida Console" panose="020B0609040504020204" pitchFamily="49" charset="0"/>
-              </a:rPr>
-              <a:t>ksession.startProcess</a:t>
-            </a:r>
-            <a:r>
-              <a:rPr lang="pl-PL" dirty="0">
-                <a:latin typeface="Lucida Console" panose="020B0609040504020204" pitchFamily="49" charset="0"/>
-              </a:rPr>
-              <a:t>( "process1" ); </a:t>
-            </a:r>
-            <a:br>
-              <a:rPr lang="pl-PL" dirty="0">
-                <a:latin typeface="Lucida Console" panose="020B0609040504020204" pitchFamily="49" charset="0"/>
-              </a:rPr>
-            </a:br>
-            <a:r>
-              <a:rPr lang="pl-PL" dirty="0" err="1">
-                <a:latin typeface="Lucida Console" panose="020B0609040504020204" pitchFamily="49" charset="0"/>
-              </a:rPr>
-              <a:t>ut.commit</a:t>
-            </a:r>
-            <a:r>
-              <a:rPr lang="pl-PL" dirty="0">
-                <a:latin typeface="Lucida Console" panose="020B0609040504020204" pitchFamily="49" charset="0"/>
-              </a:rPr>
-              <a:t>();</a:t>
-            </a:r>
-          </a:p>
-          <a:p>
-            <a:pPr marL="109728" indent="0">
-              <a:buNone/>
-            </a:pPr>
-            <a:endParaRPr lang="pl-PL" dirty="0">
-              <a:latin typeface="Lucida Console" panose="020B0609040504020204" pitchFamily="49" charset="0"/>
-            </a:endParaRPr>
-          </a:p>
-        </p:txBody>
-      </p:sp>
-      <p:sp>
-        <p:nvSpPr>
-          <p:cNvPr id="3" name="Tytuł 2"/>
-          <p:cNvSpPr>
-            <a:spLocks noGrp="1"/>
-          </p:cNvSpPr>
-          <p:nvPr>
-            <p:ph type="title"/>
-          </p:nvPr>
-        </p:nvSpPr>
-        <p:spPr/>
-        <p:txBody>
-          <a:bodyPr>
-            <a:normAutofit fontScale="90000"/>
-          </a:bodyPr>
-          <a:lstStyle/>
-          <a:p>
-            <a:r>
-              <a:rPr lang="pl-PL" dirty="0" err="1" smtClean="0"/>
-              <a:t>Persistence</a:t>
-            </a:r>
-            <a:r>
-              <a:rPr lang="pl-PL" dirty="0" smtClean="0"/>
-              <a:t> </a:t>
-            </a:r>
-            <a:r>
-              <a:rPr lang="pl-PL" dirty="0" err="1" smtClean="0"/>
-              <a:t>framework</a:t>
-            </a:r>
-            <a:r>
-              <a:rPr lang="pl-PL" dirty="0" smtClean="0"/>
-              <a:t> </a:t>
-            </a:r>
-            <a:r>
-              <a:rPr lang="pl-PL" dirty="0" err="1" smtClean="0"/>
-              <a:t>integration</a:t>
+            <a:r>
+              <a:rPr lang="pl-PL" dirty="0" err="1" smtClean="0"/>
+              <a:t>kie-maven-plugin</a:t>
             </a:r>
             <a:endParaRPr lang="pl-PL" dirty="0"/>
           </a:p>
         </p:txBody>
       </p:sp>
+      <p:pic>
+        <p:nvPicPr>
+          <p:cNvPr id="2050" name="Picture 2"/>
+          <p:cNvPicPr>
+            <a:picLocks noChangeAspect="1" noChangeArrowheads="1"/>
+          </p:cNvPicPr>
+          <p:nvPr/>
+        </p:nvPicPr>
+        <p:blipFill>
+          <a:blip r:embed="rId2">
+            <a:extLst>
+              <a:ext uri="{28A0092B-C50C-407E-A947-70E740481C1C}">
+                <a14:useLocalDpi xmlns:a14="http://schemas.microsoft.com/office/drawing/2010/main" val="0"/>
+              </a:ext>
+            </a:extLst>
+          </a:blip>
+          <a:srcRect/>
+          <a:stretch>
+            <a:fillRect/>
+          </a:stretch>
+        </p:blipFill>
+        <p:spPr bwMode="auto">
+          <a:xfrm>
+            <a:off x="883374" y="1844824"/>
+            <a:ext cx="6846819" cy="2980928"/>
+          </a:xfrm>
+          <a:prstGeom prst="rect">
+            <a:avLst/>
+          </a:prstGeom>
+          <a:noFill/>
+          <a:ln>
+            <a:noFill/>
+          </a:ln>
+          <a:extLst>
+            <a:ext uri="{909E8E84-426E-40DD-AFC4-6F175D3DCCD1}">
+              <a14:hiddenFill xmlns:a14="http://schemas.microsoft.com/office/drawing/2010/main">
+                <a:solidFill>
+                  <a:schemeClr val="accent1"/>
+                </a:solidFill>
+              </a14:hiddenFill>
+            </a:ext>
+            <a:ext uri="{91240B29-F687-4F45-9708-019B960494DF}">
+              <a14:hiddenLine xmlns:a14="http://schemas.microsoft.com/office/drawing/2010/main" w="9525">
+                <a:solidFill>
+                  <a:schemeClr val="tx1"/>
+                </a:solidFill>
+                <a:miter lim="800000"/>
+                <a:headEnd/>
+                <a:tailEnd/>
+              </a14:hiddenLine>
+            </a:ext>
+          </a:extLst>
+        </p:spPr>
+      </p:pic>
     </p:spTree>
     <p:extLst>
       <p:ext uri="{BB962C8B-B14F-4D97-AF65-F5344CB8AC3E}">
-        <p14:creationId xmlns:p14="http://schemas.microsoft.com/office/powerpoint/2010/main" val="1896570916"/>
+        <p14:creationId xmlns:p14="http://schemas.microsoft.com/office/powerpoint/2010/main" val="393531924"/>
       </p:ext>
     </p:extLst>
   </p:cSld>
   <p:clrMapOvr>
     <a:masterClrMapping/>
   </p:clrMapOvr>
-  <p:timing>
-    <p:tnLst>
-      <p:par>
-        <p:cTn id="1" dur="indefinite" restart="never" nodeType="tmRoot"/>
-      </p:par>
-    </p:tnLst>
-  </p:timing>
 </p:sld>
 </file>
 
@@ -9591,12 +8965,12 @@
       </p:grpSpPr>
       <p:sp>
         <p:nvSpPr>
-          <p:cNvPr id="2" name="Symbol zastępczy zawartości 1"/>
-          <p:cNvSpPr>
-            <a:spLocks noGrp="1"/>
-          </p:cNvSpPr>
-          <p:nvPr>
-            <p:ph idx="1"/>
+          <p:cNvPr id="3" name="Tytuł 2"/>
+          <p:cNvSpPr>
+            <a:spLocks noGrp="1"/>
+          </p:cNvSpPr>
+          <p:nvPr>
+            <p:ph type="title"/>
           </p:nvPr>
         </p:nvSpPr>
         <p:spPr/>
@@ -9606,160 +8980,76 @@
           <a:p>
             <a:r>
               <a:rPr lang="pl-PL" dirty="0" err="1" smtClean="0"/>
-              <a:t>Declarative</a:t>
-            </a:r>
-            <a:r>
-              <a:rPr lang="pl-PL" dirty="0" smtClean="0"/>
-              <a:t> </a:t>
-            </a:r>
-            <a:r>
-              <a:rPr lang="pl-PL" dirty="0" err="1" smtClean="0"/>
-              <a:t>programming</a:t>
-            </a:r>
-            <a:endParaRPr lang="pl-PL" dirty="0" smtClean="0"/>
-          </a:p>
-          <a:p>
-            <a:r>
-              <a:rPr lang="pl-PL" dirty="0" err="1" smtClean="0"/>
-              <a:t>Logic</a:t>
-            </a:r>
-            <a:r>
-              <a:rPr lang="pl-PL" dirty="0" smtClean="0"/>
-              <a:t> and data </a:t>
-            </a:r>
-            <a:r>
-              <a:rPr lang="pl-PL" dirty="0" err="1" smtClean="0"/>
-              <a:t>separation</a:t>
-            </a:r>
-            <a:endParaRPr lang="pl-PL" dirty="0" smtClean="0"/>
-          </a:p>
-          <a:p>
-            <a:r>
-              <a:rPr lang="pl-PL" dirty="0" err="1" smtClean="0"/>
-              <a:t>Speed</a:t>
-            </a:r>
-            <a:r>
-              <a:rPr lang="pl-PL" dirty="0" smtClean="0"/>
-              <a:t> and </a:t>
-            </a:r>
-            <a:r>
-              <a:rPr lang="pl-PL" dirty="0" err="1" smtClean="0"/>
-              <a:t>Scalability</a:t>
-            </a:r>
-            <a:endParaRPr lang="pl-PL" dirty="0" smtClean="0"/>
-          </a:p>
-          <a:p>
-            <a:r>
-              <a:rPr lang="pl-PL" dirty="0" err="1" smtClean="0"/>
-              <a:t>Centralization</a:t>
-            </a:r>
-            <a:r>
-              <a:rPr lang="pl-PL" dirty="0" smtClean="0"/>
-              <a:t> of Knowledge</a:t>
-            </a:r>
-          </a:p>
-          <a:p>
-            <a:r>
-              <a:rPr lang="pl-PL" dirty="0" err="1" smtClean="0"/>
-              <a:t>Tool</a:t>
-            </a:r>
-            <a:r>
-              <a:rPr lang="pl-PL" dirty="0"/>
-              <a:t> </a:t>
-            </a:r>
-            <a:r>
-              <a:rPr lang="pl-PL" dirty="0" smtClean="0"/>
-              <a:t>Integration</a:t>
-            </a:r>
-          </a:p>
-          <a:p>
-            <a:r>
-              <a:rPr lang="pl-PL" dirty="0" err="1" smtClean="0"/>
-              <a:t>Explanation</a:t>
-            </a:r>
-            <a:r>
-              <a:rPr lang="pl-PL" dirty="0" smtClean="0"/>
-              <a:t> </a:t>
-            </a:r>
-            <a:r>
-              <a:rPr lang="pl-PL" dirty="0" err="1" smtClean="0"/>
-              <a:t>facility</a:t>
-            </a:r>
-            <a:endParaRPr lang="pl-PL" dirty="0" smtClean="0"/>
-          </a:p>
-          <a:p>
-            <a:r>
-              <a:rPr lang="pl-PL" dirty="0" err="1" smtClean="0"/>
-              <a:t>Understandable</a:t>
-            </a:r>
-            <a:r>
-              <a:rPr lang="pl-PL" dirty="0" smtClean="0"/>
-              <a:t> </a:t>
-            </a:r>
-            <a:r>
-              <a:rPr lang="pl-PL" dirty="0" err="1" smtClean="0"/>
-              <a:t>rules</a:t>
+              <a:t>KieLogger</a:t>
             </a:r>
             <a:endParaRPr lang="pl-PL" dirty="0"/>
           </a:p>
         </p:txBody>
       </p:sp>
-      <p:sp>
-        <p:nvSpPr>
-          <p:cNvPr id="3" name="Tytuł 2"/>
-          <p:cNvSpPr>
-            <a:spLocks noGrp="1"/>
-          </p:cNvSpPr>
-          <p:nvPr>
-            <p:ph type="title"/>
-          </p:nvPr>
-        </p:nvSpPr>
-        <p:spPr/>
-        <p:txBody>
-          <a:bodyPr/>
-          <a:lstStyle/>
-          <a:p>
-            <a:r>
-              <a:rPr lang="pl-PL" dirty="0" err="1" smtClean="0"/>
-              <a:t>Adventages</a:t>
-            </a:r>
-            <a:r>
-              <a:rPr lang="pl-PL" dirty="0" smtClean="0"/>
-              <a:t> of </a:t>
-            </a:r>
-            <a:r>
-              <a:rPr lang="pl-PL" dirty="0" err="1" smtClean="0"/>
-              <a:t>rule</a:t>
-            </a:r>
-            <a:r>
-              <a:rPr lang="pl-PL" dirty="0" smtClean="0"/>
-              <a:t> </a:t>
-            </a:r>
-            <a:r>
-              <a:rPr lang="pl-PL" dirty="0" err="1" smtClean="0"/>
-              <a:t>engine</a:t>
-            </a:r>
-            <a:endParaRPr lang="pl-PL" dirty="0"/>
-          </a:p>
-        </p:txBody>
-      </p:sp>
+      <p:pic>
+        <p:nvPicPr>
+          <p:cNvPr id="3074" name="Picture 2"/>
+          <p:cNvPicPr>
+            <a:picLocks noChangeAspect="1" noChangeArrowheads="1"/>
+          </p:cNvPicPr>
+          <p:nvPr/>
+        </p:nvPicPr>
+        <p:blipFill>
+          <a:blip r:embed="rId2">
+            <a:extLst>
+              <a:ext uri="{28A0092B-C50C-407E-A947-70E740481C1C}">
+                <a14:useLocalDpi xmlns:a14="http://schemas.microsoft.com/office/drawing/2010/main" val="0"/>
+              </a:ext>
+            </a:extLst>
+          </a:blip>
+          <a:srcRect/>
+          <a:stretch>
+            <a:fillRect/>
+          </a:stretch>
+        </p:blipFill>
+        <p:spPr bwMode="auto">
+          <a:xfrm>
+            <a:off x="611560" y="2132856"/>
+            <a:ext cx="8316001" cy="1152128"/>
+          </a:xfrm>
+          <a:prstGeom prst="rect">
+            <a:avLst/>
+          </a:prstGeom>
+          <a:noFill/>
+          <a:ln>
+            <a:noFill/>
+          </a:ln>
+          <a:extLst>
+            <a:ext uri="{909E8E84-426E-40DD-AFC4-6F175D3DCCD1}">
+              <a14:hiddenFill xmlns:a14="http://schemas.microsoft.com/office/drawing/2010/main">
+                <a:solidFill>
+                  <a:schemeClr val="accent1"/>
+                </a:solidFill>
+              </a14:hiddenFill>
+            </a:ext>
+            <a:ext uri="{91240B29-F687-4F45-9708-019B960494DF}">
+              <a14:hiddenLine xmlns:a14="http://schemas.microsoft.com/office/drawing/2010/main" w="9525">
+                <a:solidFill>
+                  <a:schemeClr val="tx1"/>
+                </a:solidFill>
+                <a:miter lim="800000"/>
+                <a:headEnd/>
+                <a:tailEnd/>
+              </a14:hiddenLine>
+            </a:ext>
+          </a:extLst>
+        </p:spPr>
+      </p:pic>
     </p:spTree>
     <p:extLst>
       <p:ext uri="{BB962C8B-B14F-4D97-AF65-F5344CB8AC3E}">
-        <p14:creationId xmlns:p14="http://schemas.microsoft.com/office/powerpoint/2010/main" val="3095177641"/>
+        <p14:creationId xmlns:p14="http://schemas.microsoft.com/office/powerpoint/2010/main" val="337450005"/>
       </p:ext>
     </p:extLst>
   </p:cSld>
   <p:clrMapOvr>
     <a:masterClrMapping/>
   </p:clrMapOvr>
-  <p:timing>
-    <p:tnLst>
-      <p:par>
-        <p:cTn id="1" dur="indefinite" restart="never" nodeType="tmRoot"/>
-      </p:par>
-    </p:tnLst>
-  </p:timing>
 </p:sld>
 </file>
 
@@ -9782,7 +9072,7 @@
       </p:grpSpPr>
       <p:sp>
         <p:nvSpPr>
-          <p:cNvPr id="2" name="Tytuł 1"/>
+          <p:cNvPr id="3" name="Tytuł 2"/>
           <p:cNvSpPr>
             <a:spLocks noGrp="1"/>
           </p:cNvSpPr>
@@ -9797,284 +9087,86 @@
           <a:p>
             <a:r>
               <a:rPr lang="pl-PL" dirty="0" err="1"/>
-              <a:t>When</a:t>
+              <a:t>Domain</a:t>
             </a:r>
             <a:r>
               <a:rPr lang="pl-PL" dirty="0"/>
-              <a:t> to </a:t>
+              <a:t> </a:t>
             </a:r>
             <a:r>
               <a:rPr lang="pl-PL" dirty="0" err="1"/>
-              <a:t>use</a:t>
+              <a:t>Specific</a:t>
             </a:r>
             <a:r>
               <a:rPr lang="pl-PL" dirty="0"/>
-              <a:t>, </a:t>
+              <a:t> </a:t>
             </a:r>
             <a:r>
               <a:rPr lang="pl-PL" dirty="0" err="1"/>
-              <a:t>when</a:t>
-            </a:r>
-            <a:r>
-              <a:rPr lang="pl-PL" dirty="0"/>
-              <a:t> not to</a:t>
-            </a:r>
-          </a:p>
-        </p:txBody>
-      </p:sp>
-      <p:sp>
-        <p:nvSpPr>
-          <p:cNvPr id="3" name="Symbol zastępczy tekstu 2"/>
-          <p:cNvSpPr>
-            <a:spLocks noGrp="1"/>
-          </p:cNvSpPr>
-          <p:nvPr>
-            <p:ph type="body" idx="1"/>
-          </p:nvPr>
-        </p:nvSpPr>
-        <p:spPr/>
-        <p:txBody>
-          <a:bodyPr/>
-          <a:lstStyle/>
-          <a:p>
+              <a:t>Languages</a:t>
+            </a:r>
             <a:endParaRPr lang="pl-PL" dirty="0"/>
           </a:p>
         </p:txBody>
       </p:sp>
-      <p:sp>
-        <p:nvSpPr>
-          <p:cNvPr id="4" name="Symbol zastępczy tekstu 3"/>
-          <p:cNvSpPr>
-            <a:spLocks noGrp="1"/>
-          </p:cNvSpPr>
-          <p:nvPr>
-            <p:ph type="body" sz="half" idx="3"/>
-          </p:nvPr>
-        </p:nvSpPr>
-        <p:spPr/>
-        <p:txBody>
-          <a:bodyPr/>
-          <a:lstStyle/>
-          <a:p>
-            <a:endParaRPr lang="pl-PL"/>
-          </a:p>
-        </p:txBody>
-      </p:sp>
-      <p:sp>
-        <p:nvSpPr>
-          <p:cNvPr id="5" name="Symbol zastępczy zawartości 4"/>
-          <p:cNvSpPr>
-            <a:spLocks noGrp="1"/>
-          </p:cNvSpPr>
-          <p:nvPr>
-            <p:ph sz="quarter" idx="2"/>
-          </p:nvPr>
-        </p:nvSpPr>
-        <p:spPr/>
-        <p:txBody>
-          <a:bodyPr>
-            <a:normAutofit lnSpcReduction="10000"/>
-          </a:bodyPr>
-          <a:lstStyle/>
-          <a:p>
-            <a:r>
-              <a:rPr lang="pl-PL" dirty="0" smtClean="0"/>
-              <a:t>The problem </a:t>
-            </a:r>
-            <a:r>
-              <a:rPr lang="pl-PL" dirty="0" err="1" smtClean="0"/>
-              <a:t>is</a:t>
-            </a:r>
-            <a:r>
-              <a:rPr lang="pl-PL" dirty="0" smtClean="0"/>
-              <a:t> </a:t>
-            </a:r>
-            <a:r>
-              <a:rPr lang="pl-PL" dirty="0" err="1" smtClean="0"/>
-              <a:t>too</a:t>
-            </a:r>
-            <a:r>
-              <a:rPr lang="pl-PL" dirty="0" smtClean="0"/>
-              <a:t> </a:t>
-            </a:r>
-            <a:r>
-              <a:rPr lang="pl-PL" dirty="0" err="1" smtClean="0"/>
-              <a:t>fiddly</a:t>
-            </a:r>
-            <a:r>
-              <a:rPr lang="pl-PL" dirty="0" smtClean="0"/>
-              <a:t> for </a:t>
-            </a:r>
-            <a:r>
-              <a:rPr lang="pl-PL" dirty="0" err="1" smtClean="0"/>
-              <a:t>traditional</a:t>
-            </a:r>
-            <a:r>
-              <a:rPr lang="pl-PL" dirty="0" smtClean="0"/>
-              <a:t> </a:t>
-            </a:r>
-            <a:r>
-              <a:rPr lang="pl-PL" dirty="0" err="1" smtClean="0"/>
-              <a:t>code</a:t>
-            </a:r>
-            <a:endParaRPr lang="pl-PL" dirty="0" smtClean="0"/>
-          </a:p>
-          <a:p>
-            <a:r>
-              <a:rPr lang="pl-PL" dirty="0" smtClean="0"/>
-              <a:t>The problem </a:t>
-            </a:r>
-            <a:r>
-              <a:rPr lang="pl-PL" dirty="0" err="1" smtClean="0"/>
-              <a:t>is</a:t>
-            </a:r>
-            <a:r>
-              <a:rPr lang="pl-PL" dirty="0" smtClean="0"/>
-              <a:t> </a:t>
-            </a:r>
-            <a:r>
-              <a:rPr lang="pl-PL" dirty="0" err="1" smtClean="0"/>
-              <a:t>beyond</a:t>
-            </a:r>
-            <a:r>
-              <a:rPr lang="pl-PL" dirty="0" smtClean="0"/>
-              <a:t> </a:t>
-            </a:r>
-            <a:r>
-              <a:rPr lang="pl-PL" dirty="0" err="1" smtClean="0"/>
-              <a:t>any</a:t>
-            </a:r>
-            <a:r>
-              <a:rPr lang="pl-PL" dirty="0" smtClean="0"/>
-              <a:t> </a:t>
-            </a:r>
-            <a:r>
-              <a:rPr lang="pl-PL" dirty="0" err="1" smtClean="0"/>
-              <a:t>obvious</a:t>
-            </a:r>
-            <a:r>
-              <a:rPr lang="pl-PL" dirty="0" smtClean="0"/>
-              <a:t> </a:t>
-            </a:r>
-            <a:r>
-              <a:rPr lang="pl-PL" dirty="0" err="1" smtClean="0"/>
-              <a:t>algorithmic</a:t>
-            </a:r>
-            <a:r>
-              <a:rPr lang="pl-PL" dirty="0" smtClean="0"/>
-              <a:t> </a:t>
-            </a:r>
-            <a:r>
-              <a:rPr lang="pl-PL" dirty="0" err="1" smtClean="0"/>
-              <a:t>solution</a:t>
-            </a:r>
-            <a:endParaRPr lang="pl-PL" dirty="0" smtClean="0"/>
-          </a:p>
-          <a:p>
-            <a:r>
-              <a:rPr lang="pl-PL" dirty="0" smtClean="0"/>
-              <a:t>The </a:t>
-            </a:r>
-            <a:r>
-              <a:rPr lang="pl-PL" dirty="0" err="1" smtClean="0"/>
-              <a:t>logic</a:t>
-            </a:r>
-            <a:r>
-              <a:rPr lang="pl-PL" dirty="0" smtClean="0"/>
-              <a:t> </a:t>
-            </a:r>
-            <a:r>
-              <a:rPr lang="pl-PL" dirty="0" err="1" smtClean="0"/>
-              <a:t>changes</a:t>
-            </a:r>
-            <a:r>
-              <a:rPr lang="pl-PL" dirty="0" smtClean="0"/>
-              <a:t> </a:t>
-            </a:r>
-            <a:r>
-              <a:rPr lang="pl-PL" dirty="0" err="1" smtClean="0"/>
-              <a:t>often</a:t>
-            </a:r>
-            <a:endParaRPr lang="pl-PL" dirty="0" smtClean="0"/>
-          </a:p>
-          <a:p>
-            <a:r>
-              <a:rPr lang="pl-PL" dirty="0" err="1" smtClean="0"/>
-              <a:t>Domain</a:t>
-            </a:r>
-            <a:r>
-              <a:rPr lang="pl-PL" dirty="0" smtClean="0"/>
-              <a:t> </a:t>
-            </a:r>
-            <a:r>
-              <a:rPr lang="pl-PL" dirty="0" err="1" smtClean="0"/>
-              <a:t>experts</a:t>
-            </a:r>
-            <a:r>
-              <a:rPr lang="pl-PL" dirty="0" smtClean="0"/>
-              <a:t> </a:t>
-            </a:r>
-            <a:r>
-              <a:rPr lang="pl-PL" dirty="0" err="1" smtClean="0"/>
-              <a:t>are</a:t>
-            </a:r>
-            <a:r>
-              <a:rPr lang="pl-PL" dirty="0" smtClean="0"/>
-              <a:t> </a:t>
-            </a:r>
-            <a:r>
-              <a:rPr lang="pl-PL" dirty="0" err="1" smtClean="0"/>
-              <a:t>readily</a:t>
-            </a:r>
-            <a:r>
-              <a:rPr lang="pl-PL" dirty="0" smtClean="0"/>
-              <a:t> </a:t>
-            </a:r>
-            <a:r>
-              <a:rPr lang="pl-PL" dirty="0" err="1" smtClean="0"/>
-              <a:t>available</a:t>
-            </a:r>
-            <a:r>
-              <a:rPr lang="pl-PL" dirty="0" smtClean="0"/>
-              <a:t> and </a:t>
-            </a:r>
-            <a:r>
-              <a:rPr lang="pl-PL" dirty="0" err="1" smtClean="0"/>
-              <a:t>nontechnical</a:t>
-            </a:r>
-            <a:endParaRPr lang="pl-PL" dirty="0"/>
-          </a:p>
-        </p:txBody>
-      </p:sp>
-      <p:sp>
-        <p:nvSpPr>
-          <p:cNvPr id="6" name="Symbol zastępczy zawartości 5"/>
-          <p:cNvSpPr>
-            <a:spLocks noGrp="1"/>
-          </p:cNvSpPr>
-          <p:nvPr>
-            <p:ph sz="quarter" idx="4"/>
-          </p:nvPr>
-        </p:nvSpPr>
-        <p:spPr/>
-        <p:txBody>
-          <a:bodyPr>
-            <a:normAutofit fontScale="92500" lnSpcReduction="20000"/>
-          </a:bodyPr>
-          <a:lstStyle/>
-          <a:p>
-            <a:r>
-              <a:rPr lang="en-US" dirty="0"/>
-              <a:t>Rules engines are not really intended to handle workflow or process executions nor are workflow engines or process management tools designed to do rules. Use the right tool for the job. Sure, a pair of pliers can be used as a hammering tool in a pinch, but that's not what it's designed for.</a:t>
-            </a:r>
-            <a:endParaRPr lang="pl-PL" dirty="0"/>
-          </a:p>
-        </p:txBody>
-      </p:sp>
+      <p:pic>
+        <p:nvPicPr>
+          <p:cNvPr id="5122" name="Picture 2"/>
+          <p:cNvPicPr>
+            <a:picLocks noChangeAspect="1" noChangeArrowheads="1"/>
+          </p:cNvPicPr>
+          <p:nvPr/>
+        </p:nvPicPr>
+        <p:blipFill>
+          <a:blip r:embed="rId2">
+            <a:extLst>
+              <a:ext uri="{28A0092B-C50C-407E-A947-70E740481C1C}">
+                <a14:useLocalDpi xmlns:a14="http://schemas.microsoft.com/office/drawing/2010/main" val="0"/>
+              </a:ext>
+            </a:extLst>
+          </a:blip>
+          <a:srcRect/>
+          <a:stretch>
+            <a:fillRect/>
+          </a:stretch>
+        </p:blipFill>
+        <p:spPr bwMode="auto">
+          <a:xfrm>
+            <a:off x="613404" y="2416324"/>
+            <a:ext cx="7882304" cy="1440160"/>
+          </a:xfrm>
+          <a:prstGeom prst="rect">
+            <a:avLst/>
+          </a:prstGeom>
+          <a:noFill/>
+          <a:ln>
+            <a:noFill/>
+          </a:ln>
+          <a:extLst>
+            <a:ext uri="{909E8E84-426E-40DD-AFC4-6F175D3DCCD1}">
+              <a14:hiddenFill xmlns:a14="http://schemas.microsoft.com/office/drawing/2010/main">
+                <a:solidFill>
+                  <a:schemeClr val="accent1"/>
+                </a:solidFill>
+              </a14:hiddenFill>
+            </a:ext>
+            <a:ext uri="{91240B29-F687-4F45-9708-019B960494DF}">
+              <a14:hiddenLine xmlns:a14="http://schemas.microsoft.com/office/drawing/2010/main" w="9525">
+                <a:solidFill>
+                  <a:schemeClr val="tx1"/>
+                </a:solidFill>
+                <a:miter lim="800000"/>
+                <a:headEnd/>
+                <a:tailEnd/>
+              </a14:hiddenLine>
+            </a:ext>
+          </a:extLst>
+        </p:spPr>
+      </p:pic>
     </p:spTree>
     <p:extLst>
       <p:ext uri="{BB962C8B-B14F-4D97-AF65-F5344CB8AC3E}">
-        <p14:creationId xmlns:p14="http://schemas.microsoft.com/office/powerpoint/2010/main" val="3001520462"/>
+        <p14:creationId xmlns:p14="http://schemas.microsoft.com/office/powerpoint/2010/main" val="1952145853"/>
       </p:ext>
     </p:extLst>
   </p:cSld>
@@ -10110,7 +9202,7 @@
       </p:grpSpPr>
       <p:sp>
         <p:nvSpPr>
-          <p:cNvPr id="2" name="Tytuł 1"/>
+          <p:cNvPr id="3" name="Tytuł 2"/>
           <p:cNvSpPr>
             <a:spLocks noGrp="1"/>
           </p:cNvSpPr>
@@ -10118,170 +9210,95 @@
             <p:ph type="title"/>
           </p:nvPr>
         </p:nvSpPr>
-        <p:spPr>
-          <a:xfrm>
-            <a:off x="827584" y="4077072"/>
-            <a:ext cx="7481776" cy="457200"/>
-          </a:xfrm>
-        </p:spPr>
-        <p:txBody>
-          <a:bodyPr/>
-          <a:lstStyle/>
-          <a:p>
-            <a:r>
-              <a:rPr lang="en-GB" sz="3200" dirty="0" err="1"/>
-              <a:t>JBoss</a:t>
-            </a:r>
-            <a:r>
-              <a:rPr lang="en-GB" sz="3200" dirty="0"/>
-              <a:t> Drools</a:t>
-            </a:r>
-            <a:br>
-              <a:rPr lang="en-GB" sz="3200" dirty="0"/>
-            </a:br>
-            <a:r>
-              <a:rPr lang="en-GB" sz="2800" dirty="0"/>
-              <a:t>example of expert system,</a:t>
-            </a:r>
-            <a:br>
-              <a:rPr lang="en-GB" sz="2800" dirty="0"/>
-            </a:br>
-            <a:r>
-              <a:rPr lang="en-GB" sz="2800" dirty="0"/>
-              <a:t>or develop your own </a:t>
-            </a:r>
-            <a:br>
-              <a:rPr lang="en-GB" sz="2800" dirty="0"/>
-            </a:br>
-            <a:r>
-              <a:rPr lang="en-GB" sz="2800" dirty="0"/>
-              <a:t>House, M.D.</a:t>
-            </a:r>
-            <a:endParaRPr lang="pl-PL" dirty="0"/>
-          </a:p>
-        </p:txBody>
-      </p:sp>
-      <p:sp>
-        <p:nvSpPr>
-          <p:cNvPr id="3" name="Symbol zastępczy tekstu 2"/>
-          <p:cNvSpPr>
-            <a:spLocks noGrp="1"/>
-          </p:cNvSpPr>
-          <p:nvPr>
-            <p:ph type="body" idx="2"/>
-          </p:nvPr>
-        </p:nvSpPr>
-        <p:spPr>
-          <a:xfrm>
-            <a:off x="4427984" y="5877272"/>
-            <a:ext cx="3974592" cy="399256"/>
-          </a:xfrm>
-        </p:spPr>
+        <p:spPr/>
         <p:txBody>
           <a:bodyPr>
-            <a:normAutofit/>
+            <a:normAutofit fontScale="90000"/>
           </a:bodyPr>
           <a:lstStyle/>
           <a:p>
             <a:r>
-              <a:rPr lang="pl-PL" sz="1100" dirty="0" smtClean="0"/>
-              <a:t>by Przemek Różycki</a:t>
-            </a:r>
-            <a:endParaRPr lang="pl-PL" sz="1100" dirty="0"/>
-          </a:p>
-        </p:txBody>
-      </p:sp>
-      <p:sp>
-        <p:nvSpPr>
-          <p:cNvPr id="4" name="Symbol zastępczy zawartości 3"/>
-          <p:cNvSpPr>
-            <a:spLocks noGrp="1"/>
-          </p:cNvSpPr>
-          <p:nvPr>
-            <p:ph sz="half" idx="1"/>
-          </p:nvPr>
-        </p:nvSpPr>
-        <p:spPr/>
-        <p:txBody>
-          <a:bodyPr/>
-          <a:lstStyle/>
-          <a:p>
-            <a:pPr marL="109728" indent="0" algn="ctr">
-              <a:buNone/>
-            </a:pPr>
-            <a:endParaRPr lang="pl-PL" sz="4000" b="1" dirty="0" smtClean="0"/>
-          </a:p>
-          <a:p>
-            <a:pPr marL="109728" indent="0" algn="ctr">
-              <a:buNone/>
-            </a:pPr>
-            <a:r>
-              <a:rPr lang="pl-PL" sz="4000" b="1" dirty="0" err="1" smtClean="0"/>
-              <a:t>Thank</a:t>
-            </a:r>
-            <a:r>
-              <a:rPr lang="pl-PL" sz="4000" b="1" dirty="0" smtClean="0"/>
+              <a:rPr lang="pl-PL" dirty="0" err="1" smtClean="0"/>
+              <a:t>Persistence</a:t>
+            </a:r>
+            <a:r>
+              <a:rPr lang="pl-PL" dirty="0" smtClean="0"/>
               <a:t> </a:t>
             </a:r>
             <a:r>
-              <a:rPr lang="pl-PL" sz="4000" b="1" dirty="0" err="1" smtClean="0"/>
-              <a:t>you</a:t>
-            </a:r>
-            <a:r>
-              <a:rPr lang="pl-PL" sz="4000" b="1" dirty="0" smtClean="0"/>
-              <a:t> for </a:t>
-            </a:r>
-            <a:r>
-              <a:rPr lang="pl-PL" sz="4000" b="1" dirty="0" err="1" smtClean="0"/>
-              <a:t>your</a:t>
-            </a:r>
-            <a:r>
-              <a:rPr lang="pl-PL" sz="4000" b="1" dirty="0" smtClean="0"/>
+              <a:rPr lang="pl-PL" dirty="0" err="1" smtClean="0"/>
+              <a:t>framework</a:t>
+            </a:r>
+            <a:r>
+              <a:rPr lang="pl-PL" dirty="0" smtClean="0"/>
               <a:t> </a:t>
             </a:r>
             <a:r>
-              <a:rPr lang="pl-PL" sz="4000" b="1" dirty="0" err="1" smtClean="0"/>
-              <a:t>attention</a:t>
-            </a:r>
-            <a:r>
-              <a:rPr lang="pl-PL" sz="4000" b="1" dirty="0" smtClean="0"/>
-              <a:t>!</a:t>
-            </a:r>
-          </a:p>
-          <a:p>
-            <a:pPr marL="109728" indent="0" algn="ctr">
-              <a:buNone/>
-            </a:pPr>
-            <a:endParaRPr lang="pl-PL" sz="4000" b="1" dirty="0"/>
-          </a:p>
-          <a:p>
-            <a:pPr marL="109728" indent="0" algn="ctr">
-              <a:buNone/>
-            </a:pPr>
-            <a:r>
-              <a:rPr lang="pl-PL" sz="4000" b="1" dirty="0" err="1" smtClean="0"/>
-              <a:t>Any</a:t>
-            </a:r>
-            <a:r>
-              <a:rPr lang="pl-PL" sz="4000" b="1" dirty="0" smtClean="0"/>
-              <a:t> </a:t>
-            </a:r>
-            <a:r>
-              <a:rPr lang="pl-PL" sz="4000" b="1" dirty="0" err="1" smtClean="0"/>
-              <a:t>questions</a:t>
-            </a:r>
-            <a:r>
-              <a:rPr lang="pl-PL" sz="4000" b="1" dirty="0" smtClean="0"/>
-              <a:t>?</a:t>
-            </a:r>
-            <a:endParaRPr lang="pl-PL" sz="4000" b="1" dirty="0"/>
-          </a:p>
-        </p:txBody>
-      </p:sp>
+              <a:rPr lang="pl-PL" dirty="0" err="1" smtClean="0"/>
+              <a:t>integration</a:t>
+            </a:r>
+            <a:endParaRPr lang="pl-PL" dirty="0"/>
+          </a:p>
+        </p:txBody>
+      </p:sp>
+      <p:pic>
+        <p:nvPicPr>
+          <p:cNvPr id="4098" name="Picture 2"/>
+          <p:cNvPicPr>
+            <a:picLocks noChangeAspect="1" noChangeArrowheads="1"/>
+          </p:cNvPicPr>
+          <p:nvPr/>
+        </p:nvPicPr>
+        <p:blipFill>
+          <a:blip r:embed="rId2">
+            <a:extLst>
+              <a:ext uri="{28A0092B-C50C-407E-A947-70E740481C1C}">
+                <a14:useLocalDpi xmlns:a14="http://schemas.microsoft.com/office/drawing/2010/main" val="0"/>
+              </a:ext>
+            </a:extLst>
+          </a:blip>
+          <a:srcRect/>
+          <a:stretch>
+            <a:fillRect/>
+          </a:stretch>
+        </p:blipFill>
+        <p:spPr bwMode="auto">
+          <a:xfrm>
+            <a:off x="755576" y="1340768"/>
+            <a:ext cx="7565883" cy="4464496"/>
+          </a:xfrm>
+          <a:prstGeom prst="rect">
+            <a:avLst/>
+          </a:prstGeom>
+          <a:noFill/>
+          <a:ln>
+            <a:noFill/>
+          </a:ln>
+          <a:extLst>
+            <a:ext uri="{909E8E84-426E-40DD-AFC4-6F175D3DCCD1}">
+              <a14:hiddenFill xmlns:a14="http://schemas.microsoft.com/office/drawing/2010/main">
+                <a:solidFill>
+                  <a:schemeClr val="accent1"/>
+                </a:solidFill>
+              </a14:hiddenFill>
+            </a:ext>
+            <a:ext uri="{91240B29-F687-4F45-9708-019B960494DF}">
+              <a14:hiddenLine xmlns:a14="http://schemas.microsoft.com/office/drawing/2010/main" w="9525">
+                <a:solidFill>
+                  <a:schemeClr val="tx1"/>
+                </a:solidFill>
+                <a:miter lim="800000"/>
+                <a:headEnd/>
+                <a:tailEnd/>
+              </a14:hiddenLine>
+            </a:ext>
+          </a:extLst>
+        </p:spPr>
+      </p:pic>
     </p:spTree>
     <p:extLst>
       <p:ext uri="{BB962C8B-B14F-4D97-AF65-F5344CB8AC3E}">
-        <p14:creationId xmlns:p14="http://schemas.microsoft.com/office/powerpoint/2010/main" val="3732025211"/>
+        <p14:creationId xmlns:p14="http://schemas.microsoft.com/office/powerpoint/2010/main" val="1896570916"/>
       </p:ext>
     </p:extLst>
   </p:cSld>
@@ -10317,12 +9334,12 @@
       </p:grpSpPr>
       <p:sp>
         <p:nvSpPr>
-          <p:cNvPr id="2" name="Tytuł 1"/>
-          <p:cNvSpPr>
-            <a:spLocks noGrp="1"/>
-          </p:cNvSpPr>
-          <p:nvPr>
-            <p:ph type="title"/>
+          <p:cNvPr id="2" name="Symbol zastępczy zawartości 1"/>
+          <p:cNvSpPr>
+            <a:spLocks noGrp="1"/>
+          </p:cNvSpPr>
+          <p:nvPr>
+            <p:ph idx="1"/>
           </p:nvPr>
         </p:nvSpPr>
         <p:spPr/>
@@ -10331,25 +9348,113 @@
           <a:lstStyle/>
           <a:p>
             <a:r>
-              <a:rPr lang="pl-PL" dirty="0" smtClean="0"/>
-              <a:t>Links and </a:t>
-            </a:r>
-            <a:r>
-              <a:rPr lang="pl-PL" dirty="0" err="1" smtClean="0"/>
-              <a:t>references</a:t>
-            </a:r>
-            <a:endParaRPr lang="en-GB" dirty="0"/>
-          </a:p>
-        </p:txBody>
-      </p:sp>
-      <p:sp>
-        <p:nvSpPr>
-          <p:cNvPr id="3" name="Symbol zastępczy tekstu 2"/>
-          <p:cNvSpPr>
-            <a:spLocks noGrp="1"/>
-          </p:cNvSpPr>
-          <p:nvPr>
-            <p:ph type="body" idx="2"/>
+              <a:rPr lang="pl-PL" dirty="0" err="1" smtClean="0"/>
+              <a:t>Declarative</a:t>
+            </a:r>
+            <a:r>
+              <a:rPr lang="pl-PL" dirty="0" smtClean="0"/>
+              <a:t> </a:t>
+            </a:r>
+            <a:r>
+              <a:rPr lang="pl-PL" dirty="0" err="1" smtClean="0"/>
+              <a:t>programming</a:t>
+            </a:r>
+            <a:endParaRPr lang="pl-PL" dirty="0" smtClean="0"/>
+          </a:p>
+          <a:p>
+            <a:r>
+              <a:rPr lang="pl-PL" dirty="0" err="1" smtClean="0"/>
+              <a:t>Logic</a:t>
+            </a:r>
+            <a:r>
+              <a:rPr lang="pl-PL" dirty="0" smtClean="0"/>
+              <a:t> and data </a:t>
+            </a:r>
+            <a:r>
+              <a:rPr lang="pl-PL" dirty="0" err="1" smtClean="0"/>
+              <a:t>separation</a:t>
+            </a:r>
+            <a:endParaRPr lang="pl-PL" dirty="0" smtClean="0"/>
+          </a:p>
+          <a:p>
+            <a:r>
+              <a:rPr lang="pl-PL" dirty="0" err="1" smtClean="0"/>
+              <a:t>Speed</a:t>
+            </a:r>
+            <a:r>
+              <a:rPr lang="pl-PL" dirty="0" smtClean="0"/>
+              <a:t> and </a:t>
+            </a:r>
+            <a:r>
+              <a:rPr lang="pl-PL" dirty="0" err="1" smtClean="0"/>
+              <a:t>Scalability</a:t>
+            </a:r>
+            <a:endParaRPr lang="pl-PL" dirty="0" smtClean="0"/>
+          </a:p>
+          <a:p>
+            <a:r>
+              <a:rPr lang="pl-PL" dirty="0" err="1" smtClean="0"/>
+              <a:t>Centralization</a:t>
+            </a:r>
+            <a:r>
+              <a:rPr lang="pl-PL" dirty="0" smtClean="0"/>
+              <a:t> of Knowledge</a:t>
+            </a:r>
+          </a:p>
+          <a:p>
+            <a:r>
+              <a:rPr lang="pl-PL" dirty="0" err="1" smtClean="0"/>
+              <a:t>Tool</a:t>
+            </a:r>
+            <a:r>
+              <a:rPr lang="pl-PL" dirty="0"/>
+              <a:t> </a:t>
+            </a:r>
+            <a:r>
+              <a:rPr lang="pl-PL" dirty="0" smtClean="0"/>
+              <a:t>Integration</a:t>
+            </a:r>
+          </a:p>
+          <a:p>
+            <a:r>
+              <a:rPr lang="pl-PL" dirty="0" err="1" smtClean="0"/>
+              <a:t>Explanation</a:t>
+            </a:r>
+            <a:r>
+              <a:rPr lang="pl-PL" dirty="0" smtClean="0"/>
+              <a:t> </a:t>
+            </a:r>
+            <a:r>
+              <a:rPr lang="pl-PL" dirty="0" err="1" smtClean="0"/>
+              <a:t>facility</a:t>
+            </a:r>
+            <a:endParaRPr lang="pl-PL" dirty="0" smtClean="0"/>
+          </a:p>
+          <a:p>
+            <a:r>
+              <a:rPr lang="pl-PL" dirty="0" err="1" smtClean="0"/>
+              <a:t>Understandable</a:t>
+            </a:r>
+            <a:r>
+              <a:rPr lang="pl-PL" dirty="0" smtClean="0"/>
+              <a:t> </a:t>
+            </a:r>
+            <a:r>
+              <a:rPr lang="pl-PL" dirty="0" err="1" smtClean="0"/>
+              <a:t>rules</a:t>
+            </a:r>
+            <a:endParaRPr lang="pl-PL" dirty="0"/>
+          </a:p>
+        </p:txBody>
+      </p:sp>
+      <p:sp>
+        <p:nvSpPr>
+          <p:cNvPr id="3" name="Tytuł 2"/>
+          <p:cNvSpPr>
+            <a:spLocks noGrp="1"/>
+          </p:cNvSpPr>
+          <p:nvPr>
+            <p:ph type="title"/>
           </p:nvPr>
         </p:nvSpPr>
         <p:spPr/>
@@ -10358,182 +9463,33 @@
           <a:lstStyle/>
           <a:p>
             <a:r>
-              <a:rPr lang="pl-PL" dirty="0" smtClean="0"/>
-              <a:t>by Przemek Różycki</a:t>
-            </a:r>
-            <a:endParaRPr lang="en-GB" dirty="0"/>
-          </a:p>
-        </p:txBody>
-      </p:sp>
-      <p:sp>
-        <p:nvSpPr>
-          <p:cNvPr id="4" name="Symbol zastępczy zawartości 3"/>
-          <p:cNvSpPr>
-            <a:spLocks noGrp="1"/>
-          </p:cNvSpPr>
-          <p:nvPr>
-            <p:ph sz="half" idx="1"/>
-          </p:nvPr>
-        </p:nvSpPr>
-        <p:spPr/>
-        <p:txBody>
-          <a:bodyPr>
-            <a:normAutofit/>
-          </a:bodyPr>
-          <a:lstStyle/>
-          <a:p>
-            <a:r>
-              <a:rPr lang="pl-PL" sz="2800" dirty="0" err="1" smtClean="0"/>
-              <a:t>This</a:t>
-            </a:r>
-            <a:r>
-              <a:rPr lang="pl-PL" sz="2800" dirty="0" smtClean="0"/>
+              <a:rPr lang="pl-PL" dirty="0" err="1" smtClean="0"/>
+              <a:t>Adventages</a:t>
+            </a:r>
+            <a:r>
+              <a:rPr lang="pl-PL" dirty="0" smtClean="0"/>
+              <a:t> of </a:t>
+            </a:r>
+            <a:r>
+              <a:rPr lang="pl-PL" dirty="0" err="1" smtClean="0"/>
+              <a:t>rule</a:t>
+            </a:r>
+            <a:r>
+              <a:rPr lang="pl-PL" dirty="0" smtClean="0"/>
               <a:t> </a:t>
             </a:r>
             <a:r>
-              <a:rPr lang="pl-PL" sz="2800" dirty="0" err="1" smtClean="0"/>
-              <a:t>presentation</a:t>
-            </a:r>
-            <a:r>
-              <a:rPr lang="pl-PL" sz="2800" dirty="0" smtClean="0"/>
-              <a:t> and </a:t>
-            </a:r>
-            <a:r>
-              <a:rPr lang="pl-PL" sz="2800" dirty="0" err="1" smtClean="0"/>
-              <a:t>examples</a:t>
-            </a:r>
-            <a:endParaRPr lang="pl-PL" sz="2800" dirty="0" smtClean="0"/>
-          </a:p>
-          <a:p>
-            <a:pPr lvl="1"/>
-            <a:r>
-              <a:rPr lang="en-GB" sz="2000" dirty="0" smtClean="0">
-                <a:hlinkClick r:id="rId2"/>
-              </a:rPr>
-              <a:t>https</a:t>
-            </a:r>
-            <a:r>
-              <a:rPr lang="en-GB" sz="2000" dirty="0">
-                <a:hlinkClick r:id="rId2"/>
-              </a:rPr>
-              <a:t>://</a:t>
-            </a:r>
-            <a:r>
-              <a:rPr lang="en-GB" sz="2000" dirty="0" smtClean="0">
-                <a:hlinkClick r:id="rId2"/>
-              </a:rPr>
-              <a:t>github.com/rozz/drools-presentation-and-examples/tree/master-drools-6-jug</a:t>
-            </a:r>
-            <a:endParaRPr lang="pl-PL" sz="2000" dirty="0" smtClean="0"/>
-          </a:p>
-          <a:p>
-            <a:r>
-              <a:rPr lang="pl-PL" sz="2800" dirty="0" err="1" smtClean="0"/>
-              <a:t>Drools</a:t>
-            </a:r>
-            <a:r>
-              <a:rPr lang="pl-PL" sz="2800" dirty="0" smtClean="0"/>
-              <a:t> </a:t>
-            </a:r>
-            <a:r>
-              <a:rPr lang="pl-PL" sz="2800" dirty="0" err="1" smtClean="0"/>
-              <a:t>documentation</a:t>
-            </a:r>
-            <a:endParaRPr lang="pl-PL" sz="2800" dirty="0" smtClean="0"/>
-          </a:p>
-          <a:p>
-            <a:pPr lvl="1"/>
-            <a:r>
-              <a:rPr lang="en-GB" sz="2000" dirty="0" smtClean="0">
-                <a:hlinkClick r:id="rId3"/>
-              </a:rPr>
-              <a:t>http</a:t>
-            </a:r>
-            <a:r>
-              <a:rPr lang="en-GB" sz="2000" dirty="0">
-                <a:hlinkClick r:id="rId3"/>
-              </a:rPr>
-              <a:t>://</a:t>
-            </a:r>
-            <a:r>
-              <a:rPr lang="en-GB" sz="2000" dirty="0" smtClean="0">
-                <a:hlinkClick r:id="rId3"/>
-              </a:rPr>
-              <a:t>www.jboss.org/drools/documentation</a:t>
-            </a:r>
-            <a:endParaRPr lang="pl-PL" sz="2000" dirty="0" smtClean="0"/>
-          </a:p>
-          <a:p>
-            <a:pPr lvl="1"/>
-            <a:r>
-              <a:rPr lang="en-GB" sz="2000" dirty="0" smtClean="0">
-                <a:hlinkClick r:id="rId4"/>
-              </a:rPr>
-              <a:t>https</a:t>
-            </a:r>
-            <a:r>
-              <a:rPr lang="en-GB" sz="2000" dirty="0">
-                <a:hlinkClick r:id="rId4"/>
-              </a:rPr>
-              <a:t>://</a:t>
-            </a:r>
-            <a:r>
-              <a:rPr lang="en-GB" sz="2000" dirty="0" smtClean="0">
-                <a:hlinkClick r:id="rId4"/>
-              </a:rPr>
-              <a:t>community.jboss.org/wiki/JBossRules</a:t>
-            </a:r>
-            <a:endParaRPr lang="pl-PL" sz="2000" dirty="0" smtClean="0"/>
-          </a:p>
-          <a:p>
-            <a:r>
-              <a:rPr lang="pl-PL" sz="2800" dirty="0" smtClean="0"/>
-              <a:t>Komercyjne </a:t>
-            </a:r>
-            <a:r>
-              <a:rPr lang="pl-PL" sz="2800" dirty="0" err="1" smtClean="0"/>
-              <a:t>Droolsy</a:t>
-            </a:r>
-            <a:r>
-              <a:rPr lang="pl-PL" sz="2800" dirty="0" smtClean="0"/>
-              <a:t> </a:t>
-            </a:r>
-            <a:r>
-              <a:rPr lang="pl-PL" sz="2800" dirty="0" err="1" smtClean="0"/>
-              <a:t>RedHata</a:t>
-            </a:r>
-            <a:endParaRPr lang="pl-PL" sz="2800" dirty="0" smtClean="0">
-              <a:hlinkClick r:id="rId5"/>
-            </a:endParaRPr>
-          </a:p>
-          <a:p>
-            <a:pPr lvl="1"/>
-            <a:r>
-              <a:rPr lang="en-GB" sz="2000" dirty="0" smtClean="0">
-                <a:hlinkClick r:id="rId5"/>
-              </a:rPr>
-              <a:t>http</a:t>
-            </a:r>
-            <a:r>
-              <a:rPr lang="en-GB" sz="2000" dirty="0">
-                <a:hlinkClick r:id="rId5"/>
-              </a:rPr>
-              <a:t>://www.redhat.com/products/jbossenterprisemiddleware/business-rules</a:t>
-            </a:r>
-            <a:r>
-              <a:rPr lang="en-GB" sz="2000" dirty="0" smtClean="0">
-                <a:hlinkClick r:id="rId5"/>
-              </a:rPr>
-              <a:t>/</a:t>
-            </a:r>
-            <a:endParaRPr lang="pl-PL" sz="2000" dirty="0" smtClean="0"/>
+              <a:rPr lang="pl-PL" dirty="0" err="1" smtClean="0"/>
+              <a:t>engine</a:t>
+            </a:r>
+            <a:endParaRPr lang="pl-PL" dirty="0"/>
           </a:p>
         </p:txBody>
       </p:sp>
     </p:spTree>
     <p:extLst>
       <p:ext uri="{BB962C8B-B14F-4D97-AF65-F5344CB8AC3E}">
-        <p14:creationId xmlns:p14="http://schemas.microsoft.com/office/powerpoint/2010/main" val="823432182"/>
+        <p14:creationId xmlns:p14="http://schemas.microsoft.com/office/powerpoint/2010/main" val="3095177641"/>
       </p:ext>
     </p:extLst>
   </p:cSld>
@@ -10586,19 +9542,15 @@
           <a:p>
             <a:r>
               <a:rPr lang="pl-PL" dirty="0" smtClean="0"/>
-              <a:t>Knowledge </a:t>
-            </a:r>
-            <a:r>
-              <a:rPr lang="pl-PL" dirty="0" err="1" smtClean="0"/>
-              <a:t>Representation</a:t>
+              <a:t>KRR </a:t>
             </a:r>
             <a:r>
               <a:rPr lang="en-US" dirty="0" smtClean="0"/>
-              <a:t> </a:t>
+              <a:t>is </a:t>
             </a:r>
             <a:r>
               <a:rPr lang="en-US" dirty="0"/>
-              <a:t>is about how we represent our knowledge in symbolic form, i.e. how we describe something. </a:t>
+              <a:t>about how we represent our knowledge in symbolic form, i.e. how we describe something. </a:t>
             </a:r>
             <a:endParaRPr lang="pl-PL" dirty="0" smtClean="0"/>
           </a:p>
@@ -10828,6 +9780,793 @@
     <p:extLst>
       <p:ext uri="{BB962C8B-B14F-4D97-AF65-F5344CB8AC3E}">
         <p14:creationId xmlns:p14="http://schemas.microsoft.com/office/powerpoint/2010/main" val="4230564183"/>
+      </p:ext>
+    </p:extLst>
+  </p:cSld>
+  <p:clrMapOvr>
+    <a:masterClrMapping/>
+  </p:clrMapOvr>
+  <p:timing>
+    <p:tnLst>
+      <p:par>
+        <p:cTn id="1" dur="indefinite" restart="never" nodeType="tmRoot"/>
+      </p:par>
+    </p:tnLst>
+  </p:timing>
+</p:sld>
+</file>
+
+<file path=ppt/slides/slide30.xml><?xml version="1.0" encoding="utf-8"?>
+<p:sld xmlns:a="http://schemas.openxmlformats.org/drawingml/2006/main" xmlns:r="http://schemas.openxmlformats.org/officeDocument/2006/relationships" xmlns:p="http://schemas.openxmlformats.org/presentationml/2006/main">
+  <p:cSld>
+    <p:spTree>
+      <p:nvGrpSpPr>
+        <p:cNvPr id="1" name=""/>
+        <p:cNvGrpSpPr/>
+        <p:nvPr/>
+      </p:nvGrpSpPr>
+      <p:grpSpPr>
+        <a:xfrm>
+          <a:off x="0" y="0"/>
+          <a:ext cx="0" cy="0"/>
+          <a:chOff x="0" y="0"/>
+          <a:chExt cx="0" cy="0"/>
+        </a:xfrm>
+      </p:grpSpPr>
+      <p:sp>
+        <p:nvSpPr>
+          <p:cNvPr id="2" name="Tytuł 1"/>
+          <p:cNvSpPr>
+            <a:spLocks noGrp="1"/>
+          </p:cNvSpPr>
+          <p:nvPr>
+            <p:ph type="title"/>
+          </p:nvPr>
+        </p:nvSpPr>
+        <p:spPr/>
+        <p:txBody>
+          <a:bodyPr/>
+          <a:lstStyle/>
+          <a:p>
+            <a:r>
+              <a:rPr lang="pl-PL" dirty="0" err="1"/>
+              <a:t>When</a:t>
+            </a:r>
+            <a:r>
+              <a:rPr lang="pl-PL" dirty="0"/>
+              <a:t> to </a:t>
+            </a:r>
+            <a:r>
+              <a:rPr lang="pl-PL" dirty="0" err="1"/>
+              <a:t>use</a:t>
+            </a:r>
+            <a:r>
+              <a:rPr lang="pl-PL" dirty="0"/>
+              <a:t>, </a:t>
+            </a:r>
+            <a:r>
+              <a:rPr lang="pl-PL" dirty="0" err="1"/>
+              <a:t>when</a:t>
+            </a:r>
+            <a:r>
+              <a:rPr lang="pl-PL" dirty="0"/>
+              <a:t> not to</a:t>
+            </a:r>
+          </a:p>
+        </p:txBody>
+      </p:sp>
+      <p:sp>
+        <p:nvSpPr>
+          <p:cNvPr id="3" name="Symbol zastępczy tekstu 2"/>
+          <p:cNvSpPr>
+            <a:spLocks noGrp="1"/>
+          </p:cNvSpPr>
+          <p:nvPr>
+            <p:ph type="body" idx="1"/>
+          </p:nvPr>
+        </p:nvSpPr>
+        <p:spPr/>
+        <p:txBody>
+          <a:bodyPr/>
+          <a:lstStyle/>
+          <a:p>
+            <a:endParaRPr lang="pl-PL" dirty="0"/>
+          </a:p>
+        </p:txBody>
+      </p:sp>
+      <p:sp>
+        <p:nvSpPr>
+          <p:cNvPr id="4" name="Symbol zastępczy tekstu 3"/>
+          <p:cNvSpPr>
+            <a:spLocks noGrp="1"/>
+          </p:cNvSpPr>
+          <p:nvPr>
+            <p:ph type="body" sz="half" idx="3"/>
+          </p:nvPr>
+        </p:nvSpPr>
+        <p:spPr/>
+        <p:txBody>
+          <a:bodyPr/>
+          <a:lstStyle/>
+          <a:p>
+            <a:endParaRPr lang="pl-PL"/>
+          </a:p>
+        </p:txBody>
+      </p:sp>
+      <p:sp>
+        <p:nvSpPr>
+          <p:cNvPr id="5" name="Symbol zastępczy zawartości 4"/>
+          <p:cNvSpPr>
+            <a:spLocks noGrp="1"/>
+          </p:cNvSpPr>
+          <p:nvPr>
+            <p:ph sz="quarter" idx="2"/>
+          </p:nvPr>
+        </p:nvSpPr>
+        <p:spPr/>
+        <p:txBody>
+          <a:bodyPr>
+            <a:normAutofit lnSpcReduction="10000"/>
+          </a:bodyPr>
+          <a:lstStyle/>
+          <a:p>
+            <a:r>
+              <a:rPr lang="pl-PL" dirty="0" smtClean="0"/>
+              <a:t>The problem </a:t>
+            </a:r>
+            <a:r>
+              <a:rPr lang="pl-PL" dirty="0" err="1" smtClean="0"/>
+              <a:t>is</a:t>
+            </a:r>
+            <a:r>
+              <a:rPr lang="pl-PL" dirty="0" smtClean="0"/>
+              <a:t> </a:t>
+            </a:r>
+            <a:r>
+              <a:rPr lang="pl-PL" dirty="0" err="1" smtClean="0"/>
+              <a:t>too</a:t>
+            </a:r>
+            <a:r>
+              <a:rPr lang="pl-PL" dirty="0" smtClean="0"/>
+              <a:t> </a:t>
+            </a:r>
+            <a:r>
+              <a:rPr lang="pl-PL" dirty="0" err="1" smtClean="0"/>
+              <a:t>fiddly</a:t>
+            </a:r>
+            <a:r>
+              <a:rPr lang="pl-PL" dirty="0" smtClean="0"/>
+              <a:t> for </a:t>
+            </a:r>
+            <a:r>
+              <a:rPr lang="pl-PL" dirty="0" err="1" smtClean="0"/>
+              <a:t>traditional</a:t>
+            </a:r>
+            <a:r>
+              <a:rPr lang="pl-PL" dirty="0" smtClean="0"/>
+              <a:t> </a:t>
+            </a:r>
+            <a:r>
+              <a:rPr lang="pl-PL" dirty="0" err="1" smtClean="0"/>
+              <a:t>code</a:t>
+            </a:r>
+            <a:endParaRPr lang="pl-PL" dirty="0" smtClean="0"/>
+          </a:p>
+          <a:p>
+            <a:r>
+              <a:rPr lang="pl-PL" dirty="0" smtClean="0"/>
+              <a:t>The problem </a:t>
+            </a:r>
+            <a:r>
+              <a:rPr lang="pl-PL" dirty="0" err="1" smtClean="0"/>
+              <a:t>is</a:t>
+            </a:r>
+            <a:r>
+              <a:rPr lang="pl-PL" dirty="0" smtClean="0"/>
+              <a:t> </a:t>
+            </a:r>
+            <a:r>
+              <a:rPr lang="pl-PL" dirty="0" err="1" smtClean="0"/>
+              <a:t>beyond</a:t>
+            </a:r>
+            <a:r>
+              <a:rPr lang="pl-PL" dirty="0" smtClean="0"/>
+              <a:t> </a:t>
+            </a:r>
+            <a:r>
+              <a:rPr lang="pl-PL" dirty="0" err="1" smtClean="0"/>
+              <a:t>any</a:t>
+            </a:r>
+            <a:r>
+              <a:rPr lang="pl-PL" dirty="0" smtClean="0"/>
+              <a:t> </a:t>
+            </a:r>
+            <a:r>
+              <a:rPr lang="pl-PL" dirty="0" err="1" smtClean="0"/>
+              <a:t>obvious</a:t>
+            </a:r>
+            <a:r>
+              <a:rPr lang="pl-PL" dirty="0" smtClean="0"/>
+              <a:t> </a:t>
+            </a:r>
+            <a:r>
+              <a:rPr lang="pl-PL" dirty="0" err="1" smtClean="0"/>
+              <a:t>algorithmic</a:t>
+            </a:r>
+            <a:r>
+              <a:rPr lang="pl-PL" dirty="0" smtClean="0"/>
+              <a:t> </a:t>
+            </a:r>
+            <a:r>
+              <a:rPr lang="pl-PL" dirty="0" err="1" smtClean="0"/>
+              <a:t>solution</a:t>
+            </a:r>
+            <a:endParaRPr lang="pl-PL" dirty="0" smtClean="0"/>
+          </a:p>
+          <a:p>
+            <a:r>
+              <a:rPr lang="pl-PL" dirty="0" smtClean="0"/>
+              <a:t>The </a:t>
+            </a:r>
+            <a:r>
+              <a:rPr lang="pl-PL" dirty="0" err="1" smtClean="0"/>
+              <a:t>logic</a:t>
+            </a:r>
+            <a:r>
+              <a:rPr lang="pl-PL" dirty="0" smtClean="0"/>
+              <a:t> </a:t>
+            </a:r>
+            <a:r>
+              <a:rPr lang="pl-PL" dirty="0" err="1" smtClean="0"/>
+              <a:t>changes</a:t>
+            </a:r>
+            <a:r>
+              <a:rPr lang="pl-PL" dirty="0" smtClean="0"/>
+              <a:t> </a:t>
+            </a:r>
+            <a:r>
+              <a:rPr lang="pl-PL" dirty="0" err="1" smtClean="0"/>
+              <a:t>often</a:t>
+            </a:r>
+            <a:endParaRPr lang="pl-PL" dirty="0" smtClean="0"/>
+          </a:p>
+          <a:p>
+            <a:r>
+              <a:rPr lang="pl-PL" dirty="0" err="1" smtClean="0"/>
+              <a:t>Domain</a:t>
+            </a:r>
+            <a:r>
+              <a:rPr lang="pl-PL" dirty="0" smtClean="0"/>
+              <a:t> </a:t>
+            </a:r>
+            <a:r>
+              <a:rPr lang="pl-PL" dirty="0" err="1" smtClean="0"/>
+              <a:t>experts</a:t>
+            </a:r>
+            <a:r>
+              <a:rPr lang="pl-PL" dirty="0" smtClean="0"/>
+              <a:t> </a:t>
+            </a:r>
+            <a:r>
+              <a:rPr lang="pl-PL" dirty="0" err="1" smtClean="0"/>
+              <a:t>are</a:t>
+            </a:r>
+            <a:r>
+              <a:rPr lang="pl-PL" dirty="0" smtClean="0"/>
+              <a:t> </a:t>
+            </a:r>
+            <a:r>
+              <a:rPr lang="pl-PL" dirty="0" err="1" smtClean="0"/>
+              <a:t>readily</a:t>
+            </a:r>
+            <a:r>
+              <a:rPr lang="pl-PL" dirty="0" smtClean="0"/>
+              <a:t> </a:t>
+            </a:r>
+            <a:r>
+              <a:rPr lang="pl-PL" dirty="0" err="1" smtClean="0"/>
+              <a:t>available</a:t>
+            </a:r>
+            <a:r>
+              <a:rPr lang="pl-PL" dirty="0" smtClean="0"/>
+              <a:t> and </a:t>
+            </a:r>
+            <a:r>
+              <a:rPr lang="pl-PL" dirty="0" err="1" smtClean="0"/>
+              <a:t>nontechnical</a:t>
+            </a:r>
+            <a:endParaRPr lang="pl-PL" dirty="0"/>
+          </a:p>
+        </p:txBody>
+      </p:sp>
+      <p:sp>
+        <p:nvSpPr>
+          <p:cNvPr id="6" name="Symbol zastępczy zawartości 5"/>
+          <p:cNvSpPr>
+            <a:spLocks noGrp="1"/>
+          </p:cNvSpPr>
+          <p:nvPr>
+            <p:ph sz="quarter" idx="4"/>
+          </p:nvPr>
+        </p:nvSpPr>
+        <p:spPr/>
+        <p:txBody>
+          <a:bodyPr>
+            <a:normAutofit fontScale="92500" lnSpcReduction="20000"/>
+          </a:bodyPr>
+          <a:lstStyle/>
+          <a:p>
+            <a:r>
+              <a:rPr lang="en-US" dirty="0"/>
+              <a:t>Rules engines are not really intended to handle workflow or process executions nor are workflow engines or process management tools designed to do rules. Use the right tool for the job. Sure, a pair of pliers can be used as a hammering tool in a pinch, but that's not what it's designed for.</a:t>
+            </a:r>
+            <a:endParaRPr lang="pl-PL" dirty="0"/>
+          </a:p>
+        </p:txBody>
+      </p:sp>
+    </p:spTree>
+    <p:extLst>
+      <p:ext uri="{BB962C8B-B14F-4D97-AF65-F5344CB8AC3E}">
+        <p14:creationId xmlns:p14="http://schemas.microsoft.com/office/powerpoint/2010/main" val="3001520462"/>
+      </p:ext>
+    </p:extLst>
+  </p:cSld>
+  <p:clrMapOvr>
+    <a:masterClrMapping/>
+  </p:clrMapOvr>
+  <p:timing>
+    <p:tnLst>
+      <p:par>
+        <p:cTn id="1" dur="indefinite" restart="never" nodeType="tmRoot"/>
+      </p:par>
+    </p:tnLst>
+  </p:timing>
+</p:sld>
+</file>
+
+<file path=ppt/slides/slide31.xml><?xml version="1.0" encoding="utf-8"?>
+<p:sld xmlns:a="http://schemas.openxmlformats.org/drawingml/2006/main" xmlns:r="http://schemas.openxmlformats.org/officeDocument/2006/relationships" xmlns:p="http://schemas.openxmlformats.org/presentationml/2006/main">
+  <p:cSld>
+    <p:spTree>
+      <p:nvGrpSpPr>
+        <p:cNvPr id="1" name=""/>
+        <p:cNvGrpSpPr/>
+        <p:nvPr/>
+      </p:nvGrpSpPr>
+      <p:grpSpPr>
+        <a:xfrm>
+          <a:off x="0" y="0"/>
+          <a:ext cx="0" cy="0"/>
+          <a:chOff x="0" y="0"/>
+          <a:chExt cx="0" cy="0"/>
+        </a:xfrm>
+      </p:grpSpPr>
+      <p:sp>
+        <p:nvSpPr>
+          <p:cNvPr id="2" name="Tytuł 1"/>
+          <p:cNvSpPr>
+            <a:spLocks noGrp="1"/>
+          </p:cNvSpPr>
+          <p:nvPr>
+            <p:ph type="title"/>
+          </p:nvPr>
+        </p:nvSpPr>
+        <p:spPr>
+          <a:xfrm>
+            <a:off x="827584" y="4077072"/>
+            <a:ext cx="7481776" cy="457200"/>
+          </a:xfrm>
+        </p:spPr>
+        <p:txBody>
+          <a:bodyPr/>
+          <a:lstStyle/>
+          <a:p>
+            <a:r>
+              <a:rPr lang="en-GB" sz="3200" dirty="0" err="1"/>
+              <a:t>JBoss</a:t>
+            </a:r>
+            <a:r>
+              <a:rPr lang="en-GB" sz="3200" dirty="0"/>
+              <a:t> Drools</a:t>
+            </a:r>
+            <a:br>
+              <a:rPr lang="en-GB" sz="3200" dirty="0"/>
+            </a:br>
+            <a:r>
+              <a:rPr lang="en-GB" sz="2800" dirty="0"/>
+              <a:t>example of expert system,</a:t>
+            </a:r>
+            <a:br>
+              <a:rPr lang="en-GB" sz="2800" dirty="0"/>
+            </a:br>
+            <a:r>
+              <a:rPr lang="en-GB" sz="2800" dirty="0"/>
+              <a:t>or develop your own </a:t>
+            </a:r>
+            <a:br>
+              <a:rPr lang="en-GB" sz="2800" dirty="0"/>
+            </a:br>
+            <a:r>
+              <a:rPr lang="en-GB" sz="2800" dirty="0"/>
+              <a:t>House, M.D.</a:t>
+            </a:r>
+            <a:endParaRPr lang="pl-PL" dirty="0"/>
+          </a:p>
+        </p:txBody>
+      </p:sp>
+      <p:sp>
+        <p:nvSpPr>
+          <p:cNvPr id="3" name="Symbol zastępczy tekstu 2"/>
+          <p:cNvSpPr>
+            <a:spLocks noGrp="1"/>
+          </p:cNvSpPr>
+          <p:nvPr>
+            <p:ph type="body" idx="2"/>
+          </p:nvPr>
+        </p:nvSpPr>
+        <p:spPr>
+          <a:xfrm>
+            <a:off x="4427984" y="5877272"/>
+            <a:ext cx="3974592" cy="399256"/>
+          </a:xfrm>
+        </p:spPr>
+        <p:txBody>
+          <a:bodyPr>
+            <a:normAutofit/>
+          </a:bodyPr>
+          <a:lstStyle/>
+          <a:p>
+            <a:r>
+              <a:rPr lang="pl-PL" sz="1100" dirty="0" smtClean="0"/>
+              <a:t>by Przemek Różycki</a:t>
+            </a:r>
+            <a:endParaRPr lang="pl-PL" sz="1100" dirty="0"/>
+          </a:p>
+        </p:txBody>
+      </p:sp>
+      <p:sp>
+        <p:nvSpPr>
+          <p:cNvPr id="4" name="Symbol zastępczy zawartości 3"/>
+          <p:cNvSpPr>
+            <a:spLocks noGrp="1"/>
+          </p:cNvSpPr>
+          <p:nvPr>
+            <p:ph sz="half" idx="1"/>
+          </p:nvPr>
+        </p:nvSpPr>
+        <p:spPr/>
+        <p:txBody>
+          <a:bodyPr/>
+          <a:lstStyle/>
+          <a:p>
+            <a:pPr marL="109728" indent="0" algn="ctr">
+              <a:buNone/>
+            </a:pPr>
+            <a:endParaRPr lang="pl-PL" sz="4000" b="1" dirty="0" smtClean="0"/>
+          </a:p>
+          <a:p>
+            <a:pPr marL="109728" indent="0" algn="ctr">
+              <a:buNone/>
+            </a:pPr>
+            <a:r>
+              <a:rPr lang="pl-PL" sz="4000" b="1" dirty="0" err="1" smtClean="0"/>
+              <a:t>Thank</a:t>
+            </a:r>
+            <a:r>
+              <a:rPr lang="pl-PL" sz="4000" b="1" dirty="0" smtClean="0"/>
+              <a:t> </a:t>
+            </a:r>
+            <a:r>
+              <a:rPr lang="pl-PL" sz="4000" b="1" dirty="0" err="1" smtClean="0"/>
+              <a:t>you</a:t>
+            </a:r>
+            <a:r>
+              <a:rPr lang="pl-PL" sz="4000" b="1" dirty="0" smtClean="0"/>
+              <a:t> for </a:t>
+            </a:r>
+            <a:r>
+              <a:rPr lang="pl-PL" sz="4000" b="1" dirty="0" err="1" smtClean="0"/>
+              <a:t>your</a:t>
+            </a:r>
+            <a:r>
+              <a:rPr lang="pl-PL" sz="4000" b="1" dirty="0" smtClean="0"/>
+              <a:t> </a:t>
+            </a:r>
+            <a:r>
+              <a:rPr lang="pl-PL" sz="4000" b="1" dirty="0" err="1" smtClean="0"/>
+              <a:t>attention</a:t>
+            </a:r>
+            <a:r>
+              <a:rPr lang="pl-PL" sz="4000" b="1" dirty="0" smtClean="0"/>
+              <a:t>!</a:t>
+            </a:r>
+          </a:p>
+          <a:p>
+            <a:pPr marL="109728" indent="0" algn="ctr">
+              <a:buNone/>
+            </a:pPr>
+            <a:endParaRPr lang="pl-PL" sz="4000" b="1" dirty="0"/>
+          </a:p>
+          <a:p>
+            <a:pPr marL="109728" indent="0" algn="ctr">
+              <a:buNone/>
+            </a:pPr>
+            <a:r>
+              <a:rPr lang="pl-PL" sz="4000" b="1" dirty="0" err="1" smtClean="0"/>
+              <a:t>Any</a:t>
+            </a:r>
+            <a:r>
+              <a:rPr lang="pl-PL" sz="4000" b="1" dirty="0" smtClean="0"/>
+              <a:t> </a:t>
+            </a:r>
+            <a:r>
+              <a:rPr lang="pl-PL" sz="4000" b="1" dirty="0" err="1" smtClean="0"/>
+              <a:t>questions</a:t>
+            </a:r>
+            <a:r>
+              <a:rPr lang="pl-PL" sz="4000" b="1" dirty="0" smtClean="0"/>
+              <a:t>?</a:t>
+            </a:r>
+            <a:endParaRPr lang="pl-PL" sz="4000" b="1" dirty="0"/>
+          </a:p>
+        </p:txBody>
+      </p:sp>
+    </p:spTree>
+    <p:extLst>
+      <p:ext uri="{BB962C8B-B14F-4D97-AF65-F5344CB8AC3E}">
+        <p14:creationId xmlns:p14="http://schemas.microsoft.com/office/powerpoint/2010/main" val="3732025211"/>
+      </p:ext>
+    </p:extLst>
+  </p:cSld>
+  <p:clrMapOvr>
+    <a:masterClrMapping/>
+  </p:clrMapOvr>
+  <p:timing>
+    <p:tnLst>
+      <p:par>
+        <p:cTn id="1" dur="indefinite" restart="never" nodeType="tmRoot"/>
+      </p:par>
+    </p:tnLst>
+  </p:timing>
+</p:sld>
+</file>
+
+<file path=ppt/slides/slide32.xml><?xml version="1.0" encoding="utf-8"?>
+<p:sld xmlns:a="http://schemas.openxmlformats.org/drawingml/2006/main" xmlns:r="http://schemas.openxmlformats.org/officeDocument/2006/relationships" xmlns:p="http://schemas.openxmlformats.org/presentationml/2006/main">
+  <p:cSld>
+    <p:spTree>
+      <p:nvGrpSpPr>
+        <p:cNvPr id="1" name=""/>
+        <p:cNvGrpSpPr/>
+        <p:nvPr/>
+      </p:nvGrpSpPr>
+      <p:grpSpPr>
+        <a:xfrm>
+          <a:off x="0" y="0"/>
+          <a:ext cx="0" cy="0"/>
+          <a:chOff x="0" y="0"/>
+          <a:chExt cx="0" cy="0"/>
+        </a:xfrm>
+      </p:grpSpPr>
+      <p:sp>
+        <p:nvSpPr>
+          <p:cNvPr id="2" name="Tytuł 1"/>
+          <p:cNvSpPr>
+            <a:spLocks noGrp="1"/>
+          </p:cNvSpPr>
+          <p:nvPr>
+            <p:ph type="title"/>
+          </p:nvPr>
+        </p:nvSpPr>
+        <p:spPr/>
+        <p:txBody>
+          <a:bodyPr/>
+          <a:lstStyle/>
+          <a:p>
+            <a:r>
+              <a:rPr lang="pl-PL" dirty="0" smtClean="0"/>
+              <a:t>Links and </a:t>
+            </a:r>
+            <a:r>
+              <a:rPr lang="pl-PL" dirty="0" err="1" smtClean="0"/>
+              <a:t>references</a:t>
+            </a:r>
+            <a:endParaRPr lang="en-GB" dirty="0"/>
+          </a:p>
+        </p:txBody>
+      </p:sp>
+      <p:sp>
+        <p:nvSpPr>
+          <p:cNvPr id="3" name="Symbol zastępczy tekstu 2"/>
+          <p:cNvSpPr>
+            <a:spLocks noGrp="1"/>
+          </p:cNvSpPr>
+          <p:nvPr>
+            <p:ph type="body" idx="2"/>
+          </p:nvPr>
+        </p:nvSpPr>
+        <p:spPr/>
+        <p:txBody>
+          <a:bodyPr/>
+          <a:lstStyle/>
+          <a:p>
+            <a:r>
+              <a:rPr lang="pl-PL" dirty="0" smtClean="0"/>
+              <a:t>by Przemek Różycki</a:t>
+            </a:r>
+            <a:endParaRPr lang="en-GB" dirty="0"/>
+          </a:p>
+        </p:txBody>
+      </p:sp>
+      <p:sp>
+        <p:nvSpPr>
+          <p:cNvPr id="4" name="Symbol zastępczy zawartości 3"/>
+          <p:cNvSpPr>
+            <a:spLocks noGrp="1"/>
+          </p:cNvSpPr>
+          <p:nvPr>
+            <p:ph sz="half" idx="1"/>
+          </p:nvPr>
+        </p:nvSpPr>
+        <p:spPr/>
+        <p:txBody>
+          <a:bodyPr>
+            <a:normAutofit/>
+          </a:bodyPr>
+          <a:lstStyle/>
+          <a:p>
+            <a:r>
+              <a:rPr lang="pl-PL" sz="2800" dirty="0" err="1" smtClean="0"/>
+              <a:t>This</a:t>
+            </a:r>
+            <a:r>
+              <a:rPr lang="pl-PL" sz="2800" dirty="0" smtClean="0"/>
+              <a:t> </a:t>
+            </a:r>
+            <a:r>
+              <a:rPr lang="pl-PL" sz="2800" dirty="0" err="1" smtClean="0"/>
+              <a:t>presentation</a:t>
+            </a:r>
+            <a:r>
+              <a:rPr lang="pl-PL" sz="2800" dirty="0" smtClean="0"/>
+              <a:t> and </a:t>
+            </a:r>
+            <a:r>
+              <a:rPr lang="pl-PL" sz="2800" dirty="0" err="1" smtClean="0"/>
+              <a:t>examples</a:t>
+            </a:r>
+            <a:endParaRPr lang="pl-PL" sz="2800" dirty="0" smtClean="0"/>
+          </a:p>
+          <a:p>
+            <a:pPr lvl="1"/>
+            <a:r>
+              <a:rPr lang="en-GB" sz="2000" dirty="0" smtClean="0">
+                <a:hlinkClick r:id="rId2"/>
+              </a:rPr>
+              <a:t>https</a:t>
+            </a:r>
+            <a:r>
+              <a:rPr lang="en-GB" sz="2000" dirty="0">
+                <a:hlinkClick r:id="rId2"/>
+              </a:rPr>
+              <a:t>://</a:t>
+            </a:r>
+            <a:r>
+              <a:rPr lang="en-GB" sz="2000" dirty="0" smtClean="0">
+                <a:hlinkClick r:id="rId2"/>
+              </a:rPr>
+              <a:t>github.com/rozz/drools-presentation-and-examples/tree/master-drools-6-jug</a:t>
+            </a:r>
+            <a:endParaRPr lang="pl-PL" sz="2000" dirty="0" smtClean="0"/>
+          </a:p>
+          <a:p>
+            <a:r>
+              <a:rPr lang="pl-PL" sz="2800" dirty="0" err="1" smtClean="0"/>
+              <a:t>Drools</a:t>
+            </a:r>
+            <a:r>
+              <a:rPr lang="pl-PL" sz="2800" dirty="0" smtClean="0"/>
+              <a:t> </a:t>
+            </a:r>
+            <a:r>
+              <a:rPr lang="pl-PL" sz="2800" dirty="0" err="1" smtClean="0"/>
+              <a:t>documentation</a:t>
+            </a:r>
+            <a:endParaRPr lang="pl-PL" sz="2800" dirty="0" smtClean="0"/>
+          </a:p>
+          <a:p>
+            <a:pPr lvl="1"/>
+            <a:r>
+              <a:rPr lang="en-GB" sz="2000" dirty="0" smtClean="0">
+                <a:hlinkClick r:id="rId3"/>
+              </a:rPr>
+              <a:t>http</a:t>
+            </a:r>
+            <a:r>
+              <a:rPr lang="en-GB" sz="2000" dirty="0">
+                <a:hlinkClick r:id="rId3"/>
+              </a:rPr>
+              <a:t>://</a:t>
+            </a:r>
+            <a:r>
+              <a:rPr lang="en-GB" sz="2000" dirty="0" smtClean="0">
+                <a:hlinkClick r:id="rId3"/>
+              </a:rPr>
+              <a:t>www.jboss.org/drools/documentation</a:t>
+            </a:r>
+            <a:endParaRPr lang="pl-PL" sz="2000" dirty="0" smtClean="0"/>
+          </a:p>
+          <a:p>
+            <a:pPr lvl="1"/>
+            <a:r>
+              <a:rPr lang="en-GB" sz="2000" dirty="0" smtClean="0">
+                <a:hlinkClick r:id="rId4"/>
+              </a:rPr>
+              <a:t>https</a:t>
+            </a:r>
+            <a:r>
+              <a:rPr lang="en-GB" sz="2000" dirty="0">
+                <a:hlinkClick r:id="rId4"/>
+              </a:rPr>
+              <a:t>://</a:t>
+            </a:r>
+            <a:r>
+              <a:rPr lang="en-GB" sz="2000" dirty="0" smtClean="0">
+                <a:hlinkClick r:id="rId4"/>
+              </a:rPr>
+              <a:t>community.jboss.org/wiki/JBossRules</a:t>
+            </a:r>
+            <a:endParaRPr lang="pl-PL" sz="2000" dirty="0" smtClean="0"/>
+          </a:p>
+          <a:p>
+            <a:r>
+              <a:rPr lang="pl-PL" sz="2800" dirty="0" smtClean="0"/>
+              <a:t>Komercyjne </a:t>
+            </a:r>
+            <a:r>
+              <a:rPr lang="pl-PL" sz="2800" dirty="0" err="1" smtClean="0"/>
+              <a:t>Droolsy</a:t>
+            </a:r>
+            <a:r>
+              <a:rPr lang="pl-PL" sz="2800" dirty="0" smtClean="0"/>
+              <a:t> </a:t>
+            </a:r>
+            <a:r>
+              <a:rPr lang="pl-PL" sz="2800" dirty="0" err="1" smtClean="0"/>
+              <a:t>RedHata</a:t>
+            </a:r>
+            <a:endParaRPr lang="pl-PL" sz="2800" dirty="0" smtClean="0">
+              <a:hlinkClick r:id="rId5"/>
+            </a:endParaRPr>
+          </a:p>
+          <a:p>
+            <a:pPr lvl="1"/>
+            <a:r>
+              <a:rPr lang="en-GB" sz="2000" dirty="0" smtClean="0">
+                <a:hlinkClick r:id="rId5"/>
+              </a:rPr>
+              <a:t>http</a:t>
+            </a:r>
+            <a:r>
+              <a:rPr lang="en-GB" sz="2000" dirty="0">
+                <a:hlinkClick r:id="rId5"/>
+              </a:rPr>
+              <a:t>://www.redhat.com/products/jbossenterprisemiddleware/business-rules</a:t>
+            </a:r>
+            <a:r>
+              <a:rPr lang="en-GB" sz="2000" dirty="0" smtClean="0">
+                <a:hlinkClick r:id="rId5"/>
+              </a:rPr>
+              <a:t>/</a:t>
+            </a:r>
+            <a:endParaRPr lang="pl-PL" sz="2000" dirty="0" smtClean="0"/>
+          </a:p>
+        </p:txBody>
+      </p:sp>
+    </p:spTree>
+    <p:extLst>
+      <p:ext uri="{BB962C8B-B14F-4D97-AF65-F5344CB8AC3E}">
+        <p14:creationId xmlns:p14="http://schemas.microsoft.com/office/powerpoint/2010/main" val="823432182"/>
       </p:ext>
     </p:extLst>
   </p:cSld>
